--- a/火车票/火车票.pptx
+++ b/火车票/火车票.pptx
@@ -8,15 +8,22 @@
     <p:sldId id="258" r:id="rId2"/>
     <p:sldId id="264" r:id="rId3"/>
     <p:sldId id="263" r:id="rId4"/>
-    <p:sldId id="256" r:id="rId5"/>
-    <p:sldId id="261" r:id="rId6"/>
-    <p:sldId id="259" r:id="rId7"/>
-    <p:sldId id="260" r:id="rId8"/>
-    <p:sldId id="262" r:id="rId9"/>
-    <p:sldId id="265" r:id="rId10"/>
-    <p:sldId id="266" r:id="rId11"/>
-    <p:sldId id="267" r:id="rId12"/>
-    <p:sldId id="268" r:id="rId13"/>
+    <p:sldId id="273" r:id="rId5"/>
+    <p:sldId id="256" r:id="rId6"/>
+    <p:sldId id="261" r:id="rId7"/>
+    <p:sldId id="259" r:id="rId8"/>
+    <p:sldId id="260" r:id="rId9"/>
+    <p:sldId id="262" r:id="rId10"/>
+    <p:sldId id="271" r:id="rId11"/>
+    <p:sldId id="276" r:id="rId12"/>
+    <p:sldId id="265" r:id="rId13"/>
+    <p:sldId id="274" r:id="rId14"/>
+    <p:sldId id="278" r:id="rId15"/>
+    <p:sldId id="266" r:id="rId16"/>
+    <p:sldId id="275" r:id="rId17"/>
+    <p:sldId id="270" r:id="rId18"/>
+    <p:sldId id="277" r:id="rId19"/>
+    <p:sldId id="272" r:id="rId20"/>
   </p:sldIdLst>
   <p:sldSz cx="12192000" cy="6858000"/>
   <p:notesSz cx="6858000" cy="9144000"/>
@@ -115,6 +122,11 @@
       </a:defRPr>
     </a:lvl9pPr>
   </p:defaultTextStyle>
+  <p:extLst>
+    <p:ext uri="{EFAFB233-063F-42B5-8137-9DF3F51BA10A}">
+      <p15:sldGuideLst xmlns:p15="http://schemas.microsoft.com/office/powerpoint/2012/main"/>
+    </p:ext>
+  </p:extLst>
 </p:presentation>
 </file>
 
@@ -249,7 +261,7 @@
           <a:p>
             <a:fld id="{BBADCC27-5C76-44BF-90BC-478D7AEA318F}" type="datetimeFigureOut">
               <a:rPr lang="zh-CN" altLang="en-US" smtClean="0"/>
-              <a:t>2017/7/21 Friday</a:t>
+              <a:t>2017/7/23 Sunday</a:t>
             </a:fld>
             <a:endParaRPr lang="zh-CN" altLang="en-US"/>
           </a:p>
@@ -419,7 +431,7 @@
           <a:p>
             <a:fld id="{BBADCC27-5C76-44BF-90BC-478D7AEA318F}" type="datetimeFigureOut">
               <a:rPr lang="zh-CN" altLang="en-US" smtClean="0"/>
-              <a:t>2017/7/21 Friday</a:t>
+              <a:t>2017/7/23 Sunday</a:t>
             </a:fld>
             <a:endParaRPr lang="zh-CN" altLang="en-US"/>
           </a:p>
@@ -599,7 +611,7 @@
           <a:p>
             <a:fld id="{BBADCC27-5C76-44BF-90BC-478D7AEA318F}" type="datetimeFigureOut">
               <a:rPr lang="zh-CN" altLang="en-US" smtClean="0"/>
-              <a:t>2017/7/21 Friday</a:t>
+              <a:t>2017/7/23 Sunday</a:t>
             </a:fld>
             <a:endParaRPr lang="zh-CN" altLang="en-US"/>
           </a:p>
@@ -769,7 +781,7 @@
           <a:p>
             <a:fld id="{BBADCC27-5C76-44BF-90BC-478D7AEA318F}" type="datetimeFigureOut">
               <a:rPr lang="zh-CN" altLang="en-US" smtClean="0"/>
-              <a:t>2017/7/21 Friday</a:t>
+              <a:t>2017/7/23 Sunday</a:t>
             </a:fld>
             <a:endParaRPr lang="zh-CN" altLang="en-US"/>
           </a:p>
@@ -1015,7 +1027,7 @@
           <a:p>
             <a:fld id="{BBADCC27-5C76-44BF-90BC-478D7AEA318F}" type="datetimeFigureOut">
               <a:rPr lang="zh-CN" altLang="en-US" smtClean="0"/>
-              <a:t>2017/7/21 Friday</a:t>
+              <a:t>2017/7/23 Sunday</a:t>
             </a:fld>
             <a:endParaRPr lang="zh-CN" altLang="en-US"/>
           </a:p>
@@ -1247,7 +1259,7 @@
           <a:p>
             <a:fld id="{BBADCC27-5C76-44BF-90BC-478D7AEA318F}" type="datetimeFigureOut">
               <a:rPr lang="zh-CN" altLang="en-US" smtClean="0"/>
-              <a:t>2017/7/21 Friday</a:t>
+              <a:t>2017/7/23 Sunday</a:t>
             </a:fld>
             <a:endParaRPr lang="zh-CN" altLang="en-US"/>
           </a:p>
@@ -1614,7 +1626,7 @@
           <a:p>
             <a:fld id="{BBADCC27-5C76-44BF-90BC-478D7AEA318F}" type="datetimeFigureOut">
               <a:rPr lang="zh-CN" altLang="en-US" smtClean="0"/>
-              <a:t>2017/7/21 Friday</a:t>
+              <a:t>2017/7/23 Sunday</a:t>
             </a:fld>
             <a:endParaRPr lang="zh-CN" altLang="en-US"/>
           </a:p>
@@ -1732,7 +1744,7 @@
           <a:p>
             <a:fld id="{BBADCC27-5C76-44BF-90BC-478D7AEA318F}" type="datetimeFigureOut">
               <a:rPr lang="zh-CN" altLang="en-US" smtClean="0"/>
-              <a:t>2017/7/21 Friday</a:t>
+              <a:t>2017/7/23 Sunday</a:t>
             </a:fld>
             <a:endParaRPr lang="zh-CN" altLang="en-US"/>
           </a:p>
@@ -1827,7 +1839,7 @@
           <a:p>
             <a:fld id="{BBADCC27-5C76-44BF-90BC-478D7AEA318F}" type="datetimeFigureOut">
               <a:rPr lang="zh-CN" altLang="en-US" smtClean="0"/>
-              <a:t>2017/7/21 Friday</a:t>
+              <a:t>2017/7/23 Sunday</a:t>
             </a:fld>
             <a:endParaRPr lang="zh-CN" altLang="en-US"/>
           </a:p>
@@ -2104,7 +2116,7 @@
           <a:p>
             <a:fld id="{BBADCC27-5C76-44BF-90BC-478D7AEA318F}" type="datetimeFigureOut">
               <a:rPr lang="zh-CN" altLang="en-US" smtClean="0"/>
-              <a:t>2017/7/21 Friday</a:t>
+              <a:t>2017/7/23 Sunday</a:t>
             </a:fld>
             <a:endParaRPr lang="zh-CN" altLang="en-US"/>
           </a:p>
@@ -2357,7 +2369,7 @@
           <a:p>
             <a:fld id="{BBADCC27-5C76-44BF-90BC-478D7AEA318F}" type="datetimeFigureOut">
               <a:rPr lang="zh-CN" altLang="en-US" smtClean="0"/>
-              <a:t>2017/7/21 Friday</a:t>
+              <a:t>2017/7/23 Sunday</a:t>
             </a:fld>
             <a:endParaRPr lang="zh-CN" altLang="en-US"/>
           </a:p>
@@ -2570,7 +2582,7 @@
           <a:p>
             <a:fld id="{BBADCC27-5C76-44BF-90BC-478D7AEA318F}" type="datetimeFigureOut">
               <a:rPr lang="zh-CN" altLang="en-US" smtClean="0"/>
-              <a:t>2017/7/21 Friday</a:t>
+              <a:t>2017/7/23 Sunday</a:t>
             </a:fld>
             <a:endParaRPr lang="zh-CN" altLang="en-US"/>
           </a:p>
@@ -3066,14 +3078,14 @@
       </p:grpSpPr>
       <p:sp>
         <p:nvSpPr>
-          <p:cNvPr id="3" name="文本框 2"/>
+          <p:cNvPr id="6" name="文本框 5"/>
           <p:cNvSpPr txBox="1"/>
           <p:nvPr/>
         </p:nvSpPr>
         <p:spPr>
           <a:xfrm>
-            <a:off x="1528549" y="641445"/>
-            <a:ext cx="4108817" cy="369332"/>
+            <a:off x="2963838" y="860651"/>
+            <a:ext cx="7681416" cy="646331"/>
           </a:xfrm>
           <a:prstGeom prst="rect">
             <a:avLst/>
@@ -3081,45 +3093,29 @@
           <a:noFill/>
         </p:spPr>
         <p:txBody>
-          <a:bodyPr wrap="none" rtlCol="0">
+          <a:bodyPr wrap="square" rtlCol="0">
             <a:spAutoFit/>
           </a:bodyPr>
           <a:lstStyle/>
           <a:p>
             <a:r>
-              <a:rPr lang="zh-CN" altLang="en-US" dirty="0" smtClean="0"/>
-              <a:t>火车票</a:t>
-            </a:r>
-            <a:r>
-              <a:rPr lang="en-US" altLang="zh-CN" dirty="0" smtClean="0"/>
-              <a:t>(</a:t>
-            </a:r>
-            <a:r>
-              <a:rPr lang="zh-CN" altLang="en-US" dirty="0" smtClean="0"/>
-              <a:t>春节回家过年</a:t>
-            </a:r>
-            <a:r>
-              <a:rPr lang="en-US" altLang="zh-CN" dirty="0" smtClean="0"/>
-              <a:t>)</a:t>
-            </a:r>
-            <a:r>
-              <a:rPr lang="zh-CN" altLang="en-US" dirty="0" smtClean="0"/>
-              <a:t>是刚需还是商品</a:t>
-            </a:r>
-            <a:endParaRPr lang="zh-CN" altLang="en-US" dirty="0"/>
-          </a:p>
-        </p:txBody>
-      </p:sp>
-      <p:sp>
-        <p:nvSpPr>
-          <p:cNvPr id="6" name="文本框 5"/>
+              <a:rPr lang="zh-CN" altLang="en-US" sz="3600" dirty="0" smtClean="0"/>
+              <a:t>火车票价格到底高不高</a:t>
+            </a:r>
+            <a:endParaRPr lang="zh-CN" altLang="en-US" sz="3600" dirty="0"/>
+          </a:p>
+        </p:txBody>
+      </p:sp>
+      <p:sp>
+        <p:nvSpPr>
+          <p:cNvPr id="9" name="文本框 8"/>
           <p:cNvSpPr txBox="1"/>
           <p:nvPr/>
         </p:nvSpPr>
         <p:spPr>
           <a:xfrm>
-            <a:off x="3455157" y="1010777"/>
-            <a:ext cx="2031325" cy="646331"/>
+            <a:off x="2963838" y="1715405"/>
+            <a:ext cx="877163" cy="369332"/>
           </a:xfrm>
           <a:prstGeom prst="rect">
             <a:avLst/>
@@ -3133,23 +3129,30 @@
           <a:lstStyle/>
           <a:p>
             <a:r>
-              <a:rPr lang="zh-CN" altLang="en-US" sz="3600" dirty="0" smtClean="0"/>
-              <a:t>没有刚需</a:t>
-            </a:r>
-            <a:endParaRPr lang="zh-CN" altLang="en-US" sz="3600" dirty="0"/>
+              <a:rPr lang="zh-CN" altLang="en-US" dirty="0" smtClean="0"/>
+              <a:t>回家难</a:t>
+            </a:r>
+            <a:endParaRPr lang="zh-CN" altLang="en-US" dirty="0"/>
           </a:p>
         </p:txBody>
       </p:sp>
     </p:spTree>
     <p:extLst>
       <p:ext uri="{BB962C8B-B14F-4D97-AF65-F5344CB8AC3E}">
-        <p14:creationId xmlns:p14="http://schemas.microsoft.com/office/powerpoint/2010/main" val="2363586562"/>
+        <p14:creationId xmlns:p14="http://schemas.microsoft.com/office/powerpoint/2010/main" val="3516438114"/>
       </p:ext>
     </p:extLst>
   </p:cSld>
   <p:clrMapOvr>
     <a:masterClrMapping/>
   </p:clrMapOvr>
+  <p:timing>
+    <p:tnLst>
+      <p:par>
+        <p:cTn id="1" dur="indefinite" restart="never" nodeType="tmRoot"/>
+      </p:par>
+    </p:tnLst>
+  </p:timing>
 </p:sld>
 </file>
 
@@ -3178,8 +3181,8 @@
         </p:nvSpPr>
         <p:spPr>
           <a:xfrm>
-            <a:off x="3455157" y="1010777"/>
-            <a:ext cx="3877985" cy="646331"/>
+            <a:off x="2963838" y="860651"/>
+            <a:ext cx="7681416" cy="1200329"/>
           </a:xfrm>
           <a:prstGeom prst="rect">
             <a:avLst/>
@@ -3187,29 +3190,149 @@
           <a:noFill/>
         </p:spPr>
         <p:txBody>
+          <a:bodyPr wrap="square" rtlCol="0">
+            <a:spAutoFit/>
+          </a:bodyPr>
+          <a:lstStyle/>
+          <a:p>
+            <a:r>
+              <a:rPr lang="zh-CN" altLang="en-US" sz="3600" dirty="0"/>
+              <a:t>为什么火车票价格不能</a:t>
+            </a:r>
+            <a:r>
+              <a:rPr lang="zh-CN" altLang="en-US" sz="3600" dirty="0" smtClean="0"/>
+              <a:t>上涨</a:t>
+            </a:r>
+            <a:endParaRPr lang="en-US" altLang="zh-CN" sz="3600" dirty="0" smtClean="0"/>
+          </a:p>
+          <a:p>
+            <a:r>
+              <a:rPr lang="zh-CN" altLang="en-US" sz="3600" dirty="0" smtClean="0"/>
+              <a:t>价格</a:t>
+            </a:r>
+            <a:r>
+              <a:rPr lang="zh-CN" altLang="en-US" sz="3600" dirty="0" smtClean="0"/>
+              <a:t>管制原因（</a:t>
+            </a:r>
+            <a:r>
+              <a:rPr lang="en-US" altLang="zh-CN" sz="3600" dirty="0" smtClean="0"/>
+              <a:t>12</a:t>
+            </a:r>
+            <a:r>
+              <a:rPr lang="zh-CN" altLang="en-US" sz="3600" dirty="0" smtClean="0"/>
+              <a:t>周问答）</a:t>
+            </a:r>
+            <a:endParaRPr lang="zh-CN" altLang="en-US" sz="3600" dirty="0"/>
+          </a:p>
+        </p:txBody>
+      </p:sp>
+      <p:sp>
+        <p:nvSpPr>
+          <p:cNvPr id="4" name="文本框 3"/>
+          <p:cNvSpPr txBox="1"/>
+          <p:nvPr/>
+        </p:nvSpPr>
+        <p:spPr>
+          <a:xfrm>
+            <a:off x="3118763" y="2320119"/>
+            <a:ext cx="646331" cy="369332"/>
+          </a:xfrm>
+          <a:prstGeom prst="rect">
+            <a:avLst/>
+          </a:prstGeom>
+          <a:noFill/>
+        </p:spPr>
+        <p:txBody>
           <a:bodyPr wrap="none" rtlCol="0">
             <a:spAutoFit/>
           </a:bodyPr>
           <a:lstStyle/>
           <a:p>
             <a:r>
-              <a:rPr lang="zh-CN" altLang="en-US" sz="3600" dirty="0" smtClean="0"/>
-              <a:t>黄牛节省无谓损失</a:t>
-            </a:r>
-            <a:endParaRPr lang="zh-CN" altLang="en-US" sz="3600" dirty="0"/>
+              <a:rPr lang="zh-CN" altLang="en-US" dirty="0" smtClean="0"/>
+              <a:t>维稳</a:t>
+            </a:r>
+            <a:endParaRPr lang="zh-CN" altLang="en-US" dirty="0"/>
+          </a:p>
+        </p:txBody>
+      </p:sp>
+      <p:sp>
+        <p:nvSpPr>
+          <p:cNvPr id="7" name="文本框 6"/>
+          <p:cNvSpPr txBox="1"/>
+          <p:nvPr/>
+        </p:nvSpPr>
+        <p:spPr>
+          <a:xfrm>
+            <a:off x="3100315" y="2884395"/>
+            <a:ext cx="2829621" cy="369332"/>
+          </a:xfrm>
+          <a:prstGeom prst="rect">
+            <a:avLst/>
+          </a:prstGeom>
+          <a:noFill/>
+        </p:spPr>
+        <p:txBody>
+          <a:bodyPr wrap="none" rtlCol="0">
+            <a:spAutoFit/>
+          </a:bodyPr>
+          <a:lstStyle/>
+          <a:p>
+            <a:r>
+              <a:rPr lang="zh-CN" altLang="en-US" dirty="0" smtClean="0"/>
+              <a:t>既得利益者， 学生， 官员</a:t>
+            </a:r>
+            <a:endParaRPr lang="zh-CN" altLang="en-US" dirty="0"/>
+          </a:p>
+        </p:txBody>
+      </p:sp>
+      <p:sp>
+        <p:nvSpPr>
+          <p:cNvPr id="8" name="文本框 7"/>
+          <p:cNvSpPr txBox="1"/>
+          <p:nvPr/>
+        </p:nvSpPr>
+        <p:spPr>
+          <a:xfrm>
+            <a:off x="3100315" y="3448671"/>
+            <a:ext cx="1107996" cy="369332"/>
+          </a:xfrm>
+          <a:prstGeom prst="rect">
+            <a:avLst/>
+          </a:prstGeom>
+          <a:noFill/>
+        </p:spPr>
+        <p:txBody>
+          <a:bodyPr wrap="none" rtlCol="0">
+            <a:spAutoFit/>
+          </a:bodyPr>
+          <a:lstStyle/>
+          <a:p>
+            <a:r>
+              <a:rPr lang="zh-CN" altLang="en-US" dirty="0" smtClean="0"/>
+              <a:t>人们无知</a:t>
+            </a:r>
+            <a:endParaRPr lang="zh-CN" altLang="en-US" dirty="0"/>
           </a:p>
         </p:txBody>
       </p:sp>
     </p:spTree>
     <p:extLst>
       <p:ext uri="{BB962C8B-B14F-4D97-AF65-F5344CB8AC3E}">
-        <p14:creationId xmlns:p14="http://schemas.microsoft.com/office/powerpoint/2010/main" val="305616946"/>
+        <p14:creationId xmlns:p14="http://schemas.microsoft.com/office/powerpoint/2010/main" val="3890439"/>
       </p:ext>
     </p:extLst>
   </p:cSld>
   <p:clrMapOvr>
     <a:masterClrMapping/>
   </p:clrMapOvr>
+  <p:timing>
+    <p:tnLst>
+      <p:par>
+        <p:cTn id="1" dur="indefinite" restart="never" nodeType="tmRoot"/>
+      </p:par>
+    </p:tnLst>
+  </p:timing>
 </p:sld>
 </file>
 
@@ -3238,8 +3361,8 @@
         </p:nvSpPr>
         <p:spPr>
           <a:xfrm>
-            <a:off x="3455157" y="1010777"/>
-            <a:ext cx="4339650" cy="646331"/>
+            <a:off x="1981199" y="601344"/>
+            <a:ext cx="5252114" cy="646331"/>
           </a:xfrm>
           <a:prstGeom prst="rect">
             <a:avLst/>
@@ -3247,29 +3370,1076 @@
           <a:noFill/>
         </p:spPr>
         <p:txBody>
-          <a:bodyPr wrap="none" rtlCol="0">
+          <a:bodyPr wrap="square" rtlCol="0">
             <a:spAutoFit/>
           </a:bodyPr>
           <a:lstStyle/>
           <a:p>
             <a:r>
               <a:rPr lang="zh-CN" altLang="en-US" sz="3600" dirty="0" smtClean="0"/>
-              <a:t>实名制使火车票更贵</a:t>
+              <a:t>火车票是刚需</a:t>
             </a:r>
             <a:endParaRPr lang="zh-CN" altLang="en-US" sz="3600" dirty="0"/>
+          </a:p>
+        </p:txBody>
+      </p:sp>
+      <p:sp>
+        <p:nvSpPr>
+          <p:cNvPr id="2" name="矩形 1"/>
+          <p:cNvSpPr/>
+          <p:nvPr/>
+        </p:nvSpPr>
+        <p:spPr>
+          <a:xfrm>
+            <a:off x="573204" y="1397800"/>
+            <a:ext cx="11313993" cy="1200329"/>
+          </a:xfrm>
+          <a:prstGeom prst="rect">
+            <a:avLst/>
+          </a:prstGeom>
+        </p:spPr>
+        <p:txBody>
+          <a:bodyPr wrap="square">
+            <a:spAutoFit/>
+          </a:bodyPr>
+          <a:lstStyle/>
+          <a:p>
+            <a:r>
+              <a:rPr lang="zh-CN" altLang="en-US" dirty="0">
+                <a:solidFill>
+                  <a:srgbClr val="000000"/>
+                </a:solidFill>
+                <a:latin typeface="宋体" panose="02010600030101010101" pitchFamily="2" charset="-122"/>
+              </a:rPr>
+              <a:t>回家过年的需求是刚性的，意思是不管价格多高，乘客还是要回家过年，所以提价只会让铁路系统多赚钱，而不能降低乘客回家过年的愿望。这是没有学透。向右下倾斜的需求曲线，每个点的弹性都不同，只要价格到位，刚性需求就自然会软化。如果说有些旅客回家过年的需求曲线不是右下倾斜而是垂直的，那么这些旅客就应该不惜一切代价回家，就不会非要等放假才回家，更不会非要坐火车才回家。</a:t>
+            </a:r>
+            <a:endParaRPr lang="zh-CN" altLang="en-US" dirty="0"/>
+          </a:p>
+        </p:txBody>
+      </p:sp>
+      <p:sp>
+        <p:nvSpPr>
+          <p:cNvPr id="4" name="矩形 3"/>
+          <p:cNvSpPr/>
+          <p:nvPr/>
+        </p:nvSpPr>
+        <p:spPr>
+          <a:xfrm>
+            <a:off x="573205" y="2748255"/>
+            <a:ext cx="11313993" cy="1477328"/>
+          </a:xfrm>
+          <a:prstGeom prst="rect">
+            <a:avLst/>
+          </a:prstGeom>
+        </p:spPr>
+        <p:txBody>
+          <a:bodyPr wrap="square">
+            <a:spAutoFit/>
+          </a:bodyPr>
+          <a:lstStyle/>
+          <a:p>
+            <a:r>
+              <a:rPr lang="zh-CN" altLang="en-US" dirty="0">
+                <a:solidFill>
+                  <a:srgbClr val="444444"/>
+                </a:solidFill>
+                <a:latin typeface="Tahoma" panose="020B0604030504040204" pitchFamily="34" charset="0"/>
+              </a:rPr>
+              <a:t>这世界上的东西可分成两种：第一种不是必需品，比如说女性的高档化妆品，那这类东西一旦发现供不应求，直接涨价就是了，否则百货商场还不排大队。而另外一种东西那叫刚需，你学经济学的应该懂这个词吧，那是必需品。比如说农民工春节回家的火车票，这个时候你再出馊主意，让涨价。首先是伤天害理嘛，你想农民工弱势群体，一年挣不了多少钱，你这一涨价，多少天就白干。而更重要的是，啥叫刚需？就是这个需求并不因为价格的波动而发生变化，中国人嘛，一年到春节的时候总得回趟家，再高的票价也拦不住他们归家的心。</a:t>
+            </a:r>
+            <a:endParaRPr lang="zh-CN" altLang="en-US" dirty="0"/>
           </a:p>
         </p:txBody>
       </p:sp>
     </p:spTree>
     <p:extLst>
       <p:ext uri="{BB962C8B-B14F-4D97-AF65-F5344CB8AC3E}">
-        <p14:creationId xmlns:p14="http://schemas.microsoft.com/office/powerpoint/2010/main" val="1962473951"/>
+        <p14:creationId xmlns:p14="http://schemas.microsoft.com/office/powerpoint/2010/main" val="1531118542"/>
       </p:ext>
     </p:extLst>
   </p:cSld>
   <p:clrMapOvr>
     <a:masterClrMapping/>
   </p:clrMapOvr>
+</p:sld>
+</file>
+
+<file path=ppt/slides/slide13.xml><?xml version="1.0" encoding="utf-8"?>
+<p:sld xmlns:a="http://schemas.openxmlformats.org/drawingml/2006/main" xmlns:r="http://schemas.openxmlformats.org/officeDocument/2006/relationships" xmlns:p="http://schemas.openxmlformats.org/presentationml/2006/main">
+  <p:cSld>
+    <p:spTree>
+      <p:nvGrpSpPr>
+        <p:cNvPr id="1" name=""/>
+        <p:cNvGrpSpPr/>
+        <p:nvPr/>
+      </p:nvGrpSpPr>
+      <p:grpSpPr>
+        <a:xfrm>
+          <a:off x="0" y="0"/>
+          <a:ext cx="0" cy="0"/>
+          <a:chOff x="0" y="0"/>
+          <a:chExt cx="0" cy="0"/>
+        </a:xfrm>
+      </p:grpSpPr>
+      <p:sp>
+        <p:nvSpPr>
+          <p:cNvPr id="6" name="文本框 5"/>
+          <p:cNvSpPr txBox="1"/>
+          <p:nvPr/>
+        </p:nvSpPr>
+        <p:spPr>
+          <a:xfrm>
+            <a:off x="1981199" y="601344"/>
+            <a:ext cx="5252114" cy="646331"/>
+          </a:xfrm>
+          <a:prstGeom prst="rect">
+            <a:avLst/>
+          </a:prstGeom>
+          <a:noFill/>
+        </p:spPr>
+        <p:txBody>
+          <a:bodyPr wrap="square" rtlCol="0">
+            <a:spAutoFit/>
+          </a:bodyPr>
+          <a:lstStyle/>
+          <a:p>
+            <a:r>
+              <a:rPr lang="zh-CN" altLang="en-US" sz="3600" dirty="0" smtClean="0"/>
+              <a:t>需求第一定律</a:t>
+            </a:r>
+            <a:endParaRPr lang="zh-CN" altLang="en-US" sz="3600" dirty="0"/>
+          </a:p>
+        </p:txBody>
+      </p:sp>
+      <p:pic>
+        <p:nvPicPr>
+          <p:cNvPr id="2" name="图片 1"/>
+          <p:cNvPicPr>
+            <a:picLocks noChangeAspect="1"/>
+          </p:cNvPicPr>
+          <p:nvPr/>
+        </p:nvPicPr>
+        <p:blipFill>
+          <a:blip r:embed="rId2">
+            <a:extLst>
+              <a:ext uri="{28A0092B-C50C-407E-A947-70E740481C1C}">
+                <a14:useLocalDpi xmlns:a14="http://schemas.microsoft.com/office/drawing/2010/main" val="0"/>
+              </a:ext>
+            </a:extLst>
+          </a:blip>
+          <a:stretch>
+            <a:fillRect/>
+          </a:stretch>
+        </p:blipFill>
+        <p:spPr>
+          <a:xfrm>
+            <a:off x="2475647" y="1247675"/>
+            <a:ext cx="6667500" cy="4076700"/>
+          </a:xfrm>
+          <a:prstGeom prst="rect">
+            <a:avLst/>
+          </a:prstGeom>
+        </p:spPr>
+      </p:pic>
+    </p:spTree>
+    <p:extLst>
+      <p:ext uri="{BB962C8B-B14F-4D97-AF65-F5344CB8AC3E}">
+        <p14:creationId xmlns:p14="http://schemas.microsoft.com/office/powerpoint/2010/main" val="3685188938"/>
+      </p:ext>
+    </p:extLst>
+  </p:cSld>
+  <p:clrMapOvr>
+    <a:masterClrMapping/>
+  </p:clrMapOvr>
+</p:sld>
+</file>
+
+<file path=ppt/slides/slide14.xml><?xml version="1.0" encoding="utf-8"?>
+<p:sld xmlns:a="http://schemas.openxmlformats.org/drawingml/2006/main" xmlns:r="http://schemas.openxmlformats.org/officeDocument/2006/relationships" xmlns:p="http://schemas.openxmlformats.org/presentationml/2006/main">
+  <p:cSld>
+    <p:spTree>
+      <p:nvGrpSpPr>
+        <p:cNvPr id="1" name=""/>
+        <p:cNvGrpSpPr/>
+        <p:nvPr/>
+      </p:nvGrpSpPr>
+      <p:grpSpPr>
+        <a:xfrm>
+          <a:off x="0" y="0"/>
+          <a:ext cx="0" cy="0"/>
+          <a:chOff x="0" y="0"/>
+          <a:chExt cx="0" cy="0"/>
+        </a:xfrm>
+      </p:grpSpPr>
+      <p:sp>
+        <p:nvSpPr>
+          <p:cNvPr id="6" name="文本框 5"/>
+          <p:cNvSpPr txBox="1"/>
+          <p:nvPr/>
+        </p:nvSpPr>
+        <p:spPr>
+          <a:xfrm>
+            <a:off x="1981199" y="601344"/>
+            <a:ext cx="5252114" cy="646331"/>
+          </a:xfrm>
+          <a:prstGeom prst="rect">
+            <a:avLst/>
+          </a:prstGeom>
+          <a:noFill/>
+        </p:spPr>
+        <p:txBody>
+          <a:bodyPr wrap="square" rtlCol="0">
+            <a:spAutoFit/>
+          </a:bodyPr>
+          <a:lstStyle/>
+          <a:p>
+            <a:r>
+              <a:rPr lang="zh-CN" altLang="en-US" sz="3600" dirty="0" smtClean="0"/>
+              <a:t>什么是刚</a:t>
+            </a:r>
+            <a:r>
+              <a:rPr lang="zh-CN" altLang="en-US" sz="3600" dirty="0" smtClean="0"/>
+              <a:t>需</a:t>
+            </a:r>
+            <a:endParaRPr lang="zh-CN" altLang="en-US" sz="3600" dirty="0"/>
+          </a:p>
+        </p:txBody>
+      </p:sp>
+      <p:sp>
+        <p:nvSpPr>
+          <p:cNvPr id="2" name="矩形 1"/>
+          <p:cNvSpPr/>
+          <p:nvPr/>
+        </p:nvSpPr>
+        <p:spPr>
+          <a:xfrm>
+            <a:off x="1981199" y="1247675"/>
+            <a:ext cx="4455066" cy="369332"/>
+          </a:xfrm>
+          <a:prstGeom prst="rect">
+            <a:avLst/>
+          </a:prstGeom>
+        </p:spPr>
+        <p:txBody>
+          <a:bodyPr wrap="none">
+            <a:spAutoFit/>
+          </a:bodyPr>
+          <a:lstStyle/>
+          <a:p>
+            <a:r>
+              <a:rPr lang="zh-CN" altLang="en-US" dirty="0" smtClean="0">
+                <a:solidFill>
+                  <a:srgbClr val="000000"/>
+                </a:solidFill>
+                <a:latin typeface="宋体" panose="02010600030101010101" pitchFamily="2" charset="-122"/>
+              </a:rPr>
+              <a:t>没有永远的奢侈品，也没有永远的必需品</a:t>
+            </a:r>
+            <a:endParaRPr lang="zh-CN" altLang="en-US" dirty="0"/>
+          </a:p>
+        </p:txBody>
+      </p:sp>
+      <p:sp>
+        <p:nvSpPr>
+          <p:cNvPr id="3" name="矩形 2"/>
+          <p:cNvSpPr/>
+          <p:nvPr/>
+        </p:nvSpPr>
+        <p:spPr>
+          <a:xfrm>
+            <a:off x="1981199" y="1795650"/>
+            <a:ext cx="9523864" cy="369332"/>
+          </a:xfrm>
+          <a:prstGeom prst="rect">
+            <a:avLst/>
+          </a:prstGeom>
+        </p:spPr>
+        <p:txBody>
+          <a:bodyPr wrap="square">
+            <a:spAutoFit/>
+          </a:bodyPr>
+          <a:lstStyle/>
+          <a:p>
+            <a:r>
+              <a:rPr lang="zh-CN" altLang="en-US" dirty="0">
+                <a:solidFill>
+                  <a:srgbClr val="333333"/>
+                </a:solidFill>
+                <a:latin typeface="Helvetica Neue"/>
+              </a:rPr>
+              <a:t>所谓的刚需是对市场的干涉产生的，政府该做的是保证市场的自由。</a:t>
+            </a:r>
+            <a:endParaRPr lang="zh-CN" altLang="en-US" dirty="0"/>
+          </a:p>
+        </p:txBody>
+      </p:sp>
+      <p:sp>
+        <p:nvSpPr>
+          <p:cNvPr id="4" name="矩形 3"/>
+          <p:cNvSpPr/>
+          <p:nvPr/>
+        </p:nvSpPr>
+        <p:spPr>
+          <a:xfrm>
+            <a:off x="1981199" y="2343625"/>
+            <a:ext cx="10056126" cy="646331"/>
+          </a:xfrm>
+          <a:prstGeom prst="rect">
+            <a:avLst/>
+          </a:prstGeom>
+        </p:spPr>
+        <p:txBody>
+          <a:bodyPr wrap="square">
+            <a:spAutoFit/>
+          </a:bodyPr>
+          <a:lstStyle/>
+          <a:p>
+            <a:r>
+              <a:rPr lang="en-US" altLang="zh-CN" dirty="0">
+                <a:solidFill>
+                  <a:srgbClr val="444444"/>
+                </a:solidFill>
+                <a:latin typeface="Tahoma" panose="020B0604030504040204" pitchFamily="34" charset="0"/>
+              </a:rPr>
+              <a:t>《</a:t>
+            </a:r>
+            <a:r>
+              <a:rPr lang="zh-CN" altLang="en-US" dirty="0">
+                <a:solidFill>
+                  <a:srgbClr val="444444"/>
+                </a:solidFill>
+                <a:latin typeface="Tahoma" panose="020B0604030504040204" pitchFamily="34" charset="0"/>
+              </a:rPr>
+              <a:t>富兰克林传</a:t>
+            </a:r>
+            <a:r>
+              <a:rPr lang="en-US" altLang="zh-CN" dirty="0">
+                <a:solidFill>
+                  <a:srgbClr val="444444"/>
+                </a:solidFill>
+                <a:latin typeface="Tahoma" panose="020B0604030504040204" pitchFamily="34" charset="0"/>
+              </a:rPr>
+              <a:t>》</a:t>
+            </a:r>
+            <a:r>
+              <a:rPr lang="zh-CN" altLang="en-US" dirty="0">
+                <a:solidFill>
+                  <a:srgbClr val="444444"/>
+                </a:solidFill>
+                <a:latin typeface="Tahoma" panose="020B0604030504040204" pitchFamily="34" charset="0"/>
+              </a:rPr>
+              <a:t>我们也做了一期节目，在那期节目当中我就讲了两句话：第一句呢？是挣钱很光荣。第二句呢？是合法做生意挣钱。是我知道的在这个世界上生存的最有尊严的方式。</a:t>
+            </a:r>
+            <a:endParaRPr lang="zh-CN" altLang="en-US" dirty="0"/>
+          </a:p>
+        </p:txBody>
+      </p:sp>
+      <p:sp>
+        <p:nvSpPr>
+          <p:cNvPr id="5" name="矩形 4"/>
+          <p:cNvSpPr/>
+          <p:nvPr/>
+        </p:nvSpPr>
+        <p:spPr>
+          <a:xfrm>
+            <a:off x="1981199" y="3210639"/>
+            <a:ext cx="10056126" cy="1200329"/>
+          </a:xfrm>
+          <a:prstGeom prst="rect">
+            <a:avLst/>
+          </a:prstGeom>
+        </p:spPr>
+        <p:txBody>
+          <a:bodyPr wrap="square">
+            <a:spAutoFit/>
+          </a:bodyPr>
+          <a:lstStyle/>
+          <a:p>
+            <a:r>
+              <a:rPr lang="zh-CN" altLang="en-US" dirty="0">
+                <a:solidFill>
+                  <a:srgbClr val="444444"/>
+                </a:solidFill>
+                <a:latin typeface="Tahoma" panose="020B0604030504040204" pitchFamily="34" charset="0"/>
+              </a:rPr>
+              <a:t>电影</a:t>
+            </a:r>
+            <a:r>
+              <a:rPr lang="en-US" altLang="zh-CN" dirty="0">
+                <a:solidFill>
+                  <a:srgbClr val="444444"/>
+                </a:solidFill>
+                <a:latin typeface="Tahoma" panose="020B0604030504040204" pitchFamily="34" charset="0"/>
+              </a:rPr>
+              <a:t>《1942》</a:t>
+            </a:r>
+            <a:r>
+              <a:rPr lang="zh-CN" altLang="en-US" dirty="0">
+                <a:solidFill>
+                  <a:srgbClr val="444444"/>
+                </a:solidFill>
+                <a:latin typeface="Tahoma" panose="020B0604030504040204" pitchFamily="34" charset="0"/>
+              </a:rPr>
+              <a:t>描述了上个世纪中国的一场大饥荒。这里面就有一个情节，一个小伙子好不容易找到一小包饼干，马上就跑去找他那个心爱的姑娘，说我要不分你一半，你让我亲热一下。你看，人都奄奄待毙了还琢磨这个，他还在肉体的片刻欢愉和自己活下去之间做比较和权衡。很多人都在讲，说人的生命的安全是这个文明的底线，那这可是刚需。</a:t>
+            </a:r>
+            <a:endParaRPr lang="zh-CN" altLang="en-US" dirty="0"/>
+          </a:p>
+        </p:txBody>
+      </p:sp>
+      <p:sp>
+        <p:nvSpPr>
+          <p:cNvPr id="7" name="矩形 6"/>
+          <p:cNvSpPr/>
+          <p:nvPr/>
+        </p:nvSpPr>
+        <p:spPr>
+          <a:xfrm>
+            <a:off x="1981199" y="4446985"/>
+            <a:ext cx="877163" cy="369332"/>
+          </a:xfrm>
+          <a:prstGeom prst="rect">
+            <a:avLst/>
+          </a:prstGeom>
+        </p:spPr>
+        <p:txBody>
+          <a:bodyPr wrap="none">
+            <a:spAutoFit/>
+          </a:bodyPr>
+          <a:lstStyle/>
+          <a:p>
+            <a:r>
+              <a:rPr lang="zh-CN" altLang="en-US" dirty="0">
+                <a:solidFill>
+                  <a:srgbClr val="444444"/>
+                </a:solidFill>
+                <a:latin typeface="Tahoma" panose="020B0604030504040204" pitchFamily="34" charset="0"/>
+              </a:rPr>
+              <a:t>地沟油</a:t>
+            </a:r>
+            <a:endParaRPr lang="zh-CN" altLang="en-US" dirty="0"/>
+          </a:p>
+        </p:txBody>
+      </p:sp>
+    </p:spTree>
+    <p:extLst>
+      <p:ext uri="{BB962C8B-B14F-4D97-AF65-F5344CB8AC3E}">
+        <p14:creationId xmlns:p14="http://schemas.microsoft.com/office/powerpoint/2010/main" val="818270726"/>
+      </p:ext>
+    </p:extLst>
+  </p:cSld>
+  <p:clrMapOvr>
+    <a:masterClrMapping/>
+  </p:clrMapOvr>
+</p:sld>
+</file>
+
+<file path=ppt/slides/slide15.xml><?xml version="1.0" encoding="utf-8"?>
+<p:sld xmlns:a="http://schemas.openxmlformats.org/drawingml/2006/main" xmlns:r="http://schemas.openxmlformats.org/officeDocument/2006/relationships" xmlns:p="http://schemas.openxmlformats.org/presentationml/2006/main">
+  <p:cSld>
+    <p:spTree>
+      <p:nvGrpSpPr>
+        <p:cNvPr id="1" name=""/>
+        <p:cNvGrpSpPr/>
+        <p:nvPr/>
+      </p:nvGrpSpPr>
+      <p:grpSpPr>
+        <a:xfrm>
+          <a:off x="0" y="0"/>
+          <a:ext cx="0" cy="0"/>
+          <a:chOff x="0" y="0"/>
+          <a:chExt cx="0" cy="0"/>
+        </a:xfrm>
+      </p:grpSpPr>
+      <p:sp>
+        <p:nvSpPr>
+          <p:cNvPr id="3" name="文本框 2"/>
+          <p:cNvSpPr txBox="1"/>
+          <p:nvPr/>
+        </p:nvSpPr>
+        <p:spPr>
+          <a:xfrm>
+            <a:off x="1528549" y="641445"/>
+            <a:ext cx="4108817" cy="369332"/>
+          </a:xfrm>
+          <a:prstGeom prst="rect">
+            <a:avLst/>
+          </a:prstGeom>
+          <a:noFill/>
+        </p:spPr>
+        <p:txBody>
+          <a:bodyPr wrap="none" rtlCol="0">
+            <a:spAutoFit/>
+          </a:bodyPr>
+          <a:lstStyle/>
+          <a:p>
+            <a:r>
+              <a:rPr lang="zh-CN" altLang="en-US" dirty="0" smtClean="0"/>
+              <a:t>火车票</a:t>
+            </a:r>
+            <a:r>
+              <a:rPr lang="en-US" altLang="zh-CN" dirty="0" smtClean="0"/>
+              <a:t>(</a:t>
+            </a:r>
+            <a:r>
+              <a:rPr lang="zh-CN" altLang="en-US" dirty="0" smtClean="0"/>
+              <a:t>春节回家过年</a:t>
+            </a:r>
+            <a:r>
+              <a:rPr lang="en-US" altLang="zh-CN" dirty="0" smtClean="0"/>
+              <a:t>)</a:t>
+            </a:r>
+            <a:r>
+              <a:rPr lang="zh-CN" altLang="en-US" dirty="0" smtClean="0"/>
+              <a:t>是刚需还是商品</a:t>
+            </a:r>
+            <a:endParaRPr lang="zh-CN" altLang="en-US" dirty="0"/>
+          </a:p>
+        </p:txBody>
+      </p:sp>
+      <p:sp>
+        <p:nvSpPr>
+          <p:cNvPr id="6" name="文本框 5"/>
+          <p:cNvSpPr txBox="1"/>
+          <p:nvPr/>
+        </p:nvSpPr>
+        <p:spPr>
+          <a:xfrm>
+            <a:off x="3455157" y="1010777"/>
+            <a:ext cx="2031325" cy="646331"/>
+          </a:xfrm>
+          <a:prstGeom prst="rect">
+            <a:avLst/>
+          </a:prstGeom>
+          <a:noFill/>
+        </p:spPr>
+        <p:txBody>
+          <a:bodyPr wrap="none" rtlCol="0">
+            <a:spAutoFit/>
+          </a:bodyPr>
+          <a:lstStyle/>
+          <a:p>
+            <a:r>
+              <a:rPr lang="zh-CN" altLang="en-US" sz="3600" dirty="0" smtClean="0"/>
+              <a:t>没有刚需</a:t>
+            </a:r>
+            <a:endParaRPr lang="zh-CN" altLang="en-US" sz="3600" dirty="0"/>
+          </a:p>
+        </p:txBody>
+      </p:sp>
+    </p:spTree>
+    <p:extLst>
+      <p:ext uri="{BB962C8B-B14F-4D97-AF65-F5344CB8AC3E}">
+        <p14:creationId xmlns:p14="http://schemas.microsoft.com/office/powerpoint/2010/main" val="2363586562"/>
+      </p:ext>
+    </p:extLst>
+  </p:cSld>
+  <p:clrMapOvr>
+    <a:masterClrMapping/>
+  </p:clrMapOvr>
+</p:sld>
+</file>
+
+<file path=ppt/slides/slide16.xml><?xml version="1.0" encoding="utf-8"?>
+<p:sld xmlns:a="http://schemas.openxmlformats.org/drawingml/2006/main" xmlns:r="http://schemas.openxmlformats.org/officeDocument/2006/relationships" xmlns:p="http://schemas.openxmlformats.org/presentationml/2006/main">
+  <p:cSld>
+    <p:spTree>
+      <p:nvGrpSpPr>
+        <p:cNvPr id="1" name=""/>
+        <p:cNvGrpSpPr/>
+        <p:nvPr/>
+      </p:nvGrpSpPr>
+      <p:grpSpPr>
+        <a:xfrm>
+          <a:off x="0" y="0"/>
+          <a:ext cx="0" cy="0"/>
+          <a:chOff x="0" y="0"/>
+          <a:chExt cx="0" cy="0"/>
+        </a:xfrm>
+      </p:grpSpPr>
+      <p:sp>
+        <p:nvSpPr>
+          <p:cNvPr id="6" name="文本框 5"/>
+          <p:cNvSpPr txBox="1"/>
+          <p:nvPr/>
+        </p:nvSpPr>
+        <p:spPr>
+          <a:xfrm>
+            <a:off x="2336039" y="587697"/>
+            <a:ext cx="6316922" cy="646331"/>
+          </a:xfrm>
+          <a:prstGeom prst="rect">
+            <a:avLst/>
+          </a:prstGeom>
+          <a:noFill/>
+        </p:spPr>
+        <p:txBody>
+          <a:bodyPr wrap="none" rtlCol="0">
+            <a:spAutoFit/>
+          </a:bodyPr>
+          <a:lstStyle/>
+          <a:p>
+            <a:r>
+              <a:rPr lang="zh-CN" altLang="en-US" sz="3600" dirty="0" smtClean="0"/>
+              <a:t>如何解决火车票购票难得问题</a:t>
+            </a:r>
+            <a:endParaRPr lang="zh-CN" altLang="en-US" sz="3600" dirty="0"/>
+          </a:p>
+        </p:txBody>
+      </p:sp>
+      <p:sp>
+        <p:nvSpPr>
+          <p:cNvPr id="2" name="矩形 1"/>
+          <p:cNvSpPr/>
+          <p:nvPr/>
+        </p:nvSpPr>
+        <p:spPr>
+          <a:xfrm>
+            <a:off x="2336039" y="2015192"/>
+            <a:ext cx="2206053" cy="369332"/>
+          </a:xfrm>
+          <a:prstGeom prst="rect">
+            <a:avLst/>
+          </a:prstGeom>
+        </p:spPr>
+        <p:txBody>
+          <a:bodyPr wrap="none">
+            <a:spAutoFit/>
+          </a:bodyPr>
+          <a:lstStyle/>
+          <a:p>
+            <a:r>
+              <a:rPr lang="en-US" altLang="zh-CN" dirty="0"/>
+              <a:t>2</a:t>
+            </a:r>
+            <a:r>
+              <a:rPr lang="en-US" altLang="zh-CN" dirty="0" smtClean="0"/>
+              <a:t>.</a:t>
+            </a:r>
+            <a:r>
+              <a:rPr lang="zh-CN" altLang="en-US" dirty="0" smtClean="0"/>
+              <a:t>黄牛</a:t>
+            </a:r>
+            <a:r>
+              <a:rPr lang="zh-CN" altLang="en-US" dirty="0"/>
+              <a:t>节省无谓损失</a:t>
+            </a:r>
+            <a:endParaRPr lang="zh-CN" altLang="en-US" dirty="0"/>
+          </a:p>
+        </p:txBody>
+      </p:sp>
+      <p:sp>
+        <p:nvSpPr>
+          <p:cNvPr id="3" name="矩形 2"/>
+          <p:cNvSpPr/>
+          <p:nvPr/>
+        </p:nvSpPr>
+        <p:spPr>
+          <a:xfrm>
+            <a:off x="2336039" y="1439944"/>
+            <a:ext cx="2436886" cy="369332"/>
+          </a:xfrm>
+          <a:prstGeom prst="rect">
+            <a:avLst/>
+          </a:prstGeom>
+        </p:spPr>
+        <p:txBody>
+          <a:bodyPr wrap="none">
+            <a:spAutoFit/>
+          </a:bodyPr>
+          <a:lstStyle/>
+          <a:p>
+            <a:r>
+              <a:rPr lang="en-US" altLang="zh-CN" dirty="0" smtClean="0"/>
+              <a:t>1.</a:t>
+            </a:r>
+            <a:r>
+              <a:rPr lang="zh-CN" altLang="en-US" dirty="0" smtClean="0"/>
+              <a:t>实名制</a:t>
+            </a:r>
+            <a:r>
+              <a:rPr lang="zh-CN" altLang="en-US" dirty="0"/>
+              <a:t>使火车票更贵</a:t>
+            </a:r>
+            <a:endParaRPr lang="zh-CN" altLang="en-US" dirty="0"/>
+          </a:p>
+        </p:txBody>
+      </p:sp>
+      <p:sp>
+        <p:nvSpPr>
+          <p:cNvPr id="5" name="矩形 4"/>
+          <p:cNvSpPr/>
+          <p:nvPr/>
+        </p:nvSpPr>
+        <p:spPr>
+          <a:xfrm>
+            <a:off x="2336038" y="2590440"/>
+            <a:ext cx="2667718" cy="369332"/>
+          </a:xfrm>
+          <a:prstGeom prst="rect">
+            <a:avLst/>
+          </a:prstGeom>
+        </p:spPr>
+        <p:txBody>
+          <a:bodyPr wrap="none">
+            <a:spAutoFit/>
+          </a:bodyPr>
+          <a:lstStyle/>
+          <a:p>
+            <a:r>
+              <a:rPr lang="en-US" altLang="zh-CN" dirty="0" smtClean="0"/>
+              <a:t>3.</a:t>
+            </a:r>
+            <a:r>
+              <a:rPr lang="zh-CN" altLang="en-US" dirty="0" smtClean="0"/>
+              <a:t>放开火车票的价格管制</a:t>
+            </a:r>
+            <a:endParaRPr lang="zh-CN" altLang="en-US" dirty="0"/>
+          </a:p>
+        </p:txBody>
+      </p:sp>
+    </p:spTree>
+    <p:extLst>
+      <p:ext uri="{BB962C8B-B14F-4D97-AF65-F5344CB8AC3E}">
+        <p14:creationId xmlns:p14="http://schemas.microsoft.com/office/powerpoint/2010/main" val="2900519539"/>
+      </p:ext>
+    </p:extLst>
+  </p:cSld>
+  <p:clrMapOvr>
+    <a:masterClrMapping/>
+  </p:clrMapOvr>
+</p:sld>
+</file>
+
+<file path=ppt/slides/slide17.xml><?xml version="1.0" encoding="utf-8"?>
+<p:sld xmlns:a="http://schemas.openxmlformats.org/drawingml/2006/main" xmlns:r="http://schemas.openxmlformats.org/officeDocument/2006/relationships" xmlns:p="http://schemas.openxmlformats.org/presentationml/2006/main">
+  <p:cSld>
+    <p:spTree>
+      <p:nvGrpSpPr>
+        <p:cNvPr id="1" name=""/>
+        <p:cNvGrpSpPr/>
+        <p:nvPr/>
+      </p:nvGrpSpPr>
+      <p:grpSpPr>
+        <a:xfrm>
+          <a:off x="0" y="0"/>
+          <a:ext cx="0" cy="0"/>
+          <a:chOff x="0" y="0"/>
+          <a:chExt cx="0" cy="0"/>
+        </a:xfrm>
+      </p:grpSpPr>
+      <p:sp>
+        <p:nvSpPr>
+          <p:cNvPr id="6" name="文本框 5"/>
+          <p:cNvSpPr txBox="1"/>
+          <p:nvPr/>
+        </p:nvSpPr>
+        <p:spPr>
+          <a:xfrm>
+            <a:off x="2963838" y="860651"/>
+            <a:ext cx="2031325" cy="646331"/>
+          </a:xfrm>
+          <a:prstGeom prst="rect">
+            <a:avLst/>
+          </a:prstGeom>
+          <a:noFill/>
+        </p:spPr>
+        <p:txBody>
+          <a:bodyPr wrap="none" rtlCol="0">
+            <a:spAutoFit/>
+          </a:bodyPr>
+          <a:lstStyle/>
+          <a:p>
+            <a:r>
+              <a:rPr lang="zh-CN" altLang="en-US" sz="3600" dirty="0" smtClean="0"/>
+              <a:t>价格</a:t>
+            </a:r>
+            <a:r>
+              <a:rPr lang="zh-CN" altLang="en-US" sz="3600" dirty="0"/>
+              <a:t>管制</a:t>
+            </a:r>
+            <a:endParaRPr lang="zh-CN" altLang="en-US" sz="3600" dirty="0"/>
+          </a:p>
+        </p:txBody>
+      </p:sp>
+    </p:spTree>
+    <p:extLst>
+      <p:ext uri="{BB962C8B-B14F-4D97-AF65-F5344CB8AC3E}">
+        <p14:creationId xmlns:p14="http://schemas.microsoft.com/office/powerpoint/2010/main" val="2803786362"/>
+      </p:ext>
+    </p:extLst>
+  </p:cSld>
+  <p:clrMapOvr>
+    <a:masterClrMapping/>
+  </p:clrMapOvr>
+  <p:timing>
+    <p:tnLst>
+      <p:par>
+        <p:cTn id="1" dur="indefinite" restart="never" nodeType="tmRoot"/>
+      </p:par>
+    </p:tnLst>
+  </p:timing>
+</p:sld>
+</file>
+
+<file path=ppt/slides/slide18.xml><?xml version="1.0" encoding="utf-8"?>
+<p:sld xmlns:a="http://schemas.openxmlformats.org/drawingml/2006/main" xmlns:r="http://schemas.openxmlformats.org/officeDocument/2006/relationships" xmlns:p="http://schemas.openxmlformats.org/presentationml/2006/main">
+  <p:cSld>
+    <p:spTree>
+      <p:nvGrpSpPr>
+        <p:cNvPr id="1" name=""/>
+        <p:cNvGrpSpPr/>
+        <p:nvPr/>
+      </p:nvGrpSpPr>
+      <p:grpSpPr>
+        <a:xfrm>
+          <a:off x="0" y="0"/>
+          <a:ext cx="0" cy="0"/>
+          <a:chOff x="0" y="0"/>
+          <a:chExt cx="0" cy="0"/>
+        </a:xfrm>
+      </p:grpSpPr>
+      <p:sp>
+        <p:nvSpPr>
+          <p:cNvPr id="6" name="文本框 5"/>
+          <p:cNvSpPr txBox="1"/>
+          <p:nvPr/>
+        </p:nvSpPr>
+        <p:spPr>
+          <a:xfrm>
+            <a:off x="2963838" y="860651"/>
+            <a:ext cx="3884397" cy="646331"/>
+          </a:xfrm>
+          <a:prstGeom prst="rect">
+            <a:avLst/>
+          </a:prstGeom>
+          <a:noFill/>
+        </p:spPr>
+        <p:txBody>
+          <a:bodyPr wrap="none" rtlCol="0">
+            <a:spAutoFit/>
+          </a:bodyPr>
+          <a:lstStyle/>
+          <a:p>
+            <a:r>
+              <a:rPr lang="zh-CN" altLang="en-US" sz="3600" dirty="0" smtClean="0"/>
+              <a:t>价格的作用（</a:t>
+            </a:r>
+            <a:r>
+              <a:rPr lang="en-US" altLang="zh-CN" sz="3600" dirty="0" smtClean="0"/>
+              <a:t>52</a:t>
+            </a:r>
+            <a:r>
+              <a:rPr lang="zh-CN" altLang="en-US" sz="3600" dirty="0" smtClean="0"/>
+              <a:t>）</a:t>
+            </a:r>
+            <a:endParaRPr lang="zh-CN" altLang="en-US" sz="3600" dirty="0"/>
+          </a:p>
+        </p:txBody>
+      </p:sp>
+      <p:sp>
+        <p:nvSpPr>
+          <p:cNvPr id="2" name="文本框 1"/>
+          <p:cNvSpPr txBox="1"/>
+          <p:nvPr/>
+        </p:nvSpPr>
+        <p:spPr>
+          <a:xfrm>
+            <a:off x="3138985" y="2115403"/>
+            <a:ext cx="1359668" cy="369332"/>
+          </a:xfrm>
+          <a:prstGeom prst="rect">
+            <a:avLst/>
+          </a:prstGeom>
+          <a:noFill/>
+        </p:spPr>
+        <p:txBody>
+          <a:bodyPr wrap="none" rtlCol="0">
+            <a:spAutoFit/>
+          </a:bodyPr>
+          <a:lstStyle/>
+          <a:p>
+            <a:r>
+              <a:rPr lang="zh-CN" altLang="en-US" dirty="0" smtClean="0"/>
+              <a:t>传递稀缺性</a:t>
+            </a:r>
+            <a:endParaRPr lang="zh-CN" altLang="en-US" dirty="0"/>
+          </a:p>
+        </p:txBody>
+      </p:sp>
+      <p:sp>
+        <p:nvSpPr>
+          <p:cNvPr id="4" name="文本框 3"/>
+          <p:cNvSpPr txBox="1"/>
+          <p:nvPr/>
+        </p:nvSpPr>
+        <p:spPr>
+          <a:xfrm>
+            <a:off x="3138985" y="2723824"/>
+            <a:ext cx="1107996" cy="369332"/>
+          </a:xfrm>
+          <a:prstGeom prst="rect">
+            <a:avLst/>
+          </a:prstGeom>
+          <a:noFill/>
+        </p:spPr>
+        <p:txBody>
+          <a:bodyPr wrap="none" rtlCol="0">
+            <a:spAutoFit/>
+          </a:bodyPr>
+          <a:lstStyle/>
+          <a:p>
+            <a:r>
+              <a:rPr lang="zh-CN" altLang="en-US" dirty="0" smtClean="0"/>
+              <a:t>指导生产</a:t>
+            </a:r>
+            <a:endParaRPr lang="zh-CN" altLang="en-US" dirty="0"/>
+          </a:p>
+        </p:txBody>
+      </p:sp>
+      <p:sp>
+        <p:nvSpPr>
+          <p:cNvPr id="5" name="文本框 4"/>
+          <p:cNvSpPr txBox="1"/>
+          <p:nvPr/>
+        </p:nvSpPr>
+        <p:spPr>
+          <a:xfrm>
+            <a:off x="3138985" y="3397956"/>
+            <a:ext cx="4976042" cy="369332"/>
+          </a:xfrm>
+          <a:prstGeom prst="rect">
+            <a:avLst/>
+          </a:prstGeom>
+          <a:noFill/>
+        </p:spPr>
+        <p:txBody>
+          <a:bodyPr wrap="none" rtlCol="0">
+            <a:spAutoFit/>
+          </a:bodyPr>
+          <a:lstStyle/>
+          <a:p>
+            <a:r>
+              <a:rPr lang="zh-CN" altLang="en-US" dirty="0" smtClean="0"/>
+              <a:t>指导产品分配，饼能做多大，取决于怎么分饼</a:t>
+            </a:r>
+            <a:endParaRPr lang="zh-CN" altLang="en-US" dirty="0"/>
+          </a:p>
+        </p:txBody>
+      </p:sp>
+    </p:spTree>
+    <p:extLst>
+      <p:ext uri="{BB962C8B-B14F-4D97-AF65-F5344CB8AC3E}">
+        <p14:creationId xmlns:p14="http://schemas.microsoft.com/office/powerpoint/2010/main" val="1088437163"/>
+      </p:ext>
+    </p:extLst>
+  </p:cSld>
+  <p:clrMapOvr>
+    <a:masterClrMapping/>
+  </p:clrMapOvr>
+  <p:timing>
+    <p:tnLst>
+      <p:par>
+        <p:cTn id="1" dur="indefinite" restart="never" nodeType="tmRoot"/>
+      </p:par>
+    </p:tnLst>
+  </p:timing>
+</p:sld>
+</file>
+
+<file path=ppt/slides/slide19.xml><?xml version="1.0" encoding="utf-8"?>
+<p:sld xmlns:a="http://schemas.openxmlformats.org/drawingml/2006/main" xmlns:r="http://schemas.openxmlformats.org/officeDocument/2006/relationships" xmlns:p="http://schemas.openxmlformats.org/presentationml/2006/main">
+  <p:cSld>
+    <p:spTree>
+      <p:nvGrpSpPr>
+        <p:cNvPr id="1" name=""/>
+        <p:cNvGrpSpPr/>
+        <p:nvPr/>
+      </p:nvGrpSpPr>
+      <p:grpSpPr>
+        <a:xfrm>
+          <a:off x="0" y="0"/>
+          <a:ext cx="0" cy="0"/>
+          <a:chOff x="0" y="0"/>
+          <a:chExt cx="0" cy="0"/>
+        </a:xfrm>
+      </p:grpSpPr>
+      <p:sp>
+        <p:nvSpPr>
+          <p:cNvPr id="6" name="文本框 5"/>
+          <p:cNvSpPr txBox="1"/>
+          <p:nvPr/>
+        </p:nvSpPr>
+        <p:spPr>
+          <a:xfrm>
+            <a:off x="2963838" y="860651"/>
+            <a:ext cx="2567562" cy="646331"/>
+          </a:xfrm>
+          <a:prstGeom prst="rect">
+            <a:avLst/>
+          </a:prstGeom>
+          <a:noFill/>
+        </p:spPr>
+        <p:txBody>
+          <a:bodyPr wrap="none" rtlCol="0">
+            <a:spAutoFit/>
+          </a:bodyPr>
+          <a:lstStyle/>
+          <a:p>
+            <a:r>
+              <a:rPr lang="zh-CN" altLang="en-US" sz="3600" dirty="0" smtClean="0"/>
+              <a:t>穷人怎么办</a:t>
+            </a:r>
+            <a:endParaRPr lang="zh-CN" altLang="en-US" sz="3600" dirty="0"/>
+          </a:p>
+        </p:txBody>
+      </p:sp>
+      <p:sp>
+        <p:nvSpPr>
+          <p:cNvPr id="2" name="文本框 1"/>
+          <p:cNvSpPr txBox="1"/>
+          <p:nvPr/>
+        </p:nvSpPr>
+        <p:spPr>
+          <a:xfrm>
+            <a:off x="3138985" y="2115403"/>
+            <a:ext cx="2031325" cy="369332"/>
+          </a:xfrm>
+          <a:prstGeom prst="rect">
+            <a:avLst/>
+          </a:prstGeom>
+          <a:noFill/>
+        </p:spPr>
+        <p:txBody>
+          <a:bodyPr wrap="none" rtlCol="0">
+            <a:spAutoFit/>
+          </a:bodyPr>
+          <a:lstStyle/>
+          <a:p>
+            <a:r>
+              <a:rPr lang="zh-CN" altLang="en-US" dirty="0" smtClean="0"/>
+              <a:t>购物券，市场机制</a:t>
+            </a:r>
+            <a:endParaRPr lang="zh-CN" altLang="en-US" dirty="0"/>
+          </a:p>
+        </p:txBody>
+      </p:sp>
+    </p:spTree>
+    <p:extLst>
+      <p:ext uri="{BB962C8B-B14F-4D97-AF65-F5344CB8AC3E}">
+        <p14:creationId xmlns:p14="http://schemas.microsoft.com/office/powerpoint/2010/main" val="2705872648"/>
+      </p:ext>
+    </p:extLst>
+  </p:cSld>
+  <p:clrMapOvr>
+    <a:masterClrMapping/>
+  </p:clrMapOvr>
+  <p:timing>
+    <p:tnLst>
+      <p:par>
+        <p:cTn id="1" dur="indefinite" restart="never" nodeType="tmRoot"/>
+      </p:par>
+    </p:tnLst>
+  </p:timing>
 </p:sld>
 </file>
 
@@ -3377,7 +4547,7 @@
         </p:nvSpPr>
         <p:spPr>
           <a:xfrm>
-            <a:off x="1305635" y="655093"/>
+            <a:off x="1332931" y="247273"/>
             <a:ext cx="9144000" cy="1053366"/>
           </a:xfrm>
         </p:spPr>
@@ -3387,7 +4557,295 @@
           <a:p>
             <a:r>
               <a:rPr lang="zh-CN" altLang="en-US" dirty="0" smtClean="0"/>
-              <a:t>稀缺，选择，歧视</a:t>
+              <a:t>稀缺</a:t>
+            </a:r>
+            <a:endParaRPr lang="zh-CN" altLang="en-US" dirty="0"/>
+          </a:p>
+        </p:txBody>
+      </p:sp>
+      <p:sp>
+        <p:nvSpPr>
+          <p:cNvPr id="3" name="文本框 2"/>
+          <p:cNvSpPr txBox="1"/>
+          <p:nvPr/>
+        </p:nvSpPr>
+        <p:spPr>
+          <a:xfrm>
+            <a:off x="1981199" y="1408123"/>
+            <a:ext cx="7847463" cy="523220"/>
+          </a:xfrm>
+          <a:prstGeom prst="rect">
+            <a:avLst/>
+          </a:prstGeom>
+          <a:noFill/>
+        </p:spPr>
+        <p:txBody>
+          <a:bodyPr wrap="square" rtlCol="0">
+            <a:spAutoFit/>
+          </a:bodyPr>
+          <a:lstStyle/>
+          <a:p>
+            <a:r>
+              <a:rPr lang="en-US" altLang="zh-CN" sz="2800" dirty="0" smtClean="0"/>
+              <a:t>1.</a:t>
+            </a:r>
+            <a:r>
+              <a:rPr lang="zh-CN" altLang="en-US" sz="2800" dirty="0" smtClean="0"/>
+              <a:t>稀缺是基本事实</a:t>
+            </a:r>
+            <a:endParaRPr lang="zh-CN" altLang="en-US" sz="2800" dirty="0"/>
+          </a:p>
+        </p:txBody>
+      </p:sp>
+      <p:sp>
+        <p:nvSpPr>
+          <p:cNvPr id="4" name="文本框 3"/>
+          <p:cNvSpPr txBox="1"/>
+          <p:nvPr/>
+        </p:nvSpPr>
+        <p:spPr>
+          <a:xfrm>
+            <a:off x="2488441" y="2789276"/>
+            <a:ext cx="7847463" cy="369332"/>
+          </a:xfrm>
+          <a:prstGeom prst="rect">
+            <a:avLst/>
+          </a:prstGeom>
+          <a:noFill/>
+        </p:spPr>
+        <p:txBody>
+          <a:bodyPr wrap="square" rtlCol="0">
+            <a:spAutoFit/>
+          </a:bodyPr>
+          <a:lstStyle/>
+          <a:p>
+            <a:r>
+              <a:rPr lang="en-US" altLang="zh-CN" dirty="0" smtClean="0"/>
+              <a:t>1.</a:t>
+            </a:r>
+            <a:r>
+              <a:rPr lang="zh-CN" altLang="en-US" dirty="0" smtClean="0"/>
+              <a:t>你想要的东西别人也想要</a:t>
+            </a:r>
+            <a:endParaRPr lang="zh-CN" altLang="en-US" dirty="0"/>
+          </a:p>
+        </p:txBody>
+      </p:sp>
+      <p:sp>
+        <p:nvSpPr>
+          <p:cNvPr id="5" name="文本框 4"/>
+          <p:cNvSpPr txBox="1"/>
+          <p:nvPr/>
+        </p:nvSpPr>
+        <p:spPr>
+          <a:xfrm>
+            <a:off x="2488441" y="3355876"/>
+            <a:ext cx="7847463" cy="369332"/>
+          </a:xfrm>
+          <a:prstGeom prst="rect">
+            <a:avLst/>
+          </a:prstGeom>
+          <a:noFill/>
+        </p:spPr>
+        <p:txBody>
+          <a:bodyPr wrap="square" rtlCol="0">
+            <a:spAutoFit/>
+          </a:bodyPr>
+          <a:lstStyle/>
+          <a:p>
+            <a:r>
+              <a:rPr lang="en-US" altLang="zh-CN" dirty="0" smtClean="0"/>
+              <a:t>2</a:t>
+            </a:r>
+            <a:r>
+              <a:rPr lang="en-US" altLang="zh-CN" dirty="0" smtClean="0"/>
+              <a:t>.</a:t>
+            </a:r>
+            <a:r>
+              <a:rPr lang="zh-CN" altLang="en-US" dirty="0" smtClean="0"/>
+              <a:t>人的需求在不断提升（馒头，肉，酒，艺术，电影，话剧）</a:t>
+            </a:r>
+            <a:endParaRPr lang="zh-CN" altLang="en-US" dirty="0"/>
+          </a:p>
+        </p:txBody>
+      </p:sp>
+      <p:sp>
+        <p:nvSpPr>
+          <p:cNvPr id="6" name="矩形 5"/>
+          <p:cNvSpPr/>
+          <p:nvPr/>
+        </p:nvSpPr>
+        <p:spPr>
+          <a:xfrm>
+            <a:off x="2488441" y="4680868"/>
+            <a:ext cx="9742228" cy="923330"/>
+          </a:xfrm>
+          <a:prstGeom prst="rect">
+            <a:avLst/>
+          </a:prstGeom>
+        </p:spPr>
+        <p:txBody>
+          <a:bodyPr wrap="square">
+            <a:spAutoFit/>
+          </a:bodyPr>
+          <a:lstStyle/>
+          <a:p>
+            <a:r>
+              <a:rPr lang="zh-CN" altLang="en-US" dirty="0" smtClean="0"/>
+              <a:t>空气 ： “清新的空气”</a:t>
+            </a:r>
+            <a:endParaRPr lang="en-US" altLang="zh-CN" dirty="0" smtClean="0"/>
+          </a:p>
+          <a:p>
+            <a:r>
+              <a:rPr lang="zh-CN" altLang="en-US" dirty="0" smtClean="0"/>
+              <a:t>阳光 ：“太阳能”</a:t>
+            </a:r>
+            <a:endParaRPr lang="en-US" altLang="zh-CN" dirty="0" smtClean="0"/>
+          </a:p>
+          <a:p>
+            <a:r>
+              <a:rPr lang="zh-CN" altLang="en-US" dirty="0" smtClean="0"/>
+              <a:t>土地：“地理位置”</a:t>
+            </a:r>
+            <a:endParaRPr lang="zh-CN" altLang="en-US" dirty="0"/>
+          </a:p>
+        </p:txBody>
+      </p:sp>
+      <p:sp>
+        <p:nvSpPr>
+          <p:cNvPr id="7" name="文本框 6"/>
+          <p:cNvSpPr txBox="1"/>
+          <p:nvPr/>
+        </p:nvSpPr>
+        <p:spPr>
+          <a:xfrm>
+            <a:off x="1981198" y="3941428"/>
+            <a:ext cx="7847463" cy="523220"/>
+          </a:xfrm>
+          <a:prstGeom prst="rect">
+            <a:avLst/>
+          </a:prstGeom>
+          <a:noFill/>
+        </p:spPr>
+        <p:txBody>
+          <a:bodyPr wrap="square" rtlCol="0">
+            <a:spAutoFit/>
+          </a:bodyPr>
+          <a:lstStyle/>
+          <a:p>
+            <a:r>
+              <a:rPr lang="en-US" altLang="zh-CN" sz="2800" dirty="0" smtClean="0"/>
+              <a:t>2</a:t>
+            </a:r>
+            <a:r>
+              <a:rPr lang="en-US" altLang="zh-CN" sz="2800" dirty="0" smtClean="0"/>
+              <a:t>.</a:t>
+            </a:r>
+            <a:r>
+              <a:rPr lang="zh-CN" altLang="en-US" sz="2800" dirty="0" smtClean="0"/>
+              <a:t>稀缺含义宽广</a:t>
+            </a:r>
+            <a:endParaRPr lang="zh-CN" altLang="en-US" sz="2800" dirty="0"/>
+          </a:p>
+        </p:txBody>
+      </p:sp>
+      <p:sp>
+        <p:nvSpPr>
+          <p:cNvPr id="8" name="矩形 7"/>
+          <p:cNvSpPr/>
+          <p:nvPr/>
+        </p:nvSpPr>
+        <p:spPr>
+          <a:xfrm>
+            <a:off x="2597623" y="1987092"/>
+            <a:ext cx="9221337" cy="646331"/>
+          </a:xfrm>
+          <a:prstGeom prst="rect">
+            <a:avLst/>
+          </a:prstGeom>
+        </p:spPr>
+        <p:txBody>
+          <a:bodyPr wrap="square">
+            <a:spAutoFit/>
+          </a:bodyPr>
+          <a:lstStyle/>
+          <a:p>
+            <a:r>
+              <a:rPr lang="zh-CN" altLang="en-US" dirty="0"/>
+              <a:t>经济物品的稀缺并不意味着它是稀少的，而是指它不可以免费得到。只要一样东西不能仅仅根据需要获得，它就是稀缺的。</a:t>
+            </a:r>
+            <a:endParaRPr lang="en-US" altLang="zh-CN" dirty="0"/>
+          </a:p>
+        </p:txBody>
+      </p:sp>
+      <p:sp>
+        <p:nvSpPr>
+          <p:cNvPr id="9" name="文本框 8"/>
+          <p:cNvSpPr txBox="1"/>
+          <p:nvPr/>
+        </p:nvSpPr>
+        <p:spPr>
+          <a:xfrm>
+            <a:off x="1953902" y="5690299"/>
+            <a:ext cx="7847463" cy="523220"/>
+          </a:xfrm>
+          <a:prstGeom prst="rect">
+            <a:avLst/>
+          </a:prstGeom>
+          <a:noFill/>
+        </p:spPr>
+        <p:txBody>
+          <a:bodyPr wrap="square" rtlCol="0">
+            <a:spAutoFit/>
+          </a:bodyPr>
+          <a:lstStyle/>
+          <a:p>
+            <a:r>
+              <a:rPr lang="en-US" altLang="zh-CN" sz="2800" dirty="0" smtClean="0"/>
+              <a:t>3</a:t>
+            </a:r>
+            <a:r>
+              <a:rPr lang="en-US" altLang="zh-CN" sz="2800" dirty="0" smtClean="0"/>
+              <a:t>.</a:t>
+            </a:r>
+            <a:r>
+              <a:rPr lang="zh-CN" altLang="en-US" sz="2800" dirty="0" smtClean="0"/>
+              <a:t>人类的需求永无止境</a:t>
+            </a:r>
+            <a:endParaRPr lang="zh-CN" altLang="en-US" sz="2800" dirty="0"/>
+          </a:p>
+        </p:txBody>
+      </p:sp>
+      <p:sp>
+        <p:nvSpPr>
+          <p:cNvPr id="10" name="文本框 9"/>
+          <p:cNvSpPr txBox="1"/>
+          <p:nvPr/>
+        </p:nvSpPr>
+        <p:spPr>
+          <a:xfrm>
+            <a:off x="2326942" y="6239465"/>
+            <a:ext cx="7847463" cy="369332"/>
+          </a:xfrm>
+          <a:prstGeom prst="rect">
+            <a:avLst/>
+          </a:prstGeom>
+          <a:noFill/>
+        </p:spPr>
+        <p:txBody>
+          <a:bodyPr wrap="square" rtlCol="0">
+            <a:spAutoFit/>
+          </a:bodyPr>
+          <a:lstStyle/>
+          <a:p>
+            <a:r>
+              <a:rPr lang="en-US" altLang="zh-CN" dirty="0" smtClean="0"/>
+              <a:t>1.</a:t>
+            </a:r>
+            <a:r>
+              <a:rPr lang="zh-CN" altLang="en-US" dirty="0" smtClean="0"/>
+              <a:t>高血压药</a:t>
             </a:r>
             <a:endParaRPr lang="zh-CN" altLang="en-US" dirty="0"/>
           </a:p>
@@ -3445,7 +4903,7 @@
           <a:p>
             <a:r>
               <a:rPr lang="zh-CN" altLang="en-US" dirty="0" smtClean="0"/>
-              <a:t>寻租</a:t>
+              <a:t>选择和歧视</a:t>
             </a:r>
             <a:endParaRPr lang="zh-CN" altLang="en-US" dirty="0"/>
           </a:p>
@@ -3453,14 +4911,14 @@
       </p:sp>
       <p:sp>
         <p:nvSpPr>
-          <p:cNvPr id="5" name="文本框 4"/>
+          <p:cNvPr id="3" name="文本框 2"/>
           <p:cNvSpPr txBox="1"/>
           <p:nvPr/>
         </p:nvSpPr>
         <p:spPr>
           <a:xfrm>
-            <a:off x="1953903" y="2047166"/>
-            <a:ext cx="7847463" cy="369332"/>
+            <a:off x="1953903" y="1708459"/>
+            <a:ext cx="7847463" cy="523220"/>
           </a:xfrm>
           <a:prstGeom prst="rect">
             <a:avLst/>
@@ -3474,8 +4932,180 @@
           <a:lstStyle/>
           <a:p>
             <a:r>
+              <a:rPr lang="en-US" altLang="zh-CN" sz="2800" dirty="0" smtClean="0"/>
+              <a:t>1.</a:t>
+            </a:r>
+            <a:r>
+              <a:rPr lang="zh-CN" altLang="en-US" sz="2800" dirty="0" smtClean="0"/>
+              <a:t>歧视不可避免</a:t>
+            </a:r>
+            <a:endParaRPr lang="zh-CN" altLang="en-US" sz="2800" dirty="0"/>
+          </a:p>
+        </p:txBody>
+      </p:sp>
+      <p:sp>
+        <p:nvSpPr>
+          <p:cNvPr id="4" name="文本框 3"/>
+          <p:cNvSpPr txBox="1"/>
+          <p:nvPr/>
+        </p:nvSpPr>
+        <p:spPr>
+          <a:xfrm>
+            <a:off x="2474793" y="2231679"/>
+            <a:ext cx="7847463" cy="369332"/>
+          </a:xfrm>
+          <a:prstGeom prst="rect">
+            <a:avLst/>
+          </a:prstGeom>
+          <a:noFill/>
+        </p:spPr>
+        <p:txBody>
+          <a:bodyPr wrap="square" rtlCol="0">
+            <a:spAutoFit/>
+          </a:bodyPr>
+          <a:lstStyle/>
+          <a:p>
+            <a:r>
               <a:rPr lang="zh-CN" altLang="en-US" dirty="0" smtClean="0"/>
-              <a:t>无谓的损失，其他人不能从中得到任何好处的付出</a:t>
+              <a:t>稀缺 </a:t>
+            </a:r>
+            <a:r>
+              <a:rPr lang="en-US" altLang="zh-CN" dirty="0" smtClean="0"/>
+              <a:t>----- </a:t>
+            </a:r>
+            <a:r>
+              <a:rPr lang="zh-CN" altLang="en-US" dirty="0" smtClean="0"/>
+              <a:t>选择 </a:t>
+            </a:r>
+            <a:r>
+              <a:rPr lang="en-US" altLang="zh-CN" dirty="0" smtClean="0"/>
+              <a:t>----</a:t>
+            </a:r>
+            <a:r>
+              <a:rPr lang="zh-CN" altLang="en-US" dirty="0" smtClean="0"/>
+              <a:t>标准 </a:t>
+            </a:r>
+            <a:r>
+              <a:rPr lang="en-US" altLang="zh-CN" dirty="0" smtClean="0"/>
+              <a:t>---- </a:t>
+            </a:r>
+            <a:r>
+              <a:rPr lang="zh-CN" altLang="en-US" dirty="0" smtClean="0"/>
+              <a:t>区别对待 </a:t>
+            </a:r>
+            <a:r>
+              <a:rPr lang="en-US" altLang="zh-CN" dirty="0" smtClean="0"/>
+              <a:t>---- </a:t>
+            </a:r>
+            <a:r>
+              <a:rPr lang="zh-CN" altLang="en-US" dirty="0" smtClean="0"/>
+              <a:t>歧视</a:t>
+            </a:r>
+            <a:endParaRPr lang="zh-CN" altLang="en-US" dirty="0"/>
+          </a:p>
+        </p:txBody>
+      </p:sp>
+      <p:sp>
+        <p:nvSpPr>
+          <p:cNvPr id="5" name="文本框 4"/>
+          <p:cNvSpPr txBox="1"/>
+          <p:nvPr/>
+        </p:nvSpPr>
+        <p:spPr>
+          <a:xfrm>
+            <a:off x="2474793" y="2640006"/>
+            <a:ext cx="7847463" cy="369332"/>
+          </a:xfrm>
+          <a:prstGeom prst="rect">
+            <a:avLst/>
+          </a:prstGeom>
+          <a:noFill/>
+        </p:spPr>
+        <p:txBody>
+          <a:bodyPr wrap="square" rtlCol="0">
+            <a:spAutoFit/>
+          </a:bodyPr>
+          <a:lstStyle/>
+          <a:p>
+            <a:r>
+              <a:rPr lang="en-US" altLang="zh-CN" dirty="0" smtClean="0"/>
+              <a:t>1.</a:t>
+            </a:r>
+            <a:r>
+              <a:rPr lang="zh-CN" altLang="en-US" dirty="0" smtClean="0"/>
+              <a:t>资源有限，铅笔</a:t>
+            </a:r>
+            <a:endParaRPr lang="zh-CN" altLang="en-US" dirty="0"/>
+          </a:p>
+        </p:txBody>
+      </p:sp>
+      <p:sp>
+        <p:nvSpPr>
+          <p:cNvPr id="6" name="文本框 5"/>
+          <p:cNvSpPr txBox="1"/>
+          <p:nvPr/>
+        </p:nvSpPr>
+        <p:spPr>
+          <a:xfrm>
+            <a:off x="2474792" y="3033579"/>
+            <a:ext cx="7847463" cy="369332"/>
+          </a:xfrm>
+          <a:prstGeom prst="rect">
+            <a:avLst/>
+          </a:prstGeom>
+          <a:noFill/>
+        </p:spPr>
+        <p:txBody>
+          <a:bodyPr wrap="square" rtlCol="0">
+            <a:spAutoFit/>
+          </a:bodyPr>
+          <a:lstStyle/>
+          <a:p>
+            <a:r>
+              <a:rPr lang="en-US" altLang="zh-CN" dirty="0" smtClean="0"/>
+              <a:t>2</a:t>
+            </a:r>
+            <a:r>
+              <a:rPr lang="en-US" altLang="zh-CN" dirty="0" smtClean="0"/>
+              <a:t>.</a:t>
+            </a:r>
+            <a:r>
+              <a:rPr lang="zh-CN" altLang="en-US" dirty="0" smtClean="0"/>
+              <a:t>时间有限， 看电影</a:t>
+            </a:r>
+            <a:endParaRPr lang="zh-CN" altLang="en-US" dirty="0"/>
+          </a:p>
+        </p:txBody>
+      </p:sp>
+      <p:sp>
+        <p:nvSpPr>
+          <p:cNvPr id="7" name="文本框 6"/>
+          <p:cNvSpPr txBox="1"/>
+          <p:nvPr/>
+        </p:nvSpPr>
+        <p:spPr>
+          <a:xfrm>
+            <a:off x="2474791" y="3466147"/>
+            <a:ext cx="7847463" cy="369332"/>
+          </a:xfrm>
+          <a:prstGeom prst="rect">
+            <a:avLst/>
+          </a:prstGeom>
+          <a:noFill/>
+        </p:spPr>
+        <p:txBody>
+          <a:bodyPr wrap="square" rtlCol="0">
+            <a:spAutoFit/>
+          </a:bodyPr>
+          <a:lstStyle/>
+          <a:p>
+            <a:r>
+              <a:rPr lang="en-US" altLang="zh-CN" dirty="0" smtClean="0"/>
+              <a:t>3.</a:t>
+            </a:r>
+            <a:r>
+              <a:rPr lang="zh-CN" altLang="en-US" dirty="0" smtClean="0"/>
+              <a:t>金钱有限，王菲，张学友</a:t>
             </a:r>
             <a:endParaRPr lang="zh-CN" altLang="en-US" dirty="0"/>
           </a:p>
@@ -3484,7 +5114,7 @@
     </p:spTree>
     <p:extLst>
       <p:ext uri="{BB962C8B-B14F-4D97-AF65-F5344CB8AC3E}">
-        <p14:creationId xmlns:p14="http://schemas.microsoft.com/office/powerpoint/2010/main" val="1842169803"/>
+        <p14:creationId xmlns:p14="http://schemas.microsoft.com/office/powerpoint/2010/main" val="1461519699"/>
       </p:ext>
     </p:extLst>
   </p:cSld>
@@ -3533,66 +5163,9 @@
           <a:p>
             <a:r>
               <a:rPr lang="zh-CN" altLang="en-US" dirty="0" smtClean="0"/>
-              <a:t>竞争（</a:t>
-            </a:r>
-            <a:r>
-              <a:rPr lang="en-US" altLang="zh-CN" dirty="0" smtClean="0"/>
-              <a:t>41</a:t>
-            </a:r>
-            <a:r>
-              <a:rPr lang="zh-CN" altLang="en-US" dirty="0" smtClean="0"/>
-              <a:t>）</a:t>
+              <a:t>寻租</a:t>
             </a:r>
             <a:endParaRPr lang="zh-CN" altLang="en-US" dirty="0"/>
-          </a:p>
-        </p:txBody>
-      </p:sp>
-      <p:sp>
-        <p:nvSpPr>
-          <p:cNvPr id="4" name="标题 1"/>
-          <p:cNvSpPr txBox="1">
-            <a:spLocks/>
-          </p:cNvSpPr>
-          <p:nvPr/>
-        </p:nvSpPr>
-        <p:spPr>
-          <a:xfrm>
-            <a:off x="1087271" y="1514903"/>
-            <a:ext cx="2652216" cy="900752"/>
-          </a:xfrm>
-          <a:prstGeom prst="rect">
-            <a:avLst/>
-          </a:prstGeom>
-        </p:spPr>
-        <p:txBody>
-          <a:bodyPr vert="horz" lIns="91440" tIns="45720" rIns="91440" bIns="45720" rtlCol="0" anchor="b">
-            <a:normAutofit/>
-          </a:bodyPr>
-          <a:lstStyle>
-            <a:lvl1pPr algn="ctr" defTabSz="914400" rtl="0" eaLnBrk="1" latinLnBrk="0" hangingPunct="1">
-              <a:lnSpc>
-                <a:spcPct val="90000"/>
-              </a:lnSpc>
-              <a:spcBef>
-                <a:spcPct val="0"/>
-              </a:spcBef>
-              <a:buNone/>
-              <a:defRPr sz="6000" kern="1200">
-                <a:solidFill>
-                  <a:schemeClr val="tx1"/>
-                </a:solidFill>
-                <a:latin typeface="+mj-lt"/>
-                <a:ea typeface="+mj-ea"/>
-                <a:cs typeface="+mj-cs"/>
-              </a:defRPr>
-            </a:lvl1pPr>
-          </a:lstStyle>
-          <a:p>
-            <a:r>
-              <a:rPr lang="zh-CN" altLang="en-US" sz="4000" dirty="0" smtClean="0"/>
-              <a:t>暴力</a:t>
-            </a:r>
-            <a:endParaRPr lang="zh-CN" altLang="en-US" sz="4000" dirty="0"/>
           </a:p>
         </p:txBody>
       </p:sp>
@@ -3604,7 +5177,7 @@
         </p:nvSpPr>
         <p:spPr>
           <a:xfrm>
-            <a:off x="3002508" y="1965279"/>
+            <a:off x="1953903" y="2047166"/>
             <a:ext cx="7847463" cy="369332"/>
           </a:xfrm>
           <a:prstGeom prst="rect">
@@ -3620,242 +5193,16 @@
           <a:p>
             <a:r>
               <a:rPr lang="zh-CN" altLang="en-US" dirty="0" smtClean="0"/>
-              <a:t>一个岛，一百个人，一块面包</a:t>
+              <a:t>无谓的损失，其他人不能从中得到任何好处的付出</a:t>
             </a:r>
             <a:endParaRPr lang="zh-CN" altLang="en-US" dirty="0"/>
-          </a:p>
-        </p:txBody>
-      </p:sp>
-      <p:sp>
-        <p:nvSpPr>
-          <p:cNvPr id="6" name="标题 1"/>
-          <p:cNvSpPr txBox="1">
-            <a:spLocks/>
-          </p:cNvSpPr>
-          <p:nvPr/>
-        </p:nvSpPr>
-        <p:spPr>
-          <a:xfrm>
-            <a:off x="1087271" y="2568269"/>
-            <a:ext cx="2652216" cy="900752"/>
-          </a:xfrm>
-          <a:prstGeom prst="rect">
-            <a:avLst/>
-          </a:prstGeom>
-        </p:spPr>
-        <p:txBody>
-          <a:bodyPr vert="horz" lIns="91440" tIns="45720" rIns="91440" bIns="45720" rtlCol="0" anchor="b">
-            <a:normAutofit/>
-          </a:bodyPr>
-          <a:lstStyle>
-            <a:lvl1pPr algn="ctr" defTabSz="914400" rtl="0" eaLnBrk="1" latinLnBrk="0" hangingPunct="1">
-              <a:lnSpc>
-                <a:spcPct val="90000"/>
-              </a:lnSpc>
-              <a:spcBef>
-                <a:spcPct val="0"/>
-              </a:spcBef>
-              <a:buNone/>
-              <a:defRPr sz="6000" kern="1200">
-                <a:solidFill>
-                  <a:schemeClr val="tx1"/>
-                </a:solidFill>
-                <a:latin typeface="+mj-lt"/>
-                <a:ea typeface="+mj-ea"/>
-                <a:cs typeface="+mj-cs"/>
-              </a:defRPr>
-            </a:lvl1pPr>
-          </a:lstStyle>
-          <a:p>
-            <a:r>
-              <a:rPr lang="zh-CN" altLang="en-US" sz="4000" dirty="0" smtClean="0"/>
-              <a:t>智力</a:t>
-            </a:r>
-            <a:endParaRPr lang="zh-CN" altLang="en-US" sz="4000" dirty="0"/>
-          </a:p>
-        </p:txBody>
-      </p:sp>
-      <p:sp>
-        <p:nvSpPr>
-          <p:cNvPr id="7" name="文本框 6"/>
-          <p:cNvSpPr txBox="1"/>
-          <p:nvPr/>
-        </p:nvSpPr>
-        <p:spPr>
-          <a:xfrm>
-            <a:off x="3002508" y="3018645"/>
-            <a:ext cx="7847463" cy="369332"/>
-          </a:xfrm>
-          <a:prstGeom prst="rect">
-            <a:avLst/>
-          </a:prstGeom>
-          <a:noFill/>
-        </p:spPr>
-        <p:txBody>
-          <a:bodyPr wrap="square" rtlCol="0">
-            <a:spAutoFit/>
-          </a:bodyPr>
-          <a:lstStyle/>
-          <a:p>
-            <a:r>
-              <a:rPr lang="zh-CN" altLang="en-US" dirty="0" smtClean="0"/>
-              <a:t>文凭，考试</a:t>
-            </a:r>
-            <a:endParaRPr lang="zh-CN" altLang="en-US" dirty="0"/>
-          </a:p>
-        </p:txBody>
-      </p:sp>
-      <p:sp>
-        <p:nvSpPr>
-          <p:cNvPr id="8" name="标题 1"/>
-          <p:cNvSpPr txBox="1">
-            <a:spLocks/>
-          </p:cNvSpPr>
-          <p:nvPr/>
-        </p:nvSpPr>
-        <p:spPr>
-          <a:xfrm>
-            <a:off x="1676400" y="3640704"/>
-            <a:ext cx="2652216" cy="900752"/>
-          </a:xfrm>
-          <a:prstGeom prst="rect">
-            <a:avLst/>
-          </a:prstGeom>
-        </p:spPr>
-        <p:txBody>
-          <a:bodyPr vert="horz" lIns="91440" tIns="45720" rIns="91440" bIns="45720" rtlCol="0" anchor="b">
-            <a:normAutofit/>
-          </a:bodyPr>
-          <a:lstStyle>
-            <a:lvl1pPr algn="ctr" defTabSz="914400" rtl="0" eaLnBrk="1" latinLnBrk="0" hangingPunct="1">
-              <a:lnSpc>
-                <a:spcPct val="90000"/>
-              </a:lnSpc>
-              <a:spcBef>
-                <a:spcPct val="0"/>
-              </a:spcBef>
-              <a:buNone/>
-              <a:defRPr sz="6000" kern="1200">
-                <a:solidFill>
-                  <a:schemeClr val="tx1"/>
-                </a:solidFill>
-                <a:latin typeface="+mj-lt"/>
-                <a:ea typeface="+mj-ea"/>
-                <a:cs typeface="+mj-cs"/>
-              </a:defRPr>
-            </a:lvl1pPr>
-          </a:lstStyle>
-          <a:p>
-            <a:r>
-              <a:rPr lang="zh-CN" altLang="en-US" sz="4000" dirty="0" smtClean="0"/>
-              <a:t>论资排辈</a:t>
-            </a:r>
-            <a:endParaRPr lang="zh-CN" altLang="en-US" sz="4000" dirty="0"/>
-          </a:p>
-        </p:txBody>
-      </p:sp>
-      <p:sp>
-        <p:nvSpPr>
-          <p:cNvPr id="9" name="标题 1"/>
-          <p:cNvSpPr txBox="1">
-            <a:spLocks/>
-          </p:cNvSpPr>
-          <p:nvPr/>
-        </p:nvSpPr>
-        <p:spPr>
-          <a:xfrm>
-            <a:off x="1305635" y="5558414"/>
-            <a:ext cx="2652216" cy="863584"/>
-          </a:xfrm>
-          <a:prstGeom prst="rect">
-            <a:avLst/>
-          </a:prstGeom>
-        </p:spPr>
-        <p:txBody>
-          <a:bodyPr vert="horz" lIns="91440" tIns="45720" rIns="91440" bIns="45720" rtlCol="0" anchor="b">
-            <a:normAutofit/>
-          </a:bodyPr>
-          <a:lstStyle>
-            <a:lvl1pPr algn="ctr" defTabSz="914400" rtl="0" eaLnBrk="1" latinLnBrk="0" hangingPunct="1">
-              <a:lnSpc>
-                <a:spcPct val="90000"/>
-              </a:lnSpc>
-              <a:spcBef>
-                <a:spcPct val="0"/>
-              </a:spcBef>
-              <a:buNone/>
-              <a:defRPr sz="6000" kern="1200">
-                <a:solidFill>
-                  <a:schemeClr val="tx1"/>
-                </a:solidFill>
-                <a:latin typeface="+mj-lt"/>
-                <a:ea typeface="+mj-ea"/>
-                <a:cs typeface="+mj-cs"/>
-              </a:defRPr>
-            </a:lvl1pPr>
-          </a:lstStyle>
-          <a:p>
-            <a:r>
-              <a:rPr lang="zh-CN" altLang="en-US" sz="4000" dirty="0" smtClean="0"/>
-              <a:t>随机</a:t>
-            </a:r>
-            <a:endParaRPr lang="zh-CN" altLang="en-US" sz="4000" dirty="0"/>
-          </a:p>
-        </p:txBody>
-      </p:sp>
-      <p:sp>
-        <p:nvSpPr>
-          <p:cNvPr id="10" name="标题 1"/>
-          <p:cNvSpPr txBox="1">
-            <a:spLocks/>
-          </p:cNvSpPr>
-          <p:nvPr/>
-        </p:nvSpPr>
-        <p:spPr>
-          <a:xfrm>
-            <a:off x="1305635" y="4541456"/>
-            <a:ext cx="2652216" cy="863584"/>
-          </a:xfrm>
-          <a:prstGeom prst="rect">
-            <a:avLst/>
-          </a:prstGeom>
-        </p:spPr>
-        <p:txBody>
-          <a:bodyPr vert="horz" lIns="91440" tIns="45720" rIns="91440" bIns="45720" rtlCol="0" anchor="b">
-            <a:normAutofit/>
-          </a:bodyPr>
-          <a:lstStyle>
-            <a:lvl1pPr algn="ctr" defTabSz="914400" rtl="0" eaLnBrk="1" latinLnBrk="0" hangingPunct="1">
-              <a:lnSpc>
-                <a:spcPct val="90000"/>
-              </a:lnSpc>
-              <a:spcBef>
-                <a:spcPct val="0"/>
-              </a:spcBef>
-              <a:buNone/>
-              <a:defRPr sz="6000" kern="1200">
-                <a:solidFill>
-                  <a:schemeClr val="tx1"/>
-                </a:solidFill>
-                <a:latin typeface="+mj-lt"/>
-                <a:ea typeface="+mj-ea"/>
-                <a:cs typeface="+mj-cs"/>
-              </a:defRPr>
-            </a:lvl1pPr>
-          </a:lstStyle>
-          <a:p>
-            <a:r>
-              <a:rPr lang="zh-CN" altLang="en-US" sz="4000" dirty="0" smtClean="0"/>
-              <a:t>价格</a:t>
-            </a:r>
-            <a:endParaRPr lang="zh-CN" altLang="en-US" sz="4000" dirty="0"/>
           </a:p>
         </p:txBody>
       </p:sp>
     </p:spTree>
     <p:extLst>
       <p:ext uri="{BB962C8B-B14F-4D97-AF65-F5344CB8AC3E}">
-        <p14:creationId xmlns:p14="http://schemas.microsoft.com/office/powerpoint/2010/main" val="3470965269"/>
+        <p14:creationId xmlns:p14="http://schemas.microsoft.com/office/powerpoint/2010/main" val="1842169803"/>
       </p:ext>
     </p:extLst>
   </p:cSld>
@@ -3904,7 +5251,15 @@
           <a:p>
             <a:r>
               <a:rPr lang="zh-CN" altLang="en-US" dirty="0" smtClean="0"/>
-              <a:t>竞争规则的优劣</a:t>
+              <a:t>竞争（</a:t>
+            </a:r>
+            <a:r>
+              <a:rPr lang="en-US" altLang="zh-CN" dirty="0" smtClean="0"/>
+              <a:t>41</a:t>
+            </a:r>
+            <a:r>
+              <a:rPr lang="zh-CN" altLang="en-US" dirty="0" smtClean="0"/>
+              <a:t>）</a:t>
             </a:r>
             <a:endParaRPr lang="zh-CN" altLang="en-US" dirty="0"/>
           </a:p>
@@ -3912,13 +5267,62 @@
       </p:sp>
       <p:sp>
         <p:nvSpPr>
-          <p:cNvPr id="11" name="文本框 10"/>
+          <p:cNvPr id="4" name="标题 1"/>
+          <p:cNvSpPr txBox="1">
+            <a:spLocks/>
+          </p:cNvSpPr>
+          <p:nvPr/>
+        </p:nvSpPr>
+        <p:spPr>
+          <a:xfrm>
+            <a:off x="1087271" y="1514903"/>
+            <a:ext cx="2652216" cy="900752"/>
+          </a:xfrm>
+          <a:prstGeom prst="rect">
+            <a:avLst/>
+          </a:prstGeom>
+        </p:spPr>
+        <p:txBody>
+          <a:bodyPr vert="horz" lIns="91440" tIns="45720" rIns="91440" bIns="45720" rtlCol="0" anchor="b">
+            <a:normAutofit/>
+          </a:bodyPr>
+          <a:lstStyle>
+            <a:lvl1pPr algn="ctr" defTabSz="914400" rtl="0" eaLnBrk="1" latinLnBrk="0" hangingPunct="1">
+              <a:lnSpc>
+                <a:spcPct val="90000"/>
+              </a:lnSpc>
+              <a:spcBef>
+                <a:spcPct val="0"/>
+              </a:spcBef>
+              <a:buNone/>
+              <a:defRPr sz="6000" kern="1200">
+                <a:solidFill>
+                  <a:schemeClr val="tx1"/>
+                </a:solidFill>
+                <a:latin typeface="+mj-lt"/>
+                <a:ea typeface="+mj-ea"/>
+                <a:cs typeface="+mj-cs"/>
+              </a:defRPr>
+            </a:lvl1pPr>
+          </a:lstStyle>
+          <a:p>
+            <a:r>
+              <a:rPr lang="zh-CN" altLang="en-US" sz="4000" dirty="0" smtClean="0"/>
+              <a:t>暴力</a:t>
+            </a:r>
+            <a:endParaRPr lang="zh-CN" altLang="en-US" sz="4000" dirty="0"/>
+          </a:p>
+        </p:txBody>
+      </p:sp>
+      <p:sp>
+        <p:nvSpPr>
+          <p:cNvPr id="5" name="文本框 4"/>
           <p:cNvSpPr txBox="1"/>
           <p:nvPr/>
         </p:nvSpPr>
         <p:spPr>
           <a:xfrm>
-            <a:off x="1760562" y="2429303"/>
+            <a:off x="3002508" y="1965279"/>
             <a:ext cx="7847463" cy="369332"/>
           </a:xfrm>
           <a:prstGeom prst="rect">
@@ -3934,7 +5338,7 @@
           <a:p>
             <a:r>
               <a:rPr lang="zh-CN" altLang="en-US" dirty="0" smtClean="0"/>
-              <a:t>没有那个规则更公平</a:t>
+              <a:t>一个岛，一百个人，一块面包</a:t>
             </a:r>
             <a:endParaRPr lang="zh-CN" altLang="en-US" dirty="0"/>
           </a:p>
@@ -3942,13 +5346,62 @@
       </p:sp>
       <p:sp>
         <p:nvSpPr>
-          <p:cNvPr id="12" name="文本框 11"/>
+          <p:cNvPr id="6" name="标题 1"/>
+          <p:cNvSpPr txBox="1">
+            <a:spLocks/>
+          </p:cNvSpPr>
+          <p:nvPr/>
+        </p:nvSpPr>
+        <p:spPr>
+          <a:xfrm>
+            <a:off x="1087271" y="2568269"/>
+            <a:ext cx="2652216" cy="900752"/>
+          </a:xfrm>
+          <a:prstGeom prst="rect">
+            <a:avLst/>
+          </a:prstGeom>
+        </p:spPr>
+        <p:txBody>
+          <a:bodyPr vert="horz" lIns="91440" tIns="45720" rIns="91440" bIns="45720" rtlCol="0" anchor="b">
+            <a:normAutofit/>
+          </a:bodyPr>
+          <a:lstStyle>
+            <a:lvl1pPr algn="ctr" defTabSz="914400" rtl="0" eaLnBrk="1" latinLnBrk="0" hangingPunct="1">
+              <a:lnSpc>
+                <a:spcPct val="90000"/>
+              </a:lnSpc>
+              <a:spcBef>
+                <a:spcPct val="0"/>
+              </a:spcBef>
+              <a:buNone/>
+              <a:defRPr sz="6000" kern="1200">
+                <a:solidFill>
+                  <a:schemeClr val="tx1"/>
+                </a:solidFill>
+                <a:latin typeface="+mj-lt"/>
+                <a:ea typeface="+mj-ea"/>
+                <a:cs typeface="+mj-cs"/>
+              </a:defRPr>
+            </a:lvl1pPr>
+          </a:lstStyle>
+          <a:p>
+            <a:r>
+              <a:rPr lang="zh-CN" altLang="en-US" sz="4000" dirty="0" smtClean="0"/>
+              <a:t>智力</a:t>
+            </a:r>
+            <a:endParaRPr lang="zh-CN" altLang="en-US" sz="4000" dirty="0"/>
+          </a:p>
+        </p:txBody>
+      </p:sp>
+      <p:sp>
+        <p:nvSpPr>
+          <p:cNvPr id="7" name="文本框 6"/>
           <p:cNvSpPr txBox="1"/>
           <p:nvPr/>
         </p:nvSpPr>
         <p:spPr>
           <a:xfrm>
-            <a:off x="1760562" y="1884215"/>
+            <a:off x="3002508" y="3018645"/>
             <a:ext cx="7847463" cy="369332"/>
           </a:xfrm>
           <a:prstGeom prst="rect">
@@ -3964,7 +5417,7 @@
           <a:p>
             <a:r>
               <a:rPr lang="zh-CN" altLang="en-US" dirty="0" smtClean="0"/>
-              <a:t>竞争必有规则</a:t>
+              <a:t>文凭，考试</a:t>
             </a:r>
             <a:endParaRPr lang="zh-CN" altLang="en-US" dirty="0"/>
           </a:p>
@@ -3972,38 +5425,155 @@
       </p:sp>
       <p:sp>
         <p:nvSpPr>
-          <p:cNvPr id="13" name="文本框 12"/>
-          <p:cNvSpPr txBox="1"/>
+          <p:cNvPr id="8" name="标题 1"/>
+          <p:cNvSpPr txBox="1">
+            <a:spLocks/>
+          </p:cNvSpPr>
           <p:nvPr/>
         </p:nvSpPr>
         <p:spPr>
           <a:xfrm>
-            <a:off x="1760561" y="3000866"/>
-            <a:ext cx="7847463" cy="369332"/>
+            <a:off x="1580866" y="3494631"/>
+            <a:ext cx="2652216" cy="745430"/>
           </a:xfrm>
           <a:prstGeom prst="rect">
             <a:avLst/>
           </a:prstGeom>
-          <a:noFill/>
-        </p:spPr>
-        <p:txBody>
-          <a:bodyPr wrap="square" rtlCol="0">
-            <a:spAutoFit/>
+        </p:spPr>
+        <p:txBody>
+          <a:bodyPr vert="horz" lIns="91440" tIns="45720" rIns="91440" bIns="45720" rtlCol="0" anchor="b">
+            <a:normAutofit/>
           </a:bodyPr>
-          <a:lstStyle/>
-          <a:p>
-            <a:r>
-              <a:rPr lang="zh-CN" altLang="en-US" dirty="0" smtClean="0"/>
-              <a:t>每种竞争都有成本</a:t>
-            </a:r>
-            <a:endParaRPr lang="zh-CN" altLang="en-US" dirty="0"/>
+          <a:lstStyle>
+            <a:lvl1pPr algn="ctr" defTabSz="914400" rtl="0" eaLnBrk="1" latinLnBrk="0" hangingPunct="1">
+              <a:lnSpc>
+                <a:spcPct val="90000"/>
+              </a:lnSpc>
+              <a:spcBef>
+                <a:spcPct val="0"/>
+              </a:spcBef>
+              <a:buNone/>
+              <a:defRPr sz="6000" kern="1200">
+                <a:solidFill>
+                  <a:schemeClr val="tx1"/>
+                </a:solidFill>
+                <a:latin typeface="+mj-lt"/>
+                <a:ea typeface="+mj-ea"/>
+                <a:cs typeface="+mj-cs"/>
+              </a:defRPr>
+            </a:lvl1pPr>
+          </a:lstStyle>
+          <a:p>
+            <a:r>
+              <a:rPr lang="zh-CN" altLang="en-US" sz="4000" dirty="0" smtClean="0"/>
+              <a:t>论资排辈</a:t>
+            </a:r>
+            <a:endParaRPr lang="zh-CN" altLang="en-US" sz="4000" dirty="0"/>
+          </a:p>
+        </p:txBody>
+      </p:sp>
+      <p:sp>
+        <p:nvSpPr>
+          <p:cNvPr id="9" name="标题 1"/>
+          <p:cNvSpPr txBox="1">
+            <a:spLocks/>
+          </p:cNvSpPr>
+          <p:nvPr/>
+        </p:nvSpPr>
+        <p:spPr>
+          <a:xfrm>
+            <a:off x="1087271" y="5137667"/>
+            <a:ext cx="2652216" cy="863584"/>
+          </a:xfrm>
+          <a:prstGeom prst="rect">
+            <a:avLst/>
+          </a:prstGeom>
+        </p:spPr>
+        <p:txBody>
+          <a:bodyPr vert="horz" lIns="91440" tIns="45720" rIns="91440" bIns="45720" rtlCol="0" anchor="b">
+            <a:normAutofit/>
+          </a:bodyPr>
+          <a:lstStyle>
+            <a:lvl1pPr algn="ctr" defTabSz="914400" rtl="0" eaLnBrk="1" latinLnBrk="0" hangingPunct="1">
+              <a:lnSpc>
+                <a:spcPct val="90000"/>
+              </a:lnSpc>
+              <a:spcBef>
+                <a:spcPct val="0"/>
+              </a:spcBef>
+              <a:buNone/>
+              <a:defRPr sz="6000" kern="1200">
+                <a:solidFill>
+                  <a:schemeClr val="tx1"/>
+                </a:solidFill>
+                <a:latin typeface="+mj-lt"/>
+                <a:ea typeface="+mj-ea"/>
+                <a:cs typeface="+mj-cs"/>
+              </a:defRPr>
+            </a:lvl1pPr>
+          </a:lstStyle>
+          <a:p>
+            <a:r>
+              <a:rPr lang="zh-CN" altLang="en-US" sz="4000" dirty="0" smtClean="0"/>
+              <a:t>随机</a:t>
+            </a:r>
+            <a:endParaRPr lang="zh-CN" altLang="en-US" sz="4000" dirty="0"/>
+          </a:p>
+        </p:txBody>
+      </p:sp>
+      <p:sp>
+        <p:nvSpPr>
+          <p:cNvPr id="10" name="标题 1"/>
+          <p:cNvSpPr txBox="1">
+            <a:spLocks/>
+          </p:cNvSpPr>
+          <p:nvPr/>
+        </p:nvSpPr>
+        <p:spPr>
+          <a:xfrm>
+            <a:off x="1087271" y="4274083"/>
+            <a:ext cx="2652216" cy="863584"/>
+          </a:xfrm>
+          <a:prstGeom prst="rect">
+            <a:avLst/>
+          </a:prstGeom>
+        </p:spPr>
+        <p:txBody>
+          <a:bodyPr vert="horz" lIns="91440" tIns="45720" rIns="91440" bIns="45720" rtlCol="0" anchor="b">
+            <a:normAutofit/>
+          </a:bodyPr>
+          <a:lstStyle>
+            <a:lvl1pPr algn="ctr" defTabSz="914400" rtl="0" eaLnBrk="1" latinLnBrk="0" hangingPunct="1">
+              <a:lnSpc>
+                <a:spcPct val="90000"/>
+              </a:lnSpc>
+              <a:spcBef>
+                <a:spcPct val="0"/>
+              </a:spcBef>
+              <a:buNone/>
+              <a:defRPr sz="6000" kern="1200">
+                <a:solidFill>
+                  <a:schemeClr val="tx1"/>
+                </a:solidFill>
+                <a:latin typeface="+mj-lt"/>
+                <a:ea typeface="+mj-ea"/>
+                <a:cs typeface="+mj-cs"/>
+              </a:defRPr>
+            </a:lvl1pPr>
+          </a:lstStyle>
+          <a:p>
+            <a:r>
+              <a:rPr lang="zh-CN" altLang="en-US" sz="4000" dirty="0" smtClean="0"/>
+              <a:t>价格</a:t>
+            </a:r>
+            <a:endParaRPr lang="zh-CN" altLang="en-US" sz="4000" dirty="0"/>
           </a:p>
         </p:txBody>
       </p:sp>
     </p:spTree>
     <p:extLst>
       <p:ext uri="{BB962C8B-B14F-4D97-AF65-F5344CB8AC3E}">
-        <p14:creationId xmlns:p14="http://schemas.microsoft.com/office/powerpoint/2010/main" val="1927548412"/>
+        <p14:creationId xmlns:p14="http://schemas.microsoft.com/office/powerpoint/2010/main" val="3470965269"/>
       </p:ext>
     </p:extLst>
   </p:cSld>
@@ -4047,23 +5617,111 @@
           </a:xfrm>
         </p:spPr>
         <p:txBody>
-          <a:bodyPr>
-            <a:normAutofit/>
+          <a:bodyPr/>
+          <a:lstStyle/>
+          <a:p>
+            <a:r>
+              <a:rPr lang="zh-CN" altLang="en-US" dirty="0" smtClean="0"/>
+              <a:t>竞争规则的优劣</a:t>
+            </a:r>
+            <a:endParaRPr lang="zh-CN" altLang="en-US" dirty="0"/>
+          </a:p>
+        </p:txBody>
+      </p:sp>
+      <p:sp>
+        <p:nvSpPr>
+          <p:cNvPr id="11" name="文本框 10"/>
+          <p:cNvSpPr txBox="1"/>
+          <p:nvPr/>
+        </p:nvSpPr>
+        <p:spPr>
+          <a:xfrm>
+            <a:off x="1760562" y="2429303"/>
+            <a:ext cx="7847463" cy="369332"/>
+          </a:xfrm>
+          <a:prstGeom prst="rect">
+            <a:avLst/>
+          </a:prstGeom>
+          <a:noFill/>
+        </p:spPr>
+        <p:txBody>
+          <a:bodyPr wrap="square" rtlCol="0">
+            <a:spAutoFit/>
           </a:bodyPr>
           <a:lstStyle/>
           <a:p>
             <a:r>
-              <a:rPr lang="zh-CN" altLang="en-US" sz="3600" dirty="0" smtClean="0"/>
-              <a:t>许多竞争规则，其他人难以获益</a:t>
-            </a:r>
-            <a:endParaRPr lang="zh-CN" altLang="en-US" sz="3600" dirty="0"/>
+              <a:rPr lang="zh-CN" altLang="en-US" dirty="0" smtClean="0"/>
+              <a:t>没有那个规则更公平</a:t>
+            </a:r>
+            <a:endParaRPr lang="zh-CN" altLang="en-US" dirty="0"/>
+          </a:p>
+        </p:txBody>
+      </p:sp>
+      <p:sp>
+        <p:nvSpPr>
+          <p:cNvPr id="12" name="文本框 11"/>
+          <p:cNvSpPr txBox="1"/>
+          <p:nvPr/>
+        </p:nvSpPr>
+        <p:spPr>
+          <a:xfrm>
+            <a:off x="1760562" y="1884215"/>
+            <a:ext cx="7847463" cy="369332"/>
+          </a:xfrm>
+          <a:prstGeom prst="rect">
+            <a:avLst/>
+          </a:prstGeom>
+          <a:noFill/>
+        </p:spPr>
+        <p:txBody>
+          <a:bodyPr wrap="square" rtlCol="0">
+            <a:spAutoFit/>
+          </a:bodyPr>
+          <a:lstStyle/>
+          <a:p>
+            <a:r>
+              <a:rPr lang="zh-CN" altLang="en-US" dirty="0" smtClean="0"/>
+              <a:t>竞争必有规则</a:t>
+            </a:r>
+            <a:endParaRPr lang="zh-CN" altLang="en-US" dirty="0"/>
+          </a:p>
+        </p:txBody>
+      </p:sp>
+      <p:sp>
+        <p:nvSpPr>
+          <p:cNvPr id="13" name="文本框 12"/>
+          <p:cNvSpPr txBox="1"/>
+          <p:nvPr/>
+        </p:nvSpPr>
+        <p:spPr>
+          <a:xfrm>
+            <a:off x="1760561" y="3000866"/>
+            <a:ext cx="7847463" cy="369332"/>
+          </a:xfrm>
+          <a:prstGeom prst="rect">
+            <a:avLst/>
+          </a:prstGeom>
+          <a:noFill/>
+        </p:spPr>
+        <p:txBody>
+          <a:bodyPr wrap="square" rtlCol="0">
+            <a:spAutoFit/>
+          </a:bodyPr>
+          <a:lstStyle/>
+          <a:p>
+            <a:r>
+              <a:rPr lang="zh-CN" altLang="en-US" dirty="0" smtClean="0"/>
+              <a:t>每种竞争都有成本</a:t>
+            </a:r>
+            <a:endParaRPr lang="zh-CN" altLang="en-US" dirty="0"/>
           </a:p>
         </p:txBody>
       </p:sp>
     </p:spTree>
     <p:extLst>
       <p:ext uri="{BB962C8B-B14F-4D97-AF65-F5344CB8AC3E}">
-        <p14:creationId xmlns:p14="http://schemas.microsoft.com/office/powerpoint/2010/main" val="976689104"/>
+        <p14:creationId xmlns:p14="http://schemas.microsoft.com/office/powerpoint/2010/main" val="1927548412"/>
       </p:ext>
     </p:extLst>
   </p:cSld>
@@ -4114,76 +5772,16 @@
           <a:p>
             <a:r>
               <a:rPr lang="zh-CN" altLang="en-US" sz="3600" dirty="0" smtClean="0"/>
-              <a:t>价高者的，社会财富增加</a:t>
+              <a:t>许多竞争规则，其他人难以获益</a:t>
             </a:r>
             <a:endParaRPr lang="zh-CN" altLang="en-US" sz="3600" dirty="0"/>
-          </a:p>
-        </p:txBody>
-      </p:sp>
-      <p:sp>
-        <p:nvSpPr>
-          <p:cNvPr id="3" name="文本框 2"/>
-          <p:cNvSpPr txBox="1"/>
-          <p:nvPr/>
-        </p:nvSpPr>
-        <p:spPr>
-          <a:xfrm>
-            <a:off x="2593075" y="2088108"/>
-            <a:ext cx="1127232" cy="369332"/>
-          </a:xfrm>
-          <a:prstGeom prst="rect">
-            <a:avLst/>
-          </a:prstGeom>
-          <a:noFill/>
-        </p:spPr>
-        <p:txBody>
-          <a:bodyPr wrap="none" rtlCol="0">
-            <a:spAutoFit/>
-          </a:bodyPr>
-          <a:lstStyle/>
-          <a:p>
-            <a:r>
-              <a:rPr lang="zh-CN" altLang="en-US" dirty="0" smtClean="0"/>
-              <a:t>价格竞争</a:t>
-            </a:r>
-            <a:endParaRPr lang="zh-CN" altLang="en-US" dirty="0"/>
-          </a:p>
-        </p:txBody>
-      </p:sp>
-      <p:sp>
-        <p:nvSpPr>
-          <p:cNvPr id="4" name="文本框 3"/>
-          <p:cNvSpPr txBox="1"/>
-          <p:nvPr/>
-        </p:nvSpPr>
-        <p:spPr>
-          <a:xfrm>
-            <a:off x="2593075" y="2652423"/>
-            <a:ext cx="2031325" cy="369332"/>
-          </a:xfrm>
-          <a:prstGeom prst="rect">
-            <a:avLst/>
-          </a:prstGeom>
-          <a:noFill/>
-        </p:spPr>
-        <p:txBody>
-          <a:bodyPr wrap="none" rtlCol="0">
-            <a:spAutoFit/>
-          </a:bodyPr>
-          <a:lstStyle/>
-          <a:p>
-            <a:r>
-              <a:rPr lang="zh-CN" altLang="en-US" dirty="0" smtClean="0"/>
-              <a:t>社会的饼越做越大</a:t>
-            </a:r>
-            <a:endParaRPr lang="zh-CN" altLang="en-US" dirty="0"/>
           </a:p>
         </p:txBody>
       </p:sp>
     </p:spTree>
     <p:extLst>
       <p:ext uri="{BB962C8B-B14F-4D97-AF65-F5344CB8AC3E}">
-        <p14:creationId xmlns:p14="http://schemas.microsoft.com/office/powerpoint/2010/main" val="857619583"/>
+        <p14:creationId xmlns:p14="http://schemas.microsoft.com/office/powerpoint/2010/main" val="976689104"/>
       </p:ext>
     </p:extLst>
   </p:cSld>
@@ -4212,14 +5810,44 @@
       </p:grpSpPr>
       <p:sp>
         <p:nvSpPr>
-          <p:cNvPr id="6" name="文本框 5"/>
+          <p:cNvPr id="2" name="标题 1"/>
+          <p:cNvSpPr>
+            <a:spLocks noGrp="1"/>
+          </p:cNvSpPr>
+          <p:nvPr>
+            <p:ph type="ctrTitle"/>
+          </p:nvPr>
+        </p:nvSpPr>
+        <p:spPr>
+          <a:xfrm>
+            <a:off x="1305635" y="655093"/>
+            <a:ext cx="9144000" cy="1053366"/>
+          </a:xfrm>
+        </p:spPr>
+        <p:txBody>
+          <a:bodyPr>
+            <a:normAutofit/>
+          </a:bodyPr>
+          <a:lstStyle/>
+          <a:p>
+            <a:r>
+              <a:rPr lang="zh-CN" altLang="en-US" sz="3600" dirty="0" smtClean="0"/>
+              <a:t>价高者的，社会财富增加</a:t>
+            </a:r>
+            <a:endParaRPr lang="zh-CN" altLang="en-US" sz="3600" dirty="0"/>
+          </a:p>
+        </p:txBody>
+      </p:sp>
+      <p:sp>
+        <p:nvSpPr>
+          <p:cNvPr id="3" name="文本框 2"/>
           <p:cNvSpPr txBox="1"/>
           <p:nvPr/>
         </p:nvSpPr>
         <p:spPr>
           <a:xfrm>
-            <a:off x="1981199" y="601344"/>
-            <a:ext cx="5252114" cy="646331"/>
+            <a:off x="2593075" y="2088108"/>
+            <a:ext cx="1127232" cy="369332"/>
           </a:xfrm>
           <a:prstGeom prst="rect">
             <a:avLst/>
@@ -4227,23 +5855,53 @@
           <a:noFill/>
         </p:spPr>
         <p:txBody>
-          <a:bodyPr wrap="square" rtlCol="0">
+          <a:bodyPr wrap="none" rtlCol="0">
             <a:spAutoFit/>
           </a:bodyPr>
           <a:lstStyle/>
           <a:p>
             <a:r>
-              <a:rPr lang="zh-CN" altLang="en-US" sz="3600" dirty="0" smtClean="0"/>
-              <a:t>什么事刚需</a:t>
-            </a:r>
-            <a:endParaRPr lang="zh-CN" altLang="en-US" sz="3600" dirty="0"/>
+              <a:rPr lang="zh-CN" altLang="en-US" dirty="0" smtClean="0"/>
+              <a:t>价格竞争</a:t>
+            </a:r>
+            <a:endParaRPr lang="zh-CN" altLang="en-US" dirty="0"/>
+          </a:p>
+        </p:txBody>
+      </p:sp>
+      <p:sp>
+        <p:nvSpPr>
+          <p:cNvPr id="4" name="文本框 3"/>
+          <p:cNvSpPr txBox="1"/>
+          <p:nvPr/>
+        </p:nvSpPr>
+        <p:spPr>
+          <a:xfrm>
+            <a:off x="2593075" y="2652423"/>
+            <a:ext cx="2031325" cy="369332"/>
+          </a:xfrm>
+          <a:prstGeom prst="rect">
+            <a:avLst/>
+          </a:prstGeom>
+          <a:noFill/>
+        </p:spPr>
+        <p:txBody>
+          <a:bodyPr wrap="none" rtlCol="0">
+            <a:spAutoFit/>
+          </a:bodyPr>
+          <a:lstStyle/>
+          <a:p>
+            <a:r>
+              <a:rPr lang="zh-CN" altLang="en-US" dirty="0" smtClean="0"/>
+              <a:t>社会的饼越做越大</a:t>
+            </a:r>
+            <a:endParaRPr lang="zh-CN" altLang="en-US" dirty="0"/>
           </a:p>
         </p:txBody>
       </p:sp>
     </p:spTree>
     <p:extLst>
       <p:ext uri="{BB962C8B-B14F-4D97-AF65-F5344CB8AC3E}">
-        <p14:creationId xmlns:p14="http://schemas.microsoft.com/office/powerpoint/2010/main" val="1531118542"/>
+        <p14:creationId xmlns:p14="http://schemas.microsoft.com/office/powerpoint/2010/main" val="857619583"/>
       </p:ext>
     </p:extLst>
   </p:cSld>

--- a/火车票/火车票.pptx
+++ b/火车票/火车票.pptx
@@ -6,24 +6,28 @@
   </p:sldMasterIdLst>
   <p:sldIdLst>
     <p:sldId id="258" r:id="rId2"/>
-    <p:sldId id="264" r:id="rId3"/>
-    <p:sldId id="263" r:id="rId4"/>
-    <p:sldId id="273" r:id="rId5"/>
-    <p:sldId id="256" r:id="rId6"/>
-    <p:sldId id="261" r:id="rId7"/>
-    <p:sldId id="259" r:id="rId8"/>
-    <p:sldId id="260" r:id="rId9"/>
-    <p:sldId id="262" r:id="rId10"/>
-    <p:sldId id="271" r:id="rId11"/>
-    <p:sldId id="276" r:id="rId12"/>
-    <p:sldId id="265" r:id="rId13"/>
-    <p:sldId id="274" r:id="rId14"/>
-    <p:sldId id="278" r:id="rId15"/>
-    <p:sldId id="266" r:id="rId16"/>
-    <p:sldId id="275" r:id="rId17"/>
-    <p:sldId id="270" r:id="rId18"/>
-    <p:sldId id="277" r:id="rId19"/>
-    <p:sldId id="272" r:id="rId20"/>
+    <p:sldId id="279" r:id="rId3"/>
+    <p:sldId id="280" r:id="rId4"/>
+    <p:sldId id="264" r:id="rId5"/>
+    <p:sldId id="263" r:id="rId6"/>
+    <p:sldId id="273" r:id="rId7"/>
+    <p:sldId id="256" r:id="rId8"/>
+    <p:sldId id="261" r:id="rId9"/>
+    <p:sldId id="259" r:id="rId10"/>
+    <p:sldId id="260" r:id="rId11"/>
+    <p:sldId id="262" r:id="rId12"/>
+    <p:sldId id="271" r:id="rId13"/>
+    <p:sldId id="276" r:id="rId14"/>
+    <p:sldId id="265" r:id="rId15"/>
+    <p:sldId id="274" r:id="rId16"/>
+    <p:sldId id="278" r:id="rId17"/>
+    <p:sldId id="266" r:id="rId18"/>
+    <p:sldId id="275" r:id="rId19"/>
+    <p:sldId id="270" r:id="rId20"/>
+    <p:sldId id="277" r:id="rId21"/>
+    <p:sldId id="281" r:id="rId22"/>
+    <p:sldId id="282" r:id="rId23"/>
+    <p:sldId id="272" r:id="rId24"/>
   </p:sldIdLst>
   <p:sldSz cx="12192000" cy="6858000"/>
   <p:notesSz cx="6858000" cy="9144000"/>
@@ -261,7 +265,7 @@
           <a:p>
             <a:fld id="{BBADCC27-5C76-44BF-90BC-478D7AEA318F}" type="datetimeFigureOut">
               <a:rPr lang="zh-CN" altLang="en-US" smtClean="0"/>
-              <a:t>2017/7/23 Sunday</a:t>
+              <a:t>2017/7/26</a:t>
             </a:fld>
             <a:endParaRPr lang="zh-CN" altLang="en-US"/>
           </a:p>
@@ -431,7 +435,7 @@
           <a:p>
             <a:fld id="{BBADCC27-5C76-44BF-90BC-478D7AEA318F}" type="datetimeFigureOut">
               <a:rPr lang="zh-CN" altLang="en-US" smtClean="0"/>
-              <a:t>2017/7/23 Sunday</a:t>
+              <a:t>2017/7/26</a:t>
             </a:fld>
             <a:endParaRPr lang="zh-CN" altLang="en-US"/>
           </a:p>
@@ -611,7 +615,7 @@
           <a:p>
             <a:fld id="{BBADCC27-5C76-44BF-90BC-478D7AEA318F}" type="datetimeFigureOut">
               <a:rPr lang="zh-CN" altLang="en-US" smtClean="0"/>
-              <a:t>2017/7/23 Sunday</a:t>
+              <a:t>2017/7/26</a:t>
             </a:fld>
             <a:endParaRPr lang="zh-CN" altLang="en-US"/>
           </a:p>
@@ -781,7 +785,7 @@
           <a:p>
             <a:fld id="{BBADCC27-5C76-44BF-90BC-478D7AEA318F}" type="datetimeFigureOut">
               <a:rPr lang="zh-CN" altLang="en-US" smtClean="0"/>
-              <a:t>2017/7/23 Sunday</a:t>
+              <a:t>2017/7/26</a:t>
             </a:fld>
             <a:endParaRPr lang="zh-CN" altLang="en-US"/>
           </a:p>
@@ -1027,7 +1031,7 @@
           <a:p>
             <a:fld id="{BBADCC27-5C76-44BF-90BC-478D7AEA318F}" type="datetimeFigureOut">
               <a:rPr lang="zh-CN" altLang="en-US" smtClean="0"/>
-              <a:t>2017/7/23 Sunday</a:t>
+              <a:t>2017/7/26</a:t>
             </a:fld>
             <a:endParaRPr lang="zh-CN" altLang="en-US"/>
           </a:p>
@@ -1259,7 +1263,7 @@
           <a:p>
             <a:fld id="{BBADCC27-5C76-44BF-90BC-478D7AEA318F}" type="datetimeFigureOut">
               <a:rPr lang="zh-CN" altLang="en-US" smtClean="0"/>
-              <a:t>2017/7/23 Sunday</a:t>
+              <a:t>2017/7/26</a:t>
             </a:fld>
             <a:endParaRPr lang="zh-CN" altLang="en-US"/>
           </a:p>
@@ -1626,7 +1630,7 @@
           <a:p>
             <a:fld id="{BBADCC27-5C76-44BF-90BC-478D7AEA318F}" type="datetimeFigureOut">
               <a:rPr lang="zh-CN" altLang="en-US" smtClean="0"/>
-              <a:t>2017/7/23 Sunday</a:t>
+              <a:t>2017/7/26</a:t>
             </a:fld>
             <a:endParaRPr lang="zh-CN" altLang="en-US"/>
           </a:p>
@@ -1744,7 +1748,7 @@
           <a:p>
             <a:fld id="{BBADCC27-5C76-44BF-90BC-478D7AEA318F}" type="datetimeFigureOut">
               <a:rPr lang="zh-CN" altLang="en-US" smtClean="0"/>
-              <a:t>2017/7/23 Sunday</a:t>
+              <a:t>2017/7/26</a:t>
             </a:fld>
             <a:endParaRPr lang="zh-CN" altLang="en-US"/>
           </a:p>
@@ -1839,7 +1843,7 @@
           <a:p>
             <a:fld id="{BBADCC27-5C76-44BF-90BC-478D7AEA318F}" type="datetimeFigureOut">
               <a:rPr lang="zh-CN" altLang="en-US" smtClean="0"/>
-              <a:t>2017/7/23 Sunday</a:t>
+              <a:t>2017/7/26</a:t>
             </a:fld>
             <a:endParaRPr lang="zh-CN" altLang="en-US"/>
           </a:p>
@@ -2116,7 +2120,7 @@
           <a:p>
             <a:fld id="{BBADCC27-5C76-44BF-90BC-478D7AEA318F}" type="datetimeFigureOut">
               <a:rPr lang="zh-CN" altLang="en-US" smtClean="0"/>
-              <a:t>2017/7/23 Sunday</a:t>
+              <a:t>2017/7/26</a:t>
             </a:fld>
             <a:endParaRPr lang="zh-CN" altLang="en-US"/>
           </a:p>
@@ -2369,7 +2373,7 @@
           <a:p>
             <a:fld id="{BBADCC27-5C76-44BF-90BC-478D7AEA318F}" type="datetimeFigureOut">
               <a:rPr lang="zh-CN" altLang="en-US" smtClean="0"/>
-              <a:t>2017/7/23 Sunday</a:t>
+              <a:t>2017/7/26</a:t>
             </a:fld>
             <a:endParaRPr lang="zh-CN" altLang="en-US"/>
           </a:p>
@@ -2582,7 +2586,7 @@
           <a:p>
             <a:fld id="{BBADCC27-5C76-44BF-90BC-478D7AEA318F}" type="datetimeFigureOut">
               <a:rPr lang="zh-CN" altLang="en-US" smtClean="0"/>
-              <a:t>2017/7/23 Sunday</a:t>
+              <a:t>2017/7/26</a:t>
             </a:fld>
             <a:endParaRPr lang="zh-CN" altLang="en-US"/>
           </a:p>
@@ -2989,43 +2993,13 @@
       </p:grpSpPr>
       <p:sp>
         <p:nvSpPr>
-          <p:cNvPr id="2" name="标题 1"/>
-          <p:cNvSpPr>
-            <a:spLocks noGrp="1"/>
-          </p:cNvSpPr>
-          <p:nvPr>
-            <p:ph type="ctrTitle"/>
-          </p:nvPr>
-        </p:nvSpPr>
-        <p:spPr>
-          <a:xfrm>
-            <a:off x="1401169" y="1733267"/>
-            <a:ext cx="9144000" cy="1053366"/>
-          </a:xfrm>
-        </p:spPr>
-        <p:txBody>
-          <a:bodyPr>
-            <a:normAutofit/>
-          </a:bodyPr>
-          <a:lstStyle/>
-          <a:p>
-            <a:r>
-              <a:rPr lang="zh-CN" altLang="en-US" dirty="0" smtClean="0"/>
-              <a:t>火车票价还不够高</a:t>
-            </a:r>
-            <a:endParaRPr lang="zh-CN" altLang="en-US" dirty="0"/>
-          </a:p>
-        </p:txBody>
-      </p:sp>
-      <p:sp>
-        <p:nvSpPr>
           <p:cNvPr id="3" name="矩形 2"/>
           <p:cNvSpPr/>
           <p:nvPr/>
         </p:nvSpPr>
         <p:spPr>
           <a:xfrm>
-            <a:off x="3261465" y="3107856"/>
+            <a:off x="2477693" y="482222"/>
             <a:ext cx="5423408" cy="369332"/>
           </a:xfrm>
           <a:prstGeom prst="rect">
@@ -3078,6 +3052,186 @@
       </p:grpSpPr>
       <p:sp>
         <p:nvSpPr>
+          <p:cNvPr id="2" name="标题 1"/>
+          <p:cNvSpPr>
+            <a:spLocks noGrp="1"/>
+          </p:cNvSpPr>
+          <p:nvPr>
+            <p:ph type="ctrTitle"/>
+          </p:nvPr>
+        </p:nvSpPr>
+        <p:spPr>
+          <a:xfrm>
+            <a:off x="1305635" y="655093"/>
+            <a:ext cx="9144000" cy="1053366"/>
+          </a:xfrm>
+        </p:spPr>
+        <p:txBody>
+          <a:bodyPr>
+            <a:normAutofit/>
+          </a:bodyPr>
+          <a:lstStyle/>
+          <a:p>
+            <a:r>
+              <a:rPr lang="zh-CN" altLang="en-US" sz="3600" dirty="0" smtClean="0"/>
+              <a:t>许多竞争规则，其他人难以获益</a:t>
+            </a:r>
+            <a:endParaRPr lang="zh-CN" altLang="en-US" sz="3600" dirty="0"/>
+          </a:p>
+        </p:txBody>
+      </p:sp>
+    </p:spTree>
+    <p:extLst>
+      <p:ext uri="{BB962C8B-B14F-4D97-AF65-F5344CB8AC3E}">
+        <p14:creationId xmlns:p14="http://schemas.microsoft.com/office/powerpoint/2010/main" val="976689104"/>
+      </p:ext>
+    </p:extLst>
+  </p:cSld>
+  <p:clrMapOvr>
+    <a:masterClrMapping/>
+  </p:clrMapOvr>
+</p:sld>
+</file>
+
+<file path=ppt/slides/slide11.xml><?xml version="1.0" encoding="utf-8"?>
+<p:sld xmlns:a="http://schemas.openxmlformats.org/drawingml/2006/main" xmlns:r="http://schemas.openxmlformats.org/officeDocument/2006/relationships" xmlns:p="http://schemas.openxmlformats.org/presentationml/2006/main">
+  <p:cSld>
+    <p:spTree>
+      <p:nvGrpSpPr>
+        <p:cNvPr id="1" name=""/>
+        <p:cNvGrpSpPr/>
+        <p:nvPr/>
+      </p:nvGrpSpPr>
+      <p:grpSpPr>
+        <a:xfrm>
+          <a:off x="0" y="0"/>
+          <a:ext cx="0" cy="0"/>
+          <a:chOff x="0" y="0"/>
+          <a:chExt cx="0" cy="0"/>
+        </a:xfrm>
+      </p:grpSpPr>
+      <p:sp>
+        <p:nvSpPr>
+          <p:cNvPr id="2" name="标题 1"/>
+          <p:cNvSpPr>
+            <a:spLocks noGrp="1"/>
+          </p:cNvSpPr>
+          <p:nvPr>
+            <p:ph type="ctrTitle"/>
+          </p:nvPr>
+        </p:nvSpPr>
+        <p:spPr>
+          <a:xfrm>
+            <a:off x="1305635" y="655093"/>
+            <a:ext cx="9144000" cy="1053366"/>
+          </a:xfrm>
+        </p:spPr>
+        <p:txBody>
+          <a:bodyPr>
+            <a:normAutofit/>
+          </a:bodyPr>
+          <a:lstStyle/>
+          <a:p>
+            <a:r>
+              <a:rPr lang="zh-CN" altLang="en-US" sz="3600" dirty="0" smtClean="0"/>
+              <a:t>价高者的，社会财富增加</a:t>
+            </a:r>
+            <a:endParaRPr lang="zh-CN" altLang="en-US" sz="3600" dirty="0"/>
+          </a:p>
+        </p:txBody>
+      </p:sp>
+      <p:sp>
+        <p:nvSpPr>
+          <p:cNvPr id="3" name="文本框 2"/>
+          <p:cNvSpPr txBox="1"/>
+          <p:nvPr/>
+        </p:nvSpPr>
+        <p:spPr>
+          <a:xfrm>
+            <a:off x="2593075" y="2088108"/>
+            <a:ext cx="1127232" cy="369332"/>
+          </a:xfrm>
+          <a:prstGeom prst="rect">
+            <a:avLst/>
+          </a:prstGeom>
+          <a:noFill/>
+        </p:spPr>
+        <p:txBody>
+          <a:bodyPr wrap="none" rtlCol="0">
+            <a:spAutoFit/>
+          </a:bodyPr>
+          <a:lstStyle/>
+          <a:p>
+            <a:r>
+              <a:rPr lang="zh-CN" altLang="en-US" dirty="0" smtClean="0"/>
+              <a:t>价格竞争</a:t>
+            </a:r>
+            <a:endParaRPr lang="zh-CN" altLang="en-US" dirty="0"/>
+          </a:p>
+        </p:txBody>
+      </p:sp>
+      <p:sp>
+        <p:nvSpPr>
+          <p:cNvPr id="4" name="文本框 3"/>
+          <p:cNvSpPr txBox="1"/>
+          <p:nvPr/>
+        </p:nvSpPr>
+        <p:spPr>
+          <a:xfrm>
+            <a:off x="2593075" y="2652423"/>
+            <a:ext cx="2031325" cy="369332"/>
+          </a:xfrm>
+          <a:prstGeom prst="rect">
+            <a:avLst/>
+          </a:prstGeom>
+          <a:noFill/>
+        </p:spPr>
+        <p:txBody>
+          <a:bodyPr wrap="none" rtlCol="0">
+            <a:spAutoFit/>
+          </a:bodyPr>
+          <a:lstStyle/>
+          <a:p>
+            <a:r>
+              <a:rPr lang="zh-CN" altLang="en-US" dirty="0" smtClean="0"/>
+              <a:t>社会的饼越做越大</a:t>
+            </a:r>
+            <a:endParaRPr lang="zh-CN" altLang="en-US" dirty="0"/>
+          </a:p>
+        </p:txBody>
+      </p:sp>
+    </p:spTree>
+    <p:extLst>
+      <p:ext uri="{BB962C8B-B14F-4D97-AF65-F5344CB8AC3E}">
+        <p14:creationId xmlns:p14="http://schemas.microsoft.com/office/powerpoint/2010/main" val="857619583"/>
+      </p:ext>
+    </p:extLst>
+  </p:cSld>
+  <p:clrMapOvr>
+    <a:masterClrMapping/>
+  </p:clrMapOvr>
+</p:sld>
+</file>
+
+<file path=ppt/slides/slide12.xml><?xml version="1.0" encoding="utf-8"?>
+<p:sld xmlns:a="http://schemas.openxmlformats.org/drawingml/2006/main" xmlns:r="http://schemas.openxmlformats.org/officeDocument/2006/relationships" xmlns:p="http://schemas.openxmlformats.org/presentationml/2006/main">
+  <p:cSld>
+    <p:spTree>
+      <p:nvGrpSpPr>
+        <p:cNvPr id="1" name=""/>
+        <p:cNvGrpSpPr/>
+        <p:nvPr/>
+      </p:nvGrpSpPr>
+      <p:grpSpPr>
+        <a:xfrm>
+          <a:off x="0" y="0"/>
+          <a:ext cx="0" cy="0"/>
+          <a:chOff x="0" y="0"/>
+          <a:chExt cx="0" cy="0"/>
+        </a:xfrm>
+      </p:grpSpPr>
+      <p:sp>
+        <p:nvSpPr>
           <p:cNvPr id="6" name="文本框 5"/>
           <p:cNvSpPr txBox="1"/>
           <p:nvPr/>
@@ -3156,7 +3310,7 @@
 </p:sld>
 </file>
 
-<file path=ppt/slides/slide11.xml><?xml version="1.0" encoding="utf-8"?>
+<file path=ppt/slides/slide13.xml><?xml version="1.0" encoding="utf-8"?>
 <p:sld xmlns:a="http://schemas.openxmlformats.org/drawingml/2006/main" xmlns:r="http://schemas.openxmlformats.org/officeDocument/2006/relationships" xmlns:p="http://schemas.openxmlformats.org/presentationml/2006/main">
   <p:cSld>
     <p:spTree>
@@ -3208,11 +3362,7 @@
           <a:p>
             <a:r>
               <a:rPr lang="zh-CN" altLang="en-US" sz="3600" dirty="0" smtClean="0"/>
-              <a:t>价格</a:t>
-            </a:r>
-            <a:r>
-              <a:rPr lang="zh-CN" altLang="en-US" sz="3600" dirty="0" smtClean="0"/>
-              <a:t>管制原因（</a:t>
+              <a:t>价格管制原因（</a:t>
             </a:r>
             <a:r>
               <a:rPr lang="en-US" altLang="zh-CN" sz="3600" dirty="0" smtClean="0"/>
@@ -3336,224 +3486,6 @@
 </p:sld>
 </file>
 
-<file path=ppt/slides/slide12.xml><?xml version="1.0" encoding="utf-8"?>
-<p:sld xmlns:a="http://schemas.openxmlformats.org/drawingml/2006/main" xmlns:r="http://schemas.openxmlformats.org/officeDocument/2006/relationships" xmlns:p="http://schemas.openxmlformats.org/presentationml/2006/main">
-  <p:cSld>
-    <p:spTree>
-      <p:nvGrpSpPr>
-        <p:cNvPr id="1" name=""/>
-        <p:cNvGrpSpPr/>
-        <p:nvPr/>
-      </p:nvGrpSpPr>
-      <p:grpSpPr>
-        <a:xfrm>
-          <a:off x="0" y="0"/>
-          <a:ext cx="0" cy="0"/>
-          <a:chOff x="0" y="0"/>
-          <a:chExt cx="0" cy="0"/>
-        </a:xfrm>
-      </p:grpSpPr>
-      <p:sp>
-        <p:nvSpPr>
-          <p:cNvPr id="6" name="文本框 5"/>
-          <p:cNvSpPr txBox="1"/>
-          <p:nvPr/>
-        </p:nvSpPr>
-        <p:spPr>
-          <a:xfrm>
-            <a:off x="1981199" y="601344"/>
-            <a:ext cx="5252114" cy="646331"/>
-          </a:xfrm>
-          <a:prstGeom prst="rect">
-            <a:avLst/>
-          </a:prstGeom>
-          <a:noFill/>
-        </p:spPr>
-        <p:txBody>
-          <a:bodyPr wrap="square" rtlCol="0">
-            <a:spAutoFit/>
-          </a:bodyPr>
-          <a:lstStyle/>
-          <a:p>
-            <a:r>
-              <a:rPr lang="zh-CN" altLang="en-US" sz="3600" dirty="0" smtClean="0"/>
-              <a:t>火车票是刚需</a:t>
-            </a:r>
-            <a:endParaRPr lang="zh-CN" altLang="en-US" sz="3600" dirty="0"/>
-          </a:p>
-        </p:txBody>
-      </p:sp>
-      <p:sp>
-        <p:nvSpPr>
-          <p:cNvPr id="2" name="矩形 1"/>
-          <p:cNvSpPr/>
-          <p:nvPr/>
-        </p:nvSpPr>
-        <p:spPr>
-          <a:xfrm>
-            <a:off x="573204" y="1397800"/>
-            <a:ext cx="11313993" cy="1200329"/>
-          </a:xfrm>
-          <a:prstGeom prst="rect">
-            <a:avLst/>
-          </a:prstGeom>
-        </p:spPr>
-        <p:txBody>
-          <a:bodyPr wrap="square">
-            <a:spAutoFit/>
-          </a:bodyPr>
-          <a:lstStyle/>
-          <a:p>
-            <a:r>
-              <a:rPr lang="zh-CN" altLang="en-US" dirty="0">
-                <a:solidFill>
-                  <a:srgbClr val="000000"/>
-                </a:solidFill>
-                <a:latin typeface="宋体" panose="02010600030101010101" pitchFamily="2" charset="-122"/>
-              </a:rPr>
-              <a:t>回家过年的需求是刚性的，意思是不管价格多高，乘客还是要回家过年，所以提价只会让铁路系统多赚钱，而不能降低乘客回家过年的愿望。这是没有学透。向右下倾斜的需求曲线，每个点的弹性都不同，只要价格到位，刚性需求就自然会软化。如果说有些旅客回家过年的需求曲线不是右下倾斜而是垂直的，那么这些旅客就应该不惜一切代价回家，就不会非要等放假才回家，更不会非要坐火车才回家。</a:t>
-            </a:r>
-            <a:endParaRPr lang="zh-CN" altLang="en-US" dirty="0"/>
-          </a:p>
-        </p:txBody>
-      </p:sp>
-      <p:sp>
-        <p:nvSpPr>
-          <p:cNvPr id="4" name="矩形 3"/>
-          <p:cNvSpPr/>
-          <p:nvPr/>
-        </p:nvSpPr>
-        <p:spPr>
-          <a:xfrm>
-            <a:off x="573205" y="2748255"/>
-            <a:ext cx="11313993" cy="1477328"/>
-          </a:xfrm>
-          <a:prstGeom prst="rect">
-            <a:avLst/>
-          </a:prstGeom>
-        </p:spPr>
-        <p:txBody>
-          <a:bodyPr wrap="square">
-            <a:spAutoFit/>
-          </a:bodyPr>
-          <a:lstStyle/>
-          <a:p>
-            <a:r>
-              <a:rPr lang="zh-CN" altLang="en-US" dirty="0">
-                <a:solidFill>
-                  <a:srgbClr val="444444"/>
-                </a:solidFill>
-                <a:latin typeface="Tahoma" panose="020B0604030504040204" pitchFamily="34" charset="0"/>
-              </a:rPr>
-              <a:t>这世界上的东西可分成两种：第一种不是必需品，比如说女性的高档化妆品，那这类东西一旦发现供不应求，直接涨价就是了，否则百货商场还不排大队。而另外一种东西那叫刚需，你学经济学的应该懂这个词吧，那是必需品。比如说农民工春节回家的火车票，这个时候你再出馊主意，让涨价。首先是伤天害理嘛，你想农民工弱势群体，一年挣不了多少钱，你这一涨价，多少天就白干。而更重要的是，啥叫刚需？就是这个需求并不因为价格的波动而发生变化，中国人嘛，一年到春节的时候总得回趟家，再高的票价也拦不住他们归家的心。</a:t>
-            </a:r>
-            <a:endParaRPr lang="zh-CN" altLang="en-US" dirty="0"/>
-          </a:p>
-        </p:txBody>
-      </p:sp>
-    </p:spTree>
-    <p:extLst>
-      <p:ext uri="{BB962C8B-B14F-4D97-AF65-F5344CB8AC3E}">
-        <p14:creationId xmlns:p14="http://schemas.microsoft.com/office/powerpoint/2010/main" val="1531118542"/>
-      </p:ext>
-    </p:extLst>
-  </p:cSld>
-  <p:clrMapOvr>
-    <a:masterClrMapping/>
-  </p:clrMapOvr>
-</p:sld>
-</file>
-
-<file path=ppt/slides/slide13.xml><?xml version="1.0" encoding="utf-8"?>
-<p:sld xmlns:a="http://schemas.openxmlformats.org/drawingml/2006/main" xmlns:r="http://schemas.openxmlformats.org/officeDocument/2006/relationships" xmlns:p="http://schemas.openxmlformats.org/presentationml/2006/main">
-  <p:cSld>
-    <p:spTree>
-      <p:nvGrpSpPr>
-        <p:cNvPr id="1" name=""/>
-        <p:cNvGrpSpPr/>
-        <p:nvPr/>
-      </p:nvGrpSpPr>
-      <p:grpSpPr>
-        <a:xfrm>
-          <a:off x="0" y="0"/>
-          <a:ext cx="0" cy="0"/>
-          <a:chOff x="0" y="0"/>
-          <a:chExt cx="0" cy="0"/>
-        </a:xfrm>
-      </p:grpSpPr>
-      <p:sp>
-        <p:nvSpPr>
-          <p:cNvPr id="6" name="文本框 5"/>
-          <p:cNvSpPr txBox="1"/>
-          <p:nvPr/>
-        </p:nvSpPr>
-        <p:spPr>
-          <a:xfrm>
-            <a:off x="1981199" y="601344"/>
-            <a:ext cx="5252114" cy="646331"/>
-          </a:xfrm>
-          <a:prstGeom prst="rect">
-            <a:avLst/>
-          </a:prstGeom>
-          <a:noFill/>
-        </p:spPr>
-        <p:txBody>
-          <a:bodyPr wrap="square" rtlCol="0">
-            <a:spAutoFit/>
-          </a:bodyPr>
-          <a:lstStyle/>
-          <a:p>
-            <a:r>
-              <a:rPr lang="zh-CN" altLang="en-US" sz="3600" dirty="0" smtClean="0"/>
-              <a:t>需求第一定律</a:t>
-            </a:r>
-            <a:endParaRPr lang="zh-CN" altLang="en-US" sz="3600" dirty="0"/>
-          </a:p>
-        </p:txBody>
-      </p:sp>
-      <p:pic>
-        <p:nvPicPr>
-          <p:cNvPr id="2" name="图片 1"/>
-          <p:cNvPicPr>
-            <a:picLocks noChangeAspect="1"/>
-          </p:cNvPicPr>
-          <p:nvPr/>
-        </p:nvPicPr>
-        <p:blipFill>
-          <a:blip r:embed="rId2">
-            <a:extLst>
-              <a:ext uri="{28A0092B-C50C-407E-A947-70E740481C1C}">
-                <a14:useLocalDpi xmlns:a14="http://schemas.microsoft.com/office/drawing/2010/main" val="0"/>
-              </a:ext>
-            </a:extLst>
-          </a:blip>
-          <a:stretch>
-            <a:fillRect/>
-          </a:stretch>
-        </p:blipFill>
-        <p:spPr>
-          <a:xfrm>
-            <a:off x="2475647" y="1247675"/>
-            <a:ext cx="6667500" cy="4076700"/>
-          </a:xfrm>
-          <a:prstGeom prst="rect">
-            <a:avLst/>
-          </a:prstGeom>
-        </p:spPr>
-      </p:pic>
-    </p:spTree>
-    <p:extLst>
-      <p:ext uri="{BB962C8B-B14F-4D97-AF65-F5344CB8AC3E}">
-        <p14:creationId xmlns:p14="http://schemas.microsoft.com/office/powerpoint/2010/main" val="3685188938"/>
-      </p:ext>
-    </p:extLst>
-  </p:cSld>
-  <p:clrMapOvr>
-    <a:masterClrMapping/>
-  </p:clrMapOvr>
-</p:sld>
-</file>
-
 <file path=ppt/slides/slide14.xml><?xml version="1.0" encoding="utf-8"?>
 <p:sld xmlns:a="http://schemas.openxmlformats.org/drawingml/2006/main" xmlns:r="http://schemas.openxmlformats.org/officeDocument/2006/relationships" xmlns:p="http://schemas.openxmlformats.org/presentationml/2006/main">
   <p:cSld>
@@ -3595,11 +3527,7 @@
           <a:p>
             <a:r>
               <a:rPr lang="zh-CN" altLang="en-US" sz="3600" dirty="0" smtClean="0"/>
-              <a:t>什么是刚</a:t>
-            </a:r>
-            <a:r>
-              <a:rPr lang="zh-CN" altLang="en-US" sz="3600" dirty="0" smtClean="0"/>
-              <a:t>需</a:t>
+              <a:t>火车票是刚需</a:t>
             </a:r>
             <a:endParaRPr lang="zh-CN" altLang="en-US" sz="3600" dirty="0"/>
           </a:p>
@@ -3613,61 +3541,27 @@
         </p:nvSpPr>
         <p:spPr>
           <a:xfrm>
-            <a:off x="1981199" y="1247675"/>
-            <a:ext cx="4455066" cy="369332"/>
-          </a:xfrm>
-          <a:prstGeom prst="rect">
-            <a:avLst/>
-          </a:prstGeom>
-        </p:spPr>
-        <p:txBody>
-          <a:bodyPr wrap="none">
+            <a:off x="573204" y="1397800"/>
+            <a:ext cx="11313993" cy="1200329"/>
+          </a:xfrm>
+          <a:prstGeom prst="rect">
+            <a:avLst/>
+          </a:prstGeom>
+        </p:spPr>
+        <p:txBody>
+          <a:bodyPr wrap="square">
             <a:spAutoFit/>
           </a:bodyPr>
           <a:lstStyle/>
           <a:p>
             <a:r>
-              <a:rPr lang="zh-CN" altLang="en-US" dirty="0" smtClean="0">
+              <a:rPr lang="zh-CN" altLang="en-US" dirty="0">
                 <a:solidFill>
                   <a:srgbClr val="000000"/>
                 </a:solidFill>
                 <a:latin typeface="宋体" panose="02010600030101010101" pitchFamily="2" charset="-122"/>
               </a:rPr>
-              <a:t>没有永远的奢侈品，也没有永远的必需品</a:t>
-            </a:r>
-            <a:endParaRPr lang="zh-CN" altLang="en-US" dirty="0"/>
-          </a:p>
-        </p:txBody>
-      </p:sp>
-      <p:sp>
-        <p:nvSpPr>
-          <p:cNvPr id="3" name="矩形 2"/>
-          <p:cNvSpPr/>
-          <p:nvPr/>
-        </p:nvSpPr>
-        <p:spPr>
-          <a:xfrm>
-            <a:off x="1981199" y="1795650"/>
-            <a:ext cx="9523864" cy="369332"/>
-          </a:xfrm>
-          <a:prstGeom prst="rect">
-            <a:avLst/>
-          </a:prstGeom>
-        </p:spPr>
-        <p:txBody>
-          <a:bodyPr wrap="square">
-            <a:spAutoFit/>
-          </a:bodyPr>
-          <a:lstStyle/>
-          <a:p>
-            <a:r>
-              <a:rPr lang="zh-CN" altLang="en-US" dirty="0">
-                <a:solidFill>
-                  <a:srgbClr val="333333"/>
-                </a:solidFill>
-                <a:latin typeface="Helvetica Neue"/>
-              </a:rPr>
-              <a:t>所谓的刚需是对市场的干涉产生的，政府该做的是保证市场的自由。</a:t>
+              <a:t>回家过年的需求是刚性的，意思是不管价格多高，乘客还是要回家过年，所以提价只会让铁路系统多赚钱，而不能降低乘客回家过年的愿望。这是没有学透。向右下倾斜的需求曲线，每个点的弹性都不同，只要价格到位，刚性需求就自然会软化。如果说有些旅客回家过年的需求曲线不是右下倾斜而是垂直的，那么这些旅客就应该不惜一切代价回家，就不会非要等放假才回家，更不会非要坐火车才回家。</a:t>
             </a:r>
             <a:endParaRPr lang="zh-CN" altLang="en-US" dirty="0"/>
           </a:p>
@@ -3681,8 +3575,8 @@
         </p:nvSpPr>
         <p:spPr>
           <a:xfrm>
-            <a:off x="1981199" y="2343625"/>
-            <a:ext cx="10056126" cy="646331"/>
+            <a:off x="573205" y="2748255"/>
+            <a:ext cx="11313993" cy="1477328"/>
           </a:xfrm>
           <a:prstGeom prst="rect">
             <a:avLst/>
@@ -3694,15 +3588,6 @@
           </a:bodyPr>
           <a:lstStyle/>
           <a:p>
-            <a:r>
-              <a:rPr lang="en-US" altLang="zh-CN" dirty="0">
-                <a:solidFill>
-                  <a:srgbClr val="444444"/>
-                </a:solidFill>
-                <a:latin typeface="Tahoma" panose="020B0604030504040204" pitchFamily="34" charset="0"/>
-              </a:rPr>
-              <a:t>《</a:t>
-            </a:r>
             <a:r>
               <a:rPr lang="zh-CN" altLang="en-US" dirty="0">
                 <a:solidFill>
@@ -3710,111 +3595,7 @@
                 </a:solidFill>
                 <a:latin typeface="Tahoma" panose="020B0604030504040204" pitchFamily="34" charset="0"/>
               </a:rPr>
-              <a:t>富兰克林传</a:t>
-            </a:r>
-            <a:r>
-              <a:rPr lang="en-US" altLang="zh-CN" dirty="0">
-                <a:solidFill>
-                  <a:srgbClr val="444444"/>
-                </a:solidFill>
-                <a:latin typeface="Tahoma" panose="020B0604030504040204" pitchFamily="34" charset="0"/>
-              </a:rPr>
-              <a:t>》</a:t>
-            </a:r>
-            <a:r>
-              <a:rPr lang="zh-CN" altLang="en-US" dirty="0">
-                <a:solidFill>
-                  <a:srgbClr val="444444"/>
-                </a:solidFill>
-                <a:latin typeface="Tahoma" panose="020B0604030504040204" pitchFamily="34" charset="0"/>
-              </a:rPr>
-              <a:t>我们也做了一期节目，在那期节目当中我就讲了两句话：第一句呢？是挣钱很光荣。第二句呢？是合法做生意挣钱。是我知道的在这个世界上生存的最有尊严的方式。</a:t>
-            </a:r>
-            <a:endParaRPr lang="zh-CN" altLang="en-US" dirty="0"/>
-          </a:p>
-        </p:txBody>
-      </p:sp>
-      <p:sp>
-        <p:nvSpPr>
-          <p:cNvPr id="5" name="矩形 4"/>
-          <p:cNvSpPr/>
-          <p:nvPr/>
-        </p:nvSpPr>
-        <p:spPr>
-          <a:xfrm>
-            <a:off x="1981199" y="3210639"/>
-            <a:ext cx="10056126" cy="1200329"/>
-          </a:xfrm>
-          <a:prstGeom prst="rect">
-            <a:avLst/>
-          </a:prstGeom>
-        </p:spPr>
-        <p:txBody>
-          <a:bodyPr wrap="square">
-            <a:spAutoFit/>
-          </a:bodyPr>
-          <a:lstStyle/>
-          <a:p>
-            <a:r>
-              <a:rPr lang="zh-CN" altLang="en-US" dirty="0">
-                <a:solidFill>
-                  <a:srgbClr val="444444"/>
-                </a:solidFill>
-                <a:latin typeface="Tahoma" panose="020B0604030504040204" pitchFamily="34" charset="0"/>
-              </a:rPr>
-              <a:t>电影</a:t>
-            </a:r>
-            <a:r>
-              <a:rPr lang="en-US" altLang="zh-CN" dirty="0">
-                <a:solidFill>
-                  <a:srgbClr val="444444"/>
-                </a:solidFill>
-                <a:latin typeface="Tahoma" panose="020B0604030504040204" pitchFamily="34" charset="0"/>
-              </a:rPr>
-              <a:t>《1942》</a:t>
-            </a:r>
-            <a:r>
-              <a:rPr lang="zh-CN" altLang="en-US" dirty="0">
-                <a:solidFill>
-                  <a:srgbClr val="444444"/>
-                </a:solidFill>
-                <a:latin typeface="Tahoma" panose="020B0604030504040204" pitchFamily="34" charset="0"/>
-              </a:rPr>
-              <a:t>描述了上个世纪中国的一场大饥荒。这里面就有一个情节，一个小伙子好不容易找到一小包饼干，马上就跑去找他那个心爱的姑娘，说我要不分你一半，你让我亲热一下。你看，人都奄奄待毙了还琢磨这个，他还在肉体的片刻欢愉和自己活下去之间做比较和权衡。很多人都在讲，说人的生命的安全是这个文明的底线，那这可是刚需。</a:t>
-            </a:r>
-            <a:endParaRPr lang="zh-CN" altLang="en-US" dirty="0"/>
-          </a:p>
-        </p:txBody>
-      </p:sp>
-      <p:sp>
-        <p:nvSpPr>
-          <p:cNvPr id="7" name="矩形 6"/>
-          <p:cNvSpPr/>
-          <p:nvPr/>
-        </p:nvSpPr>
-        <p:spPr>
-          <a:xfrm>
-            <a:off x="1981199" y="4446985"/>
-            <a:ext cx="877163" cy="369332"/>
-          </a:xfrm>
-          <a:prstGeom prst="rect">
-            <a:avLst/>
-          </a:prstGeom>
-        </p:spPr>
-        <p:txBody>
-          <a:bodyPr wrap="none">
-            <a:spAutoFit/>
-          </a:bodyPr>
-          <a:lstStyle/>
-          <a:p>
-            <a:r>
-              <a:rPr lang="zh-CN" altLang="en-US" dirty="0">
-                <a:solidFill>
-                  <a:srgbClr val="444444"/>
-                </a:solidFill>
-                <a:latin typeface="Tahoma" panose="020B0604030504040204" pitchFamily="34" charset="0"/>
-              </a:rPr>
-              <a:t>地沟油</a:t>
+              <a:t>这世界上的东西可分成两种：第一种不是必需品，比如说女性的高档化妆品，那这类东西一旦发现供不应求，直接涨价就是了，否则百货商场还不排大队。而另外一种东西那叫刚需，你学经济学的应该懂这个词吧，那是必需品。比如说农民工春节回家的火车票，这个时候你再出馊主意，让涨价。首先是伤天害理嘛，你想农民工弱势群体，一年挣不了多少钱，你这一涨价，多少天就白干。而更重要的是，啥叫刚需？就是这个需求并不因为价格的波动而发生变化，中国人嘛，一年到春节的时候总得回趟家，再高的票价也拦不住他们归家的心。</a:t>
             </a:r>
             <a:endParaRPr lang="zh-CN" altLang="en-US" dirty="0"/>
           </a:p>
@@ -3823,7 +3604,7 @@
     </p:spTree>
     <p:extLst>
       <p:ext uri="{BB962C8B-B14F-4D97-AF65-F5344CB8AC3E}">
-        <p14:creationId xmlns:p14="http://schemas.microsoft.com/office/powerpoint/2010/main" val="818270726"/>
+        <p14:creationId xmlns:p14="http://schemas.microsoft.com/office/powerpoint/2010/main" val="1531118542"/>
       </p:ext>
     </p:extLst>
   </p:cSld>
@@ -3852,60 +3633,14 @@
       </p:grpSpPr>
       <p:sp>
         <p:nvSpPr>
-          <p:cNvPr id="3" name="文本框 2"/>
-          <p:cNvSpPr txBox="1"/>
-          <p:nvPr/>
-        </p:nvSpPr>
-        <p:spPr>
-          <a:xfrm>
-            <a:off x="1528549" y="641445"/>
-            <a:ext cx="4108817" cy="369332"/>
-          </a:xfrm>
-          <a:prstGeom prst="rect">
-            <a:avLst/>
-          </a:prstGeom>
-          <a:noFill/>
-        </p:spPr>
-        <p:txBody>
-          <a:bodyPr wrap="none" rtlCol="0">
-            <a:spAutoFit/>
-          </a:bodyPr>
-          <a:lstStyle/>
-          <a:p>
-            <a:r>
-              <a:rPr lang="zh-CN" altLang="en-US" dirty="0" smtClean="0"/>
-              <a:t>火车票</a:t>
-            </a:r>
-            <a:r>
-              <a:rPr lang="en-US" altLang="zh-CN" dirty="0" smtClean="0"/>
-              <a:t>(</a:t>
-            </a:r>
-            <a:r>
-              <a:rPr lang="zh-CN" altLang="en-US" dirty="0" smtClean="0"/>
-              <a:t>春节回家过年</a:t>
-            </a:r>
-            <a:r>
-              <a:rPr lang="en-US" altLang="zh-CN" dirty="0" smtClean="0"/>
-              <a:t>)</a:t>
-            </a:r>
-            <a:r>
-              <a:rPr lang="zh-CN" altLang="en-US" dirty="0" smtClean="0"/>
-              <a:t>是刚需还是商品</a:t>
-            </a:r>
-            <a:endParaRPr lang="zh-CN" altLang="en-US" dirty="0"/>
-          </a:p>
-        </p:txBody>
-      </p:sp>
-      <p:sp>
-        <p:nvSpPr>
           <p:cNvPr id="6" name="文本框 5"/>
           <p:cNvSpPr txBox="1"/>
           <p:nvPr/>
         </p:nvSpPr>
         <p:spPr>
           <a:xfrm>
-            <a:off x="3455157" y="1010777"/>
-            <a:ext cx="2031325" cy="646331"/>
+            <a:off x="1981199" y="601344"/>
+            <a:ext cx="5252114" cy="646331"/>
           </a:xfrm>
           <a:prstGeom prst="rect">
             <a:avLst/>
@@ -3913,23 +3648,53 @@
           <a:noFill/>
         </p:spPr>
         <p:txBody>
-          <a:bodyPr wrap="none" rtlCol="0">
+          <a:bodyPr wrap="square" rtlCol="0">
             <a:spAutoFit/>
           </a:bodyPr>
           <a:lstStyle/>
           <a:p>
             <a:r>
               <a:rPr lang="zh-CN" altLang="en-US" sz="3600" dirty="0" smtClean="0"/>
-              <a:t>没有刚需</a:t>
+              <a:t>需求第一定律</a:t>
             </a:r>
             <a:endParaRPr lang="zh-CN" altLang="en-US" sz="3600" dirty="0"/>
           </a:p>
         </p:txBody>
       </p:sp>
+      <p:pic>
+        <p:nvPicPr>
+          <p:cNvPr id="2" name="图片 1"/>
+          <p:cNvPicPr>
+            <a:picLocks noChangeAspect="1"/>
+          </p:cNvPicPr>
+          <p:nvPr/>
+        </p:nvPicPr>
+        <p:blipFill>
+          <a:blip r:embed="rId2">
+            <a:extLst>
+              <a:ext uri="{28A0092B-C50C-407E-A947-70E740481C1C}">
+                <a14:useLocalDpi xmlns:a14="http://schemas.microsoft.com/office/drawing/2010/main" val="0"/>
+              </a:ext>
+            </a:extLst>
+          </a:blip>
+          <a:stretch>
+            <a:fillRect/>
+          </a:stretch>
+        </p:blipFill>
+        <p:spPr>
+          <a:xfrm>
+            <a:off x="2475647" y="1247675"/>
+            <a:ext cx="6667500" cy="4076700"/>
+          </a:xfrm>
+          <a:prstGeom prst="rect">
+            <a:avLst/>
+          </a:prstGeom>
+        </p:spPr>
+      </p:pic>
     </p:spTree>
     <p:extLst>
       <p:ext uri="{BB962C8B-B14F-4D97-AF65-F5344CB8AC3E}">
-        <p14:creationId xmlns:p14="http://schemas.microsoft.com/office/powerpoint/2010/main" val="2363586562"/>
+        <p14:creationId xmlns:p14="http://schemas.microsoft.com/office/powerpoint/2010/main" val="3685188938"/>
       </p:ext>
     </p:extLst>
   </p:cSld>
@@ -3964,8 +3729,8 @@
         </p:nvSpPr>
         <p:spPr>
           <a:xfrm>
-            <a:off x="2336039" y="587697"/>
-            <a:ext cx="6316922" cy="646331"/>
+            <a:off x="1981199" y="601344"/>
+            <a:ext cx="5252114" cy="646331"/>
           </a:xfrm>
           <a:prstGeom prst="rect">
             <a:avLst/>
@@ -3973,14 +3738,14 @@
           <a:noFill/>
         </p:spPr>
         <p:txBody>
-          <a:bodyPr wrap="none" rtlCol="0">
+          <a:bodyPr wrap="square" rtlCol="0">
             <a:spAutoFit/>
           </a:bodyPr>
           <a:lstStyle/>
           <a:p>
             <a:r>
               <a:rPr lang="zh-CN" altLang="en-US" sz="3600" dirty="0" smtClean="0"/>
-              <a:t>如何解决火车票购票难得问题</a:t>
+              <a:t>什么是刚需</a:t>
             </a:r>
             <a:endParaRPr lang="zh-CN" altLang="en-US" sz="3600" dirty="0"/>
           </a:p>
@@ -3994,8 +3759,8 @@
         </p:nvSpPr>
         <p:spPr>
           <a:xfrm>
-            <a:off x="2336039" y="2015192"/>
-            <a:ext cx="2206053" cy="369332"/>
+            <a:off x="1981199" y="1247675"/>
+            <a:ext cx="4455066" cy="369332"/>
           </a:xfrm>
           <a:prstGeom prst="rect">
             <a:avLst/>
@@ -4008,20 +3773,13 @@
           <a:lstStyle/>
           <a:p>
             <a:r>
-              <a:rPr lang="en-US" altLang="zh-CN" dirty="0"/>
-              <a:t>2</a:t>
-            </a:r>
-            <a:r>
-              <a:rPr lang="en-US" altLang="zh-CN" dirty="0" smtClean="0"/>
-              <a:t>.</a:t>
-            </a:r>
-            <a:r>
-              <a:rPr lang="zh-CN" altLang="en-US" dirty="0" smtClean="0"/>
-              <a:t>黄牛</a:t>
-            </a:r>
-            <a:r>
-              <a:rPr lang="zh-CN" altLang="en-US" dirty="0"/>
-              <a:t>节省无谓损失</a:t>
+              <a:rPr lang="zh-CN" altLang="en-US" dirty="0" smtClean="0">
+                <a:solidFill>
+                  <a:srgbClr val="000000"/>
+                </a:solidFill>
+                <a:latin typeface="宋体" panose="02010600030101010101" pitchFamily="2" charset="-122"/>
+              </a:rPr>
+              <a:t>没有永远的奢侈品，也没有永远的必需品</a:t>
             </a:r>
             <a:endParaRPr lang="zh-CN" altLang="en-US" dirty="0"/>
           </a:p>
@@ -4035,30 +3793,88 @@
         </p:nvSpPr>
         <p:spPr>
           <a:xfrm>
-            <a:off x="2336039" y="1439944"/>
-            <a:ext cx="2436886" cy="369332"/>
-          </a:xfrm>
-          <a:prstGeom prst="rect">
-            <a:avLst/>
-          </a:prstGeom>
-        </p:spPr>
-        <p:txBody>
-          <a:bodyPr wrap="none">
+            <a:off x="1981199" y="1795650"/>
+            <a:ext cx="9523864" cy="369332"/>
+          </a:xfrm>
+          <a:prstGeom prst="rect">
+            <a:avLst/>
+          </a:prstGeom>
+        </p:spPr>
+        <p:txBody>
+          <a:bodyPr wrap="square">
             <a:spAutoFit/>
           </a:bodyPr>
           <a:lstStyle/>
           <a:p>
             <a:r>
-              <a:rPr lang="en-US" altLang="zh-CN" dirty="0" smtClean="0"/>
-              <a:t>1.</a:t>
-            </a:r>
-            <a:r>
-              <a:rPr lang="zh-CN" altLang="en-US" dirty="0" smtClean="0"/>
-              <a:t>实名制</a:t>
-            </a:r>
-            <a:r>
-              <a:rPr lang="zh-CN" altLang="en-US" dirty="0"/>
-              <a:t>使火车票更贵</a:t>
+              <a:rPr lang="zh-CN" altLang="en-US" dirty="0">
+                <a:solidFill>
+                  <a:srgbClr val="333333"/>
+                </a:solidFill>
+                <a:latin typeface="Helvetica Neue"/>
+              </a:rPr>
+              <a:t>所谓的刚需是对市场的干涉产生的，政府该做的是保证市场的自由。</a:t>
+            </a:r>
+            <a:endParaRPr lang="zh-CN" altLang="en-US" dirty="0"/>
+          </a:p>
+        </p:txBody>
+      </p:sp>
+      <p:sp>
+        <p:nvSpPr>
+          <p:cNvPr id="4" name="矩形 3"/>
+          <p:cNvSpPr/>
+          <p:nvPr/>
+        </p:nvSpPr>
+        <p:spPr>
+          <a:xfrm>
+            <a:off x="1981199" y="2343625"/>
+            <a:ext cx="10056126" cy="646331"/>
+          </a:xfrm>
+          <a:prstGeom prst="rect">
+            <a:avLst/>
+          </a:prstGeom>
+        </p:spPr>
+        <p:txBody>
+          <a:bodyPr wrap="square">
+            <a:spAutoFit/>
+          </a:bodyPr>
+          <a:lstStyle/>
+          <a:p>
+            <a:r>
+              <a:rPr lang="en-US" altLang="zh-CN" dirty="0">
+                <a:solidFill>
+                  <a:srgbClr val="444444"/>
+                </a:solidFill>
+                <a:latin typeface="Tahoma" panose="020B0604030504040204" pitchFamily="34" charset="0"/>
+              </a:rPr>
+              <a:t>《</a:t>
+            </a:r>
+            <a:r>
+              <a:rPr lang="zh-CN" altLang="en-US" dirty="0">
+                <a:solidFill>
+                  <a:srgbClr val="444444"/>
+                </a:solidFill>
+                <a:latin typeface="Tahoma" panose="020B0604030504040204" pitchFamily="34" charset="0"/>
+              </a:rPr>
+              <a:t>富兰克林传</a:t>
+            </a:r>
+            <a:r>
+              <a:rPr lang="en-US" altLang="zh-CN" dirty="0">
+                <a:solidFill>
+                  <a:srgbClr val="444444"/>
+                </a:solidFill>
+                <a:latin typeface="Tahoma" panose="020B0604030504040204" pitchFamily="34" charset="0"/>
+              </a:rPr>
+              <a:t>》</a:t>
+            </a:r>
+            <a:r>
+              <a:rPr lang="zh-CN" altLang="en-US" dirty="0">
+                <a:solidFill>
+                  <a:srgbClr val="444444"/>
+                </a:solidFill>
+                <a:latin typeface="Tahoma" panose="020B0604030504040204" pitchFamily="34" charset="0"/>
+              </a:rPr>
+              <a:t>我们也做了一期节目，在那期节目当中我就讲了两句话：第一句呢？是挣钱很光荣。第二句呢？是合法做生意挣钱。是我知道的在这个世界上生存的最有尊严的方式。</a:t>
             </a:r>
             <a:endParaRPr lang="zh-CN" altLang="en-US" dirty="0"/>
           </a:p>
@@ -4072,8 +3888,60 @@
         </p:nvSpPr>
         <p:spPr>
           <a:xfrm>
-            <a:off x="2336038" y="2590440"/>
-            <a:ext cx="2667718" cy="369332"/>
+            <a:off x="1981199" y="3210639"/>
+            <a:ext cx="10056126" cy="1200329"/>
+          </a:xfrm>
+          <a:prstGeom prst="rect">
+            <a:avLst/>
+          </a:prstGeom>
+        </p:spPr>
+        <p:txBody>
+          <a:bodyPr wrap="square">
+            <a:spAutoFit/>
+          </a:bodyPr>
+          <a:lstStyle/>
+          <a:p>
+            <a:r>
+              <a:rPr lang="zh-CN" altLang="en-US" dirty="0">
+                <a:solidFill>
+                  <a:srgbClr val="444444"/>
+                </a:solidFill>
+                <a:latin typeface="Tahoma" panose="020B0604030504040204" pitchFamily="34" charset="0"/>
+              </a:rPr>
+              <a:t>电影</a:t>
+            </a:r>
+            <a:r>
+              <a:rPr lang="en-US" altLang="zh-CN" dirty="0">
+                <a:solidFill>
+                  <a:srgbClr val="444444"/>
+                </a:solidFill>
+                <a:latin typeface="Tahoma" panose="020B0604030504040204" pitchFamily="34" charset="0"/>
+              </a:rPr>
+              <a:t>《1942》</a:t>
+            </a:r>
+            <a:r>
+              <a:rPr lang="zh-CN" altLang="en-US" dirty="0">
+                <a:solidFill>
+                  <a:srgbClr val="444444"/>
+                </a:solidFill>
+                <a:latin typeface="Tahoma" panose="020B0604030504040204" pitchFamily="34" charset="0"/>
+              </a:rPr>
+              <a:t>描述了上个世纪中国的一场大饥荒。这里面就有一个情节，一个小伙子好不容易找到一小包饼干，马上就跑去找他那个心爱的姑娘，说我要不分你一半，你让我亲热一下。你看，人都奄奄待毙了还琢磨这个，他还在肉体的片刻欢愉和自己活下去之间做比较和权衡。很多人都在讲，说人的生命的安全是这个文明的底线，那这可是刚需。</a:t>
+            </a:r>
+            <a:endParaRPr lang="zh-CN" altLang="en-US" dirty="0"/>
+          </a:p>
+        </p:txBody>
+      </p:sp>
+      <p:sp>
+        <p:nvSpPr>
+          <p:cNvPr id="7" name="矩形 6"/>
+          <p:cNvSpPr/>
+          <p:nvPr/>
+        </p:nvSpPr>
+        <p:spPr>
+          <a:xfrm>
+            <a:off x="1981199" y="4446985"/>
+            <a:ext cx="877163" cy="369332"/>
           </a:xfrm>
           <a:prstGeom prst="rect">
             <a:avLst/>
@@ -4086,12 +3954,13 @@
           <a:lstStyle/>
           <a:p>
             <a:r>
-              <a:rPr lang="en-US" altLang="zh-CN" dirty="0" smtClean="0"/>
-              <a:t>3.</a:t>
-            </a:r>
-            <a:r>
-              <a:rPr lang="zh-CN" altLang="en-US" dirty="0" smtClean="0"/>
-              <a:t>放开火车票的价格管制</a:t>
+              <a:rPr lang="zh-CN" altLang="en-US" dirty="0">
+                <a:solidFill>
+                  <a:srgbClr val="444444"/>
+                </a:solidFill>
+                <a:latin typeface="Tahoma" panose="020B0604030504040204" pitchFamily="34" charset="0"/>
+              </a:rPr>
+              <a:t>地沟油</a:t>
             </a:r>
             <a:endParaRPr lang="zh-CN" altLang="en-US" dirty="0"/>
           </a:p>
@@ -4100,7 +3969,7 @@
     </p:spTree>
     <p:extLst>
       <p:ext uri="{BB962C8B-B14F-4D97-AF65-F5344CB8AC3E}">
-        <p14:creationId xmlns:p14="http://schemas.microsoft.com/office/powerpoint/2010/main" val="2900519539"/>
+        <p14:creationId xmlns:p14="http://schemas.microsoft.com/office/powerpoint/2010/main" val="818270726"/>
       </p:ext>
     </p:extLst>
   </p:cSld>
@@ -4129,13 +3998,59 @@
       </p:grpSpPr>
       <p:sp>
         <p:nvSpPr>
+          <p:cNvPr id="3" name="文本框 2"/>
+          <p:cNvSpPr txBox="1"/>
+          <p:nvPr/>
+        </p:nvSpPr>
+        <p:spPr>
+          <a:xfrm>
+            <a:off x="1528549" y="641445"/>
+            <a:ext cx="4108817" cy="369332"/>
+          </a:xfrm>
+          <a:prstGeom prst="rect">
+            <a:avLst/>
+          </a:prstGeom>
+          <a:noFill/>
+        </p:spPr>
+        <p:txBody>
+          <a:bodyPr wrap="none" rtlCol="0">
+            <a:spAutoFit/>
+          </a:bodyPr>
+          <a:lstStyle/>
+          <a:p>
+            <a:r>
+              <a:rPr lang="zh-CN" altLang="en-US" dirty="0" smtClean="0"/>
+              <a:t>火车票</a:t>
+            </a:r>
+            <a:r>
+              <a:rPr lang="en-US" altLang="zh-CN" dirty="0" smtClean="0"/>
+              <a:t>(</a:t>
+            </a:r>
+            <a:r>
+              <a:rPr lang="zh-CN" altLang="en-US" dirty="0" smtClean="0"/>
+              <a:t>春节回家过年</a:t>
+            </a:r>
+            <a:r>
+              <a:rPr lang="en-US" altLang="zh-CN" dirty="0" smtClean="0"/>
+              <a:t>)</a:t>
+            </a:r>
+            <a:r>
+              <a:rPr lang="zh-CN" altLang="en-US" dirty="0" smtClean="0"/>
+              <a:t>是刚需还是商品</a:t>
+            </a:r>
+            <a:endParaRPr lang="zh-CN" altLang="en-US" dirty="0"/>
+          </a:p>
+        </p:txBody>
+      </p:sp>
+      <p:sp>
+        <p:nvSpPr>
           <p:cNvPr id="6" name="文本框 5"/>
           <p:cNvSpPr txBox="1"/>
           <p:nvPr/>
         </p:nvSpPr>
         <p:spPr>
           <a:xfrm>
-            <a:off x="2963838" y="860651"/>
+            <a:off x="3455157" y="1010777"/>
             <a:ext cx="2031325" cy="646331"/>
           </a:xfrm>
           <a:prstGeom prst="rect">
@@ -4151,11 +4066,7 @@
           <a:p>
             <a:r>
               <a:rPr lang="zh-CN" altLang="en-US" sz="3600" dirty="0" smtClean="0"/>
-              <a:t>价格</a:t>
-            </a:r>
-            <a:r>
-              <a:rPr lang="zh-CN" altLang="en-US" sz="3600" dirty="0"/>
-              <a:t>管制</a:t>
+              <a:t>没有刚需</a:t>
             </a:r>
             <a:endParaRPr lang="zh-CN" altLang="en-US" sz="3600" dirty="0"/>
           </a:p>
@@ -4164,20 +4075,13 @@
     </p:spTree>
     <p:extLst>
       <p:ext uri="{BB962C8B-B14F-4D97-AF65-F5344CB8AC3E}">
-        <p14:creationId xmlns:p14="http://schemas.microsoft.com/office/powerpoint/2010/main" val="2803786362"/>
+        <p14:creationId xmlns:p14="http://schemas.microsoft.com/office/powerpoint/2010/main" val="2363586562"/>
       </p:ext>
     </p:extLst>
   </p:cSld>
   <p:clrMapOvr>
     <a:masterClrMapping/>
   </p:clrMapOvr>
-  <p:timing>
-    <p:tnLst>
-      <p:par>
-        <p:cTn id="1" dur="indefinite" restart="never" nodeType="tmRoot"/>
-      </p:par>
-    </p:tnLst>
-  </p:timing>
 </p:sld>
 </file>
 
@@ -4206,8 +4110,8 @@
         </p:nvSpPr>
         <p:spPr>
           <a:xfrm>
-            <a:off x="2963838" y="860651"/>
-            <a:ext cx="3884397" cy="646331"/>
+            <a:off x="2336039" y="587697"/>
+            <a:ext cx="6316922" cy="646331"/>
           </a:xfrm>
           <a:prstGeom prst="rect">
             <a:avLst/>
@@ -4222,15 +4126,7 @@
           <a:p>
             <a:r>
               <a:rPr lang="zh-CN" altLang="en-US" sz="3600" dirty="0" smtClean="0"/>
-              <a:t>价格的作用（</a:t>
-            </a:r>
-            <a:r>
-              <a:rPr lang="en-US" altLang="zh-CN" sz="3600" dirty="0" smtClean="0"/>
-              <a:t>52</a:t>
-            </a:r>
-            <a:r>
-              <a:rPr lang="zh-CN" altLang="en-US" sz="3600" dirty="0" smtClean="0"/>
-              <a:t>）</a:t>
+              <a:t>如何解决火车票购票难得问题</a:t>
             </a:r>
             <a:endParaRPr lang="zh-CN" altLang="en-US" sz="3600" dirty="0"/>
           </a:p>
@@ -4238,89 +4134,108 @@
       </p:sp>
       <p:sp>
         <p:nvSpPr>
-          <p:cNvPr id="2" name="文本框 1"/>
-          <p:cNvSpPr txBox="1"/>
+          <p:cNvPr id="2" name="矩形 1"/>
+          <p:cNvSpPr/>
           <p:nvPr/>
         </p:nvSpPr>
         <p:spPr>
           <a:xfrm>
-            <a:off x="3138985" y="2115403"/>
-            <a:ext cx="1359668" cy="369332"/>
-          </a:xfrm>
-          <a:prstGeom prst="rect">
-            <a:avLst/>
-          </a:prstGeom>
-          <a:noFill/>
-        </p:spPr>
-        <p:txBody>
-          <a:bodyPr wrap="none" rtlCol="0">
+            <a:off x="2336039" y="2015192"/>
+            <a:ext cx="2206053" cy="369332"/>
+          </a:xfrm>
+          <a:prstGeom prst="rect">
+            <a:avLst/>
+          </a:prstGeom>
+        </p:spPr>
+        <p:txBody>
+          <a:bodyPr wrap="none">
             <a:spAutoFit/>
           </a:bodyPr>
           <a:lstStyle/>
           <a:p>
             <a:r>
+              <a:rPr lang="en-US" altLang="zh-CN" dirty="0"/>
+              <a:t>2</a:t>
+            </a:r>
+            <a:r>
+              <a:rPr lang="en-US" altLang="zh-CN" dirty="0" smtClean="0"/>
+              <a:t>.</a:t>
+            </a:r>
+            <a:r>
               <a:rPr lang="zh-CN" altLang="en-US" dirty="0" smtClean="0"/>
-              <a:t>传递稀缺性</a:t>
-            </a:r>
-            <a:endParaRPr lang="zh-CN" altLang="en-US" dirty="0"/>
-          </a:p>
-        </p:txBody>
-      </p:sp>
-      <p:sp>
-        <p:nvSpPr>
-          <p:cNvPr id="4" name="文本框 3"/>
-          <p:cNvSpPr txBox="1"/>
+              <a:t>黄牛</a:t>
+            </a:r>
+            <a:r>
+              <a:rPr lang="zh-CN" altLang="en-US" dirty="0"/>
+              <a:t>节省无谓损失</a:t>
+            </a:r>
+          </a:p>
+        </p:txBody>
+      </p:sp>
+      <p:sp>
+        <p:nvSpPr>
+          <p:cNvPr id="3" name="矩形 2"/>
+          <p:cNvSpPr/>
           <p:nvPr/>
         </p:nvSpPr>
         <p:spPr>
           <a:xfrm>
-            <a:off x="3138985" y="2723824"/>
-            <a:ext cx="1107996" cy="369332"/>
-          </a:xfrm>
-          <a:prstGeom prst="rect">
-            <a:avLst/>
-          </a:prstGeom>
-          <a:noFill/>
-        </p:spPr>
-        <p:txBody>
-          <a:bodyPr wrap="none" rtlCol="0">
+            <a:off x="2336039" y="1439944"/>
+            <a:ext cx="2436886" cy="369332"/>
+          </a:xfrm>
+          <a:prstGeom prst="rect">
+            <a:avLst/>
+          </a:prstGeom>
+        </p:spPr>
+        <p:txBody>
+          <a:bodyPr wrap="none">
             <a:spAutoFit/>
           </a:bodyPr>
           <a:lstStyle/>
           <a:p>
             <a:r>
+              <a:rPr lang="en-US" altLang="zh-CN" dirty="0" smtClean="0"/>
+              <a:t>1.</a:t>
+            </a:r>
+            <a:r>
               <a:rPr lang="zh-CN" altLang="en-US" dirty="0" smtClean="0"/>
-              <a:t>指导生产</a:t>
-            </a:r>
-            <a:endParaRPr lang="zh-CN" altLang="en-US" dirty="0"/>
-          </a:p>
-        </p:txBody>
-      </p:sp>
-      <p:sp>
-        <p:nvSpPr>
-          <p:cNvPr id="5" name="文本框 4"/>
-          <p:cNvSpPr txBox="1"/>
+              <a:t>实名制</a:t>
+            </a:r>
+            <a:r>
+              <a:rPr lang="zh-CN" altLang="en-US" dirty="0"/>
+              <a:t>使火车票更贵</a:t>
+            </a:r>
+          </a:p>
+        </p:txBody>
+      </p:sp>
+      <p:sp>
+        <p:nvSpPr>
+          <p:cNvPr id="5" name="矩形 4"/>
+          <p:cNvSpPr/>
           <p:nvPr/>
         </p:nvSpPr>
         <p:spPr>
           <a:xfrm>
-            <a:off x="3138985" y="3397956"/>
-            <a:ext cx="4976042" cy="369332"/>
-          </a:xfrm>
-          <a:prstGeom prst="rect">
-            <a:avLst/>
-          </a:prstGeom>
-          <a:noFill/>
-        </p:spPr>
-        <p:txBody>
-          <a:bodyPr wrap="none" rtlCol="0">
+            <a:off x="2336038" y="2590440"/>
+            <a:ext cx="2667718" cy="369332"/>
+          </a:xfrm>
+          <a:prstGeom prst="rect">
+            <a:avLst/>
+          </a:prstGeom>
+        </p:spPr>
+        <p:txBody>
+          <a:bodyPr wrap="none">
             <a:spAutoFit/>
           </a:bodyPr>
           <a:lstStyle/>
           <a:p>
             <a:r>
+              <a:rPr lang="en-US" altLang="zh-CN" dirty="0" smtClean="0"/>
+              <a:t>3.</a:t>
+            </a:r>
+            <a:r>
               <a:rPr lang="zh-CN" altLang="en-US" dirty="0" smtClean="0"/>
-              <a:t>指导产品分配，饼能做多大，取决于怎么分饼</a:t>
+              <a:t>放开火车票的价格管制</a:t>
             </a:r>
             <a:endParaRPr lang="zh-CN" altLang="en-US" dirty="0"/>
           </a:p>
@@ -4329,20 +4244,13 @@
     </p:spTree>
     <p:extLst>
       <p:ext uri="{BB962C8B-B14F-4D97-AF65-F5344CB8AC3E}">
-        <p14:creationId xmlns:p14="http://schemas.microsoft.com/office/powerpoint/2010/main" val="1088437163"/>
+        <p14:creationId xmlns:p14="http://schemas.microsoft.com/office/powerpoint/2010/main" val="2900519539"/>
       </p:ext>
     </p:extLst>
   </p:cSld>
   <p:clrMapOvr>
     <a:masterClrMapping/>
   </p:clrMapOvr>
-  <p:timing>
-    <p:tnLst>
-      <p:par>
-        <p:cTn id="1" dur="indefinite" restart="never" nodeType="tmRoot"/>
-      </p:par>
-    </p:tnLst>
-  </p:timing>
 </p:sld>
 </file>
 
@@ -4372,7 +4280,7 @@
         <p:spPr>
           <a:xfrm>
             <a:off x="2963838" y="860651"/>
-            <a:ext cx="2567562" cy="646331"/>
+            <a:ext cx="2031325" cy="646331"/>
           </a:xfrm>
           <a:prstGeom prst="rect">
             <a:avLst/>
@@ -4387,46 +4295,19 @@
           <a:p>
             <a:r>
               <a:rPr lang="zh-CN" altLang="en-US" sz="3600" dirty="0" smtClean="0"/>
-              <a:t>穷人怎么办</a:t>
-            </a:r>
-            <a:endParaRPr lang="zh-CN" altLang="en-US" sz="3600" dirty="0"/>
-          </a:p>
-        </p:txBody>
-      </p:sp>
-      <p:sp>
-        <p:nvSpPr>
-          <p:cNvPr id="2" name="文本框 1"/>
-          <p:cNvSpPr txBox="1"/>
-          <p:nvPr/>
-        </p:nvSpPr>
-        <p:spPr>
-          <a:xfrm>
-            <a:off x="3138985" y="2115403"/>
-            <a:ext cx="2031325" cy="369332"/>
-          </a:xfrm>
-          <a:prstGeom prst="rect">
-            <a:avLst/>
-          </a:prstGeom>
-          <a:noFill/>
-        </p:spPr>
-        <p:txBody>
-          <a:bodyPr wrap="none" rtlCol="0">
-            <a:spAutoFit/>
-          </a:bodyPr>
-          <a:lstStyle/>
-          <a:p>
-            <a:r>
-              <a:rPr lang="zh-CN" altLang="en-US" dirty="0" smtClean="0"/>
-              <a:t>购物券，市场机制</a:t>
-            </a:r>
-            <a:endParaRPr lang="zh-CN" altLang="en-US" dirty="0"/>
+              <a:t>价格</a:t>
+            </a:r>
+            <a:r>
+              <a:rPr lang="zh-CN" altLang="en-US" sz="3600" dirty="0"/>
+              <a:t>管制</a:t>
+            </a:r>
           </a:p>
         </p:txBody>
       </p:sp>
     </p:spTree>
     <p:extLst>
       <p:ext uri="{BB962C8B-B14F-4D97-AF65-F5344CB8AC3E}">
-        <p14:creationId xmlns:p14="http://schemas.microsoft.com/office/powerpoint/2010/main" val="2705872648"/>
+        <p14:creationId xmlns:p14="http://schemas.microsoft.com/office/powerpoint/2010/main" val="2803786362"/>
       </p:ext>
     </p:extLst>
   </p:cSld>
@@ -4472,34 +4353,48 @@
         </p:nvSpPr>
         <p:spPr>
           <a:xfrm>
-            <a:off x="1373874" y="2811440"/>
+            <a:off x="1401169" y="1733267"/>
             <a:ext cx="9144000" cy="1053366"/>
           </a:xfrm>
         </p:spPr>
         <p:txBody>
           <a:bodyPr>
-            <a:normAutofit fontScale="90000"/>
-          </a:bodyPr>
-          <a:lstStyle/>
-          <a:p>
-            <a:r>
-              <a:rPr lang="zh-CN" altLang="en-US" dirty="0"/>
-              <a:t>郝</a:t>
-            </a:r>
+            <a:normAutofit/>
+          </a:bodyPr>
+          <a:lstStyle/>
+          <a:p>
             <a:r>
               <a:rPr lang="zh-CN" altLang="en-US" dirty="0" smtClean="0"/>
-              <a:t>劲松</a:t>
-            </a:r>
-            <a:r>
-              <a:rPr lang="en-US" altLang="zh-CN" dirty="0" smtClean="0"/>
-              <a:t/>
-            </a:r>
-            <a:br>
-              <a:rPr lang="en-US" altLang="zh-CN" dirty="0" smtClean="0"/>
-            </a:br>
-            <a:r>
-              <a:rPr lang="en-US" altLang="zh-CN" dirty="0" smtClean="0"/>
-              <a:t>http://news.sina.com.cn/o/2009-01-21/044315064953s.shtml</a:t>
+              <a:t>火车票价还不够高</a:t>
+            </a:r>
+            <a:endParaRPr lang="zh-CN" altLang="en-US" dirty="0"/>
+          </a:p>
+        </p:txBody>
+      </p:sp>
+      <p:sp>
+        <p:nvSpPr>
+          <p:cNvPr id="3" name="矩形 2"/>
+          <p:cNvSpPr/>
+          <p:nvPr/>
+        </p:nvSpPr>
+        <p:spPr>
+          <a:xfrm>
+            <a:off x="3261465" y="3107856"/>
+            <a:ext cx="5423408" cy="369332"/>
+          </a:xfrm>
+          <a:prstGeom prst="rect">
+            <a:avLst/>
+          </a:prstGeom>
+        </p:spPr>
+        <p:txBody>
+          <a:bodyPr wrap="none">
+            <a:spAutoFit/>
+          </a:bodyPr>
+          <a:lstStyle/>
+          <a:p>
+            <a:r>
+              <a:rPr lang="zh-CN" altLang="en-US" dirty="0" smtClean="0"/>
+              <a:t>http://opinion.hexun.com/2012-04-26/140833772.html</a:t>
             </a:r>
             <a:endParaRPr lang="zh-CN" altLang="en-US" dirty="0"/>
           </a:p>
@@ -4508,13 +4403,578 @@
     </p:spTree>
     <p:extLst>
       <p:ext uri="{BB962C8B-B14F-4D97-AF65-F5344CB8AC3E}">
-        <p14:creationId xmlns:p14="http://schemas.microsoft.com/office/powerpoint/2010/main" val="1562058903"/>
+        <p14:creationId xmlns:p14="http://schemas.microsoft.com/office/powerpoint/2010/main" val="2005243472"/>
       </p:ext>
     </p:extLst>
   </p:cSld>
   <p:clrMapOvr>
     <a:masterClrMapping/>
   </p:clrMapOvr>
+</p:sld>
+</file>
+
+<file path=ppt/slides/slide20.xml><?xml version="1.0" encoding="utf-8"?>
+<p:sld xmlns:a="http://schemas.openxmlformats.org/drawingml/2006/main" xmlns:r="http://schemas.openxmlformats.org/officeDocument/2006/relationships" xmlns:p="http://schemas.openxmlformats.org/presentationml/2006/main">
+  <p:cSld>
+    <p:spTree>
+      <p:nvGrpSpPr>
+        <p:cNvPr id="1" name=""/>
+        <p:cNvGrpSpPr/>
+        <p:nvPr/>
+      </p:nvGrpSpPr>
+      <p:grpSpPr>
+        <a:xfrm>
+          <a:off x="0" y="0"/>
+          <a:ext cx="0" cy="0"/>
+          <a:chOff x="0" y="0"/>
+          <a:chExt cx="0" cy="0"/>
+        </a:xfrm>
+      </p:grpSpPr>
+      <p:sp>
+        <p:nvSpPr>
+          <p:cNvPr id="6" name="文本框 5"/>
+          <p:cNvSpPr txBox="1"/>
+          <p:nvPr/>
+        </p:nvSpPr>
+        <p:spPr>
+          <a:xfrm>
+            <a:off x="2963838" y="860651"/>
+            <a:ext cx="3884397" cy="646331"/>
+          </a:xfrm>
+          <a:prstGeom prst="rect">
+            <a:avLst/>
+          </a:prstGeom>
+          <a:noFill/>
+        </p:spPr>
+        <p:txBody>
+          <a:bodyPr wrap="none" rtlCol="0">
+            <a:spAutoFit/>
+          </a:bodyPr>
+          <a:lstStyle/>
+          <a:p>
+            <a:r>
+              <a:rPr lang="zh-CN" altLang="en-US" sz="3600" dirty="0" smtClean="0"/>
+              <a:t>价格的作用（</a:t>
+            </a:r>
+            <a:r>
+              <a:rPr lang="en-US" altLang="zh-CN" sz="3600" dirty="0" smtClean="0"/>
+              <a:t>52</a:t>
+            </a:r>
+            <a:r>
+              <a:rPr lang="zh-CN" altLang="en-US" sz="3600" dirty="0" smtClean="0"/>
+              <a:t>）</a:t>
+            </a:r>
+            <a:endParaRPr lang="zh-CN" altLang="en-US" sz="3600" dirty="0"/>
+          </a:p>
+        </p:txBody>
+      </p:sp>
+      <p:sp>
+        <p:nvSpPr>
+          <p:cNvPr id="2" name="文本框 1"/>
+          <p:cNvSpPr txBox="1"/>
+          <p:nvPr/>
+        </p:nvSpPr>
+        <p:spPr>
+          <a:xfrm>
+            <a:off x="3138985" y="2115403"/>
+            <a:ext cx="1359668" cy="369332"/>
+          </a:xfrm>
+          <a:prstGeom prst="rect">
+            <a:avLst/>
+          </a:prstGeom>
+          <a:noFill/>
+        </p:spPr>
+        <p:txBody>
+          <a:bodyPr wrap="none" rtlCol="0">
+            <a:spAutoFit/>
+          </a:bodyPr>
+          <a:lstStyle/>
+          <a:p>
+            <a:r>
+              <a:rPr lang="zh-CN" altLang="en-US" dirty="0" smtClean="0"/>
+              <a:t>传递稀缺性</a:t>
+            </a:r>
+            <a:endParaRPr lang="zh-CN" altLang="en-US" dirty="0"/>
+          </a:p>
+        </p:txBody>
+      </p:sp>
+      <p:sp>
+        <p:nvSpPr>
+          <p:cNvPr id="4" name="文本框 3"/>
+          <p:cNvSpPr txBox="1"/>
+          <p:nvPr/>
+        </p:nvSpPr>
+        <p:spPr>
+          <a:xfrm>
+            <a:off x="3138985" y="2723824"/>
+            <a:ext cx="1107996" cy="369332"/>
+          </a:xfrm>
+          <a:prstGeom prst="rect">
+            <a:avLst/>
+          </a:prstGeom>
+          <a:noFill/>
+        </p:spPr>
+        <p:txBody>
+          <a:bodyPr wrap="none" rtlCol="0">
+            <a:spAutoFit/>
+          </a:bodyPr>
+          <a:lstStyle/>
+          <a:p>
+            <a:r>
+              <a:rPr lang="zh-CN" altLang="en-US" dirty="0" smtClean="0"/>
+              <a:t>指导生产</a:t>
+            </a:r>
+            <a:endParaRPr lang="zh-CN" altLang="en-US" dirty="0"/>
+          </a:p>
+        </p:txBody>
+      </p:sp>
+      <p:sp>
+        <p:nvSpPr>
+          <p:cNvPr id="5" name="文本框 4"/>
+          <p:cNvSpPr txBox="1"/>
+          <p:nvPr/>
+        </p:nvSpPr>
+        <p:spPr>
+          <a:xfrm>
+            <a:off x="3138985" y="3397956"/>
+            <a:ext cx="4976042" cy="369332"/>
+          </a:xfrm>
+          <a:prstGeom prst="rect">
+            <a:avLst/>
+          </a:prstGeom>
+          <a:noFill/>
+        </p:spPr>
+        <p:txBody>
+          <a:bodyPr wrap="none" rtlCol="0">
+            <a:spAutoFit/>
+          </a:bodyPr>
+          <a:lstStyle/>
+          <a:p>
+            <a:r>
+              <a:rPr lang="zh-CN" altLang="en-US" dirty="0" smtClean="0"/>
+              <a:t>指导产品分配，饼能做多大，取决于怎么分饼</a:t>
+            </a:r>
+            <a:endParaRPr lang="zh-CN" altLang="en-US" dirty="0"/>
+          </a:p>
+        </p:txBody>
+      </p:sp>
+    </p:spTree>
+    <p:extLst>
+      <p:ext uri="{BB962C8B-B14F-4D97-AF65-F5344CB8AC3E}">
+        <p14:creationId xmlns:p14="http://schemas.microsoft.com/office/powerpoint/2010/main" val="1088437163"/>
+      </p:ext>
+    </p:extLst>
+  </p:cSld>
+  <p:clrMapOvr>
+    <a:masterClrMapping/>
+  </p:clrMapOvr>
+  <p:timing>
+    <p:tnLst>
+      <p:par>
+        <p:cTn id="1" dur="indefinite" restart="never" nodeType="tmRoot"/>
+      </p:par>
+    </p:tnLst>
+  </p:timing>
+</p:sld>
+</file>
+
+<file path=ppt/slides/slide21.xml><?xml version="1.0" encoding="utf-8"?>
+<p:sld xmlns:a="http://schemas.openxmlformats.org/drawingml/2006/main" xmlns:r="http://schemas.openxmlformats.org/officeDocument/2006/relationships" xmlns:p="http://schemas.openxmlformats.org/presentationml/2006/main">
+  <p:cSld>
+    <p:spTree>
+      <p:nvGrpSpPr>
+        <p:cNvPr id="1" name=""/>
+        <p:cNvGrpSpPr/>
+        <p:nvPr/>
+      </p:nvGrpSpPr>
+      <p:grpSpPr>
+        <a:xfrm>
+          <a:off x="0" y="0"/>
+          <a:ext cx="0" cy="0"/>
+          <a:chOff x="0" y="0"/>
+          <a:chExt cx="0" cy="0"/>
+        </a:xfrm>
+      </p:grpSpPr>
+      <p:sp>
+        <p:nvSpPr>
+          <p:cNvPr id="6" name="文本框 5"/>
+          <p:cNvSpPr txBox="1"/>
+          <p:nvPr/>
+        </p:nvSpPr>
+        <p:spPr>
+          <a:xfrm>
+            <a:off x="2963838" y="860651"/>
+            <a:ext cx="3416320" cy="646331"/>
+          </a:xfrm>
+          <a:prstGeom prst="rect">
+            <a:avLst/>
+          </a:prstGeom>
+          <a:noFill/>
+        </p:spPr>
+        <p:txBody>
+          <a:bodyPr wrap="none" rtlCol="0">
+            <a:spAutoFit/>
+          </a:bodyPr>
+          <a:lstStyle/>
+          <a:p>
+            <a:r>
+              <a:rPr lang="zh-CN" altLang="en-US" sz="3600" dirty="0" smtClean="0"/>
+              <a:t>美国的房租管制</a:t>
+            </a:r>
+            <a:endParaRPr lang="zh-CN" altLang="en-US" sz="3600" dirty="0"/>
+          </a:p>
+        </p:txBody>
+      </p:sp>
+    </p:spTree>
+    <p:extLst>
+      <p:ext uri="{BB962C8B-B14F-4D97-AF65-F5344CB8AC3E}">
+        <p14:creationId xmlns:p14="http://schemas.microsoft.com/office/powerpoint/2010/main" val="3254254311"/>
+      </p:ext>
+    </p:extLst>
+  </p:cSld>
+  <p:clrMapOvr>
+    <a:masterClrMapping/>
+  </p:clrMapOvr>
+  <p:timing>
+    <p:tnLst>
+      <p:par>
+        <p:cTn id="1" dur="indefinite" restart="never" nodeType="tmRoot"/>
+      </p:par>
+    </p:tnLst>
+  </p:timing>
+</p:sld>
+</file>
+
+<file path=ppt/slides/slide22.xml><?xml version="1.0" encoding="utf-8"?>
+<p:sld xmlns:a="http://schemas.openxmlformats.org/drawingml/2006/main" xmlns:r="http://schemas.openxmlformats.org/officeDocument/2006/relationships" xmlns:p="http://schemas.openxmlformats.org/presentationml/2006/main">
+  <p:cSld>
+    <p:spTree>
+      <p:nvGrpSpPr>
+        <p:cNvPr id="1" name=""/>
+        <p:cNvGrpSpPr/>
+        <p:nvPr/>
+      </p:nvGrpSpPr>
+      <p:grpSpPr>
+        <a:xfrm>
+          <a:off x="0" y="0"/>
+          <a:ext cx="0" cy="0"/>
+          <a:chOff x="0" y="0"/>
+          <a:chExt cx="0" cy="0"/>
+        </a:xfrm>
+      </p:grpSpPr>
+      <p:sp>
+        <p:nvSpPr>
+          <p:cNvPr id="6" name="文本框 5"/>
+          <p:cNvSpPr txBox="1"/>
+          <p:nvPr/>
+        </p:nvSpPr>
+        <p:spPr>
+          <a:xfrm>
+            <a:off x="2963838" y="860651"/>
+            <a:ext cx="3701654" cy="646331"/>
+          </a:xfrm>
+          <a:prstGeom prst="rect">
+            <a:avLst/>
+          </a:prstGeom>
+          <a:noFill/>
+        </p:spPr>
+        <p:txBody>
+          <a:bodyPr wrap="none" rtlCol="0">
+            <a:spAutoFit/>
+          </a:bodyPr>
+          <a:lstStyle/>
+          <a:p>
+            <a:r>
+              <a:rPr lang="zh-CN" altLang="en-US" sz="3600" dirty="0"/>
+              <a:t>解除</a:t>
+            </a:r>
+            <a:r>
+              <a:rPr lang="zh-CN" altLang="en-US" sz="3600" dirty="0" smtClean="0"/>
+              <a:t>价格管制</a:t>
+            </a:r>
+            <a:r>
+              <a:rPr lang="en-US" altLang="zh-CN" sz="3600" dirty="0" smtClean="0"/>
+              <a:t>(47)</a:t>
+            </a:r>
+            <a:endParaRPr lang="zh-CN" altLang="en-US" sz="3600" dirty="0"/>
+          </a:p>
+        </p:txBody>
+      </p:sp>
+      <p:sp>
+        <p:nvSpPr>
+          <p:cNvPr id="3" name="文本框 2"/>
+          <p:cNvSpPr txBox="1"/>
+          <p:nvPr/>
+        </p:nvSpPr>
+        <p:spPr>
+          <a:xfrm>
+            <a:off x="2873383" y="1736580"/>
+            <a:ext cx="1569660" cy="369332"/>
+          </a:xfrm>
+          <a:prstGeom prst="rect">
+            <a:avLst/>
+          </a:prstGeom>
+          <a:noFill/>
+        </p:spPr>
+        <p:txBody>
+          <a:bodyPr wrap="none" rtlCol="0">
+            <a:spAutoFit/>
+          </a:bodyPr>
+          <a:lstStyle/>
+          <a:p>
+            <a:r>
+              <a:rPr lang="zh-CN" altLang="en-US" dirty="0" smtClean="0"/>
+              <a:t>解除价格管制</a:t>
+            </a:r>
+            <a:endParaRPr lang="zh-CN" altLang="en-US" dirty="0"/>
+          </a:p>
+        </p:txBody>
+      </p:sp>
+      <p:sp>
+        <p:nvSpPr>
+          <p:cNvPr id="4" name="文本框 3"/>
+          <p:cNvSpPr txBox="1"/>
+          <p:nvPr/>
+        </p:nvSpPr>
+        <p:spPr>
+          <a:xfrm>
+            <a:off x="3710837" y="2231007"/>
+            <a:ext cx="2954655" cy="369332"/>
+          </a:xfrm>
+          <a:prstGeom prst="rect">
+            <a:avLst/>
+          </a:prstGeom>
+          <a:noFill/>
+        </p:spPr>
+        <p:txBody>
+          <a:bodyPr wrap="none" rtlCol="0">
+            <a:spAutoFit/>
+          </a:bodyPr>
+          <a:lstStyle/>
+          <a:p>
+            <a:r>
+              <a:rPr lang="en-US" altLang="zh-CN" dirty="0" smtClean="0"/>
+              <a:t>《</a:t>
+            </a:r>
+            <a:r>
+              <a:rPr lang="zh-CN" altLang="en-US" dirty="0" smtClean="0"/>
+              <a:t>制高点：世界经济之战</a:t>
+            </a:r>
+            <a:r>
+              <a:rPr lang="en-US" altLang="zh-CN" dirty="0" smtClean="0"/>
+              <a:t>》</a:t>
+            </a:r>
+            <a:endParaRPr lang="zh-CN" altLang="en-US" dirty="0"/>
+          </a:p>
+        </p:txBody>
+      </p:sp>
+      <p:sp>
+        <p:nvSpPr>
+          <p:cNvPr id="5" name="文本框 4"/>
+          <p:cNvSpPr txBox="1"/>
+          <p:nvPr/>
+        </p:nvSpPr>
+        <p:spPr>
+          <a:xfrm>
+            <a:off x="3042679" y="2231007"/>
+            <a:ext cx="877163" cy="369332"/>
+          </a:xfrm>
+          <a:prstGeom prst="rect">
+            <a:avLst/>
+          </a:prstGeom>
+          <a:noFill/>
+        </p:spPr>
+        <p:txBody>
+          <a:bodyPr wrap="none" rtlCol="0">
+            <a:spAutoFit/>
+          </a:bodyPr>
+          <a:lstStyle/>
+          <a:p>
+            <a:r>
+              <a:rPr lang="zh-CN" altLang="en-US" dirty="0" smtClean="0"/>
+              <a:t>希特勒</a:t>
+            </a:r>
+            <a:endParaRPr lang="zh-CN" altLang="en-US" dirty="0"/>
+          </a:p>
+        </p:txBody>
+      </p:sp>
+      <p:sp>
+        <p:nvSpPr>
+          <p:cNvPr id="7" name="文本框 6"/>
+          <p:cNvSpPr txBox="1"/>
+          <p:nvPr/>
+        </p:nvSpPr>
+        <p:spPr>
+          <a:xfrm>
+            <a:off x="2924752" y="2749774"/>
+            <a:ext cx="2723823" cy="369332"/>
+          </a:xfrm>
+          <a:prstGeom prst="rect">
+            <a:avLst/>
+          </a:prstGeom>
+          <a:noFill/>
+        </p:spPr>
+        <p:txBody>
+          <a:bodyPr wrap="none" rtlCol="0">
+            <a:spAutoFit/>
+          </a:bodyPr>
+          <a:lstStyle/>
+          <a:p>
+            <a:r>
+              <a:rPr lang="zh-CN" altLang="en-US" dirty="0" smtClean="0"/>
+              <a:t>果断与沉稳的拿捏不容易</a:t>
+            </a:r>
+            <a:endParaRPr lang="zh-CN" altLang="en-US" dirty="0"/>
+          </a:p>
+        </p:txBody>
+      </p:sp>
+      <p:sp>
+        <p:nvSpPr>
+          <p:cNvPr id="8" name="矩形 7"/>
+          <p:cNvSpPr/>
+          <p:nvPr/>
+        </p:nvSpPr>
+        <p:spPr>
+          <a:xfrm>
+            <a:off x="2963838" y="3393636"/>
+            <a:ext cx="2276585" cy="369332"/>
+          </a:xfrm>
+          <a:prstGeom prst="rect">
+            <a:avLst/>
+          </a:prstGeom>
+        </p:spPr>
+        <p:txBody>
+          <a:bodyPr wrap="none">
+            <a:spAutoFit/>
+          </a:bodyPr>
+          <a:lstStyle/>
+          <a:p>
+            <a:r>
+              <a:rPr lang="zh-CN" altLang="en-US" b="1" dirty="0">
+                <a:solidFill>
+                  <a:srgbClr val="2B2B2B"/>
+                </a:solidFill>
+                <a:latin typeface="宋体" panose="02010600030101010101" pitchFamily="2" charset="-122"/>
+              </a:rPr>
+              <a:t>周其仁：改革的逻辑</a:t>
+            </a:r>
+          </a:p>
+        </p:txBody>
+      </p:sp>
+    </p:spTree>
+    <p:extLst>
+      <p:ext uri="{BB962C8B-B14F-4D97-AF65-F5344CB8AC3E}">
+        <p14:creationId xmlns:p14="http://schemas.microsoft.com/office/powerpoint/2010/main" val="4547825"/>
+      </p:ext>
+    </p:extLst>
+  </p:cSld>
+  <p:clrMapOvr>
+    <a:masterClrMapping/>
+  </p:clrMapOvr>
+  <p:timing>
+    <p:tnLst>
+      <p:par>
+        <p:cTn id="1" dur="indefinite" restart="never" nodeType="tmRoot"/>
+      </p:par>
+    </p:tnLst>
+  </p:timing>
+</p:sld>
+</file>
+
+<file path=ppt/slides/slide23.xml><?xml version="1.0" encoding="utf-8"?>
+<p:sld xmlns:a="http://schemas.openxmlformats.org/drawingml/2006/main" xmlns:r="http://schemas.openxmlformats.org/officeDocument/2006/relationships" xmlns:p="http://schemas.openxmlformats.org/presentationml/2006/main">
+  <p:cSld>
+    <p:spTree>
+      <p:nvGrpSpPr>
+        <p:cNvPr id="1" name=""/>
+        <p:cNvGrpSpPr/>
+        <p:nvPr/>
+      </p:nvGrpSpPr>
+      <p:grpSpPr>
+        <a:xfrm>
+          <a:off x="0" y="0"/>
+          <a:ext cx="0" cy="0"/>
+          <a:chOff x="0" y="0"/>
+          <a:chExt cx="0" cy="0"/>
+        </a:xfrm>
+      </p:grpSpPr>
+      <p:sp>
+        <p:nvSpPr>
+          <p:cNvPr id="6" name="文本框 5"/>
+          <p:cNvSpPr txBox="1"/>
+          <p:nvPr/>
+        </p:nvSpPr>
+        <p:spPr>
+          <a:xfrm>
+            <a:off x="2963838" y="860651"/>
+            <a:ext cx="2567562" cy="646331"/>
+          </a:xfrm>
+          <a:prstGeom prst="rect">
+            <a:avLst/>
+          </a:prstGeom>
+          <a:noFill/>
+        </p:spPr>
+        <p:txBody>
+          <a:bodyPr wrap="none" rtlCol="0">
+            <a:spAutoFit/>
+          </a:bodyPr>
+          <a:lstStyle/>
+          <a:p>
+            <a:r>
+              <a:rPr lang="zh-CN" altLang="en-US" sz="3600" dirty="0" smtClean="0"/>
+              <a:t>穷人怎么办</a:t>
+            </a:r>
+            <a:endParaRPr lang="zh-CN" altLang="en-US" sz="3600" dirty="0"/>
+          </a:p>
+        </p:txBody>
+      </p:sp>
+      <p:sp>
+        <p:nvSpPr>
+          <p:cNvPr id="2" name="文本框 1"/>
+          <p:cNvSpPr txBox="1"/>
+          <p:nvPr/>
+        </p:nvSpPr>
+        <p:spPr>
+          <a:xfrm>
+            <a:off x="3138985" y="2115403"/>
+            <a:ext cx="2031325" cy="369332"/>
+          </a:xfrm>
+          <a:prstGeom prst="rect">
+            <a:avLst/>
+          </a:prstGeom>
+          <a:noFill/>
+        </p:spPr>
+        <p:txBody>
+          <a:bodyPr wrap="none" rtlCol="0">
+            <a:spAutoFit/>
+          </a:bodyPr>
+          <a:lstStyle/>
+          <a:p>
+            <a:r>
+              <a:rPr lang="zh-CN" altLang="en-US" dirty="0" smtClean="0"/>
+              <a:t>购物券，市场机制</a:t>
+            </a:r>
+            <a:endParaRPr lang="zh-CN" altLang="en-US" dirty="0"/>
+          </a:p>
+        </p:txBody>
+      </p:sp>
+    </p:spTree>
+    <p:extLst>
+      <p:ext uri="{BB962C8B-B14F-4D97-AF65-F5344CB8AC3E}">
+        <p14:creationId xmlns:p14="http://schemas.microsoft.com/office/powerpoint/2010/main" val="2705872648"/>
+      </p:ext>
+    </p:extLst>
+  </p:cSld>
+  <p:clrMapOvr>
+    <a:masterClrMapping/>
+  </p:clrMapOvr>
+  <p:timing>
+    <p:tnLst>
+      <p:par>
+        <p:cTn id="1" dur="indefinite" restart="never" nodeType="tmRoot"/>
+      </p:par>
+    </p:tnLst>
+  </p:timing>
 </p:sld>
 </file>
 
@@ -4535,326 +4995,51 @@
           <a:chExt cx="0" cy="0"/>
         </a:xfrm>
       </p:grpSpPr>
-      <p:sp>
-        <p:nvSpPr>
-          <p:cNvPr id="2" name="标题 1"/>
-          <p:cNvSpPr>
-            <a:spLocks noGrp="1"/>
-          </p:cNvSpPr>
-          <p:nvPr>
-            <p:ph type="ctrTitle"/>
-          </p:nvPr>
-        </p:nvSpPr>
-        <p:spPr>
-          <a:xfrm>
-            <a:off x="1332931" y="247273"/>
-            <a:ext cx="9144000" cy="1053366"/>
-          </a:xfrm>
-        </p:spPr>
-        <p:txBody>
-          <a:bodyPr/>
-          <a:lstStyle/>
-          <a:p>
-            <a:r>
-              <a:rPr lang="zh-CN" altLang="en-US" dirty="0" smtClean="0"/>
-              <a:t>稀缺</a:t>
-            </a:r>
-            <a:endParaRPr lang="zh-CN" altLang="en-US" dirty="0"/>
-          </a:p>
-        </p:txBody>
-      </p:sp>
-      <p:sp>
-        <p:nvSpPr>
-          <p:cNvPr id="3" name="文本框 2"/>
-          <p:cNvSpPr txBox="1"/>
+      <p:pic>
+        <p:nvPicPr>
+          <p:cNvPr id="1026" name="Picture 2" descr="https://gss0.bdstatic.com/-4o3dSag_xI4khGkpoWK1HF6hhy/baike/c0%3Dbaike80%2C5%2C5%2C80%2C26/sign=6a5ea2acbf389b502cf2e800e45c8eb8/ac4bd11373f082020620298d4dfbfbedaa641bd5.jpg"/>
+          <p:cNvPicPr>
+            <a:picLocks noChangeAspect="1" noChangeArrowheads="1"/>
+          </p:cNvPicPr>
           <p:nvPr/>
-        </p:nvSpPr>
-        <p:spPr>
-          <a:xfrm>
-            <a:off x="1981199" y="1408123"/>
-            <a:ext cx="7847463" cy="523220"/>
+        </p:nvPicPr>
+        <p:blipFill>
+          <a:blip r:embed="rId2">
+            <a:extLst>
+              <a:ext uri="{28A0092B-C50C-407E-A947-70E740481C1C}">
+                <a14:useLocalDpi xmlns:a14="http://schemas.microsoft.com/office/drawing/2010/main" val="0"/>
+              </a:ext>
+            </a:extLst>
+          </a:blip>
+          <a:srcRect/>
+          <a:stretch>
+            <a:fillRect/>
+          </a:stretch>
+        </p:blipFill>
+        <p:spPr bwMode="auto">
+          <a:xfrm>
+            <a:off x="769530" y="571364"/>
+            <a:ext cx="3790950" cy="4648201"/>
           </a:xfrm>
           <a:prstGeom prst="rect">
             <a:avLst/>
           </a:prstGeom>
           <a:noFill/>
-        </p:spPr>
-        <p:txBody>
-          <a:bodyPr wrap="square" rtlCol="0">
-            <a:spAutoFit/>
-          </a:bodyPr>
-          <a:lstStyle/>
-          <a:p>
-            <a:r>
-              <a:rPr lang="en-US" altLang="zh-CN" sz="2800" dirty="0" smtClean="0"/>
-              <a:t>1.</a:t>
-            </a:r>
-            <a:r>
-              <a:rPr lang="zh-CN" altLang="en-US" sz="2800" dirty="0" smtClean="0"/>
-              <a:t>稀缺是基本事实</a:t>
-            </a:r>
-            <a:endParaRPr lang="zh-CN" altLang="en-US" sz="2800" dirty="0"/>
-          </a:p>
-        </p:txBody>
-      </p:sp>
-      <p:sp>
-        <p:nvSpPr>
-          <p:cNvPr id="4" name="文本框 3"/>
-          <p:cNvSpPr txBox="1"/>
-          <p:nvPr/>
-        </p:nvSpPr>
-        <p:spPr>
-          <a:xfrm>
-            <a:off x="2488441" y="2789276"/>
-            <a:ext cx="7847463" cy="369332"/>
-          </a:xfrm>
-          <a:prstGeom prst="rect">
-            <a:avLst/>
-          </a:prstGeom>
-          <a:noFill/>
-        </p:spPr>
-        <p:txBody>
-          <a:bodyPr wrap="square" rtlCol="0">
-            <a:spAutoFit/>
-          </a:bodyPr>
-          <a:lstStyle/>
-          <a:p>
-            <a:r>
-              <a:rPr lang="en-US" altLang="zh-CN" dirty="0" smtClean="0"/>
-              <a:t>1.</a:t>
-            </a:r>
-            <a:r>
-              <a:rPr lang="zh-CN" altLang="en-US" dirty="0" smtClean="0"/>
-              <a:t>你想要的东西别人也想要</a:t>
-            </a:r>
-            <a:endParaRPr lang="zh-CN" altLang="en-US" dirty="0"/>
-          </a:p>
-        </p:txBody>
-      </p:sp>
-      <p:sp>
-        <p:nvSpPr>
-          <p:cNvPr id="5" name="文本框 4"/>
-          <p:cNvSpPr txBox="1"/>
-          <p:nvPr/>
-        </p:nvSpPr>
-        <p:spPr>
-          <a:xfrm>
-            <a:off x="2488441" y="3355876"/>
-            <a:ext cx="7847463" cy="369332"/>
-          </a:xfrm>
-          <a:prstGeom prst="rect">
-            <a:avLst/>
-          </a:prstGeom>
-          <a:noFill/>
-        </p:spPr>
-        <p:txBody>
-          <a:bodyPr wrap="square" rtlCol="0">
-            <a:spAutoFit/>
-          </a:bodyPr>
-          <a:lstStyle/>
-          <a:p>
-            <a:r>
-              <a:rPr lang="en-US" altLang="zh-CN" dirty="0" smtClean="0"/>
-              <a:t>2</a:t>
-            </a:r>
-            <a:r>
-              <a:rPr lang="en-US" altLang="zh-CN" dirty="0" smtClean="0"/>
-              <a:t>.</a:t>
-            </a:r>
-            <a:r>
-              <a:rPr lang="zh-CN" altLang="en-US" dirty="0" smtClean="0"/>
-              <a:t>人的需求在不断提升（馒头，肉，酒，艺术，电影，话剧）</a:t>
-            </a:r>
-            <a:endParaRPr lang="zh-CN" altLang="en-US" dirty="0"/>
-          </a:p>
-        </p:txBody>
-      </p:sp>
-      <p:sp>
-        <p:nvSpPr>
-          <p:cNvPr id="6" name="矩形 5"/>
-          <p:cNvSpPr/>
-          <p:nvPr/>
-        </p:nvSpPr>
-        <p:spPr>
-          <a:xfrm>
-            <a:off x="2488441" y="4680868"/>
-            <a:ext cx="9742228" cy="923330"/>
-          </a:xfrm>
-          <a:prstGeom prst="rect">
-            <a:avLst/>
-          </a:prstGeom>
-        </p:spPr>
-        <p:txBody>
-          <a:bodyPr wrap="square">
-            <a:spAutoFit/>
-          </a:bodyPr>
-          <a:lstStyle/>
-          <a:p>
-            <a:r>
-              <a:rPr lang="zh-CN" altLang="en-US" dirty="0" smtClean="0"/>
-              <a:t>空气 ： “清新的空气”</a:t>
-            </a:r>
-            <a:endParaRPr lang="en-US" altLang="zh-CN" dirty="0" smtClean="0"/>
-          </a:p>
-          <a:p>
-            <a:r>
-              <a:rPr lang="zh-CN" altLang="en-US" dirty="0" smtClean="0"/>
-              <a:t>阳光 ：“太阳能”</a:t>
-            </a:r>
-            <a:endParaRPr lang="en-US" altLang="zh-CN" dirty="0" smtClean="0"/>
-          </a:p>
-          <a:p>
-            <a:r>
-              <a:rPr lang="zh-CN" altLang="en-US" dirty="0" smtClean="0"/>
-              <a:t>土地：“地理位置”</a:t>
-            </a:r>
-            <a:endParaRPr lang="zh-CN" altLang="en-US" dirty="0"/>
-          </a:p>
-        </p:txBody>
-      </p:sp>
-      <p:sp>
-        <p:nvSpPr>
-          <p:cNvPr id="7" name="文本框 6"/>
-          <p:cNvSpPr txBox="1"/>
-          <p:nvPr/>
-        </p:nvSpPr>
-        <p:spPr>
-          <a:xfrm>
-            <a:off x="1981198" y="3941428"/>
-            <a:ext cx="7847463" cy="523220"/>
-          </a:xfrm>
-          <a:prstGeom prst="rect">
-            <a:avLst/>
-          </a:prstGeom>
-          <a:noFill/>
-        </p:spPr>
-        <p:txBody>
-          <a:bodyPr wrap="square" rtlCol="0">
-            <a:spAutoFit/>
-          </a:bodyPr>
-          <a:lstStyle/>
-          <a:p>
-            <a:r>
-              <a:rPr lang="en-US" altLang="zh-CN" sz="2800" dirty="0" smtClean="0"/>
-              <a:t>2</a:t>
-            </a:r>
-            <a:r>
-              <a:rPr lang="en-US" altLang="zh-CN" sz="2800" dirty="0" smtClean="0"/>
-              <a:t>.</a:t>
-            </a:r>
-            <a:r>
-              <a:rPr lang="zh-CN" altLang="en-US" sz="2800" dirty="0" smtClean="0"/>
-              <a:t>稀缺含义宽广</a:t>
-            </a:r>
-            <a:endParaRPr lang="zh-CN" altLang="en-US" sz="2800" dirty="0"/>
-          </a:p>
-        </p:txBody>
-      </p:sp>
-      <p:sp>
-        <p:nvSpPr>
-          <p:cNvPr id="8" name="矩形 7"/>
-          <p:cNvSpPr/>
-          <p:nvPr/>
-        </p:nvSpPr>
-        <p:spPr>
-          <a:xfrm>
-            <a:off x="2597623" y="1987092"/>
-            <a:ext cx="9221337" cy="646331"/>
-          </a:xfrm>
-          <a:prstGeom prst="rect">
-            <a:avLst/>
-          </a:prstGeom>
-        </p:spPr>
-        <p:txBody>
-          <a:bodyPr wrap="square">
-            <a:spAutoFit/>
-          </a:bodyPr>
-          <a:lstStyle/>
-          <a:p>
-            <a:r>
-              <a:rPr lang="zh-CN" altLang="en-US" dirty="0"/>
-              <a:t>经济物品的稀缺并不意味着它是稀少的，而是指它不可以免费得到。只要一样东西不能仅仅根据需要获得，它就是稀缺的。</a:t>
-            </a:r>
-            <a:endParaRPr lang="en-US" altLang="zh-CN" dirty="0"/>
-          </a:p>
-        </p:txBody>
-      </p:sp>
-      <p:sp>
-        <p:nvSpPr>
-          <p:cNvPr id="9" name="文本框 8"/>
-          <p:cNvSpPr txBox="1"/>
-          <p:nvPr/>
-        </p:nvSpPr>
-        <p:spPr>
-          <a:xfrm>
-            <a:off x="1953902" y="5690299"/>
-            <a:ext cx="7847463" cy="523220"/>
-          </a:xfrm>
-          <a:prstGeom prst="rect">
-            <a:avLst/>
-          </a:prstGeom>
-          <a:noFill/>
-        </p:spPr>
-        <p:txBody>
-          <a:bodyPr wrap="square" rtlCol="0">
-            <a:spAutoFit/>
-          </a:bodyPr>
-          <a:lstStyle/>
-          <a:p>
-            <a:r>
-              <a:rPr lang="en-US" altLang="zh-CN" sz="2800" dirty="0" smtClean="0"/>
-              <a:t>3</a:t>
-            </a:r>
-            <a:r>
-              <a:rPr lang="en-US" altLang="zh-CN" sz="2800" dirty="0" smtClean="0"/>
-              <a:t>.</a:t>
-            </a:r>
-            <a:r>
-              <a:rPr lang="zh-CN" altLang="en-US" sz="2800" dirty="0" smtClean="0"/>
-              <a:t>人类的需求永无止境</a:t>
-            </a:r>
-            <a:endParaRPr lang="zh-CN" altLang="en-US" sz="2800" dirty="0"/>
-          </a:p>
-        </p:txBody>
-      </p:sp>
-      <p:sp>
-        <p:nvSpPr>
-          <p:cNvPr id="10" name="文本框 9"/>
-          <p:cNvSpPr txBox="1"/>
-          <p:nvPr/>
-        </p:nvSpPr>
-        <p:spPr>
-          <a:xfrm>
-            <a:off x="2326942" y="6239465"/>
-            <a:ext cx="7847463" cy="369332"/>
-          </a:xfrm>
-          <a:prstGeom prst="rect">
-            <a:avLst/>
-          </a:prstGeom>
-          <a:noFill/>
-        </p:spPr>
-        <p:txBody>
-          <a:bodyPr wrap="square" rtlCol="0">
-            <a:spAutoFit/>
-          </a:bodyPr>
-          <a:lstStyle/>
-          <a:p>
-            <a:r>
-              <a:rPr lang="en-US" altLang="zh-CN" dirty="0" smtClean="0"/>
-              <a:t>1.</a:t>
-            </a:r>
-            <a:r>
-              <a:rPr lang="zh-CN" altLang="en-US" dirty="0" smtClean="0"/>
-              <a:t>高血压药</a:t>
-            </a:r>
-            <a:endParaRPr lang="zh-CN" altLang="en-US" dirty="0"/>
-          </a:p>
-        </p:txBody>
-      </p:sp>
+          <a:extLst>
+            <a:ext uri="{909E8E84-426E-40DD-AFC4-6F175D3DCCD1}">
+              <a14:hiddenFill xmlns:a14="http://schemas.microsoft.com/office/drawing/2010/main">
+                <a:solidFill>
+                  <a:srgbClr val="FFFFFF"/>
+                </a:solidFill>
+              </a14:hiddenFill>
+            </a:ext>
+          </a:extLst>
+        </p:spPr>
+      </p:pic>
     </p:spTree>
     <p:extLst>
       <p:ext uri="{BB962C8B-B14F-4D97-AF65-F5344CB8AC3E}">
-        <p14:creationId xmlns:p14="http://schemas.microsoft.com/office/powerpoint/2010/main" val="3058821386"/>
+        <p14:creationId xmlns:p14="http://schemas.microsoft.com/office/powerpoint/2010/main" val="1191190915"/>
       </p:ext>
     </p:extLst>
   </p:cSld>
@@ -4893,17 +5078,34 @@
         </p:nvSpPr>
         <p:spPr>
           <a:xfrm>
-            <a:off x="1305635" y="655093"/>
+            <a:off x="1373874" y="2811440"/>
             <a:ext cx="9144000" cy="1053366"/>
           </a:xfrm>
         </p:spPr>
         <p:txBody>
-          <a:bodyPr/>
-          <a:lstStyle/>
-          <a:p>
+          <a:bodyPr>
+            <a:normAutofit fontScale="90000"/>
+          </a:bodyPr>
+          <a:lstStyle/>
+          <a:p>
+            <a:r>
+              <a:rPr lang="zh-CN" altLang="en-US" dirty="0"/>
+              <a:t>郝</a:t>
+            </a:r>
             <a:r>
               <a:rPr lang="zh-CN" altLang="en-US" dirty="0" smtClean="0"/>
-              <a:t>选择和歧视</a:t>
+              <a:t>劲松</a:t>
+            </a:r>
+            <a:r>
+              <a:rPr lang="en-US" altLang="zh-CN" dirty="0" smtClean="0"/>
+              <a:t/>
+            </a:r>
+            <a:br>
+              <a:rPr lang="en-US" altLang="zh-CN" dirty="0" smtClean="0"/>
+            </a:br>
+            <a:r>
+              <a:rPr lang="en-US" altLang="zh-CN" dirty="0" smtClean="0"/>
+              <a:t>http://news.sina.com.cn/o/2009-01-21/044315064953s.shtml</a:t>
             </a:r>
             <a:endParaRPr lang="zh-CN" altLang="en-US" dirty="0"/>
           </a:p>
@@ -4911,201 +5113,51 @@
       </p:sp>
       <p:sp>
         <p:nvSpPr>
-          <p:cNvPr id="3" name="文本框 2"/>
-          <p:cNvSpPr txBox="1"/>
+          <p:cNvPr id="3" name="矩形 2"/>
+          <p:cNvSpPr/>
           <p:nvPr/>
         </p:nvSpPr>
         <p:spPr>
           <a:xfrm>
-            <a:off x="1953903" y="1708459"/>
-            <a:ext cx="7847463" cy="523220"/>
-          </a:xfrm>
-          <a:prstGeom prst="rect">
-            <a:avLst/>
-          </a:prstGeom>
-          <a:noFill/>
-        </p:spPr>
-        <p:txBody>
-          <a:bodyPr wrap="square" rtlCol="0">
+            <a:off x="1373874" y="3864806"/>
+            <a:ext cx="3044423" cy="369332"/>
+          </a:xfrm>
+          <a:prstGeom prst="rect">
+            <a:avLst/>
+          </a:prstGeom>
+        </p:spPr>
+        <p:txBody>
+          <a:bodyPr wrap="square">
             <a:spAutoFit/>
           </a:bodyPr>
           <a:lstStyle/>
           <a:p>
             <a:r>
-              <a:rPr lang="en-US" altLang="zh-CN" sz="2800" dirty="0" smtClean="0"/>
-              <a:t>1.</a:t>
-            </a:r>
-            <a:r>
-              <a:rPr lang="zh-CN" altLang="en-US" sz="2800" dirty="0" smtClean="0"/>
-              <a:t>歧视不可避免</a:t>
-            </a:r>
-            <a:endParaRPr lang="zh-CN" altLang="en-US" sz="2800" dirty="0"/>
-          </a:p>
-        </p:txBody>
-      </p:sp>
-      <p:sp>
-        <p:nvSpPr>
-          <p:cNvPr id="4" name="文本框 3"/>
-          <p:cNvSpPr txBox="1"/>
-          <p:nvPr/>
-        </p:nvSpPr>
-        <p:spPr>
-          <a:xfrm>
-            <a:off x="2474793" y="2231679"/>
-            <a:ext cx="7847463" cy="369332"/>
-          </a:xfrm>
-          <a:prstGeom prst="rect">
-            <a:avLst/>
-          </a:prstGeom>
-          <a:noFill/>
-        </p:spPr>
-        <p:txBody>
-          <a:bodyPr wrap="square" rtlCol="0">
-            <a:spAutoFit/>
-          </a:bodyPr>
-          <a:lstStyle/>
-          <a:p>
-            <a:r>
-              <a:rPr lang="zh-CN" altLang="en-US" dirty="0" smtClean="0"/>
-              <a:t>稀缺 </a:t>
-            </a:r>
-            <a:r>
-              <a:rPr lang="en-US" altLang="zh-CN" dirty="0" smtClean="0"/>
-              <a:t>----- </a:t>
-            </a:r>
-            <a:r>
-              <a:rPr lang="zh-CN" altLang="en-US" dirty="0" smtClean="0"/>
-              <a:t>选择 </a:t>
-            </a:r>
-            <a:r>
-              <a:rPr lang="en-US" altLang="zh-CN" dirty="0" smtClean="0"/>
-              <a:t>----</a:t>
-            </a:r>
-            <a:r>
-              <a:rPr lang="zh-CN" altLang="en-US" dirty="0" smtClean="0"/>
-              <a:t>标准 </a:t>
-            </a:r>
-            <a:r>
-              <a:rPr lang="en-US" altLang="zh-CN" dirty="0" smtClean="0"/>
-              <a:t>---- </a:t>
-            </a:r>
-            <a:r>
-              <a:rPr lang="zh-CN" altLang="en-US" dirty="0" smtClean="0"/>
-              <a:t>区别对待 </a:t>
-            </a:r>
-            <a:r>
-              <a:rPr lang="en-US" altLang="zh-CN" dirty="0" smtClean="0"/>
-              <a:t>---- </a:t>
-            </a:r>
-            <a:r>
-              <a:rPr lang="zh-CN" altLang="en-US" dirty="0" smtClean="0"/>
-              <a:t>歧视</a:t>
-            </a:r>
-            <a:endParaRPr lang="zh-CN" altLang="en-US" dirty="0"/>
-          </a:p>
-        </p:txBody>
-      </p:sp>
-      <p:sp>
-        <p:nvSpPr>
-          <p:cNvPr id="5" name="文本框 4"/>
-          <p:cNvSpPr txBox="1"/>
-          <p:nvPr/>
-        </p:nvSpPr>
-        <p:spPr>
-          <a:xfrm>
-            <a:off x="2474793" y="2640006"/>
-            <a:ext cx="7847463" cy="369332"/>
-          </a:xfrm>
-          <a:prstGeom prst="rect">
-            <a:avLst/>
-          </a:prstGeom>
-          <a:noFill/>
-        </p:spPr>
-        <p:txBody>
-          <a:bodyPr wrap="square" rtlCol="0">
-            <a:spAutoFit/>
-          </a:bodyPr>
-          <a:lstStyle/>
-          <a:p>
-            <a:r>
-              <a:rPr lang="en-US" altLang="zh-CN" dirty="0" smtClean="0"/>
-              <a:t>1.</a:t>
-            </a:r>
-            <a:r>
-              <a:rPr lang="zh-CN" altLang="en-US" dirty="0" smtClean="0"/>
-              <a:t>资源有限，铅笔</a:t>
-            </a:r>
-            <a:endParaRPr lang="zh-CN" altLang="en-US" dirty="0"/>
-          </a:p>
-        </p:txBody>
-      </p:sp>
-      <p:sp>
-        <p:nvSpPr>
-          <p:cNvPr id="6" name="文本框 5"/>
-          <p:cNvSpPr txBox="1"/>
-          <p:nvPr/>
-        </p:nvSpPr>
-        <p:spPr>
-          <a:xfrm>
-            <a:off x="2474792" y="3033579"/>
-            <a:ext cx="7847463" cy="369332"/>
-          </a:xfrm>
-          <a:prstGeom prst="rect">
-            <a:avLst/>
-          </a:prstGeom>
-          <a:noFill/>
-        </p:spPr>
-        <p:txBody>
-          <a:bodyPr wrap="square" rtlCol="0">
-            <a:spAutoFit/>
-          </a:bodyPr>
-          <a:lstStyle/>
-          <a:p>
-            <a:r>
-              <a:rPr lang="en-US" altLang="zh-CN" dirty="0" smtClean="0"/>
-              <a:t>2</a:t>
-            </a:r>
-            <a:r>
-              <a:rPr lang="en-US" altLang="zh-CN" dirty="0" smtClean="0"/>
-              <a:t>.</a:t>
-            </a:r>
-            <a:r>
-              <a:rPr lang="zh-CN" altLang="en-US" dirty="0" smtClean="0"/>
-              <a:t>时间有限， 看电影</a:t>
-            </a:r>
-            <a:endParaRPr lang="zh-CN" altLang="en-US" dirty="0"/>
-          </a:p>
-        </p:txBody>
-      </p:sp>
-      <p:sp>
-        <p:nvSpPr>
-          <p:cNvPr id="7" name="文本框 6"/>
-          <p:cNvSpPr txBox="1"/>
-          <p:nvPr/>
-        </p:nvSpPr>
-        <p:spPr>
-          <a:xfrm>
-            <a:off x="2474791" y="3466147"/>
-            <a:ext cx="7847463" cy="369332"/>
-          </a:xfrm>
-          <a:prstGeom prst="rect">
-            <a:avLst/>
-          </a:prstGeom>
-          <a:noFill/>
-        </p:spPr>
-        <p:txBody>
-          <a:bodyPr wrap="square" rtlCol="0">
-            <a:spAutoFit/>
-          </a:bodyPr>
-          <a:lstStyle/>
-          <a:p>
-            <a:r>
-              <a:rPr lang="en-US" altLang="zh-CN" dirty="0" smtClean="0"/>
-              <a:t>3.</a:t>
-            </a:r>
-            <a:r>
-              <a:rPr lang="zh-CN" altLang="en-US" dirty="0" smtClean="0"/>
-              <a:t>金钱有限，王菲，张学友</a:t>
+              <a:rPr lang="zh-CN" altLang="en-US" dirty="0">
+                <a:solidFill>
+                  <a:srgbClr val="333333"/>
+                </a:solidFill>
+                <a:latin typeface="arial" panose="020B0604020202020204" pitchFamily="34" charset="0"/>
+              </a:rPr>
+              <a:t>春运涨停 </a:t>
+            </a:r>
+            <a:r>
+              <a:rPr lang="en-US" altLang="zh-CN" dirty="0">
+                <a:solidFill>
+                  <a:srgbClr val="333333"/>
+                </a:solidFill>
+                <a:latin typeface="arial" panose="020B0604020202020204" pitchFamily="34" charset="0"/>
+              </a:rPr>
+              <a:t>24</a:t>
+            </a:r>
+            <a:r>
+              <a:rPr lang="zh-CN" altLang="en-US" dirty="0">
+                <a:solidFill>
+                  <a:srgbClr val="333333"/>
+                </a:solidFill>
+                <a:latin typeface="arial" panose="020B0604020202020204" pitchFamily="34" charset="0"/>
+              </a:rPr>
+              <a:t>小时惊天大逆转</a:t>
             </a:r>
             <a:endParaRPr lang="zh-CN" altLang="en-US" dirty="0"/>
           </a:p>
@@ -5114,7 +5166,7 @@
     </p:spTree>
     <p:extLst>
       <p:ext uri="{BB962C8B-B14F-4D97-AF65-F5344CB8AC3E}">
-        <p14:creationId xmlns:p14="http://schemas.microsoft.com/office/powerpoint/2010/main" val="1461519699"/>
+        <p14:creationId xmlns:p14="http://schemas.microsoft.com/office/powerpoint/2010/main" val="1562058903"/>
       </p:ext>
     </p:extLst>
   </p:cSld>
@@ -5153,7 +5205,7 @@
         </p:nvSpPr>
         <p:spPr>
           <a:xfrm>
-            <a:off x="1305635" y="655093"/>
+            <a:off x="1332931" y="247273"/>
             <a:ext cx="9144000" cy="1053366"/>
           </a:xfrm>
         </p:spPr>
@@ -5163,7 +5215,75 @@
           <a:p>
             <a:r>
               <a:rPr lang="zh-CN" altLang="en-US" dirty="0" smtClean="0"/>
-              <a:t>寻租</a:t>
+              <a:t>稀缺</a:t>
+            </a:r>
+            <a:endParaRPr lang="zh-CN" altLang="en-US" dirty="0"/>
+          </a:p>
+        </p:txBody>
+      </p:sp>
+      <p:sp>
+        <p:nvSpPr>
+          <p:cNvPr id="3" name="文本框 2"/>
+          <p:cNvSpPr txBox="1"/>
+          <p:nvPr/>
+        </p:nvSpPr>
+        <p:spPr>
+          <a:xfrm>
+            <a:off x="1981199" y="1408123"/>
+            <a:ext cx="7847463" cy="523220"/>
+          </a:xfrm>
+          <a:prstGeom prst="rect">
+            <a:avLst/>
+          </a:prstGeom>
+          <a:noFill/>
+        </p:spPr>
+        <p:txBody>
+          <a:bodyPr wrap="square" rtlCol="0">
+            <a:spAutoFit/>
+          </a:bodyPr>
+          <a:lstStyle/>
+          <a:p>
+            <a:r>
+              <a:rPr lang="en-US" altLang="zh-CN" sz="2800" dirty="0" smtClean="0"/>
+              <a:t>1.</a:t>
+            </a:r>
+            <a:r>
+              <a:rPr lang="zh-CN" altLang="en-US" sz="2800" dirty="0" smtClean="0"/>
+              <a:t>稀缺是基本事实</a:t>
+            </a:r>
+            <a:endParaRPr lang="zh-CN" altLang="en-US" sz="2800" dirty="0"/>
+          </a:p>
+        </p:txBody>
+      </p:sp>
+      <p:sp>
+        <p:nvSpPr>
+          <p:cNvPr id="4" name="文本框 3"/>
+          <p:cNvSpPr txBox="1"/>
+          <p:nvPr/>
+        </p:nvSpPr>
+        <p:spPr>
+          <a:xfrm>
+            <a:off x="2488441" y="2789276"/>
+            <a:ext cx="7847463" cy="369332"/>
+          </a:xfrm>
+          <a:prstGeom prst="rect">
+            <a:avLst/>
+          </a:prstGeom>
+          <a:noFill/>
+        </p:spPr>
+        <p:txBody>
+          <a:bodyPr wrap="square" rtlCol="0">
+            <a:spAutoFit/>
+          </a:bodyPr>
+          <a:lstStyle/>
+          <a:p>
+            <a:r>
+              <a:rPr lang="en-US" altLang="zh-CN" dirty="0" smtClean="0"/>
+              <a:t>1.</a:t>
+            </a:r>
+            <a:r>
+              <a:rPr lang="zh-CN" altLang="en-US" dirty="0" smtClean="0"/>
+              <a:t>你想要的东西别人也想要</a:t>
             </a:r>
             <a:endParaRPr lang="zh-CN" altLang="en-US" dirty="0"/>
           </a:p>
@@ -5177,7 +5297,7 @@
         </p:nvSpPr>
         <p:spPr>
           <a:xfrm>
-            <a:off x="1953903" y="2047166"/>
+            <a:off x="2488441" y="3355876"/>
             <a:ext cx="7847463" cy="369332"/>
           </a:xfrm>
           <a:prstGeom prst="rect">
@@ -5192,8 +5312,186 @@
           <a:lstStyle/>
           <a:p>
             <a:r>
+              <a:rPr lang="en-US" altLang="zh-CN" dirty="0" smtClean="0"/>
+              <a:t>2.</a:t>
+            </a:r>
+            <a:r>
               <a:rPr lang="zh-CN" altLang="en-US" dirty="0" smtClean="0"/>
-              <a:t>无谓的损失，其他人不能从中得到任何好处的付出</a:t>
+              <a:t>人的需求在不断提升（馒头，肉，酒，艺术，电影，话剧）</a:t>
+            </a:r>
+            <a:endParaRPr lang="zh-CN" altLang="en-US" dirty="0"/>
+          </a:p>
+        </p:txBody>
+      </p:sp>
+      <p:sp>
+        <p:nvSpPr>
+          <p:cNvPr id="6" name="矩形 5"/>
+          <p:cNvSpPr/>
+          <p:nvPr/>
+        </p:nvSpPr>
+        <p:spPr>
+          <a:xfrm>
+            <a:off x="2488441" y="4680868"/>
+            <a:ext cx="9742228" cy="923330"/>
+          </a:xfrm>
+          <a:prstGeom prst="rect">
+            <a:avLst/>
+          </a:prstGeom>
+        </p:spPr>
+        <p:txBody>
+          <a:bodyPr wrap="square">
+            <a:spAutoFit/>
+          </a:bodyPr>
+          <a:lstStyle/>
+          <a:p>
+            <a:r>
+              <a:rPr lang="zh-CN" altLang="en-US" dirty="0" smtClean="0"/>
+              <a:t>空气 ： “清新的空气”</a:t>
+            </a:r>
+            <a:endParaRPr lang="en-US" altLang="zh-CN" dirty="0" smtClean="0"/>
+          </a:p>
+          <a:p>
+            <a:r>
+              <a:rPr lang="zh-CN" altLang="en-US" dirty="0" smtClean="0"/>
+              <a:t>阳光 ：“太阳能”</a:t>
+            </a:r>
+            <a:endParaRPr lang="en-US" altLang="zh-CN" dirty="0" smtClean="0"/>
+          </a:p>
+          <a:p>
+            <a:r>
+              <a:rPr lang="zh-CN" altLang="en-US" dirty="0" smtClean="0"/>
+              <a:t>土地：“地理位置”</a:t>
+            </a:r>
+            <a:endParaRPr lang="zh-CN" altLang="en-US" dirty="0"/>
+          </a:p>
+        </p:txBody>
+      </p:sp>
+      <p:sp>
+        <p:nvSpPr>
+          <p:cNvPr id="7" name="文本框 6"/>
+          <p:cNvSpPr txBox="1"/>
+          <p:nvPr/>
+        </p:nvSpPr>
+        <p:spPr>
+          <a:xfrm>
+            <a:off x="1981198" y="3941428"/>
+            <a:ext cx="7847463" cy="523220"/>
+          </a:xfrm>
+          <a:prstGeom prst="rect">
+            <a:avLst/>
+          </a:prstGeom>
+          <a:noFill/>
+        </p:spPr>
+        <p:txBody>
+          <a:bodyPr wrap="square" rtlCol="0">
+            <a:spAutoFit/>
+          </a:bodyPr>
+          <a:lstStyle/>
+          <a:p>
+            <a:r>
+              <a:rPr lang="en-US" altLang="zh-CN" sz="2800" dirty="0" smtClean="0"/>
+              <a:t>2.</a:t>
+            </a:r>
+            <a:r>
+              <a:rPr lang="zh-CN" altLang="en-US" sz="2800" dirty="0" smtClean="0"/>
+              <a:t>稀缺含义宽广</a:t>
+            </a:r>
+            <a:endParaRPr lang="zh-CN" altLang="en-US" sz="2800" dirty="0"/>
+          </a:p>
+        </p:txBody>
+      </p:sp>
+      <p:sp>
+        <p:nvSpPr>
+          <p:cNvPr id="8" name="矩形 7"/>
+          <p:cNvSpPr/>
+          <p:nvPr/>
+        </p:nvSpPr>
+        <p:spPr>
+          <a:xfrm>
+            <a:off x="2597623" y="1987092"/>
+            <a:ext cx="9221337" cy="646331"/>
+          </a:xfrm>
+          <a:prstGeom prst="rect">
+            <a:avLst/>
+          </a:prstGeom>
+        </p:spPr>
+        <p:txBody>
+          <a:bodyPr wrap="square">
+            <a:spAutoFit/>
+          </a:bodyPr>
+          <a:lstStyle/>
+          <a:p>
+            <a:r>
+              <a:rPr lang="zh-CN" altLang="en-US" dirty="0"/>
+              <a:t>经济物品的稀缺并不意味着它是稀少的，而是指它不可以免费得到。只要一样东西不能仅仅根据需要获得，它就是稀缺的。</a:t>
+            </a:r>
+            <a:endParaRPr lang="en-US" altLang="zh-CN" dirty="0"/>
+          </a:p>
+        </p:txBody>
+      </p:sp>
+      <p:sp>
+        <p:nvSpPr>
+          <p:cNvPr id="9" name="文本框 8"/>
+          <p:cNvSpPr txBox="1"/>
+          <p:nvPr/>
+        </p:nvSpPr>
+        <p:spPr>
+          <a:xfrm>
+            <a:off x="1953902" y="5690299"/>
+            <a:ext cx="7847463" cy="523220"/>
+          </a:xfrm>
+          <a:prstGeom prst="rect">
+            <a:avLst/>
+          </a:prstGeom>
+          <a:noFill/>
+        </p:spPr>
+        <p:txBody>
+          <a:bodyPr wrap="square" rtlCol="0">
+            <a:spAutoFit/>
+          </a:bodyPr>
+          <a:lstStyle/>
+          <a:p>
+            <a:r>
+              <a:rPr lang="en-US" altLang="zh-CN" sz="2800" dirty="0" smtClean="0"/>
+              <a:t>3.</a:t>
+            </a:r>
+            <a:r>
+              <a:rPr lang="zh-CN" altLang="en-US" sz="2800" dirty="0" smtClean="0"/>
+              <a:t>人类的需求永无止境</a:t>
+            </a:r>
+            <a:endParaRPr lang="zh-CN" altLang="en-US" sz="2800" dirty="0"/>
+          </a:p>
+        </p:txBody>
+      </p:sp>
+      <p:sp>
+        <p:nvSpPr>
+          <p:cNvPr id="10" name="文本框 9"/>
+          <p:cNvSpPr txBox="1"/>
+          <p:nvPr/>
+        </p:nvSpPr>
+        <p:spPr>
+          <a:xfrm>
+            <a:off x="2326942" y="6239465"/>
+            <a:ext cx="7847463" cy="369332"/>
+          </a:xfrm>
+          <a:prstGeom prst="rect">
+            <a:avLst/>
+          </a:prstGeom>
+          <a:noFill/>
+        </p:spPr>
+        <p:txBody>
+          <a:bodyPr wrap="square" rtlCol="0">
+            <a:spAutoFit/>
+          </a:bodyPr>
+          <a:lstStyle/>
+          <a:p>
+            <a:r>
+              <a:rPr lang="en-US" altLang="zh-CN" dirty="0" smtClean="0"/>
+              <a:t>1.</a:t>
+            </a:r>
+            <a:r>
+              <a:rPr lang="zh-CN" altLang="en-US" dirty="0" smtClean="0"/>
+              <a:t>高血压药</a:t>
             </a:r>
             <a:endParaRPr lang="zh-CN" altLang="en-US" dirty="0"/>
           </a:p>
@@ -5202,7 +5500,7 @@
     </p:spTree>
     <p:extLst>
       <p:ext uri="{BB962C8B-B14F-4D97-AF65-F5344CB8AC3E}">
-        <p14:creationId xmlns:p14="http://schemas.microsoft.com/office/powerpoint/2010/main" val="1842169803"/>
+        <p14:creationId xmlns:p14="http://schemas.microsoft.com/office/powerpoint/2010/main" val="3058821386"/>
       </p:ext>
     </p:extLst>
   </p:cSld>
@@ -5251,66 +5549,105 @@
           <a:p>
             <a:r>
               <a:rPr lang="zh-CN" altLang="en-US" dirty="0" smtClean="0"/>
-              <a:t>竞争（</a:t>
+              <a:t>选择和歧视</a:t>
+            </a:r>
+            <a:endParaRPr lang="zh-CN" altLang="en-US" dirty="0"/>
+          </a:p>
+        </p:txBody>
+      </p:sp>
+      <p:sp>
+        <p:nvSpPr>
+          <p:cNvPr id="3" name="文本框 2"/>
+          <p:cNvSpPr txBox="1"/>
+          <p:nvPr/>
+        </p:nvSpPr>
+        <p:spPr>
+          <a:xfrm>
+            <a:off x="1953903" y="1708459"/>
+            <a:ext cx="7847463" cy="523220"/>
+          </a:xfrm>
+          <a:prstGeom prst="rect">
+            <a:avLst/>
+          </a:prstGeom>
+          <a:noFill/>
+        </p:spPr>
+        <p:txBody>
+          <a:bodyPr wrap="square" rtlCol="0">
+            <a:spAutoFit/>
+          </a:bodyPr>
+          <a:lstStyle/>
+          <a:p>
+            <a:r>
+              <a:rPr lang="en-US" altLang="zh-CN" sz="2800" dirty="0" smtClean="0"/>
+              <a:t>1.</a:t>
+            </a:r>
+            <a:r>
+              <a:rPr lang="zh-CN" altLang="en-US" sz="2800" dirty="0" smtClean="0"/>
+              <a:t>歧视不可避免</a:t>
+            </a:r>
+            <a:endParaRPr lang="zh-CN" altLang="en-US" sz="2800" dirty="0"/>
+          </a:p>
+        </p:txBody>
+      </p:sp>
+      <p:sp>
+        <p:nvSpPr>
+          <p:cNvPr id="4" name="文本框 3"/>
+          <p:cNvSpPr txBox="1"/>
+          <p:nvPr/>
+        </p:nvSpPr>
+        <p:spPr>
+          <a:xfrm>
+            <a:off x="2474793" y="2231679"/>
+            <a:ext cx="7847463" cy="369332"/>
+          </a:xfrm>
+          <a:prstGeom prst="rect">
+            <a:avLst/>
+          </a:prstGeom>
+          <a:noFill/>
+        </p:spPr>
+        <p:txBody>
+          <a:bodyPr wrap="square" rtlCol="0">
+            <a:spAutoFit/>
+          </a:bodyPr>
+          <a:lstStyle/>
+          <a:p>
+            <a:r>
+              <a:rPr lang="zh-CN" altLang="en-US" dirty="0" smtClean="0"/>
+              <a:t>稀缺 </a:t>
             </a:r>
             <a:r>
               <a:rPr lang="en-US" altLang="zh-CN" dirty="0" smtClean="0"/>
-              <a:t>41</a:t>
+              <a:t>----- </a:t>
             </a:r>
             <a:r>
               <a:rPr lang="zh-CN" altLang="en-US" dirty="0" smtClean="0"/>
-              <a:t>）</a:t>
+              <a:t>选择 </a:t>
+            </a:r>
+            <a:r>
+              <a:rPr lang="en-US" altLang="zh-CN" dirty="0" smtClean="0"/>
+              <a:t>----</a:t>
+            </a:r>
+            <a:r>
+              <a:rPr lang="zh-CN" altLang="en-US" dirty="0" smtClean="0"/>
+              <a:t>标准 </a:t>
+            </a:r>
+            <a:r>
+              <a:rPr lang="en-US" altLang="zh-CN" dirty="0" smtClean="0"/>
+              <a:t>---- </a:t>
+            </a:r>
+            <a:r>
+              <a:rPr lang="zh-CN" altLang="en-US" dirty="0" smtClean="0"/>
+              <a:t>区别对待 </a:t>
+            </a:r>
+            <a:r>
+              <a:rPr lang="en-US" altLang="zh-CN" dirty="0" smtClean="0"/>
+              <a:t>---- </a:t>
+            </a:r>
+            <a:r>
+              <a:rPr lang="zh-CN" altLang="en-US" dirty="0" smtClean="0"/>
+              <a:t>歧视</a:t>
             </a:r>
             <a:endParaRPr lang="zh-CN" altLang="en-US" dirty="0"/>
-          </a:p>
-        </p:txBody>
-      </p:sp>
-      <p:sp>
-        <p:nvSpPr>
-          <p:cNvPr id="4" name="标题 1"/>
-          <p:cNvSpPr txBox="1">
-            <a:spLocks/>
-          </p:cNvSpPr>
-          <p:nvPr/>
-        </p:nvSpPr>
-        <p:spPr>
-          <a:xfrm>
-            <a:off x="1087271" y="1514903"/>
-            <a:ext cx="2652216" cy="900752"/>
-          </a:xfrm>
-          <a:prstGeom prst="rect">
-            <a:avLst/>
-          </a:prstGeom>
-        </p:spPr>
-        <p:txBody>
-          <a:bodyPr vert="horz" lIns="91440" tIns="45720" rIns="91440" bIns="45720" rtlCol="0" anchor="b">
-            <a:normAutofit/>
-          </a:bodyPr>
-          <a:lstStyle>
-            <a:lvl1pPr algn="ctr" defTabSz="914400" rtl="0" eaLnBrk="1" latinLnBrk="0" hangingPunct="1">
-              <a:lnSpc>
-                <a:spcPct val="90000"/>
-              </a:lnSpc>
-              <a:spcBef>
-                <a:spcPct val="0"/>
-              </a:spcBef>
-              <a:buNone/>
-              <a:defRPr sz="6000" kern="1200">
-                <a:solidFill>
-                  <a:schemeClr val="tx1"/>
-                </a:solidFill>
-                <a:latin typeface="+mj-lt"/>
-                <a:ea typeface="+mj-ea"/>
-                <a:cs typeface="+mj-cs"/>
-              </a:defRPr>
-            </a:lvl1pPr>
-          </a:lstStyle>
-          <a:p>
-            <a:r>
-              <a:rPr lang="zh-CN" altLang="en-US" sz="4000" dirty="0" smtClean="0"/>
-              <a:t>暴力</a:t>
-            </a:r>
-            <a:endParaRPr lang="zh-CN" altLang="en-US" sz="4000" dirty="0"/>
           </a:p>
         </p:txBody>
       </p:sp>
@@ -5322,7 +5659,7 @@
         </p:nvSpPr>
         <p:spPr>
           <a:xfrm>
-            <a:off x="3002508" y="1965279"/>
+            <a:off x="2474793" y="2640006"/>
             <a:ext cx="7847463" cy="369332"/>
           </a:xfrm>
           <a:prstGeom prst="rect">
@@ -5337,8 +5674,12 @@
           <a:lstStyle/>
           <a:p>
             <a:r>
+              <a:rPr lang="en-US" altLang="zh-CN" dirty="0" smtClean="0"/>
+              <a:t>1.</a:t>
+            </a:r>
+            <a:r>
               <a:rPr lang="zh-CN" altLang="en-US" dirty="0" smtClean="0"/>
-              <a:t>一个岛，一百个人，一块面包</a:t>
+              <a:t>资源有限，铅笔</a:t>
             </a:r>
             <a:endParaRPr lang="zh-CN" altLang="en-US" dirty="0"/>
           </a:p>
@@ -5346,50 +5687,35 @@
       </p:sp>
       <p:sp>
         <p:nvSpPr>
-          <p:cNvPr id="6" name="标题 1"/>
-          <p:cNvSpPr txBox="1">
-            <a:spLocks/>
-          </p:cNvSpPr>
+          <p:cNvPr id="6" name="文本框 5"/>
+          <p:cNvSpPr txBox="1"/>
           <p:nvPr/>
         </p:nvSpPr>
         <p:spPr>
           <a:xfrm>
-            <a:off x="1087271" y="2568269"/>
-            <a:ext cx="2652216" cy="900752"/>
-          </a:xfrm>
-          <a:prstGeom prst="rect">
-            <a:avLst/>
-          </a:prstGeom>
-        </p:spPr>
-        <p:txBody>
-          <a:bodyPr vert="horz" lIns="91440" tIns="45720" rIns="91440" bIns="45720" rtlCol="0" anchor="b">
-            <a:normAutofit/>
-          </a:bodyPr>
-          <a:lstStyle>
-            <a:lvl1pPr algn="ctr" defTabSz="914400" rtl="0" eaLnBrk="1" latinLnBrk="0" hangingPunct="1">
-              <a:lnSpc>
-                <a:spcPct val="90000"/>
-              </a:lnSpc>
-              <a:spcBef>
-                <a:spcPct val="0"/>
-              </a:spcBef>
-              <a:buNone/>
-              <a:defRPr sz="6000" kern="1200">
-                <a:solidFill>
-                  <a:schemeClr val="tx1"/>
-                </a:solidFill>
-                <a:latin typeface="+mj-lt"/>
-                <a:ea typeface="+mj-ea"/>
-                <a:cs typeface="+mj-cs"/>
-              </a:defRPr>
-            </a:lvl1pPr>
-          </a:lstStyle>
-          <a:p>
-            <a:r>
-              <a:rPr lang="zh-CN" altLang="en-US" sz="4000" dirty="0" smtClean="0"/>
-              <a:t>智力</a:t>
-            </a:r>
-            <a:endParaRPr lang="zh-CN" altLang="en-US" sz="4000" dirty="0"/>
+            <a:off x="2474792" y="3033579"/>
+            <a:ext cx="7847463" cy="369332"/>
+          </a:xfrm>
+          <a:prstGeom prst="rect">
+            <a:avLst/>
+          </a:prstGeom>
+          <a:noFill/>
+        </p:spPr>
+        <p:txBody>
+          <a:bodyPr wrap="square" rtlCol="0">
+            <a:spAutoFit/>
+          </a:bodyPr>
+          <a:lstStyle/>
+          <a:p>
+            <a:r>
+              <a:rPr lang="en-US" altLang="zh-CN" dirty="0" smtClean="0"/>
+              <a:t>2.</a:t>
+            </a:r>
+            <a:r>
+              <a:rPr lang="zh-CN" altLang="en-US" dirty="0" smtClean="0"/>
+              <a:t>时间有限， 看电影</a:t>
+            </a:r>
+            <a:endParaRPr lang="zh-CN" altLang="en-US" dirty="0"/>
           </a:p>
         </p:txBody>
       </p:sp>
@@ -5401,7 +5727,7 @@
         </p:nvSpPr>
         <p:spPr>
           <a:xfrm>
-            <a:off x="3002508" y="3018645"/>
+            <a:off x="2474791" y="3466147"/>
             <a:ext cx="7847463" cy="369332"/>
           </a:xfrm>
           <a:prstGeom prst="rect">
@@ -5416,164 +5742,21 @@
           <a:lstStyle/>
           <a:p>
             <a:r>
+              <a:rPr lang="en-US" altLang="zh-CN" dirty="0" smtClean="0"/>
+              <a:t>3.</a:t>
+            </a:r>
+            <a:r>
               <a:rPr lang="zh-CN" altLang="en-US" dirty="0" smtClean="0"/>
-              <a:t>文凭，考试</a:t>
+              <a:t>金钱有限，王菲，张学友</a:t>
             </a:r>
             <a:endParaRPr lang="zh-CN" altLang="en-US" dirty="0"/>
-          </a:p>
-        </p:txBody>
-      </p:sp>
-      <p:sp>
-        <p:nvSpPr>
-          <p:cNvPr id="8" name="标题 1"/>
-          <p:cNvSpPr txBox="1">
-            <a:spLocks/>
-          </p:cNvSpPr>
-          <p:nvPr/>
-        </p:nvSpPr>
-        <p:spPr>
-          <a:xfrm>
-            <a:off x="1580866" y="3494631"/>
-            <a:ext cx="2652216" cy="745430"/>
-          </a:xfrm>
-          <a:prstGeom prst="rect">
-            <a:avLst/>
-          </a:prstGeom>
-        </p:spPr>
-        <p:txBody>
-          <a:bodyPr vert="horz" lIns="91440" tIns="45720" rIns="91440" bIns="45720" rtlCol="0" anchor="b">
-            <a:normAutofit/>
-          </a:bodyPr>
-          <a:lstStyle>
-            <a:lvl1pPr algn="ctr" defTabSz="914400" rtl="0" eaLnBrk="1" latinLnBrk="0" hangingPunct="1">
-              <a:lnSpc>
-                <a:spcPct val="90000"/>
-              </a:lnSpc>
-              <a:spcBef>
-                <a:spcPct val="0"/>
-              </a:spcBef>
-              <a:buNone/>
-              <a:defRPr sz="6000" kern="1200">
-                <a:solidFill>
-                  <a:schemeClr val="tx1"/>
-                </a:solidFill>
-                <a:latin typeface="+mj-lt"/>
-                <a:ea typeface="+mj-ea"/>
-                <a:cs typeface="+mj-cs"/>
-              </a:defRPr>
-            </a:lvl1pPr>
-          </a:lstStyle>
-          <a:p>
-            <a:r>
-              <a:rPr lang="zh-CN" altLang="en-US" sz="4000" dirty="0" smtClean="0"/>
-              <a:t>论资排辈</a:t>
-            </a:r>
-            <a:endParaRPr lang="zh-CN" altLang="en-US" sz="4000" dirty="0"/>
-          </a:p>
-        </p:txBody>
-      </p:sp>
-      <p:sp>
-        <p:nvSpPr>
-          <p:cNvPr id="9" name="标题 1"/>
-          <p:cNvSpPr txBox="1">
-            <a:spLocks/>
-          </p:cNvSpPr>
-          <p:nvPr/>
-        </p:nvSpPr>
-        <p:spPr>
-          <a:xfrm>
-            <a:off x="1087271" y="5137667"/>
-            <a:ext cx="2652216" cy="863584"/>
-          </a:xfrm>
-          <a:prstGeom prst="rect">
-            <a:avLst/>
-          </a:prstGeom>
-        </p:spPr>
-        <p:txBody>
-          <a:bodyPr vert="horz" lIns="91440" tIns="45720" rIns="91440" bIns="45720" rtlCol="0" anchor="b">
-            <a:normAutofit/>
-          </a:bodyPr>
-          <a:lstStyle>
-            <a:lvl1pPr algn="ctr" defTabSz="914400" rtl="0" eaLnBrk="1" latinLnBrk="0" hangingPunct="1">
-              <a:lnSpc>
-                <a:spcPct val="90000"/>
-              </a:lnSpc>
-              <a:spcBef>
-                <a:spcPct val="0"/>
-              </a:spcBef>
-              <a:buNone/>
-              <a:defRPr sz="6000" kern="1200">
-                <a:solidFill>
-                  <a:schemeClr val="tx1"/>
-                </a:solidFill>
-                <a:latin typeface="+mj-lt"/>
-                <a:ea typeface="+mj-ea"/>
-                <a:cs typeface="+mj-cs"/>
-              </a:defRPr>
-            </a:lvl1pPr>
-          </a:lstStyle>
-          <a:p>
-            <a:r>
-              <a:rPr lang="zh-CN" altLang="en-US" sz="4000" dirty="0" smtClean="0"/>
-              <a:t>随机</a:t>
-            </a:r>
-            <a:endParaRPr lang="zh-CN" altLang="en-US" sz="4000" dirty="0"/>
-          </a:p>
-        </p:txBody>
-      </p:sp>
-      <p:sp>
-        <p:nvSpPr>
-          <p:cNvPr id="10" name="标题 1"/>
-          <p:cNvSpPr txBox="1">
-            <a:spLocks/>
-          </p:cNvSpPr>
-          <p:nvPr/>
-        </p:nvSpPr>
-        <p:spPr>
-          <a:xfrm>
-            <a:off x="1087271" y="4274083"/>
-            <a:ext cx="2652216" cy="863584"/>
-          </a:xfrm>
-          <a:prstGeom prst="rect">
-            <a:avLst/>
-          </a:prstGeom>
-        </p:spPr>
-        <p:txBody>
-          <a:bodyPr vert="horz" lIns="91440" tIns="45720" rIns="91440" bIns="45720" rtlCol="0" anchor="b">
-            <a:normAutofit/>
-          </a:bodyPr>
-          <a:lstStyle>
-            <a:lvl1pPr algn="ctr" defTabSz="914400" rtl="0" eaLnBrk="1" latinLnBrk="0" hangingPunct="1">
-              <a:lnSpc>
-                <a:spcPct val="90000"/>
-              </a:lnSpc>
-              <a:spcBef>
-                <a:spcPct val="0"/>
-              </a:spcBef>
-              <a:buNone/>
-              <a:defRPr sz="6000" kern="1200">
-                <a:solidFill>
-                  <a:schemeClr val="tx1"/>
-                </a:solidFill>
-                <a:latin typeface="+mj-lt"/>
-                <a:ea typeface="+mj-ea"/>
-                <a:cs typeface="+mj-cs"/>
-              </a:defRPr>
-            </a:lvl1pPr>
-          </a:lstStyle>
-          <a:p>
-            <a:r>
-              <a:rPr lang="zh-CN" altLang="en-US" sz="4000" dirty="0" smtClean="0"/>
-              <a:t>价格</a:t>
-            </a:r>
-            <a:endParaRPr lang="zh-CN" altLang="en-US" sz="4000" dirty="0"/>
           </a:p>
         </p:txBody>
       </p:sp>
     </p:spTree>
     <p:extLst>
       <p:ext uri="{BB962C8B-B14F-4D97-AF65-F5344CB8AC3E}">
-        <p14:creationId xmlns:p14="http://schemas.microsoft.com/office/powerpoint/2010/main" val="3470965269"/>
+        <p14:creationId xmlns:p14="http://schemas.microsoft.com/office/powerpoint/2010/main" val="1461519699"/>
       </p:ext>
     </p:extLst>
   </p:cSld>
@@ -5622,7 +5805,7 @@
           <a:p>
             <a:r>
               <a:rPr lang="zh-CN" altLang="en-US" dirty="0" smtClean="0"/>
-              <a:t>竞争规则的优劣</a:t>
+              <a:t>寻租</a:t>
             </a:r>
             <a:endParaRPr lang="zh-CN" altLang="en-US" dirty="0"/>
           </a:p>
@@ -5630,13 +5813,13 @@
       </p:sp>
       <p:sp>
         <p:nvSpPr>
-          <p:cNvPr id="11" name="文本框 10"/>
+          <p:cNvPr id="5" name="文本框 4"/>
           <p:cNvSpPr txBox="1"/>
           <p:nvPr/>
         </p:nvSpPr>
         <p:spPr>
           <a:xfrm>
-            <a:off x="1760562" y="2429303"/>
+            <a:off x="1953903" y="2047166"/>
             <a:ext cx="7847463" cy="369332"/>
           </a:xfrm>
           <a:prstGeom prst="rect">
@@ -5652,67 +5835,7 @@
           <a:p>
             <a:r>
               <a:rPr lang="zh-CN" altLang="en-US" dirty="0" smtClean="0"/>
-              <a:t>没有那个规则更公平</a:t>
-            </a:r>
-            <a:endParaRPr lang="zh-CN" altLang="en-US" dirty="0"/>
-          </a:p>
-        </p:txBody>
-      </p:sp>
-      <p:sp>
-        <p:nvSpPr>
-          <p:cNvPr id="12" name="文本框 11"/>
-          <p:cNvSpPr txBox="1"/>
-          <p:nvPr/>
-        </p:nvSpPr>
-        <p:spPr>
-          <a:xfrm>
-            <a:off x="1760562" y="1884215"/>
-            <a:ext cx="7847463" cy="369332"/>
-          </a:xfrm>
-          <a:prstGeom prst="rect">
-            <a:avLst/>
-          </a:prstGeom>
-          <a:noFill/>
-        </p:spPr>
-        <p:txBody>
-          <a:bodyPr wrap="square" rtlCol="0">
-            <a:spAutoFit/>
-          </a:bodyPr>
-          <a:lstStyle/>
-          <a:p>
-            <a:r>
-              <a:rPr lang="zh-CN" altLang="en-US" dirty="0" smtClean="0"/>
-              <a:t>竞争必有规则</a:t>
-            </a:r>
-            <a:endParaRPr lang="zh-CN" altLang="en-US" dirty="0"/>
-          </a:p>
-        </p:txBody>
-      </p:sp>
-      <p:sp>
-        <p:nvSpPr>
-          <p:cNvPr id="13" name="文本框 12"/>
-          <p:cNvSpPr txBox="1"/>
-          <p:nvPr/>
-        </p:nvSpPr>
-        <p:spPr>
-          <a:xfrm>
-            <a:off x="1760561" y="3000866"/>
-            <a:ext cx="7847463" cy="369332"/>
-          </a:xfrm>
-          <a:prstGeom prst="rect">
-            <a:avLst/>
-          </a:prstGeom>
-          <a:noFill/>
-        </p:spPr>
-        <p:txBody>
-          <a:bodyPr wrap="square" rtlCol="0">
-            <a:spAutoFit/>
-          </a:bodyPr>
-          <a:lstStyle/>
-          <a:p>
-            <a:r>
-              <a:rPr lang="zh-CN" altLang="en-US" dirty="0" smtClean="0"/>
-              <a:t>每种竞争都有成本</a:t>
+              <a:t>无谓的损失，其他人不能从中得到任何好处的付出</a:t>
             </a:r>
             <a:endParaRPr lang="zh-CN" altLang="en-US" dirty="0"/>
           </a:p>
@@ -5721,7 +5844,7 @@
     </p:spTree>
     <p:extLst>
       <p:ext uri="{BB962C8B-B14F-4D97-AF65-F5344CB8AC3E}">
-        <p14:creationId xmlns:p14="http://schemas.microsoft.com/office/powerpoint/2010/main" val="1927548412"/>
+        <p14:creationId xmlns:p14="http://schemas.microsoft.com/office/powerpoint/2010/main" val="1842169803"/>
       </p:ext>
     </p:extLst>
   </p:cSld>
@@ -5765,23 +5888,334 @@
           </a:xfrm>
         </p:spPr>
         <p:txBody>
-          <a:bodyPr>
+          <a:bodyPr/>
+          <a:lstStyle/>
+          <a:p>
+            <a:r>
+              <a:rPr lang="zh-CN" altLang="en-US" dirty="0" smtClean="0"/>
+              <a:t>竞争（</a:t>
+            </a:r>
+            <a:r>
+              <a:rPr lang="en-US" altLang="zh-CN" dirty="0" smtClean="0"/>
+              <a:t>41</a:t>
+            </a:r>
+            <a:r>
+              <a:rPr lang="zh-CN" altLang="en-US" dirty="0" smtClean="0"/>
+              <a:t>）</a:t>
+            </a:r>
+            <a:endParaRPr lang="zh-CN" altLang="en-US" dirty="0"/>
+          </a:p>
+        </p:txBody>
+      </p:sp>
+      <p:sp>
+        <p:nvSpPr>
+          <p:cNvPr id="4" name="标题 1"/>
+          <p:cNvSpPr txBox="1">
+            <a:spLocks/>
+          </p:cNvSpPr>
+          <p:nvPr/>
+        </p:nvSpPr>
+        <p:spPr>
+          <a:xfrm>
+            <a:off x="1087271" y="1514903"/>
+            <a:ext cx="2652216" cy="900752"/>
+          </a:xfrm>
+          <a:prstGeom prst="rect">
+            <a:avLst/>
+          </a:prstGeom>
+        </p:spPr>
+        <p:txBody>
+          <a:bodyPr vert="horz" lIns="91440" tIns="45720" rIns="91440" bIns="45720" rtlCol="0" anchor="b">
             <a:normAutofit/>
           </a:bodyPr>
-          <a:lstStyle/>
-          <a:p>
-            <a:r>
-              <a:rPr lang="zh-CN" altLang="en-US" sz="3600" dirty="0" smtClean="0"/>
-              <a:t>许多竞争规则，其他人难以获益</a:t>
-            </a:r>
-            <a:endParaRPr lang="zh-CN" altLang="en-US" sz="3600" dirty="0"/>
+          <a:lstStyle>
+            <a:lvl1pPr algn="ctr" defTabSz="914400" rtl="0" eaLnBrk="1" latinLnBrk="0" hangingPunct="1">
+              <a:lnSpc>
+                <a:spcPct val="90000"/>
+              </a:lnSpc>
+              <a:spcBef>
+                <a:spcPct val="0"/>
+              </a:spcBef>
+              <a:buNone/>
+              <a:defRPr sz="6000" kern="1200">
+                <a:solidFill>
+                  <a:schemeClr val="tx1"/>
+                </a:solidFill>
+                <a:latin typeface="+mj-lt"/>
+                <a:ea typeface="+mj-ea"/>
+                <a:cs typeface="+mj-cs"/>
+              </a:defRPr>
+            </a:lvl1pPr>
+          </a:lstStyle>
+          <a:p>
+            <a:r>
+              <a:rPr lang="zh-CN" altLang="en-US" sz="4000" dirty="0" smtClean="0"/>
+              <a:t>暴力</a:t>
+            </a:r>
+            <a:endParaRPr lang="zh-CN" altLang="en-US" sz="4000" dirty="0"/>
+          </a:p>
+        </p:txBody>
+      </p:sp>
+      <p:sp>
+        <p:nvSpPr>
+          <p:cNvPr id="5" name="文本框 4"/>
+          <p:cNvSpPr txBox="1"/>
+          <p:nvPr/>
+        </p:nvSpPr>
+        <p:spPr>
+          <a:xfrm>
+            <a:off x="3002508" y="1965279"/>
+            <a:ext cx="7847463" cy="369332"/>
+          </a:xfrm>
+          <a:prstGeom prst="rect">
+            <a:avLst/>
+          </a:prstGeom>
+          <a:noFill/>
+        </p:spPr>
+        <p:txBody>
+          <a:bodyPr wrap="square" rtlCol="0">
+            <a:spAutoFit/>
+          </a:bodyPr>
+          <a:lstStyle/>
+          <a:p>
+            <a:r>
+              <a:rPr lang="zh-CN" altLang="en-US" dirty="0" smtClean="0"/>
+              <a:t>一个岛，一百个人，一块面包</a:t>
+            </a:r>
+            <a:endParaRPr lang="zh-CN" altLang="en-US" dirty="0"/>
+          </a:p>
+        </p:txBody>
+      </p:sp>
+      <p:sp>
+        <p:nvSpPr>
+          <p:cNvPr id="6" name="标题 1"/>
+          <p:cNvSpPr txBox="1">
+            <a:spLocks/>
+          </p:cNvSpPr>
+          <p:nvPr/>
+        </p:nvSpPr>
+        <p:spPr>
+          <a:xfrm>
+            <a:off x="1087271" y="2568269"/>
+            <a:ext cx="2652216" cy="900752"/>
+          </a:xfrm>
+          <a:prstGeom prst="rect">
+            <a:avLst/>
+          </a:prstGeom>
+        </p:spPr>
+        <p:txBody>
+          <a:bodyPr vert="horz" lIns="91440" tIns="45720" rIns="91440" bIns="45720" rtlCol="0" anchor="b">
+            <a:normAutofit/>
+          </a:bodyPr>
+          <a:lstStyle>
+            <a:lvl1pPr algn="ctr" defTabSz="914400" rtl="0" eaLnBrk="1" latinLnBrk="0" hangingPunct="1">
+              <a:lnSpc>
+                <a:spcPct val="90000"/>
+              </a:lnSpc>
+              <a:spcBef>
+                <a:spcPct val="0"/>
+              </a:spcBef>
+              <a:buNone/>
+              <a:defRPr sz="6000" kern="1200">
+                <a:solidFill>
+                  <a:schemeClr val="tx1"/>
+                </a:solidFill>
+                <a:latin typeface="+mj-lt"/>
+                <a:ea typeface="+mj-ea"/>
+                <a:cs typeface="+mj-cs"/>
+              </a:defRPr>
+            </a:lvl1pPr>
+          </a:lstStyle>
+          <a:p>
+            <a:r>
+              <a:rPr lang="zh-CN" altLang="en-US" sz="4000" dirty="0" smtClean="0"/>
+              <a:t>智力</a:t>
+            </a:r>
+            <a:endParaRPr lang="zh-CN" altLang="en-US" sz="4000" dirty="0"/>
+          </a:p>
+        </p:txBody>
+      </p:sp>
+      <p:sp>
+        <p:nvSpPr>
+          <p:cNvPr id="7" name="文本框 6"/>
+          <p:cNvSpPr txBox="1"/>
+          <p:nvPr/>
+        </p:nvSpPr>
+        <p:spPr>
+          <a:xfrm>
+            <a:off x="3002508" y="3018645"/>
+            <a:ext cx="7847463" cy="369332"/>
+          </a:xfrm>
+          <a:prstGeom prst="rect">
+            <a:avLst/>
+          </a:prstGeom>
+          <a:noFill/>
+        </p:spPr>
+        <p:txBody>
+          <a:bodyPr wrap="square" rtlCol="0">
+            <a:spAutoFit/>
+          </a:bodyPr>
+          <a:lstStyle/>
+          <a:p>
+            <a:r>
+              <a:rPr lang="zh-CN" altLang="en-US" dirty="0" smtClean="0"/>
+              <a:t>文凭，考试</a:t>
+            </a:r>
+            <a:endParaRPr lang="zh-CN" altLang="en-US" dirty="0"/>
+          </a:p>
+        </p:txBody>
+      </p:sp>
+      <p:sp>
+        <p:nvSpPr>
+          <p:cNvPr id="8" name="标题 1"/>
+          <p:cNvSpPr txBox="1">
+            <a:spLocks/>
+          </p:cNvSpPr>
+          <p:nvPr/>
+        </p:nvSpPr>
+        <p:spPr>
+          <a:xfrm>
+            <a:off x="1580866" y="3494631"/>
+            <a:ext cx="2652216" cy="745430"/>
+          </a:xfrm>
+          <a:prstGeom prst="rect">
+            <a:avLst/>
+          </a:prstGeom>
+        </p:spPr>
+        <p:txBody>
+          <a:bodyPr vert="horz" lIns="91440" tIns="45720" rIns="91440" bIns="45720" rtlCol="0" anchor="b">
+            <a:normAutofit/>
+          </a:bodyPr>
+          <a:lstStyle>
+            <a:lvl1pPr algn="ctr" defTabSz="914400" rtl="0" eaLnBrk="1" latinLnBrk="0" hangingPunct="1">
+              <a:lnSpc>
+                <a:spcPct val="90000"/>
+              </a:lnSpc>
+              <a:spcBef>
+                <a:spcPct val="0"/>
+              </a:spcBef>
+              <a:buNone/>
+              <a:defRPr sz="6000" kern="1200">
+                <a:solidFill>
+                  <a:schemeClr val="tx1"/>
+                </a:solidFill>
+                <a:latin typeface="+mj-lt"/>
+                <a:ea typeface="+mj-ea"/>
+                <a:cs typeface="+mj-cs"/>
+              </a:defRPr>
+            </a:lvl1pPr>
+          </a:lstStyle>
+          <a:p>
+            <a:r>
+              <a:rPr lang="zh-CN" altLang="en-US" sz="4000" dirty="0" smtClean="0"/>
+              <a:t>论资排辈</a:t>
+            </a:r>
+            <a:endParaRPr lang="zh-CN" altLang="en-US" sz="4000" dirty="0"/>
+          </a:p>
+        </p:txBody>
+      </p:sp>
+      <p:sp>
+        <p:nvSpPr>
+          <p:cNvPr id="9" name="标题 1"/>
+          <p:cNvSpPr txBox="1">
+            <a:spLocks/>
+          </p:cNvSpPr>
+          <p:nvPr/>
+        </p:nvSpPr>
+        <p:spPr>
+          <a:xfrm>
+            <a:off x="1087271" y="5137667"/>
+            <a:ext cx="2652216" cy="863584"/>
+          </a:xfrm>
+          <a:prstGeom prst="rect">
+            <a:avLst/>
+          </a:prstGeom>
+        </p:spPr>
+        <p:txBody>
+          <a:bodyPr vert="horz" lIns="91440" tIns="45720" rIns="91440" bIns="45720" rtlCol="0" anchor="b">
+            <a:normAutofit/>
+          </a:bodyPr>
+          <a:lstStyle>
+            <a:lvl1pPr algn="ctr" defTabSz="914400" rtl="0" eaLnBrk="1" latinLnBrk="0" hangingPunct="1">
+              <a:lnSpc>
+                <a:spcPct val="90000"/>
+              </a:lnSpc>
+              <a:spcBef>
+                <a:spcPct val="0"/>
+              </a:spcBef>
+              <a:buNone/>
+              <a:defRPr sz="6000" kern="1200">
+                <a:solidFill>
+                  <a:schemeClr val="tx1"/>
+                </a:solidFill>
+                <a:latin typeface="+mj-lt"/>
+                <a:ea typeface="+mj-ea"/>
+                <a:cs typeface="+mj-cs"/>
+              </a:defRPr>
+            </a:lvl1pPr>
+          </a:lstStyle>
+          <a:p>
+            <a:r>
+              <a:rPr lang="zh-CN" altLang="en-US" sz="4000" dirty="0" smtClean="0"/>
+              <a:t>随机</a:t>
+            </a:r>
+            <a:endParaRPr lang="zh-CN" altLang="en-US" sz="4000" dirty="0"/>
+          </a:p>
+        </p:txBody>
+      </p:sp>
+      <p:sp>
+        <p:nvSpPr>
+          <p:cNvPr id="10" name="标题 1"/>
+          <p:cNvSpPr txBox="1">
+            <a:spLocks/>
+          </p:cNvSpPr>
+          <p:nvPr/>
+        </p:nvSpPr>
+        <p:spPr>
+          <a:xfrm>
+            <a:off x="1087271" y="4274083"/>
+            <a:ext cx="2652216" cy="863584"/>
+          </a:xfrm>
+          <a:prstGeom prst="rect">
+            <a:avLst/>
+          </a:prstGeom>
+        </p:spPr>
+        <p:txBody>
+          <a:bodyPr vert="horz" lIns="91440" tIns="45720" rIns="91440" bIns="45720" rtlCol="0" anchor="b">
+            <a:normAutofit/>
+          </a:bodyPr>
+          <a:lstStyle>
+            <a:lvl1pPr algn="ctr" defTabSz="914400" rtl="0" eaLnBrk="1" latinLnBrk="0" hangingPunct="1">
+              <a:lnSpc>
+                <a:spcPct val="90000"/>
+              </a:lnSpc>
+              <a:spcBef>
+                <a:spcPct val="0"/>
+              </a:spcBef>
+              <a:buNone/>
+              <a:defRPr sz="6000" kern="1200">
+                <a:solidFill>
+                  <a:schemeClr val="tx1"/>
+                </a:solidFill>
+                <a:latin typeface="+mj-lt"/>
+                <a:ea typeface="+mj-ea"/>
+                <a:cs typeface="+mj-cs"/>
+              </a:defRPr>
+            </a:lvl1pPr>
+          </a:lstStyle>
+          <a:p>
+            <a:r>
+              <a:rPr lang="zh-CN" altLang="en-US" sz="4000" dirty="0" smtClean="0"/>
+              <a:t>价格</a:t>
+            </a:r>
+            <a:endParaRPr lang="zh-CN" altLang="en-US" sz="4000" dirty="0"/>
           </a:p>
         </p:txBody>
       </p:sp>
     </p:spTree>
     <p:extLst>
       <p:ext uri="{BB962C8B-B14F-4D97-AF65-F5344CB8AC3E}">
-        <p14:creationId xmlns:p14="http://schemas.microsoft.com/office/powerpoint/2010/main" val="976689104"/>
+        <p14:creationId xmlns:p14="http://schemas.microsoft.com/office/powerpoint/2010/main" val="3470965269"/>
       </p:ext>
     </p:extLst>
   </p:cSld>
@@ -5825,29 +6259,27 @@
           </a:xfrm>
         </p:spPr>
         <p:txBody>
-          <a:bodyPr>
-            <a:normAutofit/>
-          </a:bodyPr>
-          <a:lstStyle/>
-          <a:p>
-            <a:r>
-              <a:rPr lang="zh-CN" altLang="en-US" sz="3600" dirty="0" smtClean="0"/>
-              <a:t>价高者的，社会财富增加</a:t>
-            </a:r>
-            <a:endParaRPr lang="zh-CN" altLang="en-US" sz="3600" dirty="0"/>
-          </a:p>
-        </p:txBody>
-      </p:sp>
-      <p:sp>
-        <p:nvSpPr>
-          <p:cNvPr id="3" name="文本框 2"/>
+          <a:bodyPr/>
+          <a:lstStyle/>
+          <a:p>
+            <a:r>
+              <a:rPr lang="zh-CN" altLang="en-US" dirty="0" smtClean="0"/>
+              <a:t>竞争规则的优劣</a:t>
+            </a:r>
+            <a:endParaRPr lang="zh-CN" altLang="en-US" dirty="0"/>
+          </a:p>
+        </p:txBody>
+      </p:sp>
+      <p:sp>
+        <p:nvSpPr>
+          <p:cNvPr id="11" name="文本框 10"/>
           <p:cNvSpPr txBox="1"/>
           <p:nvPr/>
         </p:nvSpPr>
         <p:spPr>
           <a:xfrm>
-            <a:off x="2593075" y="2088108"/>
-            <a:ext cx="1127232" cy="369332"/>
+            <a:off x="1760562" y="2429303"/>
+            <a:ext cx="7847463" cy="369332"/>
           </a:xfrm>
           <a:prstGeom prst="rect">
             <a:avLst/>
@@ -5855,14 +6287,14 @@
           <a:noFill/>
         </p:spPr>
         <p:txBody>
-          <a:bodyPr wrap="none" rtlCol="0">
+          <a:bodyPr wrap="square" rtlCol="0">
             <a:spAutoFit/>
           </a:bodyPr>
           <a:lstStyle/>
           <a:p>
             <a:r>
               <a:rPr lang="zh-CN" altLang="en-US" dirty="0" smtClean="0"/>
-              <a:t>价格竞争</a:t>
+              <a:t>没有那个规则更公平</a:t>
             </a:r>
             <a:endParaRPr lang="zh-CN" altLang="en-US" dirty="0"/>
           </a:p>
@@ -5870,14 +6302,14 @@
       </p:sp>
       <p:sp>
         <p:nvSpPr>
-          <p:cNvPr id="4" name="文本框 3"/>
+          <p:cNvPr id="12" name="文本框 11"/>
           <p:cNvSpPr txBox="1"/>
           <p:nvPr/>
         </p:nvSpPr>
         <p:spPr>
           <a:xfrm>
-            <a:off x="2593075" y="2652423"/>
-            <a:ext cx="2031325" cy="369332"/>
+            <a:off x="1760562" y="1884215"/>
+            <a:ext cx="7847463" cy="369332"/>
           </a:xfrm>
           <a:prstGeom prst="rect">
             <a:avLst/>
@@ -5885,14 +6317,44 @@
           <a:noFill/>
         </p:spPr>
         <p:txBody>
-          <a:bodyPr wrap="none" rtlCol="0">
+          <a:bodyPr wrap="square" rtlCol="0">
             <a:spAutoFit/>
           </a:bodyPr>
           <a:lstStyle/>
           <a:p>
             <a:r>
               <a:rPr lang="zh-CN" altLang="en-US" dirty="0" smtClean="0"/>
-              <a:t>社会的饼越做越大</a:t>
+              <a:t>竞争必有规则</a:t>
+            </a:r>
+            <a:endParaRPr lang="zh-CN" altLang="en-US" dirty="0"/>
+          </a:p>
+        </p:txBody>
+      </p:sp>
+      <p:sp>
+        <p:nvSpPr>
+          <p:cNvPr id="13" name="文本框 12"/>
+          <p:cNvSpPr txBox="1"/>
+          <p:nvPr/>
+        </p:nvSpPr>
+        <p:spPr>
+          <a:xfrm>
+            <a:off x="1760561" y="3000866"/>
+            <a:ext cx="7847463" cy="369332"/>
+          </a:xfrm>
+          <a:prstGeom prst="rect">
+            <a:avLst/>
+          </a:prstGeom>
+          <a:noFill/>
+        </p:spPr>
+        <p:txBody>
+          <a:bodyPr wrap="square" rtlCol="0">
+            <a:spAutoFit/>
+          </a:bodyPr>
+          <a:lstStyle/>
+          <a:p>
+            <a:r>
+              <a:rPr lang="zh-CN" altLang="en-US" dirty="0" smtClean="0"/>
+              <a:t>每种竞争都有成本</a:t>
             </a:r>
             <a:endParaRPr lang="zh-CN" altLang="en-US" dirty="0"/>
           </a:p>
@@ -5901,7 +6363,7 @@
     </p:spTree>
     <p:extLst>
       <p:ext uri="{BB962C8B-B14F-4D97-AF65-F5344CB8AC3E}">
-        <p14:creationId xmlns:p14="http://schemas.microsoft.com/office/powerpoint/2010/main" val="857619583"/>
+        <p14:creationId xmlns:p14="http://schemas.microsoft.com/office/powerpoint/2010/main" val="1927548412"/>
       </p:ext>
     </p:extLst>
   </p:cSld>

--- a/火车票/火车票.pptx
+++ b/火车票/火车票.pptx
@@ -5,29 +5,44 @@
     <p:sldMasterId id="2147483648" r:id="rId1"/>
   </p:sldMasterIdLst>
   <p:sldIdLst>
-    <p:sldId id="258" r:id="rId2"/>
-    <p:sldId id="279" r:id="rId3"/>
-    <p:sldId id="280" r:id="rId4"/>
-    <p:sldId id="264" r:id="rId5"/>
-    <p:sldId id="263" r:id="rId6"/>
+    <p:sldId id="279" r:id="rId2"/>
+    <p:sldId id="280" r:id="rId3"/>
+    <p:sldId id="264" r:id="rId4"/>
+    <p:sldId id="263" r:id="rId5"/>
+    <p:sldId id="285" r:id="rId6"/>
     <p:sldId id="273" r:id="rId7"/>
-    <p:sldId id="256" r:id="rId8"/>
-    <p:sldId id="261" r:id="rId9"/>
-    <p:sldId id="259" r:id="rId10"/>
-    <p:sldId id="260" r:id="rId11"/>
-    <p:sldId id="262" r:id="rId12"/>
-    <p:sldId id="271" r:id="rId13"/>
-    <p:sldId id="276" r:id="rId14"/>
+    <p:sldId id="261" r:id="rId8"/>
+    <p:sldId id="259" r:id="rId9"/>
+    <p:sldId id="283" r:id="rId10"/>
+    <p:sldId id="284" r:id="rId11"/>
+    <p:sldId id="256" r:id="rId12"/>
+    <p:sldId id="262" r:id="rId13"/>
+    <p:sldId id="287" r:id="rId14"/>
     <p:sldId id="265" r:id="rId15"/>
-    <p:sldId id="274" r:id="rId16"/>
-    <p:sldId id="278" r:id="rId17"/>
-    <p:sldId id="266" r:id="rId18"/>
-    <p:sldId id="275" r:id="rId19"/>
-    <p:sldId id="270" r:id="rId20"/>
-    <p:sldId id="277" r:id="rId21"/>
-    <p:sldId id="281" r:id="rId22"/>
-    <p:sldId id="282" r:id="rId23"/>
-    <p:sldId id="272" r:id="rId24"/>
+    <p:sldId id="271" r:id="rId16"/>
+    <p:sldId id="294" r:id="rId17"/>
+    <p:sldId id="295" r:id="rId18"/>
+    <p:sldId id="274" r:id="rId19"/>
+    <p:sldId id="288" r:id="rId20"/>
+    <p:sldId id="289" r:id="rId21"/>
+    <p:sldId id="290" r:id="rId22"/>
+    <p:sldId id="291" r:id="rId23"/>
+    <p:sldId id="292" r:id="rId24"/>
+    <p:sldId id="296" r:id="rId25"/>
+    <p:sldId id="286" r:id="rId26"/>
+    <p:sldId id="297" r:id="rId27"/>
+    <p:sldId id="298" r:id="rId28"/>
+    <p:sldId id="299" r:id="rId29"/>
+    <p:sldId id="300" r:id="rId30"/>
+    <p:sldId id="301" r:id="rId31"/>
+    <p:sldId id="293" r:id="rId32"/>
+    <p:sldId id="276" r:id="rId33"/>
+    <p:sldId id="275" r:id="rId34"/>
+    <p:sldId id="270" r:id="rId35"/>
+    <p:sldId id="277" r:id="rId36"/>
+    <p:sldId id="281" r:id="rId37"/>
+    <p:sldId id="282" r:id="rId38"/>
+    <p:sldId id="272" r:id="rId39"/>
   </p:sldIdLst>
   <p:sldSz cx="12192000" cy="6858000"/>
   <p:notesSz cx="6858000" cy="9144000"/>
@@ -265,7 +280,7 @@
           <a:p>
             <a:fld id="{BBADCC27-5C76-44BF-90BC-478D7AEA318F}" type="datetimeFigureOut">
               <a:rPr lang="zh-CN" altLang="en-US" smtClean="0"/>
-              <a:t>2017/7/26</a:t>
+              <a:t>2017/7/26 Wednesday</a:t>
             </a:fld>
             <a:endParaRPr lang="zh-CN" altLang="en-US"/>
           </a:p>
@@ -435,7 +450,7 @@
           <a:p>
             <a:fld id="{BBADCC27-5C76-44BF-90BC-478D7AEA318F}" type="datetimeFigureOut">
               <a:rPr lang="zh-CN" altLang="en-US" smtClean="0"/>
-              <a:t>2017/7/26</a:t>
+              <a:t>2017/7/26 Wednesday</a:t>
             </a:fld>
             <a:endParaRPr lang="zh-CN" altLang="en-US"/>
           </a:p>
@@ -615,7 +630,7 @@
           <a:p>
             <a:fld id="{BBADCC27-5C76-44BF-90BC-478D7AEA318F}" type="datetimeFigureOut">
               <a:rPr lang="zh-CN" altLang="en-US" smtClean="0"/>
-              <a:t>2017/7/26</a:t>
+              <a:t>2017/7/26 Wednesday</a:t>
             </a:fld>
             <a:endParaRPr lang="zh-CN" altLang="en-US"/>
           </a:p>
@@ -785,7 +800,7 @@
           <a:p>
             <a:fld id="{BBADCC27-5C76-44BF-90BC-478D7AEA318F}" type="datetimeFigureOut">
               <a:rPr lang="zh-CN" altLang="en-US" smtClean="0"/>
-              <a:t>2017/7/26</a:t>
+              <a:t>2017/7/26 Wednesday</a:t>
             </a:fld>
             <a:endParaRPr lang="zh-CN" altLang="en-US"/>
           </a:p>
@@ -1031,7 +1046,7 @@
           <a:p>
             <a:fld id="{BBADCC27-5C76-44BF-90BC-478D7AEA318F}" type="datetimeFigureOut">
               <a:rPr lang="zh-CN" altLang="en-US" smtClean="0"/>
-              <a:t>2017/7/26</a:t>
+              <a:t>2017/7/26 Wednesday</a:t>
             </a:fld>
             <a:endParaRPr lang="zh-CN" altLang="en-US"/>
           </a:p>
@@ -1263,7 +1278,7 @@
           <a:p>
             <a:fld id="{BBADCC27-5C76-44BF-90BC-478D7AEA318F}" type="datetimeFigureOut">
               <a:rPr lang="zh-CN" altLang="en-US" smtClean="0"/>
-              <a:t>2017/7/26</a:t>
+              <a:t>2017/7/26 Wednesday</a:t>
             </a:fld>
             <a:endParaRPr lang="zh-CN" altLang="en-US"/>
           </a:p>
@@ -1630,7 +1645,7 @@
           <a:p>
             <a:fld id="{BBADCC27-5C76-44BF-90BC-478D7AEA318F}" type="datetimeFigureOut">
               <a:rPr lang="zh-CN" altLang="en-US" smtClean="0"/>
-              <a:t>2017/7/26</a:t>
+              <a:t>2017/7/26 Wednesday</a:t>
             </a:fld>
             <a:endParaRPr lang="zh-CN" altLang="en-US"/>
           </a:p>
@@ -1748,7 +1763,7 @@
           <a:p>
             <a:fld id="{BBADCC27-5C76-44BF-90BC-478D7AEA318F}" type="datetimeFigureOut">
               <a:rPr lang="zh-CN" altLang="en-US" smtClean="0"/>
-              <a:t>2017/7/26</a:t>
+              <a:t>2017/7/26 Wednesday</a:t>
             </a:fld>
             <a:endParaRPr lang="zh-CN" altLang="en-US"/>
           </a:p>
@@ -1843,7 +1858,7 @@
           <a:p>
             <a:fld id="{BBADCC27-5C76-44BF-90BC-478D7AEA318F}" type="datetimeFigureOut">
               <a:rPr lang="zh-CN" altLang="en-US" smtClean="0"/>
-              <a:t>2017/7/26</a:t>
+              <a:t>2017/7/26 Wednesday</a:t>
             </a:fld>
             <a:endParaRPr lang="zh-CN" altLang="en-US"/>
           </a:p>
@@ -2120,7 +2135,7 @@
           <a:p>
             <a:fld id="{BBADCC27-5C76-44BF-90BC-478D7AEA318F}" type="datetimeFigureOut">
               <a:rPr lang="zh-CN" altLang="en-US" smtClean="0"/>
-              <a:t>2017/7/26</a:t>
+              <a:t>2017/7/26 Wednesday</a:t>
             </a:fld>
             <a:endParaRPr lang="zh-CN" altLang="en-US"/>
           </a:p>
@@ -2373,7 +2388,7 @@
           <a:p>
             <a:fld id="{BBADCC27-5C76-44BF-90BC-478D7AEA318F}" type="datetimeFigureOut">
               <a:rPr lang="zh-CN" altLang="en-US" smtClean="0"/>
-              <a:t>2017/7/26</a:t>
+              <a:t>2017/7/26 Wednesday</a:t>
             </a:fld>
             <a:endParaRPr lang="zh-CN" altLang="en-US"/>
           </a:p>
@@ -2586,7 +2601,7 @@
           <a:p>
             <a:fld id="{BBADCC27-5C76-44BF-90BC-478D7AEA318F}" type="datetimeFigureOut">
               <a:rPr lang="zh-CN" altLang="en-US" smtClean="0"/>
-              <a:t>2017/7/26</a:t>
+              <a:t>2017/7/26 Wednesday</a:t>
             </a:fld>
             <a:endParaRPr lang="zh-CN" altLang="en-US"/>
           </a:p>
@@ -2993,13 +3008,43 @@
       </p:grpSpPr>
       <p:sp>
         <p:nvSpPr>
+          <p:cNvPr id="2" name="标题 1"/>
+          <p:cNvSpPr>
+            <a:spLocks noGrp="1"/>
+          </p:cNvSpPr>
+          <p:nvPr>
+            <p:ph type="ctrTitle"/>
+          </p:nvPr>
+        </p:nvSpPr>
+        <p:spPr>
+          <a:xfrm>
+            <a:off x="1401169" y="1733267"/>
+            <a:ext cx="9144000" cy="1053366"/>
+          </a:xfrm>
+        </p:spPr>
+        <p:txBody>
+          <a:bodyPr>
+            <a:normAutofit/>
+          </a:bodyPr>
+          <a:lstStyle/>
+          <a:p>
+            <a:r>
+              <a:rPr lang="zh-CN" altLang="en-US" dirty="0" smtClean="0"/>
+              <a:t>火车票价还不够高</a:t>
+            </a:r>
+            <a:endParaRPr lang="zh-CN" altLang="en-US" dirty="0"/>
+          </a:p>
+        </p:txBody>
+      </p:sp>
+      <p:sp>
+        <p:nvSpPr>
           <p:cNvPr id="3" name="矩形 2"/>
           <p:cNvSpPr/>
           <p:nvPr/>
         </p:nvSpPr>
         <p:spPr>
           <a:xfrm>
-            <a:off x="2477693" y="482222"/>
+            <a:off x="3261465" y="3107856"/>
             <a:ext cx="5423408" cy="369332"/>
           </a:xfrm>
           <a:prstGeom prst="rect">
@@ -3015,6 +3060,40 @@
             <a:r>
               <a:rPr lang="zh-CN" altLang="en-US" dirty="0" smtClean="0"/>
               <a:t>http://opinion.hexun.com/2012-04-26/140833772.html</a:t>
+            </a:r>
+            <a:endParaRPr lang="zh-CN" altLang="en-US" dirty="0"/>
+          </a:p>
+        </p:txBody>
+      </p:sp>
+      <p:sp>
+        <p:nvSpPr>
+          <p:cNvPr id="4" name="矩形 3"/>
+          <p:cNvSpPr/>
+          <p:nvPr/>
+        </p:nvSpPr>
+        <p:spPr>
+          <a:xfrm>
+            <a:off x="3034353" y="3610803"/>
+            <a:ext cx="6096000" cy="646331"/>
+          </a:xfrm>
+          <a:prstGeom prst="rect">
+            <a:avLst/>
+          </a:prstGeom>
+        </p:spPr>
+        <p:txBody>
+          <a:bodyPr>
+            <a:spAutoFit/>
+          </a:bodyPr>
+          <a:lstStyle/>
+          <a:p>
+            <a:r>
+              <a:rPr lang="zh-CN" altLang="en-US" dirty="0">
+                <a:solidFill>
+                  <a:srgbClr val="000000"/>
+                </a:solidFill>
+                <a:latin typeface="宋体" panose="02010600030101010101" pitchFamily="2" charset="-122"/>
+              </a:rPr>
+              <a:t>春运现象是学习价格理论和研究公共政策的优良范本，值得每一位对经济、舆论、政策等领域感兴趣的朋友深思。</a:t>
             </a:r>
             <a:endParaRPr lang="zh-CN" altLang="en-US" dirty="0"/>
           </a:p>
@@ -3023,7 +3102,7 @@
     </p:spTree>
     <p:extLst>
       <p:ext uri="{BB962C8B-B14F-4D97-AF65-F5344CB8AC3E}">
-        <p14:creationId xmlns:p14="http://schemas.microsoft.com/office/powerpoint/2010/main" val="190020707"/>
+        <p14:creationId xmlns:p14="http://schemas.microsoft.com/office/powerpoint/2010/main" val="2005243472"/>
       </p:ext>
     </p:extLst>
   </p:cSld>
@@ -3067,23 +3146,274 @@
           </a:xfrm>
         </p:spPr>
         <p:txBody>
-          <a:bodyPr>
-            <a:normAutofit/>
-          </a:bodyPr>
-          <a:lstStyle/>
-          <a:p>
-            <a:r>
-              <a:rPr lang="zh-CN" altLang="en-US" sz="3600" dirty="0" smtClean="0"/>
-              <a:t>许多竞争规则，其他人难以获益</a:t>
-            </a:r>
-            <a:endParaRPr lang="zh-CN" altLang="en-US" sz="3600" dirty="0"/>
+          <a:bodyPr/>
+          <a:lstStyle/>
+          <a:p>
+            <a:r>
+              <a:rPr lang="zh-CN" altLang="en-US" dirty="0"/>
+              <a:t>短缺</a:t>
+            </a:r>
+            <a:r>
+              <a:rPr lang="zh-CN" altLang="en-US" dirty="0" smtClean="0"/>
+              <a:t>和过剩</a:t>
+            </a:r>
+            <a:endParaRPr lang="zh-CN" altLang="en-US" dirty="0"/>
+          </a:p>
+        </p:txBody>
+      </p:sp>
+      <p:sp>
+        <p:nvSpPr>
+          <p:cNvPr id="3" name="矩形 2"/>
+          <p:cNvSpPr/>
+          <p:nvPr/>
+        </p:nvSpPr>
+        <p:spPr>
+          <a:xfrm>
+            <a:off x="1041778" y="5437580"/>
+            <a:ext cx="10449637" cy="646331"/>
+          </a:xfrm>
+          <a:prstGeom prst="rect">
+            <a:avLst/>
+          </a:prstGeom>
+        </p:spPr>
+        <p:txBody>
+          <a:bodyPr wrap="square">
+            <a:spAutoFit/>
+          </a:bodyPr>
+          <a:lstStyle/>
+          <a:p>
+            <a:r>
+              <a:rPr lang="zh-CN" altLang="en-US" dirty="0">
+                <a:solidFill>
+                  <a:srgbClr val="000000"/>
+                </a:solidFill>
+                <a:latin typeface="宋体" panose="02010600030101010101" pitchFamily="2" charset="-122"/>
+              </a:rPr>
+              <a:t>任何商品，因为人们的需求没有止境，所以只要价格过低，就会出现短缺。消除短缺的唯一办法，就是把价格提到足够高。</a:t>
+            </a:r>
+            <a:endParaRPr lang="zh-CN" altLang="en-US" dirty="0"/>
+          </a:p>
+        </p:txBody>
+      </p:sp>
+      <p:sp>
+        <p:nvSpPr>
+          <p:cNvPr id="5" name="矩形 4"/>
+          <p:cNvSpPr/>
+          <p:nvPr/>
+        </p:nvSpPr>
+        <p:spPr>
+          <a:xfrm>
+            <a:off x="1742363" y="1708459"/>
+            <a:ext cx="10449637" cy="369332"/>
+          </a:xfrm>
+          <a:prstGeom prst="rect">
+            <a:avLst/>
+          </a:prstGeom>
+        </p:spPr>
+        <p:txBody>
+          <a:bodyPr wrap="square">
+            <a:spAutoFit/>
+          </a:bodyPr>
+          <a:lstStyle/>
+          <a:p>
+            <a:r>
+              <a:rPr lang="en-US" altLang="zh-CN" dirty="0" smtClean="0">
+                <a:solidFill>
+                  <a:srgbClr val="000000"/>
+                </a:solidFill>
+                <a:latin typeface="宋体" panose="02010600030101010101" pitchFamily="2" charset="-122"/>
+              </a:rPr>
+              <a:t>1.</a:t>
+            </a:r>
+            <a:r>
+              <a:rPr lang="zh-CN" altLang="en-US" dirty="0" smtClean="0">
+                <a:solidFill>
+                  <a:srgbClr val="000000"/>
+                </a:solidFill>
+                <a:latin typeface="宋体" panose="02010600030101010101" pitchFamily="2" charset="-122"/>
+              </a:rPr>
+              <a:t>稀缺与短缺的关系</a:t>
+            </a:r>
+            <a:endParaRPr lang="zh-CN" altLang="en-US" dirty="0"/>
+          </a:p>
+        </p:txBody>
+      </p:sp>
+      <p:sp>
+        <p:nvSpPr>
+          <p:cNvPr id="7" name="矩形 6"/>
+          <p:cNvSpPr/>
+          <p:nvPr/>
+        </p:nvSpPr>
+        <p:spPr>
+          <a:xfrm>
+            <a:off x="1742363" y="2392493"/>
+            <a:ext cx="10449637" cy="646331"/>
+          </a:xfrm>
+          <a:prstGeom prst="rect">
+            <a:avLst/>
+          </a:prstGeom>
+        </p:spPr>
+        <p:txBody>
+          <a:bodyPr wrap="square">
+            <a:spAutoFit/>
+          </a:bodyPr>
+          <a:lstStyle/>
+          <a:p>
+            <a:r>
+              <a:rPr lang="en-US" altLang="zh-CN" dirty="0">
+                <a:solidFill>
+                  <a:srgbClr val="000000"/>
+                </a:solidFill>
+                <a:latin typeface="宋体" panose="02010600030101010101" pitchFamily="2" charset="-122"/>
+              </a:rPr>
+              <a:t>2</a:t>
+            </a:r>
+            <a:r>
+              <a:rPr lang="en-US" altLang="zh-CN" dirty="0" smtClean="0">
+                <a:solidFill>
+                  <a:srgbClr val="000000"/>
+                </a:solidFill>
+                <a:latin typeface="宋体" panose="02010600030101010101" pitchFamily="2" charset="-122"/>
+              </a:rPr>
+              <a:t>.</a:t>
+            </a:r>
+            <a:r>
+              <a:rPr lang="zh-CN" altLang="en-US" dirty="0" smtClean="0">
+                <a:solidFill>
+                  <a:srgbClr val="000000"/>
+                </a:solidFill>
+                <a:latin typeface="宋体" panose="02010600030101010101" pitchFamily="2" charset="-122"/>
+              </a:rPr>
+              <a:t>短缺是因为价格受到限制</a:t>
+            </a:r>
+            <a:endParaRPr lang="en-US" altLang="zh-CN" dirty="0" smtClean="0">
+              <a:solidFill>
+                <a:srgbClr val="000000"/>
+              </a:solidFill>
+              <a:latin typeface="宋体" panose="02010600030101010101" pitchFamily="2" charset="-122"/>
+            </a:endParaRPr>
+          </a:p>
+          <a:p>
+            <a:r>
+              <a:rPr lang="en-US" altLang="zh-CN" dirty="0" smtClean="0">
+                <a:solidFill>
+                  <a:srgbClr val="000000"/>
+                </a:solidFill>
+                <a:latin typeface="宋体" panose="02010600030101010101" pitchFamily="2" charset="-122"/>
+              </a:rPr>
+              <a:t>	</a:t>
+            </a:r>
+            <a:r>
+              <a:rPr lang="zh-CN" altLang="en-US" dirty="0" smtClean="0">
+                <a:solidFill>
+                  <a:srgbClr val="000000"/>
+                </a:solidFill>
+                <a:latin typeface="宋体" panose="02010600030101010101" pitchFamily="2" charset="-122"/>
+              </a:rPr>
+              <a:t>打车，春运，计划经济（凭票）</a:t>
+            </a:r>
+            <a:endParaRPr lang="zh-CN" altLang="en-US" dirty="0"/>
+          </a:p>
+        </p:txBody>
+      </p:sp>
+      <p:sp>
+        <p:nvSpPr>
+          <p:cNvPr id="8" name="矩形 7"/>
+          <p:cNvSpPr/>
+          <p:nvPr/>
+        </p:nvSpPr>
+        <p:spPr>
+          <a:xfrm>
+            <a:off x="1742363" y="3353526"/>
+            <a:ext cx="10449637" cy="1200329"/>
+          </a:xfrm>
+          <a:prstGeom prst="rect">
+            <a:avLst/>
+          </a:prstGeom>
+        </p:spPr>
+        <p:txBody>
+          <a:bodyPr wrap="square">
+            <a:spAutoFit/>
+          </a:bodyPr>
+          <a:lstStyle/>
+          <a:p>
+            <a:r>
+              <a:rPr lang="en-US" altLang="zh-CN" dirty="0" smtClean="0">
+                <a:solidFill>
+                  <a:srgbClr val="000000"/>
+                </a:solidFill>
+                <a:latin typeface="宋体" panose="02010600030101010101" pitchFamily="2" charset="-122"/>
+              </a:rPr>
+              <a:t>3.</a:t>
+            </a:r>
+            <a:r>
+              <a:rPr lang="zh-CN" altLang="en-US" dirty="0" smtClean="0">
+                <a:solidFill>
+                  <a:srgbClr val="000000"/>
+                </a:solidFill>
+                <a:latin typeface="宋体" panose="02010600030101010101" pitchFamily="2" charset="-122"/>
+              </a:rPr>
+              <a:t>过剩是价格被人拔高的结果</a:t>
+            </a:r>
+            <a:endParaRPr lang="en-US" altLang="zh-CN" dirty="0" smtClean="0">
+              <a:solidFill>
+                <a:srgbClr val="000000"/>
+              </a:solidFill>
+              <a:latin typeface="宋体" panose="02010600030101010101" pitchFamily="2" charset="-122"/>
+            </a:endParaRPr>
+          </a:p>
+          <a:p>
+            <a:r>
+              <a:rPr lang="en-US" altLang="zh-CN" dirty="0">
+                <a:solidFill>
+                  <a:srgbClr val="000000"/>
+                </a:solidFill>
+                <a:latin typeface="宋体" panose="02010600030101010101" pitchFamily="2" charset="-122"/>
+              </a:rPr>
+              <a:t>	</a:t>
+            </a:r>
+            <a:r>
+              <a:rPr lang="zh-CN" altLang="en-US" dirty="0" smtClean="0">
+                <a:solidFill>
+                  <a:srgbClr val="000000"/>
+                </a:solidFill>
+                <a:latin typeface="宋体" panose="02010600030101010101" pitchFamily="2" charset="-122"/>
+              </a:rPr>
+              <a:t>价格被人为哄抬，以至于卖家不能仅仅通过价格把东西卖出去，还要加上其他竞争手段</a:t>
+            </a:r>
+            <a:endParaRPr lang="en-US" altLang="zh-CN" dirty="0" smtClean="0">
+              <a:solidFill>
+                <a:srgbClr val="000000"/>
+              </a:solidFill>
+              <a:latin typeface="宋体" panose="02010600030101010101" pitchFamily="2" charset="-122"/>
+            </a:endParaRPr>
+          </a:p>
+          <a:p>
+            <a:endParaRPr lang="en-US" altLang="zh-CN" dirty="0" smtClean="0">
+              <a:solidFill>
+                <a:srgbClr val="000000"/>
+              </a:solidFill>
+              <a:latin typeface="宋体" panose="02010600030101010101" pitchFamily="2" charset="-122"/>
+            </a:endParaRPr>
+          </a:p>
+          <a:p>
+            <a:r>
+              <a:rPr lang="zh-CN" altLang="en-US" dirty="0" smtClean="0">
+                <a:solidFill>
+                  <a:srgbClr val="000000"/>
+                </a:solidFill>
+                <a:latin typeface="宋体" panose="02010600030101010101" pitchFamily="2" charset="-122"/>
+              </a:rPr>
+              <a:t>农产品</a:t>
+            </a:r>
+            <a:endParaRPr lang="zh-CN" altLang="en-US" dirty="0"/>
           </a:p>
         </p:txBody>
       </p:sp>
     </p:spTree>
     <p:extLst>
       <p:ext uri="{BB962C8B-B14F-4D97-AF65-F5344CB8AC3E}">
-        <p14:creationId xmlns:p14="http://schemas.microsoft.com/office/powerpoint/2010/main" val="976689104"/>
+        <p14:creationId xmlns:p14="http://schemas.microsoft.com/office/powerpoint/2010/main" val="472286259"/>
       </p:ext>
     </p:extLst>
   </p:cSld>
@@ -3127,29 +3457,27 @@
           </a:xfrm>
         </p:spPr>
         <p:txBody>
-          <a:bodyPr>
-            <a:normAutofit/>
-          </a:bodyPr>
-          <a:lstStyle/>
-          <a:p>
-            <a:r>
-              <a:rPr lang="zh-CN" altLang="en-US" sz="3600" dirty="0" smtClean="0"/>
-              <a:t>价高者的，社会财富增加</a:t>
-            </a:r>
-            <a:endParaRPr lang="zh-CN" altLang="en-US" sz="3600" dirty="0"/>
-          </a:p>
-        </p:txBody>
-      </p:sp>
-      <p:sp>
-        <p:nvSpPr>
-          <p:cNvPr id="3" name="文本框 2"/>
+          <a:bodyPr/>
+          <a:lstStyle/>
+          <a:p>
+            <a:r>
+              <a:rPr lang="zh-CN" altLang="en-US" dirty="0" smtClean="0"/>
+              <a:t>寻租</a:t>
+            </a:r>
+            <a:endParaRPr lang="zh-CN" altLang="en-US" dirty="0"/>
+          </a:p>
+        </p:txBody>
+      </p:sp>
+      <p:sp>
+        <p:nvSpPr>
+          <p:cNvPr id="5" name="文本框 4"/>
           <p:cNvSpPr txBox="1"/>
           <p:nvPr/>
         </p:nvSpPr>
         <p:spPr>
           <a:xfrm>
-            <a:off x="2593075" y="2088108"/>
-            <a:ext cx="1127232" cy="369332"/>
+            <a:off x="2745473" y="2047166"/>
+            <a:ext cx="7847463" cy="369332"/>
           </a:xfrm>
           <a:prstGeom prst="rect">
             <a:avLst/>
@@ -3157,44 +3485,14 @@
           <a:noFill/>
         </p:spPr>
         <p:txBody>
-          <a:bodyPr wrap="none" rtlCol="0">
+          <a:bodyPr wrap="square" rtlCol="0">
             <a:spAutoFit/>
           </a:bodyPr>
           <a:lstStyle/>
           <a:p>
             <a:r>
               <a:rPr lang="zh-CN" altLang="en-US" dirty="0" smtClean="0"/>
-              <a:t>价格竞争</a:t>
-            </a:r>
-            <a:endParaRPr lang="zh-CN" altLang="en-US" dirty="0"/>
-          </a:p>
-        </p:txBody>
-      </p:sp>
-      <p:sp>
-        <p:nvSpPr>
-          <p:cNvPr id="4" name="文本框 3"/>
-          <p:cNvSpPr txBox="1"/>
-          <p:nvPr/>
-        </p:nvSpPr>
-        <p:spPr>
-          <a:xfrm>
-            <a:off x="2593075" y="2652423"/>
-            <a:ext cx="2031325" cy="369332"/>
-          </a:xfrm>
-          <a:prstGeom prst="rect">
-            <a:avLst/>
-          </a:prstGeom>
-          <a:noFill/>
-        </p:spPr>
-        <p:txBody>
-          <a:bodyPr wrap="none" rtlCol="0">
-            <a:spAutoFit/>
-          </a:bodyPr>
-          <a:lstStyle/>
-          <a:p>
-            <a:r>
-              <a:rPr lang="zh-CN" altLang="en-US" dirty="0" smtClean="0"/>
-              <a:t>社会的饼越做越大</a:t>
+              <a:t>无谓的损失，其他人不能从中得到任何好处的付出</a:t>
             </a:r>
             <a:endParaRPr lang="zh-CN" altLang="en-US" dirty="0"/>
           </a:p>
@@ -3203,7 +3501,7 @@
     </p:spTree>
     <p:extLst>
       <p:ext uri="{BB962C8B-B14F-4D97-AF65-F5344CB8AC3E}">
-        <p14:creationId xmlns:p14="http://schemas.microsoft.com/office/powerpoint/2010/main" val="857619583"/>
+        <p14:creationId xmlns:p14="http://schemas.microsoft.com/office/powerpoint/2010/main" val="1842169803"/>
       </p:ext>
     </p:extLst>
   </p:cSld>
@@ -3232,44 +3530,52 @@
       </p:grpSpPr>
       <p:sp>
         <p:nvSpPr>
-          <p:cNvPr id="6" name="文本框 5"/>
+          <p:cNvPr id="2" name="标题 1"/>
+          <p:cNvSpPr>
+            <a:spLocks noGrp="1"/>
+          </p:cNvSpPr>
+          <p:nvPr>
+            <p:ph type="ctrTitle"/>
+          </p:nvPr>
+        </p:nvSpPr>
+        <p:spPr>
+          <a:xfrm>
+            <a:off x="1305635" y="655093"/>
+            <a:ext cx="9144000" cy="1053366"/>
+          </a:xfrm>
+        </p:spPr>
+        <p:txBody>
+          <a:bodyPr>
+            <a:normAutofit/>
+          </a:bodyPr>
+          <a:lstStyle/>
+          <a:p>
+            <a:r>
+              <a:rPr lang="zh-CN" altLang="en-US" sz="3600" dirty="0" smtClean="0"/>
+              <a:t>价高</a:t>
+            </a:r>
+            <a:r>
+              <a:rPr lang="zh-CN" altLang="en-US" sz="3600" dirty="0" smtClean="0"/>
+              <a:t>者得，</a:t>
+            </a:r>
+            <a:r>
+              <a:rPr lang="zh-CN" altLang="en-US" sz="3600" dirty="0" smtClean="0"/>
+              <a:t>社会财富增加</a:t>
+            </a:r>
+            <a:endParaRPr lang="zh-CN" altLang="en-US" sz="3600" dirty="0"/>
+          </a:p>
+        </p:txBody>
+      </p:sp>
+      <p:sp>
+        <p:nvSpPr>
+          <p:cNvPr id="3" name="文本框 2"/>
           <p:cNvSpPr txBox="1"/>
           <p:nvPr/>
         </p:nvSpPr>
         <p:spPr>
           <a:xfrm>
-            <a:off x="2963838" y="860651"/>
-            <a:ext cx="7681416" cy="646331"/>
-          </a:xfrm>
-          <a:prstGeom prst="rect">
-            <a:avLst/>
-          </a:prstGeom>
-          <a:noFill/>
-        </p:spPr>
-        <p:txBody>
-          <a:bodyPr wrap="square" rtlCol="0">
-            <a:spAutoFit/>
-          </a:bodyPr>
-          <a:lstStyle/>
-          <a:p>
-            <a:r>
-              <a:rPr lang="zh-CN" altLang="en-US" sz="3600" dirty="0" smtClean="0"/>
-              <a:t>火车票价格到底高不高</a:t>
-            </a:r>
-            <a:endParaRPr lang="zh-CN" altLang="en-US" sz="3600" dirty="0"/>
-          </a:p>
-        </p:txBody>
-      </p:sp>
-      <p:sp>
-        <p:nvSpPr>
-          <p:cNvPr id="9" name="文本框 8"/>
-          <p:cNvSpPr txBox="1"/>
-          <p:nvPr/>
-        </p:nvSpPr>
-        <p:spPr>
-          <a:xfrm>
-            <a:off x="2963838" y="1715405"/>
-            <a:ext cx="877163" cy="369332"/>
+            <a:off x="2593075" y="2088108"/>
+            <a:ext cx="1127232" cy="369332"/>
           </a:xfrm>
           <a:prstGeom prst="rect">
             <a:avLst/>
@@ -3284,7 +3590,37 @@
           <a:p>
             <a:r>
               <a:rPr lang="zh-CN" altLang="en-US" dirty="0" smtClean="0"/>
-              <a:t>回家难</a:t>
+              <a:t>价格竞争</a:t>
+            </a:r>
+            <a:endParaRPr lang="zh-CN" altLang="en-US" dirty="0"/>
+          </a:p>
+        </p:txBody>
+      </p:sp>
+      <p:sp>
+        <p:nvSpPr>
+          <p:cNvPr id="4" name="文本框 3"/>
+          <p:cNvSpPr txBox="1"/>
+          <p:nvPr/>
+        </p:nvSpPr>
+        <p:spPr>
+          <a:xfrm>
+            <a:off x="2593075" y="2652423"/>
+            <a:ext cx="2031325" cy="369332"/>
+          </a:xfrm>
+          <a:prstGeom prst="rect">
+            <a:avLst/>
+          </a:prstGeom>
+          <a:noFill/>
+        </p:spPr>
+        <p:txBody>
+          <a:bodyPr wrap="none" rtlCol="0">
+            <a:spAutoFit/>
+          </a:bodyPr>
+          <a:lstStyle/>
+          <a:p>
+            <a:r>
+              <a:rPr lang="zh-CN" altLang="en-US" dirty="0" smtClean="0"/>
+              <a:t>社会的饼越做越大</a:t>
             </a:r>
             <a:endParaRPr lang="zh-CN" altLang="en-US" dirty="0"/>
           </a:p>
@@ -3293,20 +3629,13 @@
     </p:spTree>
     <p:extLst>
       <p:ext uri="{BB962C8B-B14F-4D97-AF65-F5344CB8AC3E}">
-        <p14:creationId xmlns:p14="http://schemas.microsoft.com/office/powerpoint/2010/main" val="3516438114"/>
+        <p14:creationId xmlns:p14="http://schemas.microsoft.com/office/powerpoint/2010/main" val="857619583"/>
       </p:ext>
     </p:extLst>
   </p:cSld>
   <p:clrMapOvr>
     <a:masterClrMapping/>
   </p:clrMapOvr>
-  <p:timing>
-    <p:tnLst>
-      <p:par>
-        <p:cTn id="1" dur="indefinite" restart="never" nodeType="tmRoot"/>
-      </p:par>
-    </p:tnLst>
-  </p:timing>
 </p:sld>
 </file>
 
@@ -3329,147 +3658,141 @@
       </p:grpSpPr>
       <p:sp>
         <p:nvSpPr>
-          <p:cNvPr id="6" name="文本框 5"/>
-          <p:cNvSpPr txBox="1"/>
-          <p:nvPr/>
-        </p:nvSpPr>
-        <p:spPr>
-          <a:xfrm>
-            <a:off x="2963838" y="860651"/>
-            <a:ext cx="7681416" cy="1200329"/>
-          </a:xfrm>
-          <a:prstGeom prst="rect">
-            <a:avLst/>
-          </a:prstGeom>
-          <a:noFill/>
-        </p:spPr>
-        <p:txBody>
-          <a:bodyPr wrap="square" rtlCol="0">
+          <p:cNvPr id="2" name="矩形 1"/>
+          <p:cNvSpPr/>
+          <p:nvPr/>
+        </p:nvSpPr>
+        <p:spPr>
+          <a:xfrm>
+            <a:off x="529759" y="346389"/>
+            <a:ext cx="5593198" cy="923330"/>
+          </a:xfrm>
+          <a:prstGeom prst="rect">
+            <a:avLst/>
+          </a:prstGeom>
+        </p:spPr>
+        <p:txBody>
+          <a:bodyPr wrap="none">
             <a:spAutoFit/>
           </a:bodyPr>
           <a:lstStyle/>
           <a:p>
-            <a:r>
-              <a:rPr lang="zh-CN" altLang="en-US" sz="3600" dirty="0"/>
-              <a:t>为什么火车票价格不能</a:t>
-            </a:r>
-            <a:r>
-              <a:rPr lang="zh-CN" altLang="en-US" sz="3600" dirty="0" smtClean="0"/>
-              <a:t>上涨</a:t>
-            </a:r>
-            <a:endParaRPr lang="en-US" altLang="zh-CN" sz="3600" dirty="0" smtClean="0"/>
-          </a:p>
-          <a:p>
-            <a:r>
-              <a:rPr lang="zh-CN" altLang="en-US" sz="3600" dirty="0" smtClean="0"/>
-              <a:t>价格管制原因（</a:t>
-            </a:r>
-            <a:r>
-              <a:rPr lang="en-US" altLang="zh-CN" sz="3600" dirty="0" smtClean="0"/>
-              <a:t>12</a:t>
-            </a:r>
-            <a:r>
-              <a:rPr lang="zh-CN" altLang="en-US" sz="3600" dirty="0" smtClean="0"/>
-              <a:t>周问答）</a:t>
-            </a:r>
-            <a:endParaRPr lang="zh-CN" altLang="en-US" sz="3600" dirty="0"/>
-          </a:p>
-        </p:txBody>
-      </p:sp>
-      <p:sp>
-        <p:nvSpPr>
-          <p:cNvPr id="4" name="文本框 3"/>
-          <p:cNvSpPr txBox="1"/>
-          <p:nvPr/>
-        </p:nvSpPr>
-        <p:spPr>
-          <a:xfrm>
-            <a:off x="3118763" y="2320119"/>
-            <a:ext cx="646331" cy="369332"/>
-          </a:xfrm>
-          <a:prstGeom prst="rect">
-            <a:avLst/>
-          </a:prstGeom>
-          <a:noFill/>
-        </p:spPr>
-        <p:txBody>
-          <a:bodyPr wrap="none" rtlCol="0">
+            <a:pPr algn="ctr">
+              <a:lnSpc>
+                <a:spcPct val="90000"/>
+              </a:lnSpc>
+              <a:spcBef>
+                <a:spcPct val="0"/>
+              </a:spcBef>
+            </a:pPr>
+            <a:r>
+              <a:rPr lang="zh-CN" altLang="en-US" sz="6000" b="1" dirty="0">
+                <a:latin typeface="+mj-lt"/>
+                <a:ea typeface="+mj-ea"/>
+                <a:cs typeface="+mj-cs"/>
+              </a:rPr>
+              <a:t>回家过年是</a:t>
+            </a:r>
+            <a:r>
+              <a:rPr lang="zh-CN" altLang="en-US" sz="6000" b="1" dirty="0" smtClean="0">
+                <a:latin typeface="+mj-lt"/>
+                <a:ea typeface="+mj-ea"/>
+                <a:cs typeface="+mj-cs"/>
+              </a:rPr>
+              <a:t>商品</a:t>
+            </a:r>
+            <a:endParaRPr lang="zh-CN" altLang="en-US" sz="6000" b="1" dirty="0">
+              <a:latin typeface="+mj-lt"/>
+              <a:ea typeface="+mj-ea"/>
+              <a:cs typeface="+mj-cs"/>
+            </a:endParaRPr>
+          </a:p>
+        </p:txBody>
+      </p:sp>
+      <p:sp>
+        <p:nvSpPr>
+          <p:cNvPr id="3" name="矩形 2"/>
+          <p:cNvSpPr/>
+          <p:nvPr/>
+        </p:nvSpPr>
+        <p:spPr>
+          <a:xfrm>
+            <a:off x="529759" y="1642491"/>
+            <a:ext cx="11398384" cy="4154984"/>
+          </a:xfrm>
+          <a:prstGeom prst="rect">
+            <a:avLst/>
+          </a:prstGeom>
+        </p:spPr>
+        <p:txBody>
+          <a:bodyPr wrap="square">
             <a:spAutoFit/>
           </a:bodyPr>
           <a:lstStyle/>
           <a:p>
             <a:r>
-              <a:rPr lang="zh-CN" altLang="en-US" dirty="0" smtClean="0"/>
-              <a:t>维稳</a:t>
-            </a:r>
-            <a:endParaRPr lang="zh-CN" altLang="en-US" dirty="0"/>
-          </a:p>
-        </p:txBody>
-      </p:sp>
-      <p:sp>
-        <p:nvSpPr>
-          <p:cNvPr id="7" name="文本框 6"/>
-          <p:cNvSpPr txBox="1"/>
-          <p:nvPr/>
-        </p:nvSpPr>
-        <p:spPr>
-          <a:xfrm>
-            <a:off x="3100315" y="2884395"/>
-            <a:ext cx="2829621" cy="369332"/>
-          </a:xfrm>
-          <a:prstGeom prst="rect">
-            <a:avLst/>
-          </a:prstGeom>
-          <a:noFill/>
-        </p:spPr>
-        <p:txBody>
-          <a:bodyPr wrap="none" rtlCol="0">
-            <a:spAutoFit/>
-          </a:bodyPr>
-          <a:lstStyle/>
-          <a:p>
-            <a:r>
-              <a:rPr lang="zh-CN" altLang="en-US" dirty="0" smtClean="0"/>
-              <a:t>既得利益者， 学生， 官员</a:t>
-            </a:r>
-            <a:endParaRPr lang="zh-CN" altLang="en-US" dirty="0"/>
-          </a:p>
-        </p:txBody>
-      </p:sp>
-      <p:sp>
-        <p:nvSpPr>
-          <p:cNvPr id="8" name="文本框 7"/>
-          <p:cNvSpPr txBox="1"/>
-          <p:nvPr/>
-        </p:nvSpPr>
-        <p:spPr>
-          <a:xfrm>
-            <a:off x="3100315" y="3448671"/>
-            <a:ext cx="1107996" cy="369332"/>
-          </a:xfrm>
-          <a:prstGeom prst="rect">
-            <a:avLst/>
-          </a:prstGeom>
-          <a:noFill/>
-        </p:spPr>
-        <p:txBody>
-          <a:bodyPr wrap="none" rtlCol="0">
-            <a:spAutoFit/>
-          </a:bodyPr>
-          <a:lstStyle/>
-          <a:p>
-            <a:r>
-              <a:rPr lang="zh-CN" altLang="en-US" dirty="0" smtClean="0"/>
-              <a:t>人们无知</a:t>
-            </a:r>
-            <a:endParaRPr lang="zh-CN" altLang="en-US" dirty="0"/>
+              <a:rPr lang="zh-CN" altLang="en-US" sz="2400" dirty="0">
+                <a:solidFill>
+                  <a:srgbClr val="000000"/>
+                </a:solidFill>
+                <a:latin typeface="宋体" panose="02010600030101010101" pitchFamily="2" charset="-122"/>
+              </a:rPr>
+              <a:t>要强调的是，任何商品均如此。人们常有鸵鸟心态，在讨论价格的时候，会说那些正在触动他们神经的商品非常特殊，不是商品，所以价格规律不起作用。谈水费的时候，他们说水不是商品；谈学费的时候，教育不是商品；谈药费的时候，健康不是商品；谈旅费的时候，回家过年不是商品。然而，抱着这样的心态，只能让人脱离现实，而无法正视问题和寻求对策。毕竟，经济规律是不以人的意志为转移的。</a:t>
+            </a:r>
+          </a:p>
+          <a:p>
+            <a:r>
+              <a:rPr lang="zh-CN" altLang="en-US" sz="2400" dirty="0">
+                <a:solidFill>
+                  <a:srgbClr val="000000"/>
+                </a:solidFill>
+                <a:latin typeface="宋体" panose="02010600030101010101" pitchFamily="2" charset="-122"/>
+              </a:rPr>
+              <a:t>　　</a:t>
+            </a:r>
+            <a:r>
+              <a:rPr lang="zh-CN" altLang="en-US" sz="2400" dirty="0" smtClean="0">
+                <a:solidFill>
+                  <a:srgbClr val="000000"/>
+                </a:solidFill>
+                <a:latin typeface="宋体" panose="02010600030101010101" pitchFamily="2" charset="-122"/>
+              </a:rPr>
+              <a:t>很</a:t>
+            </a:r>
+            <a:r>
+              <a:rPr lang="zh-CN" altLang="en-US" sz="2400" dirty="0">
+                <a:solidFill>
+                  <a:srgbClr val="000000"/>
+                </a:solidFill>
+                <a:latin typeface="宋体" panose="02010600030101010101" pitchFamily="2" charset="-122"/>
+              </a:rPr>
+              <a:t>显然，回家过年不仅是商品，而且是可以变得颇为昂贵的商品。媒体渲染说回家不需要理由。可是，要在特定的时候回家，就需要理由了。这就好像说泡澡不需要理由，但要在北京到芝加哥的航班上泡个澡，就需要很多理由一样。事实上，春运综合症已经不间断地发生了十年以上，之所以仍未得到根本解决，正是因为春运期间短暂</a:t>
+            </a:r>
+            <a:r>
+              <a:rPr lang="zh-CN" altLang="en-US" sz="2400" dirty="0" smtClean="0">
+                <a:solidFill>
+                  <a:srgbClr val="000000"/>
+                </a:solidFill>
+                <a:latin typeface="宋体" panose="02010600030101010101" pitchFamily="2" charset="-122"/>
+              </a:rPr>
+              <a:t>的需求高峰，</a:t>
+            </a:r>
+            <a:r>
+              <a:rPr lang="zh-CN" altLang="en-US" sz="2400" dirty="0">
+                <a:solidFill>
+                  <a:srgbClr val="000000"/>
+                </a:solidFill>
+                <a:latin typeface="宋体" panose="02010600030101010101" pitchFamily="2" charset="-122"/>
+              </a:rPr>
+              <a:t>无法支撑铁路硬件大幅升级的巨额成本。那么多人要同时回家，而且一年就那么一次，这就变成了奢侈的需求。</a:t>
+            </a:r>
           </a:p>
         </p:txBody>
       </p:sp>
     </p:spTree>
     <p:extLst>
       <p:ext uri="{BB962C8B-B14F-4D97-AF65-F5344CB8AC3E}">
-        <p14:creationId xmlns:p14="http://schemas.microsoft.com/office/powerpoint/2010/main" val="3890439"/>
+        <p14:creationId xmlns:p14="http://schemas.microsoft.com/office/powerpoint/2010/main" val="3064427736"/>
       </p:ext>
     </p:extLst>
   </p:cSld>
@@ -3576,7 +3899,7 @@
         <p:spPr>
           <a:xfrm>
             <a:off x="573205" y="2748255"/>
-            <a:ext cx="11313993" cy="1477328"/>
+            <a:ext cx="11313993" cy="2308324"/>
           </a:xfrm>
           <a:prstGeom prst="rect">
             <a:avLst/>
@@ -3595,7 +3918,85 @@
                 </a:solidFill>
                 <a:latin typeface="Tahoma" panose="020B0604030504040204" pitchFamily="34" charset="0"/>
               </a:rPr>
-              <a:t>这世界上的东西可分成两种：第一种不是必需品，比如说女性的高档化妆品，那这类东西一旦发现供不应求，直接涨价就是了，否则百货商场还不排大队。而另外一种东西那叫刚需，你学经济学的应该懂这个词吧，那是必需品。比如说农民工春节回家的火车票，这个时候你再出馊主意，让涨价。首先是伤天害理嘛，你想农民工弱势群体，一年挣不了多少钱，你这一涨价，多少天就白干。而更重要的是，啥叫刚需？就是这个需求并不因为价格的波动而发生变化，中国人嘛，一年到春节的时候总得回趟家，再高的票价也拦不住他们归家的心。</a:t>
+              <a:t>这世界上的东西可分成两种</a:t>
+            </a:r>
+            <a:r>
+              <a:rPr lang="zh-CN" altLang="en-US" dirty="0" smtClean="0">
+                <a:solidFill>
+                  <a:srgbClr val="444444"/>
+                </a:solidFill>
+                <a:latin typeface="Tahoma" panose="020B0604030504040204" pitchFamily="34" charset="0"/>
+              </a:rPr>
+              <a:t>：</a:t>
+            </a:r>
+            <a:endParaRPr lang="en-US" altLang="zh-CN" dirty="0" smtClean="0">
+              <a:solidFill>
+                <a:srgbClr val="444444"/>
+              </a:solidFill>
+              <a:latin typeface="Tahoma" panose="020B0604030504040204" pitchFamily="34" charset="0"/>
+            </a:endParaRPr>
+          </a:p>
+          <a:p>
+            <a:r>
+              <a:rPr lang="zh-CN" altLang="en-US" dirty="0" smtClean="0">
+                <a:solidFill>
+                  <a:srgbClr val="444444"/>
+                </a:solidFill>
+                <a:latin typeface="Tahoma" panose="020B0604030504040204" pitchFamily="34" charset="0"/>
+              </a:rPr>
+              <a:t>第一</a:t>
+            </a:r>
+            <a:r>
+              <a:rPr lang="zh-CN" altLang="en-US" dirty="0">
+                <a:solidFill>
+                  <a:srgbClr val="444444"/>
+                </a:solidFill>
+                <a:latin typeface="Tahoma" panose="020B0604030504040204" pitchFamily="34" charset="0"/>
+              </a:rPr>
+              <a:t>种不是必需品，比如说女性的高档化妆品，那这类东西一旦发现供不应求，直接涨价就是了，否则百货商场还不排大队</a:t>
+            </a:r>
+            <a:r>
+              <a:rPr lang="zh-CN" altLang="en-US" dirty="0" smtClean="0">
+                <a:solidFill>
+                  <a:srgbClr val="444444"/>
+                </a:solidFill>
+                <a:latin typeface="Tahoma" panose="020B0604030504040204" pitchFamily="34" charset="0"/>
+              </a:rPr>
+              <a:t>。</a:t>
+            </a:r>
+            <a:endParaRPr lang="en-US" altLang="zh-CN" dirty="0" smtClean="0">
+              <a:solidFill>
+                <a:srgbClr val="444444"/>
+              </a:solidFill>
+              <a:latin typeface="Tahoma" panose="020B0604030504040204" pitchFamily="34" charset="0"/>
+            </a:endParaRPr>
+          </a:p>
+          <a:p>
+            <a:endParaRPr lang="en-US" altLang="zh-CN" dirty="0">
+              <a:solidFill>
+                <a:srgbClr val="444444"/>
+              </a:solidFill>
+              <a:latin typeface="Tahoma" panose="020B0604030504040204" pitchFamily="34" charset="0"/>
+            </a:endParaRPr>
+          </a:p>
+          <a:p>
+            <a:r>
+              <a:rPr lang="zh-CN" altLang="en-US" dirty="0" smtClean="0">
+                <a:solidFill>
+                  <a:srgbClr val="444444"/>
+                </a:solidFill>
+                <a:latin typeface="Tahoma" panose="020B0604030504040204" pitchFamily="34" charset="0"/>
+              </a:rPr>
+              <a:t>而</a:t>
+            </a:r>
+            <a:r>
+              <a:rPr lang="zh-CN" altLang="en-US" dirty="0">
+                <a:solidFill>
+                  <a:srgbClr val="444444"/>
+                </a:solidFill>
+                <a:latin typeface="Tahoma" panose="020B0604030504040204" pitchFamily="34" charset="0"/>
+              </a:rPr>
+              <a:t>另外一种东西那叫刚需，你学经济学的应该懂这个词吧，那是必需品。比如说农民工春节回家的火车票，这个时候你再出馊主意，让涨价。首先是伤天害理嘛，你想农民工弱势群体，一年挣不了多少钱，你这一涨价，多少天就白干。而更重要的是，啥叫刚需？就是这个需求并不因为价格的波动而发生变化，中国人嘛，一年到春节的时候总得回趟家，再高的票价也拦不住他们归家的心。</a:t>
             </a:r>
             <a:endParaRPr lang="zh-CN" altLang="en-US" dirty="0"/>
           </a:p>
@@ -3633,74 +4034,103 @@
       </p:grpSpPr>
       <p:sp>
         <p:nvSpPr>
-          <p:cNvPr id="6" name="文本框 5"/>
-          <p:cNvSpPr txBox="1"/>
-          <p:nvPr/>
-        </p:nvSpPr>
-        <p:spPr>
-          <a:xfrm>
-            <a:off x="1981199" y="601344"/>
-            <a:ext cx="5252114" cy="646331"/>
-          </a:xfrm>
-          <a:prstGeom prst="rect">
-            <a:avLst/>
-          </a:prstGeom>
-          <a:noFill/>
-        </p:spPr>
-        <p:txBody>
-          <a:bodyPr wrap="square" rtlCol="0">
+          <p:cNvPr id="2" name="矩形 1"/>
+          <p:cNvSpPr/>
+          <p:nvPr/>
+        </p:nvSpPr>
+        <p:spPr>
+          <a:xfrm>
+            <a:off x="557055" y="400980"/>
+            <a:ext cx="5593198" cy="923330"/>
+          </a:xfrm>
+          <a:prstGeom prst="rect">
+            <a:avLst/>
+          </a:prstGeom>
+        </p:spPr>
+        <p:txBody>
+          <a:bodyPr wrap="none">
             <a:spAutoFit/>
           </a:bodyPr>
           <a:lstStyle/>
           <a:p>
-            <a:r>
-              <a:rPr lang="zh-CN" altLang="en-US" sz="3600" dirty="0" smtClean="0"/>
-              <a:t>需求第一定律</a:t>
-            </a:r>
-            <a:endParaRPr lang="zh-CN" altLang="en-US" sz="3600" dirty="0"/>
-          </a:p>
-        </p:txBody>
-      </p:sp>
-      <p:pic>
-        <p:nvPicPr>
-          <p:cNvPr id="2" name="图片 1"/>
-          <p:cNvPicPr>
-            <a:picLocks noChangeAspect="1"/>
-          </p:cNvPicPr>
-          <p:nvPr/>
-        </p:nvPicPr>
-        <p:blipFill>
-          <a:blip r:embed="rId2">
-            <a:extLst>
-              <a:ext uri="{28A0092B-C50C-407E-A947-70E740481C1C}">
-                <a14:useLocalDpi xmlns:a14="http://schemas.microsoft.com/office/drawing/2010/main" val="0"/>
-              </a:ext>
-            </a:extLst>
-          </a:blip>
-          <a:stretch>
-            <a:fillRect/>
-          </a:stretch>
-        </p:blipFill>
-        <p:spPr>
-          <a:xfrm>
-            <a:off x="2475647" y="1247675"/>
-            <a:ext cx="6667500" cy="4076700"/>
-          </a:xfrm>
-          <a:prstGeom prst="rect">
-            <a:avLst/>
-          </a:prstGeom>
-        </p:spPr>
-      </p:pic>
+            <a:pPr algn="ctr">
+              <a:lnSpc>
+                <a:spcPct val="90000"/>
+              </a:lnSpc>
+              <a:spcBef>
+                <a:spcPct val="0"/>
+              </a:spcBef>
+            </a:pPr>
+            <a:r>
+              <a:rPr lang="zh-CN" altLang="en-US" sz="6000" b="1" dirty="0" smtClean="0">
+                <a:latin typeface="+mj-lt"/>
+                <a:ea typeface="+mj-ea"/>
+                <a:cs typeface="+mj-cs"/>
+              </a:rPr>
+              <a:t>刚性</a:t>
+            </a:r>
+            <a:r>
+              <a:rPr lang="zh-CN" altLang="en-US" sz="6000" b="1" dirty="0">
+                <a:latin typeface="+mj-lt"/>
+                <a:ea typeface="+mj-ea"/>
+                <a:cs typeface="+mj-cs"/>
+              </a:rPr>
+              <a:t>需求不成立</a:t>
+            </a:r>
+          </a:p>
+        </p:txBody>
+      </p:sp>
+      <p:sp>
+        <p:nvSpPr>
+          <p:cNvPr id="3" name="矩形 2"/>
+          <p:cNvSpPr/>
+          <p:nvPr/>
+        </p:nvSpPr>
+        <p:spPr>
+          <a:xfrm>
+            <a:off x="818866" y="1588911"/>
+            <a:ext cx="11150221" cy="646331"/>
+          </a:xfrm>
+          <a:prstGeom prst="rect">
+            <a:avLst/>
+          </a:prstGeom>
+        </p:spPr>
+        <p:txBody>
+          <a:bodyPr wrap="square">
+            <a:spAutoFit/>
+          </a:bodyPr>
+          <a:lstStyle/>
+          <a:p>
+            <a:r>
+              <a:rPr lang="zh-CN" altLang="en-US" dirty="0">
+                <a:solidFill>
+                  <a:srgbClr val="000000"/>
+                </a:solidFill>
+                <a:latin typeface="宋体" panose="02010600030101010101" pitchFamily="2" charset="-122"/>
+              </a:rPr>
+              <a:t>回家过年的需求是刚性的，意思是不管价格多高，乘客还是要回家过年，所以提价只会让铁路系统多赚钱，而不能降低乘客回家过年的愿望</a:t>
+            </a:r>
+            <a:endParaRPr lang="zh-CN" altLang="en-US" dirty="0"/>
+          </a:p>
+        </p:txBody>
+      </p:sp>
     </p:spTree>
     <p:extLst>
       <p:ext uri="{BB962C8B-B14F-4D97-AF65-F5344CB8AC3E}">
-        <p14:creationId xmlns:p14="http://schemas.microsoft.com/office/powerpoint/2010/main" val="3685188938"/>
+        <p14:creationId xmlns:p14="http://schemas.microsoft.com/office/powerpoint/2010/main" val="3516438114"/>
       </p:ext>
     </p:extLst>
   </p:cSld>
   <p:clrMapOvr>
     <a:masterClrMapping/>
   </p:clrMapOvr>
+  <p:timing>
+    <p:tnLst>
+      <p:par>
+        <p:cTn id="1" dur="indefinite" restart="never" nodeType="tmRoot"/>
+      </p:par>
+    </p:tnLst>
+  </p:timing>
 </p:sld>
 </file>
 
@@ -3723,44 +4153,14 @@
       </p:grpSpPr>
       <p:sp>
         <p:nvSpPr>
-          <p:cNvPr id="6" name="文本框 5"/>
-          <p:cNvSpPr txBox="1"/>
-          <p:nvPr/>
-        </p:nvSpPr>
-        <p:spPr>
-          <a:xfrm>
-            <a:off x="1981199" y="601344"/>
-            <a:ext cx="5252114" cy="646331"/>
-          </a:xfrm>
-          <a:prstGeom prst="rect">
-            <a:avLst/>
-          </a:prstGeom>
-          <a:noFill/>
-        </p:spPr>
-        <p:txBody>
-          <a:bodyPr wrap="square" rtlCol="0">
-            <a:spAutoFit/>
-          </a:bodyPr>
-          <a:lstStyle/>
-          <a:p>
-            <a:r>
-              <a:rPr lang="zh-CN" altLang="en-US" sz="3600" dirty="0" smtClean="0"/>
-              <a:t>什么是刚需</a:t>
-            </a:r>
-            <a:endParaRPr lang="zh-CN" altLang="en-US" sz="3600" dirty="0"/>
-          </a:p>
-        </p:txBody>
-      </p:sp>
-      <p:sp>
-        <p:nvSpPr>
           <p:cNvPr id="2" name="矩形 1"/>
           <p:cNvSpPr/>
           <p:nvPr/>
         </p:nvSpPr>
         <p:spPr>
           <a:xfrm>
-            <a:off x="1981199" y="1247675"/>
-            <a:ext cx="4455066" cy="369332"/>
+            <a:off x="1329706" y="400980"/>
+            <a:ext cx="4047903" cy="923330"/>
           </a:xfrm>
           <a:prstGeom prst="rect">
             <a:avLst/>
@@ -3772,210 +4172,47 @@
           </a:bodyPr>
           <a:lstStyle/>
           <a:p>
-            <a:r>
-              <a:rPr lang="zh-CN" altLang="en-US" dirty="0" smtClean="0">
-                <a:solidFill>
-                  <a:srgbClr val="000000"/>
-                </a:solidFill>
-                <a:latin typeface="宋体" panose="02010600030101010101" pitchFamily="2" charset="-122"/>
-              </a:rPr>
-              <a:t>没有永远的奢侈品，也没有永远的必需品</a:t>
-            </a:r>
-            <a:endParaRPr lang="zh-CN" altLang="en-US" dirty="0"/>
-          </a:p>
-        </p:txBody>
-      </p:sp>
-      <p:sp>
-        <p:nvSpPr>
-          <p:cNvPr id="3" name="矩形 2"/>
-          <p:cNvSpPr/>
-          <p:nvPr/>
-        </p:nvSpPr>
-        <p:spPr>
-          <a:xfrm>
-            <a:off x="1981199" y="1795650"/>
-            <a:ext cx="9523864" cy="369332"/>
-          </a:xfrm>
-          <a:prstGeom prst="rect">
-            <a:avLst/>
-          </a:prstGeom>
-        </p:spPr>
-        <p:txBody>
-          <a:bodyPr wrap="square">
-            <a:spAutoFit/>
-          </a:bodyPr>
-          <a:lstStyle/>
-          <a:p>
-            <a:r>
-              <a:rPr lang="zh-CN" altLang="en-US" dirty="0">
-                <a:solidFill>
-                  <a:srgbClr val="333333"/>
-                </a:solidFill>
-                <a:latin typeface="Helvetica Neue"/>
-              </a:rPr>
-              <a:t>所谓的刚需是对市场的干涉产生的，政府该做的是保证市场的自由。</a:t>
-            </a:r>
-            <a:endParaRPr lang="zh-CN" altLang="en-US" dirty="0"/>
-          </a:p>
-        </p:txBody>
-      </p:sp>
-      <p:sp>
-        <p:nvSpPr>
-          <p:cNvPr id="4" name="矩形 3"/>
-          <p:cNvSpPr/>
-          <p:nvPr/>
-        </p:nvSpPr>
-        <p:spPr>
-          <a:xfrm>
-            <a:off x="1981199" y="2343625"/>
-            <a:ext cx="10056126" cy="646331"/>
-          </a:xfrm>
-          <a:prstGeom prst="rect">
-            <a:avLst/>
-          </a:prstGeom>
-        </p:spPr>
-        <p:txBody>
-          <a:bodyPr wrap="square">
-            <a:spAutoFit/>
-          </a:bodyPr>
-          <a:lstStyle/>
-          <a:p>
-            <a:r>
-              <a:rPr lang="en-US" altLang="zh-CN" dirty="0">
-                <a:solidFill>
-                  <a:srgbClr val="444444"/>
-                </a:solidFill>
-                <a:latin typeface="Tahoma" panose="020B0604030504040204" pitchFamily="34" charset="0"/>
-              </a:rPr>
-              <a:t>《</a:t>
-            </a:r>
-            <a:r>
-              <a:rPr lang="zh-CN" altLang="en-US" dirty="0">
-                <a:solidFill>
-                  <a:srgbClr val="444444"/>
-                </a:solidFill>
-                <a:latin typeface="Tahoma" panose="020B0604030504040204" pitchFamily="34" charset="0"/>
-              </a:rPr>
-              <a:t>富兰克林传</a:t>
-            </a:r>
-            <a:r>
-              <a:rPr lang="en-US" altLang="zh-CN" dirty="0">
-                <a:solidFill>
-                  <a:srgbClr val="444444"/>
-                </a:solidFill>
-                <a:latin typeface="Tahoma" panose="020B0604030504040204" pitchFamily="34" charset="0"/>
-              </a:rPr>
-              <a:t>》</a:t>
-            </a:r>
-            <a:r>
-              <a:rPr lang="zh-CN" altLang="en-US" dirty="0">
-                <a:solidFill>
-                  <a:srgbClr val="444444"/>
-                </a:solidFill>
-                <a:latin typeface="Tahoma" panose="020B0604030504040204" pitchFamily="34" charset="0"/>
-              </a:rPr>
-              <a:t>我们也做了一期节目，在那期节目当中我就讲了两句话：第一句呢？是挣钱很光荣。第二句呢？是合法做生意挣钱。是我知道的在这个世界上生存的最有尊严的方式。</a:t>
-            </a:r>
-            <a:endParaRPr lang="zh-CN" altLang="en-US" dirty="0"/>
-          </a:p>
-        </p:txBody>
-      </p:sp>
-      <p:sp>
-        <p:nvSpPr>
-          <p:cNvPr id="5" name="矩形 4"/>
-          <p:cNvSpPr/>
-          <p:nvPr/>
-        </p:nvSpPr>
-        <p:spPr>
-          <a:xfrm>
-            <a:off x="1981199" y="3210639"/>
-            <a:ext cx="10056126" cy="1200329"/>
-          </a:xfrm>
-          <a:prstGeom prst="rect">
-            <a:avLst/>
-          </a:prstGeom>
-        </p:spPr>
-        <p:txBody>
-          <a:bodyPr wrap="square">
-            <a:spAutoFit/>
-          </a:bodyPr>
-          <a:lstStyle/>
-          <a:p>
-            <a:r>
-              <a:rPr lang="zh-CN" altLang="en-US" dirty="0">
-                <a:solidFill>
-                  <a:srgbClr val="444444"/>
-                </a:solidFill>
-                <a:latin typeface="Tahoma" panose="020B0604030504040204" pitchFamily="34" charset="0"/>
-              </a:rPr>
-              <a:t>电影</a:t>
-            </a:r>
-            <a:r>
-              <a:rPr lang="en-US" altLang="zh-CN" dirty="0">
-                <a:solidFill>
-                  <a:srgbClr val="444444"/>
-                </a:solidFill>
-                <a:latin typeface="Tahoma" panose="020B0604030504040204" pitchFamily="34" charset="0"/>
-              </a:rPr>
-              <a:t>《1942》</a:t>
-            </a:r>
-            <a:r>
-              <a:rPr lang="zh-CN" altLang="en-US" dirty="0">
-                <a:solidFill>
-                  <a:srgbClr val="444444"/>
-                </a:solidFill>
-                <a:latin typeface="Tahoma" panose="020B0604030504040204" pitchFamily="34" charset="0"/>
-              </a:rPr>
-              <a:t>描述了上个世纪中国的一场大饥荒。这里面就有一个情节，一个小伙子好不容易找到一小包饼干，马上就跑去找他那个心爱的姑娘，说我要不分你一半，你让我亲热一下。你看，人都奄奄待毙了还琢磨这个，他还在肉体的片刻欢愉和自己活下去之间做比较和权衡。很多人都在讲，说人的生命的安全是这个文明的底线，那这可是刚需。</a:t>
-            </a:r>
-            <a:endParaRPr lang="zh-CN" altLang="en-US" dirty="0"/>
-          </a:p>
-        </p:txBody>
-      </p:sp>
-      <p:sp>
-        <p:nvSpPr>
-          <p:cNvPr id="7" name="矩形 6"/>
-          <p:cNvSpPr/>
-          <p:nvPr/>
-        </p:nvSpPr>
-        <p:spPr>
-          <a:xfrm>
-            <a:off x="1981199" y="4446985"/>
-            <a:ext cx="877163" cy="369332"/>
-          </a:xfrm>
-          <a:prstGeom prst="rect">
-            <a:avLst/>
-          </a:prstGeom>
-        </p:spPr>
-        <p:txBody>
-          <a:bodyPr wrap="none">
-            <a:spAutoFit/>
-          </a:bodyPr>
-          <a:lstStyle/>
-          <a:p>
-            <a:r>
-              <a:rPr lang="zh-CN" altLang="en-US" dirty="0">
-                <a:solidFill>
-                  <a:srgbClr val="444444"/>
-                </a:solidFill>
-                <a:latin typeface="Tahoma" panose="020B0604030504040204" pitchFamily="34" charset="0"/>
-              </a:rPr>
-              <a:t>地沟油</a:t>
-            </a:r>
-            <a:endParaRPr lang="zh-CN" altLang="en-US" dirty="0"/>
+            <a:pPr algn="ctr">
+              <a:lnSpc>
+                <a:spcPct val="90000"/>
+              </a:lnSpc>
+              <a:spcBef>
+                <a:spcPct val="0"/>
+              </a:spcBef>
+            </a:pPr>
+            <a:r>
+              <a:rPr lang="zh-CN" altLang="en-US" sz="6000" b="1" dirty="0" smtClean="0">
+                <a:latin typeface="+mj-lt"/>
+                <a:ea typeface="+mj-ea"/>
+                <a:cs typeface="+mj-cs"/>
+              </a:rPr>
+              <a:t>什么是刚需</a:t>
+            </a:r>
+            <a:endParaRPr lang="zh-CN" altLang="en-US" sz="6000" b="1" dirty="0">
+              <a:latin typeface="+mj-lt"/>
+              <a:ea typeface="+mj-ea"/>
+              <a:cs typeface="+mj-cs"/>
+            </a:endParaRPr>
           </a:p>
         </p:txBody>
       </p:sp>
     </p:spTree>
     <p:extLst>
       <p:ext uri="{BB962C8B-B14F-4D97-AF65-F5344CB8AC3E}">
-        <p14:creationId xmlns:p14="http://schemas.microsoft.com/office/powerpoint/2010/main" val="818270726"/>
+        <p14:creationId xmlns:p14="http://schemas.microsoft.com/office/powerpoint/2010/main" val="2457697006"/>
       </p:ext>
     </p:extLst>
   </p:cSld>
   <p:clrMapOvr>
     <a:masterClrMapping/>
   </p:clrMapOvr>
+  <p:timing>
+    <p:tnLst>
+      <p:par>
+        <p:cTn id="1" dur="indefinite" restart="never" nodeType="tmRoot"/>
+      </p:par>
+    </p:tnLst>
+  </p:timing>
 </p:sld>
 </file>
 
@@ -3998,90 +4235,66 @@
       </p:grpSpPr>
       <p:sp>
         <p:nvSpPr>
-          <p:cNvPr id="3" name="文本框 2"/>
-          <p:cNvSpPr txBox="1"/>
-          <p:nvPr/>
-        </p:nvSpPr>
-        <p:spPr>
-          <a:xfrm>
-            <a:off x="1528549" y="641445"/>
-            <a:ext cx="4108817" cy="369332"/>
-          </a:xfrm>
-          <a:prstGeom prst="rect">
-            <a:avLst/>
-          </a:prstGeom>
-          <a:noFill/>
-        </p:spPr>
-        <p:txBody>
-          <a:bodyPr wrap="none" rtlCol="0">
+          <p:cNvPr id="2" name="矩形 1"/>
+          <p:cNvSpPr/>
+          <p:nvPr/>
+        </p:nvSpPr>
+        <p:spPr>
+          <a:xfrm>
+            <a:off x="1329705" y="400980"/>
+            <a:ext cx="4047903" cy="923330"/>
+          </a:xfrm>
+          <a:prstGeom prst="rect">
+            <a:avLst/>
+          </a:prstGeom>
+        </p:spPr>
+        <p:txBody>
+          <a:bodyPr wrap="none">
             <a:spAutoFit/>
           </a:bodyPr>
           <a:lstStyle/>
           <a:p>
-            <a:r>
-              <a:rPr lang="zh-CN" altLang="en-US" dirty="0" smtClean="0"/>
-              <a:t>火车票</a:t>
-            </a:r>
-            <a:r>
-              <a:rPr lang="en-US" altLang="zh-CN" dirty="0" smtClean="0"/>
-              <a:t>(</a:t>
-            </a:r>
-            <a:r>
-              <a:rPr lang="zh-CN" altLang="en-US" dirty="0" smtClean="0"/>
-              <a:t>春节回家过年</a:t>
-            </a:r>
-            <a:r>
-              <a:rPr lang="en-US" altLang="zh-CN" dirty="0" smtClean="0"/>
-              <a:t>)</a:t>
-            </a:r>
-            <a:r>
-              <a:rPr lang="zh-CN" altLang="en-US" dirty="0" smtClean="0"/>
-              <a:t>是刚需还是商品</a:t>
-            </a:r>
-            <a:endParaRPr lang="zh-CN" altLang="en-US" dirty="0"/>
-          </a:p>
-        </p:txBody>
-      </p:sp>
-      <p:sp>
-        <p:nvSpPr>
-          <p:cNvPr id="6" name="文本框 5"/>
-          <p:cNvSpPr txBox="1"/>
-          <p:nvPr/>
-        </p:nvSpPr>
-        <p:spPr>
-          <a:xfrm>
-            <a:off x="3455157" y="1010777"/>
-            <a:ext cx="2031325" cy="646331"/>
-          </a:xfrm>
-          <a:prstGeom prst="rect">
-            <a:avLst/>
-          </a:prstGeom>
-          <a:noFill/>
-        </p:spPr>
-        <p:txBody>
-          <a:bodyPr wrap="none" rtlCol="0">
-            <a:spAutoFit/>
-          </a:bodyPr>
-          <a:lstStyle/>
-          <a:p>
-            <a:r>
-              <a:rPr lang="zh-CN" altLang="en-US" sz="3600" dirty="0" smtClean="0"/>
-              <a:t>没有刚需</a:t>
-            </a:r>
-            <a:endParaRPr lang="zh-CN" altLang="en-US" sz="3600" dirty="0"/>
+            <a:pPr algn="ctr">
+              <a:lnSpc>
+                <a:spcPct val="90000"/>
+              </a:lnSpc>
+              <a:spcBef>
+                <a:spcPct val="0"/>
+              </a:spcBef>
+            </a:pPr>
+            <a:r>
+              <a:rPr lang="zh-CN" altLang="en-US" sz="6000" b="1" dirty="0" smtClean="0">
+                <a:latin typeface="+mj-lt"/>
+                <a:ea typeface="+mj-ea"/>
+                <a:cs typeface="+mj-cs"/>
+              </a:rPr>
+              <a:t>什么是需求</a:t>
+            </a:r>
+            <a:endParaRPr lang="zh-CN" altLang="en-US" sz="6000" b="1" dirty="0">
+              <a:latin typeface="+mj-lt"/>
+              <a:ea typeface="+mj-ea"/>
+              <a:cs typeface="+mj-cs"/>
+            </a:endParaRPr>
           </a:p>
         </p:txBody>
       </p:sp>
     </p:spTree>
     <p:extLst>
       <p:ext uri="{BB962C8B-B14F-4D97-AF65-F5344CB8AC3E}">
-        <p14:creationId xmlns:p14="http://schemas.microsoft.com/office/powerpoint/2010/main" val="2363586562"/>
+        <p14:creationId xmlns:p14="http://schemas.microsoft.com/office/powerpoint/2010/main" val="1228754927"/>
       </p:ext>
     </p:extLst>
   </p:cSld>
   <p:clrMapOvr>
     <a:masterClrMapping/>
   </p:clrMapOvr>
+  <p:timing>
+    <p:tnLst>
+      <p:par>
+        <p:cTn id="1" dur="indefinite" restart="never" nodeType="tmRoot"/>
+      </p:par>
+    </p:tnLst>
+  </p:timing>
 </p:sld>
 </file>
 
@@ -4110,8 +4323,8 @@
         </p:nvSpPr>
         <p:spPr>
           <a:xfrm>
-            <a:off x="2336039" y="587697"/>
-            <a:ext cx="6316922" cy="646331"/>
+            <a:off x="1981199" y="601344"/>
+            <a:ext cx="5252114" cy="646331"/>
           </a:xfrm>
           <a:prstGeom prst="rect">
             <a:avLst/>
@@ -4119,59 +4332,49 @@
           <a:noFill/>
         </p:spPr>
         <p:txBody>
-          <a:bodyPr wrap="none" rtlCol="0">
+          <a:bodyPr wrap="square" rtlCol="0">
             <a:spAutoFit/>
           </a:bodyPr>
           <a:lstStyle/>
           <a:p>
             <a:r>
               <a:rPr lang="zh-CN" altLang="en-US" sz="3600" dirty="0" smtClean="0"/>
-              <a:t>如何解决火车票购票难得问题</a:t>
+              <a:t>需求第一定律</a:t>
             </a:r>
             <a:endParaRPr lang="zh-CN" altLang="en-US" sz="3600" dirty="0"/>
           </a:p>
         </p:txBody>
       </p:sp>
-      <p:sp>
-        <p:nvSpPr>
-          <p:cNvPr id="2" name="矩形 1"/>
-          <p:cNvSpPr/>
-          <p:nvPr/>
-        </p:nvSpPr>
-        <p:spPr>
-          <a:xfrm>
-            <a:off x="2336039" y="2015192"/>
-            <a:ext cx="2206053" cy="369332"/>
-          </a:xfrm>
-          <a:prstGeom prst="rect">
-            <a:avLst/>
-          </a:prstGeom>
-        </p:spPr>
-        <p:txBody>
-          <a:bodyPr wrap="none">
-            <a:spAutoFit/>
-          </a:bodyPr>
-          <a:lstStyle/>
-          <a:p>
-            <a:r>
-              <a:rPr lang="en-US" altLang="zh-CN" dirty="0"/>
-              <a:t>2</a:t>
-            </a:r>
-            <a:r>
-              <a:rPr lang="en-US" altLang="zh-CN" dirty="0" smtClean="0"/>
-              <a:t>.</a:t>
-            </a:r>
-            <a:r>
-              <a:rPr lang="zh-CN" altLang="en-US" dirty="0" smtClean="0"/>
-              <a:t>黄牛</a:t>
-            </a:r>
-            <a:r>
-              <a:rPr lang="zh-CN" altLang="en-US" dirty="0"/>
-              <a:t>节省无谓损失</a:t>
-            </a:r>
-          </a:p>
-        </p:txBody>
-      </p:sp>
+      <p:pic>
+        <p:nvPicPr>
+          <p:cNvPr id="2" name="图片 1"/>
+          <p:cNvPicPr>
+            <a:picLocks noChangeAspect="1"/>
+          </p:cNvPicPr>
+          <p:nvPr/>
+        </p:nvPicPr>
+        <p:blipFill>
+          <a:blip r:embed="rId2">
+            <a:extLst>
+              <a:ext uri="{28A0092B-C50C-407E-A947-70E740481C1C}">
+                <a14:useLocalDpi xmlns:a14="http://schemas.microsoft.com/office/drawing/2010/main" val="0"/>
+              </a:ext>
+            </a:extLst>
+          </a:blip>
+          <a:stretch>
+            <a:fillRect/>
+          </a:stretch>
+        </p:blipFill>
+        <p:spPr>
+          <a:xfrm>
+            <a:off x="2475647" y="1247675"/>
+            <a:ext cx="6667500" cy="4076700"/>
+          </a:xfrm>
+          <a:prstGeom prst="rect">
+            <a:avLst/>
+          </a:prstGeom>
+        </p:spPr>
+      </p:pic>
       <p:sp>
         <p:nvSpPr>
           <p:cNvPr id="3" name="矩形 2"/>
@@ -4180,62 +4383,45 @@
         </p:nvSpPr>
         <p:spPr>
           <a:xfrm>
-            <a:off x="2336039" y="1439944"/>
-            <a:ext cx="2436886" cy="369332"/>
-          </a:xfrm>
-          <a:prstGeom prst="rect">
-            <a:avLst/>
-          </a:prstGeom>
-        </p:spPr>
-        <p:txBody>
-          <a:bodyPr wrap="none">
+            <a:off x="2897875" y="4942217"/>
+            <a:ext cx="6096000" cy="1477328"/>
+          </a:xfrm>
+          <a:prstGeom prst="rect">
+            <a:avLst/>
+          </a:prstGeom>
+        </p:spPr>
+        <p:txBody>
+          <a:bodyPr>
             <a:spAutoFit/>
           </a:bodyPr>
           <a:lstStyle/>
           <a:p>
             <a:r>
-              <a:rPr lang="en-US" altLang="zh-CN" dirty="0" smtClean="0"/>
-              <a:t>1.</a:t>
-            </a:r>
-            <a:r>
-              <a:rPr lang="zh-CN" altLang="en-US" dirty="0" smtClean="0"/>
-              <a:t>实名制</a:t>
-            </a:r>
-            <a:r>
-              <a:rPr lang="zh-CN" altLang="en-US" dirty="0"/>
-              <a:t>使火车票更贵</a:t>
-            </a:r>
-          </a:p>
-        </p:txBody>
-      </p:sp>
-      <p:sp>
-        <p:nvSpPr>
-          <p:cNvPr id="5" name="矩形 4"/>
-          <p:cNvSpPr/>
-          <p:nvPr/>
-        </p:nvSpPr>
-        <p:spPr>
-          <a:xfrm>
-            <a:off x="2336038" y="2590440"/>
-            <a:ext cx="2667718" cy="369332"/>
-          </a:xfrm>
-          <a:prstGeom prst="rect">
-            <a:avLst/>
-          </a:prstGeom>
-        </p:spPr>
-        <p:txBody>
-          <a:bodyPr wrap="none">
-            <a:spAutoFit/>
-          </a:bodyPr>
-          <a:lstStyle/>
-          <a:p>
-            <a:r>
-              <a:rPr lang="en-US" altLang="zh-CN" dirty="0" smtClean="0"/>
-              <a:t>3.</a:t>
-            </a:r>
-            <a:r>
-              <a:rPr lang="zh-CN" altLang="en-US" dirty="0" smtClean="0"/>
-              <a:t>放开火车票的价格管制</a:t>
+              <a:rPr lang="zh-CN" altLang="en-US" dirty="0">
+                <a:solidFill>
+                  <a:srgbClr val="000000"/>
+                </a:solidFill>
+                <a:latin typeface="宋体" panose="02010600030101010101" pitchFamily="2" charset="-122"/>
+              </a:rPr>
+              <a:t>向右下</a:t>
+            </a:r>
+            <a:r>
+              <a:rPr lang="zh-CN" altLang="en-US" dirty="0" smtClean="0">
+                <a:solidFill>
+                  <a:srgbClr val="000000"/>
+                </a:solidFill>
+                <a:latin typeface="宋体" panose="02010600030101010101" pitchFamily="2" charset="-122"/>
+              </a:rPr>
+              <a:t>倾斜的</a:t>
+            </a:r>
+            <a:r>
+              <a:rPr lang="zh-CN" altLang="en-US" dirty="0">
+                <a:solidFill>
+                  <a:srgbClr val="000000"/>
+                </a:solidFill>
+                <a:latin typeface="宋体" panose="02010600030101010101" pitchFamily="2" charset="-122"/>
+              </a:rPr>
+              <a:t>需求曲线，每个点的弹性都不同，只要价格到位，刚性需求就自然会软化。如果说有些旅客回家过年的需求曲线不是右下倾斜而是垂直的，那么这些旅客就应该不惜一切代价回家，就不会非要等放假才回家，更不会非要坐火车才回家。</a:t>
             </a:r>
             <a:endParaRPr lang="zh-CN" altLang="en-US" dirty="0"/>
           </a:p>
@@ -4244,7 +4430,7 @@
     </p:spTree>
     <p:extLst>
       <p:ext uri="{BB962C8B-B14F-4D97-AF65-F5344CB8AC3E}">
-        <p14:creationId xmlns:p14="http://schemas.microsoft.com/office/powerpoint/2010/main" val="2900519539"/>
+        <p14:creationId xmlns:p14="http://schemas.microsoft.com/office/powerpoint/2010/main" val="3685188938"/>
       </p:ext>
     </p:extLst>
   </p:cSld>
@@ -4279,8 +4465,8 @@
         </p:nvSpPr>
         <p:spPr>
           <a:xfrm>
-            <a:off x="2963838" y="860651"/>
-            <a:ext cx="2031325" cy="646331"/>
+            <a:off x="1981199" y="601344"/>
+            <a:ext cx="5252114" cy="646331"/>
           </a:xfrm>
           <a:prstGeom prst="rect">
             <a:avLst/>
@@ -4288,39 +4474,417 @@
           <a:noFill/>
         </p:spPr>
         <p:txBody>
-          <a:bodyPr wrap="none" rtlCol="0">
+          <a:bodyPr wrap="square" rtlCol="0">
             <a:spAutoFit/>
           </a:bodyPr>
           <a:lstStyle/>
           <a:p>
             <a:r>
               <a:rPr lang="zh-CN" altLang="en-US" sz="3600" dirty="0" smtClean="0"/>
-              <a:t>价格</a:t>
-            </a:r>
-            <a:r>
-              <a:rPr lang="zh-CN" altLang="en-US" sz="3600" dirty="0"/>
-              <a:t>管制</a:t>
-            </a:r>
+              <a:t>需求</a:t>
+            </a:r>
+            <a:r>
+              <a:rPr lang="zh-CN" altLang="en-US" sz="3600" dirty="0" smtClean="0"/>
+              <a:t>第二定律</a:t>
+            </a:r>
+            <a:endParaRPr lang="zh-CN" altLang="en-US" sz="3600" dirty="0"/>
+          </a:p>
+        </p:txBody>
+      </p:sp>
+      <p:sp>
+        <p:nvSpPr>
+          <p:cNvPr id="4" name="矩形 3"/>
+          <p:cNvSpPr/>
+          <p:nvPr/>
+        </p:nvSpPr>
+        <p:spPr>
+          <a:xfrm>
+            <a:off x="2101587" y="1470125"/>
+            <a:ext cx="2031325" cy="369332"/>
+          </a:xfrm>
+          <a:prstGeom prst="rect">
+            <a:avLst/>
+          </a:prstGeom>
+        </p:spPr>
+        <p:txBody>
+          <a:bodyPr wrap="none">
+            <a:spAutoFit/>
+          </a:bodyPr>
+          <a:lstStyle/>
+          <a:p>
+            <a:r>
+              <a:rPr lang="en-US" altLang="zh-CN" dirty="0" smtClean="0">
+                <a:solidFill>
+                  <a:srgbClr val="000000"/>
+                </a:solidFill>
+                <a:latin typeface="宋体" panose="02010600030101010101" pitchFamily="2" charset="-122"/>
+              </a:rPr>
+              <a:t>1.</a:t>
+            </a:r>
+            <a:r>
+              <a:rPr lang="zh-CN" altLang="en-US" dirty="0" smtClean="0">
+                <a:solidFill>
+                  <a:srgbClr val="000000"/>
+                </a:solidFill>
+                <a:latin typeface="宋体" panose="02010600030101010101" pitchFamily="2" charset="-122"/>
+              </a:rPr>
+              <a:t>需求的价格弹性</a:t>
+            </a:r>
+            <a:endParaRPr lang="zh-CN" altLang="en-US" dirty="0"/>
+          </a:p>
+        </p:txBody>
+      </p:sp>
+      <p:pic>
+        <p:nvPicPr>
+          <p:cNvPr id="7" name="图片 6"/>
+          <p:cNvPicPr>
+            <a:picLocks noChangeAspect="1"/>
+          </p:cNvPicPr>
+          <p:nvPr/>
+        </p:nvPicPr>
+        <p:blipFill>
+          <a:blip r:embed="rId2"/>
+          <a:stretch>
+            <a:fillRect/>
+          </a:stretch>
+        </p:blipFill>
+        <p:spPr>
+          <a:xfrm>
+            <a:off x="1791605" y="1839457"/>
+            <a:ext cx="4038095" cy="1295238"/>
+          </a:xfrm>
+          <a:prstGeom prst="rect">
+            <a:avLst/>
+          </a:prstGeom>
+        </p:spPr>
+      </p:pic>
+      <p:sp>
+        <p:nvSpPr>
+          <p:cNvPr id="8" name="矩形 7"/>
+          <p:cNvSpPr/>
+          <p:nvPr/>
+        </p:nvSpPr>
+        <p:spPr>
+          <a:xfrm>
+            <a:off x="2101587" y="3319361"/>
+            <a:ext cx="4339650" cy="369332"/>
+          </a:xfrm>
+          <a:prstGeom prst="rect">
+            <a:avLst/>
+          </a:prstGeom>
+        </p:spPr>
+        <p:txBody>
+          <a:bodyPr wrap="none">
+            <a:spAutoFit/>
+          </a:bodyPr>
+          <a:lstStyle/>
+          <a:p>
+            <a:r>
+              <a:rPr lang="zh-CN" altLang="en-US" dirty="0" smtClean="0">
+                <a:solidFill>
+                  <a:srgbClr val="000000"/>
+                </a:solidFill>
+                <a:latin typeface="宋体" panose="02010600030101010101" pitchFamily="2" charset="-122"/>
+              </a:rPr>
+              <a:t>价格变化百分之一，需求量变化百分之几</a:t>
+            </a:r>
+            <a:endParaRPr lang="zh-CN" altLang="en-US" dirty="0"/>
+          </a:p>
+        </p:txBody>
+      </p:sp>
+      <p:sp>
+        <p:nvSpPr>
+          <p:cNvPr id="13" name="矩形 12"/>
+          <p:cNvSpPr/>
+          <p:nvPr/>
+        </p:nvSpPr>
+        <p:spPr>
+          <a:xfrm>
+            <a:off x="2277058" y="4909796"/>
+            <a:ext cx="6307383" cy="369332"/>
+          </a:xfrm>
+          <a:prstGeom prst="rect">
+            <a:avLst/>
+          </a:prstGeom>
+        </p:spPr>
+        <p:txBody>
+          <a:bodyPr wrap="square">
+            <a:spAutoFit/>
+          </a:bodyPr>
+          <a:lstStyle/>
+          <a:p>
+            <a:r>
+              <a:rPr lang="zh-CN" altLang="en-US" dirty="0" smtClean="0">
+                <a:solidFill>
+                  <a:srgbClr val="000000"/>
+                </a:solidFill>
+                <a:latin typeface="宋体" panose="02010600030101010101" pitchFamily="2" charset="-122"/>
+              </a:rPr>
+              <a:t>弹性大于</a:t>
+            </a:r>
+            <a:r>
+              <a:rPr lang="en-US" altLang="zh-CN" dirty="0" smtClean="0">
+                <a:solidFill>
+                  <a:srgbClr val="000000"/>
+                </a:solidFill>
+                <a:latin typeface="宋体" panose="02010600030101010101" pitchFamily="2" charset="-122"/>
+              </a:rPr>
+              <a:t>1</a:t>
+            </a:r>
+            <a:r>
+              <a:rPr lang="zh-CN" altLang="en-US" dirty="0" smtClean="0">
+                <a:solidFill>
+                  <a:srgbClr val="000000"/>
+                </a:solidFill>
+                <a:latin typeface="宋体" panose="02010600030101010101" pitchFamily="2" charset="-122"/>
+              </a:rPr>
+              <a:t>，价格稍微变化，需求量就变化很大，奢侈品</a:t>
+            </a:r>
+            <a:endParaRPr lang="zh-CN" altLang="en-US" dirty="0"/>
+          </a:p>
+        </p:txBody>
+      </p:sp>
+      <p:sp>
+        <p:nvSpPr>
+          <p:cNvPr id="14" name="矩形 13"/>
+          <p:cNvSpPr/>
+          <p:nvPr/>
+        </p:nvSpPr>
+        <p:spPr>
+          <a:xfrm>
+            <a:off x="2307230" y="3810806"/>
+            <a:ext cx="415498" cy="369332"/>
+          </a:xfrm>
+          <a:prstGeom prst="rect">
+            <a:avLst/>
+          </a:prstGeom>
+        </p:spPr>
+        <p:txBody>
+          <a:bodyPr wrap="none">
+            <a:spAutoFit/>
+          </a:bodyPr>
+          <a:lstStyle/>
+          <a:p>
+            <a:r>
+              <a:rPr lang="en-US" altLang="zh-CN" dirty="0" smtClean="0">
+                <a:solidFill>
+                  <a:srgbClr val="000000"/>
+                </a:solidFill>
+                <a:latin typeface="宋体" panose="02010600030101010101" pitchFamily="2" charset="-122"/>
+              </a:rPr>
+              <a:t>5%</a:t>
+            </a:r>
+            <a:endParaRPr lang="zh-CN" altLang="en-US" dirty="0"/>
+          </a:p>
+        </p:txBody>
+      </p:sp>
+      <p:sp>
+        <p:nvSpPr>
+          <p:cNvPr id="15" name="矩形 14"/>
+          <p:cNvSpPr/>
+          <p:nvPr/>
+        </p:nvSpPr>
+        <p:spPr>
+          <a:xfrm>
+            <a:off x="2352007" y="4360301"/>
+            <a:ext cx="415498" cy="369332"/>
+          </a:xfrm>
+          <a:prstGeom prst="rect">
+            <a:avLst/>
+          </a:prstGeom>
+        </p:spPr>
+        <p:txBody>
+          <a:bodyPr wrap="none">
+            <a:spAutoFit/>
+          </a:bodyPr>
+          <a:lstStyle/>
+          <a:p>
+            <a:r>
+              <a:rPr lang="en-US" altLang="zh-CN" dirty="0">
+                <a:solidFill>
+                  <a:srgbClr val="000000"/>
+                </a:solidFill>
+                <a:latin typeface="宋体" panose="02010600030101010101" pitchFamily="2" charset="-122"/>
+              </a:rPr>
+              <a:t>2</a:t>
+            </a:r>
+            <a:r>
+              <a:rPr lang="en-US" altLang="zh-CN" dirty="0" smtClean="0">
+                <a:solidFill>
+                  <a:srgbClr val="000000"/>
+                </a:solidFill>
+                <a:latin typeface="宋体" panose="02010600030101010101" pitchFamily="2" charset="-122"/>
+              </a:rPr>
+              <a:t>%</a:t>
+            </a:r>
+            <a:endParaRPr lang="zh-CN" altLang="en-US" dirty="0"/>
+          </a:p>
+        </p:txBody>
+      </p:sp>
+      <p:sp>
+        <p:nvSpPr>
+          <p:cNvPr id="16" name="矩形 15"/>
+          <p:cNvSpPr/>
+          <p:nvPr/>
+        </p:nvSpPr>
+        <p:spPr>
+          <a:xfrm>
+            <a:off x="2869757" y="4101288"/>
+            <a:ext cx="300082" cy="369332"/>
+          </a:xfrm>
+          <a:prstGeom prst="rect">
+            <a:avLst/>
+          </a:prstGeom>
+        </p:spPr>
+        <p:txBody>
+          <a:bodyPr wrap="none">
+            <a:spAutoFit/>
+          </a:bodyPr>
+          <a:lstStyle/>
+          <a:p>
+            <a:r>
+              <a:rPr lang="en-US" altLang="zh-CN" dirty="0" smtClean="0">
+                <a:solidFill>
+                  <a:srgbClr val="000000"/>
+                </a:solidFill>
+                <a:latin typeface="宋体" panose="02010600030101010101" pitchFamily="2" charset="-122"/>
+              </a:rPr>
+              <a:t>=</a:t>
+            </a:r>
+            <a:endParaRPr lang="zh-CN" altLang="en-US" dirty="0"/>
+          </a:p>
+        </p:txBody>
+      </p:sp>
+      <p:sp>
+        <p:nvSpPr>
+          <p:cNvPr id="17" name="矩形 16"/>
+          <p:cNvSpPr/>
+          <p:nvPr/>
+        </p:nvSpPr>
+        <p:spPr>
+          <a:xfrm>
+            <a:off x="3328976" y="4101288"/>
+            <a:ext cx="530915" cy="369332"/>
+          </a:xfrm>
+          <a:prstGeom prst="rect">
+            <a:avLst/>
+          </a:prstGeom>
+        </p:spPr>
+        <p:txBody>
+          <a:bodyPr wrap="none">
+            <a:spAutoFit/>
+          </a:bodyPr>
+          <a:lstStyle/>
+          <a:p>
+            <a:r>
+              <a:rPr lang="en-US" altLang="zh-CN" dirty="0" smtClean="0">
+                <a:solidFill>
+                  <a:srgbClr val="000000"/>
+                </a:solidFill>
+                <a:latin typeface="宋体" panose="02010600030101010101" pitchFamily="2" charset="-122"/>
+              </a:rPr>
+              <a:t>2.5</a:t>
+            </a:r>
+            <a:endParaRPr lang="zh-CN" altLang="en-US" dirty="0"/>
+          </a:p>
+        </p:txBody>
+      </p:sp>
+      <p:sp>
+        <p:nvSpPr>
+          <p:cNvPr id="18" name="矩形 17"/>
+          <p:cNvSpPr/>
+          <p:nvPr/>
+        </p:nvSpPr>
+        <p:spPr>
+          <a:xfrm>
+            <a:off x="2311695" y="4101288"/>
+            <a:ext cx="415498" cy="369332"/>
+          </a:xfrm>
+          <a:prstGeom prst="rect">
+            <a:avLst/>
+          </a:prstGeom>
+        </p:spPr>
+        <p:txBody>
+          <a:bodyPr wrap="none">
+            <a:spAutoFit/>
+          </a:bodyPr>
+          <a:lstStyle/>
+          <a:p>
+            <a:r>
+              <a:rPr lang="en-US" altLang="zh-CN" dirty="0" smtClean="0">
+                <a:solidFill>
+                  <a:srgbClr val="000000"/>
+                </a:solidFill>
+                <a:latin typeface="宋体" panose="02010600030101010101" pitchFamily="2" charset="-122"/>
+              </a:rPr>
+              <a:t>—</a:t>
+            </a:r>
+            <a:endParaRPr lang="zh-CN" altLang="en-US" dirty="0"/>
+          </a:p>
+        </p:txBody>
+      </p:sp>
+      <p:sp>
+        <p:nvSpPr>
+          <p:cNvPr id="19" name="矩形 18"/>
+          <p:cNvSpPr/>
+          <p:nvPr/>
+        </p:nvSpPr>
+        <p:spPr>
+          <a:xfrm>
+            <a:off x="2277058" y="5348972"/>
+            <a:ext cx="6307383" cy="369332"/>
+          </a:xfrm>
+          <a:prstGeom prst="rect">
+            <a:avLst/>
+          </a:prstGeom>
+        </p:spPr>
+        <p:txBody>
+          <a:bodyPr wrap="square">
+            <a:spAutoFit/>
+          </a:bodyPr>
+          <a:lstStyle/>
+          <a:p>
+            <a:r>
+              <a:rPr lang="zh-CN" altLang="en-US" dirty="0" smtClean="0">
+                <a:solidFill>
+                  <a:srgbClr val="000000"/>
+                </a:solidFill>
+                <a:latin typeface="宋体" panose="02010600030101010101" pitchFamily="2" charset="-122"/>
+              </a:rPr>
+              <a:t>弹性小于</a:t>
+            </a:r>
+            <a:r>
+              <a:rPr lang="en-US" altLang="zh-CN" dirty="0" smtClean="0">
+                <a:solidFill>
+                  <a:srgbClr val="000000"/>
+                </a:solidFill>
+                <a:latin typeface="宋体" panose="02010600030101010101" pitchFamily="2" charset="-122"/>
+              </a:rPr>
+              <a:t>1</a:t>
+            </a:r>
+            <a:r>
+              <a:rPr lang="zh-CN" altLang="en-US" dirty="0" smtClean="0">
+                <a:solidFill>
+                  <a:srgbClr val="000000"/>
+                </a:solidFill>
+                <a:latin typeface="宋体" panose="02010600030101010101" pitchFamily="2" charset="-122"/>
+              </a:rPr>
+              <a:t>，必需品</a:t>
+            </a:r>
+            <a:endParaRPr lang="zh-CN" altLang="en-US" dirty="0"/>
           </a:p>
         </p:txBody>
       </p:sp>
     </p:spTree>
     <p:extLst>
       <p:ext uri="{BB962C8B-B14F-4D97-AF65-F5344CB8AC3E}">
-        <p14:creationId xmlns:p14="http://schemas.microsoft.com/office/powerpoint/2010/main" val="2803786362"/>
+        <p14:creationId xmlns:p14="http://schemas.microsoft.com/office/powerpoint/2010/main" val="2731659448"/>
       </p:ext>
     </p:extLst>
   </p:cSld>
   <p:clrMapOvr>
     <a:masterClrMapping/>
   </p:clrMapOvr>
-  <p:timing>
-    <p:tnLst>
-      <p:par>
-        <p:cTn id="1" dur="indefinite" restart="never" nodeType="tmRoot"/>
-      </p:par>
-    </p:tnLst>
-  </p:timing>
 </p:sld>
 </file>
 
@@ -4341,69 +4905,51 @@
           <a:chExt cx="0" cy="0"/>
         </a:xfrm>
       </p:grpSpPr>
-      <p:sp>
-        <p:nvSpPr>
-          <p:cNvPr id="2" name="标题 1"/>
-          <p:cNvSpPr>
-            <a:spLocks noGrp="1"/>
-          </p:cNvSpPr>
-          <p:nvPr>
-            <p:ph type="ctrTitle"/>
-          </p:nvPr>
-        </p:nvSpPr>
-        <p:spPr>
-          <a:xfrm>
-            <a:off x="1401169" y="1733267"/>
-            <a:ext cx="9144000" cy="1053366"/>
-          </a:xfrm>
-        </p:spPr>
-        <p:txBody>
-          <a:bodyPr>
-            <a:normAutofit/>
-          </a:bodyPr>
-          <a:lstStyle/>
-          <a:p>
-            <a:r>
-              <a:rPr lang="zh-CN" altLang="en-US" dirty="0" smtClean="0"/>
-              <a:t>火车票价还不够高</a:t>
-            </a:r>
-            <a:endParaRPr lang="zh-CN" altLang="en-US" dirty="0"/>
-          </a:p>
-        </p:txBody>
-      </p:sp>
-      <p:sp>
-        <p:nvSpPr>
-          <p:cNvPr id="3" name="矩形 2"/>
-          <p:cNvSpPr/>
-          <p:nvPr/>
-        </p:nvSpPr>
-        <p:spPr>
-          <a:xfrm>
-            <a:off x="3261465" y="3107856"/>
-            <a:ext cx="5423408" cy="369332"/>
-          </a:xfrm>
-          <a:prstGeom prst="rect">
-            <a:avLst/>
-          </a:prstGeom>
-        </p:spPr>
-        <p:txBody>
-          <a:bodyPr wrap="none">
-            <a:spAutoFit/>
-          </a:bodyPr>
-          <a:lstStyle/>
-          <a:p>
-            <a:r>
-              <a:rPr lang="zh-CN" altLang="en-US" dirty="0" smtClean="0"/>
-              <a:t>http://opinion.hexun.com/2012-04-26/140833772.html</a:t>
-            </a:r>
-            <a:endParaRPr lang="zh-CN" altLang="en-US" dirty="0"/>
-          </a:p>
-        </p:txBody>
-      </p:sp>
+      <p:pic>
+        <p:nvPicPr>
+          <p:cNvPr id="1026" name="Picture 2" descr="https://gss0.bdstatic.com/-4o3dSag_xI4khGkpoWK1HF6hhy/baike/c0%3Dbaike80%2C5%2C5%2C80%2C26/sign=6a5ea2acbf389b502cf2e800e45c8eb8/ac4bd11373f082020620298d4dfbfbedaa641bd5.jpg"/>
+          <p:cNvPicPr>
+            <a:picLocks noChangeAspect="1" noChangeArrowheads="1"/>
+          </p:cNvPicPr>
+          <p:nvPr/>
+        </p:nvPicPr>
+        <p:blipFill>
+          <a:blip r:embed="rId2">
+            <a:extLst>
+              <a:ext uri="{28A0092B-C50C-407E-A947-70E740481C1C}">
+                <a14:useLocalDpi xmlns:a14="http://schemas.microsoft.com/office/drawing/2010/main" val="0"/>
+              </a:ext>
+            </a:extLst>
+          </a:blip>
+          <a:srcRect/>
+          <a:stretch>
+            <a:fillRect/>
+          </a:stretch>
+        </p:blipFill>
+        <p:spPr bwMode="auto">
+          <a:xfrm>
+            <a:off x="3881220" y="857967"/>
+            <a:ext cx="3790950" cy="4648201"/>
+          </a:xfrm>
+          <a:prstGeom prst="rect">
+            <a:avLst/>
+          </a:prstGeom>
+          <a:noFill/>
+          <a:extLst>
+            <a:ext uri="{909E8E84-426E-40DD-AFC4-6F175D3DCCD1}">
+              <a14:hiddenFill xmlns:a14="http://schemas.microsoft.com/office/drawing/2010/main">
+                <a:solidFill>
+                  <a:srgbClr val="FFFFFF"/>
+                </a:solidFill>
+              </a14:hiddenFill>
+            </a:ext>
+          </a:extLst>
+        </p:spPr>
+      </p:pic>
     </p:spTree>
     <p:extLst>
       <p:ext uri="{BB962C8B-B14F-4D97-AF65-F5344CB8AC3E}">
-        <p14:creationId xmlns:p14="http://schemas.microsoft.com/office/powerpoint/2010/main" val="2005243472"/>
+        <p14:creationId xmlns:p14="http://schemas.microsoft.com/office/powerpoint/2010/main" val="1191190915"/>
       </p:ext>
     </p:extLst>
   </p:cSld>
@@ -4432,149 +4978,96 @@
       </p:grpSpPr>
       <p:sp>
         <p:nvSpPr>
-          <p:cNvPr id="6" name="文本框 5"/>
-          <p:cNvSpPr txBox="1"/>
-          <p:nvPr/>
-        </p:nvSpPr>
-        <p:spPr>
-          <a:xfrm>
-            <a:off x="2963838" y="860651"/>
-            <a:ext cx="3884397" cy="646331"/>
-          </a:xfrm>
-          <a:prstGeom prst="rect">
-            <a:avLst/>
-          </a:prstGeom>
-          <a:noFill/>
-        </p:spPr>
-        <p:txBody>
-          <a:bodyPr wrap="none" rtlCol="0">
+          <p:cNvPr id="4" name="矩形 3"/>
+          <p:cNvSpPr/>
+          <p:nvPr/>
+        </p:nvSpPr>
+        <p:spPr>
+          <a:xfrm>
+            <a:off x="2101587" y="896919"/>
+            <a:ext cx="5032147" cy="369332"/>
+          </a:xfrm>
+          <a:prstGeom prst="rect">
+            <a:avLst/>
+          </a:prstGeom>
+        </p:spPr>
+        <p:txBody>
+          <a:bodyPr wrap="none">
             <a:spAutoFit/>
           </a:bodyPr>
           <a:lstStyle/>
           <a:p>
             <a:r>
-              <a:rPr lang="zh-CN" altLang="en-US" sz="3600" dirty="0" smtClean="0"/>
-              <a:t>价格的作用（</a:t>
-            </a:r>
-            <a:r>
-              <a:rPr lang="en-US" altLang="zh-CN" sz="3600" dirty="0" smtClean="0"/>
-              <a:t>52</a:t>
-            </a:r>
-            <a:r>
-              <a:rPr lang="zh-CN" altLang="en-US" sz="3600" dirty="0" smtClean="0"/>
-              <a:t>）</a:t>
-            </a:r>
-            <a:endParaRPr lang="zh-CN" altLang="en-US" sz="3600" dirty="0"/>
-          </a:p>
-        </p:txBody>
-      </p:sp>
-      <p:sp>
-        <p:nvSpPr>
-          <p:cNvPr id="2" name="文本框 1"/>
-          <p:cNvSpPr txBox="1"/>
-          <p:nvPr/>
-        </p:nvSpPr>
-        <p:spPr>
-          <a:xfrm>
-            <a:off x="3138985" y="2115403"/>
-            <a:ext cx="1359668" cy="369332"/>
-          </a:xfrm>
-          <a:prstGeom prst="rect">
-            <a:avLst/>
-          </a:prstGeom>
-          <a:noFill/>
-        </p:spPr>
-        <p:txBody>
-          <a:bodyPr wrap="none" rtlCol="0">
-            <a:spAutoFit/>
-          </a:bodyPr>
-          <a:lstStyle/>
-          <a:p>
-            <a:r>
-              <a:rPr lang="zh-CN" altLang="en-US" dirty="0" smtClean="0"/>
-              <a:t>传递稀缺性</a:t>
+              <a:rPr lang="en-US" altLang="zh-CN" dirty="0">
+                <a:solidFill>
+                  <a:srgbClr val="000000"/>
+                </a:solidFill>
+                <a:latin typeface="宋体" panose="02010600030101010101" pitchFamily="2" charset="-122"/>
+              </a:rPr>
+              <a:t>2</a:t>
+            </a:r>
+            <a:r>
+              <a:rPr lang="en-US" altLang="zh-CN" dirty="0" smtClean="0">
+                <a:solidFill>
+                  <a:srgbClr val="000000"/>
+                </a:solidFill>
+                <a:latin typeface="宋体" panose="02010600030101010101" pitchFamily="2" charset="-122"/>
+              </a:rPr>
+              <a:t>.</a:t>
+            </a:r>
+            <a:r>
+              <a:rPr lang="zh-CN" altLang="en-US" dirty="0" smtClean="0">
+                <a:solidFill>
+                  <a:srgbClr val="000000"/>
+                </a:solidFill>
+                <a:latin typeface="宋体" panose="02010600030101010101" pitchFamily="2" charset="-122"/>
+              </a:rPr>
+              <a:t>需求曲线上弹性处处不等，价格越高弹性越大</a:t>
             </a:r>
             <a:endParaRPr lang="zh-CN" altLang="en-US" dirty="0"/>
           </a:p>
         </p:txBody>
       </p:sp>
-      <p:sp>
-        <p:nvSpPr>
-          <p:cNvPr id="4" name="文本框 3"/>
-          <p:cNvSpPr txBox="1"/>
-          <p:nvPr/>
-        </p:nvSpPr>
-        <p:spPr>
-          <a:xfrm>
-            <a:off x="3138985" y="2723824"/>
-            <a:ext cx="1107996" cy="369332"/>
-          </a:xfrm>
-          <a:prstGeom prst="rect">
-            <a:avLst/>
-          </a:prstGeom>
-          <a:noFill/>
-        </p:spPr>
-        <p:txBody>
-          <a:bodyPr wrap="none" rtlCol="0">
-            <a:spAutoFit/>
-          </a:bodyPr>
-          <a:lstStyle/>
-          <a:p>
-            <a:r>
-              <a:rPr lang="zh-CN" altLang="en-US" dirty="0" smtClean="0"/>
-              <a:t>指导生产</a:t>
-            </a:r>
-            <a:endParaRPr lang="zh-CN" altLang="en-US" dirty="0"/>
-          </a:p>
-        </p:txBody>
-      </p:sp>
-      <p:sp>
-        <p:nvSpPr>
-          <p:cNvPr id="5" name="文本框 4"/>
-          <p:cNvSpPr txBox="1"/>
-          <p:nvPr/>
-        </p:nvSpPr>
-        <p:spPr>
-          <a:xfrm>
-            <a:off x="3138985" y="3397956"/>
-            <a:ext cx="4976042" cy="369332"/>
-          </a:xfrm>
-          <a:prstGeom prst="rect">
-            <a:avLst/>
-          </a:prstGeom>
-          <a:noFill/>
-        </p:spPr>
-        <p:txBody>
-          <a:bodyPr wrap="none" rtlCol="0">
-            <a:spAutoFit/>
-          </a:bodyPr>
-          <a:lstStyle/>
-          <a:p>
-            <a:r>
-              <a:rPr lang="zh-CN" altLang="en-US" dirty="0" smtClean="0"/>
-              <a:t>指导产品分配，饼能做多大，取决于怎么分饼</a:t>
-            </a:r>
-            <a:endParaRPr lang="zh-CN" altLang="en-US" dirty="0"/>
-          </a:p>
-        </p:txBody>
-      </p:sp>
+      <p:pic>
+        <p:nvPicPr>
+          <p:cNvPr id="2" name="图片 1"/>
+          <p:cNvPicPr>
+            <a:picLocks noChangeAspect="1"/>
+          </p:cNvPicPr>
+          <p:nvPr/>
+        </p:nvPicPr>
+        <p:blipFill>
+          <a:blip r:embed="rId2">
+            <a:extLst>
+              <a:ext uri="{28A0092B-C50C-407E-A947-70E740481C1C}">
+                <a14:useLocalDpi xmlns:a14="http://schemas.microsoft.com/office/drawing/2010/main" val="0"/>
+              </a:ext>
+            </a:extLst>
+          </a:blip>
+          <a:stretch>
+            <a:fillRect/>
+          </a:stretch>
+        </p:blipFill>
+        <p:spPr>
+          <a:xfrm>
+            <a:off x="2101587" y="1266251"/>
+            <a:ext cx="6667500" cy="4343400"/>
+          </a:xfrm>
+          <a:prstGeom prst="rect">
+            <a:avLst/>
+          </a:prstGeom>
+        </p:spPr>
+      </p:pic>
     </p:spTree>
     <p:extLst>
       <p:ext uri="{BB962C8B-B14F-4D97-AF65-F5344CB8AC3E}">
-        <p14:creationId xmlns:p14="http://schemas.microsoft.com/office/powerpoint/2010/main" val="1088437163"/>
+        <p14:creationId xmlns:p14="http://schemas.microsoft.com/office/powerpoint/2010/main" val="3500125902"/>
       </p:ext>
     </p:extLst>
   </p:cSld>
   <p:clrMapOvr>
     <a:masterClrMapping/>
   </p:clrMapOvr>
-  <p:timing>
-    <p:tnLst>
-      <p:par>
-        <p:cTn id="1" dur="indefinite" restart="never" nodeType="tmRoot"/>
-      </p:par>
-    </p:tnLst>
-  </p:timing>
 </p:sld>
 </file>
 
@@ -4597,51 +5090,54 @@
       </p:grpSpPr>
       <p:sp>
         <p:nvSpPr>
-          <p:cNvPr id="6" name="文本框 5"/>
-          <p:cNvSpPr txBox="1"/>
-          <p:nvPr/>
-        </p:nvSpPr>
-        <p:spPr>
-          <a:xfrm>
-            <a:off x="2963838" y="860651"/>
-            <a:ext cx="3416320" cy="646331"/>
-          </a:xfrm>
-          <a:prstGeom prst="rect">
-            <a:avLst/>
-          </a:prstGeom>
-          <a:noFill/>
-        </p:spPr>
-        <p:txBody>
-          <a:bodyPr wrap="none" rtlCol="0">
+          <p:cNvPr id="3" name="矩形 2"/>
+          <p:cNvSpPr/>
+          <p:nvPr/>
+        </p:nvSpPr>
+        <p:spPr>
+          <a:xfrm>
+            <a:off x="464024" y="450375"/>
+            <a:ext cx="11339415" cy="5509200"/>
+          </a:xfrm>
+          <a:prstGeom prst="rect">
+            <a:avLst/>
+          </a:prstGeom>
+        </p:spPr>
+        <p:txBody>
+          <a:bodyPr wrap="square">
             <a:spAutoFit/>
           </a:bodyPr>
           <a:lstStyle/>
           <a:p>
             <a:r>
-              <a:rPr lang="zh-CN" altLang="en-US" sz="3600" dirty="0" smtClean="0"/>
-              <a:t>美国的房租管制</a:t>
-            </a:r>
-            <a:endParaRPr lang="zh-CN" altLang="en-US" sz="3600" dirty="0"/>
+              <a:rPr lang="zh-CN" altLang="en-US" sz="3200" dirty="0"/>
+              <a:t>一条倾斜向下的需求曲线，当它价格比较高的部分，它的弹性是大于1的；它的价格比较低的部分，它的弹性是小于1的。而每一点的弹性都是不一样的，是在渐变的。这个特征非常有意思，你想，它的含义是什么？刚才我们不是说，弹性大于1代表的是奢侈品，弹性小于1代表的是必需品吗？但是同样一条需求曲线随着价格的变动、随着价格的不同，它的弹性就会发生变化。当价格比较高的时候，弹性大于1，也就是说，这时候这种商品是奢侈品；但是当价格跌到一定程度以后，这种产品就变成了必需品。没错，它的含义正是这样。也就是说，</a:t>
+            </a:r>
+            <a:r>
+              <a:rPr lang="zh-CN" altLang="en-US" sz="3200" dirty="0">
+                <a:solidFill>
+                  <a:srgbClr val="FF0000"/>
+                </a:solidFill>
+              </a:rPr>
+              <a:t>同样一种商品，它究竟是奢侈品还是必需品，没有定数，取决于价格的高低</a:t>
+            </a:r>
+            <a:r>
+              <a:rPr lang="zh-CN" altLang="en-US" sz="3200" dirty="0"/>
+              <a:t>。这是一个很重要的经济学的含义。</a:t>
+            </a:r>
           </a:p>
         </p:txBody>
       </p:sp>
     </p:spTree>
     <p:extLst>
       <p:ext uri="{BB962C8B-B14F-4D97-AF65-F5344CB8AC3E}">
-        <p14:creationId xmlns:p14="http://schemas.microsoft.com/office/powerpoint/2010/main" val="3254254311"/>
+        <p14:creationId xmlns:p14="http://schemas.microsoft.com/office/powerpoint/2010/main" val="585627705"/>
       </p:ext>
     </p:extLst>
   </p:cSld>
   <p:clrMapOvr>
     <a:masterClrMapping/>
   </p:clrMapOvr>
-  <p:timing>
-    <p:tnLst>
-      <p:par>
-        <p:cTn id="1" dur="indefinite" restart="never" nodeType="tmRoot"/>
-      </p:par>
-    </p:tnLst>
-  </p:timing>
 </p:sld>
 </file>
 
@@ -4664,180 +5160,14 @@
       </p:grpSpPr>
       <p:sp>
         <p:nvSpPr>
-          <p:cNvPr id="6" name="文本框 5"/>
-          <p:cNvSpPr txBox="1"/>
-          <p:nvPr/>
-        </p:nvSpPr>
-        <p:spPr>
-          <a:xfrm>
-            <a:off x="2963838" y="860651"/>
-            <a:ext cx="3701654" cy="646331"/>
-          </a:xfrm>
-          <a:prstGeom prst="rect">
-            <a:avLst/>
-          </a:prstGeom>
-          <a:noFill/>
-        </p:spPr>
-        <p:txBody>
-          <a:bodyPr wrap="none" rtlCol="0">
-            <a:spAutoFit/>
-          </a:bodyPr>
-          <a:lstStyle/>
-          <a:p>
-            <a:r>
-              <a:rPr lang="zh-CN" altLang="en-US" sz="3600" dirty="0"/>
-              <a:t>解除</a:t>
-            </a:r>
-            <a:r>
-              <a:rPr lang="zh-CN" altLang="en-US" sz="3600" dirty="0" smtClean="0"/>
-              <a:t>价格管制</a:t>
-            </a:r>
-            <a:r>
-              <a:rPr lang="en-US" altLang="zh-CN" sz="3600" dirty="0" smtClean="0"/>
-              <a:t>(47)</a:t>
-            </a:r>
-            <a:endParaRPr lang="zh-CN" altLang="en-US" sz="3600" dirty="0"/>
-          </a:p>
-        </p:txBody>
-      </p:sp>
-      <p:sp>
-        <p:nvSpPr>
-          <p:cNvPr id="3" name="文本框 2"/>
-          <p:cNvSpPr txBox="1"/>
-          <p:nvPr/>
-        </p:nvSpPr>
-        <p:spPr>
-          <a:xfrm>
-            <a:off x="2873383" y="1736580"/>
-            <a:ext cx="1569660" cy="369332"/>
-          </a:xfrm>
-          <a:prstGeom prst="rect">
-            <a:avLst/>
-          </a:prstGeom>
-          <a:noFill/>
-        </p:spPr>
-        <p:txBody>
-          <a:bodyPr wrap="none" rtlCol="0">
-            <a:spAutoFit/>
-          </a:bodyPr>
-          <a:lstStyle/>
-          <a:p>
-            <a:r>
-              <a:rPr lang="zh-CN" altLang="en-US" dirty="0" smtClean="0"/>
-              <a:t>解除价格管制</a:t>
-            </a:r>
-            <a:endParaRPr lang="zh-CN" altLang="en-US" dirty="0"/>
-          </a:p>
-        </p:txBody>
-      </p:sp>
-      <p:sp>
-        <p:nvSpPr>
-          <p:cNvPr id="4" name="文本框 3"/>
-          <p:cNvSpPr txBox="1"/>
-          <p:nvPr/>
-        </p:nvSpPr>
-        <p:spPr>
-          <a:xfrm>
-            <a:off x="3710837" y="2231007"/>
-            <a:ext cx="2954655" cy="369332"/>
-          </a:xfrm>
-          <a:prstGeom prst="rect">
-            <a:avLst/>
-          </a:prstGeom>
-          <a:noFill/>
-        </p:spPr>
-        <p:txBody>
-          <a:bodyPr wrap="none" rtlCol="0">
-            <a:spAutoFit/>
-          </a:bodyPr>
-          <a:lstStyle/>
-          <a:p>
-            <a:r>
-              <a:rPr lang="en-US" altLang="zh-CN" dirty="0" smtClean="0"/>
-              <a:t>《</a:t>
-            </a:r>
-            <a:r>
-              <a:rPr lang="zh-CN" altLang="en-US" dirty="0" smtClean="0"/>
-              <a:t>制高点：世界经济之战</a:t>
-            </a:r>
-            <a:r>
-              <a:rPr lang="en-US" altLang="zh-CN" dirty="0" smtClean="0"/>
-              <a:t>》</a:t>
-            </a:r>
-            <a:endParaRPr lang="zh-CN" altLang="en-US" dirty="0"/>
-          </a:p>
-        </p:txBody>
-      </p:sp>
-      <p:sp>
-        <p:nvSpPr>
-          <p:cNvPr id="5" name="文本框 4"/>
-          <p:cNvSpPr txBox="1"/>
-          <p:nvPr/>
-        </p:nvSpPr>
-        <p:spPr>
-          <a:xfrm>
-            <a:off x="3042679" y="2231007"/>
-            <a:ext cx="877163" cy="369332"/>
-          </a:xfrm>
-          <a:prstGeom prst="rect">
-            <a:avLst/>
-          </a:prstGeom>
-          <a:noFill/>
-        </p:spPr>
-        <p:txBody>
-          <a:bodyPr wrap="none" rtlCol="0">
-            <a:spAutoFit/>
-          </a:bodyPr>
-          <a:lstStyle/>
-          <a:p>
-            <a:r>
-              <a:rPr lang="zh-CN" altLang="en-US" dirty="0" smtClean="0"/>
-              <a:t>希特勒</a:t>
-            </a:r>
-            <a:endParaRPr lang="zh-CN" altLang="en-US" dirty="0"/>
-          </a:p>
-        </p:txBody>
-      </p:sp>
-      <p:sp>
-        <p:nvSpPr>
-          <p:cNvPr id="7" name="文本框 6"/>
-          <p:cNvSpPr txBox="1"/>
-          <p:nvPr/>
-        </p:nvSpPr>
-        <p:spPr>
-          <a:xfrm>
-            <a:off x="2924752" y="2749774"/>
-            <a:ext cx="2723823" cy="369332"/>
-          </a:xfrm>
-          <a:prstGeom prst="rect">
-            <a:avLst/>
-          </a:prstGeom>
-          <a:noFill/>
-        </p:spPr>
-        <p:txBody>
-          <a:bodyPr wrap="none" rtlCol="0">
-            <a:spAutoFit/>
-          </a:bodyPr>
-          <a:lstStyle/>
-          <a:p>
-            <a:r>
-              <a:rPr lang="zh-CN" altLang="en-US" dirty="0" smtClean="0"/>
-              <a:t>果断与沉稳的拿捏不容易</a:t>
-            </a:r>
-            <a:endParaRPr lang="zh-CN" altLang="en-US" dirty="0"/>
-          </a:p>
-        </p:txBody>
-      </p:sp>
-      <p:sp>
-        <p:nvSpPr>
-          <p:cNvPr id="8" name="矩形 7"/>
+          <p:cNvPr id="4" name="矩形 3"/>
           <p:cNvSpPr/>
           <p:nvPr/>
         </p:nvSpPr>
         <p:spPr>
           <a:xfrm>
-            <a:off x="2963838" y="3393636"/>
-            <a:ext cx="2276585" cy="369332"/>
+            <a:off x="982470" y="542077"/>
+            <a:ext cx="5262979" cy="369332"/>
           </a:xfrm>
           <a:prstGeom prst="rect">
             <a:avLst/>
@@ -4850,34 +5180,85 @@
           <a:lstStyle/>
           <a:p>
             <a:r>
-              <a:rPr lang="zh-CN" altLang="en-US" b="1" dirty="0">
-                <a:solidFill>
-                  <a:srgbClr val="2B2B2B"/>
+              <a:rPr lang="en-US" altLang="zh-CN" dirty="0" smtClean="0">
+                <a:solidFill>
+                  <a:srgbClr val="000000"/>
                 </a:solidFill>
                 <a:latin typeface="宋体" panose="02010600030101010101" pitchFamily="2" charset="-122"/>
               </a:rPr>
-              <a:t>周其仁：改革的逻辑</a:t>
-            </a:r>
+              <a:t>3.</a:t>
+            </a:r>
+            <a:r>
+              <a:rPr lang="zh-CN" altLang="en-US" dirty="0">
+                <a:solidFill>
+                  <a:srgbClr val="000000"/>
+                </a:solidFill>
+                <a:latin typeface="宋体" panose="02010600030101010101" pitchFamily="2" charset="-122"/>
+              </a:rPr>
+              <a:t>一件商品是奢侈品还是必需品，完全取决于价格</a:t>
+            </a:r>
+            <a:endParaRPr lang="zh-CN" altLang="en-US" dirty="0"/>
+          </a:p>
+        </p:txBody>
+      </p:sp>
+      <p:sp>
+        <p:nvSpPr>
+          <p:cNvPr id="3" name="矩形 2"/>
+          <p:cNvSpPr/>
+          <p:nvPr/>
+        </p:nvSpPr>
+        <p:spPr>
+          <a:xfrm>
+            <a:off x="463263" y="1129773"/>
+            <a:ext cx="11209530" cy="4893647"/>
+          </a:xfrm>
+          <a:prstGeom prst="rect">
+            <a:avLst/>
+          </a:prstGeom>
+        </p:spPr>
+        <p:txBody>
+          <a:bodyPr wrap="square">
+            <a:spAutoFit/>
+          </a:bodyPr>
+          <a:lstStyle/>
+          <a:p>
+            <a:r>
+              <a:rPr lang="zh-CN" altLang="en-US" sz="2400" dirty="0"/>
+              <a:t>我们凡是见到有人讨论一种商品，一口咬定说它是奢侈品的，或者一口咬定说它是必需品的，你就知道他对弹性的概念不理解。因为掌握了弹性概念的人，他会明白任何商品，都既可以是奢侈品，也可以是必需品，这完全取决于价格的高低</a:t>
+            </a:r>
+            <a:r>
+              <a:rPr lang="zh-CN" altLang="en-US" sz="2400" dirty="0" smtClean="0"/>
+              <a:t>。</a:t>
+            </a:r>
+            <a:endParaRPr lang="en-US" altLang="zh-CN" sz="2400" dirty="0" smtClean="0"/>
+          </a:p>
+          <a:p>
+            <a:r>
+              <a:rPr lang="zh-CN" altLang="en-US" sz="2400" dirty="0" smtClean="0"/>
+              <a:t>比方说</a:t>
+            </a:r>
+            <a:r>
+              <a:rPr lang="zh-CN" altLang="en-US" sz="2400" dirty="0"/>
+              <a:t>，坐地铁到底属于奢侈品还是必需品啊？很多人说，这当然属于必需品啊，没有地铁咱们就上不了班。我给你举一个例子。北京自从奥运以后，地铁票价就一直是一个统一价——两块钱。不论你跑多远，都是两块钱。这么做，对政府的财政压力就很大，地铁公司就一直希望重新调整价格。很多人就说不能调整，因为地铁是必需品，无论价格高低，人们都是会同样坐地铁的，所以不应该调整这个价格。而实际上，地铁公司终于在2014年12月9日，恢复按路段收费。那一天，你猜需求量有没有变化？价格产生了变化，需求量当然会发生变化，这是咱们坚如磐石的需求第一定律预测的，那天北京地铁的乘客数量在不同的时段、不同的路段分别下降了9%、15%、20%之多。所以说一个商品到底是必需品还是奢侈品，跟价格有密切的关系</a:t>
+            </a:r>
+            <a:r>
+              <a:rPr lang="zh-CN" altLang="en-US" sz="2400" dirty="0" smtClean="0"/>
+              <a:t>。</a:t>
+            </a:r>
+            <a:endParaRPr lang="en-US" altLang="zh-CN" sz="2400" dirty="0" smtClean="0"/>
           </a:p>
         </p:txBody>
       </p:sp>
     </p:spTree>
     <p:extLst>
       <p:ext uri="{BB962C8B-B14F-4D97-AF65-F5344CB8AC3E}">
-        <p14:creationId xmlns:p14="http://schemas.microsoft.com/office/powerpoint/2010/main" val="4547825"/>
+        <p14:creationId xmlns:p14="http://schemas.microsoft.com/office/powerpoint/2010/main" val="1934302299"/>
       </p:ext>
     </p:extLst>
   </p:cSld>
   <p:clrMapOvr>
     <a:masterClrMapping/>
   </p:clrMapOvr>
-  <p:timing>
-    <p:tnLst>
-      <p:par>
-        <p:cTn id="1" dur="indefinite" restart="never" nodeType="tmRoot"/>
-      </p:par>
-    </p:tnLst>
-  </p:timing>
 </p:sld>
 </file>
 
@@ -4900,68 +5281,1579 @@
       </p:grpSpPr>
       <p:sp>
         <p:nvSpPr>
-          <p:cNvPr id="6" name="文本框 5"/>
-          <p:cNvSpPr txBox="1"/>
-          <p:nvPr/>
-        </p:nvSpPr>
-        <p:spPr>
-          <a:xfrm>
-            <a:off x="2963838" y="860651"/>
-            <a:ext cx="2567562" cy="646331"/>
-          </a:xfrm>
-          <a:prstGeom prst="rect">
-            <a:avLst/>
-          </a:prstGeom>
-          <a:noFill/>
-        </p:spPr>
-        <p:txBody>
-          <a:bodyPr wrap="none" rtlCol="0">
+          <p:cNvPr id="2" name="矩形 1"/>
+          <p:cNvSpPr/>
+          <p:nvPr/>
+        </p:nvSpPr>
+        <p:spPr>
+          <a:xfrm>
+            <a:off x="359391" y="256486"/>
+            <a:ext cx="11596048" cy="6494085"/>
+          </a:xfrm>
+          <a:prstGeom prst="rect">
+            <a:avLst/>
+          </a:prstGeom>
+        </p:spPr>
+        <p:txBody>
+          <a:bodyPr wrap="square">
             <a:spAutoFit/>
           </a:bodyPr>
           <a:lstStyle/>
           <a:p>
             <a:r>
-              <a:rPr lang="zh-CN" altLang="en-US" sz="3600" dirty="0" smtClean="0"/>
-              <a:t>穷人怎么办</a:t>
-            </a:r>
-            <a:endParaRPr lang="zh-CN" altLang="en-US" sz="3600" dirty="0"/>
-          </a:p>
-        </p:txBody>
-      </p:sp>
-      <p:sp>
-        <p:nvSpPr>
-          <p:cNvPr id="2" name="文本框 1"/>
-          <p:cNvSpPr txBox="1"/>
-          <p:nvPr/>
-        </p:nvSpPr>
-        <p:spPr>
-          <a:xfrm>
-            <a:off x="3138985" y="2115403"/>
-            <a:ext cx="2031325" cy="369332"/>
-          </a:xfrm>
-          <a:prstGeom prst="rect">
-            <a:avLst/>
-          </a:prstGeom>
-          <a:noFill/>
-        </p:spPr>
-        <p:txBody>
-          <a:bodyPr wrap="none" rtlCol="0">
-            <a:spAutoFit/>
-          </a:bodyPr>
-          <a:lstStyle/>
-          <a:p>
-            <a:r>
-              <a:rPr lang="zh-CN" altLang="en-US" dirty="0" smtClean="0"/>
-              <a:t>购物券，市场机制</a:t>
-            </a:r>
-            <a:endParaRPr lang="zh-CN" altLang="en-US" dirty="0"/>
+              <a:rPr lang="zh-CN" altLang="en-US" sz="3200" dirty="0"/>
+              <a:t>再比方说水，水到底是奢侈品还是必需品？一般人会说，水当然是必需品。但是你要看，在水资源特别匮乏的地方，人们使用水的数量，跟水资源非常丰富的地方，人们使用水的数量是完全不一样的。在水资源丰富的地方，人们不仅喝水，他们还洗澡，不仅洗淋浴，他们还泡澡，不仅自己泡澡，还要浇花，还要洗车，还要做喷泉。在水资源不够的地方呢。那他们当然很省了，他们不会浇花，也不会随便洗车，澡也不是随便洗的，他们洗完脸又洗脚，洗完脚又擦鞋，擦完鞋还要拿来冲厕所。</a:t>
+            </a:r>
+            <a:endParaRPr lang="en-US" altLang="zh-CN" sz="3200" dirty="0"/>
+          </a:p>
+          <a:p>
+            <a:r>
+              <a:rPr lang="zh-CN" altLang="en-US" sz="3200" dirty="0"/>
+              <a:t>同样，我们生活在大城市的打工一族，往往都认为今天坐出租车是一种必需品。但实际上，10年前、20年前、30年前出租车肯定是奢侈品，一般人是坐不起出租车的。出租车司机只在宾馆门口趴活，他们接的都是外宾。随着价格的下降，出租车才变成了我们上下班必需的交通工具。</a:t>
+            </a:r>
+            <a:endParaRPr lang="zh-CN" altLang="en-US" sz="3200" dirty="0"/>
           </a:p>
         </p:txBody>
       </p:sp>
     </p:spTree>
     <p:extLst>
       <p:ext uri="{BB962C8B-B14F-4D97-AF65-F5344CB8AC3E}">
-        <p14:creationId xmlns:p14="http://schemas.microsoft.com/office/powerpoint/2010/main" val="2705872648"/>
+        <p14:creationId xmlns:p14="http://schemas.microsoft.com/office/powerpoint/2010/main" val="291549113"/>
+      </p:ext>
+    </p:extLst>
+  </p:cSld>
+  <p:clrMapOvr>
+    <a:masterClrMapping/>
+  </p:clrMapOvr>
+</p:sld>
+</file>
+
+<file path=ppt/slides/slide24.xml><?xml version="1.0" encoding="utf-8"?>
+<p:sld xmlns:a="http://schemas.openxmlformats.org/drawingml/2006/main" xmlns:r="http://schemas.openxmlformats.org/officeDocument/2006/relationships" xmlns:p="http://schemas.openxmlformats.org/presentationml/2006/main">
+  <p:cSld>
+    <p:spTree>
+      <p:nvGrpSpPr>
+        <p:cNvPr id="1" name=""/>
+        <p:cNvGrpSpPr/>
+        <p:nvPr/>
+      </p:nvGrpSpPr>
+      <p:grpSpPr>
+        <a:xfrm>
+          <a:off x="0" y="0"/>
+          <a:ext cx="0" cy="0"/>
+          <a:chOff x="0" y="0"/>
+          <a:chExt cx="0" cy="0"/>
+        </a:xfrm>
+      </p:grpSpPr>
+      <p:sp>
+        <p:nvSpPr>
+          <p:cNvPr id="2" name="矩形 1"/>
+          <p:cNvSpPr/>
+          <p:nvPr/>
+        </p:nvSpPr>
+        <p:spPr>
+          <a:xfrm>
+            <a:off x="878246" y="414629"/>
+            <a:ext cx="1729961" cy="923330"/>
+          </a:xfrm>
+          <a:prstGeom prst="rect">
+            <a:avLst/>
+          </a:prstGeom>
+        </p:spPr>
+        <p:txBody>
+          <a:bodyPr wrap="none">
+            <a:spAutoFit/>
+          </a:bodyPr>
+          <a:lstStyle/>
+          <a:p>
+            <a:pPr algn="ctr">
+              <a:lnSpc>
+                <a:spcPct val="90000"/>
+              </a:lnSpc>
+              <a:spcBef>
+                <a:spcPct val="0"/>
+              </a:spcBef>
+            </a:pPr>
+            <a:r>
+              <a:rPr lang="zh-CN" altLang="en-US" sz="6000" b="1" dirty="0" smtClean="0">
+                <a:latin typeface="+mj-lt"/>
+                <a:ea typeface="+mj-ea"/>
+                <a:cs typeface="+mj-cs"/>
+              </a:rPr>
+              <a:t>刚需</a:t>
+            </a:r>
+            <a:endParaRPr lang="zh-CN" altLang="en-US" sz="6000" b="1" dirty="0">
+              <a:latin typeface="+mj-lt"/>
+              <a:ea typeface="+mj-ea"/>
+              <a:cs typeface="+mj-cs"/>
+            </a:endParaRPr>
+          </a:p>
+        </p:txBody>
+      </p:sp>
+      <p:sp>
+        <p:nvSpPr>
+          <p:cNvPr id="3" name="矩形 2"/>
+          <p:cNvSpPr/>
+          <p:nvPr/>
+        </p:nvSpPr>
+        <p:spPr>
+          <a:xfrm>
+            <a:off x="878246" y="1337959"/>
+            <a:ext cx="4455066" cy="369332"/>
+          </a:xfrm>
+          <a:prstGeom prst="rect">
+            <a:avLst/>
+          </a:prstGeom>
+        </p:spPr>
+        <p:txBody>
+          <a:bodyPr wrap="none">
+            <a:spAutoFit/>
+          </a:bodyPr>
+          <a:lstStyle/>
+          <a:p>
+            <a:r>
+              <a:rPr lang="zh-CN" altLang="en-US" dirty="0" smtClean="0">
+                <a:solidFill>
+                  <a:srgbClr val="000000"/>
+                </a:solidFill>
+                <a:latin typeface="宋体" panose="02010600030101010101" pitchFamily="2" charset="-122"/>
+              </a:rPr>
+              <a:t>没有永远的奢侈品，也没有永远的必需品</a:t>
+            </a:r>
+            <a:endParaRPr lang="zh-CN" altLang="en-US" dirty="0"/>
+          </a:p>
+        </p:txBody>
+      </p:sp>
+      <p:sp>
+        <p:nvSpPr>
+          <p:cNvPr id="4" name="矩形 3"/>
+          <p:cNvSpPr/>
+          <p:nvPr/>
+        </p:nvSpPr>
+        <p:spPr>
+          <a:xfrm>
+            <a:off x="878246" y="1885934"/>
+            <a:ext cx="9523864" cy="369332"/>
+          </a:xfrm>
+          <a:prstGeom prst="rect">
+            <a:avLst/>
+          </a:prstGeom>
+        </p:spPr>
+        <p:txBody>
+          <a:bodyPr wrap="square">
+            <a:spAutoFit/>
+          </a:bodyPr>
+          <a:lstStyle/>
+          <a:p>
+            <a:r>
+              <a:rPr lang="zh-CN" altLang="en-US" dirty="0">
+                <a:solidFill>
+                  <a:srgbClr val="333333"/>
+                </a:solidFill>
+                <a:latin typeface="Helvetica Neue"/>
+              </a:rPr>
+              <a:t>所谓的刚需是对市场的干涉产生的，政府该做的是保证市场的自由。</a:t>
+            </a:r>
+            <a:endParaRPr lang="zh-CN" altLang="en-US" dirty="0"/>
+          </a:p>
+        </p:txBody>
+      </p:sp>
+      <p:sp>
+        <p:nvSpPr>
+          <p:cNvPr id="5" name="矩形 4"/>
+          <p:cNvSpPr/>
+          <p:nvPr/>
+        </p:nvSpPr>
+        <p:spPr>
+          <a:xfrm>
+            <a:off x="878246" y="2433909"/>
+            <a:ext cx="10056126" cy="646331"/>
+          </a:xfrm>
+          <a:prstGeom prst="rect">
+            <a:avLst/>
+          </a:prstGeom>
+        </p:spPr>
+        <p:txBody>
+          <a:bodyPr wrap="square">
+            <a:spAutoFit/>
+          </a:bodyPr>
+          <a:lstStyle/>
+          <a:p>
+            <a:r>
+              <a:rPr lang="en-US" altLang="zh-CN" dirty="0">
+                <a:solidFill>
+                  <a:srgbClr val="444444"/>
+                </a:solidFill>
+                <a:latin typeface="Tahoma" panose="020B0604030504040204" pitchFamily="34" charset="0"/>
+              </a:rPr>
+              <a:t>《</a:t>
+            </a:r>
+            <a:r>
+              <a:rPr lang="zh-CN" altLang="en-US" dirty="0">
+                <a:solidFill>
+                  <a:srgbClr val="444444"/>
+                </a:solidFill>
+                <a:latin typeface="Tahoma" panose="020B0604030504040204" pitchFamily="34" charset="0"/>
+              </a:rPr>
+              <a:t>富兰克林传</a:t>
+            </a:r>
+            <a:r>
+              <a:rPr lang="en-US" altLang="zh-CN" dirty="0">
+                <a:solidFill>
+                  <a:srgbClr val="444444"/>
+                </a:solidFill>
+                <a:latin typeface="Tahoma" panose="020B0604030504040204" pitchFamily="34" charset="0"/>
+              </a:rPr>
+              <a:t>》</a:t>
+            </a:r>
+            <a:r>
+              <a:rPr lang="zh-CN" altLang="en-US" dirty="0">
+                <a:solidFill>
+                  <a:srgbClr val="444444"/>
+                </a:solidFill>
+                <a:latin typeface="Tahoma" panose="020B0604030504040204" pitchFamily="34" charset="0"/>
+              </a:rPr>
+              <a:t>我们也做了一期节目，在那期节目当中我就讲了两句话：第一句呢？是挣钱很光荣。第二句呢？是合法做生意挣钱。是我知道的在这个世界上生存的最有尊严的方式。</a:t>
+            </a:r>
+            <a:endParaRPr lang="zh-CN" altLang="en-US" dirty="0"/>
+          </a:p>
+        </p:txBody>
+      </p:sp>
+      <p:sp>
+        <p:nvSpPr>
+          <p:cNvPr id="6" name="矩形 5"/>
+          <p:cNvSpPr/>
+          <p:nvPr/>
+        </p:nvSpPr>
+        <p:spPr>
+          <a:xfrm>
+            <a:off x="878246" y="3300923"/>
+            <a:ext cx="10056126" cy="1200329"/>
+          </a:xfrm>
+          <a:prstGeom prst="rect">
+            <a:avLst/>
+          </a:prstGeom>
+        </p:spPr>
+        <p:txBody>
+          <a:bodyPr wrap="square">
+            <a:spAutoFit/>
+          </a:bodyPr>
+          <a:lstStyle/>
+          <a:p>
+            <a:r>
+              <a:rPr lang="zh-CN" altLang="en-US" dirty="0">
+                <a:solidFill>
+                  <a:srgbClr val="444444"/>
+                </a:solidFill>
+                <a:latin typeface="Tahoma" panose="020B0604030504040204" pitchFamily="34" charset="0"/>
+              </a:rPr>
+              <a:t>电影</a:t>
+            </a:r>
+            <a:r>
+              <a:rPr lang="en-US" altLang="zh-CN" dirty="0">
+                <a:solidFill>
+                  <a:srgbClr val="444444"/>
+                </a:solidFill>
+                <a:latin typeface="Tahoma" panose="020B0604030504040204" pitchFamily="34" charset="0"/>
+              </a:rPr>
+              <a:t>《1942》</a:t>
+            </a:r>
+            <a:r>
+              <a:rPr lang="zh-CN" altLang="en-US" dirty="0">
+                <a:solidFill>
+                  <a:srgbClr val="444444"/>
+                </a:solidFill>
+                <a:latin typeface="Tahoma" panose="020B0604030504040204" pitchFamily="34" charset="0"/>
+              </a:rPr>
+              <a:t>描述了上个世纪中国的一场大饥荒。这里面就有一个情节，一个小伙子好不容易找到一小包饼干，马上就跑去找他那个心爱的姑娘，说我要不分你一半，你让我亲热一下。你看，人都奄奄待毙了还琢磨这个，他还在肉体的片刻欢愉和自己活下去之间做比较和权衡。很多人都在讲，说人的生命的安全是这个文明的底线，那这可是刚需。</a:t>
+            </a:r>
+            <a:endParaRPr lang="zh-CN" altLang="en-US" dirty="0"/>
+          </a:p>
+        </p:txBody>
+      </p:sp>
+      <p:sp>
+        <p:nvSpPr>
+          <p:cNvPr id="7" name="矩形 6"/>
+          <p:cNvSpPr/>
+          <p:nvPr/>
+        </p:nvSpPr>
+        <p:spPr>
+          <a:xfrm>
+            <a:off x="878246" y="4537269"/>
+            <a:ext cx="877163" cy="369332"/>
+          </a:xfrm>
+          <a:prstGeom prst="rect">
+            <a:avLst/>
+          </a:prstGeom>
+        </p:spPr>
+        <p:txBody>
+          <a:bodyPr wrap="none">
+            <a:spAutoFit/>
+          </a:bodyPr>
+          <a:lstStyle/>
+          <a:p>
+            <a:r>
+              <a:rPr lang="zh-CN" altLang="en-US" dirty="0">
+                <a:solidFill>
+                  <a:srgbClr val="444444"/>
+                </a:solidFill>
+                <a:latin typeface="Tahoma" panose="020B0604030504040204" pitchFamily="34" charset="0"/>
+              </a:rPr>
+              <a:t>地沟油</a:t>
+            </a:r>
+            <a:endParaRPr lang="zh-CN" altLang="en-US" dirty="0"/>
+          </a:p>
+        </p:txBody>
+      </p:sp>
+    </p:spTree>
+    <p:extLst>
+      <p:ext uri="{BB962C8B-B14F-4D97-AF65-F5344CB8AC3E}">
+        <p14:creationId xmlns:p14="http://schemas.microsoft.com/office/powerpoint/2010/main" val="2870605886"/>
+      </p:ext>
+    </p:extLst>
+  </p:cSld>
+  <p:clrMapOvr>
+    <a:masterClrMapping/>
+  </p:clrMapOvr>
+  <p:timing>
+    <p:tnLst>
+      <p:par>
+        <p:cTn id="1" dur="indefinite" restart="never" nodeType="tmRoot"/>
+      </p:par>
+    </p:tnLst>
+  </p:timing>
+</p:sld>
+</file>
+
+<file path=ppt/slides/slide25.xml><?xml version="1.0" encoding="utf-8"?>
+<p:sld xmlns:a="http://schemas.openxmlformats.org/drawingml/2006/main" xmlns:r="http://schemas.openxmlformats.org/officeDocument/2006/relationships" xmlns:p="http://schemas.openxmlformats.org/presentationml/2006/main">
+  <p:cSld>
+    <p:spTree>
+      <p:nvGrpSpPr>
+        <p:cNvPr id="1" name=""/>
+        <p:cNvGrpSpPr/>
+        <p:nvPr/>
+      </p:nvGrpSpPr>
+      <p:grpSpPr>
+        <a:xfrm>
+          <a:off x="0" y="0"/>
+          <a:ext cx="0" cy="0"/>
+          <a:chOff x="0" y="0"/>
+          <a:chExt cx="0" cy="0"/>
+        </a:xfrm>
+      </p:grpSpPr>
+      <p:sp>
+        <p:nvSpPr>
+          <p:cNvPr id="4" name="矩形 3"/>
+          <p:cNvSpPr/>
+          <p:nvPr/>
+        </p:nvSpPr>
+        <p:spPr>
+          <a:xfrm>
+            <a:off x="573037" y="446544"/>
+            <a:ext cx="2954655" cy="369332"/>
+          </a:xfrm>
+          <a:prstGeom prst="rect">
+            <a:avLst/>
+          </a:prstGeom>
+        </p:spPr>
+        <p:txBody>
+          <a:bodyPr wrap="none">
+            <a:spAutoFit/>
+          </a:bodyPr>
+          <a:lstStyle/>
+          <a:p>
+            <a:r>
+              <a:rPr lang="en-US" altLang="zh-CN" dirty="0" smtClean="0">
+                <a:solidFill>
+                  <a:srgbClr val="000000"/>
+                </a:solidFill>
+                <a:latin typeface="宋体" panose="02010600030101010101" pitchFamily="2" charset="-122"/>
+              </a:rPr>
+              <a:t>1.</a:t>
+            </a:r>
+            <a:r>
+              <a:rPr lang="zh-CN" altLang="en-US" dirty="0" smtClean="0">
+                <a:solidFill>
+                  <a:srgbClr val="000000"/>
+                </a:solidFill>
+                <a:latin typeface="宋体" panose="02010600030101010101" pitchFamily="2" charset="-122"/>
+              </a:rPr>
+              <a:t>垂直的需求曲线（刚需）</a:t>
+            </a:r>
+            <a:endParaRPr lang="zh-CN" altLang="en-US" dirty="0"/>
+          </a:p>
+        </p:txBody>
+      </p:sp>
+      <p:sp>
+        <p:nvSpPr>
+          <p:cNvPr id="5" name="矩形 4"/>
+          <p:cNvSpPr/>
+          <p:nvPr/>
+        </p:nvSpPr>
+        <p:spPr>
+          <a:xfrm>
+            <a:off x="9019072" y="1715782"/>
+            <a:ext cx="2308569" cy="2646878"/>
+          </a:xfrm>
+          <a:prstGeom prst="rect">
+            <a:avLst/>
+          </a:prstGeom>
+        </p:spPr>
+        <p:txBody>
+          <a:bodyPr wrap="square">
+            <a:spAutoFit/>
+          </a:bodyPr>
+          <a:lstStyle/>
+          <a:p>
+            <a:r>
+              <a:rPr lang="zh-CN" altLang="en-US" sz="16600" dirty="0" smtClean="0">
+                <a:solidFill>
+                  <a:srgbClr val="000000"/>
+                </a:solidFill>
+                <a:latin typeface="宋体" panose="02010600030101010101" pitchFamily="2" charset="-122"/>
+              </a:rPr>
+              <a:t>盐</a:t>
+            </a:r>
+            <a:endParaRPr lang="zh-CN" altLang="en-US" sz="16600" dirty="0"/>
+          </a:p>
+        </p:txBody>
+      </p:sp>
+      <p:pic>
+        <p:nvPicPr>
+          <p:cNvPr id="2" name="图片 1"/>
+          <p:cNvPicPr>
+            <a:picLocks noChangeAspect="1"/>
+          </p:cNvPicPr>
+          <p:nvPr/>
+        </p:nvPicPr>
+        <p:blipFill>
+          <a:blip r:embed="rId2">
+            <a:extLst>
+              <a:ext uri="{28A0092B-C50C-407E-A947-70E740481C1C}">
+                <a14:useLocalDpi xmlns:a14="http://schemas.microsoft.com/office/drawing/2010/main" val="0"/>
+              </a:ext>
+            </a:extLst>
+          </a:blip>
+          <a:stretch>
+            <a:fillRect/>
+          </a:stretch>
+        </p:blipFill>
+        <p:spPr>
+          <a:xfrm>
+            <a:off x="1779611" y="917029"/>
+            <a:ext cx="6667500" cy="4505325"/>
+          </a:xfrm>
+          <a:prstGeom prst="rect">
+            <a:avLst/>
+          </a:prstGeom>
+        </p:spPr>
+      </p:pic>
+    </p:spTree>
+    <p:extLst>
+      <p:ext uri="{BB962C8B-B14F-4D97-AF65-F5344CB8AC3E}">
+        <p14:creationId xmlns:p14="http://schemas.microsoft.com/office/powerpoint/2010/main" val="2613436828"/>
+      </p:ext>
+    </p:extLst>
+  </p:cSld>
+  <p:clrMapOvr>
+    <a:masterClrMapping/>
+  </p:clrMapOvr>
+  <p:timing>
+    <p:tnLst>
+      <p:par>
+        <p:cTn id="1" dur="indefinite" restart="never" nodeType="tmRoot"/>
+      </p:par>
+    </p:tnLst>
+  </p:timing>
+</p:sld>
+</file>
+
+<file path=ppt/slides/slide26.xml><?xml version="1.0" encoding="utf-8"?>
+<p:sld xmlns:a="http://schemas.openxmlformats.org/drawingml/2006/main" xmlns:r="http://schemas.openxmlformats.org/officeDocument/2006/relationships" xmlns:p="http://schemas.openxmlformats.org/presentationml/2006/main">
+  <p:cSld>
+    <p:spTree>
+      <p:nvGrpSpPr>
+        <p:cNvPr id="1" name=""/>
+        <p:cNvGrpSpPr/>
+        <p:nvPr/>
+      </p:nvGrpSpPr>
+      <p:grpSpPr>
+        <a:xfrm>
+          <a:off x="0" y="0"/>
+          <a:ext cx="0" cy="0"/>
+          <a:chOff x="0" y="0"/>
+          <a:chExt cx="0" cy="0"/>
+        </a:xfrm>
+      </p:grpSpPr>
+      <p:sp>
+        <p:nvSpPr>
+          <p:cNvPr id="4" name="矩形 3"/>
+          <p:cNvSpPr/>
+          <p:nvPr/>
+        </p:nvSpPr>
+        <p:spPr>
+          <a:xfrm>
+            <a:off x="573037" y="446544"/>
+            <a:ext cx="2262158" cy="369332"/>
+          </a:xfrm>
+          <a:prstGeom prst="rect">
+            <a:avLst/>
+          </a:prstGeom>
+        </p:spPr>
+        <p:txBody>
+          <a:bodyPr wrap="none">
+            <a:spAutoFit/>
+          </a:bodyPr>
+          <a:lstStyle/>
+          <a:p>
+            <a:r>
+              <a:rPr lang="en-US" altLang="zh-CN" dirty="0" smtClean="0">
+                <a:solidFill>
+                  <a:srgbClr val="000000"/>
+                </a:solidFill>
+                <a:latin typeface="宋体" panose="02010600030101010101" pitchFamily="2" charset="-122"/>
+              </a:rPr>
+              <a:t>2.</a:t>
+            </a:r>
+            <a:r>
+              <a:rPr lang="zh-CN" altLang="en-US" dirty="0" smtClean="0">
+                <a:solidFill>
+                  <a:srgbClr val="000000"/>
+                </a:solidFill>
+                <a:latin typeface="宋体" panose="02010600030101010101" pitchFamily="2" charset="-122"/>
+              </a:rPr>
+              <a:t>人会寻找替代方案</a:t>
+            </a:r>
+            <a:endParaRPr lang="zh-CN" altLang="en-US" dirty="0"/>
+          </a:p>
+        </p:txBody>
+      </p:sp>
+      <p:sp>
+        <p:nvSpPr>
+          <p:cNvPr id="6" name="矩形 5"/>
+          <p:cNvSpPr/>
+          <p:nvPr/>
+        </p:nvSpPr>
+        <p:spPr>
+          <a:xfrm>
+            <a:off x="711919" y="1047888"/>
+            <a:ext cx="6139257" cy="830997"/>
+          </a:xfrm>
+          <a:prstGeom prst="rect">
+            <a:avLst/>
+          </a:prstGeom>
+        </p:spPr>
+        <p:txBody>
+          <a:bodyPr wrap="square">
+            <a:spAutoFit/>
+          </a:bodyPr>
+          <a:lstStyle/>
+          <a:p>
+            <a:r>
+              <a:rPr lang="zh-CN" altLang="en-US" sz="4800" dirty="0" smtClean="0">
+                <a:solidFill>
+                  <a:srgbClr val="000000"/>
+                </a:solidFill>
+                <a:latin typeface="宋体" panose="02010600030101010101" pitchFamily="2" charset="-122"/>
+              </a:rPr>
+              <a:t>盐 </a:t>
+            </a:r>
+            <a:r>
+              <a:rPr lang="en-US" altLang="zh-CN" sz="4800" dirty="0" smtClean="0">
+                <a:solidFill>
+                  <a:srgbClr val="000000"/>
+                </a:solidFill>
+                <a:latin typeface="宋体" panose="02010600030101010101" pitchFamily="2" charset="-122"/>
+              </a:rPr>
+              <a:t>=》</a:t>
+            </a:r>
+            <a:r>
+              <a:rPr lang="zh-CN" altLang="en-US" sz="4800" dirty="0" smtClean="0">
+                <a:solidFill>
+                  <a:srgbClr val="000000"/>
+                </a:solidFill>
+                <a:latin typeface="宋体" panose="02010600030101010101" pitchFamily="2" charset="-122"/>
+              </a:rPr>
+              <a:t>死亡</a:t>
+            </a:r>
+            <a:endParaRPr lang="zh-CN" altLang="en-US" sz="4800" dirty="0"/>
+          </a:p>
+        </p:txBody>
+      </p:sp>
+      <p:sp>
+        <p:nvSpPr>
+          <p:cNvPr id="7" name="矩形 6"/>
+          <p:cNvSpPr/>
+          <p:nvPr/>
+        </p:nvSpPr>
+        <p:spPr>
+          <a:xfrm>
+            <a:off x="711918" y="2155884"/>
+            <a:ext cx="10097109" cy="830997"/>
+          </a:xfrm>
+          <a:prstGeom prst="rect">
+            <a:avLst/>
+          </a:prstGeom>
+        </p:spPr>
+        <p:txBody>
+          <a:bodyPr wrap="square">
+            <a:spAutoFit/>
+          </a:bodyPr>
+          <a:lstStyle/>
+          <a:p>
+            <a:r>
+              <a:rPr lang="zh-CN" altLang="en-US" sz="4800" dirty="0">
+                <a:solidFill>
+                  <a:srgbClr val="000000"/>
+                </a:solidFill>
+                <a:latin typeface="宋体" panose="02010600030101010101" pitchFamily="2" charset="-122"/>
+              </a:rPr>
+              <a:t>得病</a:t>
+            </a:r>
+            <a:r>
+              <a:rPr lang="zh-CN" altLang="en-US" sz="4800" dirty="0" smtClean="0">
+                <a:solidFill>
+                  <a:srgbClr val="000000"/>
+                </a:solidFill>
+                <a:latin typeface="宋体" panose="02010600030101010101" pitchFamily="2" charset="-122"/>
+              </a:rPr>
+              <a:t> </a:t>
+            </a:r>
+            <a:r>
+              <a:rPr lang="en-US" altLang="zh-CN" sz="4800" dirty="0" smtClean="0">
+                <a:solidFill>
+                  <a:srgbClr val="000000"/>
+                </a:solidFill>
+                <a:latin typeface="宋体" panose="02010600030101010101" pitchFamily="2" charset="-122"/>
+              </a:rPr>
+              <a:t>=》1000</a:t>
+            </a:r>
+            <a:r>
+              <a:rPr lang="zh-CN" altLang="en-US" sz="4800" dirty="0" smtClean="0">
+                <a:solidFill>
+                  <a:srgbClr val="000000"/>
+                </a:solidFill>
+                <a:latin typeface="宋体" panose="02010600030101010101" pitchFamily="2" charset="-122"/>
+              </a:rPr>
+              <a:t>，</a:t>
+            </a:r>
+            <a:r>
+              <a:rPr lang="en-US" altLang="zh-CN" sz="4800" dirty="0" smtClean="0">
+                <a:solidFill>
+                  <a:srgbClr val="000000"/>
+                </a:solidFill>
+                <a:latin typeface="宋体" panose="02010600030101010101" pitchFamily="2" charset="-122"/>
+              </a:rPr>
+              <a:t>1</a:t>
+            </a:r>
+            <a:r>
+              <a:rPr lang="zh-CN" altLang="en-US" sz="4800" dirty="0" smtClean="0">
+                <a:solidFill>
+                  <a:srgbClr val="000000"/>
+                </a:solidFill>
+                <a:latin typeface="宋体" panose="02010600030101010101" pitchFamily="2" charset="-122"/>
+              </a:rPr>
+              <a:t>万，</a:t>
+            </a:r>
+            <a:r>
+              <a:rPr lang="en-US" altLang="zh-CN" sz="4800" dirty="0" smtClean="0">
+                <a:solidFill>
+                  <a:srgbClr val="000000"/>
+                </a:solidFill>
+                <a:latin typeface="宋体" panose="02010600030101010101" pitchFamily="2" charset="-122"/>
+              </a:rPr>
+              <a:t>10</a:t>
+            </a:r>
+            <a:r>
+              <a:rPr lang="zh-CN" altLang="en-US" sz="4800" dirty="0" smtClean="0">
+                <a:solidFill>
+                  <a:srgbClr val="000000"/>
+                </a:solidFill>
+                <a:latin typeface="宋体" panose="02010600030101010101" pitchFamily="2" charset="-122"/>
+              </a:rPr>
+              <a:t>万，</a:t>
+            </a:r>
+            <a:r>
+              <a:rPr lang="en-US" altLang="zh-CN" sz="4800" dirty="0" smtClean="0">
+                <a:solidFill>
+                  <a:srgbClr val="000000"/>
+                </a:solidFill>
+                <a:latin typeface="宋体" panose="02010600030101010101" pitchFamily="2" charset="-122"/>
+              </a:rPr>
+              <a:t>100</a:t>
+            </a:r>
+            <a:r>
+              <a:rPr lang="zh-CN" altLang="en-US" sz="4800" dirty="0" smtClean="0">
+                <a:solidFill>
+                  <a:srgbClr val="000000"/>
+                </a:solidFill>
+                <a:latin typeface="宋体" panose="02010600030101010101" pitchFamily="2" charset="-122"/>
+              </a:rPr>
+              <a:t>万</a:t>
+            </a:r>
+            <a:endParaRPr lang="zh-CN" altLang="en-US" sz="4800" dirty="0"/>
+          </a:p>
+        </p:txBody>
+      </p:sp>
+      <p:sp>
+        <p:nvSpPr>
+          <p:cNvPr id="3" name="矩形 2"/>
+          <p:cNvSpPr/>
+          <p:nvPr/>
+        </p:nvSpPr>
+        <p:spPr>
+          <a:xfrm>
+            <a:off x="755175" y="3218893"/>
+            <a:ext cx="10504227" cy="954107"/>
+          </a:xfrm>
+          <a:prstGeom prst="rect">
+            <a:avLst/>
+          </a:prstGeom>
+        </p:spPr>
+        <p:txBody>
+          <a:bodyPr wrap="square">
+            <a:spAutoFit/>
+          </a:bodyPr>
+          <a:lstStyle/>
+          <a:p>
+            <a:r>
+              <a:rPr lang="zh-CN" altLang="en-US" sz="2800" dirty="0"/>
+              <a:t>人性的特点，就在于它能够寻找替代方案。而且随着时间的变化，时间越长，它能找到的替代方案就越多。</a:t>
+            </a:r>
+          </a:p>
+        </p:txBody>
+      </p:sp>
+    </p:spTree>
+    <p:extLst>
+      <p:ext uri="{BB962C8B-B14F-4D97-AF65-F5344CB8AC3E}">
+        <p14:creationId xmlns:p14="http://schemas.microsoft.com/office/powerpoint/2010/main" val="2730626498"/>
+      </p:ext>
+    </p:extLst>
+  </p:cSld>
+  <p:clrMapOvr>
+    <a:masterClrMapping/>
+  </p:clrMapOvr>
+  <p:timing>
+    <p:tnLst>
+      <p:par>
+        <p:cTn id="1" dur="indefinite" restart="never" nodeType="tmRoot"/>
+      </p:par>
+    </p:tnLst>
+  </p:timing>
+</p:sld>
+</file>
+
+<file path=ppt/slides/slide27.xml><?xml version="1.0" encoding="utf-8"?>
+<p:sld xmlns:a="http://schemas.openxmlformats.org/drawingml/2006/main" xmlns:r="http://schemas.openxmlformats.org/officeDocument/2006/relationships" xmlns:p="http://schemas.openxmlformats.org/presentationml/2006/main">
+  <p:cSld>
+    <p:spTree>
+      <p:nvGrpSpPr>
+        <p:cNvPr id="1" name=""/>
+        <p:cNvGrpSpPr/>
+        <p:nvPr/>
+      </p:nvGrpSpPr>
+      <p:grpSpPr>
+        <a:xfrm>
+          <a:off x="0" y="0"/>
+          <a:ext cx="0" cy="0"/>
+          <a:chOff x="0" y="0"/>
+          <a:chExt cx="0" cy="0"/>
+        </a:xfrm>
+      </p:grpSpPr>
+      <p:sp>
+        <p:nvSpPr>
+          <p:cNvPr id="8" name="矩形 7"/>
+          <p:cNvSpPr/>
+          <p:nvPr/>
+        </p:nvSpPr>
+        <p:spPr>
+          <a:xfrm>
+            <a:off x="427628" y="242444"/>
+            <a:ext cx="10504227" cy="523220"/>
+          </a:xfrm>
+          <a:prstGeom prst="rect">
+            <a:avLst/>
+          </a:prstGeom>
+        </p:spPr>
+        <p:txBody>
+          <a:bodyPr wrap="square">
+            <a:spAutoFit/>
+          </a:bodyPr>
+          <a:lstStyle/>
+          <a:p>
+            <a:r>
+              <a:rPr lang="zh-CN" altLang="en-US" sz="2800" dirty="0" smtClean="0"/>
+              <a:t>一瓶水洗澡</a:t>
+            </a:r>
+            <a:endParaRPr lang="zh-CN" altLang="en-US" sz="2800" dirty="0"/>
+          </a:p>
+        </p:txBody>
+      </p:sp>
+      <p:sp>
+        <p:nvSpPr>
+          <p:cNvPr id="5" name="Rectangle 2"/>
+          <p:cNvSpPr>
+            <a:spLocks noChangeArrowheads="1"/>
+          </p:cNvSpPr>
+          <p:nvPr/>
+        </p:nvSpPr>
+        <p:spPr bwMode="auto">
+          <a:xfrm>
+            <a:off x="427628" y="765664"/>
+            <a:ext cx="11600596" cy="5411681"/>
+          </a:xfrm>
+          <a:prstGeom prst="rect">
+            <a:avLst/>
+          </a:prstGeom>
+          <a:solidFill>
+            <a:srgbClr val="FFFFFF"/>
+          </a:solidFill>
+          <a:ln>
+            <a:noFill/>
+          </a:ln>
+          <a:effectLst/>
+          <a:extLst>
+            <a:ext uri="{91240B29-F687-4F45-9708-019B960494DF}">
+              <a14:hiddenLine xmlns:a14="http://schemas.microsoft.com/office/drawing/2010/main" w="9525">
+                <a:solidFill>
+                  <a:schemeClr val="tx1"/>
+                </a:solidFill>
+                <a:miter lim="800000"/>
+                <a:headEnd/>
+                <a:tailEnd/>
+              </a14:hiddenLine>
+            </a:ext>
+            <a:ext uri="{AF507438-7753-43E0-B8FC-AC1667EBCBE1}">
+              <a14:hiddenEffects xmlns:a14="http://schemas.microsoft.com/office/drawing/2010/main">
+                <a:effectLst>
+                  <a:outerShdw dist="35921" dir="2700000" algn="ctr" rotWithShape="0">
+                    <a:schemeClr val="bg2"/>
+                  </a:outerShdw>
+                </a:effectLst>
+              </a14:hiddenEffects>
+            </a:ext>
+          </a:extLst>
+        </p:spPr>
+        <p:txBody>
+          <a:bodyPr vert="horz" wrap="square" lIns="0" tIns="88872" rIns="0" bIns="88872" numCol="1" anchor="ctr" anchorCtr="0" compatLnSpc="1">
+            <a:prstTxWarp prst="textNoShape">
+              <a:avLst/>
+            </a:prstTxWarp>
+            <a:spAutoFit/>
+          </a:bodyPr>
+          <a:lstStyle/>
+          <a:p>
+            <a:pPr marL="0" marR="0" lvl="0" indent="0" algn="l" defTabSz="914400" rtl="0" eaLnBrk="0" fontAlgn="base" latinLnBrk="0" hangingPunct="0">
+              <a:lnSpc>
+                <a:spcPct val="100000"/>
+              </a:lnSpc>
+              <a:spcBef>
+                <a:spcPct val="0"/>
+              </a:spcBef>
+              <a:spcAft>
+                <a:spcPct val="0"/>
+              </a:spcAft>
+              <a:buClrTx/>
+              <a:buSzTx/>
+              <a:buFontTx/>
+              <a:buNone/>
+              <a:tabLst/>
+            </a:pPr>
+            <a:r>
+              <a:rPr kumimoji="0" lang="zh-CN" altLang="zh-CN" sz="2000" b="0" i="0" u="none" strike="noStrike" cap="none" normalizeH="0" baseline="0" dirty="0" smtClean="0">
+                <a:ln>
+                  <a:noFill/>
+                </a:ln>
+                <a:solidFill>
+                  <a:srgbClr val="333333"/>
+                </a:solidFill>
+                <a:effectLst/>
+                <a:latin typeface="Arial Unicode MS" panose="020B0604020202020204" pitchFamily="34" charset="-122"/>
+                <a:ea typeface="PingFang SC"/>
+              </a:rPr>
+              <a:t>道具：毛巾、肥皂、干净内裤（根据情况是否带上）、一瓶矿泉水（550ml，牌子不限）。 </a:t>
+            </a:r>
+            <a:endParaRPr kumimoji="0" lang="en-US" altLang="zh-CN" sz="2000" b="0" i="0" u="none" strike="noStrike" cap="none" normalizeH="0" baseline="0" dirty="0" smtClean="0">
+              <a:ln>
+                <a:noFill/>
+              </a:ln>
+              <a:solidFill>
+                <a:srgbClr val="333333"/>
+              </a:solidFill>
+              <a:effectLst/>
+              <a:latin typeface="Arial Unicode MS" panose="020B0604020202020204" pitchFamily="34" charset="-122"/>
+              <a:ea typeface="PingFang SC"/>
+            </a:endParaRPr>
+          </a:p>
+          <a:p>
+            <a:pPr marL="0" marR="0" lvl="0" indent="0" algn="l" defTabSz="914400" rtl="0" eaLnBrk="0" fontAlgn="base" latinLnBrk="0" hangingPunct="0">
+              <a:lnSpc>
+                <a:spcPct val="100000"/>
+              </a:lnSpc>
+              <a:spcBef>
+                <a:spcPct val="0"/>
+              </a:spcBef>
+              <a:spcAft>
+                <a:spcPct val="0"/>
+              </a:spcAft>
+              <a:buClrTx/>
+              <a:buSzTx/>
+              <a:buFontTx/>
+              <a:buNone/>
+              <a:tabLst/>
+            </a:pPr>
+            <a:r>
+              <a:rPr kumimoji="0" lang="zh-CN" altLang="zh-CN" sz="2000" b="0" i="0" u="none" strike="noStrike" cap="none" normalizeH="0" baseline="0" dirty="0" smtClean="0">
+                <a:ln>
+                  <a:noFill/>
+                </a:ln>
+                <a:solidFill>
+                  <a:srgbClr val="333333"/>
+                </a:solidFill>
+                <a:effectLst/>
+                <a:latin typeface="Arial Unicode MS" panose="020B0604020202020204" pitchFamily="34" charset="-122"/>
+                <a:ea typeface="PingFang SC"/>
+              </a:rPr>
+              <a:t>1.倒上一手掌窝的水（大概40ml，千万不能漏一滴），轻拍脸上和胸前，再摊平手掌慢慢地以打圈的方式涂抹，目的是充分湿润身体。</a:t>
+            </a:r>
+            <a:endParaRPr kumimoji="0" lang="en-US" altLang="zh-CN" sz="2000" b="0" i="0" u="none" strike="noStrike" cap="none" normalizeH="0" baseline="0" dirty="0" smtClean="0">
+              <a:ln>
+                <a:noFill/>
+              </a:ln>
+              <a:solidFill>
+                <a:srgbClr val="333333"/>
+              </a:solidFill>
+              <a:effectLst/>
+              <a:latin typeface="Arial Unicode MS" panose="020B0604020202020204" pitchFamily="34" charset="-122"/>
+              <a:ea typeface="PingFang SC"/>
+            </a:endParaRPr>
+          </a:p>
+          <a:p>
+            <a:pPr marL="0" marR="0" lvl="0" indent="0" algn="l" defTabSz="914400" rtl="0" eaLnBrk="0" fontAlgn="base" latinLnBrk="0" hangingPunct="0">
+              <a:lnSpc>
+                <a:spcPct val="100000"/>
+              </a:lnSpc>
+              <a:spcBef>
+                <a:spcPct val="0"/>
+              </a:spcBef>
+              <a:spcAft>
+                <a:spcPct val="0"/>
+              </a:spcAft>
+              <a:buClrTx/>
+              <a:buSzTx/>
+              <a:buFontTx/>
+              <a:buNone/>
+              <a:tabLst/>
+            </a:pPr>
+            <a:r>
+              <a:rPr kumimoji="0" lang="zh-CN" altLang="zh-CN" sz="2000" b="0" i="0" u="none" strike="noStrike" cap="none" normalizeH="0" baseline="0" dirty="0" smtClean="0">
+                <a:ln>
+                  <a:noFill/>
+                </a:ln>
+                <a:solidFill>
+                  <a:srgbClr val="333333"/>
+                </a:solidFill>
+                <a:effectLst/>
+                <a:latin typeface="Arial Unicode MS" panose="020B0604020202020204" pitchFamily="34" charset="-122"/>
+                <a:ea typeface="PingFang SC"/>
+              </a:rPr>
+              <a:t> 2.上一步完成后，你会发现手掌上剩下一层和墨水差不多的黑水，这时，千万不能用矿泉水洗掉，要马上握起肥皂，搓上几圈，再把手上搓到的半干湿的一层肥皂涂在脸上和头发上。</a:t>
+            </a:r>
+            <a:endParaRPr kumimoji="0" lang="en-US" altLang="zh-CN" sz="2000" b="0" i="0" u="none" strike="noStrike" cap="none" normalizeH="0" baseline="0" dirty="0" smtClean="0">
+              <a:ln>
+                <a:noFill/>
+              </a:ln>
+              <a:solidFill>
+                <a:srgbClr val="333333"/>
+              </a:solidFill>
+              <a:effectLst/>
+              <a:latin typeface="Arial Unicode MS" panose="020B0604020202020204" pitchFamily="34" charset="-122"/>
+              <a:ea typeface="PingFang SC"/>
+            </a:endParaRPr>
+          </a:p>
+          <a:p>
+            <a:pPr marL="0" marR="0" lvl="0" indent="0" algn="l" defTabSz="914400" rtl="0" eaLnBrk="0" fontAlgn="base" latinLnBrk="0" hangingPunct="0">
+              <a:lnSpc>
+                <a:spcPct val="100000"/>
+              </a:lnSpc>
+              <a:spcBef>
+                <a:spcPct val="0"/>
+              </a:spcBef>
+              <a:spcAft>
+                <a:spcPct val="0"/>
+              </a:spcAft>
+              <a:buClrTx/>
+              <a:buSzTx/>
+              <a:buFontTx/>
+              <a:buNone/>
+              <a:tabLst/>
+            </a:pPr>
+            <a:r>
+              <a:rPr kumimoji="0" lang="zh-CN" altLang="zh-CN" sz="2000" b="0" i="0" u="none" strike="noStrike" cap="none" normalizeH="0" baseline="0" dirty="0" smtClean="0">
+                <a:ln>
+                  <a:noFill/>
+                </a:ln>
+                <a:solidFill>
+                  <a:srgbClr val="333333"/>
+                </a:solidFill>
+                <a:effectLst/>
+                <a:latin typeface="Arial Unicode MS" panose="020B0604020202020204" pitchFamily="34" charset="-122"/>
+                <a:ea typeface="PingFang SC"/>
+              </a:rPr>
+              <a:t>这里要说明一下，你的头发平均长度要短于2.5cm。</a:t>
+            </a:r>
+            <a:endParaRPr kumimoji="0" lang="en-US" altLang="zh-CN" sz="2000" b="0" i="0" u="none" strike="noStrike" cap="none" normalizeH="0" baseline="0" dirty="0" smtClean="0">
+              <a:ln>
+                <a:noFill/>
+              </a:ln>
+              <a:solidFill>
+                <a:srgbClr val="333333"/>
+              </a:solidFill>
+              <a:effectLst/>
+              <a:latin typeface="Arial Unicode MS" panose="020B0604020202020204" pitchFamily="34" charset="-122"/>
+              <a:ea typeface="PingFang SC"/>
+            </a:endParaRPr>
+          </a:p>
+          <a:p>
+            <a:pPr marL="0" marR="0" lvl="0" indent="0" algn="l" defTabSz="914400" rtl="0" eaLnBrk="0" fontAlgn="base" latinLnBrk="0" hangingPunct="0">
+              <a:lnSpc>
+                <a:spcPct val="100000"/>
+              </a:lnSpc>
+              <a:spcBef>
+                <a:spcPct val="0"/>
+              </a:spcBef>
+              <a:spcAft>
+                <a:spcPct val="0"/>
+              </a:spcAft>
+              <a:buClrTx/>
+              <a:buSzTx/>
+              <a:buFontTx/>
+              <a:buNone/>
+              <a:tabLst/>
+            </a:pPr>
+            <a:r>
+              <a:rPr kumimoji="0" lang="zh-CN" altLang="zh-CN" sz="2000" b="0" i="0" u="none" strike="noStrike" cap="none" normalizeH="0" baseline="0" dirty="0" smtClean="0">
+                <a:ln>
+                  <a:noFill/>
+                </a:ln>
+                <a:solidFill>
+                  <a:srgbClr val="333333"/>
+                </a:solidFill>
+                <a:effectLst/>
+                <a:latin typeface="Arial Unicode MS" panose="020B0604020202020204" pitchFamily="34" charset="-122"/>
+                <a:ea typeface="PingFang SC"/>
+              </a:rPr>
+              <a:t> 3.当你感到有一滴又咸又苦的水流到嘴角的时候，请马上拿起矿泉水倒70ml在头顶，然后揉，水流到哪，就揉到哪。这时要抓紧时机往胸部打肥皂，早了晚了，都会因为水量不够而得不到充分混合。 </a:t>
+            </a:r>
+            <a:endParaRPr kumimoji="0" lang="en-US" altLang="zh-CN" sz="2000" b="0" i="0" u="none" strike="noStrike" cap="none" normalizeH="0" baseline="0" dirty="0" smtClean="0">
+              <a:ln>
+                <a:noFill/>
+              </a:ln>
+              <a:solidFill>
+                <a:srgbClr val="333333"/>
+              </a:solidFill>
+              <a:effectLst/>
+              <a:latin typeface="Arial Unicode MS" panose="020B0604020202020204" pitchFamily="34" charset="-122"/>
+              <a:ea typeface="PingFang SC"/>
+            </a:endParaRPr>
+          </a:p>
+          <a:p>
+            <a:pPr marL="0" marR="0" lvl="0" indent="0" algn="l" defTabSz="914400" rtl="0" eaLnBrk="0" fontAlgn="base" latinLnBrk="0" hangingPunct="0">
+              <a:lnSpc>
+                <a:spcPct val="100000"/>
+              </a:lnSpc>
+              <a:spcBef>
+                <a:spcPct val="0"/>
+              </a:spcBef>
+              <a:spcAft>
+                <a:spcPct val="0"/>
+              </a:spcAft>
+              <a:buClrTx/>
+              <a:buSzTx/>
+              <a:buFontTx/>
+              <a:buNone/>
+              <a:tabLst/>
+            </a:pPr>
+            <a:r>
+              <a:rPr kumimoji="0" lang="zh-CN" altLang="zh-CN" sz="2000" b="0" i="0" u="none" strike="noStrike" cap="none" normalizeH="0" baseline="0" dirty="0" smtClean="0">
+                <a:ln>
+                  <a:noFill/>
+                </a:ln>
+                <a:solidFill>
+                  <a:srgbClr val="333333"/>
+                </a:solidFill>
+                <a:effectLst/>
+                <a:latin typeface="Arial Unicode MS" panose="020B0604020202020204" pitchFamily="34" charset="-122"/>
+                <a:ea typeface="PingFang SC"/>
+              </a:rPr>
+              <a:t>4.这个步骤完成后，一层薄薄的肥皂就会均匀分布在你腰以上的地方了。接下来再往头顶倒70ml，重复上次的工作。有了上次的工作的基础，这次的水会流到腰部，不用打肥皂，用上面留下来的搓洗腰部。</a:t>
+            </a:r>
+            <a:endParaRPr kumimoji="0" lang="en-US" altLang="zh-CN" sz="2000" b="0" i="0" u="none" strike="noStrike" cap="none" normalizeH="0" baseline="0" dirty="0" smtClean="0">
+              <a:ln>
+                <a:noFill/>
+              </a:ln>
+              <a:solidFill>
+                <a:srgbClr val="333333"/>
+              </a:solidFill>
+              <a:effectLst/>
+              <a:latin typeface="Arial Unicode MS" panose="020B0604020202020204" pitchFamily="34" charset="-122"/>
+              <a:ea typeface="PingFang SC"/>
+            </a:endParaRPr>
+          </a:p>
+          <a:p>
+            <a:pPr marL="0" marR="0" lvl="0" indent="0" algn="l" defTabSz="914400" rtl="0" eaLnBrk="0" fontAlgn="base" latinLnBrk="0" hangingPunct="0">
+              <a:lnSpc>
+                <a:spcPct val="100000"/>
+              </a:lnSpc>
+              <a:spcBef>
+                <a:spcPct val="0"/>
+              </a:spcBef>
+              <a:spcAft>
+                <a:spcPct val="0"/>
+              </a:spcAft>
+              <a:buClrTx/>
+              <a:buSzTx/>
+              <a:buFontTx/>
+              <a:buNone/>
+              <a:tabLst/>
+            </a:pPr>
+            <a:r>
+              <a:rPr kumimoji="0" lang="zh-CN" altLang="zh-CN" sz="2000" b="0" i="0" u="none" strike="noStrike" cap="none" normalizeH="0" baseline="0" dirty="0" smtClean="0">
+                <a:ln>
+                  <a:noFill/>
+                </a:ln>
+                <a:solidFill>
+                  <a:srgbClr val="333333"/>
+                </a:solidFill>
+                <a:effectLst/>
+                <a:latin typeface="Arial Unicode MS" panose="020B0604020202020204" pitchFamily="34" charset="-122"/>
+                <a:ea typeface="PingFang SC"/>
+              </a:rPr>
+              <a:t> 5.搓完腰部后，上身基本上清洗了一遍，一条一条的“</a:t>
+            </a:r>
+            <a:r>
+              <a:rPr kumimoji="0" lang="zh-CN" altLang="zh-CN" sz="2000" b="0" i="0" u="none" strike="noStrike" cap="none" normalizeH="0" baseline="0" dirty="0" smtClean="0">
+                <a:ln>
+                  <a:noFill/>
+                </a:ln>
+                <a:solidFill>
+                  <a:srgbClr val="3F88BF"/>
+                </a:solidFill>
+                <a:effectLst/>
+                <a:latin typeface="Arial Unicode MS" panose="020B0604020202020204" pitchFamily="34" charset="-122"/>
+                <a:ea typeface="PingFang SC"/>
+                <a:hlinkClick r:id="rId2"/>
+              </a:rPr>
+              <a:t>橡皮泥</a:t>
+            </a:r>
+            <a:r>
+              <a:rPr kumimoji="0" lang="zh-CN" altLang="zh-CN" sz="2000" b="0" i="0" u="none" strike="noStrike" cap="none" normalizeH="0" baseline="0" dirty="0" smtClean="0">
+                <a:ln>
+                  <a:noFill/>
+                </a:ln>
+                <a:solidFill>
+                  <a:srgbClr val="333333"/>
+                </a:solidFill>
+                <a:effectLst/>
+                <a:latin typeface="Arial Unicode MS" panose="020B0604020202020204" pitchFamily="34" charset="-122"/>
+                <a:ea typeface="PingFang SC"/>
+              </a:rPr>
+              <a:t>”不必理会。开始下面的步骤。</a:t>
+            </a:r>
+            <a:endParaRPr kumimoji="0" lang="en-US" altLang="zh-CN" sz="2000" b="0" i="0" u="none" strike="noStrike" cap="none" normalizeH="0" baseline="0" dirty="0" smtClean="0">
+              <a:ln>
+                <a:noFill/>
+              </a:ln>
+              <a:solidFill>
+                <a:srgbClr val="333333"/>
+              </a:solidFill>
+              <a:effectLst/>
+              <a:latin typeface="Arial Unicode MS" panose="020B0604020202020204" pitchFamily="34" charset="-122"/>
+              <a:ea typeface="PingFang SC"/>
+            </a:endParaRPr>
+          </a:p>
+          <a:p>
+            <a:pPr marL="0" marR="0" lvl="0" indent="0" algn="l" defTabSz="914400" rtl="0" eaLnBrk="0" fontAlgn="base" latinLnBrk="0" hangingPunct="0">
+              <a:lnSpc>
+                <a:spcPct val="100000"/>
+              </a:lnSpc>
+              <a:spcBef>
+                <a:spcPct val="0"/>
+              </a:spcBef>
+              <a:spcAft>
+                <a:spcPct val="0"/>
+              </a:spcAft>
+              <a:buClrTx/>
+              <a:buSzTx/>
+              <a:buFontTx/>
+              <a:buNone/>
+              <a:tabLst/>
+            </a:pPr>
+            <a:r>
+              <a:rPr kumimoji="0" lang="zh-CN" altLang="zh-CN" sz="2000" b="0" i="0" u="none" strike="noStrike" cap="none" normalizeH="0" baseline="0" dirty="0" smtClean="0">
+                <a:ln>
+                  <a:noFill/>
+                </a:ln>
+                <a:solidFill>
+                  <a:srgbClr val="333333"/>
+                </a:solidFill>
+                <a:effectLst/>
+                <a:latin typeface="Arial Unicode MS" panose="020B0604020202020204" pitchFamily="34" charset="-122"/>
+                <a:ea typeface="PingFang SC"/>
+              </a:rPr>
+              <a:t> 6.重复第一步，对象是pp和大腿。</a:t>
+            </a:r>
+            <a:endParaRPr kumimoji="0" lang="en-US" altLang="zh-CN" sz="2000" b="0" i="0" u="none" strike="noStrike" cap="none" normalizeH="0" baseline="0" dirty="0" smtClean="0">
+              <a:ln>
+                <a:noFill/>
+              </a:ln>
+              <a:solidFill>
+                <a:srgbClr val="333333"/>
+              </a:solidFill>
+              <a:effectLst/>
+              <a:latin typeface="Arial Unicode MS" panose="020B0604020202020204" pitchFamily="34" charset="-122"/>
+              <a:ea typeface="PingFang SC"/>
+            </a:endParaRPr>
+          </a:p>
+          <a:p>
+            <a:pPr marL="0" marR="0" lvl="0" indent="0" algn="l" defTabSz="914400" rtl="0" eaLnBrk="0" fontAlgn="base" latinLnBrk="0" hangingPunct="0">
+              <a:lnSpc>
+                <a:spcPct val="100000"/>
+              </a:lnSpc>
+              <a:spcBef>
+                <a:spcPct val="0"/>
+              </a:spcBef>
+              <a:spcAft>
+                <a:spcPct val="0"/>
+              </a:spcAft>
+              <a:buClrTx/>
+              <a:buSzTx/>
+              <a:buFontTx/>
+              <a:buNone/>
+              <a:tabLst/>
+            </a:pPr>
+            <a:r>
+              <a:rPr kumimoji="0" lang="zh-CN" altLang="zh-CN" sz="2000" b="0" i="0" u="none" strike="noStrike" cap="none" normalizeH="0" baseline="0" dirty="0" smtClean="0">
+                <a:ln>
+                  <a:noFill/>
+                </a:ln>
+                <a:solidFill>
+                  <a:srgbClr val="333333"/>
+                </a:solidFill>
+                <a:effectLst/>
+                <a:latin typeface="Arial Unicode MS" panose="020B0604020202020204" pitchFamily="34" charset="-122"/>
+                <a:ea typeface="PingFang SC"/>
+              </a:rPr>
+              <a:t> 7.重复第二部，对象是同第6步。 </a:t>
+            </a:r>
+            <a:endParaRPr kumimoji="0" lang="en-US" altLang="zh-CN" sz="2000" b="0" i="0" u="none" strike="noStrike" cap="none" normalizeH="0" baseline="0" dirty="0" smtClean="0">
+              <a:ln>
+                <a:noFill/>
+              </a:ln>
+              <a:solidFill>
+                <a:srgbClr val="333333"/>
+              </a:solidFill>
+              <a:effectLst/>
+              <a:latin typeface="Arial Unicode MS" panose="020B0604020202020204" pitchFamily="34" charset="-122"/>
+              <a:ea typeface="PingFang SC"/>
+            </a:endParaRPr>
+          </a:p>
+          <a:p>
+            <a:pPr marL="0" marR="0" lvl="0" indent="0" algn="l" defTabSz="914400" rtl="0" eaLnBrk="0" fontAlgn="base" latinLnBrk="0" hangingPunct="0">
+              <a:lnSpc>
+                <a:spcPct val="100000"/>
+              </a:lnSpc>
+              <a:spcBef>
+                <a:spcPct val="0"/>
+              </a:spcBef>
+              <a:spcAft>
+                <a:spcPct val="0"/>
+              </a:spcAft>
+              <a:buClrTx/>
+              <a:buSzTx/>
+              <a:buFontTx/>
+              <a:buNone/>
+              <a:tabLst/>
+            </a:pPr>
+            <a:r>
+              <a:rPr kumimoji="0" lang="zh-CN" altLang="zh-CN" sz="2000" b="0" i="0" u="none" strike="noStrike" cap="none" normalizeH="0" baseline="0" dirty="0" smtClean="0">
+                <a:ln>
+                  <a:noFill/>
+                </a:ln>
+                <a:solidFill>
+                  <a:srgbClr val="333333"/>
+                </a:solidFill>
+                <a:effectLst/>
+                <a:latin typeface="Arial Unicode MS" panose="020B0604020202020204" pitchFamily="34" charset="-122"/>
+                <a:ea typeface="PingFang SC"/>
+              </a:rPr>
+              <a:t>8.当你感到有一滴又热又粘的水流到pp的时候，请马上拿起你的矿泉水倒60ml在pp上。然后揉，这时要抓紧往小腿打肥皂。 </a:t>
+            </a:r>
+            <a:endParaRPr kumimoji="0" lang="en-US" altLang="zh-CN" sz="2000" b="0" i="0" u="none" strike="noStrike" cap="none" normalizeH="0" baseline="0" dirty="0" smtClean="0">
+              <a:ln>
+                <a:noFill/>
+              </a:ln>
+              <a:solidFill>
+                <a:srgbClr val="333333"/>
+              </a:solidFill>
+              <a:effectLst/>
+              <a:latin typeface="Arial Unicode MS" panose="020B0604020202020204" pitchFamily="34" charset="-122"/>
+              <a:ea typeface="PingFang SC"/>
+            </a:endParaRPr>
+          </a:p>
+          <a:p>
+            <a:pPr marL="0" marR="0" lvl="0" indent="0" algn="l" defTabSz="914400" rtl="0" eaLnBrk="0" fontAlgn="base" latinLnBrk="0" hangingPunct="0">
+              <a:lnSpc>
+                <a:spcPct val="100000"/>
+              </a:lnSpc>
+              <a:spcBef>
+                <a:spcPct val="0"/>
+              </a:spcBef>
+              <a:spcAft>
+                <a:spcPct val="0"/>
+              </a:spcAft>
+              <a:buClrTx/>
+              <a:buSzTx/>
+              <a:buFontTx/>
+              <a:buNone/>
+              <a:tabLst/>
+            </a:pPr>
+            <a:r>
+              <a:rPr kumimoji="0" lang="zh-CN" altLang="zh-CN" sz="2000" b="0" i="0" u="none" strike="noStrike" cap="none" normalizeH="0" baseline="0" dirty="0" smtClean="0">
+                <a:ln>
+                  <a:noFill/>
+                </a:ln>
+                <a:solidFill>
+                  <a:srgbClr val="333333"/>
+                </a:solidFill>
+                <a:effectLst/>
+                <a:latin typeface="Arial Unicode MS" panose="020B0604020202020204" pitchFamily="34" charset="-122"/>
+                <a:ea typeface="PingFang SC"/>
+              </a:rPr>
+              <a:t>9.这个步骤完成后，一层薄薄的肥皂就会均匀分布在你腰以下的地方了。接下来再往pp倒60ml，重复上次的工作。有了上次的基础，这次的水会流到脚板，不用打肥皂，用上面流下来的水搓洗脚板。</a:t>
+            </a:r>
+            <a:r>
+              <a:rPr kumimoji="0" lang="zh-CN" altLang="zh-CN" b="0" i="0" u="none" strike="noStrike" cap="none" normalizeH="0" baseline="0" dirty="0" smtClean="0">
+                <a:ln>
+                  <a:noFill/>
+                </a:ln>
+                <a:solidFill>
+                  <a:schemeClr val="tx1"/>
+                </a:solidFill>
+                <a:effectLst/>
+              </a:rPr>
+              <a:t> </a:t>
+            </a:r>
+            <a:endParaRPr kumimoji="0" lang="zh-CN" altLang="zh-CN" sz="3200" b="0" i="0" u="none" strike="noStrike" cap="none" normalizeH="0" baseline="0" dirty="0" smtClean="0">
+              <a:ln>
+                <a:noFill/>
+              </a:ln>
+              <a:solidFill>
+                <a:schemeClr val="tx1"/>
+              </a:solidFill>
+              <a:effectLst/>
+              <a:latin typeface="Arial" panose="020B0604020202020204" pitchFamily="34" charset="0"/>
+            </a:endParaRPr>
+          </a:p>
+        </p:txBody>
+      </p:sp>
+    </p:spTree>
+    <p:extLst>
+      <p:ext uri="{BB962C8B-B14F-4D97-AF65-F5344CB8AC3E}">
+        <p14:creationId xmlns:p14="http://schemas.microsoft.com/office/powerpoint/2010/main" val="3406453875"/>
+      </p:ext>
+    </p:extLst>
+  </p:cSld>
+  <p:clrMapOvr>
+    <a:masterClrMapping/>
+  </p:clrMapOvr>
+  <p:timing>
+    <p:tnLst>
+      <p:par>
+        <p:cTn id="1" dur="indefinite" restart="never" nodeType="tmRoot"/>
+      </p:par>
+    </p:tnLst>
+  </p:timing>
+</p:sld>
+</file>
+
+<file path=ppt/slides/slide28.xml><?xml version="1.0" encoding="utf-8"?>
+<p:sld xmlns:a="http://schemas.openxmlformats.org/drawingml/2006/main" xmlns:r="http://schemas.openxmlformats.org/officeDocument/2006/relationships" xmlns:p="http://schemas.openxmlformats.org/presentationml/2006/main">
+  <p:cSld>
+    <p:spTree>
+      <p:nvGrpSpPr>
+        <p:cNvPr id="1" name=""/>
+        <p:cNvGrpSpPr/>
+        <p:nvPr/>
+      </p:nvGrpSpPr>
+      <p:grpSpPr>
+        <a:xfrm>
+          <a:off x="0" y="0"/>
+          <a:ext cx="0" cy="0"/>
+          <a:chOff x="0" y="0"/>
+          <a:chExt cx="0" cy="0"/>
+        </a:xfrm>
+      </p:grpSpPr>
+      <p:sp>
+        <p:nvSpPr>
+          <p:cNvPr id="2" name="矩形 1"/>
+          <p:cNvSpPr/>
+          <p:nvPr/>
+        </p:nvSpPr>
+        <p:spPr>
+          <a:xfrm>
+            <a:off x="204717" y="890856"/>
+            <a:ext cx="11641540" cy="5324535"/>
+          </a:xfrm>
+          <a:prstGeom prst="rect">
+            <a:avLst/>
+          </a:prstGeom>
+        </p:spPr>
+        <p:txBody>
+          <a:bodyPr wrap="square">
+            <a:spAutoFit/>
+          </a:bodyPr>
+          <a:lstStyle/>
+          <a:p>
+            <a:r>
+              <a:rPr lang="zh-CN" altLang="en-US" sz="2000" dirty="0" smtClean="0"/>
+              <a:t>如果</a:t>
+            </a:r>
+            <a:r>
+              <a:rPr lang="zh-CN" altLang="en-US" sz="2000" dirty="0"/>
+              <a:t>你理解了弹性的概念，理解了人性的基本特征，那理解需求第二定律就是水到渠成的事情。需求第二定律的含义是说，每当出现新的情况，出现新的冲击的时候，人们寻找替代方案的范围一开始的时候可能没那么大，但是随着时间的推移，他们选择替代方案的空间会越来越大，他们能够找到的对策就越来越多</a:t>
+            </a:r>
+            <a:r>
+              <a:rPr lang="zh-CN" altLang="en-US" sz="2000" dirty="0" smtClean="0"/>
+              <a:t>。比方说</a:t>
+            </a:r>
+            <a:r>
+              <a:rPr lang="zh-CN" altLang="en-US" sz="2000" dirty="0"/>
+              <a:t>，我今天跟往常一样，8点钟出门准备上班，一出门发现外面下着倾盆大雨，外面等着一辆出租车，司机跟我说要涨价3倍，这就是一个突如其来的冲击。面对这个冲击，一开始的时候，我没有多大的选择余地，我只能从了，给这个出租车司机3倍的价钱。因为我上班不能迟到，同学们在等着我上课。如果第二天还发生同样的情况，还在下着倾盆大雨，而同样是这个出租车司机在门口等着我，也要我3倍的价钱，那我会怎么样？如果第三天也还是这样，第四天也还是这样，这时候我就开始会去想其他的替代方案。如果我能预测这样的情况，还会一直发生下去的话，那么我可能会另外再找一个相熟的司机，我可能会在学校附近找一家酒店住下来，我也可能跟我们的院长说，我们把上课的时间调整一下。这种变化趋势就是需求第二定律所说的：随着时间的推移，需求弹性会变得越来越高，也就是说替代品越来越多，对策越来越多。再举一个例子，比方说石油价格上涨，石油价格刚刚涨上去的时候，汽油的需求量并没有跌下来，因为人们还暂时找不到好的替代方案，但是如果石油的价格一直高涨，一直跌不下来的话，那么人们就开始会寻找新的替代方案。人们不可能在石油上涨的第一天，就把他原来笨重的耗油大的汽车卖掉，但是一年后，两年后呢，在他们重新买新车的时候呢？他们要不要考虑油耗的问题。同样，汽车生产商也会对这种现象做出调整。结果我们看到，如果石油的价格一直居高不下的话，随着时间的推移，人们就会对石油价格上涨，这种变化做出越来越充分的应对。</a:t>
+            </a:r>
+          </a:p>
+        </p:txBody>
+      </p:sp>
+      <p:sp>
+        <p:nvSpPr>
+          <p:cNvPr id="3" name="矩形 2"/>
+          <p:cNvSpPr/>
+          <p:nvPr/>
+        </p:nvSpPr>
+        <p:spPr>
+          <a:xfrm>
+            <a:off x="204717" y="187236"/>
+            <a:ext cx="7063152" cy="584775"/>
+          </a:xfrm>
+          <a:prstGeom prst="rect">
+            <a:avLst/>
+          </a:prstGeom>
+        </p:spPr>
+        <p:txBody>
+          <a:bodyPr wrap="none">
+            <a:spAutoFit/>
+          </a:bodyPr>
+          <a:lstStyle/>
+          <a:p>
+            <a:r>
+              <a:rPr lang="en-US" altLang="zh-CN" sz="3200" dirty="0" smtClean="0"/>
+              <a:t>3</a:t>
+            </a:r>
+            <a:r>
+              <a:rPr lang="zh-CN" altLang="en-US" sz="3200" dirty="0" smtClean="0"/>
+              <a:t>.</a:t>
+            </a:r>
+            <a:r>
+              <a:rPr lang="zh-CN" altLang="en-US" sz="3200" dirty="0"/>
+              <a:t>随着时间推移，需求弹性会越来越高</a:t>
+            </a:r>
+            <a:endParaRPr lang="en-US" altLang="zh-CN" sz="3200" dirty="0"/>
+          </a:p>
+        </p:txBody>
+      </p:sp>
+    </p:spTree>
+    <p:extLst>
+      <p:ext uri="{BB962C8B-B14F-4D97-AF65-F5344CB8AC3E}">
+        <p14:creationId xmlns:p14="http://schemas.microsoft.com/office/powerpoint/2010/main" val="25770177"/>
+      </p:ext>
+    </p:extLst>
+  </p:cSld>
+  <p:clrMapOvr>
+    <a:masterClrMapping/>
+  </p:clrMapOvr>
+  <p:timing>
+    <p:tnLst>
+      <p:par>
+        <p:cTn id="1" dur="indefinite" restart="never" nodeType="tmRoot"/>
+      </p:par>
+    </p:tnLst>
+  </p:timing>
+</p:sld>
+</file>
+
+<file path=ppt/slides/slide29.xml><?xml version="1.0" encoding="utf-8"?>
+<p:sld xmlns:a="http://schemas.openxmlformats.org/drawingml/2006/main" xmlns:r="http://schemas.openxmlformats.org/officeDocument/2006/relationships" xmlns:p="http://schemas.openxmlformats.org/presentationml/2006/main">
+  <p:cSld>
+    <p:spTree>
+      <p:nvGrpSpPr>
+        <p:cNvPr id="1" name=""/>
+        <p:cNvGrpSpPr/>
+        <p:nvPr/>
+      </p:nvGrpSpPr>
+      <p:grpSpPr>
+        <a:xfrm>
+          <a:off x="0" y="0"/>
+          <a:ext cx="0" cy="0"/>
+          <a:chOff x="0" y="0"/>
+          <a:chExt cx="0" cy="0"/>
+        </a:xfrm>
+      </p:grpSpPr>
+      <p:sp>
+        <p:nvSpPr>
+          <p:cNvPr id="2" name="矩形 1"/>
+          <p:cNvSpPr/>
+          <p:nvPr/>
+        </p:nvSpPr>
+        <p:spPr>
+          <a:xfrm>
+            <a:off x="247194" y="322806"/>
+            <a:ext cx="7714178" cy="997792"/>
+          </a:xfrm>
+          <a:prstGeom prst="rect">
+            <a:avLst/>
+          </a:prstGeom>
+        </p:spPr>
+        <p:txBody>
+          <a:bodyPr wrap="none">
+            <a:spAutoFit/>
+          </a:bodyPr>
+          <a:lstStyle/>
+          <a:p>
+            <a:pPr algn="ctr">
+              <a:lnSpc>
+                <a:spcPct val="90000"/>
+              </a:lnSpc>
+              <a:spcBef>
+                <a:spcPct val="0"/>
+              </a:spcBef>
+            </a:pPr>
+            <a:r>
+              <a:rPr lang="zh-CN" altLang="en-US" sz="6000" b="1" dirty="0"/>
+              <a:t>铁路垄断无直接关系</a:t>
+            </a:r>
+            <a:endParaRPr lang="zh-CN" altLang="en-US" sz="6000" b="1" dirty="0">
+              <a:latin typeface="+mj-lt"/>
+              <a:ea typeface="+mj-ea"/>
+              <a:cs typeface="+mj-cs"/>
+            </a:endParaRPr>
+          </a:p>
+        </p:txBody>
+      </p:sp>
+    </p:spTree>
+    <p:extLst>
+      <p:ext uri="{BB962C8B-B14F-4D97-AF65-F5344CB8AC3E}">
+        <p14:creationId xmlns:p14="http://schemas.microsoft.com/office/powerpoint/2010/main" val="3610593653"/>
       </p:ext>
     </p:extLst>
   </p:cSld>
@@ -4995,57 +6887,1302 @@
           <a:chExt cx="0" cy="0"/>
         </a:xfrm>
       </p:grpSpPr>
-      <p:pic>
-        <p:nvPicPr>
-          <p:cNvPr id="1026" name="Picture 2" descr="https://gss0.bdstatic.com/-4o3dSag_xI4khGkpoWK1HF6hhy/baike/c0%3Dbaike80%2C5%2C5%2C80%2C26/sign=6a5ea2acbf389b502cf2e800e45c8eb8/ac4bd11373f082020620298d4dfbfbedaa641bd5.jpg"/>
-          <p:cNvPicPr>
-            <a:picLocks noChangeAspect="1" noChangeArrowheads="1"/>
-          </p:cNvPicPr>
-          <p:nvPr/>
-        </p:nvPicPr>
-        <p:blipFill>
-          <a:blip r:embed="rId2">
-            <a:extLst>
-              <a:ext uri="{28A0092B-C50C-407E-A947-70E740481C1C}">
-                <a14:useLocalDpi xmlns:a14="http://schemas.microsoft.com/office/drawing/2010/main" val="0"/>
-              </a:ext>
-            </a:extLst>
-          </a:blip>
-          <a:srcRect/>
-          <a:stretch>
-            <a:fillRect/>
-          </a:stretch>
-        </p:blipFill>
-        <p:spPr bwMode="auto">
-          <a:xfrm>
-            <a:off x="769530" y="571364"/>
-            <a:ext cx="3790950" cy="4648201"/>
-          </a:xfrm>
-          <a:prstGeom prst="rect">
-            <a:avLst/>
-          </a:prstGeom>
-          <a:noFill/>
-          <a:extLst>
-            <a:ext uri="{909E8E84-426E-40DD-AFC4-6F175D3DCCD1}">
-              <a14:hiddenFill xmlns:a14="http://schemas.microsoft.com/office/drawing/2010/main">
-                <a:solidFill>
-                  <a:srgbClr val="FFFFFF"/>
-                </a:solidFill>
-              </a14:hiddenFill>
-            </a:ext>
-          </a:extLst>
-        </p:spPr>
-      </p:pic>
+      <p:sp>
+        <p:nvSpPr>
+          <p:cNvPr id="2" name="标题 1"/>
+          <p:cNvSpPr>
+            <a:spLocks noGrp="1"/>
+          </p:cNvSpPr>
+          <p:nvPr>
+            <p:ph type="ctrTitle"/>
+          </p:nvPr>
+        </p:nvSpPr>
+        <p:spPr>
+          <a:xfrm>
+            <a:off x="1373874" y="2811440"/>
+            <a:ext cx="9144000" cy="1053366"/>
+          </a:xfrm>
+        </p:spPr>
+        <p:txBody>
+          <a:bodyPr>
+            <a:normAutofit fontScale="90000"/>
+          </a:bodyPr>
+          <a:lstStyle/>
+          <a:p>
+            <a:r>
+              <a:rPr lang="zh-CN" altLang="en-US" dirty="0"/>
+              <a:t>郝</a:t>
+            </a:r>
+            <a:r>
+              <a:rPr lang="zh-CN" altLang="en-US" dirty="0" smtClean="0"/>
+              <a:t>劲松</a:t>
+            </a:r>
+            <a:r>
+              <a:rPr lang="en-US" altLang="zh-CN" dirty="0" smtClean="0"/>
+              <a:t/>
+            </a:r>
+            <a:br>
+              <a:rPr lang="en-US" altLang="zh-CN" dirty="0" smtClean="0"/>
+            </a:br>
+            <a:r>
+              <a:rPr lang="en-US" altLang="zh-CN" dirty="0" smtClean="0"/>
+              <a:t>http://news.sina.com.cn/o/2009-01-21/044315064953s.shtml</a:t>
+            </a:r>
+            <a:endParaRPr lang="zh-CN" altLang="en-US" dirty="0"/>
+          </a:p>
+        </p:txBody>
+      </p:sp>
+      <p:sp>
+        <p:nvSpPr>
+          <p:cNvPr id="3" name="矩形 2"/>
+          <p:cNvSpPr/>
+          <p:nvPr/>
+        </p:nvSpPr>
+        <p:spPr>
+          <a:xfrm>
+            <a:off x="1373874" y="3864806"/>
+            <a:ext cx="3044423" cy="369332"/>
+          </a:xfrm>
+          <a:prstGeom prst="rect">
+            <a:avLst/>
+          </a:prstGeom>
+        </p:spPr>
+        <p:txBody>
+          <a:bodyPr wrap="square">
+            <a:spAutoFit/>
+          </a:bodyPr>
+          <a:lstStyle/>
+          <a:p>
+            <a:r>
+              <a:rPr lang="zh-CN" altLang="en-US" dirty="0">
+                <a:solidFill>
+                  <a:srgbClr val="333333"/>
+                </a:solidFill>
+                <a:latin typeface="arial" panose="020B0604020202020204" pitchFamily="34" charset="0"/>
+              </a:rPr>
+              <a:t>春运涨停 </a:t>
+            </a:r>
+            <a:r>
+              <a:rPr lang="en-US" altLang="zh-CN" dirty="0">
+                <a:solidFill>
+                  <a:srgbClr val="333333"/>
+                </a:solidFill>
+                <a:latin typeface="arial" panose="020B0604020202020204" pitchFamily="34" charset="0"/>
+              </a:rPr>
+              <a:t>24</a:t>
+            </a:r>
+            <a:r>
+              <a:rPr lang="zh-CN" altLang="en-US" dirty="0">
+                <a:solidFill>
+                  <a:srgbClr val="333333"/>
+                </a:solidFill>
+                <a:latin typeface="arial" panose="020B0604020202020204" pitchFamily="34" charset="0"/>
+              </a:rPr>
+              <a:t>小时惊天大逆转</a:t>
+            </a:r>
+            <a:endParaRPr lang="zh-CN" altLang="en-US" dirty="0"/>
+          </a:p>
+        </p:txBody>
+      </p:sp>
     </p:spTree>
     <p:extLst>
       <p:ext uri="{BB962C8B-B14F-4D97-AF65-F5344CB8AC3E}">
-        <p14:creationId xmlns:p14="http://schemas.microsoft.com/office/powerpoint/2010/main" val="1191190915"/>
+        <p14:creationId xmlns:p14="http://schemas.microsoft.com/office/powerpoint/2010/main" val="1562058903"/>
       </p:ext>
     </p:extLst>
   </p:cSld>
   <p:clrMapOvr>
     <a:masterClrMapping/>
   </p:clrMapOvr>
+</p:sld>
+</file>
+
+<file path=ppt/slides/slide30.xml><?xml version="1.0" encoding="utf-8"?>
+<p:sld xmlns:a="http://schemas.openxmlformats.org/drawingml/2006/main" xmlns:r="http://schemas.openxmlformats.org/officeDocument/2006/relationships" xmlns:p="http://schemas.openxmlformats.org/presentationml/2006/main">
+  <p:cSld>
+    <p:spTree>
+      <p:nvGrpSpPr>
+        <p:cNvPr id="1" name=""/>
+        <p:cNvGrpSpPr/>
+        <p:nvPr/>
+      </p:nvGrpSpPr>
+      <p:grpSpPr>
+        <a:xfrm>
+          <a:off x="0" y="0"/>
+          <a:ext cx="0" cy="0"/>
+          <a:chOff x="0" y="0"/>
+          <a:chExt cx="0" cy="0"/>
+        </a:xfrm>
+      </p:grpSpPr>
+      <p:sp>
+        <p:nvSpPr>
+          <p:cNvPr id="2" name="矩形 1"/>
+          <p:cNvSpPr/>
+          <p:nvPr/>
+        </p:nvSpPr>
+        <p:spPr>
+          <a:xfrm>
+            <a:off x="535037" y="322806"/>
+            <a:ext cx="7138493" cy="923330"/>
+          </a:xfrm>
+          <a:prstGeom prst="rect">
+            <a:avLst/>
+          </a:prstGeom>
+        </p:spPr>
+        <p:txBody>
+          <a:bodyPr wrap="none">
+            <a:spAutoFit/>
+          </a:bodyPr>
+          <a:lstStyle/>
+          <a:p>
+            <a:pPr algn="ctr">
+              <a:lnSpc>
+                <a:spcPct val="90000"/>
+              </a:lnSpc>
+              <a:spcBef>
+                <a:spcPct val="0"/>
+              </a:spcBef>
+            </a:pPr>
+            <a:r>
+              <a:rPr lang="zh-CN" altLang="en-US" sz="6000" b="1" dirty="0"/>
+              <a:t>低票价造成举国浪费</a:t>
+            </a:r>
+            <a:endParaRPr lang="zh-CN" altLang="en-US" sz="6000" b="1" dirty="0">
+              <a:latin typeface="+mj-lt"/>
+              <a:ea typeface="+mj-ea"/>
+              <a:cs typeface="+mj-cs"/>
+            </a:endParaRPr>
+          </a:p>
+        </p:txBody>
+      </p:sp>
+    </p:spTree>
+    <p:extLst>
+      <p:ext uri="{BB962C8B-B14F-4D97-AF65-F5344CB8AC3E}">
+        <p14:creationId xmlns:p14="http://schemas.microsoft.com/office/powerpoint/2010/main" val="2684968594"/>
+      </p:ext>
+    </p:extLst>
+  </p:cSld>
+  <p:clrMapOvr>
+    <a:masterClrMapping/>
+  </p:clrMapOvr>
+  <p:timing>
+    <p:tnLst>
+      <p:par>
+        <p:cTn id="1" dur="indefinite" restart="never" nodeType="tmRoot"/>
+      </p:par>
+    </p:tnLst>
+  </p:timing>
+</p:sld>
+</file>
+
+<file path=ppt/slides/slide31.xml><?xml version="1.0" encoding="utf-8"?>
+<p:sld xmlns:a="http://schemas.openxmlformats.org/drawingml/2006/main" xmlns:r="http://schemas.openxmlformats.org/officeDocument/2006/relationships" xmlns:p="http://schemas.openxmlformats.org/presentationml/2006/main">
+  <p:cSld>
+    <p:spTree>
+      <p:nvGrpSpPr>
+        <p:cNvPr id="1" name=""/>
+        <p:cNvGrpSpPr/>
+        <p:nvPr/>
+      </p:nvGrpSpPr>
+      <p:grpSpPr>
+        <a:xfrm>
+          <a:off x="0" y="0"/>
+          <a:ext cx="0" cy="0"/>
+          <a:chOff x="0" y="0"/>
+          <a:chExt cx="0" cy="0"/>
+        </a:xfrm>
+      </p:grpSpPr>
+      <p:sp>
+        <p:nvSpPr>
+          <p:cNvPr id="6" name="文本框 5"/>
+          <p:cNvSpPr txBox="1"/>
+          <p:nvPr/>
+        </p:nvSpPr>
+        <p:spPr>
+          <a:xfrm>
+            <a:off x="2963838" y="860651"/>
+            <a:ext cx="7681416" cy="646331"/>
+          </a:xfrm>
+          <a:prstGeom prst="rect">
+            <a:avLst/>
+          </a:prstGeom>
+          <a:noFill/>
+        </p:spPr>
+        <p:txBody>
+          <a:bodyPr wrap="square" rtlCol="0">
+            <a:spAutoFit/>
+          </a:bodyPr>
+          <a:lstStyle/>
+          <a:p>
+            <a:r>
+              <a:rPr lang="zh-CN" altLang="en-US" sz="3600" dirty="0" smtClean="0"/>
+              <a:t>火车票价格到底高不高</a:t>
+            </a:r>
+            <a:endParaRPr lang="zh-CN" altLang="en-US" sz="3600" dirty="0"/>
+          </a:p>
+        </p:txBody>
+      </p:sp>
+      <p:sp>
+        <p:nvSpPr>
+          <p:cNvPr id="9" name="文本框 8"/>
+          <p:cNvSpPr txBox="1"/>
+          <p:nvPr/>
+        </p:nvSpPr>
+        <p:spPr>
+          <a:xfrm>
+            <a:off x="2963838" y="1715405"/>
+            <a:ext cx="877163" cy="369332"/>
+          </a:xfrm>
+          <a:prstGeom prst="rect">
+            <a:avLst/>
+          </a:prstGeom>
+          <a:noFill/>
+        </p:spPr>
+        <p:txBody>
+          <a:bodyPr wrap="none" rtlCol="0">
+            <a:spAutoFit/>
+          </a:bodyPr>
+          <a:lstStyle/>
+          <a:p>
+            <a:r>
+              <a:rPr lang="zh-CN" altLang="en-US" dirty="0" smtClean="0"/>
+              <a:t>回家难</a:t>
+            </a:r>
+            <a:endParaRPr lang="zh-CN" altLang="en-US" dirty="0"/>
+          </a:p>
+        </p:txBody>
+      </p:sp>
+    </p:spTree>
+    <p:extLst>
+      <p:ext uri="{BB962C8B-B14F-4D97-AF65-F5344CB8AC3E}">
+        <p14:creationId xmlns:p14="http://schemas.microsoft.com/office/powerpoint/2010/main" val="1783311368"/>
+      </p:ext>
+    </p:extLst>
+  </p:cSld>
+  <p:clrMapOvr>
+    <a:masterClrMapping/>
+  </p:clrMapOvr>
+  <p:timing>
+    <p:tnLst>
+      <p:par>
+        <p:cTn id="1" dur="indefinite" restart="never" nodeType="tmRoot"/>
+      </p:par>
+    </p:tnLst>
+  </p:timing>
+</p:sld>
+</file>
+
+<file path=ppt/slides/slide32.xml><?xml version="1.0" encoding="utf-8"?>
+<p:sld xmlns:a="http://schemas.openxmlformats.org/drawingml/2006/main" xmlns:r="http://schemas.openxmlformats.org/officeDocument/2006/relationships" xmlns:p="http://schemas.openxmlformats.org/presentationml/2006/main">
+  <p:cSld>
+    <p:spTree>
+      <p:nvGrpSpPr>
+        <p:cNvPr id="1" name=""/>
+        <p:cNvGrpSpPr/>
+        <p:nvPr/>
+      </p:nvGrpSpPr>
+      <p:grpSpPr>
+        <a:xfrm>
+          <a:off x="0" y="0"/>
+          <a:ext cx="0" cy="0"/>
+          <a:chOff x="0" y="0"/>
+          <a:chExt cx="0" cy="0"/>
+        </a:xfrm>
+      </p:grpSpPr>
+      <p:sp>
+        <p:nvSpPr>
+          <p:cNvPr id="6" name="文本框 5"/>
+          <p:cNvSpPr txBox="1"/>
+          <p:nvPr/>
+        </p:nvSpPr>
+        <p:spPr>
+          <a:xfrm>
+            <a:off x="2963838" y="860651"/>
+            <a:ext cx="7681416" cy="1200329"/>
+          </a:xfrm>
+          <a:prstGeom prst="rect">
+            <a:avLst/>
+          </a:prstGeom>
+          <a:noFill/>
+        </p:spPr>
+        <p:txBody>
+          <a:bodyPr wrap="square" rtlCol="0">
+            <a:spAutoFit/>
+          </a:bodyPr>
+          <a:lstStyle/>
+          <a:p>
+            <a:r>
+              <a:rPr lang="zh-CN" altLang="en-US" sz="3600" dirty="0"/>
+              <a:t>为什么火车票价格不能</a:t>
+            </a:r>
+            <a:r>
+              <a:rPr lang="zh-CN" altLang="en-US" sz="3600" dirty="0" smtClean="0"/>
+              <a:t>上涨</a:t>
+            </a:r>
+            <a:endParaRPr lang="en-US" altLang="zh-CN" sz="3600" dirty="0" smtClean="0"/>
+          </a:p>
+          <a:p>
+            <a:r>
+              <a:rPr lang="zh-CN" altLang="en-US" sz="3600" dirty="0" smtClean="0"/>
+              <a:t>价格管制原因（</a:t>
+            </a:r>
+            <a:r>
+              <a:rPr lang="en-US" altLang="zh-CN" sz="3600" dirty="0" smtClean="0"/>
+              <a:t>12</a:t>
+            </a:r>
+            <a:r>
+              <a:rPr lang="zh-CN" altLang="en-US" sz="3600" dirty="0" smtClean="0"/>
+              <a:t>周问答）</a:t>
+            </a:r>
+            <a:endParaRPr lang="zh-CN" altLang="en-US" sz="3600" dirty="0"/>
+          </a:p>
+        </p:txBody>
+      </p:sp>
+      <p:sp>
+        <p:nvSpPr>
+          <p:cNvPr id="4" name="文本框 3"/>
+          <p:cNvSpPr txBox="1"/>
+          <p:nvPr/>
+        </p:nvSpPr>
+        <p:spPr>
+          <a:xfrm>
+            <a:off x="3118763" y="2320119"/>
+            <a:ext cx="646331" cy="369332"/>
+          </a:xfrm>
+          <a:prstGeom prst="rect">
+            <a:avLst/>
+          </a:prstGeom>
+          <a:noFill/>
+        </p:spPr>
+        <p:txBody>
+          <a:bodyPr wrap="none" rtlCol="0">
+            <a:spAutoFit/>
+          </a:bodyPr>
+          <a:lstStyle/>
+          <a:p>
+            <a:r>
+              <a:rPr lang="zh-CN" altLang="en-US" dirty="0" smtClean="0"/>
+              <a:t>维稳</a:t>
+            </a:r>
+            <a:endParaRPr lang="zh-CN" altLang="en-US" dirty="0"/>
+          </a:p>
+        </p:txBody>
+      </p:sp>
+      <p:sp>
+        <p:nvSpPr>
+          <p:cNvPr id="7" name="文本框 6"/>
+          <p:cNvSpPr txBox="1"/>
+          <p:nvPr/>
+        </p:nvSpPr>
+        <p:spPr>
+          <a:xfrm>
+            <a:off x="3100315" y="2884395"/>
+            <a:ext cx="2829621" cy="369332"/>
+          </a:xfrm>
+          <a:prstGeom prst="rect">
+            <a:avLst/>
+          </a:prstGeom>
+          <a:noFill/>
+        </p:spPr>
+        <p:txBody>
+          <a:bodyPr wrap="none" rtlCol="0">
+            <a:spAutoFit/>
+          </a:bodyPr>
+          <a:lstStyle/>
+          <a:p>
+            <a:r>
+              <a:rPr lang="zh-CN" altLang="en-US" dirty="0" smtClean="0"/>
+              <a:t>既得利益者， 学生， 官员</a:t>
+            </a:r>
+            <a:endParaRPr lang="zh-CN" altLang="en-US" dirty="0"/>
+          </a:p>
+        </p:txBody>
+      </p:sp>
+      <p:sp>
+        <p:nvSpPr>
+          <p:cNvPr id="8" name="文本框 7"/>
+          <p:cNvSpPr txBox="1"/>
+          <p:nvPr/>
+        </p:nvSpPr>
+        <p:spPr>
+          <a:xfrm>
+            <a:off x="3100315" y="3448671"/>
+            <a:ext cx="1107996" cy="369332"/>
+          </a:xfrm>
+          <a:prstGeom prst="rect">
+            <a:avLst/>
+          </a:prstGeom>
+          <a:noFill/>
+        </p:spPr>
+        <p:txBody>
+          <a:bodyPr wrap="none" rtlCol="0">
+            <a:spAutoFit/>
+          </a:bodyPr>
+          <a:lstStyle/>
+          <a:p>
+            <a:r>
+              <a:rPr lang="zh-CN" altLang="en-US" dirty="0" smtClean="0"/>
+              <a:t>人们无知</a:t>
+            </a:r>
+            <a:endParaRPr lang="zh-CN" altLang="en-US" dirty="0"/>
+          </a:p>
+        </p:txBody>
+      </p:sp>
+    </p:spTree>
+    <p:extLst>
+      <p:ext uri="{BB962C8B-B14F-4D97-AF65-F5344CB8AC3E}">
+        <p14:creationId xmlns:p14="http://schemas.microsoft.com/office/powerpoint/2010/main" val="3890439"/>
+      </p:ext>
+    </p:extLst>
+  </p:cSld>
+  <p:clrMapOvr>
+    <a:masterClrMapping/>
+  </p:clrMapOvr>
+  <p:timing>
+    <p:tnLst>
+      <p:par>
+        <p:cTn id="1" dur="indefinite" restart="never" nodeType="tmRoot"/>
+      </p:par>
+    </p:tnLst>
+  </p:timing>
+</p:sld>
+</file>
+
+<file path=ppt/slides/slide33.xml><?xml version="1.0" encoding="utf-8"?>
+<p:sld xmlns:a="http://schemas.openxmlformats.org/drawingml/2006/main" xmlns:r="http://schemas.openxmlformats.org/officeDocument/2006/relationships" xmlns:p="http://schemas.openxmlformats.org/presentationml/2006/main">
+  <p:cSld>
+    <p:spTree>
+      <p:nvGrpSpPr>
+        <p:cNvPr id="1" name=""/>
+        <p:cNvGrpSpPr/>
+        <p:nvPr/>
+      </p:nvGrpSpPr>
+      <p:grpSpPr>
+        <a:xfrm>
+          <a:off x="0" y="0"/>
+          <a:ext cx="0" cy="0"/>
+          <a:chOff x="0" y="0"/>
+          <a:chExt cx="0" cy="0"/>
+        </a:xfrm>
+      </p:grpSpPr>
+      <p:sp>
+        <p:nvSpPr>
+          <p:cNvPr id="6" name="文本框 5"/>
+          <p:cNvSpPr txBox="1"/>
+          <p:nvPr/>
+        </p:nvSpPr>
+        <p:spPr>
+          <a:xfrm>
+            <a:off x="2336039" y="587697"/>
+            <a:ext cx="6316922" cy="646331"/>
+          </a:xfrm>
+          <a:prstGeom prst="rect">
+            <a:avLst/>
+          </a:prstGeom>
+          <a:noFill/>
+        </p:spPr>
+        <p:txBody>
+          <a:bodyPr wrap="none" rtlCol="0">
+            <a:spAutoFit/>
+          </a:bodyPr>
+          <a:lstStyle/>
+          <a:p>
+            <a:r>
+              <a:rPr lang="zh-CN" altLang="en-US" sz="3600" dirty="0" smtClean="0"/>
+              <a:t>如何解决火车票购票难得问题</a:t>
+            </a:r>
+            <a:endParaRPr lang="zh-CN" altLang="en-US" sz="3600" dirty="0"/>
+          </a:p>
+        </p:txBody>
+      </p:sp>
+      <p:sp>
+        <p:nvSpPr>
+          <p:cNvPr id="2" name="矩形 1"/>
+          <p:cNvSpPr/>
+          <p:nvPr/>
+        </p:nvSpPr>
+        <p:spPr>
+          <a:xfrm>
+            <a:off x="2336039" y="2015192"/>
+            <a:ext cx="2206053" cy="369332"/>
+          </a:xfrm>
+          <a:prstGeom prst="rect">
+            <a:avLst/>
+          </a:prstGeom>
+        </p:spPr>
+        <p:txBody>
+          <a:bodyPr wrap="none">
+            <a:spAutoFit/>
+          </a:bodyPr>
+          <a:lstStyle/>
+          <a:p>
+            <a:r>
+              <a:rPr lang="en-US" altLang="zh-CN" dirty="0"/>
+              <a:t>2</a:t>
+            </a:r>
+            <a:r>
+              <a:rPr lang="en-US" altLang="zh-CN" dirty="0" smtClean="0"/>
+              <a:t>.</a:t>
+            </a:r>
+            <a:r>
+              <a:rPr lang="zh-CN" altLang="en-US" dirty="0" smtClean="0"/>
+              <a:t>黄牛</a:t>
+            </a:r>
+            <a:r>
+              <a:rPr lang="zh-CN" altLang="en-US" dirty="0"/>
+              <a:t>节省无谓损失</a:t>
+            </a:r>
+          </a:p>
+        </p:txBody>
+      </p:sp>
+      <p:sp>
+        <p:nvSpPr>
+          <p:cNvPr id="3" name="矩形 2"/>
+          <p:cNvSpPr/>
+          <p:nvPr/>
+        </p:nvSpPr>
+        <p:spPr>
+          <a:xfrm>
+            <a:off x="2336039" y="1439944"/>
+            <a:ext cx="2436886" cy="369332"/>
+          </a:xfrm>
+          <a:prstGeom prst="rect">
+            <a:avLst/>
+          </a:prstGeom>
+        </p:spPr>
+        <p:txBody>
+          <a:bodyPr wrap="none">
+            <a:spAutoFit/>
+          </a:bodyPr>
+          <a:lstStyle/>
+          <a:p>
+            <a:r>
+              <a:rPr lang="en-US" altLang="zh-CN" dirty="0" smtClean="0"/>
+              <a:t>1.</a:t>
+            </a:r>
+            <a:r>
+              <a:rPr lang="zh-CN" altLang="en-US" dirty="0" smtClean="0"/>
+              <a:t>实名制</a:t>
+            </a:r>
+            <a:r>
+              <a:rPr lang="zh-CN" altLang="en-US" dirty="0"/>
+              <a:t>使火车票更贵</a:t>
+            </a:r>
+          </a:p>
+        </p:txBody>
+      </p:sp>
+      <p:sp>
+        <p:nvSpPr>
+          <p:cNvPr id="5" name="矩形 4"/>
+          <p:cNvSpPr/>
+          <p:nvPr/>
+        </p:nvSpPr>
+        <p:spPr>
+          <a:xfrm>
+            <a:off x="2336038" y="2590440"/>
+            <a:ext cx="2667718" cy="369332"/>
+          </a:xfrm>
+          <a:prstGeom prst="rect">
+            <a:avLst/>
+          </a:prstGeom>
+        </p:spPr>
+        <p:txBody>
+          <a:bodyPr wrap="none">
+            <a:spAutoFit/>
+          </a:bodyPr>
+          <a:lstStyle/>
+          <a:p>
+            <a:r>
+              <a:rPr lang="en-US" altLang="zh-CN" dirty="0" smtClean="0"/>
+              <a:t>3.</a:t>
+            </a:r>
+            <a:r>
+              <a:rPr lang="zh-CN" altLang="en-US" dirty="0" smtClean="0"/>
+              <a:t>放开火车票的价格管制</a:t>
+            </a:r>
+            <a:endParaRPr lang="zh-CN" altLang="en-US" dirty="0"/>
+          </a:p>
+        </p:txBody>
+      </p:sp>
+    </p:spTree>
+    <p:extLst>
+      <p:ext uri="{BB962C8B-B14F-4D97-AF65-F5344CB8AC3E}">
+        <p14:creationId xmlns:p14="http://schemas.microsoft.com/office/powerpoint/2010/main" val="2900519539"/>
+      </p:ext>
+    </p:extLst>
+  </p:cSld>
+  <p:clrMapOvr>
+    <a:masterClrMapping/>
+  </p:clrMapOvr>
+</p:sld>
+</file>
+
+<file path=ppt/slides/slide34.xml><?xml version="1.0" encoding="utf-8"?>
+<p:sld xmlns:a="http://schemas.openxmlformats.org/drawingml/2006/main" xmlns:r="http://schemas.openxmlformats.org/officeDocument/2006/relationships" xmlns:p="http://schemas.openxmlformats.org/presentationml/2006/main">
+  <p:cSld>
+    <p:spTree>
+      <p:nvGrpSpPr>
+        <p:cNvPr id="1" name=""/>
+        <p:cNvGrpSpPr/>
+        <p:nvPr/>
+      </p:nvGrpSpPr>
+      <p:grpSpPr>
+        <a:xfrm>
+          <a:off x="0" y="0"/>
+          <a:ext cx="0" cy="0"/>
+          <a:chOff x="0" y="0"/>
+          <a:chExt cx="0" cy="0"/>
+        </a:xfrm>
+      </p:grpSpPr>
+      <p:sp>
+        <p:nvSpPr>
+          <p:cNvPr id="6" name="文本框 5"/>
+          <p:cNvSpPr txBox="1"/>
+          <p:nvPr/>
+        </p:nvSpPr>
+        <p:spPr>
+          <a:xfrm>
+            <a:off x="2963838" y="860651"/>
+            <a:ext cx="2031325" cy="646331"/>
+          </a:xfrm>
+          <a:prstGeom prst="rect">
+            <a:avLst/>
+          </a:prstGeom>
+          <a:noFill/>
+        </p:spPr>
+        <p:txBody>
+          <a:bodyPr wrap="none" rtlCol="0">
+            <a:spAutoFit/>
+          </a:bodyPr>
+          <a:lstStyle/>
+          <a:p>
+            <a:r>
+              <a:rPr lang="zh-CN" altLang="en-US" sz="3600" dirty="0" smtClean="0"/>
+              <a:t>价格</a:t>
+            </a:r>
+            <a:r>
+              <a:rPr lang="zh-CN" altLang="en-US" sz="3600" dirty="0"/>
+              <a:t>管制</a:t>
+            </a:r>
+          </a:p>
+        </p:txBody>
+      </p:sp>
+    </p:spTree>
+    <p:extLst>
+      <p:ext uri="{BB962C8B-B14F-4D97-AF65-F5344CB8AC3E}">
+        <p14:creationId xmlns:p14="http://schemas.microsoft.com/office/powerpoint/2010/main" val="2803786362"/>
+      </p:ext>
+    </p:extLst>
+  </p:cSld>
+  <p:clrMapOvr>
+    <a:masterClrMapping/>
+  </p:clrMapOvr>
+  <p:timing>
+    <p:tnLst>
+      <p:par>
+        <p:cTn id="1" dur="indefinite" restart="never" nodeType="tmRoot"/>
+      </p:par>
+    </p:tnLst>
+  </p:timing>
+</p:sld>
+</file>
+
+<file path=ppt/slides/slide35.xml><?xml version="1.0" encoding="utf-8"?>
+<p:sld xmlns:a="http://schemas.openxmlformats.org/drawingml/2006/main" xmlns:r="http://schemas.openxmlformats.org/officeDocument/2006/relationships" xmlns:p="http://schemas.openxmlformats.org/presentationml/2006/main">
+  <p:cSld>
+    <p:spTree>
+      <p:nvGrpSpPr>
+        <p:cNvPr id="1" name=""/>
+        <p:cNvGrpSpPr/>
+        <p:nvPr/>
+      </p:nvGrpSpPr>
+      <p:grpSpPr>
+        <a:xfrm>
+          <a:off x="0" y="0"/>
+          <a:ext cx="0" cy="0"/>
+          <a:chOff x="0" y="0"/>
+          <a:chExt cx="0" cy="0"/>
+        </a:xfrm>
+      </p:grpSpPr>
+      <p:sp>
+        <p:nvSpPr>
+          <p:cNvPr id="6" name="文本框 5"/>
+          <p:cNvSpPr txBox="1"/>
+          <p:nvPr/>
+        </p:nvSpPr>
+        <p:spPr>
+          <a:xfrm>
+            <a:off x="2963838" y="860651"/>
+            <a:ext cx="3884397" cy="646331"/>
+          </a:xfrm>
+          <a:prstGeom prst="rect">
+            <a:avLst/>
+          </a:prstGeom>
+          <a:noFill/>
+        </p:spPr>
+        <p:txBody>
+          <a:bodyPr wrap="none" rtlCol="0">
+            <a:spAutoFit/>
+          </a:bodyPr>
+          <a:lstStyle/>
+          <a:p>
+            <a:r>
+              <a:rPr lang="zh-CN" altLang="en-US" sz="3600" dirty="0" smtClean="0"/>
+              <a:t>价格的作用（</a:t>
+            </a:r>
+            <a:r>
+              <a:rPr lang="en-US" altLang="zh-CN" sz="3600" dirty="0" smtClean="0"/>
+              <a:t>52</a:t>
+            </a:r>
+            <a:r>
+              <a:rPr lang="zh-CN" altLang="en-US" sz="3600" dirty="0" smtClean="0"/>
+              <a:t>）</a:t>
+            </a:r>
+            <a:endParaRPr lang="zh-CN" altLang="en-US" sz="3600" dirty="0"/>
+          </a:p>
+        </p:txBody>
+      </p:sp>
+      <p:sp>
+        <p:nvSpPr>
+          <p:cNvPr id="2" name="文本框 1"/>
+          <p:cNvSpPr txBox="1"/>
+          <p:nvPr/>
+        </p:nvSpPr>
+        <p:spPr>
+          <a:xfrm>
+            <a:off x="3138985" y="2115403"/>
+            <a:ext cx="1359668" cy="369332"/>
+          </a:xfrm>
+          <a:prstGeom prst="rect">
+            <a:avLst/>
+          </a:prstGeom>
+          <a:noFill/>
+        </p:spPr>
+        <p:txBody>
+          <a:bodyPr wrap="none" rtlCol="0">
+            <a:spAutoFit/>
+          </a:bodyPr>
+          <a:lstStyle/>
+          <a:p>
+            <a:r>
+              <a:rPr lang="zh-CN" altLang="en-US" dirty="0" smtClean="0"/>
+              <a:t>传递稀缺性</a:t>
+            </a:r>
+            <a:endParaRPr lang="zh-CN" altLang="en-US" dirty="0"/>
+          </a:p>
+        </p:txBody>
+      </p:sp>
+      <p:sp>
+        <p:nvSpPr>
+          <p:cNvPr id="4" name="文本框 3"/>
+          <p:cNvSpPr txBox="1"/>
+          <p:nvPr/>
+        </p:nvSpPr>
+        <p:spPr>
+          <a:xfrm>
+            <a:off x="3138985" y="2723824"/>
+            <a:ext cx="1107996" cy="369332"/>
+          </a:xfrm>
+          <a:prstGeom prst="rect">
+            <a:avLst/>
+          </a:prstGeom>
+          <a:noFill/>
+        </p:spPr>
+        <p:txBody>
+          <a:bodyPr wrap="none" rtlCol="0">
+            <a:spAutoFit/>
+          </a:bodyPr>
+          <a:lstStyle/>
+          <a:p>
+            <a:r>
+              <a:rPr lang="zh-CN" altLang="en-US" dirty="0" smtClean="0"/>
+              <a:t>指导生产</a:t>
+            </a:r>
+            <a:endParaRPr lang="zh-CN" altLang="en-US" dirty="0"/>
+          </a:p>
+        </p:txBody>
+      </p:sp>
+      <p:sp>
+        <p:nvSpPr>
+          <p:cNvPr id="5" name="文本框 4"/>
+          <p:cNvSpPr txBox="1"/>
+          <p:nvPr/>
+        </p:nvSpPr>
+        <p:spPr>
+          <a:xfrm>
+            <a:off x="3138985" y="3397956"/>
+            <a:ext cx="4976042" cy="369332"/>
+          </a:xfrm>
+          <a:prstGeom prst="rect">
+            <a:avLst/>
+          </a:prstGeom>
+          <a:noFill/>
+        </p:spPr>
+        <p:txBody>
+          <a:bodyPr wrap="none" rtlCol="0">
+            <a:spAutoFit/>
+          </a:bodyPr>
+          <a:lstStyle/>
+          <a:p>
+            <a:r>
+              <a:rPr lang="zh-CN" altLang="en-US" dirty="0" smtClean="0"/>
+              <a:t>指导产品分配，饼能做多大，取决于怎么分饼</a:t>
+            </a:r>
+            <a:endParaRPr lang="zh-CN" altLang="en-US" dirty="0"/>
+          </a:p>
+        </p:txBody>
+      </p:sp>
+    </p:spTree>
+    <p:extLst>
+      <p:ext uri="{BB962C8B-B14F-4D97-AF65-F5344CB8AC3E}">
+        <p14:creationId xmlns:p14="http://schemas.microsoft.com/office/powerpoint/2010/main" val="1088437163"/>
+      </p:ext>
+    </p:extLst>
+  </p:cSld>
+  <p:clrMapOvr>
+    <a:masterClrMapping/>
+  </p:clrMapOvr>
+  <p:timing>
+    <p:tnLst>
+      <p:par>
+        <p:cTn id="1" dur="indefinite" restart="never" nodeType="tmRoot"/>
+      </p:par>
+    </p:tnLst>
+  </p:timing>
+</p:sld>
+</file>
+
+<file path=ppt/slides/slide36.xml><?xml version="1.0" encoding="utf-8"?>
+<p:sld xmlns:a="http://schemas.openxmlformats.org/drawingml/2006/main" xmlns:r="http://schemas.openxmlformats.org/officeDocument/2006/relationships" xmlns:p="http://schemas.openxmlformats.org/presentationml/2006/main">
+  <p:cSld>
+    <p:spTree>
+      <p:nvGrpSpPr>
+        <p:cNvPr id="1" name=""/>
+        <p:cNvGrpSpPr/>
+        <p:nvPr/>
+      </p:nvGrpSpPr>
+      <p:grpSpPr>
+        <a:xfrm>
+          <a:off x="0" y="0"/>
+          <a:ext cx="0" cy="0"/>
+          <a:chOff x="0" y="0"/>
+          <a:chExt cx="0" cy="0"/>
+        </a:xfrm>
+      </p:grpSpPr>
+      <p:sp>
+        <p:nvSpPr>
+          <p:cNvPr id="6" name="文本框 5"/>
+          <p:cNvSpPr txBox="1"/>
+          <p:nvPr/>
+        </p:nvSpPr>
+        <p:spPr>
+          <a:xfrm>
+            <a:off x="2963838" y="860651"/>
+            <a:ext cx="3416320" cy="646331"/>
+          </a:xfrm>
+          <a:prstGeom prst="rect">
+            <a:avLst/>
+          </a:prstGeom>
+          <a:noFill/>
+        </p:spPr>
+        <p:txBody>
+          <a:bodyPr wrap="none" rtlCol="0">
+            <a:spAutoFit/>
+          </a:bodyPr>
+          <a:lstStyle/>
+          <a:p>
+            <a:r>
+              <a:rPr lang="zh-CN" altLang="en-US" sz="3600" dirty="0" smtClean="0"/>
+              <a:t>美国的房租管制</a:t>
+            </a:r>
+            <a:endParaRPr lang="zh-CN" altLang="en-US" sz="3600" dirty="0"/>
+          </a:p>
+        </p:txBody>
+      </p:sp>
+    </p:spTree>
+    <p:extLst>
+      <p:ext uri="{BB962C8B-B14F-4D97-AF65-F5344CB8AC3E}">
+        <p14:creationId xmlns:p14="http://schemas.microsoft.com/office/powerpoint/2010/main" val="3254254311"/>
+      </p:ext>
+    </p:extLst>
+  </p:cSld>
+  <p:clrMapOvr>
+    <a:masterClrMapping/>
+  </p:clrMapOvr>
+  <p:timing>
+    <p:tnLst>
+      <p:par>
+        <p:cTn id="1" dur="indefinite" restart="never" nodeType="tmRoot"/>
+      </p:par>
+    </p:tnLst>
+  </p:timing>
+</p:sld>
+</file>
+
+<file path=ppt/slides/slide37.xml><?xml version="1.0" encoding="utf-8"?>
+<p:sld xmlns:a="http://schemas.openxmlformats.org/drawingml/2006/main" xmlns:r="http://schemas.openxmlformats.org/officeDocument/2006/relationships" xmlns:p="http://schemas.openxmlformats.org/presentationml/2006/main">
+  <p:cSld>
+    <p:spTree>
+      <p:nvGrpSpPr>
+        <p:cNvPr id="1" name=""/>
+        <p:cNvGrpSpPr/>
+        <p:nvPr/>
+      </p:nvGrpSpPr>
+      <p:grpSpPr>
+        <a:xfrm>
+          <a:off x="0" y="0"/>
+          <a:ext cx="0" cy="0"/>
+          <a:chOff x="0" y="0"/>
+          <a:chExt cx="0" cy="0"/>
+        </a:xfrm>
+      </p:grpSpPr>
+      <p:sp>
+        <p:nvSpPr>
+          <p:cNvPr id="6" name="文本框 5"/>
+          <p:cNvSpPr txBox="1"/>
+          <p:nvPr/>
+        </p:nvSpPr>
+        <p:spPr>
+          <a:xfrm>
+            <a:off x="2963838" y="860651"/>
+            <a:ext cx="3701654" cy="646331"/>
+          </a:xfrm>
+          <a:prstGeom prst="rect">
+            <a:avLst/>
+          </a:prstGeom>
+          <a:noFill/>
+        </p:spPr>
+        <p:txBody>
+          <a:bodyPr wrap="none" rtlCol="0">
+            <a:spAutoFit/>
+          </a:bodyPr>
+          <a:lstStyle/>
+          <a:p>
+            <a:r>
+              <a:rPr lang="zh-CN" altLang="en-US" sz="3600" dirty="0"/>
+              <a:t>解除</a:t>
+            </a:r>
+            <a:r>
+              <a:rPr lang="zh-CN" altLang="en-US" sz="3600" dirty="0" smtClean="0"/>
+              <a:t>价格管制</a:t>
+            </a:r>
+            <a:r>
+              <a:rPr lang="en-US" altLang="zh-CN" sz="3600" dirty="0" smtClean="0"/>
+              <a:t>(47)</a:t>
+            </a:r>
+            <a:endParaRPr lang="zh-CN" altLang="en-US" sz="3600" dirty="0"/>
+          </a:p>
+        </p:txBody>
+      </p:sp>
+      <p:sp>
+        <p:nvSpPr>
+          <p:cNvPr id="3" name="文本框 2"/>
+          <p:cNvSpPr txBox="1"/>
+          <p:nvPr/>
+        </p:nvSpPr>
+        <p:spPr>
+          <a:xfrm>
+            <a:off x="2873383" y="1736580"/>
+            <a:ext cx="1569660" cy="369332"/>
+          </a:xfrm>
+          <a:prstGeom prst="rect">
+            <a:avLst/>
+          </a:prstGeom>
+          <a:noFill/>
+        </p:spPr>
+        <p:txBody>
+          <a:bodyPr wrap="none" rtlCol="0">
+            <a:spAutoFit/>
+          </a:bodyPr>
+          <a:lstStyle/>
+          <a:p>
+            <a:r>
+              <a:rPr lang="zh-CN" altLang="en-US" dirty="0" smtClean="0"/>
+              <a:t>解除价格管制</a:t>
+            </a:r>
+            <a:endParaRPr lang="zh-CN" altLang="en-US" dirty="0"/>
+          </a:p>
+        </p:txBody>
+      </p:sp>
+      <p:sp>
+        <p:nvSpPr>
+          <p:cNvPr id="4" name="文本框 3"/>
+          <p:cNvSpPr txBox="1"/>
+          <p:nvPr/>
+        </p:nvSpPr>
+        <p:spPr>
+          <a:xfrm>
+            <a:off x="3710837" y="2231007"/>
+            <a:ext cx="2954655" cy="369332"/>
+          </a:xfrm>
+          <a:prstGeom prst="rect">
+            <a:avLst/>
+          </a:prstGeom>
+          <a:noFill/>
+        </p:spPr>
+        <p:txBody>
+          <a:bodyPr wrap="none" rtlCol="0">
+            <a:spAutoFit/>
+          </a:bodyPr>
+          <a:lstStyle/>
+          <a:p>
+            <a:r>
+              <a:rPr lang="en-US" altLang="zh-CN" dirty="0" smtClean="0"/>
+              <a:t>《</a:t>
+            </a:r>
+            <a:r>
+              <a:rPr lang="zh-CN" altLang="en-US" dirty="0" smtClean="0"/>
+              <a:t>制高点：世界经济之战</a:t>
+            </a:r>
+            <a:r>
+              <a:rPr lang="en-US" altLang="zh-CN" dirty="0" smtClean="0"/>
+              <a:t>》</a:t>
+            </a:r>
+            <a:endParaRPr lang="zh-CN" altLang="en-US" dirty="0"/>
+          </a:p>
+        </p:txBody>
+      </p:sp>
+      <p:sp>
+        <p:nvSpPr>
+          <p:cNvPr id="5" name="文本框 4"/>
+          <p:cNvSpPr txBox="1"/>
+          <p:nvPr/>
+        </p:nvSpPr>
+        <p:spPr>
+          <a:xfrm>
+            <a:off x="3042679" y="2231007"/>
+            <a:ext cx="877163" cy="369332"/>
+          </a:xfrm>
+          <a:prstGeom prst="rect">
+            <a:avLst/>
+          </a:prstGeom>
+          <a:noFill/>
+        </p:spPr>
+        <p:txBody>
+          <a:bodyPr wrap="none" rtlCol="0">
+            <a:spAutoFit/>
+          </a:bodyPr>
+          <a:lstStyle/>
+          <a:p>
+            <a:r>
+              <a:rPr lang="zh-CN" altLang="en-US" dirty="0" smtClean="0"/>
+              <a:t>希特勒</a:t>
+            </a:r>
+            <a:endParaRPr lang="zh-CN" altLang="en-US" dirty="0"/>
+          </a:p>
+        </p:txBody>
+      </p:sp>
+      <p:sp>
+        <p:nvSpPr>
+          <p:cNvPr id="7" name="文本框 6"/>
+          <p:cNvSpPr txBox="1"/>
+          <p:nvPr/>
+        </p:nvSpPr>
+        <p:spPr>
+          <a:xfrm>
+            <a:off x="2924752" y="2749774"/>
+            <a:ext cx="2723823" cy="369332"/>
+          </a:xfrm>
+          <a:prstGeom prst="rect">
+            <a:avLst/>
+          </a:prstGeom>
+          <a:noFill/>
+        </p:spPr>
+        <p:txBody>
+          <a:bodyPr wrap="none" rtlCol="0">
+            <a:spAutoFit/>
+          </a:bodyPr>
+          <a:lstStyle/>
+          <a:p>
+            <a:r>
+              <a:rPr lang="zh-CN" altLang="en-US" dirty="0" smtClean="0"/>
+              <a:t>果断与沉稳的拿捏不容易</a:t>
+            </a:r>
+            <a:endParaRPr lang="zh-CN" altLang="en-US" dirty="0"/>
+          </a:p>
+        </p:txBody>
+      </p:sp>
+      <p:sp>
+        <p:nvSpPr>
+          <p:cNvPr id="8" name="矩形 7"/>
+          <p:cNvSpPr/>
+          <p:nvPr/>
+        </p:nvSpPr>
+        <p:spPr>
+          <a:xfrm>
+            <a:off x="2963838" y="3393636"/>
+            <a:ext cx="2276585" cy="369332"/>
+          </a:xfrm>
+          <a:prstGeom prst="rect">
+            <a:avLst/>
+          </a:prstGeom>
+        </p:spPr>
+        <p:txBody>
+          <a:bodyPr wrap="none">
+            <a:spAutoFit/>
+          </a:bodyPr>
+          <a:lstStyle/>
+          <a:p>
+            <a:r>
+              <a:rPr lang="zh-CN" altLang="en-US" b="1" dirty="0">
+                <a:solidFill>
+                  <a:srgbClr val="2B2B2B"/>
+                </a:solidFill>
+                <a:latin typeface="宋体" panose="02010600030101010101" pitchFamily="2" charset="-122"/>
+              </a:rPr>
+              <a:t>周其仁：改革的逻辑</a:t>
+            </a:r>
+          </a:p>
+        </p:txBody>
+      </p:sp>
+    </p:spTree>
+    <p:extLst>
+      <p:ext uri="{BB962C8B-B14F-4D97-AF65-F5344CB8AC3E}">
+        <p14:creationId xmlns:p14="http://schemas.microsoft.com/office/powerpoint/2010/main" val="4547825"/>
+      </p:ext>
+    </p:extLst>
+  </p:cSld>
+  <p:clrMapOvr>
+    <a:masterClrMapping/>
+  </p:clrMapOvr>
+  <p:timing>
+    <p:tnLst>
+      <p:par>
+        <p:cTn id="1" dur="indefinite" restart="never" nodeType="tmRoot"/>
+      </p:par>
+    </p:tnLst>
+  </p:timing>
+</p:sld>
+</file>
+
+<file path=ppt/slides/slide38.xml><?xml version="1.0" encoding="utf-8"?>
+<p:sld xmlns:a="http://schemas.openxmlformats.org/drawingml/2006/main" xmlns:r="http://schemas.openxmlformats.org/officeDocument/2006/relationships" xmlns:p="http://schemas.openxmlformats.org/presentationml/2006/main">
+  <p:cSld>
+    <p:spTree>
+      <p:nvGrpSpPr>
+        <p:cNvPr id="1" name=""/>
+        <p:cNvGrpSpPr/>
+        <p:nvPr/>
+      </p:nvGrpSpPr>
+      <p:grpSpPr>
+        <a:xfrm>
+          <a:off x="0" y="0"/>
+          <a:ext cx="0" cy="0"/>
+          <a:chOff x="0" y="0"/>
+          <a:chExt cx="0" cy="0"/>
+        </a:xfrm>
+      </p:grpSpPr>
+      <p:sp>
+        <p:nvSpPr>
+          <p:cNvPr id="6" name="文本框 5"/>
+          <p:cNvSpPr txBox="1"/>
+          <p:nvPr/>
+        </p:nvSpPr>
+        <p:spPr>
+          <a:xfrm>
+            <a:off x="571423" y="314741"/>
+            <a:ext cx="2567562" cy="646331"/>
+          </a:xfrm>
+          <a:prstGeom prst="rect">
+            <a:avLst/>
+          </a:prstGeom>
+          <a:noFill/>
+        </p:spPr>
+        <p:txBody>
+          <a:bodyPr wrap="none" rtlCol="0">
+            <a:spAutoFit/>
+          </a:bodyPr>
+          <a:lstStyle/>
+          <a:p>
+            <a:r>
+              <a:rPr lang="zh-CN" altLang="en-US" sz="3600" dirty="0" smtClean="0"/>
+              <a:t>穷人怎么办</a:t>
+            </a:r>
+            <a:endParaRPr lang="zh-CN" altLang="en-US" sz="3600" dirty="0"/>
+          </a:p>
+        </p:txBody>
+      </p:sp>
+      <p:sp>
+        <p:nvSpPr>
+          <p:cNvPr id="2" name="文本框 1"/>
+          <p:cNvSpPr txBox="1"/>
+          <p:nvPr/>
+        </p:nvSpPr>
+        <p:spPr>
+          <a:xfrm>
+            <a:off x="1487606" y="1228298"/>
+            <a:ext cx="2031325" cy="369332"/>
+          </a:xfrm>
+          <a:prstGeom prst="rect">
+            <a:avLst/>
+          </a:prstGeom>
+          <a:noFill/>
+        </p:spPr>
+        <p:txBody>
+          <a:bodyPr wrap="none" rtlCol="0">
+            <a:spAutoFit/>
+          </a:bodyPr>
+          <a:lstStyle/>
+          <a:p>
+            <a:r>
+              <a:rPr lang="zh-CN" altLang="en-US" dirty="0" smtClean="0"/>
+              <a:t>购物券，市场机制</a:t>
+            </a:r>
+            <a:endParaRPr lang="zh-CN" altLang="en-US" dirty="0"/>
+          </a:p>
+        </p:txBody>
+      </p:sp>
+      <p:sp>
+        <p:nvSpPr>
+          <p:cNvPr id="4" name="文本框 3"/>
+          <p:cNvSpPr txBox="1"/>
+          <p:nvPr/>
+        </p:nvSpPr>
+        <p:spPr>
+          <a:xfrm>
+            <a:off x="1487606" y="1836719"/>
+            <a:ext cx="1406539" cy="369332"/>
+          </a:xfrm>
+          <a:prstGeom prst="rect">
+            <a:avLst/>
+          </a:prstGeom>
+          <a:noFill/>
+        </p:spPr>
+        <p:txBody>
+          <a:bodyPr wrap="none" rtlCol="0">
+            <a:spAutoFit/>
+          </a:bodyPr>
+          <a:lstStyle/>
+          <a:p>
+            <a:r>
+              <a:rPr lang="zh-CN" altLang="en-US" dirty="0" smtClean="0"/>
+              <a:t> 等待 </a:t>
+            </a:r>
+            <a:r>
+              <a:rPr lang="en-US" altLang="zh-CN" dirty="0" smtClean="0"/>
+              <a:t>outlets</a:t>
+            </a:r>
+            <a:endParaRPr lang="zh-CN" altLang="en-US" dirty="0"/>
+          </a:p>
+        </p:txBody>
+      </p:sp>
+    </p:spTree>
+    <p:extLst>
+      <p:ext uri="{BB962C8B-B14F-4D97-AF65-F5344CB8AC3E}">
+        <p14:creationId xmlns:p14="http://schemas.microsoft.com/office/powerpoint/2010/main" val="2705872648"/>
+      </p:ext>
+    </p:extLst>
+  </p:cSld>
+  <p:clrMapOvr>
+    <a:masterClrMapping/>
+  </p:clrMapOvr>
+  <p:timing>
+    <p:tnLst>
+      <p:par>
+        <p:cTn id="1" dur="indefinite" restart="never" nodeType="tmRoot"/>
+      </p:par>
+    </p:tnLst>
+  </p:timing>
 </p:sld>
 </file>
 
@@ -5068,7 +8205,7 @@
       </p:grpSpPr>
       <p:sp>
         <p:nvSpPr>
-          <p:cNvPr id="2" name="标题 1"/>
+          <p:cNvPr id="11" name="标题 10"/>
           <p:cNvSpPr>
             <a:spLocks noGrp="1"/>
           </p:cNvSpPr>
@@ -5078,86 +8215,17 @@
         </p:nvSpPr>
         <p:spPr>
           <a:xfrm>
-            <a:off x="1373874" y="2811440"/>
-            <a:ext cx="9144000" cy="1053366"/>
-          </a:xfrm>
-        </p:spPr>
-        <p:txBody>
-          <a:bodyPr>
-            <a:normAutofit fontScale="90000"/>
-          </a:bodyPr>
-          <a:lstStyle/>
-          <a:p>
-            <a:r>
-              <a:rPr lang="zh-CN" altLang="en-US" dirty="0"/>
-              <a:t>郝</a:t>
-            </a:r>
-            <a:r>
-              <a:rPr lang="zh-CN" altLang="en-US" dirty="0" smtClean="0"/>
-              <a:t>劲松</a:t>
-            </a:r>
-            <a:r>
-              <a:rPr lang="en-US" altLang="zh-CN" dirty="0" smtClean="0"/>
-              <a:t/>
-            </a:r>
-            <a:br>
-              <a:rPr lang="en-US" altLang="zh-CN" dirty="0" smtClean="0"/>
-            </a:br>
-            <a:r>
-              <a:rPr lang="en-US" altLang="zh-CN" dirty="0" smtClean="0"/>
-              <a:t>http://news.sina.com.cn/o/2009-01-21/044315064953s.shtml</a:t>
-            </a:r>
-            <a:endParaRPr lang="zh-CN" altLang="en-US" dirty="0"/>
-          </a:p>
-        </p:txBody>
-      </p:sp>
-      <p:sp>
-        <p:nvSpPr>
-          <p:cNvPr id="3" name="矩形 2"/>
-          <p:cNvSpPr/>
-          <p:nvPr/>
-        </p:nvSpPr>
-        <p:spPr>
-          <a:xfrm>
-            <a:off x="1373874" y="3864806"/>
-            <a:ext cx="3044423" cy="369332"/>
-          </a:xfrm>
-          <a:prstGeom prst="rect">
-            <a:avLst/>
-          </a:prstGeom>
-        </p:spPr>
-        <p:txBody>
-          <a:bodyPr wrap="square">
-            <a:spAutoFit/>
-          </a:bodyPr>
-          <a:lstStyle/>
-          <a:p>
-            <a:r>
-              <a:rPr lang="zh-CN" altLang="en-US" dirty="0">
-                <a:solidFill>
-                  <a:srgbClr val="333333"/>
-                </a:solidFill>
-                <a:latin typeface="arial" panose="020B0604020202020204" pitchFamily="34" charset="0"/>
-              </a:rPr>
-              <a:t>春运涨停 </a:t>
-            </a:r>
-            <a:r>
-              <a:rPr lang="en-US" altLang="zh-CN" dirty="0">
-                <a:solidFill>
-                  <a:srgbClr val="333333"/>
-                </a:solidFill>
-                <a:latin typeface="arial" panose="020B0604020202020204" pitchFamily="34" charset="0"/>
-              </a:rPr>
-              <a:t>24</a:t>
-            </a:r>
-            <a:r>
-              <a:rPr lang="zh-CN" altLang="en-US" dirty="0">
-                <a:solidFill>
-                  <a:srgbClr val="333333"/>
-                </a:solidFill>
-                <a:latin typeface="arial" panose="020B0604020202020204" pitchFamily="34" charset="0"/>
-              </a:rPr>
-              <a:t>小时惊天大逆转</a:t>
+            <a:off x="568657" y="494567"/>
+            <a:ext cx="4672084" cy="1320585"/>
+          </a:xfrm>
+        </p:spPr>
+        <p:txBody>
+          <a:bodyPr/>
+          <a:lstStyle/>
+          <a:p>
+            <a:r>
+              <a:rPr lang="zh-CN" altLang="en-US" b="1" dirty="0"/>
+              <a:t>价格规律</a:t>
             </a:r>
             <a:endParaRPr lang="zh-CN" altLang="en-US" dirty="0"/>
           </a:p>
@@ -5166,7 +8234,7 @@
     </p:spTree>
     <p:extLst>
       <p:ext uri="{BB962C8B-B14F-4D97-AF65-F5344CB8AC3E}">
-        <p14:creationId xmlns:p14="http://schemas.microsoft.com/office/powerpoint/2010/main" val="1562058903"/>
+        <p14:creationId xmlns:p14="http://schemas.microsoft.com/office/powerpoint/2010/main" val="3058821386"/>
       </p:ext>
     </p:extLst>
   </p:cSld>
@@ -5263,7 +8331,7 @@
         </p:nvSpPr>
         <p:spPr>
           <a:xfrm>
-            <a:off x="2488441" y="2789276"/>
+            <a:off x="2488441" y="2283753"/>
             <a:ext cx="7847463" cy="369332"/>
           </a:xfrm>
           <a:prstGeom prst="rect">
@@ -5297,7 +8365,7 @@
         </p:nvSpPr>
         <p:spPr>
           <a:xfrm>
-            <a:off x="2488441" y="3355876"/>
+            <a:off x="2488441" y="2850353"/>
             <a:ext cx="7847463" cy="369332"/>
           </a:xfrm>
           <a:prstGeom prst="rect">
@@ -5397,35 +8465,6 @@
               <a:t>稀缺含义宽广</a:t>
             </a:r>
             <a:endParaRPr lang="zh-CN" altLang="en-US" sz="2800" dirty="0"/>
-          </a:p>
-        </p:txBody>
-      </p:sp>
-      <p:sp>
-        <p:nvSpPr>
-          <p:cNvPr id="8" name="矩形 7"/>
-          <p:cNvSpPr/>
-          <p:nvPr/>
-        </p:nvSpPr>
-        <p:spPr>
-          <a:xfrm>
-            <a:off x="2597623" y="1987092"/>
-            <a:ext cx="9221337" cy="646331"/>
-          </a:xfrm>
-          <a:prstGeom prst="rect">
-            <a:avLst/>
-          </a:prstGeom>
-        </p:spPr>
-        <p:txBody>
-          <a:bodyPr wrap="square">
-            <a:spAutoFit/>
-          </a:bodyPr>
-          <a:lstStyle/>
-          <a:p>
-            <a:r>
-              <a:rPr lang="zh-CN" altLang="en-US" dirty="0"/>
-              <a:t>经济物品的稀缺并不意味着它是稀少的，而是指它不可以免费得到。只要一样东西不能仅仅根据需要获得，它就是稀缺的。</a:t>
-            </a:r>
-            <a:endParaRPr lang="en-US" altLang="zh-CN" dirty="0"/>
           </a:p>
         </p:txBody>
       </p:sp>
@@ -5500,7 +8539,7 @@
     </p:spTree>
     <p:extLst>
       <p:ext uri="{BB962C8B-B14F-4D97-AF65-F5344CB8AC3E}">
-        <p14:creationId xmlns:p14="http://schemas.microsoft.com/office/powerpoint/2010/main" val="3058821386"/>
+        <p14:creationId xmlns:p14="http://schemas.microsoft.com/office/powerpoint/2010/main" val="2280323722"/>
       </p:ext>
     </p:extLst>
   </p:cSld>
@@ -5805,37 +8844,15 @@
           <a:p>
             <a:r>
               <a:rPr lang="zh-CN" altLang="en-US" dirty="0" smtClean="0"/>
-              <a:t>寻租</a:t>
-            </a:r>
-            <a:endParaRPr lang="zh-CN" altLang="en-US" dirty="0"/>
-          </a:p>
-        </p:txBody>
-      </p:sp>
-      <p:sp>
-        <p:nvSpPr>
-          <p:cNvPr id="5" name="文本框 4"/>
-          <p:cNvSpPr txBox="1"/>
-          <p:nvPr/>
-        </p:nvSpPr>
-        <p:spPr>
-          <a:xfrm>
-            <a:off x="1953903" y="2047166"/>
-            <a:ext cx="7847463" cy="369332"/>
-          </a:xfrm>
-          <a:prstGeom prst="rect">
-            <a:avLst/>
-          </a:prstGeom>
-          <a:noFill/>
-        </p:spPr>
-        <p:txBody>
-          <a:bodyPr wrap="square" rtlCol="0">
-            <a:spAutoFit/>
-          </a:bodyPr>
-          <a:lstStyle/>
-          <a:p>
+              <a:t>竞争（</a:t>
+            </a:r>
+            <a:r>
+              <a:rPr lang="en-US" altLang="zh-CN" dirty="0" smtClean="0"/>
+              <a:t>41</a:t>
+            </a:r>
             <a:r>
               <a:rPr lang="zh-CN" altLang="en-US" dirty="0" smtClean="0"/>
-              <a:t>无谓的损失，其他人不能从中得到任何好处的付出</a:t>
+              <a:t>）</a:t>
             </a:r>
             <a:endParaRPr lang="zh-CN" altLang="en-US" dirty="0"/>
           </a:p>
@@ -5844,7 +8861,7 @@
     </p:spTree>
     <p:extLst>
       <p:ext uri="{BB962C8B-B14F-4D97-AF65-F5344CB8AC3E}">
-        <p14:creationId xmlns:p14="http://schemas.microsoft.com/office/powerpoint/2010/main" val="1842169803"/>
+        <p14:creationId xmlns:p14="http://schemas.microsoft.com/office/powerpoint/2010/main" val="3470965269"/>
       </p:ext>
     </p:extLst>
   </p:cSld>
@@ -5893,15 +8910,37 @@
           <a:p>
             <a:r>
               <a:rPr lang="zh-CN" altLang="en-US" dirty="0" smtClean="0"/>
-              <a:t>竞争（</a:t>
-            </a:r>
-            <a:r>
-              <a:rPr lang="en-US" altLang="zh-CN" dirty="0" smtClean="0"/>
-              <a:t>41</a:t>
-            </a:r>
+              <a:t>竞争的规则</a:t>
+            </a:r>
+            <a:endParaRPr lang="zh-CN" altLang="en-US" dirty="0"/>
+          </a:p>
+        </p:txBody>
+      </p:sp>
+      <p:sp>
+        <p:nvSpPr>
+          <p:cNvPr id="11" name="文本框 10"/>
+          <p:cNvSpPr txBox="1"/>
+          <p:nvPr/>
+        </p:nvSpPr>
+        <p:spPr>
+          <a:xfrm>
+            <a:off x="1733264" y="5598500"/>
+            <a:ext cx="7847463" cy="369332"/>
+          </a:xfrm>
+          <a:prstGeom prst="rect">
+            <a:avLst/>
+          </a:prstGeom>
+          <a:noFill/>
+        </p:spPr>
+        <p:txBody>
+          <a:bodyPr wrap="square" rtlCol="0">
+            <a:spAutoFit/>
+          </a:bodyPr>
+          <a:lstStyle/>
+          <a:p>
             <a:r>
               <a:rPr lang="zh-CN" altLang="en-US" dirty="0" smtClean="0"/>
-              <a:t>）</a:t>
+              <a:t>没有那个规则更公平</a:t>
             </a:r>
             <a:endParaRPr lang="zh-CN" altLang="en-US" dirty="0"/>
           </a:p>
@@ -5909,7 +8948,67 @@
       </p:sp>
       <p:sp>
         <p:nvSpPr>
-          <p:cNvPr id="4" name="标题 1"/>
+          <p:cNvPr id="12" name="文本框 11"/>
+          <p:cNvSpPr txBox="1"/>
+          <p:nvPr/>
+        </p:nvSpPr>
+        <p:spPr>
+          <a:xfrm>
+            <a:off x="1733266" y="5023200"/>
+            <a:ext cx="7847463" cy="369332"/>
+          </a:xfrm>
+          <a:prstGeom prst="rect">
+            <a:avLst/>
+          </a:prstGeom>
+          <a:noFill/>
+        </p:spPr>
+        <p:txBody>
+          <a:bodyPr wrap="square" rtlCol="0">
+            <a:spAutoFit/>
+          </a:bodyPr>
+          <a:lstStyle/>
+          <a:p>
+            <a:r>
+              <a:rPr lang="zh-CN" altLang="en-US" dirty="0" smtClean="0"/>
+              <a:t>竞争必有规则</a:t>
+            </a:r>
+            <a:endParaRPr lang="zh-CN" altLang="en-US" dirty="0"/>
+          </a:p>
+        </p:txBody>
+      </p:sp>
+      <p:sp>
+        <p:nvSpPr>
+          <p:cNvPr id="13" name="文本框 12"/>
+          <p:cNvSpPr txBox="1"/>
+          <p:nvPr/>
+        </p:nvSpPr>
+        <p:spPr>
+          <a:xfrm>
+            <a:off x="1733265" y="6139851"/>
+            <a:ext cx="7847463" cy="369332"/>
+          </a:xfrm>
+          <a:prstGeom prst="rect">
+            <a:avLst/>
+          </a:prstGeom>
+          <a:noFill/>
+        </p:spPr>
+        <p:txBody>
+          <a:bodyPr wrap="square" rtlCol="0">
+            <a:spAutoFit/>
+          </a:bodyPr>
+          <a:lstStyle/>
+          <a:p>
+            <a:r>
+              <a:rPr lang="zh-CN" altLang="en-US" dirty="0" smtClean="0"/>
+              <a:t>每种竞争都有成本</a:t>
+            </a:r>
+            <a:endParaRPr lang="zh-CN" altLang="en-US" dirty="0"/>
+          </a:p>
+        </p:txBody>
+      </p:sp>
+      <p:sp>
+        <p:nvSpPr>
+          <p:cNvPr id="6" name="标题 1"/>
           <p:cNvSpPr txBox="1">
             <a:spLocks/>
           </p:cNvSpPr>
@@ -5917,8 +9016,8 @@
         </p:nvSpPr>
         <p:spPr>
           <a:xfrm>
-            <a:off x="1087271" y="1514903"/>
-            <a:ext cx="2652216" cy="900752"/>
+            <a:off x="1305635" y="1557206"/>
+            <a:ext cx="2652216" cy="531440"/>
           </a:xfrm>
           <a:prstGeom prst="rect">
             <a:avLst/>
@@ -5949,22 +9048,22 @@
           </a:lstStyle>
           <a:p>
             <a:r>
-              <a:rPr lang="zh-CN" altLang="en-US" sz="4000" dirty="0" smtClean="0"/>
+              <a:rPr lang="zh-CN" altLang="en-US" sz="2400" dirty="0" smtClean="0"/>
               <a:t>暴力</a:t>
             </a:r>
-            <a:endParaRPr lang="zh-CN" altLang="en-US" sz="4000" dirty="0"/>
-          </a:p>
-        </p:txBody>
-      </p:sp>
-      <p:sp>
-        <p:nvSpPr>
-          <p:cNvPr id="5" name="文本框 4"/>
+            <a:endParaRPr lang="zh-CN" altLang="en-US" sz="2400" dirty="0"/>
+          </a:p>
+        </p:txBody>
+      </p:sp>
+      <p:sp>
+        <p:nvSpPr>
+          <p:cNvPr id="7" name="文本框 6"/>
           <p:cNvSpPr txBox="1"/>
           <p:nvPr/>
         </p:nvSpPr>
         <p:spPr>
           <a:xfrm>
-            <a:off x="3002508" y="1965279"/>
+            <a:off x="4790365" y="2046323"/>
             <a:ext cx="7847463" cy="369332"/>
           </a:xfrm>
           <a:prstGeom prst="rect">
@@ -5988,7 +9087,7 @@
       </p:sp>
       <p:sp>
         <p:nvSpPr>
-          <p:cNvPr id="6" name="标题 1"/>
+          <p:cNvPr id="8" name="标题 1"/>
           <p:cNvSpPr txBox="1">
             <a:spLocks/>
           </p:cNvSpPr>
@@ -5996,8 +9095,8 @@
         </p:nvSpPr>
         <p:spPr>
           <a:xfrm>
-            <a:off x="1087271" y="2568269"/>
-            <a:ext cx="2652216" cy="900752"/>
+            <a:off x="1305635" y="2033811"/>
+            <a:ext cx="2652216" cy="597236"/>
           </a:xfrm>
           <a:prstGeom prst="rect">
             <a:avLst/>
@@ -6028,22 +9127,22 @@
           </a:lstStyle>
           <a:p>
             <a:r>
-              <a:rPr lang="zh-CN" altLang="en-US" sz="4000" dirty="0" smtClean="0"/>
+              <a:rPr lang="zh-CN" altLang="en-US" sz="2400" dirty="0" smtClean="0"/>
               <a:t>智力</a:t>
             </a:r>
-            <a:endParaRPr lang="zh-CN" altLang="en-US" sz="4000" dirty="0"/>
-          </a:p>
-        </p:txBody>
-      </p:sp>
-      <p:sp>
-        <p:nvSpPr>
-          <p:cNvPr id="7" name="文本框 6"/>
+            <a:endParaRPr lang="zh-CN" altLang="en-US" sz="2400" dirty="0"/>
+          </a:p>
+        </p:txBody>
+      </p:sp>
+      <p:sp>
+        <p:nvSpPr>
+          <p:cNvPr id="9" name="文本框 8"/>
           <p:cNvSpPr txBox="1"/>
           <p:nvPr/>
         </p:nvSpPr>
         <p:spPr>
           <a:xfrm>
-            <a:off x="3002508" y="3018645"/>
+            <a:off x="4790365" y="3099689"/>
             <a:ext cx="7847463" cy="369332"/>
           </a:xfrm>
           <a:prstGeom prst="rect">
@@ -6067,7 +9166,7 @@
       </p:sp>
       <p:sp>
         <p:nvSpPr>
-          <p:cNvPr id="8" name="标题 1"/>
+          <p:cNvPr id="10" name="标题 1"/>
           <p:cNvSpPr txBox="1">
             <a:spLocks/>
           </p:cNvSpPr>
@@ -6075,8 +9174,8 @@
         </p:nvSpPr>
         <p:spPr>
           <a:xfrm>
-            <a:off x="1580866" y="3494631"/>
-            <a:ext cx="2652216" cy="745430"/>
+            <a:off x="1305635" y="2776343"/>
+            <a:ext cx="2652216" cy="508379"/>
           </a:xfrm>
           <a:prstGeom prst="rect">
             <a:avLst/>
@@ -6107,16 +9206,16 @@
           </a:lstStyle>
           <a:p>
             <a:r>
-              <a:rPr lang="zh-CN" altLang="en-US" sz="4000" dirty="0" smtClean="0"/>
+              <a:rPr lang="zh-CN" altLang="en-US" sz="2400" dirty="0" smtClean="0"/>
               <a:t>论资排辈</a:t>
             </a:r>
-            <a:endParaRPr lang="zh-CN" altLang="en-US" sz="4000" dirty="0"/>
-          </a:p>
-        </p:txBody>
-      </p:sp>
-      <p:sp>
-        <p:nvSpPr>
-          <p:cNvPr id="9" name="标题 1"/>
+            <a:endParaRPr lang="zh-CN" altLang="en-US" sz="2400" dirty="0"/>
+          </a:p>
+        </p:txBody>
+      </p:sp>
+      <p:sp>
+        <p:nvSpPr>
+          <p:cNvPr id="14" name="标题 1"/>
           <p:cNvSpPr txBox="1">
             <a:spLocks/>
           </p:cNvSpPr>
@@ -6124,8 +9223,8 @@
         </p:nvSpPr>
         <p:spPr>
           <a:xfrm>
-            <a:off x="1087271" y="5137667"/>
-            <a:ext cx="2652216" cy="863584"/>
+            <a:off x="1305635" y="3491846"/>
+            <a:ext cx="2652216" cy="531092"/>
           </a:xfrm>
           <a:prstGeom prst="rect">
             <a:avLst/>
@@ -6156,16 +9255,16 @@
           </a:lstStyle>
           <a:p>
             <a:r>
-              <a:rPr lang="zh-CN" altLang="en-US" sz="4000" dirty="0" smtClean="0"/>
+              <a:rPr lang="zh-CN" altLang="en-US" sz="2400" dirty="0" smtClean="0"/>
               <a:t>随机</a:t>
             </a:r>
-            <a:endParaRPr lang="zh-CN" altLang="en-US" sz="4000" dirty="0"/>
-          </a:p>
-        </p:txBody>
-      </p:sp>
-      <p:sp>
-        <p:nvSpPr>
-          <p:cNvPr id="10" name="标题 1"/>
+            <a:endParaRPr lang="zh-CN" altLang="en-US" sz="2400" dirty="0"/>
+          </a:p>
+        </p:txBody>
+      </p:sp>
+      <p:sp>
+        <p:nvSpPr>
+          <p:cNvPr id="15" name="标题 1"/>
           <p:cNvSpPr txBox="1">
             <a:spLocks/>
           </p:cNvSpPr>
@@ -6173,8 +9272,8 @@
         </p:nvSpPr>
         <p:spPr>
           <a:xfrm>
-            <a:off x="1087271" y="4274083"/>
-            <a:ext cx="2652216" cy="863584"/>
+            <a:off x="1305635" y="4219188"/>
+            <a:ext cx="2652216" cy="441476"/>
           </a:xfrm>
           <a:prstGeom prst="rect">
             <a:avLst/>
@@ -6205,17 +9304,17 @@
           </a:lstStyle>
           <a:p>
             <a:r>
-              <a:rPr lang="zh-CN" altLang="en-US" sz="4000" dirty="0" smtClean="0"/>
+              <a:rPr lang="zh-CN" altLang="en-US" sz="2400" dirty="0" smtClean="0"/>
               <a:t>价格</a:t>
             </a:r>
-            <a:endParaRPr lang="zh-CN" altLang="en-US" sz="4000" dirty="0"/>
+            <a:endParaRPr lang="zh-CN" altLang="en-US" sz="2400" dirty="0"/>
           </a:p>
         </p:txBody>
       </p:sp>
     </p:spTree>
     <p:extLst>
       <p:ext uri="{BB962C8B-B14F-4D97-AF65-F5344CB8AC3E}">
-        <p14:creationId xmlns:p14="http://schemas.microsoft.com/office/powerpoint/2010/main" val="3470965269"/>
+        <p14:creationId xmlns:p14="http://schemas.microsoft.com/office/powerpoint/2010/main" val="1927548412"/>
       </p:ext>
     </p:extLst>
   </p:cSld>
@@ -6264,7 +9363,7 @@
           <a:p>
             <a:r>
               <a:rPr lang="zh-CN" altLang="en-US" dirty="0" smtClean="0"/>
-              <a:t>竞争规则的优劣</a:t>
+              <a:t>竞争的成本</a:t>
             </a:r>
             <a:endParaRPr lang="zh-CN" altLang="en-US" dirty="0"/>
           </a:p>
@@ -6272,98 +9371,57 @@
       </p:sp>
       <p:sp>
         <p:nvSpPr>
-          <p:cNvPr id="11" name="文本框 10"/>
-          <p:cNvSpPr txBox="1"/>
-          <p:nvPr/>
-        </p:nvSpPr>
-        <p:spPr>
-          <a:xfrm>
-            <a:off x="1760562" y="2429303"/>
-            <a:ext cx="7847463" cy="369332"/>
-          </a:xfrm>
-          <a:prstGeom prst="rect">
-            <a:avLst/>
-          </a:prstGeom>
-          <a:noFill/>
-        </p:spPr>
-        <p:txBody>
-          <a:bodyPr wrap="square" rtlCol="0">
-            <a:spAutoFit/>
-          </a:bodyPr>
-          <a:lstStyle/>
-          <a:p>
-            <a:r>
-              <a:rPr lang="zh-CN" altLang="en-US" dirty="0" smtClean="0"/>
-              <a:t>没有那个规则更公平</a:t>
-            </a:r>
-            <a:endParaRPr lang="zh-CN" altLang="en-US" dirty="0"/>
-          </a:p>
-        </p:txBody>
-      </p:sp>
-      <p:sp>
-        <p:nvSpPr>
-          <p:cNvPr id="12" name="文本框 11"/>
-          <p:cNvSpPr txBox="1"/>
-          <p:nvPr/>
-        </p:nvSpPr>
-        <p:spPr>
-          <a:xfrm>
-            <a:off x="1760562" y="1884215"/>
-            <a:ext cx="7847463" cy="369332"/>
-          </a:xfrm>
-          <a:prstGeom prst="rect">
-            <a:avLst/>
-          </a:prstGeom>
-          <a:noFill/>
-        </p:spPr>
-        <p:txBody>
-          <a:bodyPr wrap="square" rtlCol="0">
-            <a:spAutoFit/>
-          </a:bodyPr>
-          <a:lstStyle/>
-          <a:p>
-            <a:r>
-              <a:rPr lang="zh-CN" altLang="en-US" dirty="0" smtClean="0"/>
-              <a:t>竞争必有规则</a:t>
-            </a:r>
-            <a:endParaRPr lang="zh-CN" altLang="en-US" dirty="0"/>
-          </a:p>
-        </p:txBody>
-      </p:sp>
-      <p:sp>
-        <p:nvSpPr>
-          <p:cNvPr id="13" name="文本框 12"/>
-          <p:cNvSpPr txBox="1"/>
-          <p:nvPr/>
-        </p:nvSpPr>
-        <p:spPr>
-          <a:xfrm>
-            <a:off x="1760561" y="3000866"/>
-            <a:ext cx="7847463" cy="369332"/>
-          </a:xfrm>
-          <a:prstGeom prst="rect">
-            <a:avLst/>
-          </a:prstGeom>
-          <a:noFill/>
-        </p:spPr>
-        <p:txBody>
-          <a:bodyPr wrap="square" rtlCol="0">
-            <a:spAutoFit/>
-          </a:bodyPr>
-          <a:lstStyle/>
-          <a:p>
-            <a:r>
-              <a:rPr lang="zh-CN" altLang="en-US" dirty="0" smtClean="0"/>
-              <a:t>每种竞争都有成本</a:t>
-            </a:r>
-            <a:endParaRPr lang="zh-CN" altLang="en-US" dirty="0"/>
+          <p:cNvPr id="6" name="标题 1"/>
+          <p:cNvSpPr txBox="1">
+            <a:spLocks/>
+          </p:cNvSpPr>
+          <p:nvPr/>
+        </p:nvSpPr>
+        <p:spPr>
+          <a:xfrm>
+            <a:off x="3612106" y="4121624"/>
+            <a:ext cx="5204347" cy="873457"/>
+          </a:xfrm>
+          <a:prstGeom prst="rect">
+            <a:avLst/>
+          </a:prstGeom>
+        </p:spPr>
+        <p:txBody>
+          <a:bodyPr vert="horz" lIns="91440" tIns="45720" rIns="91440" bIns="45720" rtlCol="0" anchor="b">
+            <a:noAutofit/>
+          </a:bodyPr>
+          <a:lstStyle>
+            <a:lvl1pPr algn="ctr" defTabSz="914400" rtl="0" eaLnBrk="1" latinLnBrk="0" hangingPunct="1">
+              <a:lnSpc>
+                <a:spcPct val="90000"/>
+              </a:lnSpc>
+              <a:spcBef>
+                <a:spcPct val="0"/>
+              </a:spcBef>
+              <a:buNone/>
+              <a:defRPr sz="6000" kern="1200">
+                <a:solidFill>
+                  <a:schemeClr val="tx1"/>
+                </a:solidFill>
+                <a:latin typeface="+mj-lt"/>
+                <a:ea typeface="+mj-ea"/>
+                <a:cs typeface="+mj-cs"/>
+              </a:defRPr>
+            </a:lvl1pPr>
+          </a:lstStyle>
+          <a:p>
+            <a:r>
+              <a:rPr lang="zh-CN" altLang="en-US" sz="3200" dirty="0" smtClean="0"/>
+              <a:t>许多竞争规则，其他人难以获益</a:t>
+            </a:r>
+            <a:endParaRPr lang="zh-CN" altLang="en-US" sz="3200" dirty="0"/>
           </a:p>
         </p:txBody>
       </p:sp>
     </p:spTree>
     <p:extLst>
       <p:ext uri="{BB962C8B-B14F-4D97-AF65-F5344CB8AC3E}">
-        <p14:creationId xmlns:p14="http://schemas.microsoft.com/office/powerpoint/2010/main" val="1927548412"/>
+        <p14:creationId xmlns:p14="http://schemas.microsoft.com/office/powerpoint/2010/main" val="457562960"/>
       </p:ext>
     </p:extLst>
   </p:cSld>

--- a/火车票/火车票.pptx
+++ b/火车票/火车票.pptx
@@ -7,42 +7,47 @@
   <p:sldIdLst>
     <p:sldId id="279" r:id="rId2"/>
     <p:sldId id="280" r:id="rId3"/>
-    <p:sldId id="264" r:id="rId4"/>
-    <p:sldId id="263" r:id="rId5"/>
-    <p:sldId id="285" r:id="rId6"/>
-    <p:sldId id="273" r:id="rId7"/>
-    <p:sldId id="261" r:id="rId8"/>
-    <p:sldId id="259" r:id="rId9"/>
-    <p:sldId id="283" r:id="rId10"/>
-    <p:sldId id="284" r:id="rId11"/>
-    <p:sldId id="256" r:id="rId12"/>
-    <p:sldId id="262" r:id="rId13"/>
-    <p:sldId id="287" r:id="rId14"/>
-    <p:sldId id="265" r:id="rId15"/>
-    <p:sldId id="271" r:id="rId16"/>
-    <p:sldId id="294" r:id="rId17"/>
-    <p:sldId id="295" r:id="rId18"/>
-    <p:sldId id="274" r:id="rId19"/>
-    <p:sldId id="288" r:id="rId20"/>
-    <p:sldId id="289" r:id="rId21"/>
-    <p:sldId id="290" r:id="rId22"/>
-    <p:sldId id="291" r:id="rId23"/>
-    <p:sldId id="292" r:id="rId24"/>
-    <p:sldId id="296" r:id="rId25"/>
-    <p:sldId id="286" r:id="rId26"/>
-    <p:sldId id="297" r:id="rId27"/>
-    <p:sldId id="298" r:id="rId28"/>
-    <p:sldId id="299" r:id="rId29"/>
-    <p:sldId id="300" r:id="rId30"/>
-    <p:sldId id="301" r:id="rId31"/>
-    <p:sldId id="293" r:id="rId32"/>
-    <p:sldId id="276" r:id="rId33"/>
-    <p:sldId id="275" r:id="rId34"/>
-    <p:sldId id="270" r:id="rId35"/>
-    <p:sldId id="277" r:id="rId36"/>
-    <p:sldId id="281" r:id="rId37"/>
-    <p:sldId id="282" r:id="rId38"/>
-    <p:sldId id="272" r:id="rId39"/>
+    <p:sldId id="263" r:id="rId4"/>
+    <p:sldId id="285" r:id="rId5"/>
+    <p:sldId id="273" r:id="rId6"/>
+    <p:sldId id="261" r:id="rId7"/>
+    <p:sldId id="259" r:id="rId8"/>
+    <p:sldId id="283" r:id="rId9"/>
+    <p:sldId id="284" r:id="rId10"/>
+    <p:sldId id="256" r:id="rId11"/>
+    <p:sldId id="262" r:id="rId12"/>
+    <p:sldId id="287" r:id="rId13"/>
+    <p:sldId id="265" r:id="rId14"/>
+    <p:sldId id="271" r:id="rId15"/>
+    <p:sldId id="294" r:id="rId16"/>
+    <p:sldId id="295" r:id="rId17"/>
+    <p:sldId id="274" r:id="rId18"/>
+    <p:sldId id="288" r:id="rId19"/>
+    <p:sldId id="289" r:id="rId20"/>
+    <p:sldId id="290" r:id="rId21"/>
+    <p:sldId id="291" r:id="rId22"/>
+    <p:sldId id="292" r:id="rId23"/>
+    <p:sldId id="296" r:id="rId24"/>
+    <p:sldId id="286" r:id="rId25"/>
+    <p:sldId id="297" r:id="rId26"/>
+    <p:sldId id="298" r:id="rId27"/>
+    <p:sldId id="299" r:id="rId28"/>
+    <p:sldId id="300" r:id="rId29"/>
+    <p:sldId id="301" r:id="rId30"/>
+    <p:sldId id="272" r:id="rId31"/>
+    <p:sldId id="302" r:id="rId32"/>
+    <p:sldId id="303" r:id="rId33"/>
+    <p:sldId id="304" r:id="rId34"/>
+    <p:sldId id="305" r:id="rId35"/>
+    <p:sldId id="306" r:id="rId36"/>
+    <p:sldId id="307" r:id="rId37"/>
+    <p:sldId id="293" r:id="rId38"/>
+    <p:sldId id="276" r:id="rId39"/>
+    <p:sldId id="275" r:id="rId40"/>
+    <p:sldId id="270" r:id="rId41"/>
+    <p:sldId id="277" r:id="rId42"/>
+    <p:sldId id="281" r:id="rId43"/>
+    <p:sldId id="282" r:id="rId44"/>
   </p:sldIdLst>
   <p:sldSz cx="12192000" cy="6858000"/>
   <p:notesSz cx="6858000" cy="9144000"/>
@@ -280,7 +285,7 @@
           <a:p>
             <a:fld id="{BBADCC27-5C76-44BF-90BC-478D7AEA318F}" type="datetimeFigureOut">
               <a:rPr lang="zh-CN" altLang="en-US" smtClean="0"/>
-              <a:t>2017/7/26 Wednesday</a:t>
+              <a:t>2017/7/27 Thursday</a:t>
             </a:fld>
             <a:endParaRPr lang="zh-CN" altLang="en-US"/>
           </a:p>
@@ -450,7 +455,7 @@
           <a:p>
             <a:fld id="{BBADCC27-5C76-44BF-90BC-478D7AEA318F}" type="datetimeFigureOut">
               <a:rPr lang="zh-CN" altLang="en-US" smtClean="0"/>
-              <a:t>2017/7/26 Wednesday</a:t>
+              <a:t>2017/7/27 Thursday</a:t>
             </a:fld>
             <a:endParaRPr lang="zh-CN" altLang="en-US"/>
           </a:p>
@@ -630,7 +635,7 @@
           <a:p>
             <a:fld id="{BBADCC27-5C76-44BF-90BC-478D7AEA318F}" type="datetimeFigureOut">
               <a:rPr lang="zh-CN" altLang="en-US" smtClean="0"/>
-              <a:t>2017/7/26 Wednesday</a:t>
+              <a:t>2017/7/27 Thursday</a:t>
             </a:fld>
             <a:endParaRPr lang="zh-CN" altLang="en-US"/>
           </a:p>
@@ -800,7 +805,7 @@
           <a:p>
             <a:fld id="{BBADCC27-5C76-44BF-90BC-478D7AEA318F}" type="datetimeFigureOut">
               <a:rPr lang="zh-CN" altLang="en-US" smtClean="0"/>
-              <a:t>2017/7/26 Wednesday</a:t>
+              <a:t>2017/7/27 Thursday</a:t>
             </a:fld>
             <a:endParaRPr lang="zh-CN" altLang="en-US"/>
           </a:p>
@@ -1046,7 +1051,7 @@
           <a:p>
             <a:fld id="{BBADCC27-5C76-44BF-90BC-478D7AEA318F}" type="datetimeFigureOut">
               <a:rPr lang="zh-CN" altLang="en-US" smtClean="0"/>
-              <a:t>2017/7/26 Wednesday</a:t>
+              <a:t>2017/7/27 Thursday</a:t>
             </a:fld>
             <a:endParaRPr lang="zh-CN" altLang="en-US"/>
           </a:p>
@@ -1278,7 +1283,7 @@
           <a:p>
             <a:fld id="{BBADCC27-5C76-44BF-90BC-478D7AEA318F}" type="datetimeFigureOut">
               <a:rPr lang="zh-CN" altLang="en-US" smtClean="0"/>
-              <a:t>2017/7/26 Wednesday</a:t>
+              <a:t>2017/7/27 Thursday</a:t>
             </a:fld>
             <a:endParaRPr lang="zh-CN" altLang="en-US"/>
           </a:p>
@@ -1645,7 +1650,7 @@
           <a:p>
             <a:fld id="{BBADCC27-5C76-44BF-90BC-478D7AEA318F}" type="datetimeFigureOut">
               <a:rPr lang="zh-CN" altLang="en-US" smtClean="0"/>
-              <a:t>2017/7/26 Wednesday</a:t>
+              <a:t>2017/7/27 Thursday</a:t>
             </a:fld>
             <a:endParaRPr lang="zh-CN" altLang="en-US"/>
           </a:p>
@@ -1763,7 +1768,7 @@
           <a:p>
             <a:fld id="{BBADCC27-5C76-44BF-90BC-478D7AEA318F}" type="datetimeFigureOut">
               <a:rPr lang="zh-CN" altLang="en-US" smtClean="0"/>
-              <a:t>2017/7/26 Wednesday</a:t>
+              <a:t>2017/7/27 Thursday</a:t>
             </a:fld>
             <a:endParaRPr lang="zh-CN" altLang="en-US"/>
           </a:p>
@@ -1858,7 +1863,7 @@
           <a:p>
             <a:fld id="{BBADCC27-5C76-44BF-90BC-478D7AEA318F}" type="datetimeFigureOut">
               <a:rPr lang="zh-CN" altLang="en-US" smtClean="0"/>
-              <a:t>2017/7/26 Wednesday</a:t>
+              <a:t>2017/7/27 Thursday</a:t>
             </a:fld>
             <a:endParaRPr lang="zh-CN" altLang="en-US"/>
           </a:p>
@@ -2135,7 +2140,7 @@
           <a:p>
             <a:fld id="{BBADCC27-5C76-44BF-90BC-478D7AEA318F}" type="datetimeFigureOut">
               <a:rPr lang="zh-CN" altLang="en-US" smtClean="0"/>
-              <a:t>2017/7/26 Wednesday</a:t>
+              <a:t>2017/7/27 Thursday</a:t>
             </a:fld>
             <a:endParaRPr lang="zh-CN" altLang="en-US"/>
           </a:p>
@@ -2388,7 +2393,7 @@
           <a:p>
             <a:fld id="{BBADCC27-5C76-44BF-90BC-478D7AEA318F}" type="datetimeFigureOut">
               <a:rPr lang="zh-CN" altLang="en-US" smtClean="0"/>
-              <a:t>2017/7/26 Wednesday</a:t>
+              <a:t>2017/7/27 Thursday</a:t>
             </a:fld>
             <a:endParaRPr lang="zh-CN" altLang="en-US"/>
           </a:p>
@@ -2601,7 +2606,7 @@
           <a:p>
             <a:fld id="{BBADCC27-5C76-44BF-90BC-478D7AEA318F}" type="datetimeFigureOut">
               <a:rPr lang="zh-CN" altLang="en-US" smtClean="0"/>
-              <a:t>2017/7/26 Wednesday</a:t>
+              <a:t>2017/7/27 Thursday</a:t>
             </a:fld>
             <a:endParaRPr lang="zh-CN" altLang="en-US"/>
           </a:p>
@@ -3150,12 +3155,8 @@
           <a:lstStyle/>
           <a:p>
             <a:r>
-              <a:rPr lang="zh-CN" altLang="en-US" dirty="0"/>
-              <a:t>短缺</a:t>
-            </a:r>
-            <a:r>
               <a:rPr lang="zh-CN" altLang="en-US" dirty="0" smtClean="0"/>
-              <a:t>和过剩</a:t>
+              <a:t>寻租</a:t>
             </a:r>
             <a:endParaRPr lang="zh-CN" altLang="en-US" dirty="0"/>
           </a:p>
@@ -3163,248 +3164,29 @@
       </p:sp>
       <p:sp>
         <p:nvSpPr>
-          <p:cNvPr id="3" name="矩形 2"/>
-          <p:cNvSpPr/>
-          <p:nvPr/>
-        </p:nvSpPr>
-        <p:spPr>
-          <a:xfrm>
-            <a:off x="1041778" y="5437580"/>
-            <a:ext cx="10449637" cy="646331"/>
-          </a:xfrm>
-          <a:prstGeom prst="rect">
-            <a:avLst/>
-          </a:prstGeom>
-        </p:spPr>
-        <p:txBody>
-          <a:bodyPr wrap="square">
-            <a:spAutoFit/>
-          </a:bodyPr>
-          <a:lstStyle/>
-          <a:p>
-            <a:r>
-              <a:rPr lang="zh-CN" altLang="en-US" dirty="0">
-                <a:solidFill>
-                  <a:srgbClr val="000000"/>
-                </a:solidFill>
-                <a:latin typeface="宋体" panose="02010600030101010101" pitchFamily="2" charset="-122"/>
-              </a:rPr>
-              <a:t>任何商品，因为人们的需求没有止境，所以只要价格过低，就会出现短缺。消除短缺的唯一办法，就是把价格提到足够高。</a:t>
-            </a:r>
-            <a:endParaRPr lang="zh-CN" altLang="en-US" dirty="0"/>
-          </a:p>
-        </p:txBody>
-      </p:sp>
-      <p:sp>
-        <p:nvSpPr>
-          <p:cNvPr id="5" name="矩形 4"/>
-          <p:cNvSpPr/>
-          <p:nvPr/>
-        </p:nvSpPr>
-        <p:spPr>
-          <a:xfrm>
-            <a:off x="1742363" y="1708459"/>
-            <a:ext cx="10449637" cy="369332"/>
-          </a:xfrm>
-          <a:prstGeom prst="rect">
-            <a:avLst/>
-          </a:prstGeom>
-        </p:spPr>
-        <p:txBody>
-          <a:bodyPr wrap="square">
-            <a:spAutoFit/>
-          </a:bodyPr>
-          <a:lstStyle/>
-          <a:p>
-            <a:r>
-              <a:rPr lang="en-US" altLang="zh-CN" dirty="0" smtClean="0">
-                <a:solidFill>
-                  <a:srgbClr val="000000"/>
-                </a:solidFill>
-                <a:latin typeface="宋体" panose="02010600030101010101" pitchFamily="2" charset="-122"/>
-              </a:rPr>
-              <a:t>1.</a:t>
-            </a:r>
-            <a:r>
-              <a:rPr lang="zh-CN" altLang="en-US" dirty="0" smtClean="0">
-                <a:solidFill>
-                  <a:srgbClr val="000000"/>
-                </a:solidFill>
-                <a:latin typeface="宋体" panose="02010600030101010101" pitchFamily="2" charset="-122"/>
-              </a:rPr>
-              <a:t>稀缺与短缺的关系</a:t>
-            </a:r>
-            <a:endParaRPr lang="zh-CN" altLang="en-US" dirty="0"/>
-          </a:p>
-        </p:txBody>
-      </p:sp>
-      <p:sp>
-        <p:nvSpPr>
-          <p:cNvPr id="7" name="矩形 6"/>
-          <p:cNvSpPr/>
-          <p:nvPr/>
-        </p:nvSpPr>
-        <p:spPr>
-          <a:xfrm>
-            <a:off x="1742363" y="2392493"/>
-            <a:ext cx="10449637" cy="646331"/>
-          </a:xfrm>
-          <a:prstGeom prst="rect">
-            <a:avLst/>
-          </a:prstGeom>
-        </p:spPr>
-        <p:txBody>
-          <a:bodyPr wrap="square">
-            <a:spAutoFit/>
-          </a:bodyPr>
-          <a:lstStyle/>
-          <a:p>
-            <a:r>
-              <a:rPr lang="en-US" altLang="zh-CN" dirty="0">
-                <a:solidFill>
-                  <a:srgbClr val="000000"/>
-                </a:solidFill>
-                <a:latin typeface="宋体" panose="02010600030101010101" pitchFamily="2" charset="-122"/>
-              </a:rPr>
-              <a:t>2</a:t>
-            </a:r>
-            <a:r>
-              <a:rPr lang="en-US" altLang="zh-CN" dirty="0" smtClean="0">
-                <a:solidFill>
-                  <a:srgbClr val="000000"/>
-                </a:solidFill>
-                <a:latin typeface="宋体" panose="02010600030101010101" pitchFamily="2" charset="-122"/>
-              </a:rPr>
-              <a:t>.</a:t>
-            </a:r>
-            <a:r>
-              <a:rPr lang="zh-CN" altLang="en-US" dirty="0" smtClean="0">
-                <a:solidFill>
-                  <a:srgbClr val="000000"/>
-                </a:solidFill>
-                <a:latin typeface="宋体" panose="02010600030101010101" pitchFamily="2" charset="-122"/>
-              </a:rPr>
-              <a:t>短缺是因为价格受到限制</a:t>
-            </a:r>
-            <a:endParaRPr lang="en-US" altLang="zh-CN" dirty="0" smtClean="0">
-              <a:solidFill>
-                <a:srgbClr val="000000"/>
-              </a:solidFill>
-              <a:latin typeface="宋体" panose="02010600030101010101" pitchFamily="2" charset="-122"/>
-            </a:endParaRPr>
-          </a:p>
-          <a:p>
-            <a:r>
-              <a:rPr lang="en-US" altLang="zh-CN" dirty="0" smtClean="0">
-                <a:solidFill>
-                  <a:srgbClr val="000000"/>
-                </a:solidFill>
-                <a:latin typeface="宋体" panose="02010600030101010101" pitchFamily="2" charset="-122"/>
-              </a:rPr>
-              <a:t>	</a:t>
-            </a:r>
-            <a:r>
-              <a:rPr lang="zh-CN" altLang="en-US" dirty="0" smtClean="0">
-                <a:solidFill>
-                  <a:srgbClr val="000000"/>
-                </a:solidFill>
-                <a:latin typeface="宋体" panose="02010600030101010101" pitchFamily="2" charset="-122"/>
-              </a:rPr>
-              <a:t>打车，春运，计划经济（凭票）</a:t>
-            </a:r>
-            <a:endParaRPr lang="zh-CN" altLang="en-US" dirty="0"/>
-          </a:p>
-        </p:txBody>
-      </p:sp>
-      <p:sp>
-        <p:nvSpPr>
-          <p:cNvPr id="8" name="矩形 7"/>
-          <p:cNvSpPr/>
-          <p:nvPr/>
-        </p:nvSpPr>
-        <p:spPr>
-          <a:xfrm>
-            <a:off x="1742363" y="3353526"/>
-            <a:ext cx="10449637" cy="1200329"/>
-          </a:xfrm>
-          <a:prstGeom prst="rect">
-            <a:avLst/>
-          </a:prstGeom>
-        </p:spPr>
-        <p:txBody>
-          <a:bodyPr wrap="square">
-            <a:spAutoFit/>
-          </a:bodyPr>
-          <a:lstStyle/>
-          <a:p>
-            <a:r>
-              <a:rPr lang="en-US" altLang="zh-CN" dirty="0" smtClean="0">
-                <a:solidFill>
-                  <a:srgbClr val="000000"/>
-                </a:solidFill>
-                <a:latin typeface="宋体" panose="02010600030101010101" pitchFamily="2" charset="-122"/>
-              </a:rPr>
-              <a:t>3.</a:t>
-            </a:r>
-            <a:r>
-              <a:rPr lang="zh-CN" altLang="en-US" dirty="0" smtClean="0">
-                <a:solidFill>
-                  <a:srgbClr val="000000"/>
-                </a:solidFill>
-                <a:latin typeface="宋体" panose="02010600030101010101" pitchFamily="2" charset="-122"/>
-              </a:rPr>
-              <a:t>过剩是价格被人拔高的结果</a:t>
-            </a:r>
-            <a:endParaRPr lang="en-US" altLang="zh-CN" dirty="0" smtClean="0">
-              <a:solidFill>
-                <a:srgbClr val="000000"/>
-              </a:solidFill>
-              <a:latin typeface="宋体" panose="02010600030101010101" pitchFamily="2" charset="-122"/>
-            </a:endParaRPr>
-          </a:p>
-          <a:p>
-            <a:r>
-              <a:rPr lang="en-US" altLang="zh-CN" dirty="0">
-                <a:solidFill>
-                  <a:srgbClr val="000000"/>
-                </a:solidFill>
-                <a:latin typeface="宋体" panose="02010600030101010101" pitchFamily="2" charset="-122"/>
-              </a:rPr>
-              <a:t>	</a:t>
-            </a:r>
-            <a:r>
-              <a:rPr lang="zh-CN" altLang="en-US" dirty="0" smtClean="0">
-                <a:solidFill>
-                  <a:srgbClr val="000000"/>
-                </a:solidFill>
-                <a:latin typeface="宋体" panose="02010600030101010101" pitchFamily="2" charset="-122"/>
-              </a:rPr>
-              <a:t>价格被人为哄抬，以至于卖家不能仅仅通过价格把东西卖出去，还要加上其他竞争手段</a:t>
-            </a:r>
-            <a:endParaRPr lang="en-US" altLang="zh-CN" dirty="0" smtClean="0">
-              <a:solidFill>
-                <a:srgbClr val="000000"/>
-              </a:solidFill>
-              <a:latin typeface="宋体" panose="02010600030101010101" pitchFamily="2" charset="-122"/>
-            </a:endParaRPr>
-          </a:p>
-          <a:p>
-            <a:endParaRPr lang="en-US" altLang="zh-CN" dirty="0" smtClean="0">
-              <a:solidFill>
-                <a:srgbClr val="000000"/>
-              </a:solidFill>
-              <a:latin typeface="宋体" panose="02010600030101010101" pitchFamily="2" charset="-122"/>
-            </a:endParaRPr>
-          </a:p>
-          <a:p>
-            <a:r>
-              <a:rPr lang="zh-CN" altLang="en-US" dirty="0" smtClean="0">
-                <a:solidFill>
-                  <a:srgbClr val="000000"/>
-                </a:solidFill>
-                <a:latin typeface="宋体" panose="02010600030101010101" pitchFamily="2" charset="-122"/>
-              </a:rPr>
-              <a:t>农产品</a:t>
+          <p:cNvPr id="5" name="文本框 4"/>
+          <p:cNvSpPr txBox="1"/>
+          <p:nvPr/>
+        </p:nvSpPr>
+        <p:spPr>
+          <a:xfrm>
+            <a:off x="2745473" y="2047166"/>
+            <a:ext cx="7847463" cy="369332"/>
+          </a:xfrm>
+          <a:prstGeom prst="rect">
+            <a:avLst/>
+          </a:prstGeom>
+          <a:noFill/>
+        </p:spPr>
+        <p:txBody>
+          <a:bodyPr wrap="square" rtlCol="0">
+            <a:spAutoFit/>
+          </a:bodyPr>
+          <a:lstStyle/>
+          <a:p>
+            <a:r>
+              <a:rPr lang="zh-CN" altLang="en-US" dirty="0" smtClean="0"/>
+              <a:t>无谓的损失，其他人不能从中得到任何好处的付出</a:t>
             </a:r>
             <a:endParaRPr lang="zh-CN" altLang="en-US" dirty="0"/>
           </a:p>
@@ -3413,7 +3195,7 @@
     </p:spTree>
     <p:extLst>
       <p:ext uri="{BB962C8B-B14F-4D97-AF65-F5344CB8AC3E}">
-        <p14:creationId xmlns:p14="http://schemas.microsoft.com/office/powerpoint/2010/main" val="472286259"/>
+        <p14:creationId xmlns:p14="http://schemas.microsoft.com/office/powerpoint/2010/main" val="1842169803"/>
       </p:ext>
     </p:extLst>
   </p:cSld>
@@ -3457,12 +3239,44 @@
           </a:xfrm>
         </p:spPr>
         <p:txBody>
-          <a:bodyPr/>
+          <a:bodyPr>
+            <a:normAutofit/>
+          </a:bodyPr>
+          <a:lstStyle/>
+          <a:p>
+            <a:r>
+              <a:rPr lang="zh-CN" altLang="en-US" sz="3600" dirty="0" smtClean="0"/>
+              <a:t>价高者得，社会财富增加</a:t>
+            </a:r>
+            <a:endParaRPr lang="zh-CN" altLang="en-US" sz="3600" dirty="0"/>
+          </a:p>
+        </p:txBody>
+      </p:sp>
+      <p:sp>
+        <p:nvSpPr>
+          <p:cNvPr id="3" name="文本框 2"/>
+          <p:cNvSpPr txBox="1"/>
+          <p:nvPr/>
+        </p:nvSpPr>
+        <p:spPr>
+          <a:xfrm>
+            <a:off x="2593075" y="2088108"/>
+            <a:ext cx="1127232" cy="369332"/>
+          </a:xfrm>
+          <a:prstGeom prst="rect">
+            <a:avLst/>
+          </a:prstGeom>
+          <a:noFill/>
+        </p:spPr>
+        <p:txBody>
+          <a:bodyPr wrap="none" rtlCol="0">
+            <a:spAutoFit/>
+          </a:bodyPr>
           <a:lstStyle/>
           <a:p>
             <a:r>
               <a:rPr lang="zh-CN" altLang="en-US" dirty="0" smtClean="0"/>
-              <a:t>寻租</a:t>
+              <a:t>价格竞争</a:t>
             </a:r>
             <a:endParaRPr lang="zh-CN" altLang="en-US" dirty="0"/>
           </a:p>
@@ -3470,14 +3284,14 @@
       </p:sp>
       <p:sp>
         <p:nvSpPr>
-          <p:cNvPr id="5" name="文本框 4"/>
+          <p:cNvPr id="4" name="文本框 3"/>
           <p:cNvSpPr txBox="1"/>
           <p:nvPr/>
         </p:nvSpPr>
         <p:spPr>
           <a:xfrm>
-            <a:off x="2745473" y="2047166"/>
-            <a:ext cx="7847463" cy="369332"/>
+            <a:off x="2593075" y="2652423"/>
+            <a:ext cx="2031325" cy="369332"/>
           </a:xfrm>
           <a:prstGeom prst="rect">
             <a:avLst/>
@@ -3485,14 +3299,14 @@
           <a:noFill/>
         </p:spPr>
         <p:txBody>
-          <a:bodyPr wrap="square" rtlCol="0">
+          <a:bodyPr wrap="none" rtlCol="0">
             <a:spAutoFit/>
           </a:bodyPr>
           <a:lstStyle/>
           <a:p>
             <a:r>
               <a:rPr lang="zh-CN" altLang="en-US" dirty="0" smtClean="0"/>
-              <a:t>无谓的损失，其他人不能从中得到任何好处的付出</a:t>
+              <a:t>社会的饼越做越大</a:t>
             </a:r>
             <a:endParaRPr lang="zh-CN" altLang="en-US" dirty="0"/>
           </a:p>
@@ -3501,7 +3315,7 @@
     </p:spTree>
     <p:extLst>
       <p:ext uri="{BB962C8B-B14F-4D97-AF65-F5344CB8AC3E}">
-        <p14:creationId xmlns:p14="http://schemas.microsoft.com/office/powerpoint/2010/main" val="1842169803"/>
+        <p14:creationId xmlns:p14="http://schemas.microsoft.com/office/powerpoint/2010/main" val="857619583"/>
       </p:ext>
     </p:extLst>
   </p:cSld>
@@ -3530,112 +3344,154 @@
       </p:grpSpPr>
       <p:sp>
         <p:nvSpPr>
-          <p:cNvPr id="2" name="标题 1"/>
-          <p:cNvSpPr>
-            <a:spLocks noGrp="1"/>
-          </p:cNvSpPr>
-          <p:nvPr>
-            <p:ph type="ctrTitle"/>
-          </p:nvPr>
-        </p:nvSpPr>
-        <p:spPr>
-          <a:xfrm>
-            <a:off x="1305635" y="655093"/>
-            <a:ext cx="9144000" cy="1053366"/>
-          </a:xfrm>
-        </p:spPr>
-        <p:txBody>
-          <a:bodyPr>
-            <a:normAutofit/>
-          </a:bodyPr>
-          <a:lstStyle/>
-          <a:p>
-            <a:r>
-              <a:rPr lang="zh-CN" altLang="en-US" sz="3600" dirty="0" smtClean="0"/>
-              <a:t>价高</a:t>
-            </a:r>
-            <a:r>
-              <a:rPr lang="zh-CN" altLang="en-US" sz="3600" dirty="0" smtClean="0"/>
-              <a:t>者得，</a:t>
-            </a:r>
-            <a:r>
-              <a:rPr lang="zh-CN" altLang="en-US" sz="3600" dirty="0" smtClean="0"/>
-              <a:t>社会财富增加</a:t>
-            </a:r>
-            <a:endParaRPr lang="zh-CN" altLang="en-US" sz="3600" dirty="0"/>
-          </a:p>
-        </p:txBody>
-      </p:sp>
-      <p:sp>
-        <p:nvSpPr>
-          <p:cNvPr id="3" name="文本框 2"/>
-          <p:cNvSpPr txBox="1"/>
-          <p:nvPr/>
-        </p:nvSpPr>
-        <p:spPr>
-          <a:xfrm>
-            <a:off x="2593075" y="2088108"/>
-            <a:ext cx="1127232" cy="369332"/>
-          </a:xfrm>
-          <a:prstGeom prst="rect">
-            <a:avLst/>
-          </a:prstGeom>
-          <a:noFill/>
-        </p:spPr>
-        <p:txBody>
-          <a:bodyPr wrap="none" rtlCol="0">
-            <a:spAutoFit/>
-          </a:bodyPr>
-          <a:lstStyle/>
-          <a:p>
-            <a:r>
-              <a:rPr lang="zh-CN" altLang="en-US" dirty="0" smtClean="0"/>
-              <a:t>价格竞争</a:t>
-            </a:r>
-            <a:endParaRPr lang="zh-CN" altLang="en-US" dirty="0"/>
-          </a:p>
-        </p:txBody>
-      </p:sp>
-      <p:sp>
-        <p:nvSpPr>
-          <p:cNvPr id="4" name="文本框 3"/>
-          <p:cNvSpPr txBox="1"/>
-          <p:nvPr/>
-        </p:nvSpPr>
-        <p:spPr>
-          <a:xfrm>
-            <a:off x="2593075" y="2652423"/>
-            <a:ext cx="2031325" cy="369332"/>
-          </a:xfrm>
-          <a:prstGeom prst="rect">
-            <a:avLst/>
-          </a:prstGeom>
-          <a:noFill/>
-        </p:spPr>
-        <p:txBody>
-          <a:bodyPr wrap="none" rtlCol="0">
-            <a:spAutoFit/>
-          </a:bodyPr>
-          <a:lstStyle/>
-          <a:p>
-            <a:r>
-              <a:rPr lang="zh-CN" altLang="en-US" dirty="0" smtClean="0"/>
-              <a:t>社会的饼越做越大</a:t>
-            </a:r>
-            <a:endParaRPr lang="zh-CN" altLang="en-US" dirty="0"/>
+          <p:cNvPr id="2" name="矩形 1"/>
+          <p:cNvSpPr/>
+          <p:nvPr/>
+        </p:nvSpPr>
+        <p:spPr>
+          <a:xfrm>
+            <a:off x="529759" y="346389"/>
+            <a:ext cx="5593198" cy="923330"/>
+          </a:xfrm>
+          <a:prstGeom prst="rect">
+            <a:avLst/>
+          </a:prstGeom>
+        </p:spPr>
+        <p:txBody>
+          <a:bodyPr wrap="none">
+            <a:spAutoFit/>
+          </a:bodyPr>
+          <a:lstStyle/>
+          <a:p>
+            <a:pPr algn="ctr">
+              <a:lnSpc>
+                <a:spcPct val="90000"/>
+              </a:lnSpc>
+              <a:spcBef>
+                <a:spcPct val="0"/>
+              </a:spcBef>
+            </a:pPr>
+            <a:r>
+              <a:rPr lang="zh-CN" altLang="en-US" sz="6000" b="1" dirty="0">
+                <a:latin typeface="+mj-lt"/>
+                <a:ea typeface="+mj-ea"/>
+                <a:cs typeface="+mj-cs"/>
+              </a:rPr>
+              <a:t>回家过年是</a:t>
+            </a:r>
+            <a:r>
+              <a:rPr lang="zh-CN" altLang="en-US" sz="6000" b="1" dirty="0" smtClean="0">
+                <a:latin typeface="+mj-lt"/>
+                <a:ea typeface="+mj-ea"/>
+                <a:cs typeface="+mj-cs"/>
+              </a:rPr>
+              <a:t>商品</a:t>
+            </a:r>
+            <a:endParaRPr lang="zh-CN" altLang="en-US" sz="6000" b="1" dirty="0">
+              <a:latin typeface="+mj-lt"/>
+              <a:ea typeface="+mj-ea"/>
+              <a:cs typeface="+mj-cs"/>
+            </a:endParaRPr>
+          </a:p>
+        </p:txBody>
+      </p:sp>
+      <p:sp>
+        <p:nvSpPr>
+          <p:cNvPr id="3" name="矩形 2"/>
+          <p:cNvSpPr/>
+          <p:nvPr/>
+        </p:nvSpPr>
+        <p:spPr>
+          <a:xfrm>
+            <a:off x="529759" y="1642491"/>
+            <a:ext cx="11398384" cy="4154984"/>
+          </a:xfrm>
+          <a:prstGeom prst="rect">
+            <a:avLst/>
+          </a:prstGeom>
+        </p:spPr>
+        <p:txBody>
+          <a:bodyPr wrap="square">
+            <a:spAutoFit/>
+          </a:bodyPr>
+          <a:lstStyle/>
+          <a:p>
+            <a:r>
+              <a:rPr lang="zh-CN" altLang="en-US" sz="2400" dirty="0">
+                <a:solidFill>
+                  <a:srgbClr val="000000"/>
+                </a:solidFill>
+                <a:latin typeface="宋体" panose="02010600030101010101" pitchFamily="2" charset="-122"/>
+              </a:rPr>
+              <a:t>要强调的是，任何商品均如此。人们常有鸵鸟心态，在讨论价格的时候，会说那些正在触动他们神经的商品非常特殊，不是商品，所以价格规律不起作用。谈水费的时候，他们说水不是商品；谈学费的时候，教育不是商品；谈药费的时候，健康不是商品；谈旅费的时候，回家过年不是商品。然而，抱着这样的心态，只能让人脱离现实，而无法正视问题和寻求对策。毕竟，经济规律是不以人的意志为转移的。</a:t>
+            </a:r>
+          </a:p>
+          <a:p>
+            <a:r>
+              <a:rPr lang="zh-CN" altLang="en-US" sz="2400" dirty="0">
+                <a:solidFill>
+                  <a:srgbClr val="000000"/>
+                </a:solidFill>
+                <a:latin typeface="宋体" panose="02010600030101010101" pitchFamily="2" charset="-122"/>
+              </a:rPr>
+              <a:t>　　</a:t>
+            </a:r>
+            <a:r>
+              <a:rPr lang="zh-CN" altLang="en-US" sz="2400" dirty="0" smtClean="0">
+                <a:solidFill>
+                  <a:srgbClr val="000000"/>
+                </a:solidFill>
+                <a:latin typeface="宋体" panose="02010600030101010101" pitchFamily="2" charset="-122"/>
+              </a:rPr>
+              <a:t>很</a:t>
+            </a:r>
+            <a:r>
+              <a:rPr lang="zh-CN" altLang="en-US" sz="2400" dirty="0">
+                <a:solidFill>
+                  <a:srgbClr val="000000"/>
+                </a:solidFill>
+                <a:latin typeface="宋体" panose="02010600030101010101" pitchFamily="2" charset="-122"/>
+              </a:rPr>
+              <a:t>显然，回家过年不仅是商品，而且是可以变得颇为昂贵的商品。媒体渲染说回家不需要理由。可是，要在特定的时候回家，就需要理由了。这就好像说泡澡不需要理由，但要在北京到芝加哥的航班上泡个澡，就需要很多理由一样。事实上，春运综合症已经不间断地发生了十年以上，之所以仍未得到根本解决，正是因为春运期间短暂</a:t>
+            </a:r>
+            <a:r>
+              <a:rPr lang="zh-CN" altLang="en-US" sz="2400" dirty="0" smtClean="0">
+                <a:solidFill>
+                  <a:srgbClr val="000000"/>
+                </a:solidFill>
+                <a:latin typeface="宋体" panose="02010600030101010101" pitchFamily="2" charset="-122"/>
+              </a:rPr>
+              <a:t>的需求高峰，</a:t>
+            </a:r>
+            <a:r>
+              <a:rPr lang="zh-CN" altLang="en-US" sz="2400" dirty="0">
+                <a:solidFill>
+                  <a:srgbClr val="000000"/>
+                </a:solidFill>
+                <a:latin typeface="宋体" panose="02010600030101010101" pitchFamily="2" charset="-122"/>
+              </a:rPr>
+              <a:t>无法支撑铁路硬件大幅升级的巨额成本。那么多人要同时回家，而且一年就那么一次，这就变成了奢侈的需求。</a:t>
+            </a:r>
           </a:p>
         </p:txBody>
       </p:sp>
     </p:spTree>
     <p:extLst>
       <p:ext uri="{BB962C8B-B14F-4D97-AF65-F5344CB8AC3E}">
-        <p14:creationId xmlns:p14="http://schemas.microsoft.com/office/powerpoint/2010/main" val="857619583"/>
+        <p14:creationId xmlns:p14="http://schemas.microsoft.com/office/powerpoint/2010/main" val="3064427736"/>
       </p:ext>
     </p:extLst>
   </p:cSld>
   <p:clrMapOvr>
     <a:masterClrMapping/>
   </p:clrMapOvr>
+  <p:timing>
+    <p:tnLst>
+      <p:par>
+        <p:cTn id="1" dur="indefinite" restart="never" nodeType="tmRoot"/>
+      </p:par>
+    </p:tnLst>
+  </p:timing>
 </p:sld>
 </file>
 
@@ -3658,154 +3514,190 @@
       </p:grpSpPr>
       <p:sp>
         <p:nvSpPr>
+          <p:cNvPr id="6" name="文本框 5"/>
+          <p:cNvSpPr txBox="1"/>
+          <p:nvPr/>
+        </p:nvSpPr>
+        <p:spPr>
+          <a:xfrm>
+            <a:off x="1981199" y="601344"/>
+            <a:ext cx="5252114" cy="646331"/>
+          </a:xfrm>
+          <a:prstGeom prst="rect">
+            <a:avLst/>
+          </a:prstGeom>
+          <a:noFill/>
+        </p:spPr>
+        <p:txBody>
+          <a:bodyPr wrap="square" rtlCol="0">
+            <a:spAutoFit/>
+          </a:bodyPr>
+          <a:lstStyle/>
+          <a:p>
+            <a:r>
+              <a:rPr lang="zh-CN" altLang="en-US" sz="3600" dirty="0" smtClean="0"/>
+              <a:t>火车票是刚需</a:t>
+            </a:r>
+            <a:endParaRPr lang="zh-CN" altLang="en-US" sz="3600" dirty="0"/>
+          </a:p>
+        </p:txBody>
+      </p:sp>
+      <p:sp>
+        <p:nvSpPr>
           <p:cNvPr id="2" name="矩形 1"/>
           <p:cNvSpPr/>
           <p:nvPr/>
         </p:nvSpPr>
         <p:spPr>
           <a:xfrm>
-            <a:off x="529759" y="346389"/>
-            <a:ext cx="5593198" cy="923330"/>
-          </a:xfrm>
-          <a:prstGeom prst="rect">
-            <a:avLst/>
-          </a:prstGeom>
-        </p:spPr>
-        <p:txBody>
-          <a:bodyPr wrap="none">
-            <a:spAutoFit/>
-          </a:bodyPr>
-          <a:lstStyle/>
-          <a:p>
-            <a:pPr algn="ctr">
-              <a:lnSpc>
-                <a:spcPct val="90000"/>
-              </a:lnSpc>
-              <a:spcBef>
-                <a:spcPct val="0"/>
-              </a:spcBef>
-            </a:pPr>
-            <a:r>
-              <a:rPr lang="zh-CN" altLang="en-US" sz="6000" b="1" dirty="0">
-                <a:latin typeface="+mj-lt"/>
-                <a:ea typeface="+mj-ea"/>
-                <a:cs typeface="+mj-cs"/>
-              </a:rPr>
-              <a:t>回家过年是</a:t>
-            </a:r>
-            <a:r>
-              <a:rPr lang="zh-CN" altLang="en-US" sz="6000" b="1" dirty="0" smtClean="0">
-                <a:latin typeface="+mj-lt"/>
-                <a:ea typeface="+mj-ea"/>
-                <a:cs typeface="+mj-cs"/>
-              </a:rPr>
-              <a:t>商品</a:t>
-            </a:r>
-            <a:endParaRPr lang="zh-CN" altLang="en-US" sz="6000" b="1" dirty="0">
-              <a:latin typeface="+mj-lt"/>
-              <a:ea typeface="+mj-ea"/>
-              <a:cs typeface="+mj-cs"/>
+            <a:off x="573204" y="1397800"/>
+            <a:ext cx="11313993" cy="1200329"/>
+          </a:xfrm>
+          <a:prstGeom prst="rect">
+            <a:avLst/>
+          </a:prstGeom>
+        </p:spPr>
+        <p:txBody>
+          <a:bodyPr wrap="square">
+            <a:spAutoFit/>
+          </a:bodyPr>
+          <a:lstStyle/>
+          <a:p>
+            <a:r>
+              <a:rPr lang="zh-CN" altLang="en-US" dirty="0">
+                <a:solidFill>
+                  <a:srgbClr val="000000"/>
+                </a:solidFill>
+                <a:latin typeface="宋体" panose="02010600030101010101" pitchFamily="2" charset="-122"/>
+              </a:rPr>
+              <a:t>回家过年的需求是刚性的，意思是不管价格多高，乘客还是要回家过年，所以提价只会让铁路系统多赚钱，而不能降低乘客回家过年的愿望。这是没有学透。向右下倾斜的需求曲线，每个点的弹性都不同，只要价格到位，刚性需求就自然会软化。如果说有些旅客回家过年的需求曲线不是右下倾斜而是垂直的，那么这些旅客就应该不惜一切代价回家，就不会非要等放假才回家，更不会非要坐火车才回家。</a:t>
+            </a:r>
+            <a:endParaRPr lang="zh-CN" altLang="en-US" dirty="0"/>
+          </a:p>
+        </p:txBody>
+      </p:sp>
+      <p:sp>
+        <p:nvSpPr>
+          <p:cNvPr id="4" name="矩形 3"/>
+          <p:cNvSpPr/>
+          <p:nvPr/>
+        </p:nvSpPr>
+        <p:spPr>
+          <a:xfrm>
+            <a:off x="573205" y="2748255"/>
+            <a:ext cx="11313993" cy="2308324"/>
+          </a:xfrm>
+          <a:prstGeom prst="rect">
+            <a:avLst/>
+          </a:prstGeom>
+        </p:spPr>
+        <p:txBody>
+          <a:bodyPr wrap="square">
+            <a:spAutoFit/>
+          </a:bodyPr>
+          <a:lstStyle/>
+          <a:p>
+            <a:r>
+              <a:rPr lang="zh-CN" altLang="en-US" dirty="0">
+                <a:solidFill>
+                  <a:srgbClr val="444444"/>
+                </a:solidFill>
+                <a:latin typeface="Tahoma" panose="020B0604030504040204" pitchFamily="34" charset="0"/>
+              </a:rPr>
+              <a:t>这世界上的东西可分成两种</a:t>
+            </a:r>
+            <a:r>
+              <a:rPr lang="zh-CN" altLang="en-US" dirty="0" smtClean="0">
+                <a:solidFill>
+                  <a:srgbClr val="444444"/>
+                </a:solidFill>
+                <a:latin typeface="Tahoma" panose="020B0604030504040204" pitchFamily="34" charset="0"/>
+              </a:rPr>
+              <a:t>：</a:t>
+            </a:r>
+            <a:endParaRPr lang="en-US" altLang="zh-CN" dirty="0" smtClean="0">
+              <a:solidFill>
+                <a:srgbClr val="444444"/>
+              </a:solidFill>
+              <a:latin typeface="Tahoma" panose="020B0604030504040204" pitchFamily="34" charset="0"/>
             </a:endParaRPr>
           </a:p>
-        </p:txBody>
-      </p:sp>
-      <p:sp>
-        <p:nvSpPr>
-          <p:cNvPr id="3" name="矩形 2"/>
-          <p:cNvSpPr/>
-          <p:nvPr/>
-        </p:nvSpPr>
-        <p:spPr>
-          <a:xfrm>
-            <a:off x="529759" y="1642491"/>
-            <a:ext cx="11398384" cy="4154984"/>
-          </a:xfrm>
-          <a:prstGeom prst="rect">
-            <a:avLst/>
-          </a:prstGeom>
-        </p:spPr>
-        <p:txBody>
-          <a:bodyPr wrap="square">
-            <a:spAutoFit/>
-          </a:bodyPr>
-          <a:lstStyle/>
-          <a:p>
-            <a:r>
-              <a:rPr lang="zh-CN" altLang="en-US" sz="2400" dirty="0">
-                <a:solidFill>
-                  <a:srgbClr val="000000"/>
-                </a:solidFill>
-                <a:latin typeface="宋体" panose="02010600030101010101" pitchFamily="2" charset="-122"/>
-              </a:rPr>
-              <a:t>要强调的是，任何商品均如此。人们常有鸵鸟心态，在讨论价格的时候，会说那些正在触动他们神经的商品非常特殊，不是商品，所以价格规律不起作用。谈水费的时候，他们说水不是商品；谈学费的时候，教育不是商品；谈药费的时候，健康不是商品；谈旅费的时候，回家过年不是商品。然而，抱着这样的心态，只能让人脱离现实，而无法正视问题和寻求对策。毕竟，经济规律是不以人的意志为转移的。</a:t>
-            </a:r>
-          </a:p>
-          <a:p>
-            <a:r>
-              <a:rPr lang="zh-CN" altLang="en-US" sz="2400" dirty="0">
-                <a:solidFill>
-                  <a:srgbClr val="000000"/>
-                </a:solidFill>
-                <a:latin typeface="宋体" panose="02010600030101010101" pitchFamily="2" charset="-122"/>
-              </a:rPr>
-              <a:t>　　</a:t>
-            </a:r>
-            <a:r>
-              <a:rPr lang="zh-CN" altLang="en-US" sz="2400" dirty="0" smtClean="0">
-                <a:solidFill>
-                  <a:srgbClr val="000000"/>
-                </a:solidFill>
-                <a:latin typeface="宋体" panose="02010600030101010101" pitchFamily="2" charset="-122"/>
-              </a:rPr>
-              <a:t>很</a:t>
-            </a:r>
-            <a:r>
-              <a:rPr lang="zh-CN" altLang="en-US" sz="2400" dirty="0">
-                <a:solidFill>
-                  <a:srgbClr val="000000"/>
-                </a:solidFill>
-                <a:latin typeface="宋体" panose="02010600030101010101" pitchFamily="2" charset="-122"/>
-              </a:rPr>
-              <a:t>显然，回家过年不仅是商品，而且是可以变得颇为昂贵的商品。媒体渲染说回家不需要理由。可是，要在特定的时候回家，就需要理由了。这就好像说泡澡不需要理由，但要在北京到芝加哥的航班上泡个澡，就需要很多理由一样。事实上，春运综合症已经不间断地发生了十年以上，之所以仍未得到根本解决，正是因为春运期间短暂</a:t>
-            </a:r>
-            <a:r>
-              <a:rPr lang="zh-CN" altLang="en-US" sz="2400" dirty="0" smtClean="0">
-                <a:solidFill>
-                  <a:srgbClr val="000000"/>
-                </a:solidFill>
-                <a:latin typeface="宋体" panose="02010600030101010101" pitchFamily="2" charset="-122"/>
-              </a:rPr>
-              <a:t>的需求高峰，</a:t>
-            </a:r>
-            <a:r>
-              <a:rPr lang="zh-CN" altLang="en-US" sz="2400" dirty="0">
-                <a:solidFill>
-                  <a:srgbClr val="000000"/>
-                </a:solidFill>
-                <a:latin typeface="宋体" panose="02010600030101010101" pitchFamily="2" charset="-122"/>
-              </a:rPr>
-              <a:t>无法支撑铁路硬件大幅升级的巨额成本。那么多人要同时回家，而且一年就那么一次，这就变成了奢侈的需求。</a:t>
-            </a:r>
+          <a:p>
+            <a:r>
+              <a:rPr lang="zh-CN" altLang="en-US" dirty="0" smtClean="0">
+                <a:solidFill>
+                  <a:srgbClr val="444444"/>
+                </a:solidFill>
+                <a:latin typeface="Tahoma" panose="020B0604030504040204" pitchFamily="34" charset="0"/>
+              </a:rPr>
+              <a:t>第一</a:t>
+            </a:r>
+            <a:r>
+              <a:rPr lang="zh-CN" altLang="en-US" dirty="0">
+                <a:solidFill>
+                  <a:srgbClr val="444444"/>
+                </a:solidFill>
+                <a:latin typeface="Tahoma" panose="020B0604030504040204" pitchFamily="34" charset="0"/>
+              </a:rPr>
+              <a:t>种不是必需品，比如说女性的高档化妆品，那这类东西一旦发现供不应求，直接涨价就是了，否则百货商场还不排大队</a:t>
+            </a:r>
+            <a:r>
+              <a:rPr lang="zh-CN" altLang="en-US" dirty="0" smtClean="0">
+                <a:solidFill>
+                  <a:srgbClr val="444444"/>
+                </a:solidFill>
+                <a:latin typeface="Tahoma" panose="020B0604030504040204" pitchFamily="34" charset="0"/>
+              </a:rPr>
+              <a:t>。</a:t>
+            </a:r>
+            <a:endParaRPr lang="en-US" altLang="zh-CN" dirty="0" smtClean="0">
+              <a:solidFill>
+                <a:srgbClr val="444444"/>
+              </a:solidFill>
+              <a:latin typeface="Tahoma" panose="020B0604030504040204" pitchFamily="34" charset="0"/>
+            </a:endParaRPr>
+          </a:p>
+          <a:p>
+            <a:endParaRPr lang="en-US" altLang="zh-CN" dirty="0">
+              <a:solidFill>
+                <a:srgbClr val="444444"/>
+              </a:solidFill>
+              <a:latin typeface="Tahoma" panose="020B0604030504040204" pitchFamily="34" charset="0"/>
+            </a:endParaRPr>
+          </a:p>
+          <a:p>
+            <a:r>
+              <a:rPr lang="zh-CN" altLang="en-US" dirty="0" smtClean="0">
+                <a:solidFill>
+                  <a:srgbClr val="444444"/>
+                </a:solidFill>
+                <a:latin typeface="Tahoma" panose="020B0604030504040204" pitchFamily="34" charset="0"/>
+              </a:rPr>
+              <a:t>而</a:t>
+            </a:r>
+            <a:r>
+              <a:rPr lang="zh-CN" altLang="en-US" dirty="0">
+                <a:solidFill>
+                  <a:srgbClr val="444444"/>
+                </a:solidFill>
+                <a:latin typeface="Tahoma" panose="020B0604030504040204" pitchFamily="34" charset="0"/>
+              </a:rPr>
+              <a:t>另外一种东西那叫刚需，你学经济学的应该懂这个词吧，那是必需品。比如说农民工春节回家的火车票，这个时候你再出馊主意，让涨价。首先是伤天害理嘛，你想农民工弱势群体，一年挣不了多少钱，你这一涨价，多少天就白干。而更重要的是，啥叫刚需？就是这个需求并不因为价格的波动而发生变化，中国人嘛，一年到春节的时候总得回趟家，再高的票价也拦不住他们归家的心。</a:t>
+            </a:r>
+            <a:endParaRPr lang="zh-CN" altLang="en-US" dirty="0"/>
           </a:p>
         </p:txBody>
       </p:sp>
     </p:spTree>
     <p:extLst>
       <p:ext uri="{BB962C8B-B14F-4D97-AF65-F5344CB8AC3E}">
-        <p14:creationId xmlns:p14="http://schemas.microsoft.com/office/powerpoint/2010/main" val="3064427736"/>
+        <p14:creationId xmlns:p14="http://schemas.microsoft.com/office/powerpoint/2010/main" val="1531118542"/>
       </p:ext>
     </p:extLst>
   </p:cSld>
   <p:clrMapOvr>
     <a:masterClrMapping/>
   </p:clrMapOvr>
-  <p:timing>
-    <p:tnLst>
-      <p:par>
-        <p:cTn id="1" dur="indefinite" restart="never" nodeType="tmRoot"/>
-      </p:par>
-    </p:tnLst>
-  </p:timing>
 </p:sld>
 </file>
 
@@ -3828,44 +3720,62 @@
       </p:grpSpPr>
       <p:sp>
         <p:nvSpPr>
-          <p:cNvPr id="6" name="文本框 5"/>
-          <p:cNvSpPr txBox="1"/>
-          <p:nvPr/>
-        </p:nvSpPr>
-        <p:spPr>
-          <a:xfrm>
-            <a:off x="1981199" y="601344"/>
-            <a:ext cx="5252114" cy="646331"/>
-          </a:xfrm>
-          <a:prstGeom prst="rect">
-            <a:avLst/>
-          </a:prstGeom>
-          <a:noFill/>
-        </p:spPr>
-        <p:txBody>
-          <a:bodyPr wrap="square" rtlCol="0">
-            <a:spAutoFit/>
-          </a:bodyPr>
-          <a:lstStyle/>
-          <a:p>
-            <a:r>
-              <a:rPr lang="zh-CN" altLang="en-US" sz="3600" dirty="0" smtClean="0"/>
-              <a:t>火车票是刚需</a:t>
-            </a:r>
-            <a:endParaRPr lang="zh-CN" altLang="en-US" sz="3600" dirty="0"/>
-          </a:p>
-        </p:txBody>
-      </p:sp>
-      <p:sp>
-        <p:nvSpPr>
           <p:cNvPr id="2" name="矩形 1"/>
           <p:cNvSpPr/>
           <p:nvPr/>
         </p:nvSpPr>
         <p:spPr>
           <a:xfrm>
-            <a:off x="573204" y="1397800"/>
-            <a:ext cx="11313993" cy="1200329"/>
+            <a:off x="557055" y="400980"/>
+            <a:ext cx="5593198" cy="923330"/>
+          </a:xfrm>
+          <a:prstGeom prst="rect">
+            <a:avLst/>
+          </a:prstGeom>
+        </p:spPr>
+        <p:txBody>
+          <a:bodyPr wrap="none">
+            <a:spAutoFit/>
+          </a:bodyPr>
+          <a:lstStyle/>
+          <a:p>
+            <a:pPr algn="ctr">
+              <a:lnSpc>
+                <a:spcPct val="90000"/>
+              </a:lnSpc>
+              <a:spcBef>
+                <a:spcPct val="0"/>
+              </a:spcBef>
+            </a:pPr>
+            <a:r>
+              <a:rPr lang="zh-CN" altLang="en-US" sz="6000" b="1" dirty="0" smtClean="0">
+                <a:latin typeface="+mj-lt"/>
+                <a:ea typeface="+mj-ea"/>
+                <a:cs typeface="+mj-cs"/>
+              </a:rPr>
+              <a:t>刚性</a:t>
+            </a:r>
+            <a:r>
+              <a:rPr lang="zh-CN" altLang="en-US" sz="6000" b="1" dirty="0">
+                <a:latin typeface="+mj-lt"/>
+                <a:ea typeface="+mj-ea"/>
+                <a:cs typeface="+mj-cs"/>
+              </a:rPr>
+              <a:t>需求不成立</a:t>
+            </a:r>
+          </a:p>
+        </p:txBody>
+      </p:sp>
+      <p:sp>
+        <p:nvSpPr>
+          <p:cNvPr id="3" name="矩形 2"/>
+          <p:cNvSpPr/>
+          <p:nvPr/>
+        </p:nvSpPr>
+        <p:spPr>
+          <a:xfrm>
+            <a:off x="818866" y="1588911"/>
+            <a:ext cx="11150221" cy="646331"/>
           </a:xfrm>
           <a:prstGeom prst="rect">
             <a:avLst/>
@@ -3884,119 +3794,7 @@
                 </a:solidFill>
                 <a:latin typeface="宋体" panose="02010600030101010101" pitchFamily="2" charset="-122"/>
               </a:rPr>
-              <a:t>回家过年的需求是刚性的，意思是不管价格多高，乘客还是要回家过年，所以提价只会让铁路系统多赚钱，而不能降低乘客回家过年的愿望。这是没有学透。向右下倾斜的需求曲线，每个点的弹性都不同，只要价格到位，刚性需求就自然会软化。如果说有些旅客回家过年的需求曲线不是右下倾斜而是垂直的，那么这些旅客就应该不惜一切代价回家，就不会非要等放假才回家，更不会非要坐火车才回家。</a:t>
-            </a:r>
-            <a:endParaRPr lang="zh-CN" altLang="en-US" dirty="0"/>
-          </a:p>
-        </p:txBody>
-      </p:sp>
-      <p:sp>
-        <p:nvSpPr>
-          <p:cNvPr id="4" name="矩形 3"/>
-          <p:cNvSpPr/>
-          <p:nvPr/>
-        </p:nvSpPr>
-        <p:spPr>
-          <a:xfrm>
-            <a:off x="573205" y="2748255"/>
-            <a:ext cx="11313993" cy="2308324"/>
-          </a:xfrm>
-          <a:prstGeom prst="rect">
-            <a:avLst/>
-          </a:prstGeom>
-        </p:spPr>
-        <p:txBody>
-          <a:bodyPr wrap="square">
-            <a:spAutoFit/>
-          </a:bodyPr>
-          <a:lstStyle/>
-          <a:p>
-            <a:r>
-              <a:rPr lang="zh-CN" altLang="en-US" dirty="0">
-                <a:solidFill>
-                  <a:srgbClr val="444444"/>
-                </a:solidFill>
-                <a:latin typeface="Tahoma" panose="020B0604030504040204" pitchFamily="34" charset="0"/>
-              </a:rPr>
-              <a:t>这世界上的东西可分成两种</a:t>
-            </a:r>
-            <a:r>
-              <a:rPr lang="zh-CN" altLang="en-US" dirty="0" smtClean="0">
-                <a:solidFill>
-                  <a:srgbClr val="444444"/>
-                </a:solidFill>
-                <a:latin typeface="Tahoma" panose="020B0604030504040204" pitchFamily="34" charset="0"/>
-              </a:rPr>
-              <a:t>：</a:t>
-            </a:r>
-            <a:endParaRPr lang="en-US" altLang="zh-CN" dirty="0" smtClean="0">
-              <a:solidFill>
-                <a:srgbClr val="444444"/>
-              </a:solidFill>
-              <a:latin typeface="Tahoma" panose="020B0604030504040204" pitchFamily="34" charset="0"/>
-            </a:endParaRPr>
-          </a:p>
-          <a:p>
-            <a:r>
-              <a:rPr lang="zh-CN" altLang="en-US" dirty="0" smtClean="0">
-                <a:solidFill>
-                  <a:srgbClr val="444444"/>
-                </a:solidFill>
-                <a:latin typeface="Tahoma" panose="020B0604030504040204" pitchFamily="34" charset="0"/>
-              </a:rPr>
-              <a:t>第一</a:t>
-            </a:r>
-            <a:r>
-              <a:rPr lang="zh-CN" altLang="en-US" dirty="0">
-                <a:solidFill>
-                  <a:srgbClr val="444444"/>
-                </a:solidFill>
-                <a:latin typeface="Tahoma" panose="020B0604030504040204" pitchFamily="34" charset="0"/>
-              </a:rPr>
-              <a:t>种不是必需品，比如说女性的高档化妆品，那这类东西一旦发现供不应求，直接涨价就是了，否则百货商场还不排大队</a:t>
-            </a:r>
-            <a:r>
-              <a:rPr lang="zh-CN" altLang="en-US" dirty="0" smtClean="0">
-                <a:solidFill>
-                  <a:srgbClr val="444444"/>
-                </a:solidFill>
-                <a:latin typeface="Tahoma" panose="020B0604030504040204" pitchFamily="34" charset="0"/>
-              </a:rPr>
-              <a:t>。</a:t>
-            </a:r>
-            <a:endParaRPr lang="en-US" altLang="zh-CN" dirty="0" smtClean="0">
-              <a:solidFill>
-                <a:srgbClr val="444444"/>
-              </a:solidFill>
-              <a:latin typeface="Tahoma" panose="020B0604030504040204" pitchFamily="34" charset="0"/>
-            </a:endParaRPr>
-          </a:p>
-          <a:p>
-            <a:endParaRPr lang="en-US" altLang="zh-CN" dirty="0">
-              <a:solidFill>
-                <a:srgbClr val="444444"/>
-              </a:solidFill>
-              <a:latin typeface="Tahoma" panose="020B0604030504040204" pitchFamily="34" charset="0"/>
-            </a:endParaRPr>
-          </a:p>
-          <a:p>
-            <a:r>
-              <a:rPr lang="zh-CN" altLang="en-US" dirty="0" smtClean="0">
-                <a:solidFill>
-                  <a:srgbClr val="444444"/>
-                </a:solidFill>
-                <a:latin typeface="Tahoma" panose="020B0604030504040204" pitchFamily="34" charset="0"/>
-              </a:rPr>
-              <a:t>而</a:t>
-            </a:r>
-            <a:r>
-              <a:rPr lang="zh-CN" altLang="en-US" dirty="0">
-                <a:solidFill>
-                  <a:srgbClr val="444444"/>
-                </a:solidFill>
-                <a:latin typeface="Tahoma" panose="020B0604030504040204" pitchFamily="34" charset="0"/>
-              </a:rPr>
-              <a:t>另外一种东西那叫刚需，你学经济学的应该懂这个词吧，那是必需品。比如说农民工春节回家的火车票，这个时候你再出馊主意，让涨价。首先是伤天害理嘛，你想农民工弱势群体，一年挣不了多少钱，你这一涨价，多少天就白干。而更重要的是，啥叫刚需？就是这个需求并不因为价格的波动而发生变化，中国人嘛，一年到春节的时候总得回趟家，再高的票价也拦不住他们归家的心。</a:t>
+              <a:t>回家过年的需求是刚性的，意思是不管价格多高，乘客还是要回家过年，所以提价只会让铁路系统多赚钱，而不能降低乘客回家过年的愿望</a:t>
             </a:r>
             <a:endParaRPr lang="zh-CN" altLang="en-US" dirty="0"/>
           </a:p>
@@ -4005,13 +3803,20 @@
     </p:spTree>
     <p:extLst>
       <p:ext uri="{BB962C8B-B14F-4D97-AF65-F5344CB8AC3E}">
-        <p14:creationId xmlns:p14="http://schemas.microsoft.com/office/powerpoint/2010/main" val="1531118542"/>
+        <p14:creationId xmlns:p14="http://schemas.microsoft.com/office/powerpoint/2010/main" val="3516438114"/>
       </p:ext>
     </p:extLst>
   </p:cSld>
   <p:clrMapOvr>
     <a:masterClrMapping/>
   </p:clrMapOvr>
+  <p:timing>
+    <p:tnLst>
+      <p:par>
+        <p:cTn id="1" dur="indefinite" restart="never" nodeType="tmRoot"/>
+      </p:par>
+    </p:tnLst>
+  </p:timing>
 </p:sld>
 </file>
 
@@ -4040,8 +3845,8 @@
         </p:nvSpPr>
         <p:spPr>
           <a:xfrm>
-            <a:off x="557055" y="400980"/>
-            <a:ext cx="5593198" cy="923330"/>
+            <a:off x="1329706" y="400980"/>
+            <a:ext cx="4047903" cy="923330"/>
           </a:xfrm>
           <a:prstGeom prst="rect">
             <a:avLst/>
@@ -4067,57 +3872,20 @@
                 <a:ea typeface="+mj-ea"/>
                 <a:cs typeface="+mj-cs"/>
               </a:rPr>
-              <a:t>刚性</a:t>
-            </a:r>
-            <a:r>
-              <a:rPr lang="zh-CN" altLang="en-US" sz="6000" b="1" dirty="0">
-                <a:latin typeface="+mj-lt"/>
-                <a:ea typeface="+mj-ea"/>
-                <a:cs typeface="+mj-cs"/>
-              </a:rPr>
-              <a:t>需求不成立</a:t>
-            </a:r>
-          </a:p>
-        </p:txBody>
-      </p:sp>
-      <p:sp>
-        <p:nvSpPr>
-          <p:cNvPr id="3" name="矩形 2"/>
-          <p:cNvSpPr/>
-          <p:nvPr/>
-        </p:nvSpPr>
-        <p:spPr>
-          <a:xfrm>
-            <a:off x="818866" y="1588911"/>
-            <a:ext cx="11150221" cy="646331"/>
-          </a:xfrm>
-          <a:prstGeom prst="rect">
-            <a:avLst/>
-          </a:prstGeom>
-        </p:spPr>
-        <p:txBody>
-          <a:bodyPr wrap="square">
-            <a:spAutoFit/>
-          </a:bodyPr>
-          <a:lstStyle/>
-          <a:p>
-            <a:r>
-              <a:rPr lang="zh-CN" altLang="en-US" dirty="0">
-                <a:solidFill>
-                  <a:srgbClr val="000000"/>
-                </a:solidFill>
-                <a:latin typeface="宋体" panose="02010600030101010101" pitchFamily="2" charset="-122"/>
-              </a:rPr>
-              <a:t>回家过年的需求是刚性的，意思是不管价格多高，乘客还是要回家过年，所以提价只会让铁路系统多赚钱，而不能降低乘客回家过年的愿望</a:t>
-            </a:r>
-            <a:endParaRPr lang="zh-CN" altLang="en-US" dirty="0"/>
+              <a:t>什么是刚需</a:t>
+            </a:r>
+            <a:endParaRPr lang="zh-CN" altLang="en-US" sz="6000" b="1" dirty="0">
+              <a:latin typeface="+mj-lt"/>
+              <a:ea typeface="+mj-ea"/>
+              <a:cs typeface="+mj-cs"/>
+            </a:endParaRPr>
           </a:p>
         </p:txBody>
       </p:sp>
     </p:spTree>
     <p:extLst>
       <p:ext uri="{BB962C8B-B14F-4D97-AF65-F5344CB8AC3E}">
-        <p14:creationId xmlns:p14="http://schemas.microsoft.com/office/powerpoint/2010/main" val="3516438114"/>
+        <p14:creationId xmlns:p14="http://schemas.microsoft.com/office/powerpoint/2010/main" val="2457697006"/>
       </p:ext>
     </p:extLst>
   </p:cSld>
@@ -4159,7 +3927,7 @@
         </p:nvSpPr>
         <p:spPr>
           <a:xfrm>
-            <a:off x="1329706" y="400980"/>
+            <a:off x="1329705" y="400980"/>
             <a:ext cx="4047903" cy="923330"/>
           </a:xfrm>
           <a:prstGeom prst="rect">
@@ -4186,7 +3954,7 @@
                 <a:ea typeface="+mj-ea"/>
                 <a:cs typeface="+mj-cs"/>
               </a:rPr>
-              <a:t>什么是刚需</a:t>
+              <a:t>什么是需求</a:t>
             </a:r>
             <a:endParaRPr lang="zh-CN" altLang="en-US" sz="6000" b="1" dirty="0">
               <a:latin typeface="+mj-lt"/>
@@ -4199,7 +3967,7 @@
     </p:spTree>
     <p:extLst>
       <p:ext uri="{BB962C8B-B14F-4D97-AF65-F5344CB8AC3E}">
-        <p14:creationId xmlns:p14="http://schemas.microsoft.com/office/powerpoint/2010/main" val="2457697006"/>
+        <p14:creationId xmlns:p14="http://schemas.microsoft.com/office/powerpoint/2010/main" val="1228754927"/>
       </p:ext>
     </p:extLst>
   </p:cSld>
@@ -4235,66 +4003,126 @@
       </p:grpSpPr>
       <p:sp>
         <p:nvSpPr>
-          <p:cNvPr id="2" name="矩形 1"/>
+          <p:cNvPr id="6" name="文本框 5"/>
+          <p:cNvSpPr txBox="1"/>
+          <p:nvPr/>
+        </p:nvSpPr>
+        <p:spPr>
+          <a:xfrm>
+            <a:off x="1981199" y="601344"/>
+            <a:ext cx="5252114" cy="646331"/>
+          </a:xfrm>
+          <a:prstGeom prst="rect">
+            <a:avLst/>
+          </a:prstGeom>
+          <a:noFill/>
+        </p:spPr>
+        <p:txBody>
+          <a:bodyPr wrap="square" rtlCol="0">
+            <a:spAutoFit/>
+          </a:bodyPr>
+          <a:lstStyle/>
+          <a:p>
+            <a:r>
+              <a:rPr lang="zh-CN" altLang="en-US" sz="3600" dirty="0" smtClean="0"/>
+              <a:t>需求第一定律</a:t>
+            </a:r>
+            <a:endParaRPr lang="zh-CN" altLang="en-US" sz="3600" dirty="0"/>
+          </a:p>
+        </p:txBody>
+      </p:sp>
+      <p:pic>
+        <p:nvPicPr>
+          <p:cNvPr id="2" name="图片 1"/>
+          <p:cNvPicPr>
+            <a:picLocks noChangeAspect="1"/>
+          </p:cNvPicPr>
+          <p:nvPr/>
+        </p:nvPicPr>
+        <p:blipFill>
+          <a:blip r:embed="rId2">
+            <a:extLst>
+              <a:ext uri="{28A0092B-C50C-407E-A947-70E740481C1C}">
+                <a14:useLocalDpi xmlns:a14="http://schemas.microsoft.com/office/drawing/2010/main" val="0"/>
+              </a:ext>
+            </a:extLst>
+          </a:blip>
+          <a:stretch>
+            <a:fillRect/>
+          </a:stretch>
+        </p:blipFill>
+        <p:spPr>
+          <a:xfrm>
+            <a:off x="2475647" y="1247675"/>
+            <a:ext cx="6667500" cy="4076700"/>
+          </a:xfrm>
+          <a:prstGeom prst="rect">
+            <a:avLst/>
+          </a:prstGeom>
+        </p:spPr>
+      </p:pic>
+      <p:sp>
+        <p:nvSpPr>
+          <p:cNvPr id="3" name="矩形 2"/>
           <p:cNvSpPr/>
           <p:nvPr/>
         </p:nvSpPr>
         <p:spPr>
           <a:xfrm>
-            <a:off x="1329705" y="400980"/>
-            <a:ext cx="4047903" cy="923330"/>
-          </a:xfrm>
-          <a:prstGeom prst="rect">
-            <a:avLst/>
-          </a:prstGeom>
-        </p:spPr>
-        <p:txBody>
-          <a:bodyPr wrap="none">
-            <a:spAutoFit/>
-          </a:bodyPr>
-          <a:lstStyle/>
-          <a:p>
-            <a:pPr algn="ctr">
-              <a:lnSpc>
-                <a:spcPct val="90000"/>
-              </a:lnSpc>
-              <a:spcBef>
-                <a:spcPct val="0"/>
-              </a:spcBef>
-            </a:pPr>
-            <a:r>
-              <a:rPr lang="zh-CN" altLang="en-US" sz="6000" b="1" dirty="0" smtClean="0">
-                <a:latin typeface="+mj-lt"/>
-                <a:ea typeface="+mj-ea"/>
-                <a:cs typeface="+mj-cs"/>
-              </a:rPr>
-              <a:t>什么是需求</a:t>
-            </a:r>
-            <a:endParaRPr lang="zh-CN" altLang="en-US" sz="6000" b="1" dirty="0">
-              <a:latin typeface="+mj-lt"/>
-              <a:ea typeface="+mj-ea"/>
-              <a:cs typeface="+mj-cs"/>
-            </a:endParaRPr>
+            <a:off x="2897875" y="4942217"/>
+            <a:ext cx="6096000" cy="1477328"/>
+          </a:xfrm>
+          <a:prstGeom prst="rect">
+            <a:avLst/>
+          </a:prstGeom>
+        </p:spPr>
+        <p:txBody>
+          <a:bodyPr>
+            <a:spAutoFit/>
+          </a:bodyPr>
+          <a:lstStyle/>
+          <a:p>
+            <a:r>
+              <a:rPr lang="zh-CN" altLang="en-US" dirty="0">
+                <a:solidFill>
+                  <a:srgbClr val="000000"/>
+                </a:solidFill>
+                <a:latin typeface="宋体" panose="02010600030101010101" pitchFamily="2" charset="-122"/>
+              </a:rPr>
+              <a:t>向右下</a:t>
+            </a:r>
+            <a:r>
+              <a:rPr lang="zh-CN" altLang="en-US" dirty="0" smtClean="0">
+                <a:solidFill>
+                  <a:srgbClr val="000000"/>
+                </a:solidFill>
+                <a:latin typeface="宋体" panose="02010600030101010101" pitchFamily="2" charset="-122"/>
+              </a:rPr>
+              <a:t>倾斜的</a:t>
+            </a:r>
+            <a:r>
+              <a:rPr lang="zh-CN" altLang="en-US" dirty="0">
+                <a:solidFill>
+                  <a:srgbClr val="000000"/>
+                </a:solidFill>
+                <a:latin typeface="宋体" panose="02010600030101010101" pitchFamily="2" charset="-122"/>
+              </a:rPr>
+              <a:t>需求曲线，每个点的弹性都不同，只要价格到位，刚性需求就自然会软化。如果说有些旅客回家过年的需求曲线不是右下倾斜而是垂直的，那么这些旅客就应该不惜一切代价回家，就不会非要等放假才回家，更不会非要坐火车才回家。</a:t>
+            </a:r>
+            <a:endParaRPr lang="zh-CN" altLang="en-US" dirty="0"/>
           </a:p>
         </p:txBody>
       </p:sp>
     </p:spTree>
     <p:extLst>
       <p:ext uri="{BB962C8B-B14F-4D97-AF65-F5344CB8AC3E}">
-        <p14:creationId xmlns:p14="http://schemas.microsoft.com/office/powerpoint/2010/main" val="1228754927"/>
+        <p14:creationId xmlns:p14="http://schemas.microsoft.com/office/powerpoint/2010/main" val="3685188938"/>
       </p:ext>
     </p:extLst>
   </p:cSld>
   <p:clrMapOvr>
     <a:masterClrMapping/>
   </p:clrMapOvr>
-  <p:timing>
-    <p:tnLst>
-      <p:par>
-        <p:cTn id="1" dur="indefinite" restart="never" nodeType="tmRoot"/>
-      </p:par>
-    </p:tnLst>
-  </p:timing>
 </p:sld>
 </file>
 
@@ -4339,36 +4167,73 @@
           <a:p>
             <a:r>
               <a:rPr lang="zh-CN" altLang="en-US" sz="3600" dirty="0" smtClean="0"/>
-              <a:t>需求第一定律</a:t>
+              <a:t>需求第二定律</a:t>
             </a:r>
             <a:endParaRPr lang="zh-CN" altLang="en-US" sz="3600" dirty="0"/>
+          </a:p>
+        </p:txBody>
+      </p:sp>
+      <p:sp>
+        <p:nvSpPr>
+          <p:cNvPr id="4" name="矩形 3"/>
+          <p:cNvSpPr/>
+          <p:nvPr/>
+        </p:nvSpPr>
+        <p:spPr>
+          <a:xfrm>
+            <a:off x="2101587" y="1470125"/>
+            <a:ext cx="2031325" cy="369332"/>
+          </a:xfrm>
+          <a:prstGeom prst="rect">
+            <a:avLst/>
+          </a:prstGeom>
+        </p:spPr>
+        <p:txBody>
+          <a:bodyPr wrap="none">
+            <a:spAutoFit/>
+          </a:bodyPr>
+          <a:lstStyle/>
+          <a:p>
+            <a:r>
+              <a:rPr lang="en-US" altLang="zh-CN" dirty="0" smtClean="0">
+                <a:solidFill>
+                  <a:srgbClr val="000000"/>
+                </a:solidFill>
+                <a:latin typeface="宋体" panose="02010600030101010101" pitchFamily="2" charset="-122"/>
+              </a:rPr>
+              <a:t>1.</a:t>
+            </a:r>
+            <a:r>
+              <a:rPr lang="zh-CN" altLang="en-US" dirty="0" smtClean="0">
+                <a:solidFill>
+                  <a:srgbClr val="000000"/>
+                </a:solidFill>
+                <a:latin typeface="宋体" panose="02010600030101010101" pitchFamily="2" charset="-122"/>
+              </a:rPr>
+              <a:t>需求的价格弹性</a:t>
+            </a:r>
+            <a:endParaRPr lang="zh-CN" altLang="en-US" dirty="0"/>
           </a:p>
         </p:txBody>
       </p:sp>
       <p:pic>
         <p:nvPicPr>
-          <p:cNvPr id="2" name="图片 1"/>
+          <p:cNvPr id="7" name="图片 6"/>
           <p:cNvPicPr>
             <a:picLocks noChangeAspect="1"/>
           </p:cNvPicPr>
           <p:nvPr/>
         </p:nvPicPr>
         <p:blipFill>
-          <a:blip r:embed="rId2">
-            <a:extLst>
-              <a:ext uri="{28A0092B-C50C-407E-A947-70E740481C1C}">
-                <a14:useLocalDpi xmlns:a14="http://schemas.microsoft.com/office/drawing/2010/main" val="0"/>
-              </a:ext>
-            </a:extLst>
-          </a:blip>
+          <a:blip r:embed="rId2"/>
           <a:stretch>
             <a:fillRect/>
           </a:stretch>
         </p:blipFill>
         <p:spPr>
           <a:xfrm>
-            <a:off x="2475647" y="1247675"/>
-            <a:ext cx="6667500" cy="4076700"/>
+            <a:off x="1791605" y="1839457"/>
+            <a:ext cx="4038095" cy="1295238"/>
           </a:xfrm>
           <a:prstGeom prst="rect">
             <a:avLst/>
@@ -4377,34 +4242,59 @@
       </p:pic>
       <p:sp>
         <p:nvSpPr>
-          <p:cNvPr id="3" name="矩形 2"/>
+          <p:cNvPr id="8" name="矩形 7"/>
           <p:cNvSpPr/>
           <p:nvPr/>
         </p:nvSpPr>
         <p:spPr>
           <a:xfrm>
-            <a:off x="2897875" y="4942217"/>
-            <a:ext cx="6096000" cy="1477328"/>
-          </a:xfrm>
-          <a:prstGeom prst="rect">
-            <a:avLst/>
-          </a:prstGeom>
-        </p:spPr>
-        <p:txBody>
-          <a:bodyPr>
-            <a:spAutoFit/>
-          </a:bodyPr>
-          <a:lstStyle/>
-          <a:p>
-            <a:r>
-              <a:rPr lang="zh-CN" altLang="en-US" dirty="0">
+            <a:off x="2101587" y="3319361"/>
+            <a:ext cx="4339650" cy="369332"/>
+          </a:xfrm>
+          <a:prstGeom prst="rect">
+            <a:avLst/>
+          </a:prstGeom>
+        </p:spPr>
+        <p:txBody>
+          <a:bodyPr wrap="none">
+            <a:spAutoFit/>
+          </a:bodyPr>
+          <a:lstStyle/>
+          <a:p>
+            <a:r>
+              <a:rPr lang="zh-CN" altLang="en-US" dirty="0" smtClean="0">
                 <a:solidFill>
                   <a:srgbClr val="000000"/>
                 </a:solidFill>
                 <a:latin typeface="宋体" panose="02010600030101010101" pitchFamily="2" charset="-122"/>
               </a:rPr>
-              <a:t>向右下</a:t>
-            </a:r>
+              <a:t>价格变化百分之一，需求量变化百分之几</a:t>
+            </a:r>
+            <a:endParaRPr lang="zh-CN" altLang="en-US" dirty="0"/>
+          </a:p>
+        </p:txBody>
+      </p:sp>
+      <p:sp>
+        <p:nvSpPr>
+          <p:cNvPr id="13" name="矩形 12"/>
+          <p:cNvSpPr/>
+          <p:nvPr/>
+        </p:nvSpPr>
+        <p:spPr>
+          <a:xfrm>
+            <a:off x="2277058" y="4909796"/>
+            <a:ext cx="6307383" cy="369332"/>
+          </a:xfrm>
+          <a:prstGeom prst="rect">
+            <a:avLst/>
+          </a:prstGeom>
+        </p:spPr>
+        <p:txBody>
+          <a:bodyPr wrap="square">
+            <a:spAutoFit/>
+          </a:bodyPr>
+          <a:lstStyle/>
+          <a:p>
             <a:r>
               <a:rPr lang="zh-CN" altLang="en-US" dirty="0" smtClean="0">
                 <a:solidFill>
@@ -4412,16 +4302,256 @@
                 </a:solidFill>
                 <a:latin typeface="宋体" panose="02010600030101010101" pitchFamily="2" charset="-122"/>
               </a:rPr>
-              <a:t>倾斜的</a:t>
-            </a:r>
-            <a:r>
-              <a:rPr lang="zh-CN" altLang="en-US" dirty="0">
+              <a:t>弹性大于</a:t>
+            </a:r>
+            <a:r>
+              <a:rPr lang="en-US" altLang="zh-CN" dirty="0" smtClean="0">
                 <a:solidFill>
                   <a:srgbClr val="000000"/>
                 </a:solidFill>
                 <a:latin typeface="宋体" panose="02010600030101010101" pitchFamily="2" charset="-122"/>
               </a:rPr>
-              <a:t>需求曲线，每个点的弹性都不同，只要价格到位，刚性需求就自然会软化。如果说有些旅客回家过年的需求曲线不是右下倾斜而是垂直的，那么这些旅客就应该不惜一切代价回家，就不会非要等放假才回家，更不会非要坐火车才回家。</a:t>
+              <a:t>1</a:t>
+            </a:r>
+            <a:r>
+              <a:rPr lang="zh-CN" altLang="en-US" dirty="0" smtClean="0">
+                <a:solidFill>
+                  <a:srgbClr val="000000"/>
+                </a:solidFill>
+                <a:latin typeface="宋体" panose="02010600030101010101" pitchFamily="2" charset="-122"/>
+              </a:rPr>
+              <a:t>，价格稍微变化，需求量就变化很大，奢侈品</a:t>
+            </a:r>
+            <a:endParaRPr lang="zh-CN" altLang="en-US" dirty="0"/>
+          </a:p>
+        </p:txBody>
+      </p:sp>
+      <p:sp>
+        <p:nvSpPr>
+          <p:cNvPr id="14" name="矩形 13"/>
+          <p:cNvSpPr/>
+          <p:nvPr/>
+        </p:nvSpPr>
+        <p:spPr>
+          <a:xfrm>
+            <a:off x="2307230" y="3810806"/>
+            <a:ext cx="415498" cy="369332"/>
+          </a:xfrm>
+          <a:prstGeom prst="rect">
+            <a:avLst/>
+          </a:prstGeom>
+        </p:spPr>
+        <p:txBody>
+          <a:bodyPr wrap="none">
+            <a:spAutoFit/>
+          </a:bodyPr>
+          <a:lstStyle/>
+          <a:p>
+            <a:r>
+              <a:rPr lang="en-US" altLang="zh-CN" dirty="0" smtClean="0">
+                <a:solidFill>
+                  <a:srgbClr val="000000"/>
+                </a:solidFill>
+                <a:latin typeface="宋体" panose="02010600030101010101" pitchFamily="2" charset="-122"/>
+              </a:rPr>
+              <a:t>5%</a:t>
+            </a:r>
+            <a:endParaRPr lang="zh-CN" altLang="en-US" dirty="0"/>
+          </a:p>
+        </p:txBody>
+      </p:sp>
+      <p:sp>
+        <p:nvSpPr>
+          <p:cNvPr id="15" name="矩形 14"/>
+          <p:cNvSpPr/>
+          <p:nvPr/>
+        </p:nvSpPr>
+        <p:spPr>
+          <a:xfrm>
+            <a:off x="2352007" y="4360301"/>
+            <a:ext cx="415498" cy="369332"/>
+          </a:xfrm>
+          <a:prstGeom prst="rect">
+            <a:avLst/>
+          </a:prstGeom>
+        </p:spPr>
+        <p:txBody>
+          <a:bodyPr wrap="none">
+            <a:spAutoFit/>
+          </a:bodyPr>
+          <a:lstStyle/>
+          <a:p>
+            <a:r>
+              <a:rPr lang="en-US" altLang="zh-CN" dirty="0">
+                <a:solidFill>
+                  <a:srgbClr val="000000"/>
+                </a:solidFill>
+                <a:latin typeface="宋体" panose="02010600030101010101" pitchFamily="2" charset="-122"/>
+              </a:rPr>
+              <a:t>2</a:t>
+            </a:r>
+            <a:r>
+              <a:rPr lang="en-US" altLang="zh-CN" dirty="0" smtClean="0">
+                <a:solidFill>
+                  <a:srgbClr val="000000"/>
+                </a:solidFill>
+                <a:latin typeface="宋体" panose="02010600030101010101" pitchFamily="2" charset="-122"/>
+              </a:rPr>
+              <a:t>%</a:t>
+            </a:r>
+            <a:endParaRPr lang="zh-CN" altLang="en-US" dirty="0"/>
+          </a:p>
+        </p:txBody>
+      </p:sp>
+      <p:sp>
+        <p:nvSpPr>
+          <p:cNvPr id="16" name="矩形 15"/>
+          <p:cNvSpPr/>
+          <p:nvPr/>
+        </p:nvSpPr>
+        <p:spPr>
+          <a:xfrm>
+            <a:off x="2869757" y="4101288"/>
+            <a:ext cx="300082" cy="369332"/>
+          </a:xfrm>
+          <a:prstGeom prst="rect">
+            <a:avLst/>
+          </a:prstGeom>
+        </p:spPr>
+        <p:txBody>
+          <a:bodyPr wrap="none">
+            <a:spAutoFit/>
+          </a:bodyPr>
+          <a:lstStyle/>
+          <a:p>
+            <a:r>
+              <a:rPr lang="en-US" altLang="zh-CN" dirty="0" smtClean="0">
+                <a:solidFill>
+                  <a:srgbClr val="000000"/>
+                </a:solidFill>
+                <a:latin typeface="宋体" panose="02010600030101010101" pitchFamily="2" charset="-122"/>
+              </a:rPr>
+              <a:t>=</a:t>
+            </a:r>
+            <a:endParaRPr lang="zh-CN" altLang="en-US" dirty="0"/>
+          </a:p>
+        </p:txBody>
+      </p:sp>
+      <p:sp>
+        <p:nvSpPr>
+          <p:cNvPr id="17" name="矩形 16"/>
+          <p:cNvSpPr/>
+          <p:nvPr/>
+        </p:nvSpPr>
+        <p:spPr>
+          <a:xfrm>
+            <a:off x="3328976" y="4101288"/>
+            <a:ext cx="530915" cy="369332"/>
+          </a:xfrm>
+          <a:prstGeom prst="rect">
+            <a:avLst/>
+          </a:prstGeom>
+        </p:spPr>
+        <p:txBody>
+          <a:bodyPr wrap="none">
+            <a:spAutoFit/>
+          </a:bodyPr>
+          <a:lstStyle/>
+          <a:p>
+            <a:r>
+              <a:rPr lang="en-US" altLang="zh-CN" dirty="0" smtClean="0">
+                <a:solidFill>
+                  <a:srgbClr val="000000"/>
+                </a:solidFill>
+                <a:latin typeface="宋体" panose="02010600030101010101" pitchFamily="2" charset="-122"/>
+              </a:rPr>
+              <a:t>2.5</a:t>
+            </a:r>
+            <a:endParaRPr lang="zh-CN" altLang="en-US" dirty="0"/>
+          </a:p>
+        </p:txBody>
+      </p:sp>
+      <p:sp>
+        <p:nvSpPr>
+          <p:cNvPr id="18" name="矩形 17"/>
+          <p:cNvSpPr/>
+          <p:nvPr/>
+        </p:nvSpPr>
+        <p:spPr>
+          <a:xfrm>
+            <a:off x="2311695" y="4101288"/>
+            <a:ext cx="415498" cy="369332"/>
+          </a:xfrm>
+          <a:prstGeom prst="rect">
+            <a:avLst/>
+          </a:prstGeom>
+        </p:spPr>
+        <p:txBody>
+          <a:bodyPr wrap="none">
+            <a:spAutoFit/>
+          </a:bodyPr>
+          <a:lstStyle/>
+          <a:p>
+            <a:r>
+              <a:rPr lang="en-US" altLang="zh-CN" dirty="0" smtClean="0">
+                <a:solidFill>
+                  <a:srgbClr val="000000"/>
+                </a:solidFill>
+                <a:latin typeface="宋体" panose="02010600030101010101" pitchFamily="2" charset="-122"/>
+              </a:rPr>
+              <a:t>—</a:t>
+            </a:r>
+            <a:endParaRPr lang="zh-CN" altLang="en-US" dirty="0"/>
+          </a:p>
+        </p:txBody>
+      </p:sp>
+      <p:sp>
+        <p:nvSpPr>
+          <p:cNvPr id="19" name="矩形 18"/>
+          <p:cNvSpPr/>
+          <p:nvPr/>
+        </p:nvSpPr>
+        <p:spPr>
+          <a:xfrm>
+            <a:off x="2277058" y="5348972"/>
+            <a:ext cx="6307383" cy="369332"/>
+          </a:xfrm>
+          <a:prstGeom prst="rect">
+            <a:avLst/>
+          </a:prstGeom>
+        </p:spPr>
+        <p:txBody>
+          <a:bodyPr wrap="square">
+            <a:spAutoFit/>
+          </a:bodyPr>
+          <a:lstStyle/>
+          <a:p>
+            <a:r>
+              <a:rPr lang="zh-CN" altLang="en-US" dirty="0" smtClean="0">
+                <a:solidFill>
+                  <a:srgbClr val="000000"/>
+                </a:solidFill>
+                <a:latin typeface="宋体" panose="02010600030101010101" pitchFamily="2" charset="-122"/>
+              </a:rPr>
+              <a:t>弹性小于</a:t>
+            </a:r>
+            <a:r>
+              <a:rPr lang="en-US" altLang="zh-CN" dirty="0" smtClean="0">
+                <a:solidFill>
+                  <a:srgbClr val="000000"/>
+                </a:solidFill>
+                <a:latin typeface="宋体" panose="02010600030101010101" pitchFamily="2" charset="-122"/>
+              </a:rPr>
+              <a:t>1</a:t>
+            </a:r>
+            <a:r>
+              <a:rPr lang="zh-CN" altLang="en-US" dirty="0" smtClean="0">
+                <a:solidFill>
+                  <a:srgbClr val="000000"/>
+                </a:solidFill>
+                <a:latin typeface="宋体" panose="02010600030101010101" pitchFamily="2" charset="-122"/>
+              </a:rPr>
+              <a:t>，必需品</a:t>
             </a:r>
             <a:endParaRPr lang="zh-CN" altLang="en-US" dirty="0"/>
           </a:p>
@@ -4430,7 +4560,7 @@
     </p:spTree>
     <p:extLst>
       <p:ext uri="{BB962C8B-B14F-4D97-AF65-F5344CB8AC3E}">
-        <p14:creationId xmlns:p14="http://schemas.microsoft.com/office/powerpoint/2010/main" val="3685188938"/>
+        <p14:creationId xmlns:p14="http://schemas.microsoft.com/office/powerpoint/2010/main" val="2731659448"/>
       </p:ext>
     </p:extLst>
   </p:cSld>
@@ -4459,48 +4589,14 @@
       </p:grpSpPr>
       <p:sp>
         <p:nvSpPr>
-          <p:cNvPr id="6" name="文本框 5"/>
-          <p:cNvSpPr txBox="1"/>
-          <p:nvPr/>
-        </p:nvSpPr>
-        <p:spPr>
-          <a:xfrm>
-            <a:off x="1981199" y="601344"/>
-            <a:ext cx="5252114" cy="646331"/>
-          </a:xfrm>
-          <a:prstGeom prst="rect">
-            <a:avLst/>
-          </a:prstGeom>
-          <a:noFill/>
-        </p:spPr>
-        <p:txBody>
-          <a:bodyPr wrap="square" rtlCol="0">
-            <a:spAutoFit/>
-          </a:bodyPr>
-          <a:lstStyle/>
-          <a:p>
-            <a:r>
-              <a:rPr lang="zh-CN" altLang="en-US" sz="3600" dirty="0" smtClean="0"/>
-              <a:t>需求</a:t>
-            </a:r>
-            <a:r>
-              <a:rPr lang="zh-CN" altLang="en-US" sz="3600" dirty="0" smtClean="0"/>
-              <a:t>第二定律</a:t>
-            </a:r>
-            <a:endParaRPr lang="zh-CN" altLang="en-US" sz="3600" dirty="0"/>
-          </a:p>
-        </p:txBody>
-      </p:sp>
-      <p:sp>
-        <p:nvSpPr>
           <p:cNvPr id="4" name="矩形 3"/>
           <p:cNvSpPr/>
           <p:nvPr/>
         </p:nvSpPr>
         <p:spPr>
           <a:xfrm>
-            <a:off x="2101587" y="1470125"/>
-            <a:ext cx="2031325" cy="369332"/>
+            <a:off x="2101587" y="896919"/>
+            <a:ext cx="5032147" cy="369332"/>
           </a:xfrm>
           <a:prstGeom prst="rect">
             <a:avLst/>
@@ -4513,13 +4609,22 @@
           <a:lstStyle/>
           <a:p>
             <a:r>
+              <a:rPr lang="en-US" altLang="zh-CN" dirty="0">
+                <a:solidFill>
+                  <a:srgbClr val="000000"/>
+                </a:solidFill>
+                <a:latin typeface="宋体" panose="02010600030101010101" pitchFamily="2" charset="-122"/>
+              </a:rPr>
+              <a:t>2</a:t>
+            </a:r>
+            <a:r>
               <a:rPr lang="en-US" altLang="zh-CN" dirty="0" smtClean="0">
                 <a:solidFill>
                   <a:srgbClr val="000000"/>
                 </a:solidFill>
                 <a:latin typeface="宋体" panose="02010600030101010101" pitchFamily="2" charset="-122"/>
               </a:rPr>
-              <a:t>1.</a:t>
+              <a:t>.</a:t>
             </a:r>
             <a:r>
               <a:rPr lang="zh-CN" altLang="en-US" dirty="0" smtClean="0">
@@ -4528,7 +4633,7 @@
                 </a:solidFill>
                 <a:latin typeface="宋体" panose="02010600030101010101" pitchFamily="2" charset="-122"/>
               </a:rPr>
-              <a:t>需求的价格弹性</a:t>
+              <a:t>需求曲线上弹性处处不等，价格越高弹性越大</a:t>
             </a:r>
             <a:endParaRPr lang="zh-CN" altLang="en-US" dirty="0"/>
           </a:p>
@@ -4536,349 +4641,38 @@
       </p:sp>
       <p:pic>
         <p:nvPicPr>
-          <p:cNvPr id="7" name="图片 6"/>
+          <p:cNvPr id="2" name="图片 1"/>
           <p:cNvPicPr>
             <a:picLocks noChangeAspect="1"/>
           </p:cNvPicPr>
           <p:nvPr/>
         </p:nvPicPr>
         <p:blipFill>
-          <a:blip r:embed="rId2"/>
+          <a:blip r:embed="rId2">
+            <a:extLst>
+              <a:ext uri="{28A0092B-C50C-407E-A947-70E740481C1C}">
+                <a14:useLocalDpi xmlns:a14="http://schemas.microsoft.com/office/drawing/2010/main" val="0"/>
+              </a:ext>
+            </a:extLst>
+          </a:blip>
           <a:stretch>
             <a:fillRect/>
           </a:stretch>
         </p:blipFill>
         <p:spPr>
           <a:xfrm>
-            <a:off x="1791605" y="1839457"/>
-            <a:ext cx="4038095" cy="1295238"/>
+            <a:off x="2101587" y="1266251"/>
+            <a:ext cx="6667500" cy="4343400"/>
           </a:xfrm>
           <a:prstGeom prst="rect">
             <a:avLst/>
           </a:prstGeom>
         </p:spPr>
       </p:pic>
-      <p:sp>
-        <p:nvSpPr>
-          <p:cNvPr id="8" name="矩形 7"/>
-          <p:cNvSpPr/>
-          <p:nvPr/>
-        </p:nvSpPr>
-        <p:spPr>
-          <a:xfrm>
-            <a:off x="2101587" y="3319361"/>
-            <a:ext cx="4339650" cy="369332"/>
-          </a:xfrm>
-          <a:prstGeom prst="rect">
-            <a:avLst/>
-          </a:prstGeom>
-        </p:spPr>
-        <p:txBody>
-          <a:bodyPr wrap="none">
-            <a:spAutoFit/>
-          </a:bodyPr>
-          <a:lstStyle/>
-          <a:p>
-            <a:r>
-              <a:rPr lang="zh-CN" altLang="en-US" dirty="0" smtClean="0">
-                <a:solidFill>
-                  <a:srgbClr val="000000"/>
-                </a:solidFill>
-                <a:latin typeface="宋体" panose="02010600030101010101" pitchFamily="2" charset="-122"/>
-              </a:rPr>
-              <a:t>价格变化百分之一，需求量变化百分之几</a:t>
-            </a:r>
-            <a:endParaRPr lang="zh-CN" altLang="en-US" dirty="0"/>
-          </a:p>
-        </p:txBody>
-      </p:sp>
-      <p:sp>
-        <p:nvSpPr>
-          <p:cNvPr id="13" name="矩形 12"/>
-          <p:cNvSpPr/>
-          <p:nvPr/>
-        </p:nvSpPr>
-        <p:spPr>
-          <a:xfrm>
-            <a:off x="2277058" y="4909796"/>
-            <a:ext cx="6307383" cy="369332"/>
-          </a:xfrm>
-          <a:prstGeom prst="rect">
-            <a:avLst/>
-          </a:prstGeom>
-        </p:spPr>
-        <p:txBody>
-          <a:bodyPr wrap="square">
-            <a:spAutoFit/>
-          </a:bodyPr>
-          <a:lstStyle/>
-          <a:p>
-            <a:r>
-              <a:rPr lang="zh-CN" altLang="en-US" dirty="0" smtClean="0">
-                <a:solidFill>
-                  <a:srgbClr val="000000"/>
-                </a:solidFill>
-                <a:latin typeface="宋体" panose="02010600030101010101" pitchFamily="2" charset="-122"/>
-              </a:rPr>
-              <a:t>弹性大于</a:t>
-            </a:r>
-            <a:r>
-              <a:rPr lang="en-US" altLang="zh-CN" dirty="0" smtClean="0">
-                <a:solidFill>
-                  <a:srgbClr val="000000"/>
-                </a:solidFill>
-                <a:latin typeface="宋体" panose="02010600030101010101" pitchFamily="2" charset="-122"/>
-              </a:rPr>
-              <a:t>1</a:t>
-            </a:r>
-            <a:r>
-              <a:rPr lang="zh-CN" altLang="en-US" dirty="0" smtClean="0">
-                <a:solidFill>
-                  <a:srgbClr val="000000"/>
-                </a:solidFill>
-                <a:latin typeface="宋体" panose="02010600030101010101" pitchFamily="2" charset="-122"/>
-              </a:rPr>
-              <a:t>，价格稍微变化，需求量就变化很大，奢侈品</a:t>
-            </a:r>
-            <a:endParaRPr lang="zh-CN" altLang="en-US" dirty="0"/>
-          </a:p>
-        </p:txBody>
-      </p:sp>
-      <p:sp>
-        <p:nvSpPr>
-          <p:cNvPr id="14" name="矩形 13"/>
-          <p:cNvSpPr/>
-          <p:nvPr/>
-        </p:nvSpPr>
-        <p:spPr>
-          <a:xfrm>
-            <a:off x="2307230" y="3810806"/>
-            <a:ext cx="415498" cy="369332"/>
-          </a:xfrm>
-          <a:prstGeom prst="rect">
-            <a:avLst/>
-          </a:prstGeom>
-        </p:spPr>
-        <p:txBody>
-          <a:bodyPr wrap="none">
-            <a:spAutoFit/>
-          </a:bodyPr>
-          <a:lstStyle/>
-          <a:p>
-            <a:r>
-              <a:rPr lang="en-US" altLang="zh-CN" dirty="0" smtClean="0">
-                <a:solidFill>
-                  <a:srgbClr val="000000"/>
-                </a:solidFill>
-                <a:latin typeface="宋体" panose="02010600030101010101" pitchFamily="2" charset="-122"/>
-              </a:rPr>
-              <a:t>5%</a:t>
-            </a:r>
-            <a:endParaRPr lang="zh-CN" altLang="en-US" dirty="0"/>
-          </a:p>
-        </p:txBody>
-      </p:sp>
-      <p:sp>
-        <p:nvSpPr>
-          <p:cNvPr id="15" name="矩形 14"/>
-          <p:cNvSpPr/>
-          <p:nvPr/>
-        </p:nvSpPr>
-        <p:spPr>
-          <a:xfrm>
-            <a:off x="2352007" y="4360301"/>
-            <a:ext cx="415498" cy="369332"/>
-          </a:xfrm>
-          <a:prstGeom prst="rect">
-            <a:avLst/>
-          </a:prstGeom>
-        </p:spPr>
-        <p:txBody>
-          <a:bodyPr wrap="none">
-            <a:spAutoFit/>
-          </a:bodyPr>
-          <a:lstStyle/>
-          <a:p>
-            <a:r>
-              <a:rPr lang="en-US" altLang="zh-CN" dirty="0">
-                <a:solidFill>
-                  <a:srgbClr val="000000"/>
-                </a:solidFill>
-                <a:latin typeface="宋体" panose="02010600030101010101" pitchFamily="2" charset="-122"/>
-              </a:rPr>
-              <a:t>2</a:t>
-            </a:r>
-            <a:r>
-              <a:rPr lang="en-US" altLang="zh-CN" dirty="0" smtClean="0">
-                <a:solidFill>
-                  <a:srgbClr val="000000"/>
-                </a:solidFill>
-                <a:latin typeface="宋体" panose="02010600030101010101" pitchFamily="2" charset="-122"/>
-              </a:rPr>
-              <a:t>%</a:t>
-            </a:r>
-            <a:endParaRPr lang="zh-CN" altLang="en-US" dirty="0"/>
-          </a:p>
-        </p:txBody>
-      </p:sp>
-      <p:sp>
-        <p:nvSpPr>
-          <p:cNvPr id="16" name="矩形 15"/>
-          <p:cNvSpPr/>
-          <p:nvPr/>
-        </p:nvSpPr>
-        <p:spPr>
-          <a:xfrm>
-            <a:off x="2869757" y="4101288"/>
-            <a:ext cx="300082" cy="369332"/>
-          </a:xfrm>
-          <a:prstGeom prst="rect">
-            <a:avLst/>
-          </a:prstGeom>
-        </p:spPr>
-        <p:txBody>
-          <a:bodyPr wrap="none">
-            <a:spAutoFit/>
-          </a:bodyPr>
-          <a:lstStyle/>
-          <a:p>
-            <a:r>
-              <a:rPr lang="en-US" altLang="zh-CN" dirty="0" smtClean="0">
-                <a:solidFill>
-                  <a:srgbClr val="000000"/>
-                </a:solidFill>
-                <a:latin typeface="宋体" panose="02010600030101010101" pitchFamily="2" charset="-122"/>
-              </a:rPr>
-              <a:t>=</a:t>
-            </a:r>
-            <a:endParaRPr lang="zh-CN" altLang="en-US" dirty="0"/>
-          </a:p>
-        </p:txBody>
-      </p:sp>
-      <p:sp>
-        <p:nvSpPr>
-          <p:cNvPr id="17" name="矩形 16"/>
-          <p:cNvSpPr/>
-          <p:nvPr/>
-        </p:nvSpPr>
-        <p:spPr>
-          <a:xfrm>
-            <a:off x="3328976" y="4101288"/>
-            <a:ext cx="530915" cy="369332"/>
-          </a:xfrm>
-          <a:prstGeom prst="rect">
-            <a:avLst/>
-          </a:prstGeom>
-        </p:spPr>
-        <p:txBody>
-          <a:bodyPr wrap="none">
-            <a:spAutoFit/>
-          </a:bodyPr>
-          <a:lstStyle/>
-          <a:p>
-            <a:r>
-              <a:rPr lang="en-US" altLang="zh-CN" dirty="0" smtClean="0">
-                <a:solidFill>
-                  <a:srgbClr val="000000"/>
-                </a:solidFill>
-                <a:latin typeface="宋体" panose="02010600030101010101" pitchFamily="2" charset="-122"/>
-              </a:rPr>
-              <a:t>2.5</a:t>
-            </a:r>
-            <a:endParaRPr lang="zh-CN" altLang="en-US" dirty="0"/>
-          </a:p>
-        </p:txBody>
-      </p:sp>
-      <p:sp>
-        <p:nvSpPr>
-          <p:cNvPr id="18" name="矩形 17"/>
-          <p:cNvSpPr/>
-          <p:nvPr/>
-        </p:nvSpPr>
-        <p:spPr>
-          <a:xfrm>
-            <a:off x="2311695" y="4101288"/>
-            <a:ext cx="415498" cy="369332"/>
-          </a:xfrm>
-          <a:prstGeom prst="rect">
-            <a:avLst/>
-          </a:prstGeom>
-        </p:spPr>
-        <p:txBody>
-          <a:bodyPr wrap="none">
-            <a:spAutoFit/>
-          </a:bodyPr>
-          <a:lstStyle/>
-          <a:p>
-            <a:r>
-              <a:rPr lang="en-US" altLang="zh-CN" dirty="0" smtClean="0">
-                <a:solidFill>
-                  <a:srgbClr val="000000"/>
-                </a:solidFill>
-                <a:latin typeface="宋体" panose="02010600030101010101" pitchFamily="2" charset="-122"/>
-              </a:rPr>
-              <a:t>—</a:t>
-            </a:r>
-            <a:endParaRPr lang="zh-CN" altLang="en-US" dirty="0"/>
-          </a:p>
-        </p:txBody>
-      </p:sp>
-      <p:sp>
-        <p:nvSpPr>
-          <p:cNvPr id="19" name="矩形 18"/>
-          <p:cNvSpPr/>
-          <p:nvPr/>
-        </p:nvSpPr>
-        <p:spPr>
-          <a:xfrm>
-            <a:off x="2277058" y="5348972"/>
-            <a:ext cx="6307383" cy="369332"/>
-          </a:xfrm>
-          <a:prstGeom prst="rect">
-            <a:avLst/>
-          </a:prstGeom>
-        </p:spPr>
-        <p:txBody>
-          <a:bodyPr wrap="square">
-            <a:spAutoFit/>
-          </a:bodyPr>
-          <a:lstStyle/>
-          <a:p>
-            <a:r>
-              <a:rPr lang="zh-CN" altLang="en-US" dirty="0" smtClean="0">
-                <a:solidFill>
-                  <a:srgbClr val="000000"/>
-                </a:solidFill>
-                <a:latin typeface="宋体" panose="02010600030101010101" pitchFamily="2" charset="-122"/>
-              </a:rPr>
-              <a:t>弹性小于</a:t>
-            </a:r>
-            <a:r>
-              <a:rPr lang="en-US" altLang="zh-CN" dirty="0" smtClean="0">
-                <a:solidFill>
-                  <a:srgbClr val="000000"/>
-                </a:solidFill>
-                <a:latin typeface="宋体" panose="02010600030101010101" pitchFamily="2" charset="-122"/>
-              </a:rPr>
-              <a:t>1</a:t>
-            </a:r>
-            <a:r>
-              <a:rPr lang="zh-CN" altLang="en-US" dirty="0" smtClean="0">
-                <a:solidFill>
-                  <a:srgbClr val="000000"/>
-                </a:solidFill>
-                <a:latin typeface="宋体" panose="02010600030101010101" pitchFamily="2" charset="-122"/>
-              </a:rPr>
-              <a:t>，必需品</a:t>
-            </a:r>
-            <a:endParaRPr lang="zh-CN" altLang="en-US" dirty="0"/>
-          </a:p>
-        </p:txBody>
-      </p:sp>
     </p:spTree>
     <p:extLst>
       <p:ext uri="{BB962C8B-B14F-4D97-AF65-F5344CB8AC3E}">
-        <p14:creationId xmlns:p14="http://schemas.microsoft.com/office/powerpoint/2010/main" val="2731659448"/>
+        <p14:creationId xmlns:p14="http://schemas.microsoft.com/office/powerpoint/2010/main" val="3500125902"/>
       </p:ext>
     </p:extLst>
   </p:cSld>
@@ -4928,7 +4722,7 @@
         </p:blipFill>
         <p:spPr bwMode="auto">
           <a:xfrm>
-            <a:off x="3881220" y="857967"/>
+            <a:off x="387393" y="735136"/>
             <a:ext cx="3790950" cy="4648201"/>
           </a:xfrm>
           <a:prstGeom prst="rect">
@@ -4946,6 +4740,69 @@
           </a:extLst>
         </p:spPr>
       </p:pic>
+      <p:pic>
+        <p:nvPicPr>
+          <p:cNvPr id="3" name="图片 2" descr="https://gss1.bdstatic.com/9vo3dSag_xI4khGkpoWK1HF6hhy/baike/c0%3Dbaike80%2C5%2C5%2C80%2C26/sign=9b647c6e11dfa9ece9235e4503b99c66/f2deb48f8c5494ee99a8116b2df5e0fe99257e3d.jpg"/>
+          <p:cNvPicPr/>
+          <p:nvPr/>
+        </p:nvPicPr>
+        <p:blipFill>
+          <a:blip r:embed="rId3">
+            <a:extLst>
+              <a:ext uri="{28A0092B-C50C-407E-A947-70E740481C1C}">
+                <a14:useLocalDpi xmlns:a14="http://schemas.microsoft.com/office/drawing/2010/main" val="0"/>
+              </a:ext>
+            </a:extLst>
+          </a:blip>
+          <a:srcRect/>
+          <a:stretch>
+            <a:fillRect/>
+          </a:stretch>
+        </p:blipFill>
+        <p:spPr bwMode="auto">
+          <a:xfrm>
+            <a:off x="7861111" y="735135"/>
+            <a:ext cx="3872838" cy="4648201"/>
+          </a:xfrm>
+          <a:prstGeom prst="rect">
+            <a:avLst/>
+          </a:prstGeom>
+          <a:noFill/>
+          <a:ln>
+            <a:noFill/>
+          </a:ln>
+        </p:spPr>
+      </p:pic>
+      <p:sp>
+        <p:nvSpPr>
+          <p:cNvPr id="4" name="标题 1"/>
+          <p:cNvSpPr>
+            <a:spLocks noGrp="1"/>
+          </p:cNvSpPr>
+          <p:nvPr>
+            <p:ph type="ctrTitle"/>
+          </p:nvPr>
+        </p:nvSpPr>
+        <p:spPr>
+          <a:xfrm>
+            <a:off x="1488671" y="2279178"/>
+            <a:ext cx="9144000" cy="1053366"/>
+          </a:xfrm>
+        </p:spPr>
+        <p:txBody>
+          <a:bodyPr>
+            <a:normAutofit/>
+          </a:bodyPr>
+          <a:lstStyle/>
+          <a:p>
+            <a:r>
+              <a:rPr lang="en-US" altLang="zh-CN" dirty="0" smtClean="0"/>
+              <a:t>VS</a:t>
+            </a:r>
+            <a:endParaRPr lang="zh-CN" altLang="en-US" dirty="0"/>
+          </a:p>
+        </p:txBody>
+      </p:sp>
     </p:spTree>
     <p:extLst>
       <p:ext uri="{BB962C8B-B14F-4D97-AF65-F5344CB8AC3E}">
@@ -4978,90 +4835,48 @@
       </p:grpSpPr>
       <p:sp>
         <p:nvSpPr>
-          <p:cNvPr id="4" name="矩形 3"/>
+          <p:cNvPr id="3" name="矩形 2"/>
           <p:cNvSpPr/>
           <p:nvPr/>
         </p:nvSpPr>
         <p:spPr>
           <a:xfrm>
-            <a:off x="2101587" y="896919"/>
-            <a:ext cx="5032147" cy="369332"/>
-          </a:xfrm>
-          <a:prstGeom prst="rect">
-            <a:avLst/>
-          </a:prstGeom>
-        </p:spPr>
-        <p:txBody>
-          <a:bodyPr wrap="none">
-            <a:spAutoFit/>
-          </a:bodyPr>
-          <a:lstStyle/>
-          <a:p>
-            <a:r>
-              <a:rPr lang="en-US" altLang="zh-CN" dirty="0">
-                <a:solidFill>
-                  <a:srgbClr val="000000"/>
-                </a:solidFill>
-                <a:latin typeface="宋体" panose="02010600030101010101" pitchFamily="2" charset="-122"/>
-              </a:rPr>
-              <a:t>2</a:t>
-            </a:r>
-            <a:r>
-              <a:rPr lang="en-US" altLang="zh-CN" dirty="0" smtClean="0">
-                <a:solidFill>
-                  <a:srgbClr val="000000"/>
-                </a:solidFill>
-                <a:latin typeface="宋体" panose="02010600030101010101" pitchFamily="2" charset="-122"/>
-              </a:rPr>
-              <a:t>.</a:t>
-            </a:r>
-            <a:r>
-              <a:rPr lang="zh-CN" altLang="en-US" dirty="0" smtClean="0">
-                <a:solidFill>
-                  <a:srgbClr val="000000"/>
-                </a:solidFill>
-                <a:latin typeface="宋体" panose="02010600030101010101" pitchFamily="2" charset="-122"/>
-              </a:rPr>
-              <a:t>需求曲线上弹性处处不等，价格越高弹性越大</a:t>
-            </a:r>
-            <a:endParaRPr lang="zh-CN" altLang="en-US" dirty="0"/>
-          </a:p>
-        </p:txBody>
-      </p:sp>
-      <p:pic>
-        <p:nvPicPr>
-          <p:cNvPr id="2" name="图片 1"/>
-          <p:cNvPicPr>
-            <a:picLocks noChangeAspect="1"/>
-          </p:cNvPicPr>
-          <p:nvPr/>
-        </p:nvPicPr>
-        <p:blipFill>
-          <a:blip r:embed="rId2">
-            <a:extLst>
-              <a:ext uri="{28A0092B-C50C-407E-A947-70E740481C1C}">
-                <a14:useLocalDpi xmlns:a14="http://schemas.microsoft.com/office/drawing/2010/main" val="0"/>
-              </a:ext>
-            </a:extLst>
-          </a:blip>
-          <a:stretch>
-            <a:fillRect/>
-          </a:stretch>
-        </p:blipFill>
-        <p:spPr>
-          <a:xfrm>
-            <a:off x="2101587" y="1266251"/>
-            <a:ext cx="6667500" cy="4343400"/>
-          </a:xfrm>
-          <a:prstGeom prst="rect">
-            <a:avLst/>
-          </a:prstGeom>
-        </p:spPr>
-      </p:pic>
+            <a:off x="464024" y="450375"/>
+            <a:ext cx="11339415" cy="5509200"/>
+          </a:xfrm>
+          <a:prstGeom prst="rect">
+            <a:avLst/>
+          </a:prstGeom>
+        </p:spPr>
+        <p:txBody>
+          <a:bodyPr wrap="square">
+            <a:spAutoFit/>
+          </a:bodyPr>
+          <a:lstStyle/>
+          <a:p>
+            <a:r>
+              <a:rPr lang="zh-CN" altLang="en-US" sz="3200" dirty="0"/>
+              <a:t>一条倾斜向下的需求曲线，当它价格比较高的部分，它的弹性是大于1的；它的价格比较低的部分，它的弹性是小于1的。而每一点的弹性都是不一样的，是在渐变的。这个特征非常有意思，你想，它的含义是什么？刚才我们不是说，弹性大于1代表的是奢侈品，弹性小于1代表的是必需品吗？但是同样一条需求曲线随着价格的变动、随着价格的不同，它的弹性就会发生变化。当价格比较高的时候，弹性大于1，也就是说，这时候这种商品是奢侈品；但是当价格跌到一定程度以后，这种产品就变成了必需品。没错，它的含义正是这样。也就是说，</a:t>
+            </a:r>
+            <a:r>
+              <a:rPr lang="zh-CN" altLang="en-US" sz="3200" dirty="0">
+                <a:solidFill>
+                  <a:srgbClr val="FF0000"/>
+                </a:solidFill>
+              </a:rPr>
+              <a:t>同样一种商品，它究竟是奢侈品还是必需品，没有定数，取决于价格的高低</a:t>
+            </a:r>
+            <a:r>
+              <a:rPr lang="zh-CN" altLang="en-US" sz="3200" dirty="0"/>
+              <a:t>。这是一个很重要的经济学的含义。</a:t>
+            </a:r>
+          </a:p>
+        </p:txBody>
+      </p:sp>
     </p:spTree>
     <p:extLst>
       <p:ext uri="{BB962C8B-B14F-4D97-AF65-F5344CB8AC3E}">
-        <p14:creationId xmlns:p14="http://schemas.microsoft.com/office/powerpoint/2010/main" val="3500125902"/>
+        <p14:creationId xmlns:p14="http://schemas.microsoft.com/office/powerpoint/2010/main" val="585627705"/>
       </p:ext>
     </p:extLst>
   </p:cSld>
@@ -5090,14 +4905,57 @@
       </p:grpSpPr>
       <p:sp>
         <p:nvSpPr>
+          <p:cNvPr id="4" name="矩形 3"/>
+          <p:cNvSpPr/>
+          <p:nvPr/>
+        </p:nvSpPr>
+        <p:spPr>
+          <a:xfrm>
+            <a:off x="982470" y="542077"/>
+            <a:ext cx="5262979" cy="369332"/>
+          </a:xfrm>
+          <a:prstGeom prst="rect">
+            <a:avLst/>
+          </a:prstGeom>
+        </p:spPr>
+        <p:txBody>
+          <a:bodyPr wrap="none">
+            <a:spAutoFit/>
+          </a:bodyPr>
+          <a:lstStyle/>
+          <a:p>
+            <a:r>
+              <a:rPr lang="en-US" altLang="zh-CN" dirty="0" smtClean="0">
+                <a:solidFill>
+                  <a:srgbClr val="000000"/>
+                </a:solidFill>
+                <a:latin typeface="宋体" panose="02010600030101010101" pitchFamily="2" charset="-122"/>
+              </a:rPr>
+              <a:t>3.</a:t>
+            </a:r>
+            <a:r>
+              <a:rPr lang="zh-CN" altLang="en-US" dirty="0">
+                <a:solidFill>
+                  <a:srgbClr val="000000"/>
+                </a:solidFill>
+                <a:latin typeface="宋体" panose="02010600030101010101" pitchFamily="2" charset="-122"/>
+              </a:rPr>
+              <a:t>一件商品是奢侈品还是必需品，完全取决于价格</a:t>
+            </a:r>
+            <a:endParaRPr lang="zh-CN" altLang="en-US" dirty="0"/>
+          </a:p>
+        </p:txBody>
+      </p:sp>
+      <p:sp>
+        <p:nvSpPr>
           <p:cNvPr id="3" name="矩形 2"/>
           <p:cNvSpPr/>
           <p:nvPr/>
         </p:nvSpPr>
         <p:spPr>
           <a:xfrm>
-            <a:off x="464024" y="450375"/>
-            <a:ext cx="11339415" cy="5509200"/>
+            <a:off x="463263" y="1129773"/>
+            <a:ext cx="11209530" cy="4893647"/>
           </a:xfrm>
           <a:prstGeom prst="rect">
             <a:avLst/>
@@ -5110,28 +4968,36 @@
           <a:lstStyle/>
           <a:p>
             <a:r>
-              <a:rPr lang="zh-CN" altLang="en-US" sz="3200" dirty="0"/>
-              <a:t>一条倾斜向下的需求曲线，当它价格比较高的部分，它的弹性是大于1的；它的价格比较低的部分，它的弹性是小于1的。而每一点的弹性都是不一样的，是在渐变的。这个特征非常有意思，你想，它的含义是什么？刚才我们不是说，弹性大于1代表的是奢侈品，弹性小于1代表的是必需品吗？但是同样一条需求曲线随着价格的变动、随着价格的不同，它的弹性就会发生变化。当价格比较高的时候，弹性大于1，也就是说，这时候这种商品是奢侈品；但是当价格跌到一定程度以后，这种产品就变成了必需品。没错，它的含义正是这样。也就是说，</a:t>
-            </a:r>
-            <a:r>
-              <a:rPr lang="zh-CN" altLang="en-US" sz="3200" dirty="0">
-                <a:solidFill>
-                  <a:srgbClr val="FF0000"/>
-                </a:solidFill>
-              </a:rPr>
-              <a:t>同样一种商品，它究竟是奢侈品还是必需品，没有定数，取决于价格的高低</a:t>
-            </a:r>
-            <a:r>
-              <a:rPr lang="zh-CN" altLang="en-US" sz="3200" dirty="0"/>
-              <a:t>。这是一个很重要的经济学的含义。</a:t>
-            </a:r>
+              <a:rPr lang="zh-CN" altLang="en-US" sz="2400" dirty="0"/>
+              <a:t>我们凡是见到有人讨论一种商品，一口咬定说它是奢侈品的，或者一口咬定说它是必需品的，你就知道他对弹性的概念不理解。因为掌握了弹性概念的人，他会明白任何商品，都既可以是奢侈品，也可以是必需品，这完全取决于价格的高低</a:t>
+            </a:r>
+            <a:r>
+              <a:rPr lang="zh-CN" altLang="en-US" sz="2400" dirty="0" smtClean="0"/>
+              <a:t>。</a:t>
+            </a:r>
+            <a:endParaRPr lang="en-US" altLang="zh-CN" sz="2400" dirty="0" smtClean="0"/>
+          </a:p>
+          <a:p>
+            <a:r>
+              <a:rPr lang="zh-CN" altLang="en-US" sz="2400" dirty="0" smtClean="0"/>
+              <a:t>比方说</a:t>
+            </a:r>
+            <a:r>
+              <a:rPr lang="zh-CN" altLang="en-US" sz="2400" dirty="0"/>
+              <a:t>，坐地铁到底属于奢侈品还是必需品啊？很多人说，这当然属于必需品啊，没有地铁咱们就上不了班。我给你举一个例子。北京自从奥运以后，地铁票价就一直是一个统一价——两块钱。不论你跑多远，都是两块钱。这么做，对政府的财政压力就很大，地铁公司就一直希望重新调整价格。很多人就说不能调整，因为地铁是必需品，无论价格高低，人们都是会同样坐地铁的，所以不应该调整这个价格。而实际上，地铁公司终于在2014年12月9日，恢复按路段收费。那一天，你猜需求量有没有变化？价格产生了变化，需求量当然会发生变化，这是咱们坚如磐石的需求第一定律预测的，那天北京地铁的乘客数量在不同的时段、不同的路段分别下降了9%、15%、20%之多。所以说一个商品到底是必需品还是奢侈品，跟价格有密切的关系</a:t>
+            </a:r>
+            <a:r>
+              <a:rPr lang="zh-CN" altLang="en-US" sz="2400" dirty="0" smtClean="0"/>
+              <a:t>。</a:t>
+            </a:r>
+            <a:endParaRPr lang="en-US" altLang="zh-CN" sz="2400" dirty="0" smtClean="0"/>
           </a:p>
         </p:txBody>
       </p:sp>
     </p:spTree>
     <p:extLst>
       <p:ext uri="{BB962C8B-B14F-4D97-AF65-F5344CB8AC3E}">
-        <p14:creationId xmlns:p14="http://schemas.microsoft.com/office/powerpoint/2010/main" val="585627705"/>
+        <p14:creationId xmlns:p14="http://schemas.microsoft.com/office/powerpoint/2010/main" val="1934302299"/>
       </p:ext>
     </p:extLst>
   </p:cSld>
@@ -5160,57 +5026,14 @@
       </p:grpSpPr>
       <p:sp>
         <p:nvSpPr>
-          <p:cNvPr id="4" name="矩形 3"/>
+          <p:cNvPr id="2" name="矩形 1"/>
           <p:cNvSpPr/>
           <p:nvPr/>
         </p:nvSpPr>
         <p:spPr>
           <a:xfrm>
-            <a:off x="982470" y="542077"/>
-            <a:ext cx="5262979" cy="369332"/>
-          </a:xfrm>
-          <a:prstGeom prst="rect">
-            <a:avLst/>
-          </a:prstGeom>
-        </p:spPr>
-        <p:txBody>
-          <a:bodyPr wrap="none">
-            <a:spAutoFit/>
-          </a:bodyPr>
-          <a:lstStyle/>
-          <a:p>
-            <a:r>
-              <a:rPr lang="en-US" altLang="zh-CN" dirty="0" smtClean="0">
-                <a:solidFill>
-                  <a:srgbClr val="000000"/>
-                </a:solidFill>
-                <a:latin typeface="宋体" panose="02010600030101010101" pitchFamily="2" charset="-122"/>
-              </a:rPr>
-              <a:t>3.</a:t>
-            </a:r>
-            <a:r>
-              <a:rPr lang="zh-CN" altLang="en-US" dirty="0">
-                <a:solidFill>
-                  <a:srgbClr val="000000"/>
-                </a:solidFill>
-                <a:latin typeface="宋体" panose="02010600030101010101" pitchFamily="2" charset="-122"/>
-              </a:rPr>
-              <a:t>一件商品是奢侈品还是必需品，完全取决于价格</a:t>
-            </a:r>
-            <a:endParaRPr lang="zh-CN" altLang="en-US" dirty="0"/>
-          </a:p>
-        </p:txBody>
-      </p:sp>
-      <p:sp>
-        <p:nvSpPr>
-          <p:cNvPr id="3" name="矩形 2"/>
-          <p:cNvSpPr/>
-          <p:nvPr/>
-        </p:nvSpPr>
-        <p:spPr>
-          <a:xfrm>
-            <a:off x="463263" y="1129773"/>
-            <a:ext cx="11209530" cy="4893647"/>
+            <a:off x="359391" y="256486"/>
+            <a:ext cx="11596048" cy="6494085"/>
           </a:xfrm>
           <a:prstGeom prst="rect">
             <a:avLst/>
@@ -5223,36 +5046,23 @@
           <a:lstStyle/>
           <a:p>
             <a:r>
-              <a:rPr lang="zh-CN" altLang="en-US" sz="2400" dirty="0"/>
-              <a:t>我们凡是见到有人讨论一种商品，一口咬定说它是奢侈品的，或者一口咬定说它是必需品的，你就知道他对弹性的概念不理解。因为掌握了弹性概念的人，他会明白任何商品，都既可以是奢侈品，也可以是必需品，这完全取决于价格的高低</a:t>
-            </a:r>
-            <a:r>
-              <a:rPr lang="zh-CN" altLang="en-US" sz="2400" dirty="0" smtClean="0"/>
-              <a:t>。</a:t>
-            </a:r>
-            <a:endParaRPr lang="en-US" altLang="zh-CN" sz="2400" dirty="0" smtClean="0"/>
-          </a:p>
-          <a:p>
-            <a:r>
-              <a:rPr lang="zh-CN" altLang="en-US" sz="2400" dirty="0" smtClean="0"/>
-              <a:t>比方说</a:t>
-            </a:r>
-            <a:r>
-              <a:rPr lang="zh-CN" altLang="en-US" sz="2400" dirty="0"/>
-              <a:t>，坐地铁到底属于奢侈品还是必需品啊？很多人说，这当然属于必需品啊，没有地铁咱们就上不了班。我给你举一个例子。北京自从奥运以后，地铁票价就一直是一个统一价——两块钱。不论你跑多远，都是两块钱。这么做，对政府的财政压力就很大，地铁公司就一直希望重新调整价格。很多人就说不能调整，因为地铁是必需品，无论价格高低，人们都是会同样坐地铁的，所以不应该调整这个价格。而实际上，地铁公司终于在2014年12月9日，恢复按路段收费。那一天，你猜需求量有没有变化？价格产生了变化，需求量当然会发生变化，这是咱们坚如磐石的需求第一定律预测的，那天北京地铁的乘客数量在不同的时段、不同的路段分别下降了9%、15%、20%之多。所以说一个商品到底是必需品还是奢侈品，跟价格有密切的关系</a:t>
-            </a:r>
-            <a:r>
-              <a:rPr lang="zh-CN" altLang="en-US" sz="2400" dirty="0" smtClean="0"/>
-              <a:t>。</a:t>
-            </a:r>
-            <a:endParaRPr lang="en-US" altLang="zh-CN" sz="2400" dirty="0" smtClean="0"/>
+              <a:rPr lang="zh-CN" altLang="en-US" sz="3200" dirty="0"/>
+              <a:t>再比方说水，水到底是奢侈品还是必需品？一般人会说，水当然是必需品。但是你要看，在水资源特别匮乏的地方，人们使用水的数量，跟水资源非常丰富的地方，人们使用水的数量是完全不一样的。在水资源丰富的地方，人们不仅喝水，他们还洗澡，不仅洗淋浴，他们还泡澡，不仅自己泡澡，还要浇花，还要洗车，还要做喷泉。在水资源不够的地方呢。那他们当然很省了，他们不会浇花，也不会随便洗车，澡也不是随便洗的，他们洗完脸又洗脚，洗完脚又擦鞋，擦完鞋还要拿来冲厕所。</a:t>
+            </a:r>
+            <a:endParaRPr lang="en-US" altLang="zh-CN" sz="3200" dirty="0"/>
+          </a:p>
+          <a:p>
+            <a:r>
+              <a:rPr lang="zh-CN" altLang="en-US" sz="3200" dirty="0"/>
+              <a:t>同样，我们生活在大城市的打工一族，往往都认为今天坐出租车是一种必需品。但实际上，10年前、20年前、30年前出租车肯定是奢侈品，一般人是坐不起出租车的。出租车司机只在宾馆门口趴活，他们接的都是外宾。随着价格的下降，出租车才变成了我们上下班必需的交通工具。</a:t>
+            </a:r>
           </a:p>
         </p:txBody>
       </p:sp>
     </p:spTree>
     <p:extLst>
       <p:ext uri="{BB962C8B-B14F-4D97-AF65-F5344CB8AC3E}">
-        <p14:creationId xmlns:p14="http://schemas.microsoft.com/office/powerpoint/2010/main" val="1934302299"/>
+        <p14:creationId xmlns:p14="http://schemas.microsoft.com/office/powerpoint/2010/main" val="291549113"/>
       </p:ext>
     </p:extLst>
   </p:cSld>
@@ -5287,8 +5097,87 @@
         </p:nvSpPr>
         <p:spPr>
           <a:xfrm>
-            <a:off x="359391" y="256486"/>
-            <a:ext cx="11596048" cy="6494085"/>
+            <a:off x="878246" y="414629"/>
+            <a:ext cx="1729961" cy="923330"/>
+          </a:xfrm>
+          <a:prstGeom prst="rect">
+            <a:avLst/>
+          </a:prstGeom>
+        </p:spPr>
+        <p:txBody>
+          <a:bodyPr wrap="none">
+            <a:spAutoFit/>
+          </a:bodyPr>
+          <a:lstStyle/>
+          <a:p>
+            <a:pPr algn="ctr">
+              <a:lnSpc>
+                <a:spcPct val="90000"/>
+              </a:lnSpc>
+              <a:spcBef>
+                <a:spcPct val="0"/>
+              </a:spcBef>
+            </a:pPr>
+            <a:r>
+              <a:rPr lang="zh-CN" altLang="en-US" sz="6000" b="1" dirty="0" smtClean="0">
+                <a:latin typeface="+mj-lt"/>
+                <a:ea typeface="+mj-ea"/>
+                <a:cs typeface="+mj-cs"/>
+              </a:rPr>
+              <a:t>刚需</a:t>
+            </a:r>
+            <a:endParaRPr lang="zh-CN" altLang="en-US" sz="6000" b="1" dirty="0">
+              <a:latin typeface="+mj-lt"/>
+              <a:ea typeface="+mj-ea"/>
+              <a:cs typeface="+mj-cs"/>
+            </a:endParaRPr>
+          </a:p>
+        </p:txBody>
+      </p:sp>
+      <p:sp>
+        <p:nvSpPr>
+          <p:cNvPr id="3" name="矩形 2"/>
+          <p:cNvSpPr/>
+          <p:nvPr/>
+        </p:nvSpPr>
+        <p:spPr>
+          <a:xfrm>
+            <a:off x="878246" y="1337959"/>
+            <a:ext cx="4455066" cy="369332"/>
+          </a:xfrm>
+          <a:prstGeom prst="rect">
+            <a:avLst/>
+          </a:prstGeom>
+        </p:spPr>
+        <p:txBody>
+          <a:bodyPr wrap="none">
+            <a:spAutoFit/>
+          </a:bodyPr>
+          <a:lstStyle/>
+          <a:p>
+            <a:r>
+              <a:rPr lang="zh-CN" altLang="en-US" dirty="0" smtClean="0">
+                <a:solidFill>
+                  <a:srgbClr val="000000"/>
+                </a:solidFill>
+                <a:latin typeface="宋体" panose="02010600030101010101" pitchFamily="2" charset="-122"/>
+              </a:rPr>
+              <a:t>没有永远的奢侈品，也没有永远的必需品</a:t>
+            </a:r>
+            <a:endParaRPr lang="zh-CN" altLang="en-US" dirty="0"/>
+          </a:p>
+        </p:txBody>
+      </p:sp>
+      <p:sp>
+        <p:nvSpPr>
+          <p:cNvPr id="4" name="矩形 3"/>
+          <p:cNvSpPr/>
+          <p:nvPr/>
+        </p:nvSpPr>
+        <p:spPr>
+          <a:xfrm>
+            <a:off x="878246" y="1885934"/>
+            <a:ext cx="9523864" cy="369332"/>
           </a:xfrm>
           <a:prstGeom prst="rect">
             <a:avLst/>
@@ -5301,30 +5190,182 @@
           <a:lstStyle/>
           <a:p>
             <a:r>
-              <a:rPr lang="zh-CN" altLang="en-US" sz="3200" dirty="0"/>
-              <a:t>再比方说水，水到底是奢侈品还是必需品？一般人会说，水当然是必需品。但是你要看，在水资源特别匮乏的地方，人们使用水的数量，跟水资源非常丰富的地方，人们使用水的数量是完全不一样的。在水资源丰富的地方，人们不仅喝水，他们还洗澡，不仅洗淋浴，他们还泡澡，不仅自己泡澡，还要浇花，还要洗车，还要做喷泉。在水资源不够的地方呢。那他们当然很省了，他们不会浇花，也不会随便洗车，澡也不是随便洗的，他们洗完脸又洗脚，洗完脚又擦鞋，擦完鞋还要拿来冲厕所。</a:t>
-            </a:r>
-            <a:endParaRPr lang="en-US" altLang="zh-CN" sz="3200" dirty="0"/>
-          </a:p>
-          <a:p>
-            <a:r>
-              <a:rPr lang="zh-CN" altLang="en-US" sz="3200" dirty="0"/>
-              <a:t>同样，我们生活在大城市的打工一族，往往都认为今天坐出租车是一种必需品。但实际上，10年前、20年前、30年前出租车肯定是奢侈品，一般人是坐不起出租车的。出租车司机只在宾馆门口趴活，他们接的都是外宾。随着价格的下降，出租车才变成了我们上下班必需的交通工具。</a:t>
-            </a:r>
-            <a:endParaRPr lang="zh-CN" altLang="en-US" sz="3200" dirty="0"/>
+              <a:rPr lang="zh-CN" altLang="en-US" dirty="0">
+                <a:solidFill>
+                  <a:srgbClr val="333333"/>
+                </a:solidFill>
+                <a:latin typeface="Helvetica Neue"/>
+              </a:rPr>
+              <a:t>所谓的刚需是对市场的干涉产生的，政府该做的是保证市场的自由。</a:t>
+            </a:r>
+            <a:endParaRPr lang="zh-CN" altLang="en-US" dirty="0"/>
+          </a:p>
+        </p:txBody>
+      </p:sp>
+      <p:sp>
+        <p:nvSpPr>
+          <p:cNvPr id="5" name="矩形 4"/>
+          <p:cNvSpPr/>
+          <p:nvPr/>
+        </p:nvSpPr>
+        <p:spPr>
+          <a:xfrm>
+            <a:off x="878246" y="2433909"/>
+            <a:ext cx="10056126" cy="646331"/>
+          </a:xfrm>
+          <a:prstGeom prst="rect">
+            <a:avLst/>
+          </a:prstGeom>
+        </p:spPr>
+        <p:txBody>
+          <a:bodyPr wrap="square">
+            <a:spAutoFit/>
+          </a:bodyPr>
+          <a:lstStyle/>
+          <a:p>
+            <a:r>
+              <a:rPr lang="en-US" altLang="zh-CN" dirty="0">
+                <a:solidFill>
+                  <a:srgbClr val="444444"/>
+                </a:solidFill>
+                <a:latin typeface="Tahoma" panose="020B0604030504040204" pitchFamily="34" charset="0"/>
+              </a:rPr>
+              <a:t>《</a:t>
+            </a:r>
+            <a:r>
+              <a:rPr lang="zh-CN" altLang="en-US" dirty="0">
+                <a:solidFill>
+                  <a:srgbClr val="444444"/>
+                </a:solidFill>
+                <a:latin typeface="Tahoma" panose="020B0604030504040204" pitchFamily="34" charset="0"/>
+              </a:rPr>
+              <a:t>富兰克林传</a:t>
+            </a:r>
+            <a:r>
+              <a:rPr lang="en-US" altLang="zh-CN" dirty="0">
+                <a:solidFill>
+                  <a:srgbClr val="444444"/>
+                </a:solidFill>
+                <a:latin typeface="Tahoma" panose="020B0604030504040204" pitchFamily="34" charset="0"/>
+              </a:rPr>
+              <a:t>》</a:t>
+            </a:r>
+            <a:r>
+              <a:rPr lang="zh-CN" altLang="en-US" dirty="0">
+                <a:solidFill>
+                  <a:srgbClr val="444444"/>
+                </a:solidFill>
+                <a:latin typeface="Tahoma" panose="020B0604030504040204" pitchFamily="34" charset="0"/>
+              </a:rPr>
+              <a:t>我们也做了一期节目，在那期节目当中我就讲了两句话：第一句呢？是挣钱很光荣。第二句呢？是合法做生意挣钱。是我知道的在这个世界上生存的最有尊严的方式。</a:t>
+            </a:r>
+            <a:endParaRPr lang="zh-CN" altLang="en-US" dirty="0"/>
+          </a:p>
+        </p:txBody>
+      </p:sp>
+      <p:sp>
+        <p:nvSpPr>
+          <p:cNvPr id="6" name="矩形 5"/>
+          <p:cNvSpPr/>
+          <p:nvPr/>
+        </p:nvSpPr>
+        <p:spPr>
+          <a:xfrm>
+            <a:off x="878246" y="3300923"/>
+            <a:ext cx="10056126" cy="1200329"/>
+          </a:xfrm>
+          <a:prstGeom prst="rect">
+            <a:avLst/>
+          </a:prstGeom>
+        </p:spPr>
+        <p:txBody>
+          <a:bodyPr wrap="square">
+            <a:spAutoFit/>
+          </a:bodyPr>
+          <a:lstStyle/>
+          <a:p>
+            <a:r>
+              <a:rPr lang="zh-CN" altLang="en-US" dirty="0">
+                <a:solidFill>
+                  <a:srgbClr val="444444"/>
+                </a:solidFill>
+                <a:latin typeface="Tahoma" panose="020B0604030504040204" pitchFamily="34" charset="0"/>
+              </a:rPr>
+              <a:t>电影</a:t>
+            </a:r>
+            <a:r>
+              <a:rPr lang="en-US" altLang="zh-CN" dirty="0">
+                <a:solidFill>
+                  <a:srgbClr val="444444"/>
+                </a:solidFill>
+                <a:latin typeface="Tahoma" panose="020B0604030504040204" pitchFamily="34" charset="0"/>
+              </a:rPr>
+              <a:t>《1942》</a:t>
+            </a:r>
+            <a:r>
+              <a:rPr lang="zh-CN" altLang="en-US" dirty="0">
+                <a:solidFill>
+                  <a:srgbClr val="444444"/>
+                </a:solidFill>
+                <a:latin typeface="Tahoma" panose="020B0604030504040204" pitchFamily="34" charset="0"/>
+              </a:rPr>
+              <a:t>描述了上个世纪中国的一场大饥荒。这里面就有一个情节，一个小伙子好不容易找到一小包饼干，马上就跑去找他那个心爱的姑娘，说我要不分你一半，你让我亲热一下。你看，人都奄奄待毙了还琢磨这个，他还在肉体的片刻欢愉和自己活下去之间做比较和权衡。很多人都在讲，说人的生命的安全是这个文明的底线，那这可是刚需。</a:t>
+            </a:r>
+            <a:endParaRPr lang="zh-CN" altLang="en-US" dirty="0"/>
+          </a:p>
+        </p:txBody>
+      </p:sp>
+      <p:sp>
+        <p:nvSpPr>
+          <p:cNvPr id="7" name="矩形 6"/>
+          <p:cNvSpPr/>
+          <p:nvPr/>
+        </p:nvSpPr>
+        <p:spPr>
+          <a:xfrm>
+            <a:off x="878246" y="4537269"/>
+            <a:ext cx="877163" cy="369332"/>
+          </a:xfrm>
+          <a:prstGeom prst="rect">
+            <a:avLst/>
+          </a:prstGeom>
+        </p:spPr>
+        <p:txBody>
+          <a:bodyPr wrap="none">
+            <a:spAutoFit/>
+          </a:bodyPr>
+          <a:lstStyle/>
+          <a:p>
+            <a:r>
+              <a:rPr lang="zh-CN" altLang="en-US" dirty="0">
+                <a:solidFill>
+                  <a:srgbClr val="444444"/>
+                </a:solidFill>
+                <a:latin typeface="Tahoma" panose="020B0604030504040204" pitchFamily="34" charset="0"/>
+              </a:rPr>
+              <a:t>地沟油</a:t>
+            </a:r>
+            <a:endParaRPr lang="zh-CN" altLang="en-US" dirty="0"/>
           </a:p>
         </p:txBody>
       </p:sp>
     </p:spTree>
     <p:extLst>
       <p:ext uri="{BB962C8B-B14F-4D97-AF65-F5344CB8AC3E}">
-        <p14:creationId xmlns:p14="http://schemas.microsoft.com/office/powerpoint/2010/main" val="291549113"/>
+        <p14:creationId xmlns:p14="http://schemas.microsoft.com/office/powerpoint/2010/main" val="2870605886"/>
       </p:ext>
     </p:extLst>
   </p:cSld>
   <p:clrMapOvr>
     <a:masterClrMapping/>
   </p:clrMapOvr>
+  <p:timing>
+    <p:tnLst>
+      <p:par>
+        <p:cTn id="1" dur="indefinite" restart="never" nodeType="tmRoot"/>
+      </p:par>
+    </p:tnLst>
+  </p:timing>
 </p:sld>
 </file>
 
@@ -5347,112 +5388,42 @@
       </p:grpSpPr>
       <p:sp>
         <p:nvSpPr>
-          <p:cNvPr id="2" name="矩形 1"/>
-          <p:cNvSpPr/>
-          <p:nvPr/>
-        </p:nvSpPr>
-        <p:spPr>
-          <a:xfrm>
-            <a:off x="878246" y="414629"/>
-            <a:ext cx="1729961" cy="923330"/>
-          </a:xfrm>
-          <a:prstGeom prst="rect">
-            <a:avLst/>
-          </a:prstGeom>
-        </p:spPr>
-        <p:txBody>
-          <a:bodyPr wrap="none">
-            <a:spAutoFit/>
-          </a:bodyPr>
-          <a:lstStyle/>
-          <a:p>
-            <a:pPr algn="ctr">
-              <a:lnSpc>
-                <a:spcPct val="90000"/>
-              </a:lnSpc>
-              <a:spcBef>
-                <a:spcPct val="0"/>
-              </a:spcBef>
-            </a:pPr>
-            <a:r>
-              <a:rPr lang="zh-CN" altLang="en-US" sz="6000" b="1" dirty="0" smtClean="0">
-                <a:latin typeface="+mj-lt"/>
-                <a:ea typeface="+mj-ea"/>
-                <a:cs typeface="+mj-cs"/>
-              </a:rPr>
-              <a:t>刚需</a:t>
-            </a:r>
-            <a:endParaRPr lang="zh-CN" altLang="en-US" sz="6000" b="1" dirty="0">
-              <a:latin typeface="+mj-lt"/>
-              <a:ea typeface="+mj-ea"/>
-              <a:cs typeface="+mj-cs"/>
-            </a:endParaRPr>
-          </a:p>
-        </p:txBody>
-      </p:sp>
-      <p:sp>
-        <p:nvSpPr>
-          <p:cNvPr id="3" name="矩形 2"/>
-          <p:cNvSpPr/>
-          <p:nvPr/>
-        </p:nvSpPr>
-        <p:spPr>
-          <a:xfrm>
-            <a:off x="878246" y="1337959"/>
-            <a:ext cx="4455066" cy="369332"/>
-          </a:xfrm>
-          <a:prstGeom prst="rect">
-            <a:avLst/>
-          </a:prstGeom>
-        </p:spPr>
-        <p:txBody>
-          <a:bodyPr wrap="none">
-            <a:spAutoFit/>
-          </a:bodyPr>
-          <a:lstStyle/>
-          <a:p>
-            <a:r>
-              <a:rPr lang="zh-CN" altLang="en-US" dirty="0" smtClean="0">
-                <a:solidFill>
-                  <a:srgbClr val="000000"/>
-                </a:solidFill>
-                <a:latin typeface="宋体" panose="02010600030101010101" pitchFamily="2" charset="-122"/>
-              </a:rPr>
-              <a:t>没有永远的奢侈品，也没有永远的必需品</a:t>
-            </a:r>
-            <a:endParaRPr lang="zh-CN" altLang="en-US" dirty="0"/>
-          </a:p>
-        </p:txBody>
-      </p:sp>
-      <p:sp>
-        <p:nvSpPr>
           <p:cNvPr id="4" name="矩形 3"/>
           <p:cNvSpPr/>
           <p:nvPr/>
         </p:nvSpPr>
         <p:spPr>
           <a:xfrm>
-            <a:off x="878246" y="1885934"/>
-            <a:ext cx="9523864" cy="369332"/>
-          </a:xfrm>
-          <a:prstGeom prst="rect">
-            <a:avLst/>
-          </a:prstGeom>
-        </p:spPr>
-        <p:txBody>
-          <a:bodyPr wrap="square">
-            <a:spAutoFit/>
-          </a:bodyPr>
-          <a:lstStyle/>
-          <a:p>
-            <a:r>
-              <a:rPr lang="zh-CN" altLang="en-US" dirty="0">
-                <a:solidFill>
-                  <a:srgbClr val="333333"/>
-                </a:solidFill>
-                <a:latin typeface="Helvetica Neue"/>
-              </a:rPr>
-              <a:t>所谓的刚需是对市场的干涉产生的，政府该做的是保证市场的自由。</a:t>
+            <a:off x="573037" y="446544"/>
+            <a:ext cx="2954655" cy="369332"/>
+          </a:xfrm>
+          <a:prstGeom prst="rect">
+            <a:avLst/>
+          </a:prstGeom>
+        </p:spPr>
+        <p:txBody>
+          <a:bodyPr wrap="none">
+            <a:spAutoFit/>
+          </a:bodyPr>
+          <a:lstStyle/>
+          <a:p>
+            <a:r>
+              <a:rPr lang="en-US" altLang="zh-CN" dirty="0" smtClean="0">
+                <a:solidFill>
+                  <a:srgbClr val="000000"/>
+                </a:solidFill>
+                <a:latin typeface="宋体" panose="02010600030101010101" pitchFamily="2" charset="-122"/>
+              </a:rPr>
+              <a:t>1.</a:t>
+            </a:r>
+            <a:r>
+              <a:rPr lang="zh-CN" altLang="en-US" dirty="0" smtClean="0">
+                <a:solidFill>
+                  <a:srgbClr val="000000"/>
+                </a:solidFill>
+                <a:latin typeface="宋体" panose="02010600030101010101" pitchFamily="2" charset="-122"/>
+              </a:rPr>
+              <a:t>垂直的需求曲线（刚需）</a:t>
             </a:r>
             <a:endParaRPr lang="zh-CN" altLang="en-US" dirty="0"/>
           </a:p>
@@ -5466,8 +5437,8 @@
         </p:nvSpPr>
         <p:spPr>
           <a:xfrm>
-            <a:off x="878246" y="2433909"/>
-            <a:ext cx="10056126" cy="646331"/>
+            <a:off x="9019072" y="1715782"/>
+            <a:ext cx="2308569" cy="2646878"/>
           </a:xfrm>
           <a:prstGeom prst="rect">
             <a:avLst/>
@@ -5480,135 +5451,52 @@
           <a:lstStyle/>
           <a:p>
             <a:r>
-              <a:rPr lang="en-US" altLang="zh-CN" dirty="0">
-                <a:solidFill>
-                  <a:srgbClr val="444444"/>
-                </a:solidFill>
-                <a:latin typeface="Tahoma" panose="020B0604030504040204" pitchFamily="34" charset="0"/>
-              </a:rPr>
-              <a:t>《</a:t>
-            </a:r>
-            <a:r>
-              <a:rPr lang="zh-CN" altLang="en-US" dirty="0">
-                <a:solidFill>
-                  <a:srgbClr val="444444"/>
-                </a:solidFill>
-                <a:latin typeface="Tahoma" panose="020B0604030504040204" pitchFamily="34" charset="0"/>
-              </a:rPr>
-              <a:t>富兰克林传</a:t>
-            </a:r>
-            <a:r>
-              <a:rPr lang="en-US" altLang="zh-CN" dirty="0">
-                <a:solidFill>
-                  <a:srgbClr val="444444"/>
-                </a:solidFill>
-                <a:latin typeface="Tahoma" panose="020B0604030504040204" pitchFamily="34" charset="0"/>
-              </a:rPr>
-              <a:t>》</a:t>
-            </a:r>
-            <a:r>
-              <a:rPr lang="zh-CN" altLang="en-US" dirty="0">
-                <a:solidFill>
-                  <a:srgbClr val="444444"/>
-                </a:solidFill>
-                <a:latin typeface="Tahoma" panose="020B0604030504040204" pitchFamily="34" charset="0"/>
-              </a:rPr>
-              <a:t>我们也做了一期节目，在那期节目当中我就讲了两句话：第一句呢？是挣钱很光荣。第二句呢？是合法做生意挣钱。是我知道的在这个世界上生存的最有尊严的方式。</a:t>
-            </a:r>
-            <a:endParaRPr lang="zh-CN" altLang="en-US" dirty="0"/>
-          </a:p>
-        </p:txBody>
-      </p:sp>
-      <p:sp>
-        <p:nvSpPr>
-          <p:cNvPr id="6" name="矩形 5"/>
-          <p:cNvSpPr/>
-          <p:nvPr/>
-        </p:nvSpPr>
-        <p:spPr>
-          <a:xfrm>
-            <a:off x="878246" y="3300923"/>
-            <a:ext cx="10056126" cy="1200329"/>
-          </a:xfrm>
-          <a:prstGeom prst="rect">
-            <a:avLst/>
-          </a:prstGeom>
-        </p:spPr>
-        <p:txBody>
-          <a:bodyPr wrap="square">
-            <a:spAutoFit/>
-          </a:bodyPr>
-          <a:lstStyle/>
-          <a:p>
-            <a:r>
-              <a:rPr lang="zh-CN" altLang="en-US" dirty="0">
-                <a:solidFill>
-                  <a:srgbClr val="444444"/>
-                </a:solidFill>
-                <a:latin typeface="Tahoma" panose="020B0604030504040204" pitchFamily="34" charset="0"/>
-              </a:rPr>
-              <a:t>电影</a:t>
-            </a:r>
-            <a:r>
-              <a:rPr lang="en-US" altLang="zh-CN" dirty="0">
-                <a:solidFill>
-                  <a:srgbClr val="444444"/>
-                </a:solidFill>
-                <a:latin typeface="Tahoma" panose="020B0604030504040204" pitchFamily="34" charset="0"/>
-              </a:rPr>
-              <a:t>《1942》</a:t>
-            </a:r>
-            <a:r>
-              <a:rPr lang="zh-CN" altLang="en-US" dirty="0">
-                <a:solidFill>
-                  <a:srgbClr val="444444"/>
-                </a:solidFill>
-                <a:latin typeface="Tahoma" panose="020B0604030504040204" pitchFamily="34" charset="0"/>
-              </a:rPr>
-              <a:t>描述了上个世纪中国的一场大饥荒。这里面就有一个情节，一个小伙子好不容易找到一小包饼干，马上就跑去找他那个心爱的姑娘，说我要不分你一半，你让我亲热一下。你看，人都奄奄待毙了还琢磨这个，他还在肉体的片刻欢愉和自己活下去之间做比较和权衡。很多人都在讲，说人的生命的安全是这个文明的底线，那这可是刚需。</a:t>
-            </a:r>
-            <a:endParaRPr lang="zh-CN" altLang="en-US" dirty="0"/>
-          </a:p>
-        </p:txBody>
-      </p:sp>
-      <p:sp>
-        <p:nvSpPr>
-          <p:cNvPr id="7" name="矩形 6"/>
-          <p:cNvSpPr/>
-          <p:nvPr/>
-        </p:nvSpPr>
-        <p:spPr>
-          <a:xfrm>
-            <a:off x="878246" y="4537269"/>
-            <a:ext cx="877163" cy="369332"/>
-          </a:xfrm>
-          <a:prstGeom prst="rect">
-            <a:avLst/>
-          </a:prstGeom>
-        </p:spPr>
-        <p:txBody>
-          <a:bodyPr wrap="none">
-            <a:spAutoFit/>
-          </a:bodyPr>
-          <a:lstStyle/>
-          <a:p>
-            <a:r>
-              <a:rPr lang="zh-CN" altLang="en-US" dirty="0">
-                <a:solidFill>
-                  <a:srgbClr val="444444"/>
-                </a:solidFill>
-                <a:latin typeface="Tahoma" panose="020B0604030504040204" pitchFamily="34" charset="0"/>
-              </a:rPr>
-              <a:t>地沟油</a:t>
-            </a:r>
-            <a:endParaRPr lang="zh-CN" altLang="en-US" dirty="0"/>
-          </a:p>
-        </p:txBody>
-      </p:sp>
+              <a:rPr lang="zh-CN" altLang="en-US" sz="16600" dirty="0" smtClean="0">
+                <a:solidFill>
+                  <a:srgbClr val="000000"/>
+                </a:solidFill>
+                <a:latin typeface="宋体" panose="02010600030101010101" pitchFamily="2" charset="-122"/>
+              </a:rPr>
+              <a:t>盐</a:t>
+            </a:r>
+            <a:endParaRPr lang="zh-CN" altLang="en-US" sz="16600" dirty="0"/>
+          </a:p>
+        </p:txBody>
+      </p:sp>
+      <p:pic>
+        <p:nvPicPr>
+          <p:cNvPr id="2" name="图片 1"/>
+          <p:cNvPicPr>
+            <a:picLocks noChangeAspect="1"/>
+          </p:cNvPicPr>
+          <p:nvPr/>
+        </p:nvPicPr>
+        <p:blipFill>
+          <a:blip r:embed="rId2">
+            <a:extLst>
+              <a:ext uri="{28A0092B-C50C-407E-A947-70E740481C1C}">
+                <a14:useLocalDpi xmlns:a14="http://schemas.microsoft.com/office/drawing/2010/main" val="0"/>
+              </a:ext>
+            </a:extLst>
+          </a:blip>
+          <a:stretch>
+            <a:fillRect/>
+          </a:stretch>
+        </p:blipFill>
+        <p:spPr>
+          <a:xfrm>
+            <a:off x="1779611" y="917029"/>
+            <a:ext cx="6667500" cy="4505325"/>
+          </a:xfrm>
+          <a:prstGeom prst="rect">
+            <a:avLst/>
+          </a:prstGeom>
+        </p:spPr>
+      </p:pic>
     </p:spTree>
     <p:extLst>
       <p:ext uri="{BB962C8B-B14F-4D97-AF65-F5344CB8AC3E}">
-        <p14:creationId xmlns:p14="http://schemas.microsoft.com/office/powerpoint/2010/main" val="2870605886"/>
+        <p14:creationId xmlns:p14="http://schemas.microsoft.com/office/powerpoint/2010/main" val="2613436828"/>
       </p:ext>
     </p:extLst>
   </p:cSld>
@@ -5651,7 +5539,7 @@
         <p:spPr>
           <a:xfrm>
             <a:off x="573037" y="446544"/>
-            <a:ext cx="2954655" cy="369332"/>
+            <a:ext cx="2262158" cy="369332"/>
           </a:xfrm>
           <a:prstGeom prst="rect">
             <a:avLst/>
@@ -5670,7 +5558,7 @@
                 </a:solidFill>
                 <a:latin typeface="宋体" panose="02010600030101010101" pitchFamily="2" charset="-122"/>
               </a:rPr>
-              <a:t>1.</a:t>
+              <a:t>2.</a:t>
             </a:r>
             <a:r>
               <a:rPr lang="zh-CN" altLang="en-US" dirty="0" smtClean="0">
@@ -5679,7 +5567,7 @@
                 </a:solidFill>
                 <a:latin typeface="宋体" panose="02010600030101010101" pitchFamily="2" charset="-122"/>
               </a:rPr>
-              <a:t>垂直的需求曲线（刚需）</a:t>
+              <a:t>人会寻找替代方案</a:t>
             </a:r>
             <a:endParaRPr lang="zh-CN" altLang="en-US" dirty="0"/>
           </a:p>
@@ -5687,14 +5575,14 @@
       </p:sp>
       <p:sp>
         <p:nvSpPr>
-          <p:cNvPr id="5" name="矩形 4"/>
+          <p:cNvPr id="6" name="矩形 5"/>
           <p:cNvSpPr/>
           <p:nvPr/>
         </p:nvSpPr>
         <p:spPr>
           <a:xfrm>
-            <a:off x="9019072" y="1715782"/>
-            <a:ext cx="2308569" cy="2646878"/>
+            <a:off x="711919" y="1047888"/>
+            <a:ext cx="6139257" cy="830997"/>
           </a:xfrm>
           <a:prstGeom prst="rect">
             <a:avLst/>
@@ -5707,52 +5595,183 @@
           <a:lstStyle/>
           <a:p>
             <a:r>
-              <a:rPr lang="zh-CN" altLang="en-US" sz="16600" dirty="0" smtClean="0">
+              <a:rPr lang="zh-CN" altLang="en-US" sz="4800" dirty="0" smtClean="0">
                 <a:solidFill>
                   <a:srgbClr val="000000"/>
                 </a:solidFill>
                 <a:latin typeface="宋体" panose="02010600030101010101" pitchFamily="2" charset="-122"/>
               </a:rPr>
-              <a:t>盐</a:t>
-            </a:r>
-            <a:endParaRPr lang="zh-CN" altLang="en-US" sz="16600" dirty="0"/>
-          </a:p>
-        </p:txBody>
-      </p:sp>
-      <p:pic>
-        <p:nvPicPr>
-          <p:cNvPr id="2" name="图片 1"/>
-          <p:cNvPicPr>
-            <a:picLocks noChangeAspect="1"/>
-          </p:cNvPicPr>
-          <p:nvPr/>
-        </p:nvPicPr>
-        <p:blipFill>
-          <a:blip r:embed="rId2">
-            <a:extLst>
-              <a:ext uri="{28A0092B-C50C-407E-A947-70E740481C1C}">
-                <a14:useLocalDpi xmlns:a14="http://schemas.microsoft.com/office/drawing/2010/main" val="0"/>
-              </a:ext>
-            </a:extLst>
-          </a:blip>
-          <a:stretch>
-            <a:fillRect/>
-          </a:stretch>
-        </p:blipFill>
-        <p:spPr>
-          <a:xfrm>
-            <a:off x="1779611" y="917029"/>
-            <a:ext cx="6667500" cy="4505325"/>
-          </a:xfrm>
-          <a:prstGeom prst="rect">
-            <a:avLst/>
-          </a:prstGeom>
-        </p:spPr>
-      </p:pic>
+              <a:t>盐 </a:t>
+            </a:r>
+            <a:r>
+              <a:rPr lang="en-US" altLang="zh-CN" sz="4800" dirty="0" smtClean="0">
+                <a:solidFill>
+                  <a:srgbClr val="000000"/>
+                </a:solidFill>
+                <a:latin typeface="宋体" panose="02010600030101010101" pitchFamily="2" charset="-122"/>
+              </a:rPr>
+              <a:t>=》</a:t>
+            </a:r>
+            <a:r>
+              <a:rPr lang="zh-CN" altLang="en-US" sz="4800" dirty="0" smtClean="0">
+                <a:solidFill>
+                  <a:srgbClr val="000000"/>
+                </a:solidFill>
+                <a:latin typeface="宋体" panose="02010600030101010101" pitchFamily="2" charset="-122"/>
+              </a:rPr>
+              <a:t>死亡</a:t>
+            </a:r>
+            <a:endParaRPr lang="zh-CN" altLang="en-US" sz="4800" dirty="0"/>
+          </a:p>
+        </p:txBody>
+      </p:sp>
+      <p:sp>
+        <p:nvSpPr>
+          <p:cNvPr id="7" name="矩形 6"/>
+          <p:cNvSpPr/>
+          <p:nvPr/>
+        </p:nvSpPr>
+        <p:spPr>
+          <a:xfrm>
+            <a:off x="711918" y="2155884"/>
+            <a:ext cx="10097109" cy="830997"/>
+          </a:xfrm>
+          <a:prstGeom prst="rect">
+            <a:avLst/>
+          </a:prstGeom>
+        </p:spPr>
+        <p:txBody>
+          <a:bodyPr wrap="square">
+            <a:spAutoFit/>
+          </a:bodyPr>
+          <a:lstStyle/>
+          <a:p>
+            <a:r>
+              <a:rPr lang="zh-CN" altLang="en-US" sz="4800" dirty="0">
+                <a:solidFill>
+                  <a:srgbClr val="000000"/>
+                </a:solidFill>
+                <a:latin typeface="宋体" panose="02010600030101010101" pitchFamily="2" charset="-122"/>
+              </a:rPr>
+              <a:t>得病</a:t>
+            </a:r>
+            <a:r>
+              <a:rPr lang="zh-CN" altLang="en-US" sz="4800" dirty="0" smtClean="0">
+                <a:solidFill>
+                  <a:srgbClr val="000000"/>
+                </a:solidFill>
+                <a:latin typeface="宋体" panose="02010600030101010101" pitchFamily="2" charset="-122"/>
+              </a:rPr>
+              <a:t> </a:t>
+            </a:r>
+            <a:r>
+              <a:rPr lang="en-US" altLang="zh-CN" sz="4800" dirty="0" smtClean="0">
+                <a:solidFill>
+                  <a:srgbClr val="000000"/>
+                </a:solidFill>
+                <a:latin typeface="宋体" panose="02010600030101010101" pitchFamily="2" charset="-122"/>
+              </a:rPr>
+              <a:t>=》1000</a:t>
+            </a:r>
+            <a:r>
+              <a:rPr lang="zh-CN" altLang="en-US" sz="4800" dirty="0" smtClean="0">
+                <a:solidFill>
+                  <a:srgbClr val="000000"/>
+                </a:solidFill>
+                <a:latin typeface="宋体" panose="02010600030101010101" pitchFamily="2" charset="-122"/>
+              </a:rPr>
+              <a:t>，</a:t>
+            </a:r>
+            <a:r>
+              <a:rPr lang="en-US" altLang="zh-CN" sz="4800" dirty="0" smtClean="0">
+                <a:solidFill>
+                  <a:srgbClr val="000000"/>
+                </a:solidFill>
+                <a:latin typeface="宋体" panose="02010600030101010101" pitchFamily="2" charset="-122"/>
+              </a:rPr>
+              <a:t>1</a:t>
+            </a:r>
+            <a:r>
+              <a:rPr lang="zh-CN" altLang="en-US" sz="4800" dirty="0" smtClean="0">
+                <a:solidFill>
+                  <a:srgbClr val="000000"/>
+                </a:solidFill>
+                <a:latin typeface="宋体" panose="02010600030101010101" pitchFamily="2" charset="-122"/>
+              </a:rPr>
+              <a:t>万，</a:t>
+            </a:r>
+            <a:r>
+              <a:rPr lang="en-US" altLang="zh-CN" sz="4800" dirty="0" smtClean="0">
+                <a:solidFill>
+                  <a:srgbClr val="000000"/>
+                </a:solidFill>
+                <a:latin typeface="宋体" panose="02010600030101010101" pitchFamily="2" charset="-122"/>
+              </a:rPr>
+              <a:t>10</a:t>
+            </a:r>
+            <a:r>
+              <a:rPr lang="zh-CN" altLang="en-US" sz="4800" dirty="0" smtClean="0">
+                <a:solidFill>
+                  <a:srgbClr val="000000"/>
+                </a:solidFill>
+                <a:latin typeface="宋体" panose="02010600030101010101" pitchFamily="2" charset="-122"/>
+              </a:rPr>
+              <a:t>万，</a:t>
+            </a:r>
+            <a:r>
+              <a:rPr lang="en-US" altLang="zh-CN" sz="4800" dirty="0" smtClean="0">
+                <a:solidFill>
+                  <a:srgbClr val="000000"/>
+                </a:solidFill>
+                <a:latin typeface="宋体" panose="02010600030101010101" pitchFamily="2" charset="-122"/>
+              </a:rPr>
+              <a:t>100</a:t>
+            </a:r>
+            <a:r>
+              <a:rPr lang="zh-CN" altLang="en-US" sz="4800" dirty="0" smtClean="0">
+                <a:solidFill>
+                  <a:srgbClr val="000000"/>
+                </a:solidFill>
+                <a:latin typeface="宋体" panose="02010600030101010101" pitchFamily="2" charset="-122"/>
+              </a:rPr>
+              <a:t>万</a:t>
+            </a:r>
+            <a:endParaRPr lang="zh-CN" altLang="en-US" sz="4800" dirty="0"/>
+          </a:p>
+        </p:txBody>
+      </p:sp>
+      <p:sp>
+        <p:nvSpPr>
+          <p:cNvPr id="3" name="矩形 2"/>
+          <p:cNvSpPr/>
+          <p:nvPr/>
+        </p:nvSpPr>
+        <p:spPr>
+          <a:xfrm>
+            <a:off x="755175" y="3218893"/>
+            <a:ext cx="10504227" cy="954107"/>
+          </a:xfrm>
+          <a:prstGeom prst="rect">
+            <a:avLst/>
+          </a:prstGeom>
+        </p:spPr>
+        <p:txBody>
+          <a:bodyPr wrap="square">
+            <a:spAutoFit/>
+          </a:bodyPr>
+          <a:lstStyle/>
+          <a:p>
+            <a:r>
+              <a:rPr lang="zh-CN" altLang="en-US" sz="2800" dirty="0"/>
+              <a:t>人性的特点，就在于它能够寻找替代方案。而且随着时间的变化，时间越长，它能找到的替代方案就越多。</a:t>
+            </a:r>
+          </a:p>
+        </p:txBody>
+      </p:sp>
     </p:spTree>
     <p:extLst>
       <p:ext uri="{BB962C8B-B14F-4D97-AF65-F5344CB8AC3E}">
-        <p14:creationId xmlns:p14="http://schemas.microsoft.com/office/powerpoint/2010/main" val="2613436828"/>
+        <p14:creationId xmlns:p14="http://schemas.microsoft.com/office/powerpoint/2010/main" val="2730626498"/>
       </p:ext>
     </p:extLst>
   </p:cSld>
@@ -5788,57 +5807,14 @@
       </p:grpSpPr>
       <p:sp>
         <p:nvSpPr>
-          <p:cNvPr id="4" name="矩形 3"/>
+          <p:cNvPr id="8" name="矩形 7"/>
           <p:cNvSpPr/>
           <p:nvPr/>
         </p:nvSpPr>
         <p:spPr>
           <a:xfrm>
-            <a:off x="573037" y="446544"/>
-            <a:ext cx="2262158" cy="369332"/>
-          </a:xfrm>
-          <a:prstGeom prst="rect">
-            <a:avLst/>
-          </a:prstGeom>
-        </p:spPr>
-        <p:txBody>
-          <a:bodyPr wrap="none">
-            <a:spAutoFit/>
-          </a:bodyPr>
-          <a:lstStyle/>
-          <a:p>
-            <a:r>
-              <a:rPr lang="en-US" altLang="zh-CN" dirty="0" smtClean="0">
-                <a:solidFill>
-                  <a:srgbClr val="000000"/>
-                </a:solidFill>
-                <a:latin typeface="宋体" panose="02010600030101010101" pitchFamily="2" charset="-122"/>
-              </a:rPr>
-              <a:t>2.</a:t>
-            </a:r>
-            <a:r>
-              <a:rPr lang="zh-CN" altLang="en-US" dirty="0" smtClean="0">
-                <a:solidFill>
-                  <a:srgbClr val="000000"/>
-                </a:solidFill>
-                <a:latin typeface="宋体" panose="02010600030101010101" pitchFamily="2" charset="-122"/>
-              </a:rPr>
-              <a:t>人会寻找替代方案</a:t>
-            </a:r>
-            <a:endParaRPr lang="zh-CN" altLang="en-US" dirty="0"/>
-          </a:p>
-        </p:txBody>
-      </p:sp>
-      <p:sp>
-        <p:nvSpPr>
-          <p:cNvPr id="6" name="矩形 5"/>
-          <p:cNvSpPr/>
-          <p:nvPr/>
-        </p:nvSpPr>
-        <p:spPr>
-          <a:xfrm>
-            <a:off x="711919" y="1047888"/>
-            <a:ext cx="6139257" cy="830997"/>
+            <a:off x="427628" y="242444"/>
+            <a:ext cx="10504227" cy="523220"/>
           </a:xfrm>
           <a:prstGeom prst="rect">
             <a:avLst/>
@@ -5851,183 +5827,585 @@
           <a:lstStyle/>
           <a:p>
             <a:r>
-              <a:rPr lang="zh-CN" altLang="en-US" sz="4800" dirty="0" smtClean="0">
-                <a:solidFill>
-                  <a:srgbClr val="000000"/>
-                </a:solidFill>
-                <a:latin typeface="宋体" panose="02010600030101010101" pitchFamily="2" charset="-122"/>
-              </a:rPr>
-              <a:t>盐 </a:t>
-            </a:r>
-            <a:r>
-              <a:rPr lang="en-US" altLang="zh-CN" sz="4800" dirty="0" smtClean="0">
-                <a:solidFill>
-                  <a:srgbClr val="000000"/>
-                </a:solidFill>
-                <a:latin typeface="宋体" panose="02010600030101010101" pitchFamily="2" charset="-122"/>
-              </a:rPr>
-              <a:t>=》</a:t>
-            </a:r>
-            <a:r>
-              <a:rPr lang="zh-CN" altLang="en-US" sz="4800" dirty="0" smtClean="0">
-                <a:solidFill>
-                  <a:srgbClr val="000000"/>
-                </a:solidFill>
-                <a:latin typeface="宋体" panose="02010600030101010101" pitchFamily="2" charset="-122"/>
-              </a:rPr>
-              <a:t>死亡</a:t>
-            </a:r>
-            <a:endParaRPr lang="zh-CN" altLang="en-US" sz="4800" dirty="0"/>
-          </a:p>
-        </p:txBody>
-      </p:sp>
-      <p:sp>
-        <p:nvSpPr>
-          <p:cNvPr id="7" name="矩形 6"/>
-          <p:cNvSpPr/>
-          <p:nvPr/>
-        </p:nvSpPr>
-        <p:spPr>
-          <a:xfrm>
-            <a:off x="711918" y="2155884"/>
-            <a:ext cx="10097109" cy="830997"/>
-          </a:xfrm>
-          <a:prstGeom prst="rect">
-            <a:avLst/>
-          </a:prstGeom>
-        </p:spPr>
-        <p:txBody>
-          <a:bodyPr wrap="square">
-            <a:spAutoFit/>
-          </a:bodyPr>
-          <a:lstStyle/>
-          <a:p>
-            <a:r>
-              <a:rPr lang="zh-CN" altLang="en-US" sz="4800" dirty="0">
-                <a:solidFill>
-                  <a:srgbClr val="000000"/>
-                </a:solidFill>
-                <a:latin typeface="宋体" panose="02010600030101010101" pitchFamily="2" charset="-122"/>
-              </a:rPr>
-              <a:t>得病</a:t>
-            </a:r>
-            <a:r>
-              <a:rPr lang="zh-CN" altLang="en-US" sz="4800" dirty="0" smtClean="0">
-                <a:solidFill>
-                  <a:srgbClr val="000000"/>
-                </a:solidFill>
-                <a:latin typeface="宋体" panose="02010600030101010101" pitchFamily="2" charset="-122"/>
+              <a:rPr lang="zh-CN" altLang="en-US" sz="2800" dirty="0" smtClean="0"/>
+              <a:t>一瓶水洗澡</a:t>
+            </a:r>
+            <a:endParaRPr lang="zh-CN" altLang="en-US" sz="2800" dirty="0"/>
+          </a:p>
+        </p:txBody>
+      </p:sp>
+      <p:sp>
+        <p:nvSpPr>
+          <p:cNvPr id="5" name="Rectangle 2"/>
+          <p:cNvSpPr>
+            <a:spLocks noChangeArrowheads="1"/>
+          </p:cNvSpPr>
+          <p:nvPr/>
+        </p:nvSpPr>
+        <p:spPr bwMode="auto">
+          <a:xfrm>
+            <a:off x="427628" y="765664"/>
+            <a:ext cx="11600596" cy="5411681"/>
+          </a:xfrm>
+          <a:prstGeom prst="rect">
+            <a:avLst/>
+          </a:prstGeom>
+          <a:solidFill>
+            <a:srgbClr val="FFFFFF"/>
+          </a:solidFill>
+          <a:ln>
+            <a:noFill/>
+          </a:ln>
+          <a:effectLst/>
+          <a:extLst>
+            <a:ext uri="{91240B29-F687-4F45-9708-019B960494DF}">
+              <a14:hiddenLine xmlns:a14="http://schemas.microsoft.com/office/drawing/2010/main" w="9525">
+                <a:solidFill>
+                  <a:schemeClr val="tx1"/>
+                </a:solidFill>
+                <a:miter lim="800000"/>
+                <a:headEnd/>
+                <a:tailEnd/>
+              </a14:hiddenLine>
+            </a:ext>
+            <a:ext uri="{AF507438-7753-43E0-B8FC-AC1667EBCBE1}">
+              <a14:hiddenEffects xmlns:a14="http://schemas.microsoft.com/office/drawing/2010/main">
+                <a:effectLst>
+                  <a:outerShdw dist="35921" dir="2700000" algn="ctr" rotWithShape="0">
+                    <a:schemeClr val="bg2"/>
+                  </a:outerShdw>
+                </a:effectLst>
+              </a14:hiddenEffects>
+            </a:ext>
+          </a:extLst>
+        </p:spPr>
+        <p:txBody>
+          <a:bodyPr vert="horz" wrap="square" lIns="0" tIns="88872" rIns="0" bIns="88872" numCol="1" anchor="ctr" anchorCtr="0" compatLnSpc="1">
+            <a:prstTxWarp prst="textNoShape">
+              <a:avLst/>
+            </a:prstTxWarp>
+            <a:spAutoFit/>
+          </a:bodyPr>
+          <a:lstStyle/>
+          <a:p>
+            <a:pPr marL="0" marR="0" lvl="0" indent="0" algn="l" defTabSz="914400" rtl="0" eaLnBrk="0" fontAlgn="base" latinLnBrk="0" hangingPunct="0">
+              <a:lnSpc>
+                <a:spcPct val="100000"/>
+              </a:lnSpc>
+              <a:spcBef>
+                <a:spcPct val="0"/>
+              </a:spcBef>
+              <a:spcAft>
+                <a:spcPct val="0"/>
+              </a:spcAft>
+              <a:buClrTx/>
+              <a:buSzTx/>
+              <a:buFontTx/>
+              <a:buNone/>
+              <a:tabLst/>
+            </a:pPr>
+            <a:r>
+              <a:rPr kumimoji="0" lang="zh-CN" altLang="zh-CN" sz="2000" b="0" i="0" u="none" strike="noStrike" cap="none" normalizeH="0" baseline="0" dirty="0" smtClean="0">
+                <a:ln>
+                  <a:noFill/>
+                </a:ln>
+                <a:solidFill>
+                  <a:srgbClr val="333333"/>
+                </a:solidFill>
+                <a:effectLst/>
+                <a:latin typeface="Arial Unicode MS" panose="020B0604020202020204" pitchFamily="34" charset="-122"/>
+                <a:ea typeface="PingFang SC"/>
+              </a:rPr>
+              <a:t>道具：毛巾、肥皂、干净内裤（根据情况是否带上）、一瓶矿泉水（550ml，牌子不限）。 </a:t>
+            </a:r>
+            <a:endParaRPr kumimoji="0" lang="en-US" altLang="zh-CN" sz="2000" b="0" i="0" u="none" strike="noStrike" cap="none" normalizeH="0" baseline="0" dirty="0" smtClean="0">
+              <a:ln>
+                <a:noFill/>
+              </a:ln>
+              <a:solidFill>
+                <a:srgbClr val="333333"/>
+              </a:solidFill>
+              <a:effectLst/>
+              <a:latin typeface="Arial Unicode MS" panose="020B0604020202020204" pitchFamily="34" charset="-122"/>
+              <a:ea typeface="PingFang SC"/>
+            </a:endParaRPr>
+          </a:p>
+          <a:p>
+            <a:pPr marL="0" marR="0" lvl="0" indent="0" algn="l" defTabSz="914400" rtl="0" eaLnBrk="0" fontAlgn="base" latinLnBrk="0" hangingPunct="0">
+              <a:lnSpc>
+                <a:spcPct val="100000"/>
+              </a:lnSpc>
+              <a:spcBef>
+                <a:spcPct val="0"/>
+              </a:spcBef>
+              <a:spcAft>
+                <a:spcPct val="0"/>
+              </a:spcAft>
+              <a:buClrTx/>
+              <a:buSzTx/>
+              <a:buFontTx/>
+              <a:buNone/>
+              <a:tabLst/>
+            </a:pPr>
+            <a:r>
+              <a:rPr kumimoji="0" lang="zh-CN" altLang="zh-CN" sz="2000" b="0" i="0" u="none" strike="noStrike" cap="none" normalizeH="0" baseline="0" dirty="0" smtClean="0">
+                <a:ln>
+                  <a:noFill/>
+                </a:ln>
+                <a:solidFill>
+                  <a:srgbClr val="333333"/>
+                </a:solidFill>
+                <a:effectLst/>
+                <a:latin typeface="Arial Unicode MS" panose="020B0604020202020204" pitchFamily="34" charset="-122"/>
+                <a:ea typeface="PingFang SC"/>
+              </a:rPr>
+              <a:t>1.倒上一手掌窝的水（大概40ml，千万不能漏一滴），轻拍脸上和胸前，再摊平手掌慢慢地以打圈的方式涂抹，目的是充分湿润身体。</a:t>
+            </a:r>
+            <a:endParaRPr kumimoji="0" lang="en-US" altLang="zh-CN" sz="2000" b="0" i="0" u="none" strike="noStrike" cap="none" normalizeH="0" baseline="0" dirty="0" smtClean="0">
+              <a:ln>
+                <a:noFill/>
+              </a:ln>
+              <a:solidFill>
+                <a:srgbClr val="333333"/>
+              </a:solidFill>
+              <a:effectLst/>
+              <a:latin typeface="Arial Unicode MS" panose="020B0604020202020204" pitchFamily="34" charset="-122"/>
+              <a:ea typeface="PingFang SC"/>
+            </a:endParaRPr>
+          </a:p>
+          <a:p>
+            <a:pPr marL="0" marR="0" lvl="0" indent="0" algn="l" defTabSz="914400" rtl="0" eaLnBrk="0" fontAlgn="base" latinLnBrk="0" hangingPunct="0">
+              <a:lnSpc>
+                <a:spcPct val="100000"/>
+              </a:lnSpc>
+              <a:spcBef>
+                <a:spcPct val="0"/>
+              </a:spcBef>
+              <a:spcAft>
+                <a:spcPct val="0"/>
+              </a:spcAft>
+              <a:buClrTx/>
+              <a:buSzTx/>
+              <a:buFontTx/>
+              <a:buNone/>
+              <a:tabLst/>
+            </a:pPr>
+            <a:r>
+              <a:rPr kumimoji="0" lang="zh-CN" altLang="zh-CN" sz="2000" b="0" i="0" u="none" strike="noStrike" cap="none" normalizeH="0" baseline="0" dirty="0" smtClean="0">
+                <a:ln>
+                  <a:noFill/>
+                </a:ln>
+                <a:solidFill>
+                  <a:srgbClr val="333333"/>
+                </a:solidFill>
+                <a:effectLst/>
+                <a:latin typeface="Arial Unicode MS" panose="020B0604020202020204" pitchFamily="34" charset="-122"/>
+                <a:ea typeface="PingFang SC"/>
+              </a:rPr>
+              <a:t> 2.上一步完成后，你会发现手掌上剩下一层和墨水差不多的黑水，这时，千万不能用矿泉水洗掉，要马上握起肥皂，搓上几圈，再把手上搓到的半干湿的一层肥皂涂在脸上和头发上。</a:t>
+            </a:r>
+            <a:endParaRPr kumimoji="0" lang="en-US" altLang="zh-CN" sz="2000" b="0" i="0" u="none" strike="noStrike" cap="none" normalizeH="0" baseline="0" dirty="0" smtClean="0">
+              <a:ln>
+                <a:noFill/>
+              </a:ln>
+              <a:solidFill>
+                <a:srgbClr val="333333"/>
+              </a:solidFill>
+              <a:effectLst/>
+              <a:latin typeface="Arial Unicode MS" panose="020B0604020202020204" pitchFamily="34" charset="-122"/>
+              <a:ea typeface="PingFang SC"/>
+            </a:endParaRPr>
+          </a:p>
+          <a:p>
+            <a:pPr marL="0" marR="0" lvl="0" indent="0" algn="l" defTabSz="914400" rtl="0" eaLnBrk="0" fontAlgn="base" latinLnBrk="0" hangingPunct="0">
+              <a:lnSpc>
+                <a:spcPct val="100000"/>
+              </a:lnSpc>
+              <a:spcBef>
+                <a:spcPct val="0"/>
+              </a:spcBef>
+              <a:spcAft>
+                <a:spcPct val="0"/>
+              </a:spcAft>
+              <a:buClrTx/>
+              <a:buSzTx/>
+              <a:buFontTx/>
+              <a:buNone/>
+              <a:tabLst/>
+            </a:pPr>
+            <a:r>
+              <a:rPr kumimoji="0" lang="zh-CN" altLang="zh-CN" sz="2000" b="0" i="0" u="none" strike="noStrike" cap="none" normalizeH="0" baseline="0" dirty="0" smtClean="0">
+                <a:ln>
+                  <a:noFill/>
+                </a:ln>
+                <a:solidFill>
+                  <a:srgbClr val="333333"/>
+                </a:solidFill>
+                <a:effectLst/>
+                <a:latin typeface="Arial Unicode MS" panose="020B0604020202020204" pitchFamily="34" charset="-122"/>
+                <a:ea typeface="PingFang SC"/>
+              </a:rPr>
+              <a:t>这里要说明一下，你的头发平均长度要短于2.5cm。</a:t>
+            </a:r>
+            <a:endParaRPr kumimoji="0" lang="en-US" altLang="zh-CN" sz="2000" b="0" i="0" u="none" strike="noStrike" cap="none" normalizeH="0" baseline="0" dirty="0" smtClean="0">
+              <a:ln>
+                <a:noFill/>
+              </a:ln>
+              <a:solidFill>
+                <a:srgbClr val="333333"/>
+              </a:solidFill>
+              <a:effectLst/>
+              <a:latin typeface="Arial Unicode MS" panose="020B0604020202020204" pitchFamily="34" charset="-122"/>
+              <a:ea typeface="PingFang SC"/>
+            </a:endParaRPr>
+          </a:p>
+          <a:p>
+            <a:pPr marL="0" marR="0" lvl="0" indent="0" algn="l" defTabSz="914400" rtl="0" eaLnBrk="0" fontAlgn="base" latinLnBrk="0" hangingPunct="0">
+              <a:lnSpc>
+                <a:spcPct val="100000"/>
+              </a:lnSpc>
+              <a:spcBef>
+                <a:spcPct val="0"/>
+              </a:spcBef>
+              <a:spcAft>
+                <a:spcPct val="0"/>
+              </a:spcAft>
+              <a:buClrTx/>
+              <a:buSzTx/>
+              <a:buFontTx/>
+              <a:buNone/>
+              <a:tabLst/>
+            </a:pPr>
+            <a:r>
+              <a:rPr kumimoji="0" lang="zh-CN" altLang="zh-CN" sz="2000" b="0" i="0" u="none" strike="noStrike" cap="none" normalizeH="0" baseline="0" dirty="0" smtClean="0">
+                <a:ln>
+                  <a:noFill/>
+                </a:ln>
+                <a:solidFill>
+                  <a:srgbClr val="333333"/>
+                </a:solidFill>
+                <a:effectLst/>
+                <a:latin typeface="Arial Unicode MS" panose="020B0604020202020204" pitchFamily="34" charset="-122"/>
+                <a:ea typeface="PingFang SC"/>
+              </a:rPr>
+              <a:t> 3.当你感到有一滴又咸又苦的水流到嘴角的时候，请马上拿起矿泉水倒70ml在头顶，然后揉，水流到哪，就揉到哪。这时要抓紧时机往胸部打肥皂，早了晚了，都会因为水量不够而得不到充分混合。 </a:t>
+            </a:r>
+            <a:endParaRPr kumimoji="0" lang="en-US" altLang="zh-CN" sz="2000" b="0" i="0" u="none" strike="noStrike" cap="none" normalizeH="0" baseline="0" dirty="0" smtClean="0">
+              <a:ln>
+                <a:noFill/>
+              </a:ln>
+              <a:solidFill>
+                <a:srgbClr val="333333"/>
+              </a:solidFill>
+              <a:effectLst/>
+              <a:latin typeface="Arial Unicode MS" panose="020B0604020202020204" pitchFamily="34" charset="-122"/>
+              <a:ea typeface="PingFang SC"/>
+            </a:endParaRPr>
+          </a:p>
+          <a:p>
+            <a:pPr marL="0" marR="0" lvl="0" indent="0" algn="l" defTabSz="914400" rtl="0" eaLnBrk="0" fontAlgn="base" latinLnBrk="0" hangingPunct="0">
+              <a:lnSpc>
+                <a:spcPct val="100000"/>
+              </a:lnSpc>
+              <a:spcBef>
+                <a:spcPct val="0"/>
+              </a:spcBef>
+              <a:spcAft>
+                <a:spcPct val="0"/>
+              </a:spcAft>
+              <a:buClrTx/>
+              <a:buSzTx/>
+              <a:buFontTx/>
+              <a:buNone/>
+              <a:tabLst/>
+            </a:pPr>
+            <a:r>
+              <a:rPr kumimoji="0" lang="zh-CN" altLang="zh-CN" sz="2000" b="0" i="0" u="none" strike="noStrike" cap="none" normalizeH="0" baseline="0" dirty="0" smtClean="0">
+                <a:ln>
+                  <a:noFill/>
+                </a:ln>
+                <a:solidFill>
+                  <a:srgbClr val="333333"/>
+                </a:solidFill>
+                <a:effectLst/>
+                <a:latin typeface="Arial Unicode MS" panose="020B0604020202020204" pitchFamily="34" charset="-122"/>
+                <a:ea typeface="PingFang SC"/>
+              </a:rPr>
+              <a:t>4.这个步骤完成后，一层薄薄的肥皂就会均匀分布在你腰以上的地方了。接下来再往头顶倒70ml，重复上次的工作。有了上次的工作的基础，这次的水会流到腰部，不用打肥皂，用上面留下来的搓洗腰部。</a:t>
+            </a:r>
+            <a:endParaRPr kumimoji="0" lang="en-US" altLang="zh-CN" sz="2000" b="0" i="0" u="none" strike="noStrike" cap="none" normalizeH="0" baseline="0" dirty="0" smtClean="0">
+              <a:ln>
+                <a:noFill/>
+              </a:ln>
+              <a:solidFill>
+                <a:srgbClr val="333333"/>
+              </a:solidFill>
+              <a:effectLst/>
+              <a:latin typeface="Arial Unicode MS" panose="020B0604020202020204" pitchFamily="34" charset="-122"/>
+              <a:ea typeface="PingFang SC"/>
+            </a:endParaRPr>
+          </a:p>
+          <a:p>
+            <a:pPr marL="0" marR="0" lvl="0" indent="0" algn="l" defTabSz="914400" rtl="0" eaLnBrk="0" fontAlgn="base" latinLnBrk="0" hangingPunct="0">
+              <a:lnSpc>
+                <a:spcPct val="100000"/>
+              </a:lnSpc>
+              <a:spcBef>
+                <a:spcPct val="0"/>
+              </a:spcBef>
+              <a:spcAft>
+                <a:spcPct val="0"/>
+              </a:spcAft>
+              <a:buClrTx/>
+              <a:buSzTx/>
+              <a:buFontTx/>
+              <a:buNone/>
+              <a:tabLst/>
+            </a:pPr>
+            <a:r>
+              <a:rPr kumimoji="0" lang="zh-CN" altLang="zh-CN" sz="2000" b="0" i="0" u="none" strike="noStrike" cap="none" normalizeH="0" baseline="0" dirty="0" smtClean="0">
+                <a:ln>
+                  <a:noFill/>
+                </a:ln>
+                <a:solidFill>
+                  <a:srgbClr val="333333"/>
+                </a:solidFill>
+                <a:effectLst/>
+                <a:latin typeface="Arial Unicode MS" panose="020B0604020202020204" pitchFamily="34" charset="-122"/>
+                <a:ea typeface="PingFang SC"/>
+              </a:rPr>
+              <a:t> 5.搓完腰部后，上身基本上清洗了一遍，一条一条的“</a:t>
+            </a:r>
+            <a:r>
+              <a:rPr kumimoji="0" lang="zh-CN" altLang="zh-CN" sz="2000" b="0" i="0" u="none" strike="noStrike" cap="none" normalizeH="0" baseline="0" dirty="0" smtClean="0">
+                <a:ln>
+                  <a:noFill/>
+                </a:ln>
+                <a:solidFill>
+                  <a:srgbClr val="3F88BF"/>
+                </a:solidFill>
+                <a:effectLst/>
+                <a:latin typeface="Arial Unicode MS" panose="020B0604020202020204" pitchFamily="34" charset="-122"/>
+                <a:ea typeface="PingFang SC"/>
+                <a:hlinkClick r:id="rId2"/>
+              </a:rPr>
+              <a:t>橡皮泥</a:t>
+            </a:r>
+            <a:r>
+              <a:rPr kumimoji="0" lang="zh-CN" altLang="zh-CN" sz="2000" b="0" i="0" u="none" strike="noStrike" cap="none" normalizeH="0" baseline="0" dirty="0" smtClean="0">
+                <a:ln>
+                  <a:noFill/>
+                </a:ln>
+                <a:solidFill>
+                  <a:srgbClr val="333333"/>
+                </a:solidFill>
+                <a:effectLst/>
+                <a:latin typeface="Arial Unicode MS" panose="020B0604020202020204" pitchFamily="34" charset="-122"/>
+                <a:ea typeface="PingFang SC"/>
+              </a:rPr>
+              <a:t>”不必理会。开始下面的步骤。</a:t>
+            </a:r>
+            <a:endParaRPr kumimoji="0" lang="en-US" altLang="zh-CN" sz="2000" b="0" i="0" u="none" strike="noStrike" cap="none" normalizeH="0" baseline="0" dirty="0" smtClean="0">
+              <a:ln>
+                <a:noFill/>
+              </a:ln>
+              <a:solidFill>
+                <a:srgbClr val="333333"/>
+              </a:solidFill>
+              <a:effectLst/>
+              <a:latin typeface="Arial Unicode MS" panose="020B0604020202020204" pitchFamily="34" charset="-122"/>
+              <a:ea typeface="PingFang SC"/>
+            </a:endParaRPr>
+          </a:p>
+          <a:p>
+            <a:pPr marL="0" marR="0" lvl="0" indent="0" algn="l" defTabSz="914400" rtl="0" eaLnBrk="0" fontAlgn="base" latinLnBrk="0" hangingPunct="0">
+              <a:lnSpc>
+                <a:spcPct val="100000"/>
+              </a:lnSpc>
+              <a:spcBef>
+                <a:spcPct val="0"/>
+              </a:spcBef>
+              <a:spcAft>
+                <a:spcPct val="0"/>
+              </a:spcAft>
+              <a:buClrTx/>
+              <a:buSzTx/>
+              <a:buFontTx/>
+              <a:buNone/>
+              <a:tabLst/>
+            </a:pPr>
+            <a:r>
+              <a:rPr kumimoji="0" lang="zh-CN" altLang="zh-CN" sz="2000" b="0" i="0" u="none" strike="noStrike" cap="none" normalizeH="0" baseline="0" dirty="0" smtClean="0">
+                <a:ln>
+                  <a:noFill/>
+                </a:ln>
+                <a:solidFill>
+                  <a:srgbClr val="333333"/>
+                </a:solidFill>
+                <a:effectLst/>
+                <a:latin typeface="Arial Unicode MS" panose="020B0604020202020204" pitchFamily="34" charset="-122"/>
+                <a:ea typeface="PingFang SC"/>
+              </a:rPr>
+              <a:t> 6.重复第一步，对象是pp和大腿。</a:t>
+            </a:r>
+            <a:endParaRPr kumimoji="0" lang="en-US" altLang="zh-CN" sz="2000" b="0" i="0" u="none" strike="noStrike" cap="none" normalizeH="0" baseline="0" dirty="0" smtClean="0">
+              <a:ln>
+                <a:noFill/>
+              </a:ln>
+              <a:solidFill>
+                <a:srgbClr val="333333"/>
+              </a:solidFill>
+              <a:effectLst/>
+              <a:latin typeface="Arial Unicode MS" panose="020B0604020202020204" pitchFamily="34" charset="-122"/>
+              <a:ea typeface="PingFang SC"/>
+            </a:endParaRPr>
+          </a:p>
+          <a:p>
+            <a:pPr marL="0" marR="0" lvl="0" indent="0" algn="l" defTabSz="914400" rtl="0" eaLnBrk="0" fontAlgn="base" latinLnBrk="0" hangingPunct="0">
+              <a:lnSpc>
+                <a:spcPct val="100000"/>
+              </a:lnSpc>
+              <a:spcBef>
+                <a:spcPct val="0"/>
+              </a:spcBef>
+              <a:spcAft>
+                <a:spcPct val="0"/>
+              </a:spcAft>
+              <a:buClrTx/>
+              <a:buSzTx/>
+              <a:buFontTx/>
+              <a:buNone/>
+              <a:tabLst/>
+            </a:pPr>
+            <a:r>
+              <a:rPr kumimoji="0" lang="zh-CN" altLang="zh-CN" sz="2000" b="0" i="0" u="none" strike="noStrike" cap="none" normalizeH="0" baseline="0" dirty="0" smtClean="0">
+                <a:ln>
+                  <a:noFill/>
+                </a:ln>
+                <a:solidFill>
+                  <a:srgbClr val="333333"/>
+                </a:solidFill>
+                <a:effectLst/>
+                <a:latin typeface="Arial Unicode MS" panose="020B0604020202020204" pitchFamily="34" charset="-122"/>
+                <a:ea typeface="PingFang SC"/>
+              </a:rPr>
+              <a:t> 7.重复第二部，对象是同第6步。 </a:t>
+            </a:r>
+            <a:endParaRPr kumimoji="0" lang="en-US" altLang="zh-CN" sz="2000" b="0" i="0" u="none" strike="noStrike" cap="none" normalizeH="0" baseline="0" dirty="0" smtClean="0">
+              <a:ln>
+                <a:noFill/>
+              </a:ln>
+              <a:solidFill>
+                <a:srgbClr val="333333"/>
+              </a:solidFill>
+              <a:effectLst/>
+              <a:latin typeface="Arial Unicode MS" panose="020B0604020202020204" pitchFamily="34" charset="-122"/>
+              <a:ea typeface="PingFang SC"/>
+            </a:endParaRPr>
+          </a:p>
+          <a:p>
+            <a:pPr marL="0" marR="0" lvl="0" indent="0" algn="l" defTabSz="914400" rtl="0" eaLnBrk="0" fontAlgn="base" latinLnBrk="0" hangingPunct="0">
+              <a:lnSpc>
+                <a:spcPct val="100000"/>
+              </a:lnSpc>
+              <a:spcBef>
+                <a:spcPct val="0"/>
+              </a:spcBef>
+              <a:spcAft>
+                <a:spcPct val="0"/>
+              </a:spcAft>
+              <a:buClrTx/>
+              <a:buSzTx/>
+              <a:buFontTx/>
+              <a:buNone/>
+              <a:tabLst/>
+            </a:pPr>
+            <a:r>
+              <a:rPr kumimoji="0" lang="zh-CN" altLang="zh-CN" sz="2000" b="0" i="0" u="none" strike="noStrike" cap="none" normalizeH="0" baseline="0" dirty="0" smtClean="0">
+                <a:ln>
+                  <a:noFill/>
+                </a:ln>
+                <a:solidFill>
+                  <a:srgbClr val="333333"/>
+                </a:solidFill>
+                <a:effectLst/>
+                <a:latin typeface="Arial Unicode MS" panose="020B0604020202020204" pitchFamily="34" charset="-122"/>
+                <a:ea typeface="PingFang SC"/>
+              </a:rPr>
+              <a:t>8.当你感到有一滴又热又粘的水流到pp的时候，请马上拿起你的矿泉水倒60ml在pp上。然后揉，这时要抓紧往小腿打肥皂。 </a:t>
+            </a:r>
+            <a:endParaRPr kumimoji="0" lang="en-US" altLang="zh-CN" sz="2000" b="0" i="0" u="none" strike="noStrike" cap="none" normalizeH="0" baseline="0" dirty="0" smtClean="0">
+              <a:ln>
+                <a:noFill/>
+              </a:ln>
+              <a:solidFill>
+                <a:srgbClr val="333333"/>
+              </a:solidFill>
+              <a:effectLst/>
+              <a:latin typeface="Arial Unicode MS" panose="020B0604020202020204" pitchFamily="34" charset="-122"/>
+              <a:ea typeface="PingFang SC"/>
+            </a:endParaRPr>
+          </a:p>
+          <a:p>
+            <a:pPr marL="0" marR="0" lvl="0" indent="0" algn="l" defTabSz="914400" rtl="0" eaLnBrk="0" fontAlgn="base" latinLnBrk="0" hangingPunct="0">
+              <a:lnSpc>
+                <a:spcPct val="100000"/>
+              </a:lnSpc>
+              <a:spcBef>
+                <a:spcPct val="0"/>
+              </a:spcBef>
+              <a:spcAft>
+                <a:spcPct val="0"/>
+              </a:spcAft>
+              <a:buClrTx/>
+              <a:buSzTx/>
+              <a:buFontTx/>
+              <a:buNone/>
+              <a:tabLst/>
+            </a:pPr>
+            <a:r>
+              <a:rPr kumimoji="0" lang="zh-CN" altLang="zh-CN" sz="2000" b="0" i="0" u="none" strike="noStrike" cap="none" normalizeH="0" baseline="0" dirty="0" smtClean="0">
+                <a:ln>
+                  <a:noFill/>
+                </a:ln>
+                <a:solidFill>
+                  <a:srgbClr val="333333"/>
+                </a:solidFill>
+                <a:effectLst/>
+                <a:latin typeface="Arial Unicode MS" panose="020B0604020202020204" pitchFamily="34" charset="-122"/>
+                <a:ea typeface="PingFang SC"/>
+              </a:rPr>
+              <a:t>9.这个步骤完成后，一层薄薄的肥皂就会均匀分布在你腰以下的地方了。接下来再往pp倒60ml，重复上次的工作。有了上次的基础，这次的水会流到脚板，不用打肥皂，用上面流下来的水搓洗脚板。</a:t>
+            </a:r>
+            <a:r>
+              <a:rPr kumimoji="0" lang="zh-CN" altLang="zh-CN" b="0" i="0" u="none" strike="noStrike" cap="none" normalizeH="0" baseline="0" dirty="0" smtClean="0">
+                <a:ln>
+                  <a:noFill/>
+                </a:ln>
+                <a:solidFill>
+                  <a:schemeClr val="tx1"/>
+                </a:solidFill>
+                <a:effectLst/>
               </a:rPr>
               <a:t> </a:t>
             </a:r>
-            <a:r>
-              <a:rPr lang="en-US" altLang="zh-CN" sz="4800" dirty="0" smtClean="0">
-                <a:solidFill>
-                  <a:srgbClr val="000000"/>
-                </a:solidFill>
-                <a:latin typeface="宋体" panose="02010600030101010101" pitchFamily="2" charset="-122"/>
-              </a:rPr>
-              <a:t>=》1000</a:t>
-            </a:r>
-            <a:r>
-              <a:rPr lang="zh-CN" altLang="en-US" sz="4800" dirty="0" smtClean="0">
-                <a:solidFill>
-                  <a:srgbClr val="000000"/>
-                </a:solidFill>
-                <a:latin typeface="宋体" panose="02010600030101010101" pitchFamily="2" charset="-122"/>
-              </a:rPr>
-              <a:t>，</a:t>
-            </a:r>
-            <a:r>
-              <a:rPr lang="en-US" altLang="zh-CN" sz="4800" dirty="0" smtClean="0">
-                <a:solidFill>
-                  <a:srgbClr val="000000"/>
-                </a:solidFill>
-                <a:latin typeface="宋体" panose="02010600030101010101" pitchFamily="2" charset="-122"/>
-              </a:rPr>
-              <a:t>1</a:t>
-            </a:r>
-            <a:r>
-              <a:rPr lang="zh-CN" altLang="en-US" sz="4800" dirty="0" smtClean="0">
-                <a:solidFill>
-                  <a:srgbClr val="000000"/>
-                </a:solidFill>
-                <a:latin typeface="宋体" panose="02010600030101010101" pitchFamily="2" charset="-122"/>
-              </a:rPr>
-              <a:t>万，</a:t>
-            </a:r>
-            <a:r>
-              <a:rPr lang="en-US" altLang="zh-CN" sz="4800" dirty="0" smtClean="0">
-                <a:solidFill>
-                  <a:srgbClr val="000000"/>
-                </a:solidFill>
-                <a:latin typeface="宋体" panose="02010600030101010101" pitchFamily="2" charset="-122"/>
-              </a:rPr>
-              <a:t>10</a:t>
-            </a:r>
-            <a:r>
-              <a:rPr lang="zh-CN" altLang="en-US" sz="4800" dirty="0" smtClean="0">
-                <a:solidFill>
-                  <a:srgbClr val="000000"/>
-                </a:solidFill>
-                <a:latin typeface="宋体" panose="02010600030101010101" pitchFamily="2" charset="-122"/>
-              </a:rPr>
-              <a:t>万，</a:t>
-            </a:r>
-            <a:r>
-              <a:rPr lang="en-US" altLang="zh-CN" sz="4800" dirty="0" smtClean="0">
-                <a:solidFill>
-                  <a:srgbClr val="000000"/>
-                </a:solidFill>
-                <a:latin typeface="宋体" panose="02010600030101010101" pitchFamily="2" charset="-122"/>
-              </a:rPr>
-              <a:t>100</a:t>
-            </a:r>
-            <a:r>
-              <a:rPr lang="zh-CN" altLang="en-US" sz="4800" dirty="0" smtClean="0">
-                <a:solidFill>
-                  <a:srgbClr val="000000"/>
-                </a:solidFill>
-                <a:latin typeface="宋体" panose="02010600030101010101" pitchFamily="2" charset="-122"/>
-              </a:rPr>
-              <a:t>万</a:t>
-            </a:r>
-            <a:endParaRPr lang="zh-CN" altLang="en-US" sz="4800" dirty="0"/>
-          </a:p>
-        </p:txBody>
-      </p:sp>
-      <p:sp>
-        <p:nvSpPr>
-          <p:cNvPr id="3" name="矩形 2"/>
-          <p:cNvSpPr/>
-          <p:nvPr/>
-        </p:nvSpPr>
-        <p:spPr>
-          <a:xfrm>
-            <a:off x="755175" y="3218893"/>
-            <a:ext cx="10504227" cy="954107"/>
-          </a:xfrm>
-          <a:prstGeom prst="rect">
-            <a:avLst/>
-          </a:prstGeom>
-        </p:spPr>
-        <p:txBody>
-          <a:bodyPr wrap="square">
-            <a:spAutoFit/>
-          </a:bodyPr>
-          <a:lstStyle/>
-          <a:p>
-            <a:r>
-              <a:rPr lang="zh-CN" altLang="en-US" sz="2800" dirty="0"/>
-              <a:t>人性的特点，就在于它能够寻找替代方案。而且随着时间的变化，时间越长，它能找到的替代方案就越多。</a:t>
-            </a:r>
+            <a:endParaRPr kumimoji="0" lang="zh-CN" altLang="zh-CN" sz="3200" b="0" i="0" u="none" strike="noStrike" cap="none" normalizeH="0" baseline="0" dirty="0" smtClean="0">
+              <a:ln>
+                <a:noFill/>
+              </a:ln>
+              <a:solidFill>
+                <a:schemeClr val="tx1"/>
+              </a:solidFill>
+              <a:effectLst/>
+              <a:latin typeface="Arial" panose="020B0604020202020204" pitchFamily="34" charset="0"/>
+            </a:endParaRPr>
           </a:p>
         </p:txBody>
       </p:sp>
     </p:spTree>
     <p:extLst>
       <p:ext uri="{BB962C8B-B14F-4D97-AF65-F5344CB8AC3E}">
-        <p14:creationId xmlns:p14="http://schemas.microsoft.com/office/powerpoint/2010/main" val="2730626498"/>
+        <p14:creationId xmlns:p14="http://schemas.microsoft.com/office/powerpoint/2010/main" val="3406453875"/>
       </p:ext>
     </p:extLst>
   </p:cSld>
@@ -6063,14 +6441,14 @@
       </p:grpSpPr>
       <p:sp>
         <p:nvSpPr>
-          <p:cNvPr id="8" name="矩形 7"/>
+          <p:cNvPr id="2" name="矩形 1"/>
           <p:cNvSpPr/>
           <p:nvPr/>
         </p:nvSpPr>
         <p:spPr>
           <a:xfrm>
-            <a:off x="427628" y="242444"/>
-            <a:ext cx="10504227" cy="523220"/>
+            <a:off x="204717" y="890856"/>
+            <a:ext cx="11641540" cy="5324535"/>
           </a:xfrm>
           <a:prstGeom prst="rect">
             <a:avLst/>
@@ -6083,585 +6461,65 @@
           <a:lstStyle/>
           <a:p>
             <a:r>
-              <a:rPr lang="zh-CN" altLang="en-US" sz="2800" dirty="0" smtClean="0"/>
-              <a:t>一瓶水洗澡</a:t>
-            </a:r>
-            <a:endParaRPr lang="zh-CN" altLang="en-US" sz="2800" dirty="0"/>
-          </a:p>
-        </p:txBody>
-      </p:sp>
-      <p:sp>
-        <p:nvSpPr>
-          <p:cNvPr id="5" name="Rectangle 2"/>
-          <p:cNvSpPr>
-            <a:spLocks noChangeArrowheads="1"/>
-          </p:cNvSpPr>
-          <p:nvPr/>
-        </p:nvSpPr>
-        <p:spPr bwMode="auto">
-          <a:xfrm>
-            <a:off x="427628" y="765664"/>
-            <a:ext cx="11600596" cy="5411681"/>
-          </a:xfrm>
-          <a:prstGeom prst="rect">
-            <a:avLst/>
-          </a:prstGeom>
-          <a:solidFill>
-            <a:srgbClr val="FFFFFF"/>
-          </a:solidFill>
-          <a:ln>
-            <a:noFill/>
-          </a:ln>
-          <a:effectLst/>
-          <a:extLst>
-            <a:ext uri="{91240B29-F687-4F45-9708-019B960494DF}">
-              <a14:hiddenLine xmlns:a14="http://schemas.microsoft.com/office/drawing/2010/main" w="9525">
-                <a:solidFill>
-                  <a:schemeClr val="tx1"/>
-                </a:solidFill>
-                <a:miter lim="800000"/>
-                <a:headEnd/>
-                <a:tailEnd/>
-              </a14:hiddenLine>
-            </a:ext>
-            <a:ext uri="{AF507438-7753-43E0-B8FC-AC1667EBCBE1}">
-              <a14:hiddenEffects xmlns:a14="http://schemas.microsoft.com/office/drawing/2010/main">
-                <a:effectLst>
-                  <a:outerShdw dist="35921" dir="2700000" algn="ctr" rotWithShape="0">
-                    <a:schemeClr val="bg2"/>
-                  </a:outerShdw>
-                </a:effectLst>
-              </a14:hiddenEffects>
-            </a:ext>
-          </a:extLst>
-        </p:spPr>
-        <p:txBody>
-          <a:bodyPr vert="horz" wrap="square" lIns="0" tIns="88872" rIns="0" bIns="88872" numCol="1" anchor="ctr" anchorCtr="0" compatLnSpc="1">
-            <a:prstTxWarp prst="textNoShape">
-              <a:avLst/>
-            </a:prstTxWarp>
-            <a:spAutoFit/>
-          </a:bodyPr>
-          <a:lstStyle/>
-          <a:p>
-            <a:pPr marL="0" marR="0" lvl="0" indent="0" algn="l" defTabSz="914400" rtl="0" eaLnBrk="0" fontAlgn="base" latinLnBrk="0" hangingPunct="0">
-              <a:lnSpc>
-                <a:spcPct val="100000"/>
-              </a:lnSpc>
-              <a:spcBef>
-                <a:spcPct val="0"/>
-              </a:spcBef>
-              <a:spcAft>
-                <a:spcPct val="0"/>
-              </a:spcAft>
-              <a:buClrTx/>
-              <a:buSzTx/>
-              <a:buFontTx/>
-              <a:buNone/>
-              <a:tabLst/>
-            </a:pPr>
-            <a:r>
-              <a:rPr kumimoji="0" lang="zh-CN" altLang="zh-CN" sz="2000" b="0" i="0" u="none" strike="noStrike" cap="none" normalizeH="0" baseline="0" dirty="0" smtClean="0">
-                <a:ln>
-                  <a:noFill/>
-                </a:ln>
-                <a:solidFill>
-                  <a:srgbClr val="333333"/>
-                </a:solidFill>
-                <a:effectLst/>
-                <a:latin typeface="Arial Unicode MS" panose="020B0604020202020204" pitchFamily="34" charset="-122"/>
-                <a:ea typeface="PingFang SC"/>
-              </a:rPr>
-              <a:t>道具：毛巾、肥皂、干净内裤（根据情况是否带上）、一瓶矿泉水（550ml，牌子不限）。 </a:t>
-            </a:r>
-            <a:endParaRPr kumimoji="0" lang="en-US" altLang="zh-CN" sz="2000" b="0" i="0" u="none" strike="noStrike" cap="none" normalizeH="0" baseline="0" dirty="0" smtClean="0">
-              <a:ln>
-                <a:noFill/>
-              </a:ln>
-              <a:solidFill>
-                <a:srgbClr val="333333"/>
-              </a:solidFill>
-              <a:effectLst/>
-              <a:latin typeface="Arial Unicode MS" panose="020B0604020202020204" pitchFamily="34" charset="-122"/>
-              <a:ea typeface="PingFang SC"/>
-            </a:endParaRPr>
-          </a:p>
-          <a:p>
-            <a:pPr marL="0" marR="0" lvl="0" indent="0" algn="l" defTabSz="914400" rtl="0" eaLnBrk="0" fontAlgn="base" latinLnBrk="0" hangingPunct="0">
-              <a:lnSpc>
-                <a:spcPct val="100000"/>
-              </a:lnSpc>
-              <a:spcBef>
-                <a:spcPct val="0"/>
-              </a:spcBef>
-              <a:spcAft>
-                <a:spcPct val="0"/>
-              </a:spcAft>
-              <a:buClrTx/>
-              <a:buSzTx/>
-              <a:buFontTx/>
-              <a:buNone/>
-              <a:tabLst/>
-            </a:pPr>
-            <a:r>
-              <a:rPr kumimoji="0" lang="zh-CN" altLang="zh-CN" sz="2000" b="0" i="0" u="none" strike="noStrike" cap="none" normalizeH="0" baseline="0" dirty="0" smtClean="0">
-                <a:ln>
-                  <a:noFill/>
-                </a:ln>
-                <a:solidFill>
-                  <a:srgbClr val="333333"/>
-                </a:solidFill>
-                <a:effectLst/>
-                <a:latin typeface="Arial Unicode MS" panose="020B0604020202020204" pitchFamily="34" charset="-122"/>
-                <a:ea typeface="PingFang SC"/>
-              </a:rPr>
-              <a:t>1.倒上一手掌窝的水（大概40ml，千万不能漏一滴），轻拍脸上和胸前，再摊平手掌慢慢地以打圈的方式涂抹，目的是充分湿润身体。</a:t>
-            </a:r>
-            <a:endParaRPr kumimoji="0" lang="en-US" altLang="zh-CN" sz="2000" b="0" i="0" u="none" strike="noStrike" cap="none" normalizeH="0" baseline="0" dirty="0" smtClean="0">
-              <a:ln>
-                <a:noFill/>
-              </a:ln>
-              <a:solidFill>
-                <a:srgbClr val="333333"/>
-              </a:solidFill>
-              <a:effectLst/>
-              <a:latin typeface="Arial Unicode MS" panose="020B0604020202020204" pitchFamily="34" charset="-122"/>
-              <a:ea typeface="PingFang SC"/>
-            </a:endParaRPr>
-          </a:p>
-          <a:p>
-            <a:pPr marL="0" marR="0" lvl="0" indent="0" algn="l" defTabSz="914400" rtl="0" eaLnBrk="0" fontAlgn="base" latinLnBrk="0" hangingPunct="0">
-              <a:lnSpc>
-                <a:spcPct val="100000"/>
-              </a:lnSpc>
-              <a:spcBef>
-                <a:spcPct val="0"/>
-              </a:spcBef>
-              <a:spcAft>
-                <a:spcPct val="0"/>
-              </a:spcAft>
-              <a:buClrTx/>
-              <a:buSzTx/>
-              <a:buFontTx/>
-              <a:buNone/>
-              <a:tabLst/>
-            </a:pPr>
-            <a:r>
-              <a:rPr kumimoji="0" lang="zh-CN" altLang="zh-CN" sz="2000" b="0" i="0" u="none" strike="noStrike" cap="none" normalizeH="0" baseline="0" dirty="0" smtClean="0">
-                <a:ln>
-                  <a:noFill/>
-                </a:ln>
-                <a:solidFill>
-                  <a:srgbClr val="333333"/>
-                </a:solidFill>
-                <a:effectLst/>
-                <a:latin typeface="Arial Unicode MS" panose="020B0604020202020204" pitchFamily="34" charset="-122"/>
-                <a:ea typeface="PingFang SC"/>
-              </a:rPr>
-              <a:t> 2.上一步完成后，你会发现手掌上剩下一层和墨水差不多的黑水，这时，千万不能用矿泉水洗掉，要马上握起肥皂，搓上几圈，再把手上搓到的半干湿的一层肥皂涂在脸上和头发上。</a:t>
-            </a:r>
-            <a:endParaRPr kumimoji="0" lang="en-US" altLang="zh-CN" sz="2000" b="0" i="0" u="none" strike="noStrike" cap="none" normalizeH="0" baseline="0" dirty="0" smtClean="0">
-              <a:ln>
-                <a:noFill/>
-              </a:ln>
-              <a:solidFill>
-                <a:srgbClr val="333333"/>
-              </a:solidFill>
-              <a:effectLst/>
-              <a:latin typeface="Arial Unicode MS" panose="020B0604020202020204" pitchFamily="34" charset="-122"/>
-              <a:ea typeface="PingFang SC"/>
-            </a:endParaRPr>
-          </a:p>
-          <a:p>
-            <a:pPr marL="0" marR="0" lvl="0" indent="0" algn="l" defTabSz="914400" rtl="0" eaLnBrk="0" fontAlgn="base" latinLnBrk="0" hangingPunct="0">
-              <a:lnSpc>
-                <a:spcPct val="100000"/>
-              </a:lnSpc>
-              <a:spcBef>
-                <a:spcPct val="0"/>
-              </a:spcBef>
-              <a:spcAft>
-                <a:spcPct val="0"/>
-              </a:spcAft>
-              <a:buClrTx/>
-              <a:buSzTx/>
-              <a:buFontTx/>
-              <a:buNone/>
-              <a:tabLst/>
-            </a:pPr>
-            <a:r>
-              <a:rPr kumimoji="0" lang="zh-CN" altLang="zh-CN" sz="2000" b="0" i="0" u="none" strike="noStrike" cap="none" normalizeH="0" baseline="0" dirty="0" smtClean="0">
-                <a:ln>
-                  <a:noFill/>
-                </a:ln>
-                <a:solidFill>
-                  <a:srgbClr val="333333"/>
-                </a:solidFill>
-                <a:effectLst/>
-                <a:latin typeface="Arial Unicode MS" panose="020B0604020202020204" pitchFamily="34" charset="-122"/>
-                <a:ea typeface="PingFang SC"/>
-              </a:rPr>
-              <a:t>这里要说明一下，你的头发平均长度要短于2.5cm。</a:t>
-            </a:r>
-            <a:endParaRPr kumimoji="0" lang="en-US" altLang="zh-CN" sz="2000" b="0" i="0" u="none" strike="noStrike" cap="none" normalizeH="0" baseline="0" dirty="0" smtClean="0">
-              <a:ln>
-                <a:noFill/>
-              </a:ln>
-              <a:solidFill>
-                <a:srgbClr val="333333"/>
-              </a:solidFill>
-              <a:effectLst/>
-              <a:latin typeface="Arial Unicode MS" panose="020B0604020202020204" pitchFamily="34" charset="-122"/>
-              <a:ea typeface="PingFang SC"/>
-            </a:endParaRPr>
-          </a:p>
-          <a:p>
-            <a:pPr marL="0" marR="0" lvl="0" indent="0" algn="l" defTabSz="914400" rtl="0" eaLnBrk="0" fontAlgn="base" latinLnBrk="0" hangingPunct="0">
-              <a:lnSpc>
-                <a:spcPct val="100000"/>
-              </a:lnSpc>
-              <a:spcBef>
-                <a:spcPct val="0"/>
-              </a:spcBef>
-              <a:spcAft>
-                <a:spcPct val="0"/>
-              </a:spcAft>
-              <a:buClrTx/>
-              <a:buSzTx/>
-              <a:buFontTx/>
-              <a:buNone/>
-              <a:tabLst/>
-            </a:pPr>
-            <a:r>
-              <a:rPr kumimoji="0" lang="zh-CN" altLang="zh-CN" sz="2000" b="0" i="0" u="none" strike="noStrike" cap="none" normalizeH="0" baseline="0" dirty="0" smtClean="0">
-                <a:ln>
-                  <a:noFill/>
-                </a:ln>
-                <a:solidFill>
-                  <a:srgbClr val="333333"/>
-                </a:solidFill>
-                <a:effectLst/>
-                <a:latin typeface="Arial Unicode MS" panose="020B0604020202020204" pitchFamily="34" charset="-122"/>
-                <a:ea typeface="PingFang SC"/>
-              </a:rPr>
-              <a:t> 3.当你感到有一滴又咸又苦的水流到嘴角的时候，请马上拿起矿泉水倒70ml在头顶，然后揉，水流到哪，就揉到哪。这时要抓紧时机往胸部打肥皂，早了晚了，都会因为水量不够而得不到充分混合。 </a:t>
-            </a:r>
-            <a:endParaRPr kumimoji="0" lang="en-US" altLang="zh-CN" sz="2000" b="0" i="0" u="none" strike="noStrike" cap="none" normalizeH="0" baseline="0" dirty="0" smtClean="0">
-              <a:ln>
-                <a:noFill/>
-              </a:ln>
-              <a:solidFill>
-                <a:srgbClr val="333333"/>
-              </a:solidFill>
-              <a:effectLst/>
-              <a:latin typeface="Arial Unicode MS" panose="020B0604020202020204" pitchFamily="34" charset="-122"/>
-              <a:ea typeface="PingFang SC"/>
-            </a:endParaRPr>
-          </a:p>
-          <a:p>
-            <a:pPr marL="0" marR="0" lvl="0" indent="0" algn="l" defTabSz="914400" rtl="0" eaLnBrk="0" fontAlgn="base" latinLnBrk="0" hangingPunct="0">
-              <a:lnSpc>
-                <a:spcPct val="100000"/>
-              </a:lnSpc>
-              <a:spcBef>
-                <a:spcPct val="0"/>
-              </a:spcBef>
-              <a:spcAft>
-                <a:spcPct val="0"/>
-              </a:spcAft>
-              <a:buClrTx/>
-              <a:buSzTx/>
-              <a:buFontTx/>
-              <a:buNone/>
-              <a:tabLst/>
-            </a:pPr>
-            <a:r>
-              <a:rPr kumimoji="0" lang="zh-CN" altLang="zh-CN" sz="2000" b="0" i="0" u="none" strike="noStrike" cap="none" normalizeH="0" baseline="0" dirty="0" smtClean="0">
-                <a:ln>
-                  <a:noFill/>
-                </a:ln>
-                <a:solidFill>
-                  <a:srgbClr val="333333"/>
-                </a:solidFill>
-                <a:effectLst/>
-                <a:latin typeface="Arial Unicode MS" panose="020B0604020202020204" pitchFamily="34" charset="-122"/>
-                <a:ea typeface="PingFang SC"/>
-              </a:rPr>
-              <a:t>4.这个步骤完成后，一层薄薄的肥皂就会均匀分布在你腰以上的地方了。接下来再往头顶倒70ml，重复上次的工作。有了上次的工作的基础，这次的水会流到腰部，不用打肥皂，用上面留下来的搓洗腰部。</a:t>
-            </a:r>
-            <a:endParaRPr kumimoji="0" lang="en-US" altLang="zh-CN" sz="2000" b="0" i="0" u="none" strike="noStrike" cap="none" normalizeH="0" baseline="0" dirty="0" smtClean="0">
-              <a:ln>
-                <a:noFill/>
-              </a:ln>
-              <a:solidFill>
-                <a:srgbClr val="333333"/>
-              </a:solidFill>
-              <a:effectLst/>
-              <a:latin typeface="Arial Unicode MS" panose="020B0604020202020204" pitchFamily="34" charset="-122"/>
-              <a:ea typeface="PingFang SC"/>
-            </a:endParaRPr>
-          </a:p>
-          <a:p>
-            <a:pPr marL="0" marR="0" lvl="0" indent="0" algn="l" defTabSz="914400" rtl="0" eaLnBrk="0" fontAlgn="base" latinLnBrk="0" hangingPunct="0">
-              <a:lnSpc>
-                <a:spcPct val="100000"/>
-              </a:lnSpc>
-              <a:spcBef>
-                <a:spcPct val="0"/>
-              </a:spcBef>
-              <a:spcAft>
-                <a:spcPct val="0"/>
-              </a:spcAft>
-              <a:buClrTx/>
-              <a:buSzTx/>
-              <a:buFontTx/>
-              <a:buNone/>
-              <a:tabLst/>
-            </a:pPr>
-            <a:r>
-              <a:rPr kumimoji="0" lang="zh-CN" altLang="zh-CN" sz="2000" b="0" i="0" u="none" strike="noStrike" cap="none" normalizeH="0" baseline="0" dirty="0" smtClean="0">
-                <a:ln>
-                  <a:noFill/>
-                </a:ln>
-                <a:solidFill>
-                  <a:srgbClr val="333333"/>
-                </a:solidFill>
-                <a:effectLst/>
-                <a:latin typeface="Arial Unicode MS" panose="020B0604020202020204" pitchFamily="34" charset="-122"/>
-                <a:ea typeface="PingFang SC"/>
-              </a:rPr>
-              <a:t> 5.搓完腰部后，上身基本上清洗了一遍，一条一条的“</a:t>
-            </a:r>
-            <a:r>
-              <a:rPr kumimoji="0" lang="zh-CN" altLang="zh-CN" sz="2000" b="0" i="0" u="none" strike="noStrike" cap="none" normalizeH="0" baseline="0" dirty="0" smtClean="0">
-                <a:ln>
-                  <a:noFill/>
-                </a:ln>
-                <a:solidFill>
-                  <a:srgbClr val="3F88BF"/>
-                </a:solidFill>
-                <a:effectLst/>
-                <a:latin typeface="Arial Unicode MS" panose="020B0604020202020204" pitchFamily="34" charset="-122"/>
-                <a:ea typeface="PingFang SC"/>
-                <a:hlinkClick r:id="rId2"/>
-              </a:rPr>
-              <a:t>橡皮泥</a:t>
-            </a:r>
-            <a:r>
-              <a:rPr kumimoji="0" lang="zh-CN" altLang="zh-CN" sz="2000" b="0" i="0" u="none" strike="noStrike" cap="none" normalizeH="0" baseline="0" dirty="0" smtClean="0">
-                <a:ln>
-                  <a:noFill/>
-                </a:ln>
-                <a:solidFill>
-                  <a:srgbClr val="333333"/>
-                </a:solidFill>
-                <a:effectLst/>
-                <a:latin typeface="Arial Unicode MS" panose="020B0604020202020204" pitchFamily="34" charset="-122"/>
-                <a:ea typeface="PingFang SC"/>
-              </a:rPr>
-              <a:t>”不必理会。开始下面的步骤。</a:t>
-            </a:r>
-            <a:endParaRPr kumimoji="0" lang="en-US" altLang="zh-CN" sz="2000" b="0" i="0" u="none" strike="noStrike" cap="none" normalizeH="0" baseline="0" dirty="0" smtClean="0">
-              <a:ln>
-                <a:noFill/>
-              </a:ln>
-              <a:solidFill>
-                <a:srgbClr val="333333"/>
-              </a:solidFill>
-              <a:effectLst/>
-              <a:latin typeface="Arial Unicode MS" panose="020B0604020202020204" pitchFamily="34" charset="-122"/>
-              <a:ea typeface="PingFang SC"/>
-            </a:endParaRPr>
-          </a:p>
-          <a:p>
-            <a:pPr marL="0" marR="0" lvl="0" indent="0" algn="l" defTabSz="914400" rtl="0" eaLnBrk="0" fontAlgn="base" latinLnBrk="0" hangingPunct="0">
-              <a:lnSpc>
-                <a:spcPct val="100000"/>
-              </a:lnSpc>
-              <a:spcBef>
-                <a:spcPct val="0"/>
-              </a:spcBef>
-              <a:spcAft>
-                <a:spcPct val="0"/>
-              </a:spcAft>
-              <a:buClrTx/>
-              <a:buSzTx/>
-              <a:buFontTx/>
-              <a:buNone/>
-              <a:tabLst/>
-            </a:pPr>
-            <a:r>
-              <a:rPr kumimoji="0" lang="zh-CN" altLang="zh-CN" sz="2000" b="0" i="0" u="none" strike="noStrike" cap="none" normalizeH="0" baseline="0" dirty="0" smtClean="0">
-                <a:ln>
-                  <a:noFill/>
-                </a:ln>
-                <a:solidFill>
-                  <a:srgbClr val="333333"/>
-                </a:solidFill>
-                <a:effectLst/>
-                <a:latin typeface="Arial Unicode MS" panose="020B0604020202020204" pitchFamily="34" charset="-122"/>
-                <a:ea typeface="PingFang SC"/>
-              </a:rPr>
-              <a:t> 6.重复第一步，对象是pp和大腿。</a:t>
-            </a:r>
-            <a:endParaRPr kumimoji="0" lang="en-US" altLang="zh-CN" sz="2000" b="0" i="0" u="none" strike="noStrike" cap="none" normalizeH="0" baseline="0" dirty="0" smtClean="0">
-              <a:ln>
-                <a:noFill/>
-              </a:ln>
-              <a:solidFill>
-                <a:srgbClr val="333333"/>
-              </a:solidFill>
-              <a:effectLst/>
-              <a:latin typeface="Arial Unicode MS" panose="020B0604020202020204" pitchFamily="34" charset="-122"/>
-              <a:ea typeface="PingFang SC"/>
-            </a:endParaRPr>
-          </a:p>
-          <a:p>
-            <a:pPr marL="0" marR="0" lvl="0" indent="0" algn="l" defTabSz="914400" rtl="0" eaLnBrk="0" fontAlgn="base" latinLnBrk="0" hangingPunct="0">
-              <a:lnSpc>
-                <a:spcPct val="100000"/>
-              </a:lnSpc>
-              <a:spcBef>
-                <a:spcPct val="0"/>
-              </a:spcBef>
-              <a:spcAft>
-                <a:spcPct val="0"/>
-              </a:spcAft>
-              <a:buClrTx/>
-              <a:buSzTx/>
-              <a:buFontTx/>
-              <a:buNone/>
-              <a:tabLst/>
-            </a:pPr>
-            <a:r>
-              <a:rPr kumimoji="0" lang="zh-CN" altLang="zh-CN" sz="2000" b="0" i="0" u="none" strike="noStrike" cap="none" normalizeH="0" baseline="0" dirty="0" smtClean="0">
-                <a:ln>
-                  <a:noFill/>
-                </a:ln>
-                <a:solidFill>
-                  <a:srgbClr val="333333"/>
-                </a:solidFill>
-                <a:effectLst/>
-                <a:latin typeface="Arial Unicode MS" panose="020B0604020202020204" pitchFamily="34" charset="-122"/>
-                <a:ea typeface="PingFang SC"/>
-              </a:rPr>
-              <a:t> 7.重复第二部，对象是同第6步。 </a:t>
-            </a:r>
-            <a:endParaRPr kumimoji="0" lang="en-US" altLang="zh-CN" sz="2000" b="0" i="0" u="none" strike="noStrike" cap="none" normalizeH="0" baseline="0" dirty="0" smtClean="0">
-              <a:ln>
-                <a:noFill/>
-              </a:ln>
-              <a:solidFill>
-                <a:srgbClr val="333333"/>
-              </a:solidFill>
-              <a:effectLst/>
-              <a:latin typeface="Arial Unicode MS" panose="020B0604020202020204" pitchFamily="34" charset="-122"/>
-              <a:ea typeface="PingFang SC"/>
-            </a:endParaRPr>
-          </a:p>
-          <a:p>
-            <a:pPr marL="0" marR="0" lvl="0" indent="0" algn="l" defTabSz="914400" rtl="0" eaLnBrk="0" fontAlgn="base" latinLnBrk="0" hangingPunct="0">
-              <a:lnSpc>
-                <a:spcPct val="100000"/>
-              </a:lnSpc>
-              <a:spcBef>
-                <a:spcPct val="0"/>
-              </a:spcBef>
-              <a:spcAft>
-                <a:spcPct val="0"/>
-              </a:spcAft>
-              <a:buClrTx/>
-              <a:buSzTx/>
-              <a:buFontTx/>
-              <a:buNone/>
-              <a:tabLst/>
-            </a:pPr>
-            <a:r>
-              <a:rPr kumimoji="0" lang="zh-CN" altLang="zh-CN" sz="2000" b="0" i="0" u="none" strike="noStrike" cap="none" normalizeH="0" baseline="0" dirty="0" smtClean="0">
-                <a:ln>
-                  <a:noFill/>
-                </a:ln>
-                <a:solidFill>
-                  <a:srgbClr val="333333"/>
-                </a:solidFill>
-                <a:effectLst/>
-                <a:latin typeface="Arial Unicode MS" panose="020B0604020202020204" pitchFamily="34" charset="-122"/>
-                <a:ea typeface="PingFang SC"/>
-              </a:rPr>
-              <a:t>8.当你感到有一滴又热又粘的水流到pp的时候，请马上拿起你的矿泉水倒60ml在pp上。然后揉，这时要抓紧往小腿打肥皂。 </a:t>
-            </a:r>
-            <a:endParaRPr kumimoji="0" lang="en-US" altLang="zh-CN" sz="2000" b="0" i="0" u="none" strike="noStrike" cap="none" normalizeH="0" baseline="0" dirty="0" smtClean="0">
-              <a:ln>
-                <a:noFill/>
-              </a:ln>
-              <a:solidFill>
-                <a:srgbClr val="333333"/>
-              </a:solidFill>
-              <a:effectLst/>
-              <a:latin typeface="Arial Unicode MS" panose="020B0604020202020204" pitchFamily="34" charset="-122"/>
-              <a:ea typeface="PingFang SC"/>
-            </a:endParaRPr>
-          </a:p>
-          <a:p>
-            <a:pPr marL="0" marR="0" lvl="0" indent="0" algn="l" defTabSz="914400" rtl="0" eaLnBrk="0" fontAlgn="base" latinLnBrk="0" hangingPunct="0">
-              <a:lnSpc>
-                <a:spcPct val="100000"/>
-              </a:lnSpc>
-              <a:spcBef>
-                <a:spcPct val="0"/>
-              </a:spcBef>
-              <a:spcAft>
-                <a:spcPct val="0"/>
-              </a:spcAft>
-              <a:buClrTx/>
-              <a:buSzTx/>
-              <a:buFontTx/>
-              <a:buNone/>
-              <a:tabLst/>
-            </a:pPr>
-            <a:r>
-              <a:rPr kumimoji="0" lang="zh-CN" altLang="zh-CN" sz="2000" b="0" i="0" u="none" strike="noStrike" cap="none" normalizeH="0" baseline="0" dirty="0" smtClean="0">
-                <a:ln>
-                  <a:noFill/>
-                </a:ln>
-                <a:solidFill>
-                  <a:srgbClr val="333333"/>
-                </a:solidFill>
-                <a:effectLst/>
-                <a:latin typeface="Arial Unicode MS" panose="020B0604020202020204" pitchFamily="34" charset="-122"/>
-                <a:ea typeface="PingFang SC"/>
-              </a:rPr>
-              <a:t>9.这个步骤完成后，一层薄薄的肥皂就会均匀分布在你腰以下的地方了。接下来再往pp倒60ml，重复上次的工作。有了上次的基础，这次的水会流到脚板，不用打肥皂，用上面流下来的水搓洗脚板。</a:t>
-            </a:r>
-            <a:r>
-              <a:rPr kumimoji="0" lang="zh-CN" altLang="zh-CN" b="0" i="0" u="none" strike="noStrike" cap="none" normalizeH="0" baseline="0" dirty="0" smtClean="0">
-                <a:ln>
-                  <a:noFill/>
-                </a:ln>
-                <a:solidFill>
-                  <a:schemeClr val="tx1"/>
-                </a:solidFill>
-                <a:effectLst/>
-              </a:rPr>
-              <a:t> </a:t>
-            </a:r>
-            <a:endParaRPr kumimoji="0" lang="zh-CN" altLang="zh-CN" sz="3200" b="0" i="0" u="none" strike="noStrike" cap="none" normalizeH="0" baseline="0" dirty="0" smtClean="0">
-              <a:ln>
-                <a:noFill/>
-              </a:ln>
-              <a:solidFill>
-                <a:schemeClr val="tx1"/>
-              </a:solidFill>
-              <a:effectLst/>
-              <a:latin typeface="Arial" panose="020B0604020202020204" pitchFamily="34" charset="0"/>
-            </a:endParaRPr>
+              <a:rPr lang="zh-CN" altLang="en-US" sz="2000" dirty="0" smtClean="0"/>
+              <a:t>如果</a:t>
+            </a:r>
+            <a:r>
+              <a:rPr lang="zh-CN" altLang="en-US" sz="2000" dirty="0"/>
+              <a:t>你理解了弹性的概念，理解了人性的基本特征，那理解需求第二定律就是水到渠成的事情。需求第二定律的含义是说，每当出现新的情况，出现新的冲击的时候，人们寻找替代方案的范围一开始的时候可能没那么大，但是随着时间的推移，他们选择替代方案的空间会越来越大，他们能够找到的对策就越来越多</a:t>
+            </a:r>
+            <a:r>
+              <a:rPr lang="zh-CN" altLang="en-US" sz="2000" dirty="0" smtClean="0"/>
+              <a:t>。比方说</a:t>
+            </a:r>
+            <a:r>
+              <a:rPr lang="zh-CN" altLang="en-US" sz="2000" dirty="0"/>
+              <a:t>，我今天跟往常一样，8点钟出门准备上班，一出门发现外面下着倾盆大雨，外面等着一辆出租车，司机跟我说要涨价3倍，这就是一个突如其来的冲击。面对这个冲击，一开始的时候，我没有多大的选择余地，我只能从了，给这个出租车司机3倍的价钱。因为我上班不能迟到，同学们在等着我上课。如果第二天还发生同样的情况，还在下着倾盆大雨，而同样是这个出租车司机在门口等着我，也要我3倍的价钱，那我会怎么样？如果第三天也还是这样，第四天也还是这样，这时候我就开始会去想其他的替代方案。如果我能预测这样的情况，还会一直发生下去的话，那么我可能会另外再找一个相熟的司机，我可能会在学校附近找一家酒店住下来，我也可能跟我们的院长说，我们把上课的时间调整一下。这种变化趋势就是需求第二定律所说的：随着时间的推移，需求弹性会变得越来越高，也就是说替代品越来越多，对策越来越多。再举一个例子，比方说石油价格上涨，石油价格刚刚涨上去的时候，汽油的需求量并没有跌下来，因为人们还暂时找不到好的替代方案，但是如果石油的价格一直高涨，一直跌不下来的话，那么人们就开始会寻找新的替代方案。人们不可能在石油上涨的第一天，就把他原来笨重的耗油大的汽车卖掉，但是一年后，两年后呢，在他们重新买新车的时候呢？他们要不要考虑油耗的问题。同样，汽车生产商也会对这种现象做出调整。结果我们看到，如果石油的价格一直居高不下的话，随着时间的推移，人们就会对石油价格上涨，这种变化做出越来越充分的应对。</a:t>
+            </a:r>
+          </a:p>
+        </p:txBody>
+      </p:sp>
+      <p:sp>
+        <p:nvSpPr>
+          <p:cNvPr id="3" name="矩形 2"/>
+          <p:cNvSpPr/>
+          <p:nvPr/>
+        </p:nvSpPr>
+        <p:spPr>
+          <a:xfrm>
+            <a:off x="204717" y="187236"/>
+            <a:ext cx="7063152" cy="584775"/>
+          </a:xfrm>
+          <a:prstGeom prst="rect">
+            <a:avLst/>
+          </a:prstGeom>
+        </p:spPr>
+        <p:txBody>
+          <a:bodyPr wrap="none">
+            <a:spAutoFit/>
+          </a:bodyPr>
+          <a:lstStyle/>
+          <a:p>
+            <a:r>
+              <a:rPr lang="en-US" altLang="zh-CN" sz="3200" dirty="0" smtClean="0"/>
+              <a:t>3</a:t>
+            </a:r>
+            <a:r>
+              <a:rPr lang="zh-CN" altLang="en-US" sz="3200" dirty="0" smtClean="0"/>
+              <a:t>.</a:t>
+            </a:r>
+            <a:r>
+              <a:rPr lang="zh-CN" altLang="en-US" sz="3200" dirty="0"/>
+              <a:t>随着时间推移，需求弹性会越来越高</a:t>
+            </a:r>
+            <a:endParaRPr lang="en-US" altLang="zh-CN" sz="3200" dirty="0"/>
           </a:p>
         </p:txBody>
       </p:sp>
     </p:spTree>
     <p:extLst>
       <p:ext uri="{BB962C8B-B14F-4D97-AF65-F5344CB8AC3E}">
-        <p14:creationId xmlns:p14="http://schemas.microsoft.com/office/powerpoint/2010/main" val="3406453875"/>
+        <p14:creationId xmlns:p14="http://schemas.microsoft.com/office/powerpoint/2010/main" val="25770177"/>
       </p:ext>
     </p:extLst>
   </p:cSld>
@@ -6703,35 +6561,36 @@
         </p:nvSpPr>
         <p:spPr>
           <a:xfrm>
-            <a:off x="204717" y="890856"/>
-            <a:ext cx="11641540" cy="5324535"/>
-          </a:xfrm>
-          <a:prstGeom prst="rect">
-            <a:avLst/>
-          </a:prstGeom>
-        </p:spPr>
-        <p:txBody>
-          <a:bodyPr wrap="square">
-            <a:spAutoFit/>
-          </a:bodyPr>
-          <a:lstStyle/>
-          <a:p>
-            <a:r>
-              <a:rPr lang="zh-CN" altLang="en-US" sz="2000" dirty="0" smtClean="0"/>
-              <a:t>如果</a:t>
-            </a:r>
-            <a:r>
-              <a:rPr lang="zh-CN" altLang="en-US" sz="2000" dirty="0"/>
-              <a:t>你理解了弹性的概念，理解了人性的基本特征，那理解需求第二定律就是水到渠成的事情。需求第二定律的含义是说，每当出现新的情况，出现新的冲击的时候，人们寻找替代方案的范围一开始的时候可能没那么大，但是随着时间的推移，他们选择替代方案的空间会越来越大，他们能够找到的对策就越来越多</a:t>
-            </a:r>
-            <a:r>
-              <a:rPr lang="zh-CN" altLang="en-US" sz="2000" dirty="0" smtClean="0"/>
-              <a:t>。比方说</a:t>
-            </a:r>
-            <a:r>
-              <a:rPr lang="zh-CN" altLang="en-US" sz="2000" dirty="0"/>
-              <a:t>，我今天跟往常一样，8点钟出门准备上班，一出门发现外面下着倾盆大雨，外面等着一辆出租车，司机跟我说要涨价3倍，这就是一个突如其来的冲击。面对这个冲击，一开始的时候，我没有多大的选择余地，我只能从了，给这个出租车司机3倍的价钱。因为我上班不能迟到，同学们在等着我上课。如果第二天还发生同样的情况，还在下着倾盆大雨，而同样是这个出租车司机在门口等着我，也要我3倍的价钱，那我会怎么样？如果第三天也还是这样，第四天也还是这样，这时候我就开始会去想其他的替代方案。如果我能预测这样的情况，还会一直发生下去的话，那么我可能会另外再找一个相熟的司机，我可能会在学校附近找一家酒店住下来，我也可能跟我们的院长说，我们把上课的时间调整一下。这种变化趋势就是需求第二定律所说的：随着时间的推移，需求弹性会变得越来越高，也就是说替代品越来越多，对策越来越多。再举一个例子，比方说石油价格上涨，石油价格刚刚涨上去的时候，汽油的需求量并没有跌下来，因为人们还暂时找不到好的替代方案，但是如果石油的价格一直高涨，一直跌不下来的话，那么人们就开始会寻找新的替代方案。人们不可能在石油上涨的第一天，就把他原来笨重的耗油大的汽车卖掉，但是一年后，两年后呢，在他们重新买新车的时候呢？他们要不要考虑油耗的问题。同样，汽车生产商也会对这种现象做出调整。结果我们看到，如果石油的价格一直居高不下的话，随着时间的推移，人们就会对石油价格上涨，这种变化做出越来越充分的应对。</a:t>
-            </a:r>
+            <a:off x="247194" y="322806"/>
+            <a:ext cx="7714178" cy="997792"/>
+          </a:xfrm>
+          <a:prstGeom prst="rect">
+            <a:avLst/>
+          </a:prstGeom>
+        </p:spPr>
+        <p:txBody>
+          <a:bodyPr wrap="none">
+            <a:spAutoFit/>
+          </a:bodyPr>
+          <a:lstStyle/>
+          <a:p>
+            <a:pPr algn="ctr">
+              <a:lnSpc>
+                <a:spcPct val="90000"/>
+              </a:lnSpc>
+              <a:spcBef>
+                <a:spcPct val="0"/>
+              </a:spcBef>
+            </a:pPr>
+            <a:r>
+              <a:rPr lang="zh-CN" altLang="en-US" sz="6000" b="1" dirty="0"/>
+              <a:t>铁路垄断无直接关系</a:t>
+            </a:r>
+            <a:endParaRPr lang="zh-CN" altLang="en-US" sz="6000" b="1" dirty="0">
+              <a:latin typeface="+mj-lt"/>
+              <a:ea typeface="+mj-ea"/>
+              <a:cs typeface="+mj-cs"/>
+            </a:endParaRPr>
           </a:p>
         </p:txBody>
       </p:sp>
@@ -6743,39 +6602,36 @@
         </p:nvSpPr>
         <p:spPr>
           <a:xfrm>
-            <a:off x="204717" y="187236"/>
-            <a:ext cx="7063152" cy="584775"/>
-          </a:xfrm>
-          <a:prstGeom prst="rect">
-            <a:avLst/>
-          </a:prstGeom>
-        </p:spPr>
-        <p:txBody>
-          <a:bodyPr wrap="none">
-            <a:spAutoFit/>
-          </a:bodyPr>
-          <a:lstStyle/>
-          <a:p>
-            <a:r>
-              <a:rPr lang="en-US" altLang="zh-CN" sz="3200" dirty="0" smtClean="0"/>
-              <a:t>3</a:t>
-            </a:r>
-            <a:r>
-              <a:rPr lang="zh-CN" altLang="en-US" sz="3200" dirty="0" smtClean="0"/>
-              <a:t>.</a:t>
-            </a:r>
-            <a:r>
-              <a:rPr lang="zh-CN" altLang="en-US" sz="3200" dirty="0"/>
-              <a:t>随着时间推移，需求弹性会越来越高</a:t>
-            </a:r>
-            <a:endParaRPr lang="en-US" altLang="zh-CN" sz="3200" dirty="0"/>
+            <a:off x="491319" y="1320598"/>
+            <a:ext cx="11354937" cy="5632311"/>
+          </a:xfrm>
+          <a:prstGeom prst="rect">
+            <a:avLst/>
+          </a:prstGeom>
+        </p:spPr>
+        <p:txBody>
+          <a:bodyPr wrap="square">
+            <a:spAutoFit/>
+          </a:bodyPr>
+          <a:lstStyle/>
+          <a:p>
+            <a:r>
+              <a:rPr lang="zh-CN" altLang="en-US" sz="3600" dirty="0">
+                <a:solidFill>
+                  <a:srgbClr val="000000"/>
+                </a:solidFill>
+                <a:latin typeface="宋体" panose="02010600030101010101" pitchFamily="2" charset="-122"/>
+              </a:rPr>
+              <a:t>不少人迁怒于铁路部门的垄断特性。我赞成铁路部门通过民营化来提高效率。然而，铁路部门是否民营化，与解决春运综合症的对策没有直接关系。一方面，我们不能等到铁路民营化了，才去解决春运困难。另一方面，铁路部门民营化后，春运票价是降是升，并不容易推测。目前政府是迫于压力，承担了春运的义务，才压低了火车票价。民营化后，铁路会不会意识到廉价客运根本不如货运赚钱，从而进一步减少客运容量，大幅提高客运服务档次，以致把客运变成豪华旅游呢？至少在美国，情况就是这样。</a:t>
+            </a:r>
+            <a:endParaRPr lang="zh-CN" altLang="en-US" sz="3600" dirty="0"/>
           </a:p>
         </p:txBody>
       </p:sp>
     </p:spTree>
     <p:extLst>
       <p:ext uri="{BB962C8B-B14F-4D97-AF65-F5344CB8AC3E}">
-        <p14:creationId xmlns:p14="http://schemas.microsoft.com/office/powerpoint/2010/main" val="25770177"/>
+        <p14:creationId xmlns:p14="http://schemas.microsoft.com/office/powerpoint/2010/main" val="3610593653"/>
       </p:ext>
     </p:extLst>
   </p:cSld>
@@ -6817,8 +6673,8 @@
         </p:nvSpPr>
         <p:spPr>
           <a:xfrm>
-            <a:off x="247194" y="322806"/>
-            <a:ext cx="7714178" cy="997792"/>
+            <a:off x="535037" y="322806"/>
+            <a:ext cx="7138493" cy="923330"/>
           </a:xfrm>
           <a:prstGeom prst="rect">
             <a:avLst/>
@@ -6840,7 +6696,7 @@
             </a:pPr>
             <a:r>
               <a:rPr lang="zh-CN" altLang="en-US" sz="6000" b="1" dirty="0"/>
-              <a:t>铁路垄断无直接关系</a:t>
+              <a:t>低票价造成举国浪费</a:t>
             </a:r>
             <a:endParaRPr lang="zh-CN" altLang="en-US" sz="6000" b="1" dirty="0">
               <a:latin typeface="+mj-lt"/>
@@ -6850,10 +6706,44 @@
           </a:p>
         </p:txBody>
       </p:sp>
+      <p:sp>
+        <p:nvSpPr>
+          <p:cNvPr id="3" name="矩形 2"/>
+          <p:cNvSpPr/>
+          <p:nvPr/>
+        </p:nvSpPr>
+        <p:spPr>
+          <a:xfrm>
+            <a:off x="327547" y="1246136"/>
+            <a:ext cx="11546006" cy="5509200"/>
+          </a:xfrm>
+          <a:prstGeom prst="rect">
+            <a:avLst/>
+          </a:prstGeom>
+        </p:spPr>
+        <p:txBody>
+          <a:bodyPr wrap="square">
+            <a:spAutoFit/>
+          </a:bodyPr>
+          <a:lstStyle/>
+          <a:p>
+            <a:r>
+              <a:rPr lang="zh-CN" altLang="en-US" sz="3200" dirty="0">
+                <a:solidFill>
+                  <a:srgbClr val="000000"/>
+                </a:solidFill>
+                <a:latin typeface="宋体" panose="02010600030101010101" pitchFamily="2" charset="-122"/>
+              </a:rPr>
+              <a:t>火车票价不够高，其经济之恶，是那些用于排长队、拨电话、托关系、找黄牛、扫黄牛所耗费的努力，数以千万人的精疲力竭的努力，从整个社会上看，是被白白消耗掉的。如果这些人这段时间的努力，是用于通过他们的专业技能来服务他人，然后再把赚到的钱用以竞争火车票，那么这些乘客在争得火车票的同时，其努力也造福了其他人，也转化成了社会的财富。但现在的情况是，火车票以低价销售，人们靠排队来竞争。这种分配方式，必然引发利己不利人的资源耗散，而这种资源耗散只有通过提高票价才能消除。应该认识到，讨论火车票价问题并非“你比较重视效率就赞成提价、我比较重视公平就反对提价”的主观问题，而是一个如何消除社会浪费的客观问题。</a:t>
+            </a:r>
+            <a:endParaRPr lang="zh-CN" altLang="en-US" sz="3200" dirty="0"/>
+          </a:p>
+        </p:txBody>
+      </p:sp>
     </p:spTree>
     <p:extLst>
       <p:ext uri="{BB962C8B-B14F-4D97-AF65-F5344CB8AC3E}">
-        <p14:creationId xmlns:p14="http://schemas.microsoft.com/office/powerpoint/2010/main" val="3610593653"/>
+        <p14:creationId xmlns:p14="http://schemas.microsoft.com/office/powerpoint/2010/main" val="2684968594"/>
       </p:ext>
     </p:extLst>
   </p:cSld>
@@ -6889,7 +6779,7 @@
       </p:grpSpPr>
       <p:sp>
         <p:nvSpPr>
-          <p:cNvPr id="2" name="标题 1"/>
+          <p:cNvPr id="11" name="标题 10"/>
           <p:cNvSpPr>
             <a:spLocks noGrp="1"/>
           </p:cNvSpPr>
@@ -6899,86 +6789,17 @@
         </p:nvSpPr>
         <p:spPr>
           <a:xfrm>
-            <a:off x="1373874" y="2811440"/>
-            <a:ext cx="9144000" cy="1053366"/>
-          </a:xfrm>
-        </p:spPr>
-        <p:txBody>
-          <a:bodyPr>
-            <a:normAutofit fontScale="90000"/>
-          </a:bodyPr>
-          <a:lstStyle/>
-          <a:p>
-            <a:r>
-              <a:rPr lang="zh-CN" altLang="en-US" dirty="0"/>
-              <a:t>郝</a:t>
-            </a:r>
-            <a:r>
-              <a:rPr lang="zh-CN" altLang="en-US" dirty="0" smtClean="0"/>
-              <a:t>劲松</a:t>
-            </a:r>
-            <a:r>
-              <a:rPr lang="en-US" altLang="zh-CN" dirty="0" smtClean="0"/>
-              <a:t/>
-            </a:r>
-            <a:br>
-              <a:rPr lang="en-US" altLang="zh-CN" dirty="0" smtClean="0"/>
-            </a:br>
-            <a:r>
-              <a:rPr lang="en-US" altLang="zh-CN" dirty="0" smtClean="0"/>
-              <a:t>http://news.sina.com.cn/o/2009-01-21/044315064953s.shtml</a:t>
-            </a:r>
-            <a:endParaRPr lang="zh-CN" altLang="en-US" dirty="0"/>
-          </a:p>
-        </p:txBody>
-      </p:sp>
-      <p:sp>
-        <p:nvSpPr>
-          <p:cNvPr id="3" name="矩形 2"/>
-          <p:cNvSpPr/>
-          <p:nvPr/>
-        </p:nvSpPr>
-        <p:spPr>
-          <a:xfrm>
-            <a:off x="1373874" y="3864806"/>
-            <a:ext cx="3044423" cy="369332"/>
-          </a:xfrm>
-          <a:prstGeom prst="rect">
-            <a:avLst/>
-          </a:prstGeom>
-        </p:spPr>
-        <p:txBody>
-          <a:bodyPr wrap="square">
-            <a:spAutoFit/>
-          </a:bodyPr>
-          <a:lstStyle/>
-          <a:p>
-            <a:r>
-              <a:rPr lang="zh-CN" altLang="en-US" dirty="0">
-                <a:solidFill>
-                  <a:srgbClr val="333333"/>
-                </a:solidFill>
-                <a:latin typeface="arial" panose="020B0604020202020204" pitchFamily="34" charset="0"/>
-              </a:rPr>
-              <a:t>春运涨停 </a:t>
-            </a:r>
-            <a:r>
-              <a:rPr lang="en-US" altLang="zh-CN" dirty="0">
-                <a:solidFill>
-                  <a:srgbClr val="333333"/>
-                </a:solidFill>
-                <a:latin typeface="arial" panose="020B0604020202020204" pitchFamily="34" charset="0"/>
-              </a:rPr>
-              <a:t>24</a:t>
-            </a:r>
-            <a:r>
-              <a:rPr lang="zh-CN" altLang="en-US" dirty="0">
-                <a:solidFill>
-                  <a:srgbClr val="333333"/>
-                </a:solidFill>
-                <a:latin typeface="arial" panose="020B0604020202020204" pitchFamily="34" charset="0"/>
-              </a:rPr>
-              <a:t>小时惊天大逆转</a:t>
+            <a:off x="568657" y="494567"/>
+            <a:ext cx="4672084" cy="1320585"/>
+          </a:xfrm>
+        </p:spPr>
+        <p:txBody>
+          <a:bodyPr/>
+          <a:lstStyle/>
+          <a:p>
+            <a:r>
+              <a:rPr lang="zh-CN" altLang="en-US" b="1" dirty="0"/>
+              <a:t>价格规律</a:t>
             </a:r>
             <a:endParaRPr lang="zh-CN" altLang="en-US" dirty="0"/>
           </a:p>
@@ -6987,7 +6808,7 @@
     </p:spTree>
     <p:extLst>
       <p:ext uri="{BB962C8B-B14F-4D97-AF65-F5344CB8AC3E}">
-        <p14:creationId xmlns:p14="http://schemas.microsoft.com/office/powerpoint/2010/main" val="1562058903"/>
+        <p14:creationId xmlns:p14="http://schemas.microsoft.com/office/powerpoint/2010/main" val="3058821386"/>
       </p:ext>
     </p:extLst>
   </p:cSld>
@@ -7016,49 +6837,155 @@
       </p:grpSpPr>
       <p:sp>
         <p:nvSpPr>
-          <p:cNvPr id="2" name="矩形 1"/>
+          <p:cNvPr id="6" name="文本框 5"/>
+          <p:cNvSpPr txBox="1"/>
+          <p:nvPr/>
+        </p:nvSpPr>
+        <p:spPr>
+          <a:xfrm>
+            <a:off x="653309" y="342878"/>
+            <a:ext cx="4047903" cy="1015663"/>
+          </a:xfrm>
+          <a:prstGeom prst="rect">
+            <a:avLst/>
+          </a:prstGeom>
+          <a:noFill/>
+        </p:spPr>
+        <p:txBody>
+          <a:bodyPr wrap="none" rtlCol="0">
+            <a:spAutoFit/>
+          </a:bodyPr>
+          <a:lstStyle/>
+          <a:p>
+            <a:r>
+              <a:rPr lang="zh-CN" altLang="en-US" sz="6000" b="1" dirty="0"/>
+              <a:t>穷人怎么办</a:t>
+            </a:r>
+            <a:endParaRPr lang="zh-CN" altLang="en-US" sz="6000" b="1" dirty="0"/>
+          </a:p>
+        </p:txBody>
+      </p:sp>
+      <p:sp>
+        <p:nvSpPr>
+          <p:cNvPr id="2" name="文本框 1"/>
+          <p:cNvSpPr txBox="1"/>
+          <p:nvPr/>
+        </p:nvSpPr>
+        <p:spPr>
+          <a:xfrm>
+            <a:off x="1091821" y="1358541"/>
+            <a:ext cx="2031325" cy="369332"/>
+          </a:xfrm>
+          <a:prstGeom prst="rect">
+            <a:avLst/>
+          </a:prstGeom>
+          <a:noFill/>
+        </p:spPr>
+        <p:txBody>
+          <a:bodyPr wrap="none" rtlCol="0">
+            <a:spAutoFit/>
+          </a:bodyPr>
+          <a:lstStyle/>
+          <a:p>
+            <a:r>
+              <a:rPr lang="zh-CN" altLang="en-US" dirty="0" smtClean="0"/>
+              <a:t>购物券，市场机制</a:t>
+            </a:r>
+            <a:endParaRPr lang="zh-CN" altLang="en-US" dirty="0"/>
+          </a:p>
+        </p:txBody>
+      </p:sp>
+      <p:sp>
+        <p:nvSpPr>
+          <p:cNvPr id="4" name="文本框 3"/>
+          <p:cNvSpPr txBox="1"/>
+          <p:nvPr/>
+        </p:nvSpPr>
+        <p:spPr>
+          <a:xfrm>
+            <a:off x="1091821" y="1966962"/>
+            <a:ext cx="1406539" cy="369332"/>
+          </a:xfrm>
+          <a:prstGeom prst="rect">
+            <a:avLst/>
+          </a:prstGeom>
+          <a:noFill/>
+        </p:spPr>
+        <p:txBody>
+          <a:bodyPr wrap="none" rtlCol="0">
+            <a:spAutoFit/>
+          </a:bodyPr>
+          <a:lstStyle/>
+          <a:p>
+            <a:r>
+              <a:rPr lang="zh-CN" altLang="en-US" dirty="0" smtClean="0"/>
+              <a:t> 等待 </a:t>
+            </a:r>
+            <a:r>
+              <a:rPr lang="en-US" altLang="zh-CN" dirty="0" smtClean="0"/>
+              <a:t>outlets</a:t>
+            </a:r>
+            <a:endParaRPr lang="zh-CN" altLang="en-US" dirty="0"/>
+          </a:p>
+        </p:txBody>
+      </p:sp>
+      <p:sp>
+        <p:nvSpPr>
+          <p:cNvPr id="3" name="矩形 2"/>
           <p:cNvSpPr/>
           <p:nvPr/>
         </p:nvSpPr>
         <p:spPr>
           <a:xfrm>
-            <a:off x="535037" y="322806"/>
-            <a:ext cx="7138493" cy="923330"/>
-          </a:xfrm>
-          <a:prstGeom prst="rect">
-            <a:avLst/>
-          </a:prstGeom>
-        </p:spPr>
-        <p:txBody>
-          <a:bodyPr wrap="none">
-            <a:spAutoFit/>
-          </a:bodyPr>
-          <a:lstStyle/>
-          <a:p>
-            <a:pPr algn="ctr">
-              <a:lnSpc>
-                <a:spcPct val="90000"/>
-              </a:lnSpc>
-              <a:spcBef>
-                <a:spcPct val="0"/>
-              </a:spcBef>
-            </a:pPr>
-            <a:r>
-              <a:rPr lang="zh-CN" altLang="en-US" sz="6000" b="1" dirty="0"/>
-              <a:t>低票价造成举国浪费</a:t>
-            </a:r>
-            <a:endParaRPr lang="zh-CN" altLang="en-US" sz="6000" b="1" dirty="0">
-              <a:latin typeface="+mj-lt"/>
-              <a:ea typeface="+mj-ea"/>
-              <a:cs typeface="+mj-cs"/>
-            </a:endParaRPr>
+            <a:off x="1091821" y="2575383"/>
+            <a:ext cx="10863618" cy="3970318"/>
+          </a:xfrm>
+          <a:prstGeom prst="rect">
+            <a:avLst/>
+          </a:prstGeom>
+        </p:spPr>
+        <p:txBody>
+          <a:bodyPr wrap="square">
+            <a:spAutoFit/>
+          </a:bodyPr>
+          <a:lstStyle/>
+          <a:p>
+            <a:r>
+              <a:rPr lang="zh-CN" altLang="en-US" sz="3600" dirty="0">
+                <a:solidFill>
+                  <a:srgbClr val="000000"/>
+                </a:solidFill>
+                <a:latin typeface="宋体" panose="02010600030101010101" pitchFamily="2" charset="-122"/>
+              </a:rPr>
+              <a:t>穷人怎么办？真关心穷人，就应该行善。不妨像</a:t>
+            </a:r>
+            <a:r>
+              <a:rPr lang="zh-CN" altLang="en-US" sz="3600" u="sng" dirty="0">
+                <a:solidFill>
+                  <a:srgbClr val="485A90"/>
+                </a:solidFill>
+                <a:latin typeface="宋体" panose="02010600030101010101" pitchFamily="2" charset="-122"/>
+                <a:hlinkClick r:id="rId2"/>
+              </a:rPr>
+              <a:t>盖茨</a:t>
+            </a:r>
+            <a:r>
+              <a:rPr lang="zh-CN" altLang="en-US" sz="3600" dirty="0">
+                <a:solidFill>
+                  <a:srgbClr val="000000"/>
+                </a:solidFill>
+                <a:latin typeface="宋体" panose="02010600030101010101" pitchFamily="2" charset="-122"/>
+              </a:rPr>
+              <a:t>那样，先通过自己的专长赚钱，然后购买提价后的火车票送给穷人。或者，尊重穷人的意愿，把钱送给穷人，让他们爱买什么买什么。再不然，就努力说服别人捐款，专门用于资助穷人买火车票回家过年。这些办法都符合自愿原则和人道精神，都能避免一年一度举国排队所造成的付之东流的社会浪费。</a:t>
+            </a:r>
+            <a:endParaRPr lang="zh-CN" altLang="en-US" sz="3600" dirty="0"/>
           </a:p>
         </p:txBody>
       </p:sp>
     </p:spTree>
     <p:extLst>
       <p:ext uri="{BB962C8B-B14F-4D97-AF65-F5344CB8AC3E}">
-        <p14:creationId xmlns:p14="http://schemas.microsoft.com/office/powerpoint/2010/main" val="2684968594"/>
+        <p14:creationId xmlns:p14="http://schemas.microsoft.com/office/powerpoint/2010/main" val="2705872648"/>
       </p:ext>
     </p:extLst>
   </p:cSld>
@@ -7100,8 +7027,8 @@
         </p:nvSpPr>
         <p:spPr>
           <a:xfrm>
-            <a:off x="2963838" y="860651"/>
-            <a:ext cx="7681416" cy="646331"/>
+            <a:off x="653309" y="342878"/>
+            <a:ext cx="9456435" cy="1015663"/>
           </a:xfrm>
           <a:prstGeom prst="rect">
             <a:avLst/>
@@ -7109,53 +7036,51 @@
           <a:noFill/>
         </p:spPr>
         <p:txBody>
-          <a:bodyPr wrap="square" rtlCol="0">
-            <a:spAutoFit/>
-          </a:bodyPr>
-          <a:lstStyle/>
-          <a:p>
-            <a:r>
-              <a:rPr lang="zh-CN" altLang="en-US" sz="3600" dirty="0" smtClean="0"/>
-              <a:t>火车票价格到底高不高</a:t>
+          <a:bodyPr wrap="none" rtlCol="0">
+            <a:spAutoFit/>
+          </a:bodyPr>
+          <a:lstStyle/>
+          <a:p>
+            <a:r>
+              <a:rPr lang="zh-CN" altLang="en-US" sz="6000" b="1" dirty="0"/>
+              <a:t>回家过年并非最急迫的需求</a:t>
+            </a:r>
+          </a:p>
+        </p:txBody>
+      </p:sp>
+      <p:sp>
+        <p:nvSpPr>
+          <p:cNvPr id="3" name="矩形 2"/>
+          <p:cNvSpPr/>
+          <p:nvPr/>
+        </p:nvSpPr>
+        <p:spPr>
+          <a:xfrm>
+            <a:off x="653309" y="1358541"/>
+            <a:ext cx="10863618" cy="3416320"/>
+          </a:xfrm>
+          <a:prstGeom prst="rect">
+            <a:avLst/>
+          </a:prstGeom>
+        </p:spPr>
+        <p:txBody>
+          <a:bodyPr wrap="square">
+            <a:spAutoFit/>
+          </a:bodyPr>
+          <a:lstStyle/>
+          <a:p>
+            <a:r>
+              <a:rPr lang="zh-CN" altLang="en-US" sz="3600" dirty="0"/>
+              <a:t>话虽如此，要是真有那么一笔善款，回家过年会是首选的资助项目吗？这个世界上，有更多更迫切的需求。口说无凭只是假慈悲，看看货真价实的慈善家在干什么吧。不妨用“慈善基金会”几个字搜索一下，艾滋，乳癌，唐氏，孤寡老人，失学儿童，什么都有，就是没有“春节返乡过年基金会”的。回家过年，算老几？</a:t>
             </a:r>
             <a:endParaRPr lang="zh-CN" altLang="en-US" sz="3600" dirty="0"/>
-          </a:p>
-        </p:txBody>
-      </p:sp>
-      <p:sp>
-        <p:nvSpPr>
-          <p:cNvPr id="9" name="文本框 8"/>
-          <p:cNvSpPr txBox="1"/>
-          <p:nvPr/>
-        </p:nvSpPr>
-        <p:spPr>
-          <a:xfrm>
-            <a:off x="2963838" y="1715405"/>
-            <a:ext cx="877163" cy="369332"/>
-          </a:xfrm>
-          <a:prstGeom prst="rect">
-            <a:avLst/>
-          </a:prstGeom>
-          <a:noFill/>
-        </p:spPr>
-        <p:txBody>
-          <a:bodyPr wrap="none" rtlCol="0">
-            <a:spAutoFit/>
-          </a:bodyPr>
-          <a:lstStyle/>
-          <a:p>
-            <a:r>
-              <a:rPr lang="zh-CN" altLang="en-US" dirty="0" smtClean="0"/>
-              <a:t>回家难</a:t>
-            </a:r>
-            <a:endParaRPr lang="zh-CN" altLang="en-US" dirty="0"/>
           </a:p>
         </p:txBody>
       </p:sp>
     </p:spTree>
     <p:extLst>
       <p:ext uri="{BB962C8B-B14F-4D97-AF65-F5344CB8AC3E}">
-        <p14:creationId xmlns:p14="http://schemas.microsoft.com/office/powerpoint/2010/main" val="1783311368"/>
+        <p14:creationId xmlns:p14="http://schemas.microsoft.com/office/powerpoint/2010/main" val="2052362195"/>
       </p:ext>
     </p:extLst>
   </p:cSld>
@@ -7197,8 +7122,8 @@
         </p:nvSpPr>
         <p:spPr>
           <a:xfrm>
-            <a:off x="2963838" y="860651"/>
-            <a:ext cx="7681416" cy="1200329"/>
+            <a:off x="653309" y="342878"/>
+            <a:ext cx="6365845" cy="1015663"/>
           </a:xfrm>
           <a:prstGeom prst="rect">
             <a:avLst/>
@@ -7206,132 +7131,51 @@
           <a:noFill/>
         </p:spPr>
         <p:txBody>
-          <a:bodyPr wrap="square" rtlCol="0">
-            <a:spAutoFit/>
-          </a:bodyPr>
-          <a:lstStyle/>
-          <a:p>
-            <a:r>
-              <a:rPr lang="zh-CN" altLang="en-US" sz="3600" dirty="0"/>
-              <a:t>为什么火车票价格不能</a:t>
-            </a:r>
-            <a:r>
-              <a:rPr lang="zh-CN" altLang="en-US" sz="3600" dirty="0" smtClean="0"/>
-              <a:t>上涨</a:t>
-            </a:r>
-            <a:endParaRPr lang="en-US" altLang="zh-CN" sz="3600" dirty="0" smtClean="0"/>
-          </a:p>
-          <a:p>
-            <a:r>
-              <a:rPr lang="zh-CN" altLang="en-US" sz="3600" dirty="0" smtClean="0"/>
-              <a:t>价格管制原因（</a:t>
-            </a:r>
-            <a:r>
-              <a:rPr lang="en-US" altLang="zh-CN" sz="3600" dirty="0" smtClean="0"/>
-              <a:t>12</a:t>
-            </a:r>
-            <a:r>
-              <a:rPr lang="zh-CN" altLang="en-US" sz="3600" dirty="0" smtClean="0"/>
-              <a:t>周问答）</a:t>
-            </a:r>
-            <a:endParaRPr lang="zh-CN" altLang="en-US" sz="3600" dirty="0"/>
-          </a:p>
-        </p:txBody>
-      </p:sp>
-      <p:sp>
-        <p:nvSpPr>
-          <p:cNvPr id="4" name="文本框 3"/>
-          <p:cNvSpPr txBox="1"/>
-          <p:nvPr/>
-        </p:nvSpPr>
-        <p:spPr>
-          <a:xfrm>
-            <a:off x="3118763" y="2320119"/>
-            <a:ext cx="646331" cy="369332"/>
-          </a:xfrm>
-          <a:prstGeom prst="rect">
-            <a:avLst/>
-          </a:prstGeom>
-          <a:noFill/>
-        </p:spPr>
-        <p:txBody>
           <a:bodyPr wrap="none" rtlCol="0">
             <a:spAutoFit/>
           </a:bodyPr>
           <a:lstStyle/>
           <a:p>
             <a:r>
-              <a:rPr lang="zh-CN" altLang="en-US" dirty="0" smtClean="0"/>
-              <a:t>维稳</a:t>
-            </a:r>
-            <a:endParaRPr lang="zh-CN" altLang="en-US" dirty="0"/>
-          </a:p>
-        </p:txBody>
-      </p:sp>
-      <p:sp>
-        <p:nvSpPr>
-          <p:cNvPr id="7" name="文本框 6"/>
-          <p:cNvSpPr txBox="1"/>
-          <p:nvPr/>
-        </p:nvSpPr>
-        <p:spPr>
-          <a:xfrm>
-            <a:off x="3100315" y="2884395"/>
-            <a:ext cx="2829621" cy="369332"/>
-          </a:xfrm>
-          <a:prstGeom prst="rect">
-            <a:avLst/>
-          </a:prstGeom>
-          <a:noFill/>
-        </p:spPr>
-        <p:txBody>
-          <a:bodyPr wrap="none" rtlCol="0">
-            <a:spAutoFit/>
-          </a:bodyPr>
-          <a:lstStyle/>
-          <a:p>
-            <a:r>
-              <a:rPr lang="zh-CN" altLang="en-US" dirty="0" smtClean="0"/>
-              <a:t>既得利益者， 学生， 官员</a:t>
-            </a:r>
-            <a:endParaRPr lang="zh-CN" altLang="en-US" dirty="0"/>
-          </a:p>
-        </p:txBody>
-      </p:sp>
-      <p:sp>
-        <p:nvSpPr>
-          <p:cNvPr id="8" name="文本框 7"/>
-          <p:cNvSpPr txBox="1"/>
-          <p:nvPr/>
-        </p:nvSpPr>
-        <p:spPr>
-          <a:xfrm>
-            <a:off x="3100315" y="3448671"/>
-            <a:ext cx="1107996" cy="369332"/>
-          </a:xfrm>
-          <a:prstGeom prst="rect">
-            <a:avLst/>
-          </a:prstGeom>
-          <a:noFill/>
-        </p:spPr>
-        <p:txBody>
-          <a:bodyPr wrap="none" rtlCol="0">
-            <a:spAutoFit/>
-          </a:bodyPr>
-          <a:lstStyle/>
-          <a:p>
-            <a:r>
-              <a:rPr lang="zh-CN" altLang="en-US" dirty="0" smtClean="0"/>
-              <a:t>人们无知</a:t>
-            </a:r>
-            <a:endParaRPr lang="zh-CN" altLang="en-US" dirty="0"/>
+              <a:rPr lang="zh-CN" altLang="en-US" sz="6000" b="1" dirty="0"/>
+              <a:t>提价没有伤害穷人</a:t>
+            </a:r>
+          </a:p>
+        </p:txBody>
+      </p:sp>
+      <p:sp>
+        <p:nvSpPr>
+          <p:cNvPr id="3" name="矩形 2"/>
+          <p:cNvSpPr/>
+          <p:nvPr/>
+        </p:nvSpPr>
+        <p:spPr>
+          <a:xfrm>
+            <a:off x="653309" y="1358541"/>
+            <a:ext cx="10863618" cy="5509200"/>
+          </a:xfrm>
+          <a:prstGeom prst="rect">
+            <a:avLst/>
+          </a:prstGeom>
+        </p:spPr>
+        <p:txBody>
+          <a:bodyPr wrap="square">
+            <a:spAutoFit/>
+          </a:bodyPr>
+          <a:lstStyle/>
+          <a:p>
+            <a:r>
+              <a:rPr lang="zh-CN" altLang="en-US" sz="3200" dirty="0"/>
+              <a:t>关心穷人的人还应该认识到，火车票提价其实并不增加穷人负担。是且只是旅客之间在春运期间的竞争，增加了穷人的负担。火车票的实际价格，已经被，而且只被，旅客之间的竞争推高了。经济学者要讨论的，只是名义车票是否跟上实际价格所造成的不同结果而已。在火车票的名义价格不跟上实际价格的情况下，穷人凭借其体力和时间参与竞争。但这并非对穷人有利，因为富人也可以出钱请体力很好的人与穷人竞争，也可以请购置了“电话追拨器”等设备的人来抢线。即便是火车票不提价，穷人也不能避免来自富人的竞争。当我们认识到穷人未必就是更强壮的人，也未必是更有手段的人的时候，这一点就更清楚了。</a:t>
+            </a:r>
+            <a:endParaRPr lang="zh-CN" altLang="en-US" sz="3200" dirty="0"/>
           </a:p>
         </p:txBody>
       </p:sp>
     </p:spTree>
     <p:extLst>
       <p:ext uri="{BB962C8B-B14F-4D97-AF65-F5344CB8AC3E}">
-        <p14:creationId xmlns:p14="http://schemas.microsoft.com/office/powerpoint/2010/main" val="3890439"/>
+        <p14:creationId xmlns:p14="http://schemas.microsoft.com/office/powerpoint/2010/main" val="87179417"/>
       </p:ext>
     </p:extLst>
   </p:cSld>
@@ -7373,8 +7217,8 @@
         </p:nvSpPr>
         <p:spPr>
           <a:xfrm>
-            <a:off x="2336039" y="587697"/>
-            <a:ext cx="6316922" cy="646331"/>
+            <a:off x="653309" y="342878"/>
+            <a:ext cx="4820550" cy="1015663"/>
           </a:xfrm>
           <a:prstGeom prst="rect">
             <a:avLst/>
@@ -7388,49 +7232,8 @@
           <a:lstStyle/>
           <a:p>
             <a:r>
-              <a:rPr lang="zh-CN" altLang="en-US" sz="3600" dirty="0" smtClean="0"/>
-              <a:t>如何解决火车票购票难得问题</a:t>
-            </a:r>
-            <a:endParaRPr lang="zh-CN" altLang="en-US" sz="3600" dirty="0"/>
-          </a:p>
-        </p:txBody>
-      </p:sp>
-      <p:sp>
-        <p:nvSpPr>
-          <p:cNvPr id="2" name="矩形 1"/>
-          <p:cNvSpPr/>
-          <p:nvPr/>
-        </p:nvSpPr>
-        <p:spPr>
-          <a:xfrm>
-            <a:off x="2336039" y="2015192"/>
-            <a:ext cx="2206053" cy="369332"/>
-          </a:xfrm>
-          <a:prstGeom prst="rect">
-            <a:avLst/>
-          </a:prstGeom>
-        </p:spPr>
-        <p:txBody>
-          <a:bodyPr wrap="none">
-            <a:spAutoFit/>
-          </a:bodyPr>
-          <a:lstStyle/>
-          <a:p>
-            <a:r>
-              <a:rPr lang="en-US" altLang="zh-CN" dirty="0"/>
-              <a:t>2</a:t>
-            </a:r>
-            <a:r>
-              <a:rPr lang="en-US" altLang="zh-CN" dirty="0" smtClean="0"/>
-              <a:t>.</a:t>
-            </a:r>
-            <a:r>
-              <a:rPr lang="zh-CN" altLang="en-US" dirty="0" smtClean="0"/>
-              <a:t>黄牛</a:t>
-            </a:r>
-            <a:r>
-              <a:rPr lang="zh-CN" altLang="en-US" dirty="0"/>
-              <a:t>节省无谓损失</a:t>
+              <a:rPr lang="zh-CN" altLang="en-US" sz="6000" b="1" dirty="0"/>
+              <a:t>不能怪黄牛党</a:t>
             </a:r>
           </a:p>
         </p:txBody>
@@ -7443,77 +7246,44 @@
         </p:nvSpPr>
         <p:spPr>
           <a:xfrm>
-            <a:off x="2336039" y="1439944"/>
-            <a:ext cx="2436886" cy="369332"/>
-          </a:xfrm>
-          <a:prstGeom prst="rect">
-            <a:avLst/>
-          </a:prstGeom>
-        </p:spPr>
-        <p:txBody>
-          <a:bodyPr wrap="none">
-            <a:spAutoFit/>
-          </a:bodyPr>
-          <a:lstStyle/>
-          <a:p>
-            <a:r>
-              <a:rPr lang="en-US" altLang="zh-CN" dirty="0" smtClean="0"/>
-              <a:t>1.</a:t>
-            </a:r>
-            <a:r>
-              <a:rPr lang="zh-CN" altLang="en-US" dirty="0" smtClean="0"/>
-              <a:t>实名制</a:t>
-            </a:r>
-            <a:r>
-              <a:rPr lang="zh-CN" altLang="en-US" dirty="0"/>
-              <a:t>使火车票更贵</a:t>
-            </a:r>
-          </a:p>
-        </p:txBody>
-      </p:sp>
-      <p:sp>
-        <p:nvSpPr>
-          <p:cNvPr id="5" name="矩形 4"/>
-          <p:cNvSpPr/>
-          <p:nvPr/>
-        </p:nvSpPr>
-        <p:spPr>
-          <a:xfrm>
-            <a:off x="2336038" y="2590440"/>
-            <a:ext cx="2667718" cy="369332"/>
-          </a:xfrm>
-          <a:prstGeom prst="rect">
-            <a:avLst/>
-          </a:prstGeom>
-        </p:spPr>
-        <p:txBody>
-          <a:bodyPr wrap="none">
-            <a:spAutoFit/>
-          </a:bodyPr>
-          <a:lstStyle/>
-          <a:p>
-            <a:r>
-              <a:rPr lang="en-US" altLang="zh-CN" dirty="0" smtClean="0"/>
-              <a:t>3.</a:t>
-            </a:r>
-            <a:r>
-              <a:rPr lang="zh-CN" altLang="en-US" dirty="0" smtClean="0"/>
-              <a:t>放开火车票的价格管制</a:t>
-            </a:r>
-            <a:endParaRPr lang="zh-CN" altLang="en-US" dirty="0"/>
+            <a:off x="653309" y="1358541"/>
+            <a:ext cx="10863618" cy="5262979"/>
+          </a:xfrm>
+          <a:prstGeom prst="rect">
+            <a:avLst/>
+          </a:prstGeom>
+        </p:spPr>
+        <p:txBody>
+          <a:bodyPr wrap="square">
+            <a:spAutoFit/>
+          </a:bodyPr>
+          <a:lstStyle/>
+          <a:p>
+            <a:r>
+              <a:rPr lang="zh-CN" altLang="en-US" sz="2800" dirty="0"/>
+              <a:t>春运综合症的根源，在于短期需求激增。是需求激增，抬高了实际票价。这时候，如果铁路系统还是按低价售票，那么已经被需求抬高了的实际票价，与铁路系统确定的纸面定价之间，就出现了显著的差额。这个差额是招引黄牛党的根源。要强调，不是黄牛党抢先买好了车票，就能随心所欲地加码，然后卖给乘客，从而增加乘客负担的。恰恰相反，是乘客之间因为争夺火车票，使得火车票的实际票价大大超过了票面价格，所以才为黄牛党创造了颠扑不破的生存空间。黄牛党的存在，并没有给乘客带来额外的负担；相反，是乘客在春运高峰期本来就乐意支付的较高票价或排队成本，引来了乐意提供有偿服务的人。只是社会误解了这些人的功能，语带讥讽地把他们叫做“黄牛党”罢了。各种各样打击黄牛党的策略，没有正视这个经济因果关系，所以注定是无效的。</a:t>
+            </a:r>
+            <a:endParaRPr lang="zh-CN" altLang="en-US" sz="2800" dirty="0"/>
           </a:p>
         </p:txBody>
       </p:sp>
     </p:spTree>
     <p:extLst>
       <p:ext uri="{BB962C8B-B14F-4D97-AF65-F5344CB8AC3E}">
-        <p14:creationId xmlns:p14="http://schemas.microsoft.com/office/powerpoint/2010/main" val="2900519539"/>
+        <p14:creationId xmlns:p14="http://schemas.microsoft.com/office/powerpoint/2010/main" val="213656459"/>
       </p:ext>
     </p:extLst>
   </p:cSld>
   <p:clrMapOvr>
     <a:masterClrMapping/>
   </p:clrMapOvr>
+  <p:timing>
+    <p:tnLst>
+      <p:par>
+        <p:cTn id="1" dur="indefinite" restart="never" nodeType="tmRoot"/>
+      </p:par>
+    </p:tnLst>
+  </p:timing>
 </p:sld>
 </file>
 
@@ -7542,8 +7312,8 @@
         </p:nvSpPr>
         <p:spPr>
           <a:xfrm>
-            <a:off x="2963838" y="860651"/>
-            <a:ext cx="2031325" cy="646331"/>
+            <a:off x="653309" y="342878"/>
+            <a:ext cx="4047903" cy="1015663"/>
           </a:xfrm>
           <a:prstGeom prst="rect">
             <a:avLst/>
@@ -7557,20 +7327,45 @@
           <a:lstStyle/>
           <a:p>
             <a:r>
-              <a:rPr lang="zh-CN" altLang="en-US" sz="3600" dirty="0" smtClean="0"/>
-              <a:t>价格</a:t>
-            </a:r>
-            <a:r>
-              <a:rPr lang="zh-CN" altLang="en-US" sz="3600" dirty="0"/>
-              <a:t>管制</a:t>
-            </a:r>
+              <a:rPr lang="zh-CN" altLang="en-US" sz="6000" b="1" dirty="0"/>
+              <a:t>实名制无效</a:t>
+            </a:r>
+          </a:p>
+        </p:txBody>
+      </p:sp>
+      <p:sp>
+        <p:nvSpPr>
+          <p:cNvPr id="3" name="矩形 2"/>
+          <p:cNvSpPr/>
+          <p:nvPr/>
+        </p:nvSpPr>
+        <p:spPr>
+          <a:xfrm>
+            <a:off x="653309" y="1358541"/>
+            <a:ext cx="10863618" cy="5016758"/>
+          </a:xfrm>
+          <a:prstGeom prst="rect">
+            <a:avLst/>
+          </a:prstGeom>
+        </p:spPr>
+        <p:txBody>
+          <a:bodyPr wrap="square">
+            <a:spAutoFit/>
+          </a:bodyPr>
+          <a:lstStyle/>
+          <a:p>
+            <a:r>
+              <a:rPr lang="zh-CN" altLang="en-US" sz="3200" dirty="0"/>
+              <a:t>在诸多无效的策略中，包括了今年新出台的实名制。我们知道，实名制运用于航空，是基于安全的考虑。既然实名制不增加运力，那么想靠它来解决买票难问题，消灭黄牛党，恢复火车站秩序，就是牛头不对马嘴。当前试行的实名制，是允许他人代购车票的，但通过代购车票收取报酬，不正是黄牛党所为吗？实名制抑制黄牛党如何可能？讽刺的是，广州铁路决定，人太多时就停止验票。那这跟设计一款天太热就停止制冷的空调有何区别？这些简单的问题，在耗资亿元的实名制措施上马以前，根本没有准备好答案。当然，本来就不可能有答案。</a:t>
+            </a:r>
+            <a:endParaRPr lang="zh-CN" altLang="en-US" sz="3200" dirty="0"/>
           </a:p>
         </p:txBody>
       </p:sp>
     </p:spTree>
     <p:extLst>
       <p:ext uri="{BB962C8B-B14F-4D97-AF65-F5344CB8AC3E}">
-        <p14:creationId xmlns:p14="http://schemas.microsoft.com/office/powerpoint/2010/main" val="2803786362"/>
+        <p14:creationId xmlns:p14="http://schemas.microsoft.com/office/powerpoint/2010/main" val="3600098095"/>
       </p:ext>
     </p:extLst>
   </p:cSld>
@@ -7612,8 +7407,8 @@
         </p:nvSpPr>
         <p:spPr>
           <a:xfrm>
-            <a:off x="2963838" y="860651"/>
-            <a:ext cx="3884397" cy="646331"/>
+            <a:off x="653309" y="342878"/>
+            <a:ext cx="6365845" cy="1015663"/>
           </a:xfrm>
           <a:prstGeom prst="rect">
             <a:avLst/>
@@ -7627,115 +7422,45 @@
           <a:lstStyle/>
           <a:p>
             <a:r>
-              <a:rPr lang="zh-CN" altLang="en-US" sz="3600" dirty="0" smtClean="0"/>
-              <a:t>价格的作用（</a:t>
-            </a:r>
-            <a:r>
-              <a:rPr lang="en-US" altLang="zh-CN" sz="3600" dirty="0" smtClean="0"/>
-              <a:t>52</a:t>
-            </a:r>
-            <a:r>
-              <a:rPr lang="zh-CN" altLang="en-US" sz="3600" dirty="0" smtClean="0"/>
-              <a:t>）</a:t>
-            </a:r>
-            <a:endParaRPr lang="zh-CN" altLang="en-US" sz="3600" dirty="0"/>
-          </a:p>
-        </p:txBody>
-      </p:sp>
-      <p:sp>
-        <p:nvSpPr>
-          <p:cNvPr id="2" name="文本框 1"/>
-          <p:cNvSpPr txBox="1"/>
-          <p:nvPr/>
-        </p:nvSpPr>
-        <p:spPr>
-          <a:xfrm>
-            <a:off x="3138985" y="2115403"/>
-            <a:ext cx="1359668" cy="369332"/>
-          </a:xfrm>
-          <a:prstGeom prst="rect">
-            <a:avLst/>
-          </a:prstGeom>
-          <a:noFill/>
-        </p:spPr>
-        <p:txBody>
-          <a:bodyPr wrap="none" rtlCol="0">
-            <a:spAutoFit/>
-          </a:bodyPr>
-          <a:lstStyle/>
-          <a:p>
-            <a:r>
-              <a:rPr lang="zh-CN" altLang="en-US" dirty="0" smtClean="0"/>
-              <a:t>传递稀缺性</a:t>
-            </a:r>
-            <a:endParaRPr lang="zh-CN" altLang="en-US" dirty="0"/>
-          </a:p>
-        </p:txBody>
-      </p:sp>
-      <p:sp>
-        <p:nvSpPr>
-          <p:cNvPr id="4" name="文本框 3"/>
-          <p:cNvSpPr txBox="1"/>
-          <p:nvPr/>
-        </p:nvSpPr>
-        <p:spPr>
-          <a:xfrm>
-            <a:off x="3138985" y="2723824"/>
-            <a:ext cx="1107996" cy="369332"/>
-          </a:xfrm>
-          <a:prstGeom prst="rect">
-            <a:avLst/>
-          </a:prstGeom>
-          <a:noFill/>
-        </p:spPr>
-        <p:txBody>
-          <a:bodyPr wrap="none" rtlCol="0">
-            <a:spAutoFit/>
-          </a:bodyPr>
-          <a:lstStyle/>
-          <a:p>
-            <a:r>
-              <a:rPr lang="zh-CN" altLang="en-US" dirty="0" smtClean="0"/>
-              <a:t>指导生产</a:t>
-            </a:r>
-            <a:endParaRPr lang="zh-CN" altLang="en-US" dirty="0"/>
-          </a:p>
-        </p:txBody>
-      </p:sp>
-      <p:sp>
-        <p:nvSpPr>
-          <p:cNvPr id="5" name="文本框 4"/>
-          <p:cNvSpPr txBox="1"/>
-          <p:nvPr/>
-        </p:nvSpPr>
-        <p:spPr>
-          <a:xfrm>
-            <a:off x="3138985" y="3397956"/>
-            <a:ext cx="4976042" cy="369332"/>
-          </a:xfrm>
-          <a:prstGeom prst="rect">
-            <a:avLst/>
-          </a:prstGeom>
-          <a:noFill/>
-        </p:spPr>
-        <p:txBody>
-          <a:bodyPr wrap="none" rtlCol="0">
-            <a:spAutoFit/>
-          </a:bodyPr>
-          <a:lstStyle/>
-          <a:p>
-            <a:r>
-              <a:rPr lang="zh-CN" altLang="en-US" dirty="0" smtClean="0"/>
-              <a:t>指导产品分配，饼能做多大，取决于怎么分饼</a:t>
-            </a:r>
-            <a:endParaRPr lang="zh-CN" altLang="en-US" dirty="0"/>
+              <a:rPr lang="zh-CN" altLang="en-US" sz="6000" b="1" dirty="0"/>
+              <a:t>公共政策缺乏问责</a:t>
+            </a:r>
+          </a:p>
+        </p:txBody>
+      </p:sp>
+      <p:sp>
+        <p:nvSpPr>
+          <p:cNvPr id="3" name="矩形 2"/>
+          <p:cNvSpPr/>
+          <p:nvPr/>
+        </p:nvSpPr>
+        <p:spPr>
+          <a:xfrm>
+            <a:off x="653309" y="1358541"/>
+            <a:ext cx="10863618" cy="5262979"/>
+          </a:xfrm>
+          <a:prstGeom prst="rect">
+            <a:avLst/>
+          </a:prstGeom>
+        </p:spPr>
+        <p:txBody>
+          <a:bodyPr wrap="square">
+            <a:spAutoFit/>
+          </a:bodyPr>
+          <a:lstStyle/>
+          <a:p>
+            <a:r>
+              <a:rPr lang="zh-CN" altLang="en-US" sz="2800" dirty="0"/>
+              <a:t>除了经济规律，我们还能看到，当一个市场本来就能妥善解决的问题，放到社会大讨论和官僚机构那里，会产生多么糟糕的结果。推动这个糟糕结果的，有蹩脚的学界，即那些谈论需求刚性的思想者；有不负责任的舆论，即那些声称同情穷人却忍看他们狼狈不堪甚至陷入危险的观众；有敷衍了事的体制，即那些明知无效而硬让实名制上马的官员；还有以偏盖全的媒体，即那些突出报道某些人幸运地买到原价票的记者和编辑。相反，如果铁路是民营的，那它的所有者和管理者，就不会容许本来属于它的收入，因为票价过低而流入售票职员和黄牛党的腰包。如果火车站是民营的，那它就无法承担在其营业范围内旅客被挤伤、逼疯、踩死所引发的民事责任。我国对商店的低价促销活动有明确规定，目的是防范混乱和事故，遗憾的是它们似乎不适用于国营铁路的春运促销。</a:t>
+            </a:r>
+            <a:endParaRPr lang="zh-CN" altLang="en-US" sz="2800" dirty="0"/>
           </a:p>
         </p:txBody>
       </p:sp>
     </p:spTree>
     <p:extLst>
       <p:ext uri="{BB962C8B-B14F-4D97-AF65-F5344CB8AC3E}">
-        <p14:creationId xmlns:p14="http://schemas.microsoft.com/office/powerpoint/2010/main" val="1088437163"/>
+        <p14:creationId xmlns:p14="http://schemas.microsoft.com/office/powerpoint/2010/main" val="3485217260"/>
       </p:ext>
     </p:extLst>
   </p:cSld>
@@ -7777,8 +7502,8 @@
         </p:nvSpPr>
         <p:spPr>
           <a:xfrm>
-            <a:off x="2963838" y="860651"/>
-            <a:ext cx="3416320" cy="646331"/>
+            <a:off x="653309" y="342878"/>
+            <a:ext cx="3275256" cy="1015663"/>
           </a:xfrm>
           <a:prstGeom prst="rect">
             <a:avLst/>
@@ -7792,17 +7517,90 @@
           <a:lstStyle/>
           <a:p>
             <a:r>
-              <a:rPr lang="zh-CN" altLang="en-US" sz="3600" dirty="0" smtClean="0"/>
-              <a:t>美国的房租管制</a:t>
-            </a:r>
-            <a:endParaRPr lang="zh-CN" altLang="en-US" sz="3600" dirty="0"/>
+              <a:rPr lang="zh-CN" altLang="en-US" sz="6000" b="1" dirty="0"/>
+              <a:t>三条对策</a:t>
+            </a:r>
+          </a:p>
+        </p:txBody>
+      </p:sp>
+      <p:sp>
+        <p:nvSpPr>
+          <p:cNvPr id="3" name="矩形 2"/>
+          <p:cNvSpPr/>
+          <p:nvPr/>
+        </p:nvSpPr>
+        <p:spPr>
+          <a:xfrm>
+            <a:off x="653309" y="1358541"/>
+            <a:ext cx="10863618" cy="5016758"/>
+          </a:xfrm>
+          <a:prstGeom prst="rect">
+            <a:avLst/>
+          </a:prstGeom>
+        </p:spPr>
+        <p:txBody>
+          <a:bodyPr wrap="square">
+            <a:spAutoFit/>
+          </a:bodyPr>
+          <a:lstStyle/>
+          <a:p>
+            <a:r>
+              <a:rPr lang="zh-CN" altLang="en-US" sz="3200" dirty="0"/>
+              <a:t> 最后，让我回答三个问题</a:t>
+            </a:r>
+            <a:r>
+              <a:rPr lang="zh-CN" altLang="en-US" sz="3200" dirty="0" smtClean="0"/>
+              <a:t>。</a:t>
+            </a:r>
+            <a:endParaRPr lang="en-US" altLang="zh-CN" sz="3200" dirty="0" smtClean="0"/>
+          </a:p>
+          <a:p>
+            <a:r>
+              <a:rPr lang="zh-CN" altLang="en-US" sz="3200" dirty="0" smtClean="0"/>
+              <a:t>一</a:t>
+            </a:r>
+            <a:r>
+              <a:rPr lang="zh-CN" altLang="en-US" sz="3200" dirty="0"/>
+              <a:t>，火车票提价多少才算充分？提到春运恢复正常秩序时算充分</a:t>
+            </a:r>
+            <a:r>
+              <a:rPr lang="zh-CN" altLang="en-US" sz="3200" dirty="0" smtClean="0"/>
+              <a:t>。</a:t>
+            </a:r>
+            <a:endParaRPr lang="en-US" altLang="zh-CN" sz="3200" dirty="0" smtClean="0"/>
+          </a:p>
+          <a:p>
+            <a:r>
+              <a:rPr lang="zh-CN" altLang="en-US" sz="3200" dirty="0" smtClean="0"/>
+              <a:t>二</a:t>
+            </a:r>
+            <a:r>
+              <a:rPr lang="zh-CN" altLang="en-US" sz="3200" dirty="0"/>
+              <a:t>，怎样提价才合理？年前逐日递增，年后逐日递减，从而鼓励时间成本低的人早走晚归</a:t>
+            </a:r>
+            <a:r>
+              <a:rPr lang="zh-CN" altLang="en-US" sz="3200" dirty="0" smtClean="0"/>
+              <a:t>。</a:t>
+            </a:r>
+            <a:endParaRPr lang="en-US" altLang="zh-CN" sz="3200" dirty="0" smtClean="0"/>
+          </a:p>
+          <a:p>
+            <a:r>
+              <a:rPr lang="zh-CN" altLang="en-US" sz="3200" dirty="0" smtClean="0"/>
+              <a:t>三</a:t>
+            </a:r>
+            <a:r>
+              <a:rPr lang="zh-CN" altLang="en-US" sz="3200" dirty="0"/>
+              <a:t>，提价的后果是什么？部分出价最低但未必是最穷的人不能成行了，因为超过了运力的负荷，就必然会产生悲剧。除此以外，其他旅客照样可以回家，但他们并不通过排队来争得车票，而是凭劳动所得或他人捐助，购买充分提价的火车票回家。</a:t>
+            </a:r>
+            <a:endParaRPr lang="zh-CN" altLang="en-US" sz="3200" dirty="0"/>
           </a:p>
         </p:txBody>
       </p:sp>
     </p:spTree>
     <p:extLst>
       <p:ext uri="{BB962C8B-B14F-4D97-AF65-F5344CB8AC3E}">
-        <p14:creationId xmlns:p14="http://schemas.microsoft.com/office/powerpoint/2010/main" val="3254254311"/>
+        <p14:creationId xmlns:p14="http://schemas.microsoft.com/office/powerpoint/2010/main" val="370736861"/>
       </p:ext>
     </p:extLst>
   </p:cSld>
@@ -7845,7 +7643,7 @@
         <p:spPr>
           <a:xfrm>
             <a:off x="2963838" y="860651"/>
-            <a:ext cx="3701654" cy="646331"/>
+            <a:ext cx="7681416" cy="646331"/>
           </a:xfrm>
           <a:prstGeom prst="rect">
             <a:avLst/>
@@ -7853,192 +7651,53 @@
           <a:noFill/>
         </p:spPr>
         <p:txBody>
+          <a:bodyPr wrap="square" rtlCol="0">
+            <a:spAutoFit/>
+          </a:bodyPr>
+          <a:lstStyle/>
+          <a:p>
+            <a:r>
+              <a:rPr lang="zh-CN" altLang="en-US" sz="3600" dirty="0" smtClean="0"/>
+              <a:t>火车票价格到底高不高</a:t>
+            </a:r>
+            <a:endParaRPr lang="zh-CN" altLang="en-US" sz="3600" dirty="0"/>
+          </a:p>
+        </p:txBody>
+      </p:sp>
+      <p:sp>
+        <p:nvSpPr>
+          <p:cNvPr id="9" name="文本框 8"/>
+          <p:cNvSpPr txBox="1"/>
+          <p:nvPr/>
+        </p:nvSpPr>
+        <p:spPr>
+          <a:xfrm>
+            <a:off x="2963838" y="1715405"/>
+            <a:ext cx="877163" cy="369332"/>
+          </a:xfrm>
+          <a:prstGeom prst="rect">
+            <a:avLst/>
+          </a:prstGeom>
+          <a:noFill/>
+        </p:spPr>
+        <p:txBody>
           <a:bodyPr wrap="none" rtlCol="0">
             <a:spAutoFit/>
           </a:bodyPr>
           <a:lstStyle/>
           <a:p>
             <a:r>
-              <a:rPr lang="zh-CN" altLang="en-US" sz="3600" dirty="0"/>
-              <a:t>解除</a:t>
-            </a:r>
-            <a:r>
-              <a:rPr lang="zh-CN" altLang="en-US" sz="3600" dirty="0" smtClean="0"/>
-              <a:t>价格管制</a:t>
-            </a:r>
-            <a:r>
-              <a:rPr lang="en-US" altLang="zh-CN" sz="3600" dirty="0" smtClean="0"/>
-              <a:t>(47)</a:t>
-            </a:r>
-            <a:endParaRPr lang="zh-CN" altLang="en-US" sz="3600" dirty="0"/>
-          </a:p>
-        </p:txBody>
-      </p:sp>
-      <p:sp>
-        <p:nvSpPr>
-          <p:cNvPr id="3" name="文本框 2"/>
-          <p:cNvSpPr txBox="1"/>
-          <p:nvPr/>
-        </p:nvSpPr>
-        <p:spPr>
-          <a:xfrm>
-            <a:off x="2873383" y="1736580"/>
-            <a:ext cx="1569660" cy="369332"/>
-          </a:xfrm>
-          <a:prstGeom prst="rect">
-            <a:avLst/>
-          </a:prstGeom>
-          <a:noFill/>
-        </p:spPr>
-        <p:txBody>
-          <a:bodyPr wrap="none" rtlCol="0">
-            <a:spAutoFit/>
-          </a:bodyPr>
-          <a:lstStyle/>
-          <a:p>
-            <a:r>
               <a:rPr lang="zh-CN" altLang="en-US" dirty="0" smtClean="0"/>
-              <a:t>解除价格管制</a:t>
+              <a:t>回家难</a:t>
             </a:r>
             <a:endParaRPr lang="zh-CN" altLang="en-US" dirty="0"/>
-          </a:p>
-        </p:txBody>
-      </p:sp>
-      <p:sp>
-        <p:nvSpPr>
-          <p:cNvPr id="4" name="文本框 3"/>
-          <p:cNvSpPr txBox="1"/>
-          <p:nvPr/>
-        </p:nvSpPr>
-        <p:spPr>
-          <a:xfrm>
-            <a:off x="3710837" y="2231007"/>
-            <a:ext cx="2954655" cy="369332"/>
-          </a:xfrm>
-          <a:prstGeom prst="rect">
-            <a:avLst/>
-          </a:prstGeom>
-          <a:noFill/>
-        </p:spPr>
-        <p:txBody>
-          <a:bodyPr wrap="none" rtlCol="0">
-            <a:spAutoFit/>
-          </a:bodyPr>
-          <a:lstStyle/>
-          <a:p>
-            <a:r>
-              <a:rPr lang="en-US" altLang="zh-CN" dirty="0" smtClean="0"/>
-              <a:t>《</a:t>
-            </a:r>
-            <a:r>
-              <a:rPr lang="zh-CN" altLang="en-US" dirty="0" smtClean="0"/>
-              <a:t>制高点：世界经济之战</a:t>
-            </a:r>
-            <a:r>
-              <a:rPr lang="en-US" altLang="zh-CN" dirty="0" smtClean="0"/>
-              <a:t>》</a:t>
-            </a:r>
-            <a:endParaRPr lang="zh-CN" altLang="en-US" dirty="0"/>
-          </a:p>
-        </p:txBody>
-      </p:sp>
-      <p:sp>
-        <p:nvSpPr>
-          <p:cNvPr id="5" name="文本框 4"/>
-          <p:cNvSpPr txBox="1"/>
-          <p:nvPr/>
-        </p:nvSpPr>
-        <p:spPr>
-          <a:xfrm>
-            <a:off x="3042679" y="2231007"/>
-            <a:ext cx="877163" cy="369332"/>
-          </a:xfrm>
-          <a:prstGeom prst="rect">
-            <a:avLst/>
-          </a:prstGeom>
-          <a:noFill/>
-        </p:spPr>
-        <p:txBody>
-          <a:bodyPr wrap="none" rtlCol="0">
-            <a:spAutoFit/>
-          </a:bodyPr>
-          <a:lstStyle/>
-          <a:p>
-            <a:r>
-              <a:rPr lang="zh-CN" altLang="en-US" dirty="0" smtClean="0"/>
-              <a:t>希特勒</a:t>
-            </a:r>
-            <a:endParaRPr lang="zh-CN" altLang="en-US" dirty="0"/>
-          </a:p>
-        </p:txBody>
-      </p:sp>
-      <p:sp>
-        <p:nvSpPr>
-          <p:cNvPr id="7" name="文本框 6"/>
-          <p:cNvSpPr txBox="1"/>
-          <p:nvPr/>
-        </p:nvSpPr>
-        <p:spPr>
-          <a:xfrm>
-            <a:off x="2924752" y="2749774"/>
-            <a:ext cx="2723823" cy="369332"/>
-          </a:xfrm>
-          <a:prstGeom prst="rect">
-            <a:avLst/>
-          </a:prstGeom>
-          <a:noFill/>
-        </p:spPr>
-        <p:txBody>
-          <a:bodyPr wrap="none" rtlCol="0">
-            <a:spAutoFit/>
-          </a:bodyPr>
-          <a:lstStyle/>
-          <a:p>
-            <a:r>
-              <a:rPr lang="zh-CN" altLang="en-US" dirty="0" smtClean="0"/>
-              <a:t>果断与沉稳的拿捏不容易</a:t>
-            </a:r>
-            <a:endParaRPr lang="zh-CN" altLang="en-US" dirty="0"/>
-          </a:p>
-        </p:txBody>
-      </p:sp>
-      <p:sp>
-        <p:nvSpPr>
-          <p:cNvPr id="8" name="矩形 7"/>
-          <p:cNvSpPr/>
-          <p:nvPr/>
-        </p:nvSpPr>
-        <p:spPr>
-          <a:xfrm>
-            <a:off x="2963838" y="3393636"/>
-            <a:ext cx="2276585" cy="369332"/>
-          </a:xfrm>
-          <a:prstGeom prst="rect">
-            <a:avLst/>
-          </a:prstGeom>
-        </p:spPr>
-        <p:txBody>
-          <a:bodyPr wrap="none">
-            <a:spAutoFit/>
-          </a:bodyPr>
-          <a:lstStyle/>
-          <a:p>
-            <a:r>
-              <a:rPr lang="zh-CN" altLang="en-US" b="1" dirty="0">
-                <a:solidFill>
-                  <a:srgbClr val="2B2B2B"/>
-                </a:solidFill>
-                <a:latin typeface="宋体" panose="02010600030101010101" pitchFamily="2" charset="-122"/>
-              </a:rPr>
-              <a:t>周其仁：改革的逻辑</a:t>
-            </a:r>
           </a:p>
         </p:txBody>
       </p:sp>
     </p:spTree>
     <p:extLst>
       <p:ext uri="{BB962C8B-B14F-4D97-AF65-F5344CB8AC3E}">
-        <p14:creationId xmlns:p14="http://schemas.microsoft.com/office/powerpoint/2010/main" val="4547825"/>
+        <p14:creationId xmlns:p14="http://schemas.microsoft.com/office/powerpoint/2010/main" val="1783311368"/>
       </p:ext>
     </p:extLst>
   </p:cSld>
@@ -8080,8 +7739,8 @@
         </p:nvSpPr>
         <p:spPr>
           <a:xfrm>
-            <a:off x="571423" y="314741"/>
-            <a:ext cx="2567562" cy="646331"/>
+            <a:off x="2963838" y="860651"/>
+            <a:ext cx="7681416" cy="1200329"/>
           </a:xfrm>
           <a:prstGeom prst="rect">
             <a:avLst/>
@@ -8089,46 +7748,35 @@
           <a:noFill/>
         </p:spPr>
         <p:txBody>
-          <a:bodyPr wrap="none" rtlCol="0">
-            <a:spAutoFit/>
-          </a:bodyPr>
-          <a:lstStyle/>
-          <a:p>
+          <a:bodyPr wrap="square" rtlCol="0">
+            <a:spAutoFit/>
+          </a:bodyPr>
+          <a:lstStyle/>
+          <a:p>
+            <a:r>
+              <a:rPr lang="zh-CN" altLang="en-US" sz="3600" dirty="0"/>
+              <a:t>为什么火车票价格不能</a:t>
+            </a:r>
             <a:r>
               <a:rPr lang="zh-CN" altLang="en-US" sz="3600" dirty="0" smtClean="0"/>
-              <a:t>穷人怎么办</a:t>
+              <a:t>上涨</a:t>
+            </a:r>
+            <a:endParaRPr lang="en-US" altLang="zh-CN" sz="3600" dirty="0" smtClean="0"/>
+          </a:p>
+          <a:p>
+            <a:r>
+              <a:rPr lang="zh-CN" altLang="en-US" sz="3600" dirty="0" smtClean="0"/>
+              <a:t>价格管制原因（</a:t>
+            </a:r>
+            <a:r>
+              <a:rPr lang="en-US" altLang="zh-CN" sz="3600" dirty="0" smtClean="0"/>
+              <a:t>12</a:t>
+            </a:r>
+            <a:r>
+              <a:rPr lang="zh-CN" altLang="en-US" sz="3600" dirty="0" smtClean="0"/>
+              <a:t>周问答）</a:t>
             </a:r>
             <a:endParaRPr lang="zh-CN" altLang="en-US" sz="3600" dirty="0"/>
-          </a:p>
-        </p:txBody>
-      </p:sp>
-      <p:sp>
-        <p:nvSpPr>
-          <p:cNvPr id="2" name="文本框 1"/>
-          <p:cNvSpPr txBox="1"/>
-          <p:nvPr/>
-        </p:nvSpPr>
-        <p:spPr>
-          <a:xfrm>
-            <a:off x="1487606" y="1228298"/>
-            <a:ext cx="2031325" cy="369332"/>
-          </a:xfrm>
-          <a:prstGeom prst="rect">
-            <a:avLst/>
-          </a:prstGeom>
-          <a:noFill/>
-        </p:spPr>
-        <p:txBody>
-          <a:bodyPr wrap="none" rtlCol="0">
-            <a:spAutoFit/>
-          </a:bodyPr>
-          <a:lstStyle/>
-          <a:p>
-            <a:r>
-              <a:rPr lang="zh-CN" altLang="en-US" dirty="0" smtClean="0"/>
-              <a:t>购物券，市场机制</a:t>
-            </a:r>
-            <a:endParaRPr lang="zh-CN" altLang="en-US" dirty="0"/>
           </a:p>
         </p:txBody>
       </p:sp>
@@ -8140,8 +7788,8 @@
         </p:nvSpPr>
         <p:spPr>
           <a:xfrm>
-            <a:off x="1487606" y="1836719"/>
-            <a:ext cx="1406539" cy="369332"/>
+            <a:off x="3118763" y="2320119"/>
+            <a:ext cx="646331" cy="369332"/>
           </a:xfrm>
           <a:prstGeom prst="rect">
             <a:avLst/>
@@ -8156,11 +7804,67 @@
           <a:p>
             <a:r>
               <a:rPr lang="zh-CN" altLang="en-US" dirty="0" smtClean="0"/>
-              <a:t> 等待 </a:t>
-            </a:r>
-            <a:r>
-              <a:rPr lang="en-US" altLang="zh-CN" dirty="0" smtClean="0"/>
-              <a:t>outlets</a:t>
+              <a:t>维稳</a:t>
+            </a:r>
+            <a:endParaRPr lang="zh-CN" altLang="en-US" dirty="0"/>
+          </a:p>
+        </p:txBody>
+      </p:sp>
+      <p:sp>
+        <p:nvSpPr>
+          <p:cNvPr id="7" name="文本框 6"/>
+          <p:cNvSpPr txBox="1"/>
+          <p:nvPr/>
+        </p:nvSpPr>
+        <p:spPr>
+          <a:xfrm>
+            <a:off x="3100315" y="2884395"/>
+            <a:ext cx="2829621" cy="369332"/>
+          </a:xfrm>
+          <a:prstGeom prst="rect">
+            <a:avLst/>
+          </a:prstGeom>
+          <a:noFill/>
+        </p:spPr>
+        <p:txBody>
+          <a:bodyPr wrap="none" rtlCol="0">
+            <a:spAutoFit/>
+          </a:bodyPr>
+          <a:lstStyle/>
+          <a:p>
+            <a:r>
+              <a:rPr lang="zh-CN" altLang="en-US" dirty="0" smtClean="0"/>
+              <a:t>既得利益者， 学生， 官员</a:t>
+            </a:r>
+            <a:endParaRPr lang="zh-CN" altLang="en-US" dirty="0"/>
+          </a:p>
+        </p:txBody>
+      </p:sp>
+      <p:sp>
+        <p:nvSpPr>
+          <p:cNvPr id="8" name="文本框 7"/>
+          <p:cNvSpPr txBox="1"/>
+          <p:nvPr/>
+        </p:nvSpPr>
+        <p:spPr>
+          <a:xfrm>
+            <a:off x="3100315" y="3448671"/>
+            <a:ext cx="1107996" cy="369332"/>
+          </a:xfrm>
+          <a:prstGeom prst="rect">
+            <a:avLst/>
+          </a:prstGeom>
+          <a:noFill/>
+        </p:spPr>
+        <p:txBody>
+          <a:bodyPr wrap="none" rtlCol="0">
+            <a:spAutoFit/>
+          </a:bodyPr>
+          <a:lstStyle/>
+          <a:p>
+            <a:r>
+              <a:rPr lang="zh-CN" altLang="en-US" dirty="0" smtClean="0"/>
+              <a:t>人们无知</a:t>
             </a:r>
             <a:endParaRPr lang="zh-CN" altLang="en-US" dirty="0"/>
           </a:p>
@@ -8169,7 +7873,7 @@
     </p:spTree>
     <p:extLst>
       <p:ext uri="{BB962C8B-B14F-4D97-AF65-F5344CB8AC3E}">
-        <p14:creationId xmlns:p14="http://schemas.microsoft.com/office/powerpoint/2010/main" val="2705872648"/>
+        <p14:creationId xmlns:p14="http://schemas.microsoft.com/office/powerpoint/2010/main" val="3890439"/>
       </p:ext>
     </p:extLst>
   </p:cSld>
@@ -8183,6 +7887,175 @@
       </p:par>
     </p:tnLst>
   </p:timing>
+</p:sld>
+</file>
+
+<file path=ppt/slides/slide39.xml><?xml version="1.0" encoding="utf-8"?>
+<p:sld xmlns:a="http://schemas.openxmlformats.org/drawingml/2006/main" xmlns:r="http://schemas.openxmlformats.org/officeDocument/2006/relationships" xmlns:p="http://schemas.openxmlformats.org/presentationml/2006/main">
+  <p:cSld>
+    <p:spTree>
+      <p:nvGrpSpPr>
+        <p:cNvPr id="1" name=""/>
+        <p:cNvGrpSpPr/>
+        <p:nvPr/>
+      </p:nvGrpSpPr>
+      <p:grpSpPr>
+        <a:xfrm>
+          <a:off x="0" y="0"/>
+          <a:ext cx="0" cy="0"/>
+          <a:chOff x="0" y="0"/>
+          <a:chExt cx="0" cy="0"/>
+        </a:xfrm>
+      </p:grpSpPr>
+      <p:sp>
+        <p:nvSpPr>
+          <p:cNvPr id="6" name="文本框 5"/>
+          <p:cNvSpPr txBox="1"/>
+          <p:nvPr/>
+        </p:nvSpPr>
+        <p:spPr>
+          <a:xfrm>
+            <a:off x="2336039" y="587697"/>
+            <a:ext cx="6316922" cy="646331"/>
+          </a:xfrm>
+          <a:prstGeom prst="rect">
+            <a:avLst/>
+          </a:prstGeom>
+          <a:noFill/>
+        </p:spPr>
+        <p:txBody>
+          <a:bodyPr wrap="none" rtlCol="0">
+            <a:spAutoFit/>
+          </a:bodyPr>
+          <a:lstStyle/>
+          <a:p>
+            <a:r>
+              <a:rPr lang="zh-CN" altLang="en-US" sz="3600" dirty="0" smtClean="0"/>
+              <a:t>如何解决火车票购票难得问题</a:t>
+            </a:r>
+            <a:endParaRPr lang="zh-CN" altLang="en-US" sz="3600" dirty="0"/>
+          </a:p>
+        </p:txBody>
+      </p:sp>
+      <p:sp>
+        <p:nvSpPr>
+          <p:cNvPr id="2" name="矩形 1"/>
+          <p:cNvSpPr/>
+          <p:nvPr/>
+        </p:nvSpPr>
+        <p:spPr>
+          <a:xfrm>
+            <a:off x="2336039" y="2015192"/>
+            <a:ext cx="2206053" cy="369332"/>
+          </a:xfrm>
+          <a:prstGeom prst="rect">
+            <a:avLst/>
+          </a:prstGeom>
+        </p:spPr>
+        <p:txBody>
+          <a:bodyPr wrap="none">
+            <a:spAutoFit/>
+          </a:bodyPr>
+          <a:lstStyle/>
+          <a:p>
+            <a:r>
+              <a:rPr lang="en-US" altLang="zh-CN" dirty="0"/>
+              <a:t>2</a:t>
+            </a:r>
+            <a:r>
+              <a:rPr lang="en-US" altLang="zh-CN" dirty="0" smtClean="0"/>
+              <a:t>.</a:t>
+            </a:r>
+            <a:r>
+              <a:rPr lang="zh-CN" altLang="en-US" dirty="0" smtClean="0"/>
+              <a:t>黄牛</a:t>
+            </a:r>
+            <a:r>
+              <a:rPr lang="zh-CN" altLang="en-US" dirty="0"/>
+              <a:t>节省无谓损失</a:t>
+            </a:r>
+          </a:p>
+        </p:txBody>
+      </p:sp>
+      <p:sp>
+        <p:nvSpPr>
+          <p:cNvPr id="3" name="矩形 2"/>
+          <p:cNvSpPr/>
+          <p:nvPr/>
+        </p:nvSpPr>
+        <p:spPr>
+          <a:xfrm>
+            <a:off x="2336039" y="1439944"/>
+            <a:ext cx="2436886" cy="369332"/>
+          </a:xfrm>
+          <a:prstGeom prst="rect">
+            <a:avLst/>
+          </a:prstGeom>
+        </p:spPr>
+        <p:txBody>
+          <a:bodyPr wrap="none">
+            <a:spAutoFit/>
+          </a:bodyPr>
+          <a:lstStyle/>
+          <a:p>
+            <a:r>
+              <a:rPr lang="en-US" altLang="zh-CN" dirty="0" smtClean="0"/>
+              <a:t>1.</a:t>
+            </a:r>
+            <a:r>
+              <a:rPr lang="zh-CN" altLang="en-US" dirty="0" smtClean="0"/>
+              <a:t>实名制</a:t>
+            </a:r>
+            <a:r>
+              <a:rPr lang="zh-CN" altLang="en-US" dirty="0"/>
+              <a:t>使火车票更贵</a:t>
+            </a:r>
+          </a:p>
+        </p:txBody>
+      </p:sp>
+      <p:sp>
+        <p:nvSpPr>
+          <p:cNvPr id="5" name="矩形 4"/>
+          <p:cNvSpPr/>
+          <p:nvPr/>
+        </p:nvSpPr>
+        <p:spPr>
+          <a:xfrm>
+            <a:off x="2336038" y="2590440"/>
+            <a:ext cx="2667718" cy="369332"/>
+          </a:xfrm>
+          <a:prstGeom prst="rect">
+            <a:avLst/>
+          </a:prstGeom>
+        </p:spPr>
+        <p:txBody>
+          <a:bodyPr wrap="none">
+            <a:spAutoFit/>
+          </a:bodyPr>
+          <a:lstStyle/>
+          <a:p>
+            <a:r>
+              <a:rPr lang="en-US" altLang="zh-CN" dirty="0" smtClean="0"/>
+              <a:t>3.</a:t>
+            </a:r>
+            <a:r>
+              <a:rPr lang="zh-CN" altLang="en-US" dirty="0" smtClean="0"/>
+              <a:t>放开火车票的价格管制</a:t>
+            </a:r>
+            <a:endParaRPr lang="zh-CN" altLang="en-US" dirty="0"/>
+          </a:p>
+        </p:txBody>
+      </p:sp>
+    </p:spTree>
+    <p:extLst>
+      <p:ext uri="{BB962C8B-B14F-4D97-AF65-F5344CB8AC3E}">
+        <p14:creationId xmlns:p14="http://schemas.microsoft.com/office/powerpoint/2010/main" val="2900519539"/>
+      </p:ext>
+    </p:extLst>
+  </p:cSld>
+  <p:clrMapOvr>
+    <a:masterClrMapping/>
+  </p:clrMapOvr>
 </p:sld>
 </file>
 
@@ -8205,7 +8078,7 @@
       </p:grpSpPr>
       <p:sp>
         <p:nvSpPr>
-          <p:cNvPr id="11" name="标题 10"/>
+          <p:cNvPr id="2" name="标题 1"/>
           <p:cNvSpPr>
             <a:spLocks noGrp="1"/>
           </p:cNvSpPr>
@@ -8215,8 +8088,8 @@
         </p:nvSpPr>
         <p:spPr>
           <a:xfrm>
-            <a:off x="568657" y="494567"/>
-            <a:ext cx="4672084" cy="1320585"/>
+            <a:off x="1332931" y="247273"/>
+            <a:ext cx="9144000" cy="1053366"/>
           </a:xfrm>
         </p:spPr>
         <p:txBody>
@@ -8224,8 +8097,255 @@
           <a:lstStyle/>
           <a:p>
             <a:r>
-              <a:rPr lang="zh-CN" altLang="en-US" b="1" dirty="0"/>
-              <a:t>价格规律</a:t>
+              <a:rPr lang="zh-CN" altLang="en-US" dirty="0" smtClean="0"/>
+              <a:t>稀缺</a:t>
+            </a:r>
+            <a:endParaRPr lang="zh-CN" altLang="en-US" dirty="0"/>
+          </a:p>
+        </p:txBody>
+      </p:sp>
+      <p:sp>
+        <p:nvSpPr>
+          <p:cNvPr id="3" name="文本框 2"/>
+          <p:cNvSpPr txBox="1"/>
+          <p:nvPr/>
+        </p:nvSpPr>
+        <p:spPr>
+          <a:xfrm>
+            <a:off x="1981199" y="1408123"/>
+            <a:ext cx="7847463" cy="523220"/>
+          </a:xfrm>
+          <a:prstGeom prst="rect">
+            <a:avLst/>
+          </a:prstGeom>
+          <a:noFill/>
+        </p:spPr>
+        <p:txBody>
+          <a:bodyPr wrap="square" rtlCol="0">
+            <a:spAutoFit/>
+          </a:bodyPr>
+          <a:lstStyle/>
+          <a:p>
+            <a:r>
+              <a:rPr lang="en-US" altLang="zh-CN" sz="2800" dirty="0" smtClean="0"/>
+              <a:t>1.</a:t>
+            </a:r>
+            <a:r>
+              <a:rPr lang="zh-CN" altLang="en-US" sz="2800" dirty="0" smtClean="0"/>
+              <a:t>稀缺是基本事实</a:t>
+            </a:r>
+            <a:endParaRPr lang="zh-CN" altLang="en-US" sz="2800" dirty="0"/>
+          </a:p>
+        </p:txBody>
+      </p:sp>
+      <p:sp>
+        <p:nvSpPr>
+          <p:cNvPr id="4" name="文本框 3"/>
+          <p:cNvSpPr txBox="1"/>
+          <p:nvPr/>
+        </p:nvSpPr>
+        <p:spPr>
+          <a:xfrm>
+            <a:off x="2488441" y="2283753"/>
+            <a:ext cx="7847463" cy="369332"/>
+          </a:xfrm>
+          <a:prstGeom prst="rect">
+            <a:avLst/>
+          </a:prstGeom>
+          <a:noFill/>
+        </p:spPr>
+        <p:txBody>
+          <a:bodyPr wrap="square" rtlCol="0">
+            <a:spAutoFit/>
+          </a:bodyPr>
+          <a:lstStyle/>
+          <a:p>
+            <a:r>
+              <a:rPr lang="en-US" altLang="zh-CN" dirty="0" smtClean="0"/>
+              <a:t>1.</a:t>
+            </a:r>
+            <a:r>
+              <a:rPr lang="zh-CN" altLang="en-US" dirty="0" smtClean="0"/>
+              <a:t>你想要的东西别人也想要</a:t>
+            </a:r>
+            <a:endParaRPr lang="zh-CN" altLang="en-US" dirty="0"/>
+          </a:p>
+        </p:txBody>
+      </p:sp>
+      <p:sp>
+        <p:nvSpPr>
+          <p:cNvPr id="5" name="文本框 4"/>
+          <p:cNvSpPr txBox="1"/>
+          <p:nvPr/>
+        </p:nvSpPr>
+        <p:spPr>
+          <a:xfrm>
+            <a:off x="2488441" y="2850353"/>
+            <a:ext cx="7847463" cy="369332"/>
+          </a:xfrm>
+          <a:prstGeom prst="rect">
+            <a:avLst/>
+          </a:prstGeom>
+          <a:noFill/>
+        </p:spPr>
+        <p:txBody>
+          <a:bodyPr wrap="square" rtlCol="0">
+            <a:spAutoFit/>
+          </a:bodyPr>
+          <a:lstStyle/>
+          <a:p>
+            <a:r>
+              <a:rPr lang="en-US" altLang="zh-CN" dirty="0" smtClean="0"/>
+              <a:t>2.</a:t>
+            </a:r>
+            <a:r>
+              <a:rPr lang="zh-CN" altLang="en-US" dirty="0" smtClean="0"/>
+              <a:t>人的需求在不断提升（馒头，肉，酒，艺术，电影，话剧）</a:t>
+            </a:r>
+            <a:endParaRPr lang="zh-CN" altLang="en-US" dirty="0"/>
+          </a:p>
+        </p:txBody>
+      </p:sp>
+      <p:sp>
+        <p:nvSpPr>
+          <p:cNvPr id="6" name="矩形 5"/>
+          <p:cNvSpPr/>
+          <p:nvPr/>
+        </p:nvSpPr>
+        <p:spPr>
+          <a:xfrm>
+            <a:off x="2488441" y="4680868"/>
+            <a:ext cx="9742228" cy="923330"/>
+          </a:xfrm>
+          <a:prstGeom prst="rect">
+            <a:avLst/>
+          </a:prstGeom>
+        </p:spPr>
+        <p:txBody>
+          <a:bodyPr wrap="square">
+            <a:spAutoFit/>
+          </a:bodyPr>
+          <a:lstStyle/>
+          <a:p>
+            <a:r>
+              <a:rPr lang="zh-CN" altLang="en-US" dirty="0" smtClean="0"/>
+              <a:t>空气 ： “清新的空气”</a:t>
+            </a:r>
+            <a:endParaRPr lang="en-US" altLang="zh-CN" dirty="0" smtClean="0"/>
+          </a:p>
+          <a:p>
+            <a:r>
+              <a:rPr lang="zh-CN" altLang="en-US" dirty="0" smtClean="0"/>
+              <a:t>阳光 ：“太阳能”</a:t>
+            </a:r>
+            <a:endParaRPr lang="en-US" altLang="zh-CN" dirty="0" smtClean="0"/>
+          </a:p>
+          <a:p>
+            <a:r>
+              <a:rPr lang="zh-CN" altLang="en-US" dirty="0" smtClean="0"/>
+              <a:t>土地：“地理位置”</a:t>
+            </a:r>
+            <a:endParaRPr lang="zh-CN" altLang="en-US" dirty="0"/>
+          </a:p>
+        </p:txBody>
+      </p:sp>
+      <p:sp>
+        <p:nvSpPr>
+          <p:cNvPr id="7" name="文本框 6"/>
+          <p:cNvSpPr txBox="1"/>
+          <p:nvPr/>
+        </p:nvSpPr>
+        <p:spPr>
+          <a:xfrm>
+            <a:off x="1981198" y="3941428"/>
+            <a:ext cx="7847463" cy="523220"/>
+          </a:xfrm>
+          <a:prstGeom prst="rect">
+            <a:avLst/>
+          </a:prstGeom>
+          <a:noFill/>
+        </p:spPr>
+        <p:txBody>
+          <a:bodyPr wrap="square" rtlCol="0">
+            <a:spAutoFit/>
+          </a:bodyPr>
+          <a:lstStyle/>
+          <a:p>
+            <a:r>
+              <a:rPr lang="en-US" altLang="zh-CN" sz="2800" dirty="0" smtClean="0"/>
+              <a:t>2.</a:t>
+            </a:r>
+            <a:r>
+              <a:rPr lang="zh-CN" altLang="en-US" sz="2800" dirty="0" smtClean="0"/>
+              <a:t>稀缺含义宽广</a:t>
+            </a:r>
+            <a:endParaRPr lang="zh-CN" altLang="en-US" sz="2800" dirty="0"/>
+          </a:p>
+        </p:txBody>
+      </p:sp>
+      <p:sp>
+        <p:nvSpPr>
+          <p:cNvPr id="9" name="文本框 8"/>
+          <p:cNvSpPr txBox="1"/>
+          <p:nvPr/>
+        </p:nvSpPr>
+        <p:spPr>
+          <a:xfrm>
+            <a:off x="1953902" y="5690299"/>
+            <a:ext cx="7847463" cy="523220"/>
+          </a:xfrm>
+          <a:prstGeom prst="rect">
+            <a:avLst/>
+          </a:prstGeom>
+          <a:noFill/>
+        </p:spPr>
+        <p:txBody>
+          <a:bodyPr wrap="square" rtlCol="0">
+            <a:spAutoFit/>
+          </a:bodyPr>
+          <a:lstStyle/>
+          <a:p>
+            <a:r>
+              <a:rPr lang="en-US" altLang="zh-CN" sz="2800" dirty="0" smtClean="0"/>
+              <a:t>3.</a:t>
+            </a:r>
+            <a:r>
+              <a:rPr lang="zh-CN" altLang="en-US" sz="2800" dirty="0" smtClean="0"/>
+              <a:t>人类的需求永无止境</a:t>
+            </a:r>
+            <a:endParaRPr lang="zh-CN" altLang="en-US" sz="2800" dirty="0"/>
+          </a:p>
+        </p:txBody>
+      </p:sp>
+      <p:sp>
+        <p:nvSpPr>
+          <p:cNvPr id="10" name="文本框 9"/>
+          <p:cNvSpPr txBox="1"/>
+          <p:nvPr/>
+        </p:nvSpPr>
+        <p:spPr>
+          <a:xfrm>
+            <a:off x="2326942" y="6239465"/>
+            <a:ext cx="7847463" cy="369332"/>
+          </a:xfrm>
+          <a:prstGeom prst="rect">
+            <a:avLst/>
+          </a:prstGeom>
+          <a:noFill/>
+        </p:spPr>
+        <p:txBody>
+          <a:bodyPr wrap="square" rtlCol="0">
+            <a:spAutoFit/>
+          </a:bodyPr>
+          <a:lstStyle/>
+          <a:p>
+            <a:r>
+              <a:rPr lang="en-US" altLang="zh-CN" dirty="0" smtClean="0"/>
+              <a:t>1.</a:t>
+            </a:r>
+            <a:r>
+              <a:rPr lang="zh-CN" altLang="en-US" dirty="0" smtClean="0"/>
+              <a:t>高血压药</a:t>
             </a:r>
             <a:endParaRPr lang="zh-CN" altLang="en-US" dirty="0"/>
           </a:p>
@@ -8234,13 +8354,551 @@
     </p:spTree>
     <p:extLst>
       <p:ext uri="{BB962C8B-B14F-4D97-AF65-F5344CB8AC3E}">
-        <p14:creationId xmlns:p14="http://schemas.microsoft.com/office/powerpoint/2010/main" val="3058821386"/>
+        <p14:creationId xmlns:p14="http://schemas.microsoft.com/office/powerpoint/2010/main" val="2280323722"/>
       </p:ext>
     </p:extLst>
   </p:cSld>
   <p:clrMapOvr>
     <a:masterClrMapping/>
   </p:clrMapOvr>
+</p:sld>
+</file>
+
+<file path=ppt/slides/slide40.xml><?xml version="1.0" encoding="utf-8"?>
+<p:sld xmlns:a="http://schemas.openxmlformats.org/drawingml/2006/main" xmlns:r="http://schemas.openxmlformats.org/officeDocument/2006/relationships" xmlns:p="http://schemas.openxmlformats.org/presentationml/2006/main">
+  <p:cSld>
+    <p:spTree>
+      <p:nvGrpSpPr>
+        <p:cNvPr id="1" name=""/>
+        <p:cNvGrpSpPr/>
+        <p:nvPr/>
+      </p:nvGrpSpPr>
+      <p:grpSpPr>
+        <a:xfrm>
+          <a:off x="0" y="0"/>
+          <a:ext cx="0" cy="0"/>
+          <a:chOff x="0" y="0"/>
+          <a:chExt cx="0" cy="0"/>
+        </a:xfrm>
+      </p:grpSpPr>
+      <p:sp>
+        <p:nvSpPr>
+          <p:cNvPr id="6" name="文本框 5"/>
+          <p:cNvSpPr txBox="1"/>
+          <p:nvPr/>
+        </p:nvSpPr>
+        <p:spPr>
+          <a:xfrm>
+            <a:off x="2963838" y="860651"/>
+            <a:ext cx="2031325" cy="646331"/>
+          </a:xfrm>
+          <a:prstGeom prst="rect">
+            <a:avLst/>
+          </a:prstGeom>
+          <a:noFill/>
+        </p:spPr>
+        <p:txBody>
+          <a:bodyPr wrap="none" rtlCol="0">
+            <a:spAutoFit/>
+          </a:bodyPr>
+          <a:lstStyle/>
+          <a:p>
+            <a:r>
+              <a:rPr lang="zh-CN" altLang="en-US" sz="3600" dirty="0" smtClean="0"/>
+              <a:t>价格</a:t>
+            </a:r>
+            <a:r>
+              <a:rPr lang="zh-CN" altLang="en-US" sz="3600" dirty="0"/>
+              <a:t>管制</a:t>
+            </a:r>
+          </a:p>
+        </p:txBody>
+      </p:sp>
+    </p:spTree>
+    <p:extLst>
+      <p:ext uri="{BB962C8B-B14F-4D97-AF65-F5344CB8AC3E}">
+        <p14:creationId xmlns:p14="http://schemas.microsoft.com/office/powerpoint/2010/main" val="2803786362"/>
+      </p:ext>
+    </p:extLst>
+  </p:cSld>
+  <p:clrMapOvr>
+    <a:masterClrMapping/>
+  </p:clrMapOvr>
+  <p:timing>
+    <p:tnLst>
+      <p:par>
+        <p:cTn id="1" dur="indefinite" restart="never" nodeType="tmRoot"/>
+      </p:par>
+    </p:tnLst>
+  </p:timing>
+</p:sld>
+</file>
+
+<file path=ppt/slides/slide41.xml><?xml version="1.0" encoding="utf-8"?>
+<p:sld xmlns:a="http://schemas.openxmlformats.org/drawingml/2006/main" xmlns:r="http://schemas.openxmlformats.org/officeDocument/2006/relationships" xmlns:p="http://schemas.openxmlformats.org/presentationml/2006/main">
+  <p:cSld>
+    <p:spTree>
+      <p:nvGrpSpPr>
+        <p:cNvPr id="1" name=""/>
+        <p:cNvGrpSpPr/>
+        <p:nvPr/>
+      </p:nvGrpSpPr>
+      <p:grpSpPr>
+        <a:xfrm>
+          <a:off x="0" y="0"/>
+          <a:ext cx="0" cy="0"/>
+          <a:chOff x="0" y="0"/>
+          <a:chExt cx="0" cy="0"/>
+        </a:xfrm>
+      </p:grpSpPr>
+      <p:sp>
+        <p:nvSpPr>
+          <p:cNvPr id="6" name="文本框 5"/>
+          <p:cNvSpPr txBox="1"/>
+          <p:nvPr/>
+        </p:nvSpPr>
+        <p:spPr>
+          <a:xfrm>
+            <a:off x="2963838" y="860651"/>
+            <a:ext cx="3884397" cy="646331"/>
+          </a:xfrm>
+          <a:prstGeom prst="rect">
+            <a:avLst/>
+          </a:prstGeom>
+          <a:noFill/>
+        </p:spPr>
+        <p:txBody>
+          <a:bodyPr wrap="none" rtlCol="0">
+            <a:spAutoFit/>
+          </a:bodyPr>
+          <a:lstStyle/>
+          <a:p>
+            <a:r>
+              <a:rPr lang="zh-CN" altLang="en-US" sz="3600" dirty="0" smtClean="0"/>
+              <a:t>价格的作用（</a:t>
+            </a:r>
+            <a:r>
+              <a:rPr lang="en-US" altLang="zh-CN" sz="3600" dirty="0" smtClean="0"/>
+              <a:t>52</a:t>
+            </a:r>
+            <a:r>
+              <a:rPr lang="zh-CN" altLang="en-US" sz="3600" dirty="0" smtClean="0"/>
+              <a:t>）</a:t>
+            </a:r>
+            <a:endParaRPr lang="zh-CN" altLang="en-US" sz="3600" dirty="0"/>
+          </a:p>
+        </p:txBody>
+      </p:sp>
+      <p:sp>
+        <p:nvSpPr>
+          <p:cNvPr id="2" name="文本框 1"/>
+          <p:cNvSpPr txBox="1"/>
+          <p:nvPr/>
+        </p:nvSpPr>
+        <p:spPr>
+          <a:xfrm>
+            <a:off x="3138985" y="2115403"/>
+            <a:ext cx="1359668" cy="369332"/>
+          </a:xfrm>
+          <a:prstGeom prst="rect">
+            <a:avLst/>
+          </a:prstGeom>
+          <a:noFill/>
+        </p:spPr>
+        <p:txBody>
+          <a:bodyPr wrap="none" rtlCol="0">
+            <a:spAutoFit/>
+          </a:bodyPr>
+          <a:lstStyle/>
+          <a:p>
+            <a:r>
+              <a:rPr lang="zh-CN" altLang="en-US" dirty="0" smtClean="0"/>
+              <a:t>传递稀缺性</a:t>
+            </a:r>
+            <a:endParaRPr lang="zh-CN" altLang="en-US" dirty="0"/>
+          </a:p>
+        </p:txBody>
+      </p:sp>
+      <p:sp>
+        <p:nvSpPr>
+          <p:cNvPr id="4" name="文本框 3"/>
+          <p:cNvSpPr txBox="1"/>
+          <p:nvPr/>
+        </p:nvSpPr>
+        <p:spPr>
+          <a:xfrm>
+            <a:off x="3138985" y="2723824"/>
+            <a:ext cx="1107996" cy="369332"/>
+          </a:xfrm>
+          <a:prstGeom prst="rect">
+            <a:avLst/>
+          </a:prstGeom>
+          <a:noFill/>
+        </p:spPr>
+        <p:txBody>
+          <a:bodyPr wrap="none" rtlCol="0">
+            <a:spAutoFit/>
+          </a:bodyPr>
+          <a:lstStyle/>
+          <a:p>
+            <a:r>
+              <a:rPr lang="zh-CN" altLang="en-US" dirty="0" smtClean="0"/>
+              <a:t>指导生产</a:t>
+            </a:r>
+            <a:endParaRPr lang="zh-CN" altLang="en-US" dirty="0"/>
+          </a:p>
+        </p:txBody>
+      </p:sp>
+      <p:sp>
+        <p:nvSpPr>
+          <p:cNvPr id="5" name="文本框 4"/>
+          <p:cNvSpPr txBox="1"/>
+          <p:nvPr/>
+        </p:nvSpPr>
+        <p:spPr>
+          <a:xfrm>
+            <a:off x="3138985" y="3397956"/>
+            <a:ext cx="4976042" cy="369332"/>
+          </a:xfrm>
+          <a:prstGeom prst="rect">
+            <a:avLst/>
+          </a:prstGeom>
+          <a:noFill/>
+        </p:spPr>
+        <p:txBody>
+          <a:bodyPr wrap="none" rtlCol="0">
+            <a:spAutoFit/>
+          </a:bodyPr>
+          <a:lstStyle/>
+          <a:p>
+            <a:r>
+              <a:rPr lang="zh-CN" altLang="en-US" dirty="0" smtClean="0"/>
+              <a:t>指导产品分配，饼能做多大，取决于怎么分饼</a:t>
+            </a:r>
+            <a:endParaRPr lang="zh-CN" altLang="en-US" dirty="0"/>
+          </a:p>
+        </p:txBody>
+      </p:sp>
+    </p:spTree>
+    <p:extLst>
+      <p:ext uri="{BB962C8B-B14F-4D97-AF65-F5344CB8AC3E}">
+        <p14:creationId xmlns:p14="http://schemas.microsoft.com/office/powerpoint/2010/main" val="1088437163"/>
+      </p:ext>
+    </p:extLst>
+  </p:cSld>
+  <p:clrMapOvr>
+    <a:masterClrMapping/>
+  </p:clrMapOvr>
+  <p:timing>
+    <p:tnLst>
+      <p:par>
+        <p:cTn id="1" dur="indefinite" restart="never" nodeType="tmRoot"/>
+      </p:par>
+    </p:tnLst>
+  </p:timing>
+</p:sld>
+</file>
+
+<file path=ppt/slides/slide42.xml><?xml version="1.0" encoding="utf-8"?>
+<p:sld xmlns:a="http://schemas.openxmlformats.org/drawingml/2006/main" xmlns:r="http://schemas.openxmlformats.org/officeDocument/2006/relationships" xmlns:p="http://schemas.openxmlformats.org/presentationml/2006/main">
+  <p:cSld>
+    <p:spTree>
+      <p:nvGrpSpPr>
+        <p:cNvPr id="1" name=""/>
+        <p:cNvGrpSpPr/>
+        <p:nvPr/>
+      </p:nvGrpSpPr>
+      <p:grpSpPr>
+        <a:xfrm>
+          <a:off x="0" y="0"/>
+          <a:ext cx="0" cy="0"/>
+          <a:chOff x="0" y="0"/>
+          <a:chExt cx="0" cy="0"/>
+        </a:xfrm>
+      </p:grpSpPr>
+      <p:sp>
+        <p:nvSpPr>
+          <p:cNvPr id="6" name="文本框 5"/>
+          <p:cNvSpPr txBox="1"/>
+          <p:nvPr/>
+        </p:nvSpPr>
+        <p:spPr>
+          <a:xfrm>
+            <a:off x="2963838" y="860651"/>
+            <a:ext cx="3416320" cy="646331"/>
+          </a:xfrm>
+          <a:prstGeom prst="rect">
+            <a:avLst/>
+          </a:prstGeom>
+          <a:noFill/>
+        </p:spPr>
+        <p:txBody>
+          <a:bodyPr wrap="none" rtlCol="0">
+            <a:spAutoFit/>
+          </a:bodyPr>
+          <a:lstStyle/>
+          <a:p>
+            <a:r>
+              <a:rPr lang="zh-CN" altLang="en-US" sz="3600" dirty="0" smtClean="0"/>
+              <a:t>美国的房租管制</a:t>
+            </a:r>
+            <a:endParaRPr lang="zh-CN" altLang="en-US" sz="3600" dirty="0"/>
+          </a:p>
+        </p:txBody>
+      </p:sp>
+    </p:spTree>
+    <p:extLst>
+      <p:ext uri="{BB962C8B-B14F-4D97-AF65-F5344CB8AC3E}">
+        <p14:creationId xmlns:p14="http://schemas.microsoft.com/office/powerpoint/2010/main" val="3254254311"/>
+      </p:ext>
+    </p:extLst>
+  </p:cSld>
+  <p:clrMapOvr>
+    <a:masterClrMapping/>
+  </p:clrMapOvr>
+  <p:timing>
+    <p:tnLst>
+      <p:par>
+        <p:cTn id="1" dur="indefinite" restart="never" nodeType="tmRoot"/>
+      </p:par>
+    </p:tnLst>
+  </p:timing>
+</p:sld>
+</file>
+
+<file path=ppt/slides/slide43.xml><?xml version="1.0" encoding="utf-8"?>
+<p:sld xmlns:a="http://schemas.openxmlformats.org/drawingml/2006/main" xmlns:r="http://schemas.openxmlformats.org/officeDocument/2006/relationships" xmlns:p="http://schemas.openxmlformats.org/presentationml/2006/main">
+  <p:cSld>
+    <p:spTree>
+      <p:nvGrpSpPr>
+        <p:cNvPr id="1" name=""/>
+        <p:cNvGrpSpPr/>
+        <p:nvPr/>
+      </p:nvGrpSpPr>
+      <p:grpSpPr>
+        <a:xfrm>
+          <a:off x="0" y="0"/>
+          <a:ext cx="0" cy="0"/>
+          <a:chOff x="0" y="0"/>
+          <a:chExt cx="0" cy="0"/>
+        </a:xfrm>
+      </p:grpSpPr>
+      <p:sp>
+        <p:nvSpPr>
+          <p:cNvPr id="6" name="文本框 5"/>
+          <p:cNvSpPr txBox="1"/>
+          <p:nvPr/>
+        </p:nvSpPr>
+        <p:spPr>
+          <a:xfrm>
+            <a:off x="2963838" y="860651"/>
+            <a:ext cx="3701654" cy="646331"/>
+          </a:xfrm>
+          <a:prstGeom prst="rect">
+            <a:avLst/>
+          </a:prstGeom>
+          <a:noFill/>
+        </p:spPr>
+        <p:txBody>
+          <a:bodyPr wrap="none" rtlCol="0">
+            <a:spAutoFit/>
+          </a:bodyPr>
+          <a:lstStyle/>
+          <a:p>
+            <a:r>
+              <a:rPr lang="zh-CN" altLang="en-US" sz="3600" dirty="0"/>
+              <a:t>解除</a:t>
+            </a:r>
+            <a:r>
+              <a:rPr lang="zh-CN" altLang="en-US" sz="3600" dirty="0" smtClean="0"/>
+              <a:t>价格管制</a:t>
+            </a:r>
+            <a:r>
+              <a:rPr lang="en-US" altLang="zh-CN" sz="3600" dirty="0" smtClean="0"/>
+              <a:t>(47)</a:t>
+            </a:r>
+            <a:endParaRPr lang="zh-CN" altLang="en-US" sz="3600" dirty="0"/>
+          </a:p>
+        </p:txBody>
+      </p:sp>
+      <p:sp>
+        <p:nvSpPr>
+          <p:cNvPr id="3" name="文本框 2"/>
+          <p:cNvSpPr txBox="1"/>
+          <p:nvPr/>
+        </p:nvSpPr>
+        <p:spPr>
+          <a:xfrm>
+            <a:off x="2873383" y="1736580"/>
+            <a:ext cx="1569660" cy="369332"/>
+          </a:xfrm>
+          <a:prstGeom prst="rect">
+            <a:avLst/>
+          </a:prstGeom>
+          <a:noFill/>
+        </p:spPr>
+        <p:txBody>
+          <a:bodyPr wrap="none" rtlCol="0">
+            <a:spAutoFit/>
+          </a:bodyPr>
+          <a:lstStyle/>
+          <a:p>
+            <a:r>
+              <a:rPr lang="zh-CN" altLang="en-US" dirty="0" smtClean="0"/>
+              <a:t>解除价格管制</a:t>
+            </a:r>
+            <a:endParaRPr lang="zh-CN" altLang="en-US" dirty="0"/>
+          </a:p>
+        </p:txBody>
+      </p:sp>
+      <p:sp>
+        <p:nvSpPr>
+          <p:cNvPr id="4" name="文本框 3"/>
+          <p:cNvSpPr txBox="1"/>
+          <p:nvPr/>
+        </p:nvSpPr>
+        <p:spPr>
+          <a:xfrm>
+            <a:off x="3710837" y="2231007"/>
+            <a:ext cx="2954655" cy="369332"/>
+          </a:xfrm>
+          <a:prstGeom prst="rect">
+            <a:avLst/>
+          </a:prstGeom>
+          <a:noFill/>
+        </p:spPr>
+        <p:txBody>
+          <a:bodyPr wrap="none" rtlCol="0">
+            <a:spAutoFit/>
+          </a:bodyPr>
+          <a:lstStyle/>
+          <a:p>
+            <a:r>
+              <a:rPr lang="en-US" altLang="zh-CN" dirty="0" smtClean="0"/>
+              <a:t>《</a:t>
+            </a:r>
+            <a:r>
+              <a:rPr lang="zh-CN" altLang="en-US" dirty="0" smtClean="0"/>
+              <a:t>制高点：世界经济之战</a:t>
+            </a:r>
+            <a:r>
+              <a:rPr lang="en-US" altLang="zh-CN" dirty="0" smtClean="0"/>
+              <a:t>》</a:t>
+            </a:r>
+            <a:endParaRPr lang="zh-CN" altLang="en-US" dirty="0"/>
+          </a:p>
+        </p:txBody>
+      </p:sp>
+      <p:sp>
+        <p:nvSpPr>
+          <p:cNvPr id="5" name="文本框 4"/>
+          <p:cNvSpPr txBox="1"/>
+          <p:nvPr/>
+        </p:nvSpPr>
+        <p:spPr>
+          <a:xfrm>
+            <a:off x="3042679" y="2231007"/>
+            <a:ext cx="877163" cy="369332"/>
+          </a:xfrm>
+          <a:prstGeom prst="rect">
+            <a:avLst/>
+          </a:prstGeom>
+          <a:noFill/>
+        </p:spPr>
+        <p:txBody>
+          <a:bodyPr wrap="none" rtlCol="0">
+            <a:spAutoFit/>
+          </a:bodyPr>
+          <a:lstStyle/>
+          <a:p>
+            <a:r>
+              <a:rPr lang="zh-CN" altLang="en-US" dirty="0" smtClean="0"/>
+              <a:t>希特勒</a:t>
+            </a:r>
+            <a:endParaRPr lang="zh-CN" altLang="en-US" dirty="0"/>
+          </a:p>
+        </p:txBody>
+      </p:sp>
+      <p:sp>
+        <p:nvSpPr>
+          <p:cNvPr id="7" name="文本框 6"/>
+          <p:cNvSpPr txBox="1"/>
+          <p:nvPr/>
+        </p:nvSpPr>
+        <p:spPr>
+          <a:xfrm>
+            <a:off x="2924752" y="2749774"/>
+            <a:ext cx="2723823" cy="369332"/>
+          </a:xfrm>
+          <a:prstGeom prst="rect">
+            <a:avLst/>
+          </a:prstGeom>
+          <a:noFill/>
+        </p:spPr>
+        <p:txBody>
+          <a:bodyPr wrap="none" rtlCol="0">
+            <a:spAutoFit/>
+          </a:bodyPr>
+          <a:lstStyle/>
+          <a:p>
+            <a:r>
+              <a:rPr lang="zh-CN" altLang="en-US" dirty="0" smtClean="0"/>
+              <a:t>果断与沉稳的拿捏不容易</a:t>
+            </a:r>
+            <a:endParaRPr lang="zh-CN" altLang="en-US" dirty="0"/>
+          </a:p>
+        </p:txBody>
+      </p:sp>
+      <p:sp>
+        <p:nvSpPr>
+          <p:cNvPr id="8" name="矩形 7"/>
+          <p:cNvSpPr/>
+          <p:nvPr/>
+        </p:nvSpPr>
+        <p:spPr>
+          <a:xfrm>
+            <a:off x="2963838" y="3393636"/>
+            <a:ext cx="2276585" cy="369332"/>
+          </a:xfrm>
+          <a:prstGeom prst="rect">
+            <a:avLst/>
+          </a:prstGeom>
+        </p:spPr>
+        <p:txBody>
+          <a:bodyPr wrap="none">
+            <a:spAutoFit/>
+          </a:bodyPr>
+          <a:lstStyle/>
+          <a:p>
+            <a:r>
+              <a:rPr lang="zh-CN" altLang="en-US" b="1" dirty="0">
+                <a:solidFill>
+                  <a:srgbClr val="2B2B2B"/>
+                </a:solidFill>
+                <a:latin typeface="宋体" panose="02010600030101010101" pitchFamily="2" charset="-122"/>
+              </a:rPr>
+              <a:t>周其仁：改革的逻辑</a:t>
+            </a:r>
+          </a:p>
+        </p:txBody>
+      </p:sp>
+    </p:spTree>
+    <p:extLst>
+      <p:ext uri="{BB962C8B-B14F-4D97-AF65-F5344CB8AC3E}">
+        <p14:creationId xmlns:p14="http://schemas.microsoft.com/office/powerpoint/2010/main" val="4547825"/>
+      </p:ext>
+    </p:extLst>
+  </p:cSld>
+  <p:clrMapOvr>
+    <a:masterClrMapping/>
+  </p:clrMapOvr>
+  <p:timing>
+    <p:tnLst>
+      <p:par>
+        <p:cTn id="1" dur="indefinite" restart="never" nodeType="tmRoot"/>
+      </p:par>
+    </p:tnLst>
+  </p:timing>
 </p:sld>
 </file>
 
@@ -8273,7 +8931,7 @@
         </p:nvSpPr>
         <p:spPr>
           <a:xfrm>
-            <a:off x="1332931" y="247273"/>
+            <a:off x="1305635" y="655093"/>
             <a:ext cx="9144000" cy="1053366"/>
           </a:xfrm>
         </p:spPr>
@@ -8283,7 +8941,7 @@
           <a:p>
             <a:r>
               <a:rPr lang="zh-CN" altLang="en-US" dirty="0" smtClean="0"/>
-              <a:t>稀缺</a:t>
+              <a:t>选择和歧视</a:t>
             </a:r>
             <a:endParaRPr lang="zh-CN" altLang="en-US" dirty="0"/>
           </a:p>
@@ -8297,7 +8955,7 @@
         </p:nvSpPr>
         <p:spPr>
           <a:xfrm>
-            <a:off x="1981199" y="1408123"/>
+            <a:off x="1953903" y="1708459"/>
             <a:ext cx="7847463" cy="523220"/>
           </a:xfrm>
           <a:prstGeom prst="rect">
@@ -8317,7 +8975,7 @@
             </a:r>
             <a:r>
               <a:rPr lang="zh-CN" altLang="en-US" sz="2800" dirty="0" smtClean="0"/>
-              <a:t>稀缺是基本事实</a:t>
+              <a:t>歧视不可避免</a:t>
             </a:r>
             <a:endParaRPr lang="zh-CN" altLang="en-US" sz="2800" dirty="0"/>
           </a:p>
@@ -8331,7 +8989,69 @@
         </p:nvSpPr>
         <p:spPr>
           <a:xfrm>
-            <a:off x="2488441" y="2283753"/>
+            <a:off x="2474793" y="2231679"/>
+            <a:ext cx="7847463" cy="369332"/>
+          </a:xfrm>
+          <a:prstGeom prst="rect">
+            <a:avLst/>
+          </a:prstGeom>
+          <a:noFill/>
+        </p:spPr>
+        <p:txBody>
+          <a:bodyPr wrap="square" rtlCol="0">
+            <a:spAutoFit/>
+          </a:bodyPr>
+          <a:lstStyle/>
+          <a:p>
+            <a:r>
+              <a:rPr lang="zh-CN" altLang="en-US" dirty="0" smtClean="0"/>
+              <a:t>稀缺 </a:t>
+            </a:r>
+            <a:r>
+              <a:rPr lang="en-US" altLang="zh-CN" dirty="0" smtClean="0"/>
+              <a:t>----- </a:t>
+            </a:r>
+            <a:r>
+              <a:rPr lang="zh-CN" altLang="en-US" dirty="0" smtClean="0"/>
+              <a:t>选择 </a:t>
+            </a:r>
+            <a:r>
+              <a:rPr lang="en-US" altLang="zh-CN" dirty="0" smtClean="0"/>
+              <a:t>----</a:t>
+            </a:r>
+            <a:r>
+              <a:rPr lang="zh-CN" altLang="en-US" dirty="0" smtClean="0"/>
+              <a:t>标准 </a:t>
+            </a:r>
+            <a:r>
+              <a:rPr lang="en-US" altLang="zh-CN" dirty="0" smtClean="0"/>
+              <a:t>---- </a:t>
+            </a:r>
+            <a:r>
+              <a:rPr lang="zh-CN" altLang="en-US" dirty="0" smtClean="0"/>
+              <a:t>区别对待 </a:t>
+            </a:r>
+            <a:r>
+              <a:rPr lang="en-US" altLang="zh-CN" dirty="0" smtClean="0"/>
+              <a:t>---- </a:t>
+            </a:r>
+            <a:r>
+              <a:rPr lang="zh-CN" altLang="en-US" dirty="0" smtClean="0"/>
+              <a:t>歧视</a:t>
+            </a:r>
+            <a:endParaRPr lang="zh-CN" altLang="en-US" dirty="0"/>
+          </a:p>
+        </p:txBody>
+      </p:sp>
+      <p:sp>
+        <p:nvSpPr>
+          <p:cNvPr id="5" name="文本框 4"/>
+          <p:cNvSpPr txBox="1"/>
+          <p:nvPr/>
+        </p:nvSpPr>
+        <p:spPr>
+          <a:xfrm>
+            <a:off x="2474793" y="2640006"/>
             <a:ext cx="7847463" cy="369332"/>
           </a:xfrm>
           <a:prstGeom prst="rect">
@@ -8351,7 +9071,7 @@
             </a:r>
             <a:r>
               <a:rPr lang="zh-CN" altLang="en-US" dirty="0" smtClean="0"/>
-              <a:t>你想要的东西别人也想要</a:t>
+              <a:t>资源有限，铅笔</a:t>
             </a:r>
             <a:endParaRPr lang="zh-CN" altLang="en-US" dirty="0"/>
           </a:p>
@@ -8359,13 +9079,13 @@
       </p:sp>
       <p:sp>
         <p:nvSpPr>
-          <p:cNvPr id="5" name="文本框 4"/>
+          <p:cNvPr id="6" name="文本框 5"/>
           <p:cNvSpPr txBox="1"/>
           <p:nvPr/>
         </p:nvSpPr>
         <p:spPr>
           <a:xfrm>
-            <a:off x="2488441" y="2850353"/>
+            <a:off x="2474792" y="3033579"/>
             <a:ext cx="7847463" cy="369332"/>
           </a:xfrm>
           <a:prstGeom prst="rect">
@@ -8385,50 +9105,7 @@
             </a:r>
             <a:r>
               <a:rPr lang="zh-CN" altLang="en-US" dirty="0" smtClean="0"/>
-              <a:t>人的需求在不断提升（馒头，肉，酒，艺术，电影，话剧）</a:t>
-            </a:r>
-            <a:endParaRPr lang="zh-CN" altLang="en-US" dirty="0"/>
-          </a:p>
-        </p:txBody>
-      </p:sp>
-      <p:sp>
-        <p:nvSpPr>
-          <p:cNvPr id="6" name="矩形 5"/>
-          <p:cNvSpPr/>
-          <p:nvPr/>
-        </p:nvSpPr>
-        <p:spPr>
-          <a:xfrm>
-            <a:off x="2488441" y="4680868"/>
-            <a:ext cx="9742228" cy="923330"/>
-          </a:xfrm>
-          <a:prstGeom prst="rect">
-            <a:avLst/>
-          </a:prstGeom>
-        </p:spPr>
-        <p:txBody>
-          <a:bodyPr wrap="square">
-            <a:spAutoFit/>
-          </a:bodyPr>
-          <a:lstStyle/>
-          <a:p>
-            <a:r>
-              <a:rPr lang="zh-CN" altLang="en-US" dirty="0" smtClean="0"/>
-              <a:t>空气 ： “清新的空气”</a:t>
-            </a:r>
-            <a:endParaRPr lang="en-US" altLang="zh-CN" dirty="0" smtClean="0"/>
-          </a:p>
-          <a:p>
-            <a:r>
-              <a:rPr lang="zh-CN" altLang="en-US" dirty="0" smtClean="0"/>
-              <a:t>阳光 ：“太阳能”</a:t>
-            </a:r>
-            <a:endParaRPr lang="en-US" altLang="zh-CN" dirty="0" smtClean="0"/>
-          </a:p>
-          <a:p>
-            <a:r>
-              <a:rPr lang="zh-CN" altLang="en-US" dirty="0" smtClean="0"/>
-              <a:t>土地：“地理位置”</a:t>
+              <a:t>时间有限， 看电影</a:t>
             </a:r>
             <a:endParaRPr lang="zh-CN" altLang="en-US" dirty="0"/>
           </a:p>
@@ -8442,8 +9119,8 @@
         </p:nvSpPr>
         <p:spPr>
           <a:xfrm>
-            <a:off x="1981198" y="3941428"/>
-            <a:ext cx="7847463" cy="523220"/>
+            <a:off x="2474791" y="3466147"/>
+            <a:ext cx="7847463" cy="369332"/>
           </a:xfrm>
           <a:prstGeom prst="rect">
             <a:avLst/>
@@ -8457,80 +9134,12 @@
           <a:lstStyle/>
           <a:p>
             <a:r>
-              <a:rPr lang="en-US" altLang="zh-CN" sz="2800" dirty="0" smtClean="0"/>
-              <a:t>2.</a:t>
-            </a:r>
-            <a:r>
-              <a:rPr lang="zh-CN" altLang="en-US" sz="2800" dirty="0" smtClean="0"/>
-              <a:t>稀缺含义宽广</a:t>
-            </a:r>
-            <a:endParaRPr lang="zh-CN" altLang="en-US" sz="2800" dirty="0"/>
-          </a:p>
-        </p:txBody>
-      </p:sp>
-      <p:sp>
-        <p:nvSpPr>
-          <p:cNvPr id="9" name="文本框 8"/>
-          <p:cNvSpPr txBox="1"/>
-          <p:nvPr/>
-        </p:nvSpPr>
-        <p:spPr>
-          <a:xfrm>
-            <a:off x="1953902" y="5690299"/>
-            <a:ext cx="7847463" cy="523220"/>
-          </a:xfrm>
-          <a:prstGeom prst="rect">
-            <a:avLst/>
-          </a:prstGeom>
-          <a:noFill/>
-        </p:spPr>
-        <p:txBody>
-          <a:bodyPr wrap="square" rtlCol="0">
-            <a:spAutoFit/>
-          </a:bodyPr>
-          <a:lstStyle/>
-          <a:p>
-            <a:r>
-              <a:rPr lang="en-US" altLang="zh-CN" sz="2800" dirty="0" smtClean="0"/>
+              <a:rPr lang="en-US" altLang="zh-CN" dirty="0" smtClean="0"/>
               <a:t>3.</a:t>
             </a:r>
             <a:r>
-              <a:rPr lang="zh-CN" altLang="en-US" sz="2800" dirty="0" smtClean="0"/>
-              <a:t>人类的需求永无止境</a:t>
-            </a:r>
-            <a:endParaRPr lang="zh-CN" altLang="en-US" sz="2800" dirty="0"/>
-          </a:p>
-        </p:txBody>
-      </p:sp>
-      <p:sp>
-        <p:nvSpPr>
-          <p:cNvPr id="10" name="文本框 9"/>
-          <p:cNvSpPr txBox="1"/>
-          <p:nvPr/>
-        </p:nvSpPr>
-        <p:spPr>
-          <a:xfrm>
-            <a:off x="2326942" y="6239465"/>
-            <a:ext cx="7847463" cy="369332"/>
-          </a:xfrm>
-          <a:prstGeom prst="rect">
-            <a:avLst/>
-          </a:prstGeom>
-          <a:noFill/>
-        </p:spPr>
-        <p:txBody>
-          <a:bodyPr wrap="square" rtlCol="0">
-            <a:spAutoFit/>
-          </a:bodyPr>
-          <a:lstStyle/>
-          <a:p>
-            <a:r>
-              <a:rPr lang="en-US" altLang="zh-CN" dirty="0" smtClean="0"/>
-              <a:t>1.</a:t>
-            </a:r>
-            <a:r>
               <a:rPr lang="zh-CN" altLang="en-US" dirty="0" smtClean="0"/>
-              <a:t>高血压药</a:t>
+              <a:t>金钱有限，王菲，张学友</a:t>
             </a:r>
             <a:endParaRPr lang="zh-CN" altLang="en-US" dirty="0"/>
           </a:p>
@@ -8539,7 +9148,7 @@
     </p:spTree>
     <p:extLst>
       <p:ext uri="{BB962C8B-B14F-4D97-AF65-F5344CB8AC3E}">
-        <p14:creationId xmlns:p14="http://schemas.microsoft.com/office/powerpoint/2010/main" val="2280323722"/>
+        <p14:creationId xmlns:p14="http://schemas.microsoft.com/office/powerpoint/2010/main" val="1461519699"/>
       </p:ext>
     </p:extLst>
   </p:cSld>
@@ -8588,205 +9197,15 @@
           <a:p>
             <a:r>
               <a:rPr lang="zh-CN" altLang="en-US" dirty="0" smtClean="0"/>
-              <a:t>选择和歧视</a:t>
-            </a:r>
-            <a:endParaRPr lang="zh-CN" altLang="en-US" dirty="0"/>
-          </a:p>
-        </p:txBody>
-      </p:sp>
-      <p:sp>
-        <p:nvSpPr>
-          <p:cNvPr id="3" name="文本框 2"/>
-          <p:cNvSpPr txBox="1"/>
-          <p:nvPr/>
-        </p:nvSpPr>
-        <p:spPr>
-          <a:xfrm>
-            <a:off x="1953903" y="1708459"/>
-            <a:ext cx="7847463" cy="523220"/>
-          </a:xfrm>
-          <a:prstGeom prst="rect">
-            <a:avLst/>
-          </a:prstGeom>
-          <a:noFill/>
-        </p:spPr>
-        <p:txBody>
-          <a:bodyPr wrap="square" rtlCol="0">
-            <a:spAutoFit/>
-          </a:bodyPr>
-          <a:lstStyle/>
-          <a:p>
-            <a:r>
-              <a:rPr lang="en-US" altLang="zh-CN" sz="2800" dirty="0" smtClean="0"/>
-              <a:t>1.</a:t>
-            </a:r>
-            <a:r>
-              <a:rPr lang="zh-CN" altLang="en-US" sz="2800" dirty="0" smtClean="0"/>
-              <a:t>歧视不可避免</a:t>
-            </a:r>
-            <a:endParaRPr lang="zh-CN" altLang="en-US" sz="2800" dirty="0"/>
-          </a:p>
-        </p:txBody>
-      </p:sp>
-      <p:sp>
-        <p:nvSpPr>
-          <p:cNvPr id="4" name="文本框 3"/>
-          <p:cNvSpPr txBox="1"/>
-          <p:nvPr/>
-        </p:nvSpPr>
-        <p:spPr>
-          <a:xfrm>
-            <a:off x="2474793" y="2231679"/>
-            <a:ext cx="7847463" cy="369332"/>
-          </a:xfrm>
-          <a:prstGeom prst="rect">
-            <a:avLst/>
-          </a:prstGeom>
-          <a:noFill/>
-        </p:spPr>
-        <p:txBody>
-          <a:bodyPr wrap="square" rtlCol="0">
-            <a:spAutoFit/>
-          </a:bodyPr>
-          <a:lstStyle/>
-          <a:p>
+              <a:t>竞争（</a:t>
+            </a:r>
+            <a:r>
+              <a:rPr lang="en-US" altLang="zh-CN" dirty="0" smtClean="0"/>
+              <a:t>41</a:t>
+            </a:r>
             <a:r>
               <a:rPr lang="zh-CN" altLang="en-US" dirty="0" smtClean="0"/>
-              <a:t>稀缺 </a:t>
-            </a:r>
-            <a:r>
-              <a:rPr lang="en-US" altLang="zh-CN" dirty="0" smtClean="0"/>
-              <a:t>----- </a:t>
-            </a:r>
-            <a:r>
-              <a:rPr lang="zh-CN" altLang="en-US" dirty="0" smtClean="0"/>
-              <a:t>选择 </a:t>
-            </a:r>
-            <a:r>
-              <a:rPr lang="en-US" altLang="zh-CN" dirty="0" smtClean="0"/>
-              <a:t>----</a:t>
-            </a:r>
-            <a:r>
-              <a:rPr lang="zh-CN" altLang="en-US" dirty="0" smtClean="0"/>
-              <a:t>标准 </a:t>
-            </a:r>
-            <a:r>
-              <a:rPr lang="en-US" altLang="zh-CN" dirty="0" smtClean="0"/>
-              <a:t>---- </a:t>
-            </a:r>
-            <a:r>
-              <a:rPr lang="zh-CN" altLang="en-US" dirty="0" smtClean="0"/>
-              <a:t>区别对待 </a:t>
-            </a:r>
-            <a:r>
-              <a:rPr lang="en-US" altLang="zh-CN" dirty="0" smtClean="0"/>
-              <a:t>---- </a:t>
-            </a:r>
-            <a:r>
-              <a:rPr lang="zh-CN" altLang="en-US" dirty="0" smtClean="0"/>
-              <a:t>歧视</a:t>
-            </a:r>
-            <a:endParaRPr lang="zh-CN" altLang="en-US" dirty="0"/>
-          </a:p>
-        </p:txBody>
-      </p:sp>
-      <p:sp>
-        <p:nvSpPr>
-          <p:cNvPr id="5" name="文本框 4"/>
-          <p:cNvSpPr txBox="1"/>
-          <p:nvPr/>
-        </p:nvSpPr>
-        <p:spPr>
-          <a:xfrm>
-            <a:off x="2474793" y="2640006"/>
-            <a:ext cx="7847463" cy="369332"/>
-          </a:xfrm>
-          <a:prstGeom prst="rect">
-            <a:avLst/>
-          </a:prstGeom>
-          <a:noFill/>
-        </p:spPr>
-        <p:txBody>
-          <a:bodyPr wrap="square" rtlCol="0">
-            <a:spAutoFit/>
-          </a:bodyPr>
-          <a:lstStyle/>
-          <a:p>
-            <a:r>
-              <a:rPr lang="en-US" altLang="zh-CN" dirty="0" smtClean="0"/>
-              <a:t>1.</a:t>
-            </a:r>
-            <a:r>
-              <a:rPr lang="zh-CN" altLang="en-US" dirty="0" smtClean="0"/>
-              <a:t>资源有限，铅笔</a:t>
-            </a:r>
-            <a:endParaRPr lang="zh-CN" altLang="en-US" dirty="0"/>
-          </a:p>
-        </p:txBody>
-      </p:sp>
-      <p:sp>
-        <p:nvSpPr>
-          <p:cNvPr id="6" name="文本框 5"/>
-          <p:cNvSpPr txBox="1"/>
-          <p:nvPr/>
-        </p:nvSpPr>
-        <p:spPr>
-          <a:xfrm>
-            <a:off x="2474792" y="3033579"/>
-            <a:ext cx="7847463" cy="369332"/>
-          </a:xfrm>
-          <a:prstGeom prst="rect">
-            <a:avLst/>
-          </a:prstGeom>
-          <a:noFill/>
-        </p:spPr>
-        <p:txBody>
-          <a:bodyPr wrap="square" rtlCol="0">
-            <a:spAutoFit/>
-          </a:bodyPr>
-          <a:lstStyle/>
-          <a:p>
-            <a:r>
-              <a:rPr lang="en-US" altLang="zh-CN" dirty="0" smtClean="0"/>
-              <a:t>2.</a:t>
-            </a:r>
-            <a:r>
-              <a:rPr lang="zh-CN" altLang="en-US" dirty="0" smtClean="0"/>
-              <a:t>时间有限， 看电影</a:t>
-            </a:r>
-            <a:endParaRPr lang="zh-CN" altLang="en-US" dirty="0"/>
-          </a:p>
-        </p:txBody>
-      </p:sp>
-      <p:sp>
-        <p:nvSpPr>
-          <p:cNvPr id="7" name="文本框 6"/>
-          <p:cNvSpPr txBox="1"/>
-          <p:nvPr/>
-        </p:nvSpPr>
-        <p:spPr>
-          <a:xfrm>
-            <a:off x="2474791" y="3466147"/>
-            <a:ext cx="7847463" cy="369332"/>
-          </a:xfrm>
-          <a:prstGeom prst="rect">
-            <a:avLst/>
-          </a:prstGeom>
-          <a:noFill/>
-        </p:spPr>
-        <p:txBody>
-          <a:bodyPr wrap="square" rtlCol="0">
-            <a:spAutoFit/>
-          </a:bodyPr>
-          <a:lstStyle/>
-          <a:p>
-            <a:r>
-              <a:rPr lang="en-US" altLang="zh-CN" dirty="0" smtClean="0"/>
-              <a:t>3.</a:t>
-            </a:r>
-            <a:r>
-              <a:rPr lang="zh-CN" altLang="en-US" dirty="0" smtClean="0"/>
-              <a:t>金钱有限，王菲，张学友</a:t>
+              <a:t>）</a:t>
             </a:r>
             <a:endParaRPr lang="zh-CN" altLang="en-US" dirty="0"/>
           </a:p>
@@ -8795,7 +9214,7 @@
     </p:spTree>
     <p:extLst>
       <p:ext uri="{BB962C8B-B14F-4D97-AF65-F5344CB8AC3E}">
-        <p14:creationId xmlns:p14="http://schemas.microsoft.com/office/powerpoint/2010/main" val="1461519699"/>
+        <p14:creationId xmlns:p14="http://schemas.microsoft.com/office/powerpoint/2010/main" val="3470965269"/>
       </p:ext>
     </p:extLst>
   </p:cSld>
@@ -8844,24 +9263,411 @@
           <a:p>
             <a:r>
               <a:rPr lang="zh-CN" altLang="en-US" dirty="0" smtClean="0"/>
-              <a:t>竞争（</a:t>
-            </a:r>
-            <a:r>
-              <a:rPr lang="en-US" altLang="zh-CN" dirty="0" smtClean="0"/>
-              <a:t>41</a:t>
-            </a:r>
+              <a:t>竞争的规则</a:t>
+            </a:r>
+            <a:endParaRPr lang="zh-CN" altLang="en-US" dirty="0"/>
+          </a:p>
+        </p:txBody>
+      </p:sp>
+      <p:sp>
+        <p:nvSpPr>
+          <p:cNvPr id="11" name="文本框 10"/>
+          <p:cNvSpPr txBox="1"/>
+          <p:nvPr/>
+        </p:nvSpPr>
+        <p:spPr>
+          <a:xfrm>
+            <a:off x="1733264" y="5598500"/>
+            <a:ext cx="7847463" cy="369332"/>
+          </a:xfrm>
+          <a:prstGeom prst="rect">
+            <a:avLst/>
+          </a:prstGeom>
+          <a:noFill/>
+        </p:spPr>
+        <p:txBody>
+          <a:bodyPr wrap="square" rtlCol="0">
+            <a:spAutoFit/>
+          </a:bodyPr>
+          <a:lstStyle/>
+          <a:p>
             <a:r>
               <a:rPr lang="zh-CN" altLang="en-US" dirty="0" smtClean="0"/>
-              <a:t>）</a:t>
+              <a:t>没有那个规则更公平</a:t>
             </a:r>
             <a:endParaRPr lang="zh-CN" altLang="en-US" dirty="0"/>
+          </a:p>
+        </p:txBody>
+      </p:sp>
+      <p:sp>
+        <p:nvSpPr>
+          <p:cNvPr id="12" name="文本框 11"/>
+          <p:cNvSpPr txBox="1"/>
+          <p:nvPr/>
+        </p:nvSpPr>
+        <p:spPr>
+          <a:xfrm>
+            <a:off x="1733266" y="5023200"/>
+            <a:ext cx="7847463" cy="369332"/>
+          </a:xfrm>
+          <a:prstGeom prst="rect">
+            <a:avLst/>
+          </a:prstGeom>
+          <a:noFill/>
+        </p:spPr>
+        <p:txBody>
+          <a:bodyPr wrap="square" rtlCol="0">
+            <a:spAutoFit/>
+          </a:bodyPr>
+          <a:lstStyle/>
+          <a:p>
+            <a:r>
+              <a:rPr lang="zh-CN" altLang="en-US" dirty="0" smtClean="0"/>
+              <a:t>竞争必有规则</a:t>
+            </a:r>
+            <a:endParaRPr lang="zh-CN" altLang="en-US" dirty="0"/>
+          </a:p>
+        </p:txBody>
+      </p:sp>
+      <p:sp>
+        <p:nvSpPr>
+          <p:cNvPr id="13" name="文本框 12"/>
+          <p:cNvSpPr txBox="1"/>
+          <p:nvPr/>
+        </p:nvSpPr>
+        <p:spPr>
+          <a:xfrm>
+            <a:off x="1733265" y="6139851"/>
+            <a:ext cx="7847463" cy="369332"/>
+          </a:xfrm>
+          <a:prstGeom prst="rect">
+            <a:avLst/>
+          </a:prstGeom>
+          <a:noFill/>
+        </p:spPr>
+        <p:txBody>
+          <a:bodyPr wrap="square" rtlCol="0">
+            <a:spAutoFit/>
+          </a:bodyPr>
+          <a:lstStyle/>
+          <a:p>
+            <a:r>
+              <a:rPr lang="zh-CN" altLang="en-US" dirty="0" smtClean="0"/>
+              <a:t>每种竞争都有成本</a:t>
+            </a:r>
+            <a:endParaRPr lang="zh-CN" altLang="en-US" dirty="0"/>
+          </a:p>
+        </p:txBody>
+      </p:sp>
+      <p:sp>
+        <p:nvSpPr>
+          <p:cNvPr id="6" name="标题 1"/>
+          <p:cNvSpPr txBox="1">
+            <a:spLocks/>
+          </p:cNvSpPr>
+          <p:nvPr/>
+        </p:nvSpPr>
+        <p:spPr>
+          <a:xfrm>
+            <a:off x="1305635" y="1557206"/>
+            <a:ext cx="2652216" cy="531440"/>
+          </a:xfrm>
+          <a:prstGeom prst="rect">
+            <a:avLst/>
+          </a:prstGeom>
+        </p:spPr>
+        <p:txBody>
+          <a:bodyPr vert="horz" lIns="91440" tIns="45720" rIns="91440" bIns="45720" rtlCol="0" anchor="b">
+            <a:normAutofit/>
+          </a:bodyPr>
+          <a:lstStyle>
+            <a:lvl1pPr algn="ctr" defTabSz="914400" rtl="0" eaLnBrk="1" latinLnBrk="0" hangingPunct="1">
+              <a:lnSpc>
+                <a:spcPct val="90000"/>
+              </a:lnSpc>
+              <a:spcBef>
+                <a:spcPct val="0"/>
+              </a:spcBef>
+              <a:buNone/>
+              <a:defRPr sz="6000" kern="1200">
+                <a:solidFill>
+                  <a:schemeClr val="tx1"/>
+                </a:solidFill>
+                <a:latin typeface="+mj-lt"/>
+                <a:ea typeface="+mj-ea"/>
+                <a:cs typeface="+mj-cs"/>
+              </a:defRPr>
+            </a:lvl1pPr>
+          </a:lstStyle>
+          <a:p>
+            <a:r>
+              <a:rPr lang="zh-CN" altLang="en-US" sz="2400" dirty="0" smtClean="0"/>
+              <a:t>暴力</a:t>
+            </a:r>
+            <a:endParaRPr lang="zh-CN" altLang="en-US" sz="2400" dirty="0"/>
+          </a:p>
+        </p:txBody>
+      </p:sp>
+      <p:sp>
+        <p:nvSpPr>
+          <p:cNvPr id="7" name="文本框 6"/>
+          <p:cNvSpPr txBox="1"/>
+          <p:nvPr/>
+        </p:nvSpPr>
+        <p:spPr>
+          <a:xfrm>
+            <a:off x="4790365" y="2046323"/>
+            <a:ext cx="7847463" cy="369332"/>
+          </a:xfrm>
+          <a:prstGeom prst="rect">
+            <a:avLst/>
+          </a:prstGeom>
+          <a:noFill/>
+        </p:spPr>
+        <p:txBody>
+          <a:bodyPr wrap="square" rtlCol="0">
+            <a:spAutoFit/>
+          </a:bodyPr>
+          <a:lstStyle/>
+          <a:p>
+            <a:r>
+              <a:rPr lang="zh-CN" altLang="en-US" dirty="0" smtClean="0"/>
+              <a:t>一个岛，一百个人，一块面包</a:t>
+            </a:r>
+            <a:endParaRPr lang="zh-CN" altLang="en-US" dirty="0"/>
+          </a:p>
+        </p:txBody>
+      </p:sp>
+      <p:sp>
+        <p:nvSpPr>
+          <p:cNvPr id="8" name="标题 1"/>
+          <p:cNvSpPr txBox="1">
+            <a:spLocks/>
+          </p:cNvSpPr>
+          <p:nvPr/>
+        </p:nvSpPr>
+        <p:spPr>
+          <a:xfrm>
+            <a:off x="1305635" y="2033811"/>
+            <a:ext cx="2652216" cy="597236"/>
+          </a:xfrm>
+          <a:prstGeom prst="rect">
+            <a:avLst/>
+          </a:prstGeom>
+        </p:spPr>
+        <p:txBody>
+          <a:bodyPr vert="horz" lIns="91440" tIns="45720" rIns="91440" bIns="45720" rtlCol="0" anchor="b">
+            <a:normAutofit/>
+          </a:bodyPr>
+          <a:lstStyle>
+            <a:lvl1pPr algn="ctr" defTabSz="914400" rtl="0" eaLnBrk="1" latinLnBrk="0" hangingPunct="1">
+              <a:lnSpc>
+                <a:spcPct val="90000"/>
+              </a:lnSpc>
+              <a:spcBef>
+                <a:spcPct val="0"/>
+              </a:spcBef>
+              <a:buNone/>
+              <a:defRPr sz="6000" kern="1200">
+                <a:solidFill>
+                  <a:schemeClr val="tx1"/>
+                </a:solidFill>
+                <a:latin typeface="+mj-lt"/>
+                <a:ea typeface="+mj-ea"/>
+                <a:cs typeface="+mj-cs"/>
+              </a:defRPr>
+            </a:lvl1pPr>
+          </a:lstStyle>
+          <a:p>
+            <a:r>
+              <a:rPr lang="zh-CN" altLang="en-US" sz="2400" dirty="0" smtClean="0"/>
+              <a:t>智力</a:t>
+            </a:r>
+            <a:endParaRPr lang="zh-CN" altLang="en-US" sz="2400" dirty="0"/>
+          </a:p>
+        </p:txBody>
+      </p:sp>
+      <p:sp>
+        <p:nvSpPr>
+          <p:cNvPr id="9" name="文本框 8"/>
+          <p:cNvSpPr txBox="1"/>
+          <p:nvPr/>
+        </p:nvSpPr>
+        <p:spPr>
+          <a:xfrm>
+            <a:off x="4790365" y="3099689"/>
+            <a:ext cx="7847463" cy="369332"/>
+          </a:xfrm>
+          <a:prstGeom prst="rect">
+            <a:avLst/>
+          </a:prstGeom>
+          <a:noFill/>
+        </p:spPr>
+        <p:txBody>
+          <a:bodyPr wrap="square" rtlCol="0">
+            <a:spAutoFit/>
+          </a:bodyPr>
+          <a:lstStyle/>
+          <a:p>
+            <a:r>
+              <a:rPr lang="zh-CN" altLang="en-US" dirty="0" smtClean="0"/>
+              <a:t>文凭，考试</a:t>
+            </a:r>
+            <a:endParaRPr lang="zh-CN" altLang="en-US" dirty="0"/>
+          </a:p>
+        </p:txBody>
+      </p:sp>
+      <p:sp>
+        <p:nvSpPr>
+          <p:cNvPr id="10" name="标题 1"/>
+          <p:cNvSpPr txBox="1">
+            <a:spLocks/>
+          </p:cNvSpPr>
+          <p:nvPr/>
+        </p:nvSpPr>
+        <p:spPr>
+          <a:xfrm>
+            <a:off x="1305635" y="2776343"/>
+            <a:ext cx="2652216" cy="508379"/>
+          </a:xfrm>
+          <a:prstGeom prst="rect">
+            <a:avLst/>
+          </a:prstGeom>
+        </p:spPr>
+        <p:txBody>
+          <a:bodyPr vert="horz" lIns="91440" tIns="45720" rIns="91440" bIns="45720" rtlCol="0" anchor="b">
+            <a:normAutofit/>
+          </a:bodyPr>
+          <a:lstStyle>
+            <a:lvl1pPr algn="ctr" defTabSz="914400" rtl="0" eaLnBrk="1" latinLnBrk="0" hangingPunct="1">
+              <a:lnSpc>
+                <a:spcPct val="90000"/>
+              </a:lnSpc>
+              <a:spcBef>
+                <a:spcPct val="0"/>
+              </a:spcBef>
+              <a:buNone/>
+              <a:defRPr sz="6000" kern="1200">
+                <a:solidFill>
+                  <a:schemeClr val="tx1"/>
+                </a:solidFill>
+                <a:latin typeface="+mj-lt"/>
+                <a:ea typeface="+mj-ea"/>
+                <a:cs typeface="+mj-cs"/>
+              </a:defRPr>
+            </a:lvl1pPr>
+          </a:lstStyle>
+          <a:p>
+            <a:r>
+              <a:rPr lang="zh-CN" altLang="en-US" sz="2400" dirty="0" smtClean="0"/>
+              <a:t>论资排辈</a:t>
+            </a:r>
+            <a:endParaRPr lang="zh-CN" altLang="en-US" sz="2400" dirty="0"/>
+          </a:p>
+        </p:txBody>
+      </p:sp>
+      <p:sp>
+        <p:nvSpPr>
+          <p:cNvPr id="14" name="标题 1"/>
+          <p:cNvSpPr txBox="1">
+            <a:spLocks/>
+          </p:cNvSpPr>
+          <p:nvPr/>
+        </p:nvSpPr>
+        <p:spPr>
+          <a:xfrm>
+            <a:off x="1305635" y="3491846"/>
+            <a:ext cx="2652216" cy="531092"/>
+          </a:xfrm>
+          <a:prstGeom prst="rect">
+            <a:avLst/>
+          </a:prstGeom>
+        </p:spPr>
+        <p:txBody>
+          <a:bodyPr vert="horz" lIns="91440" tIns="45720" rIns="91440" bIns="45720" rtlCol="0" anchor="b">
+            <a:normAutofit/>
+          </a:bodyPr>
+          <a:lstStyle>
+            <a:lvl1pPr algn="ctr" defTabSz="914400" rtl="0" eaLnBrk="1" latinLnBrk="0" hangingPunct="1">
+              <a:lnSpc>
+                <a:spcPct val="90000"/>
+              </a:lnSpc>
+              <a:spcBef>
+                <a:spcPct val="0"/>
+              </a:spcBef>
+              <a:buNone/>
+              <a:defRPr sz="6000" kern="1200">
+                <a:solidFill>
+                  <a:schemeClr val="tx1"/>
+                </a:solidFill>
+                <a:latin typeface="+mj-lt"/>
+                <a:ea typeface="+mj-ea"/>
+                <a:cs typeface="+mj-cs"/>
+              </a:defRPr>
+            </a:lvl1pPr>
+          </a:lstStyle>
+          <a:p>
+            <a:r>
+              <a:rPr lang="zh-CN" altLang="en-US" sz="2400" dirty="0" smtClean="0"/>
+              <a:t>随机</a:t>
+            </a:r>
+            <a:endParaRPr lang="zh-CN" altLang="en-US" sz="2400" dirty="0"/>
+          </a:p>
+        </p:txBody>
+      </p:sp>
+      <p:sp>
+        <p:nvSpPr>
+          <p:cNvPr id="15" name="标题 1"/>
+          <p:cNvSpPr txBox="1">
+            <a:spLocks/>
+          </p:cNvSpPr>
+          <p:nvPr/>
+        </p:nvSpPr>
+        <p:spPr>
+          <a:xfrm>
+            <a:off x="1305635" y="4219188"/>
+            <a:ext cx="2652216" cy="441476"/>
+          </a:xfrm>
+          <a:prstGeom prst="rect">
+            <a:avLst/>
+          </a:prstGeom>
+        </p:spPr>
+        <p:txBody>
+          <a:bodyPr vert="horz" lIns="91440" tIns="45720" rIns="91440" bIns="45720" rtlCol="0" anchor="b">
+            <a:normAutofit/>
+          </a:bodyPr>
+          <a:lstStyle>
+            <a:lvl1pPr algn="ctr" defTabSz="914400" rtl="0" eaLnBrk="1" latinLnBrk="0" hangingPunct="1">
+              <a:lnSpc>
+                <a:spcPct val="90000"/>
+              </a:lnSpc>
+              <a:spcBef>
+                <a:spcPct val="0"/>
+              </a:spcBef>
+              <a:buNone/>
+              <a:defRPr sz="6000" kern="1200">
+                <a:solidFill>
+                  <a:schemeClr val="tx1"/>
+                </a:solidFill>
+                <a:latin typeface="+mj-lt"/>
+                <a:ea typeface="+mj-ea"/>
+                <a:cs typeface="+mj-cs"/>
+              </a:defRPr>
+            </a:lvl1pPr>
+          </a:lstStyle>
+          <a:p>
+            <a:r>
+              <a:rPr lang="zh-CN" altLang="en-US" sz="2400" dirty="0" smtClean="0"/>
+              <a:t>价格</a:t>
+            </a:r>
+            <a:endParaRPr lang="zh-CN" altLang="en-US" sz="2400" dirty="0"/>
           </a:p>
         </p:txBody>
       </p:sp>
     </p:spTree>
     <p:extLst>
       <p:ext uri="{BB962C8B-B14F-4D97-AF65-F5344CB8AC3E}">
-        <p14:creationId xmlns:p14="http://schemas.microsoft.com/office/powerpoint/2010/main" val="3470965269"/>
+        <p14:creationId xmlns:p14="http://schemas.microsoft.com/office/powerpoint/2010/main" val="1927548412"/>
       </p:ext>
     </p:extLst>
   </p:cSld>
@@ -8910,97 +9716,7 @@
           <a:p>
             <a:r>
               <a:rPr lang="zh-CN" altLang="en-US" dirty="0" smtClean="0"/>
-              <a:t>竞争的规则</a:t>
-            </a:r>
-            <a:endParaRPr lang="zh-CN" altLang="en-US" dirty="0"/>
-          </a:p>
-        </p:txBody>
-      </p:sp>
-      <p:sp>
-        <p:nvSpPr>
-          <p:cNvPr id="11" name="文本框 10"/>
-          <p:cNvSpPr txBox="1"/>
-          <p:nvPr/>
-        </p:nvSpPr>
-        <p:spPr>
-          <a:xfrm>
-            <a:off x="1733264" y="5598500"/>
-            <a:ext cx="7847463" cy="369332"/>
-          </a:xfrm>
-          <a:prstGeom prst="rect">
-            <a:avLst/>
-          </a:prstGeom>
-          <a:noFill/>
-        </p:spPr>
-        <p:txBody>
-          <a:bodyPr wrap="square" rtlCol="0">
-            <a:spAutoFit/>
-          </a:bodyPr>
-          <a:lstStyle/>
-          <a:p>
-            <a:r>
-              <a:rPr lang="zh-CN" altLang="en-US" dirty="0" smtClean="0"/>
-              <a:t>没有那个规则更公平</a:t>
-            </a:r>
-            <a:endParaRPr lang="zh-CN" altLang="en-US" dirty="0"/>
-          </a:p>
-        </p:txBody>
-      </p:sp>
-      <p:sp>
-        <p:nvSpPr>
-          <p:cNvPr id="12" name="文本框 11"/>
-          <p:cNvSpPr txBox="1"/>
-          <p:nvPr/>
-        </p:nvSpPr>
-        <p:spPr>
-          <a:xfrm>
-            <a:off x="1733266" y="5023200"/>
-            <a:ext cx="7847463" cy="369332"/>
-          </a:xfrm>
-          <a:prstGeom prst="rect">
-            <a:avLst/>
-          </a:prstGeom>
-          <a:noFill/>
-        </p:spPr>
-        <p:txBody>
-          <a:bodyPr wrap="square" rtlCol="0">
-            <a:spAutoFit/>
-          </a:bodyPr>
-          <a:lstStyle/>
-          <a:p>
-            <a:r>
-              <a:rPr lang="zh-CN" altLang="en-US" dirty="0" smtClean="0"/>
-              <a:t>竞争必有规则</a:t>
-            </a:r>
-            <a:endParaRPr lang="zh-CN" altLang="en-US" dirty="0"/>
-          </a:p>
-        </p:txBody>
-      </p:sp>
-      <p:sp>
-        <p:nvSpPr>
-          <p:cNvPr id="13" name="文本框 12"/>
-          <p:cNvSpPr txBox="1"/>
-          <p:nvPr/>
-        </p:nvSpPr>
-        <p:spPr>
-          <a:xfrm>
-            <a:off x="1733265" y="6139851"/>
-            <a:ext cx="7847463" cy="369332"/>
-          </a:xfrm>
-          <a:prstGeom prst="rect">
-            <a:avLst/>
-          </a:prstGeom>
-          <a:noFill/>
-        </p:spPr>
-        <p:txBody>
-          <a:bodyPr wrap="square" rtlCol="0">
-            <a:spAutoFit/>
-          </a:bodyPr>
-          <a:lstStyle/>
-          <a:p>
-            <a:r>
-              <a:rPr lang="zh-CN" altLang="en-US" dirty="0" smtClean="0"/>
-              <a:t>每种竞争都有成本</a:t>
+              <a:t>竞争的成本</a:t>
             </a:r>
             <a:endParaRPr lang="zh-CN" altLang="en-US" dirty="0"/>
           </a:p>
@@ -9016,8 +9732,8 @@
         </p:nvSpPr>
         <p:spPr>
           <a:xfrm>
-            <a:off x="1305635" y="1557206"/>
-            <a:ext cx="2652216" cy="531440"/>
+            <a:off x="3612106" y="4121624"/>
+            <a:ext cx="5204347" cy="873457"/>
           </a:xfrm>
           <a:prstGeom prst="rect">
             <a:avLst/>
@@ -9025,7 +9741,7 @@
         </p:spPr>
         <p:txBody>
           <a:bodyPr vert="horz" lIns="91440" tIns="45720" rIns="91440" bIns="45720" rtlCol="0" anchor="b">
-            <a:normAutofit/>
+            <a:noAutofit/>
           </a:bodyPr>
           <a:lstStyle>
             <a:lvl1pPr algn="ctr" defTabSz="914400" rtl="0" eaLnBrk="1" latinLnBrk="0" hangingPunct="1">
@@ -9048,273 +9764,17 @@
           </a:lstStyle>
           <a:p>
             <a:r>
-              <a:rPr lang="zh-CN" altLang="en-US" sz="2400" dirty="0" smtClean="0"/>
-              <a:t>暴力</a:t>
-            </a:r>
-            <a:endParaRPr lang="zh-CN" altLang="en-US" sz="2400" dirty="0"/>
-          </a:p>
-        </p:txBody>
-      </p:sp>
-      <p:sp>
-        <p:nvSpPr>
-          <p:cNvPr id="7" name="文本框 6"/>
-          <p:cNvSpPr txBox="1"/>
-          <p:nvPr/>
-        </p:nvSpPr>
-        <p:spPr>
-          <a:xfrm>
-            <a:off x="4790365" y="2046323"/>
-            <a:ext cx="7847463" cy="369332"/>
-          </a:xfrm>
-          <a:prstGeom prst="rect">
-            <a:avLst/>
-          </a:prstGeom>
-          <a:noFill/>
-        </p:spPr>
-        <p:txBody>
-          <a:bodyPr wrap="square" rtlCol="0">
-            <a:spAutoFit/>
-          </a:bodyPr>
-          <a:lstStyle/>
-          <a:p>
-            <a:r>
-              <a:rPr lang="zh-CN" altLang="en-US" dirty="0" smtClean="0"/>
-              <a:t>一个岛，一百个人，一块面包</a:t>
-            </a:r>
-            <a:endParaRPr lang="zh-CN" altLang="en-US" dirty="0"/>
-          </a:p>
-        </p:txBody>
-      </p:sp>
-      <p:sp>
-        <p:nvSpPr>
-          <p:cNvPr id="8" name="标题 1"/>
-          <p:cNvSpPr txBox="1">
-            <a:spLocks/>
-          </p:cNvSpPr>
-          <p:nvPr/>
-        </p:nvSpPr>
-        <p:spPr>
-          <a:xfrm>
-            <a:off x="1305635" y="2033811"/>
-            <a:ext cx="2652216" cy="597236"/>
-          </a:xfrm>
-          <a:prstGeom prst="rect">
-            <a:avLst/>
-          </a:prstGeom>
-        </p:spPr>
-        <p:txBody>
-          <a:bodyPr vert="horz" lIns="91440" tIns="45720" rIns="91440" bIns="45720" rtlCol="0" anchor="b">
-            <a:normAutofit/>
-          </a:bodyPr>
-          <a:lstStyle>
-            <a:lvl1pPr algn="ctr" defTabSz="914400" rtl="0" eaLnBrk="1" latinLnBrk="0" hangingPunct="1">
-              <a:lnSpc>
-                <a:spcPct val="90000"/>
-              </a:lnSpc>
-              <a:spcBef>
-                <a:spcPct val="0"/>
-              </a:spcBef>
-              <a:buNone/>
-              <a:defRPr sz="6000" kern="1200">
-                <a:solidFill>
-                  <a:schemeClr val="tx1"/>
-                </a:solidFill>
-                <a:latin typeface="+mj-lt"/>
-                <a:ea typeface="+mj-ea"/>
-                <a:cs typeface="+mj-cs"/>
-              </a:defRPr>
-            </a:lvl1pPr>
-          </a:lstStyle>
-          <a:p>
-            <a:r>
-              <a:rPr lang="zh-CN" altLang="en-US" sz="2400" dirty="0" smtClean="0"/>
-              <a:t>智力</a:t>
-            </a:r>
-            <a:endParaRPr lang="zh-CN" altLang="en-US" sz="2400" dirty="0"/>
-          </a:p>
-        </p:txBody>
-      </p:sp>
-      <p:sp>
-        <p:nvSpPr>
-          <p:cNvPr id="9" name="文本框 8"/>
-          <p:cNvSpPr txBox="1"/>
-          <p:nvPr/>
-        </p:nvSpPr>
-        <p:spPr>
-          <a:xfrm>
-            <a:off x="4790365" y="3099689"/>
-            <a:ext cx="7847463" cy="369332"/>
-          </a:xfrm>
-          <a:prstGeom prst="rect">
-            <a:avLst/>
-          </a:prstGeom>
-          <a:noFill/>
-        </p:spPr>
-        <p:txBody>
-          <a:bodyPr wrap="square" rtlCol="0">
-            <a:spAutoFit/>
-          </a:bodyPr>
-          <a:lstStyle/>
-          <a:p>
-            <a:r>
-              <a:rPr lang="zh-CN" altLang="en-US" dirty="0" smtClean="0"/>
-              <a:t>文凭，考试</a:t>
-            </a:r>
-            <a:endParaRPr lang="zh-CN" altLang="en-US" dirty="0"/>
-          </a:p>
-        </p:txBody>
-      </p:sp>
-      <p:sp>
-        <p:nvSpPr>
-          <p:cNvPr id="10" name="标题 1"/>
-          <p:cNvSpPr txBox="1">
-            <a:spLocks/>
-          </p:cNvSpPr>
-          <p:nvPr/>
-        </p:nvSpPr>
-        <p:spPr>
-          <a:xfrm>
-            <a:off x="1305635" y="2776343"/>
-            <a:ext cx="2652216" cy="508379"/>
-          </a:xfrm>
-          <a:prstGeom prst="rect">
-            <a:avLst/>
-          </a:prstGeom>
-        </p:spPr>
-        <p:txBody>
-          <a:bodyPr vert="horz" lIns="91440" tIns="45720" rIns="91440" bIns="45720" rtlCol="0" anchor="b">
-            <a:normAutofit/>
-          </a:bodyPr>
-          <a:lstStyle>
-            <a:lvl1pPr algn="ctr" defTabSz="914400" rtl="0" eaLnBrk="1" latinLnBrk="0" hangingPunct="1">
-              <a:lnSpc>
-                <a:spcPct val="90000"/>
-              </a:lnSpc>
-              <a:spcBef>
-                <a:spcPct val="0"/>
-              </a:spcBef>
-              <a:buNone/>
-              <a:defRPr sz="6000" kern="1200">
-                <a:solidFill>
-                  <a:schemeClr val="tx1"/>
-                </a:solidFill>
-                <a:latin typeface="+mj-lt"/>
-                <a:ea typeface="+mj-ea"/>
-                <a:cs typeface="+mj-cs"/>
-              </a:defRPr>
-            </a:lvl1pPr>
-          </a:lstStyle>
-          <a:p>
-            <a:r>
-              <a:rPr lang="zh-CN" altLang="en-US" sz="2400" dirty="0" smtClean="0"/>
-              <a:t>论资排辈</a:t>
-            </a:r>
-            <a:endParaRPr lang="zh-CN" altLang="en-US" sz="2400" dirty="0"/>
-          </a:p>
-        </p:txBody>
-      </p:sp>
-      <p:sp>
-        <p:nvSpPr>
-          <p:cNvPr id="14" name="标题 1"/>
-          <p:cNvSpPr txBox="1">
-            <a:spLocks/>
-          </p:cNvSpPr>
-          <p:nvPr/>
-        </p:nvSpPr>
-        <p:spPr>
-          <a:xfrm>
-            <a:off x="1305635" y="3491846"/>
-            <a:ext cx="2652216" cy="531092"/>
-          </a:xfrm>
-          <a:prstGeom prst="rect">
-            <a:avLst/>
-          </a:prstGeom>
-        </p:spPr>
-        <p:txBody>
-          <a:bodyPr vert="horz" lIns="91440" tIns="45720" rIns="91440" bIns="45720" rtlCol="0" anchor="b">
-            <a:normAutofit/>
-          </a:bodyPr>
-          <a:lstStyle>
-            <a:lvl1pPr algn="ctr" defTabSz="914400" rtl="0" eaLnBrk="1" latinLnBrk="0" hangingPunct="1">
-              <a:lnSpc>
-                <a:spcPct val="90000"/>
-              </a:lnSpc>
-              <a:spcBef>
-                <a:spcPct val="0"/>
-              </a:spcBef>
-              <a:buNone/>
-              <a:defRPr sz="6000" kern="1200">
-                <a:solidFill>
-                  <a:schemeClr val="tx1"/>
-                </a:solidFill>
-                <a:latin typeface="+mj-lt"/>
-                <a:ea typeface="+mj-ea"/>
-                <a:cs typeface="+mj-cs"/>
-              </a:defRPr>
-            </a:lvl1pPr>
-          </a:lstStyle>
-          <a:p>
-            <a:r>
-              <a:rPr lang="zh-CN" altLang="en-US" sz="2400" dirty="0" smtClean="0"/>
-              <a:t>随机</a:t>
-            </a:r>
-            <a:endParaRPr lang="zh-CN" altLang="en-US" sz="2400" dirty="0"/>
-          </a:p>
-        </p:txBody>
-      </p:sp>
-      <p:sp>
-        <p:nvSpPr>
-          <p:cNvPr id="15" name="标题 1"/>
-          <p:cNvSpPr txBox="1">
-            <a:spLocks/>
-          </p:cNvSpPr>
-          <p:nvPr/>
-        </p:nvSpPr>
-        <p:spPr>
-          <a:xfrm>
-            <a:off x="1305635" y="4219188"/>
-            <a:ext cx="2652216" cy="441476"/>
-          </a:xfrm>
-          <a:prstGeom prst="rect">
-            <a:avLst/>
-          </a:prstGeom>
-        </p:spPr>
-        <p:txBody>
-          <a:bodyPr vert="horz" lIns="91440" tIns="45720" rIns="91440" bIns="45720" rtlCol="0" anchor="b">
-            <a:normAutofit/>
-          </a:bodyPr>
-          <a:lstStyle>
-            <a:lvl1pPr algn="ctr" defTabSz="914400" rtl="0" eaLnBrk="1" latinLnBrk="0" hangingPunct="1">
-              <a:lnSpc>
-                <a:spcPct val="90000"/>
-              </a:lnSpc>
-              <a:spcBef>
-                <a:spcPct val="0"/>
-              </a:spcBef>
-              <a:buNone/>
-              <a:defRPr sz="6000" kern="1200">
-                <a:solidFill>
-                  <a:schemeClr val="tx1"/>
-                </a:solidFill>
-                <a:latin typeface="+mj-lt"/>
-                <a:ea typeface="+mj-ea"/>
-                <a:cs typeface="+mj-cs"/>
-              </a:defRPr>
-            </a:lvl1pPr>
-          </a:lstStyle>
-          <a:p>
-            <a:r>
-              <a:rPr lang="zh-CN" altLang="en-US" sz="2400" dirty="0" smtClean="0"/>
-              <a:t>价格</a:t>
-            </a:r>
-            <a:endParaRPr lang="zh-CN" altLang="en-US" sz="2400" dirty="0"/>
+              <a:rPr lang="zh-CN" altLang="en-US" sz="3200" dirty="0" smtClean="0"/>
+              <a:t>许多竞争规则，其他人难以获益</a:t>
+            </a:r>
+            <a:endParaRPr lang="zh-CN" altLang="en-US" sz="3200" dirty="0"/>
           </a:p>
         </p:txBody>
       </p:sp>
     </p:spTree>
     <p:extLst>
       <p:ext uri="{BB962C8B-B14F-4D97-AF65-F5344CB8AC3E}">
-        <p14:creationId xmlns:p14="http://schemas.microsoft.com/office/powerpoint/2010/main" val="1927548412"/>
+        <p14:creationId xmlns:p14="http://schemas.microsoft.com/office/powerpoint/2010/main" val="457562960"/>
       </p:ext>
     </p:extLst>
   </p:cSld>
@@ -9362,8 +9822,12 @@
           <a:lstStyle/>
           <a:p>
             <a:r>
+              <a:rPr lang="zh-CN" altLang="en-US" dirty="0"/>
+              <a:t>短缺</a:t>
+            </a:r>
+            <a:r>
               <a:rPr lang="zh-CN" altLang="en-US" dirty="0" smtClean="0"/>
-              <a:t>竞争的成本</a:t>
+              <a:t>和过剩</a:t>
             </a:r>
             <a:endParaRPr lang="zh-CN" altLang="en-US" dirty="0"/>
           </a:p>
@@ -9371,57 +9835,257 @@
       </p:sp>
       <p:sp>
         <p:nvSpPr>
-          <p:cNvPr id="6" name="标题 1"/>
-          <p:cNvSpPr txBox="1">
-            <a:spLocks/>
-          </p:cNvSpPr>
-          <p:nvPr/>
-        </p:nvSpPr>
-        <p:spPr>
-          <a:xfrm>
-            <a:off x="3612106" y="4121624"/>
-            <a:ext cx="5204347" cy="873457"/>
-          </a:xfrm>
-          <a:prstGeom prst="rect">
-            <a:avLst/>
-          </a:prstGeom>
-        </p:spPr>
-        <p:txBody>
-          <a:bodyPr vert="horz" lIns="91440" tIns="45720" rIns="91440" bIns="45720" rtlCol="0" anchor="b">
-            <a:noAutofit/>
-          </a:bodyPr>
-          <a:lstStyle>
-            <a:lvl1pPr algn="ctr" defTabSz="914400" rtl="0" eaLnBrk="1" latinLnBrk="0" hangingPunct="1">
-              <a:lnSpc>
-                <a:spcPct val="90000"/>
-              </a:lnSpc>
-              <a:spcBef>
-                <a:spcPct val="0"/>
-              </a:spcBef>
-              <a:buNone/>
-              <a:defRPr sz="6000" kern="1200">
-                <a:solidFill>
-                  <a:schemeClr val="tx1"/>
-                </a:solidFill>
-                <a:latin typeface="+mj-lt"/>
-                <a:ea typeface="+mj-ea"/>
-                <a:cs typeface="+mj-cs"/>
-              </a:defRPr>
-            </a:lvl1pPr>
-          </a:lstStyle>
-          <a:p>
-            <a:r>
-              <a:rPr lang="zh-CN" altLang="en-US" sz="3200" dirty="0" smtClean="0"/>
-              <a:t>许多竞争规则，其他人难以获益</a:t>
-            </a:r>
-            <a:endParaRPr lang="zh-CN" altLang="en-US" sz="3200" dirty="0"/>
+          <p:cNvPr id="3" name="矩形 2"/>
+          <p:cNvSpPr/>
+          <p:nvPr/>
+        </p:nvSpPr>
+        <p:spPr>
+          <a:xfrm>
+            <a:off x="1041778" y="5437580"/>
+            <a:ext cx="10449637" cy="646331"/>
+          </a:xfrm>
+          <a:prstGeom prst="rect">
+            <a:avLst/>
+          </a:prstGeom>
+        </p:spPr>
+        <p:txBody>
+          <a:bodyPr wrap="square">
+            <a:spAutoFit/>
+          </a:bodyPr>
+          <a:lstStyle/>
+          <a:p>
+            <a:r>
+              <a:rPr lang="zh-CN" altLang="en-US" dirty="0">
+                <a:solidFill>
+                  <a:srgbClr val="000000"/>
+                </a:solidFill>
+                <a:latin typeface="宋体" panose="02010600030101010101" pitchFamily="2" charset="-122"/>
+              </a:rPr>
+              <a:t>任何商品，因为人们的需求没有止境，所以只要价格过低，就会出现短缺。消除短缺的唯一办法，就是把价格提到足够高。</a:t>
+            </a:r>
+            <a:endParaRPr lang="zh-CN" altLang="en-US" dirty="0"/>
+          </a:p>
+        </p:txBody>
+      </p:sp>
+      <p:sp>
+        <p:nvSpPr>
+          <p:cNvPr id="5" name="矩形 4"/>
+          <p:cNvSpPr/>
+          <p:nvPr/>
+        </p:nvSpPr>
+        <p:spPr>
+          <a:xfrm>
+            <a:off x="1742363" y="1708459"/>
+            <a:ext cx="10449637" cy="369332"/>
+          </a:xfrm>
+          <a:prstGeom prst="rect">
+            <a:avLst/>
+          </a:prstGeom>
+        </p:spPr>
+        <p:txBody>
+          <a:bodyPr wrap="square">
+            <a:spAutoFit/>
+          </a:bodyPr>
+          <a:lstStyle/>
+          <a:p>
+            <a:r>
+              <a:rPr lang="en-US" altLang="zh-CN" dirty="0" smtClean="0">
+                <a:solidFill>
+                  <a:srgbClr val="000000"/>
+                </a:solidFill>
+                <a:latin typeface="宋体" panose="02010600030101010101" pitchFamily="2" charset="-122"/>
+              </a:rPr>
+              <a:t>1.</a:t>
+            </a:r>
+            <a:r>
+              <a:rPr lang="zh-CN" altLang="en-US" dirty="0" smtClean="0">
+                <a:solidFill>
+                  <a:srgbClr val="000000"/>
+                </a:solidFill>
+                <a:latin typeface="宋体" panose="02010600030101010101" pitchFamily="2" charset="-122"/>
+              </a:rPr>
+              <a:t>稀缺与短缺的关系</a:t>
+            </a:r>
+            <a:endParaRPr lang="zh-CN" altLang="en-US" dirty="0"/>
+          </a:p>
+        </p:txBody>
+      </p:sp>
+      <p:sp>
+        <p:nvSpPr>
+          <p:cNvPr id="7" name="矩形 6"/>
+          <p:cNvSpPr/>
+          <p:nvPr/>
+        </p:nvSpPr>
+        <p:spPr>
+          <a:xfrm>
+            <a:off x="1742363" y="2392493"/>
+            <a:ext cx="10449637" cy="646331"/>
+          </a:xfrm>
+          <a:prstGeom prst="rect">
+            <a:avLst/>
+          </a:prstGeom>
+        </p:spPr>
+        <p:txBody>
+          <a:bodyPr wrap="square">
+            <a:spAutoFit/>
+          </a:bodyPr>
+          <a:lstStyle/>
+          <a:p>
+            <a:r>
+              <a:rPr lang="en-US" altLang="zh-CN" dirty="0">
+                <a:solidFill>
+                  <a:srgbClr val="000000"/>
+                </a:solidFill>
+                <a:latin typeface="宋体" panose="02010600030101010101" pitchFamily="2" charset="-122"/>
+              </a:rPr>
+              <a:t>2</a:t>
+            </a:r>
+            <a:r>
+              <a:rPr lang="en-US" altLang="zh-CN" dirty="0" smtClean="0">
+                <a:solidFill>
+                  <a:srgbClr val="000000"/>
+                </a:solidFill>
+                <a:latin typeface="宋体" panose="02010600030101010101" pitchFamily="2" charset="-122"/>
+              </a:rPr>
+              <a:t>.</a:t>
+            </a:r>
+            <a:r>
+              <a:rPr lang="zh-CN" altLang="en-US" dirty="0" smtClean="0">
+                <a:solidFill>
+                  <a:srgbClr val="000000"/>
+                </a:solidFill>
+                <a:latin typeface="宋体" panose="02010600030101010101" pitchFamily="2" charset="-122"/>
+              </a:rPr>
+              <a:t>短缺是因为价格受到限制</a:t>
+            </a:r>
+            <a:endParaRPr lang="en-US" altLang="zh-CN" dirty="0" smtClean="0">
+              <a:solidFill>
+                <a:srgbClr val="000000"/>
+              </a:solidFill>
+              <a:latin typeface="宋体" panose="02010600030101010101" pitchFamily="2" charset="-122"/>
+            </a:endParaRPr>
+          </a:p>
+          <a:p>
+            <a:r>
+              <a:rPr lang="en-US" altLang="zh-CN" dirty="0" smtClean="0">
+                <a:solidFill>
+                  <a:srgbClr val="000000"/>
+                </a:solidFill>
+                <a:latin typeface="宋体" panose="02010600030101010101" pitchFamily="2" charset="-122"/>
+              </a:rPr>
+              <a:t>	</a:t>
+            </a:r>
+            <a:r>
+              <a:rPr lang="zh-CN" altLang="en-US" dirty="0" smtClean="0">
+                <a:solidFill>
+                  <a:srgbClr val="000000"/>
+                </a:solidFill>
+                <a:latin typeface="宋体" panose="02010600030101010101" pitchFamily="2" charset="-122"/>
+              </a:rPr>
+              <a:t>打车，春运，计划经济（凭票）</a:t>
+            </a:r>
+            <a:endParaRPr lang="zh-CN" altLang="en-US" dirty="0"/>
+          </a:p>
+        </p:txBody>
+      </p:sp>
+      <p:sp>
+        <p:nvSpPr>
+          <p:cNvPr id="8" name="矩形 7"/>
+          <p:cNvSpPr/>
+          <p:nvPr/>
+        </p:nvSpPr>
+        <p:spPr>
+          <a:xfrm>
+            <a:off x="1742363" y="3353526"/>
+            <a:ext cx="10449637" cy="1200329"/>
+          </a:xfrm>
+          <a:prstGeom prst="rect">
+            <a:avLst/>
+          </a:prstGeom>
+        </p:spPr>
+        <p:txBody>
+          <a:bodyPr wrap="square">
+            <a:spAutoFit/>
+          </a:bodyPr>
+          <a:lstStyle/>
+          <a:p>
+            <a:r>
+              <a:rPr lang="en-US" altLang="zh-CN" dirty="0" smtClean="0">
+                <a:solidFill>
+                  <a:srgbClr val="000000"/>
+                </a:solidFill>
+                <a:latin typeface="宋体" panose="02010600030101010101" pitchFamily="2" charset="-122"/>
+              </a:rPr>
+              <a:t>3.</a:t>
+            </a:r>
+            <a:r>
+              <a:rPr lang="zh-CN" altLang="en-US" dirty="0" smtClean="0">
+                <a:solidFill>
+                  <a:srgbClr val="000000"/>
+                </a:solidFill>
+                <a:latin typeface="宋体" panose="02010600030101010101" pitchFamily="2" charset="-122"/>
+              </a:rPr>
+              <a:t>过剩是价格被人拔高的结果</a:t>
+            </a:r>
+            <a:endParaRPr lang="en-US" altLang="zh-CN" dirty="0" smtClean="0">
+              <a:solidFill>
+                <a:srgbClr val="000000"/>
+              </a:solidFill>
+              <a:latin typeface="宋体" panose="02010600030101010101" pitchFamily="2" charset="-122"/>
+            </a:endParaRPr>
+          </a:p>
+          <a:p>
+            <a:r>
+              <a:rPr lang="en-US" altLang="zh-CN" dirty="0">
+                <a:solidFill>
+                  <a:srgbClr val="000000"/>
+                </a:solidFill>
+                <a:latin typeface="宋体" panose="02010600030101010101" pitchFamily="2" charset="-122"/>
+              </a:rPr>
+              <a:t>	</a:t>
+            </a:r>
+            <a:r>
+              <a:rPr lang="zh-CN" altLang="en-US" dirty="0" smtClean="0">
+                <a:solidFill>
+                  <a:srgbClr val="000000"/>
+                </a:solidFill>
+                <a:latin typeface="宋体" panose="02010600030101010101" pitchFamily="2" charset="-122"/>
+              </a:rPr>
+              <a:t>价格被人为哄抬，以至于卖家不能仅仅通过价格把东西卖出去，还要加上其他竞争手段</a:t>
+            </a:r>
+            <a:endParaRPr lang="en-US" altLang="zh-CN" dirty="0" smtClean="0">
+              <a:solidFill>
+                <a:srgbClr val="000000"/>
+              </a:solidFill>
+              <a:latin typeface="宋体" panose="02010600030101010101" pitchFamily="2" charset="-122"/>
+            </a:endParaRPr>
+          </a:p>
+          <a:p>
+            <a:endParaRPr lang="en-US" altLang="zh-CN" dirty="0" smtClean="0">
+              <a:solidFill>
+                <a:srgbClr val="000000"/>
+              </a:solidFill>
+              <a:latin typeface="宋体" panose="02010600030101010101" pitchFamily="2" charset="-122"/>
+            </a:endParaRPr>
+          </a:p>
+          <a:p>
+            <a:r>
+              <a:rPr lang="zh-CN" altLang="en-US" dirty="0" smtClean="0">
+                <a:solidFill>
+                  <a:srgbClr val="000000"/>
+                </a:solidFill>
+                <a:latin typeface="宋体" panose="02010600030101010101" pitchFamily="2" charset="-122"/>
+              </a:rPr>
+              <a:t>农产品</a:t>
+            </a:r>
+            <a:endParaRPr lang="zh-CN" altLang="en-US" dirty="0"/>
           </a:p>
         </p:txBody>
       </p:sp>
     </p:spTree>
     <p:extLst>
       <p:ext uri="{BB962C8B-B14F-4D97-AF65-F5344CB8AC3E}">
-        <p14:creationId xmlns:p14="http://schemas.microsoft.com/office/powerpoint/2010/main" val="457562960"/>
+        <p14:creationId xmlns:p14="http://schemas.microsoft.com/office/powerpoint/2010/main" val="472286259"/>
       </p:ext>
     </p:extLst>
   </p:cSld>
